--- a/Presentation/Presentation.pptx
+++ b/Presentation/Presentation.pptx
@@ -1,29 +1,30 @@
 
 <file path=ppt/presentation.xml><?xml version="1.0" encoding="utf-8"?>
-<p:presentation xmlns:a="http://schemas.openxmlformats.org/drawingml/2006/main" xmlns:r="http://schemas.openxmlformats.org/officeDocument/2006/relationships" xmlns:p="http://schemas.openxmlformats.org/presentationml/2006/main" saveSubsetFonts="1" autoCompressPictures="0">
+<p:presentation xmlns:a="http://schemas.openxmlformats.org/drawingml/2006/main" xmlns:r="http://schemas.openxmlformats.org/officeDocument/2006/relationships" xmlns:p="http://schemas.openxmlformats.org/presentationml/2006/main" showSpecialPlsOnTitleSld="0" saveSubsetFonts="1" autoCompressPictures="0">
   <p:sldMasterIdLst>
     <p:sldMasterId id="2147483660" r:id="rId1"/>
   </p:sldMasterIdLst>
   <p:notesMasterIdLst>
-    <p:notesMasterId r:id="rId15"/>
+    <p:notesMasterId r:id="rId16"/>
   </p:notesMasterIdLst>
   <p:handoutMasterIdLst>
-    <p:handoutMasterId r:id="rId16"/>
+    <p:handoutMasterId r:id="rId17"/>
   </p:handoutMasterIdLst>
   <p:sldIdLst>
     <p:sldId id="379" r:id="rId2"/>
-    <p:sldId id="399" r:id="rId3"/>
-    <p:sldId id="400" r:id="rId4"/>
-    <p:sldId id="398" r:id="rId5"/>
-    <p:sldId id="404" r:id="rId6"/>
-    <p:sldId id="406" r:id="rId7"/>
-    <p:sldId id="407" r:id="rId8"/>
-    <p:sldId id="408" r:id="rId9"/>
-    <p:sldId id="409" r:id="rId10"/>
-    <p:sldId id="405" r:id="rId11"/>
-    <p:sldId id="410" r:id="rId12"/>
-    <p:sldId id="411" r:id="rId13"/>
-    <p:sldId id="412" r:id="rId14"/>
+    <p:sldId id="410" r:id="rId3"/>
+    <p:sldId id="399" r:id="rId4"/>
+    <p:sldId id="411" r:id="rId5"/>
+    <p:sldId id="400" r:id="rId6"/>
+    <p:sldId id="401" r:id="rId7"/>
+    <p:sldId id="405" r:id="rId8"/>
+    <p:sldId id="402" r:id="rId9"/>
+    <p:sldId id="403" r:id="rId10"/>
+    <p:sldId id="406" r:id="rId11"/>
+    <p:sldId id="404" r:id="rId12"/>
+    <p:sldId id="408" r:id="rId13"/>
+    <p:sldId id="407" r:id="rId14"/>
+    <p:sldId id="409" r:id="rId15"/>
   </p:sldIdLst>
   <p:sldSz cx="9144000" cy="6858000" type="screen4x3"/>
   <p:notesSz cx="6794500" cy="9931400"/>
@@ -279,7 +280,7 @@
           <a:p>
             <a:fld id="{C8DBE15E-223F-41F1-9F94-2D73857FC7BA}" type="datetimeFigureOut">
               <a:rPr lang="it-IT" smtClean="0"/>
-              <a:t>28/03/2020</a:t>
+              <a:t>31/03/2020</a:t>
             </a:fld>
             <a:endParaRPr lang="it-IT"/>
           </a:p>
@@ -371,7 +372,7 @@
     </p:extLst>
   </p:cSld>
   <p:clrMap bg1="lt1" tx1="dk1" bg2="lt2" tx2="dk2" accent1="accent1" accent2="accent2" accent3="accent3" accent4="accent4" accent5="accent5" accent6="accent6" hlink="hlink" folHlink="folHlink"/>
-  <p:hf sldNum="0" hdr="0" ftr="0" dt="0"/>
+  <p:hf hdr="0" ftr="0" dt="0"/>
 </p:handoutMaster>
 </file>
 
@@ -492,7 +493,7 @@
             <a:fld id="{2AD04753-9C7D-45A1-B290-034DCD5D3C5A}" type="datetimeFigureOut">
               <a:rPr lang="it-IT" altLang="it-IT"/>
               <a:pPr/>
-              <a:t>28/03/2020</a:t>
+              <a:t>31/03/2020</a:t>
             </a:fld>
             <a:endParaRPr lang="it-IT" altLang="it-IT"/>
           </a:p>
@@ -707,7 +708,7 @@
     </p:spTree>
   </p:cSld>
   <p:clrMap bg1="lt1" tx1="dk1" bg2="lt2" tx2="dk2" accent1="accent1" accent2="accent2" accent3="accent3" accent4="accent4" accent5="accent5" accent6="accent6" hlink="hlink" folHlink="folHlink"/>
-  <p:hf sldNum="0" hdr="0" ftr="0" dt="0"/>
+  <p:hf hdr="0" ftr="0" dt="0"/>
   <p:notesStyle>
     <a:lvl1pPr algn="l" rtl="0" eaLnBrk="0" fontAlgn="base" hangingPunct="0">
       <a:spcBef>
@@ -833,6 +834,91 @@
 </p:notesMaster>
 </file>
 
+<file path=ppt/notesSlides/notesSlide1.xml><?xml version="1.0" encoding="utf-8"?>
+<p:notes xmlns:a="http://schemas.openxmlformats.org/drawingml/2006/main" xmlns:r="http://schemas.openxmlformats.org/officeDocument/2006/relationships" xmlns:p="http://schemas.openxmlformats.org/presentationml/2006/main">
+  <p:cSld>
+    <p:spTree>
+      <p:nvGrpSpPr>
+        <p:cNvPr id="1" name=""/>
+        <p:cNvGrpSpPr/>
+        <p:nvPr/>
+      </p:nvGrpSpPr>
+      <p:grpSpPr>
+        <a:xfrm>
+          <a:off x="0" y="0"/>
+          <a:ext cx="0" cy="0"/>
+          <a:chOff x="0" y="0"/>
+          <a:chExt cx="0" cy="0"/>
+        </a:xfrm>
+      </p:grpSpPr>
+      <p:sp>
+        <p:nvSpPr>
+          <p:cNvPr id="2" name="Segnaposto immagine diapositiva 1"/>
+          <p:cNvSpPr>
+            <a:spLocks noGrp="1" noRot="1" noChangeAspect="1"/>
+          </p:cNvSpPr>
+          <p:nvPr>
+            <p:ph type="sldImg"/>
+          </p:nvPr>
+        </p:nvSpPr>
+        <p:spPr/>
+      </p:sp>
+      <p:sp>
+        <p:nvSpPr>
+          <p:cNvPr id="3" name="Segnaposto note 2"/>
+          <p:cNvSpPr>
+            <a:spLocks noGrp="1"/>
+          </p:cNvSpPr>
+          <p:nvPr>
+            <p:ph type="body" idx="1"/>
+          </p:nvPr>
+        </p:nvSpPr>
+        <p:spPr/>
+        <p:txBody>
+          <a:bodyPr/>
+          <a:lstStyle/>
+          <a:p>
+            <a:endParaRPr lang="it-IT" dirty="0"/>
+          </a:p>
+        </p:txBody>
+      </p:sp>
+      <p:sp>
+        <p:nvSpPr>
+          <p:cNvPr id="4" name="Segnaposto numero diapositiva 3"/>
+          <p:cNvSpPr>
+            <a:spLocks noGrp="1"/>
+          </p:cNvSpPr>
+          <p:nvPr>
+            <p:ph type="sldNum" sz="quarter" idx="5"/>
+          </p:nvPr>
+        </p:nvSpPr>
+        <p:spPr/>
+        <p:txBody>
+          <a:bodyPr/>
+          <a:lstStyle/>
+          <a:p>
+            <a:fld id="{00664C11-2C8B-4B5A-ACDF-DD795DDB2557}" type="slidenum">
+              <a:rPr lang="it-IT" altLang="it-IT" smtClean="0"/>
+              <a:pPr/>
+              <a:t>10</a:t>
+            </a:fld>
+            <a:endParaRPr lang="it-IT" altLang="it-IT"/>
+          </a:p>
+        </p:txBody>
+      </p:sp>
+    </p:spTree>
+    <p:extLst>
+      <p:ext uri="{BB962C8B-B14F-4D97-AF65-F5344CB8AC3E}">
+        <p14:creationId xmlns:p14="http://schemas.microsoft.com/office/powerpoint/2010/main" val="3971444651"/>
+      </p:ext>
+    </p:extLst>
+  </p:cSld>
+  <p:clrMapOvr>
+    <a:masterClrMapping/>
+  </p:clrMapOvr>
+</p:notes>
+</file>
+
 <file path=ppt/slideLayouts/slideLayout1.xml><?xml version="1.0" encoding="utf-8"?>
 <p:sldLayout xmlns:a="http://schemas.openxmlformats.org/drawingml/2006/main" xmlns:r="http://schemas.openxmlformats.org/officeDocument/2006/relationships" xmlns:p="http://schemas.openxmlformats.org/presentationml/2006/main" showMasterSp="0" type="secHead" preserve="1">
   <p:cSld name="1_Intestazione sezione">
@@ -1328,7 +1414,7 @@
             </a:pPr>
             <a:r>
               <a:rPr lang="it-IT"/>
-              <a:t>Università degli Studi di Padova – CLSI Scienze Motorie Zimi Sawacha e-mail: zimi.sawacha@dei.unipd.it web: http://www.dei.unipd.it/corsi/bioingegneria/sawacha/ </a:t>
+              <a:t>Masiero L. Ivancich S.</a:t>
             </a:r>
             <a:endParaRPr lang="en-US"/>
           </a:p>
@@ -1696,7 +1782,7 @@
             </a:pPr>
             <a:r>
               <a:rPr lang="it-IT"/>
-              <a:t>Università degli Studi di Padova – CLSI Scienze Motorie Zimi Sawacha e-mail: zimi.sawacha@dei.unipd.it web: http://www.dei.unipd.it/corsi/bioingegneria/sawacha/ </a:t>
+              <a:t>Masiero L. Ivancich S.</a:t>
             </a:r>
             <a:endParaRPr lang="en-US"/>
           </a:p>
@@ -1985,7 +2071,7 @@
             </a:pPr>
             <a:r>
               <a:rPr lang="it-IT"/>
-              <a:t>Università degli Studi di Padova – CLSI Scienze Motorie Zimi Sawacha e-mail: zimi.sawacha@dei.unipd.it web: http://www.dei.unipd.it/corsi/bioingegneria/sawacha/ </a:t>
+              <a:t>Masiero L. Ivancich S.</a:t>
             </a:r>
             <a:endParaRPr lang="en-US"/>
           </a:p>
@@ -2143,10 +2229,7 @@
           <a:bodyPr/>
           <a:lstStyle/>
           <a:p>
-            <a:r>
-              <a:rPr lang="en-US" altLang="it-IT" dirty="0"/>
-              <a:t>15 July 2019</a:t>
-            </a:r>
+            <a:endParaRPr lang="en-US" altLang="it-IT" dirty="0"/>
           </a:p>
         </p:txBody>
       </p:sp>
@@ -2180,8 +2263,8 @@
               <a:defRPr/>
             </a:pPr>
             <a:r>
-              <a:rPr lang="it-IT" dirty="0"/>
-              <a:t>Ivancich Stefano </a:t>
+              <a:rPr lang="it-IT"/>
+              <a:t>Masiero L. Ivancich S.</a:t>
             </a:r>
             <a:endParaRPr lang="en-US" dirty="0"/>
           </a:p>
@@ -2600,7 +2683,7 @@
             </a:pPr>
             <a:r>
               <a:rPr lang="it-IT"/>
-              <a:t>Università degli Studi di Padova – CLSI Scienze Motorie Zimi Sawacha e-mail: zimi.sawacha@dei.unipd.it web: http://www.dei.unipd.it/corsi/bioingegneria/sawacha/ </a:t>
+              <a:t>Masiero L. Ivancich S.</a:t>
             </a:r>
             <a:endParaRPr lang="en-US"/>
           </a:p>
@@ -2975,7 +3058,7 @@
             </a:pPr>
             <a:r>
               <a:rPr lang="it-IT"/>
-              <a:t>Università degli Studi di Padova – CLSI Scienze Motorie Zimi Sawacha e-mail: zimi.sawacha@dei.unipd.it web: http://www.dei.unipd.it/corsi/bioingegneria/sawacha/ </a:t>
+              <a:t>Masiero L. Ivancich S.</a:t>
             </a:r>
             <a:endParaRPr lang="en-US"/>
           </a:p>
@@ -3294,7 +3377,7 @@
             </a:pPr>
             <a:r>
               <a:rPr lang="it-IT"/>
-              <a:t>Università degli Studi di Padova – CLSI Scienze Motorie Zimi Sawacha e-mail: zimi.sawacha@dei.unipd.it web: http://www.dei.unipd.it/corsi/bioingegneria/sawacha/ </a:t>
+              <a:t>Masiero L. Ivancich S.</a:t>
             </a:r>
             <a:endParaRPr lang="en-US"/>
           </a:p>
@@ -3656,7 +3739,7 @@
             </a:pPr>
             <a:r>
               <a:rPr lang="it-IT"/>
-              <a:t>Università degli Studi di Padova – CLSI Scienze Motorie Zimi Sawacha e-mail: zimi.sawacha@dei.unipd.it web: http://www.dei.unipd.it/corsi/bioingegneria/sawacha/ </a:t>
+              <a:t>Masiero L. Ivancich S.</a:t>
             </a:r>
             <a:endParaRPr lang="en-US"/>
           </a:p>
@@ -3919,7 +4002,7 @@
             </a:pPr>
             <a:r>
               <a:rPr lang="it-IT"/>
-              <a:t>Università degli Studi di Padova – CLSI Scienze Motorie Zimi Sawacha e-mail: zimi.sawacha@dei.unipd.it web: http://www.dei.unipd.it/corsi/bioingegneria/sawacha/ </a:t>
+              <a:t>Masiero L. Ivancich S.</a:t>
             </a:r>
             <a:endParaRPr lang="en-US"/>
           </a:p>
@@ -4545,7 +4628,7 @@
             </a:pPr>
             <a:r>
               <a:rPr lang="it-IT"/>
-              <a:t>Università degli Studi di Padova – CLSI Scienze Motorie Zimi Sawacha e-mail: zimi.sawacha@dei.unipd.it web: http://www.dei.unipd.it/corsi/bioingegneria/sawacha/ </a:t>
+              <a:t>Masiero L. Ivancich S.</a:t>
             </a:r>
             <a:endParaRPr lang="en-US"/>
           </a:p>
@@ -4721,7 +4804,7 @@
             </a:pPr>
             <a:r>
               <a:rPr lang="it-IT"/>
-              <a:t>Università degli Studi di Padova – CLSI Scienze Motorie Zimi Sawacha e-mail: zimi.sawacha@dei.unipd.it web: http://www.dei.unipd.it/corsi/bioingegneria/sawacha/ </a:t>
+              <a:t>Masiero L. Ivancich S.</a:t>
             </a:r>
             <a:endParaRPr lang="en-US"/>
           </a:p>
@@ -4993,7 +5076,7 @@
             </a:pPr>
             <a:r>
               <a:rPr lang="it-IT"/>
-              <a:t>Università degli Studi di Padova – CLSI Scienze Motorie Zimi Sawacha e-mail: zimi.sawacha@dei.unipd.it web: http://www.dei.unipd.it/corsi/bioingegneria/sawacha/ </a:t>
+              <a:t>Masiero L. Ivancich S.</a:t>
             </a:r>
             <a:endParaRPr lang="en-US"/>
           </a:p>
@@ -5188,7 +5271,7 @@
     <p:sldLayoutId id="2147483765" r:id="rId11"/>
     <p:sldLayoutId id="2147483766" r:id="rId12"/>
   </p:sldLayoutIdLst>
-  <p:hf hdr="0" ftr="0" dt="0"/>
+  <p:hf hdr="0" dt="0"/>
   <p:txStyles>
     <p:titleStyle>
       <a:lvl1pPr algn="r" rtl="0" eaLnBrk="0" fontAlgn="base" hangingPunct="0">
@@ -5669,10 +5752,10 @@
           <a:p>
             <a:pPr algn="ctr" eaLnBrk="1" hangingPunct="1"/>
             <a:r>
-              <a:rPr lang="en-US" altLang="it-IT" sz="4800" dirty="0"/>
+              <a:rPr lang="en-US" altLang="it-IT" sz="7200" dirty="0"/>
               <a:t>Network Alignment</a:t>
             </a:r>
-            <a:endParaRPr lang="en-GB" altLang="it-IT" sz="4800" dirty="0"/>
+            <a:endParaRPr lang="en-GB" altLang="it-IT" sz="7200" dirty="0"/>
           </a:p>
         </p:txBody>
       </p:sp>
@@ -5863,13 +5946,13 @@
               </a:spcBef>
             </a:pPr>
             <a:r>
-              <a:rPr lang="en-US" altLang="it-IT" sz="2800" b="1" dirty="0">
+              <a:rPr lang="en-US" altLang="it-IT" sz="2800" b="1" dirty="0" err="1">
                 <a:solidFill>
                   <a:srgbClr val="000000"/>
                 </a:solidFill>
                 <a:latin typeface="Garamond" panose="02020404030301010803" pitchFamily="18" charset="0"/>
               </a:rPr>
-              <a:t>Students</a:t>
+              <a:t>Studenti</a:t>
             </a:r>
             <a:r>
               <a:rPr lang="en-US" altLang="it-IT" sz="2800" dirty="0">
@@ -6122,8 +6205,8 @@
         </p:nvSpPr>
         <p:spPr bwMode="auto">
           <a:xfrm>
-            <a:off x="3524801" y="5910921"/>
-            <a:ext cx="2094398" cy="503525"/>
+            <a:off x="0" y="5910921"/>
+            <a:ext cx="9143999" cy="503525"/>
           </a:xfrm>
           <a:prstGeom prst="rect">
             <a:avLst/>
@@ -6255,7 +6338,7 @@
             </a:lvl9pPr>
           </a:lstStyle>
           <a:p>
-            <a:pPr eaLnBrk="1" hangingPunct="1">
+            <a:pPr algn="ctr" eaLnBrk="1" hangingPunct="1">
               <a:spcBef>
                 <a:spcPct val="20000"/>
               </a:spcBef>
@@ -6267,7 +6350,25 @@
                 </a:solidFill>
                 <a:latin typeface="Garamond" panose="02020404030301010803" pitchFamily="18" charset="0"/>
               </a:rPr>
-              <a:t>15 June 2020</a:t>
+              <a:t>18 </a:t>
+            </a:r>
+            <a:r>
+              <a:rPr lang="en-US" altLang="it-IT" sz="2800" dirty="0" err="1">
+                <a:solidFill>
+                  <a:srgbClr val="000000"/>
+                </a:solidFill>
+                <a:latin typeface="Garamond" panose="02020404030301010803" pitchFamily="18" charset="0"/>
+              </a:rPr>
+              <a:t>Giugno</a:t>
+            </a:r>
+            <a:r>
+              <a:rPr lang="en-US" altLang="it-IT" sz="2800" dirty="0">
+                <a:solidFill>
+                  <a:srgbClr val="000000"/>
+                </a:solidFill>
+                <a:latin typeface="Garamond" panose="02020404030301010803" pitchFamily="18" charset="0"/>
+              </a:rPr>
+              <a:t> 2020</a:t>
             </a:r>
           </a:p>
         </p:txBody>
@@ -6313,7 +6414,7 @@
         </p:nvSpPr>
         <p:spPr bwMode="auto">
           <a:xfrm>
-            <a:off x="15875" y="1"/>
+            <a:off x="15875" y="165692"/>
             <a:ext cx="8842375" cy="1016000"/>
           </a:xfrm>
           <a:prstGeom prst="rect">
@@ -6454,609 +6555,113 @@
           </a:lstStyle>
           <a:p>
             <a:r>
-              <a:rPr lang="en-US" altLang="it-IT" sz="6000" dirty="0">
+              <a:rPr lang="en-US" altLang="it-IT" sz="3600" i="1" dirty="0">
                 <a:solidFill>
                   <a:srgbClr val="FFFFFF"/>
                 </a:solidFill>
                 <a:latin typeface="Tw Cen MT" panose="020B0602020104020603" pitchFamily="34" charset="0"/>
               </a:rPr>
-              <a:t>Architecture</a:t>
-            </a:r>
-          </a:p>
-        </p:txBody>
-      </p:sp>
-      <p:sp>
-        <p:nvSpPr>
-          <p:cNvPr id="13" name="Rettangolo 12">
-            <a:extLst>
-              <a:ext uri="{FF2B5EF4-FFF2-40B4-BE49-F238E27FC236}">
-                <a16:creationId xmlns:a16="http://schemas.microsoft.com/office/drawing/2014/main" id="{1B3E0C32-1984-4560-966F-A08D7A1991F2}"/>
-              </a:ext>
-            </a:extLst>
-          </p:cNvPr>
-          <p:cNvSpPr/>
+              <a:t>struc2vec</a:t>
+            </a:r>
+          </a:p>
+        </p:txBody>
+      </p:sp>
+      <p:pic>
+        <p:nvPicPr>
+          <p:cNvPr id="4" name="Immagine 3" descr="Immagine che contiene mappa, testo, cucina, bianco&#10;&#10;Descrizione generata automaticamente">
+            <a:extLst>
+              <a:ext uri="{FF2B5EF4-FFF2-40B4-BE49-F238E27FC236}">
+                <a16:creationId xmlns:a16="http://schemas.microsoft.com/office/drawing/2014/main" id="{F2EA2AC8-ECAD-4520-9585-BD486495FC14}"/>
+              </a:ext>
+            </a:extLst>
+          </p:cNvPr>
+          <p:cNvPicPr>
+            <a:picLocks noChangeAspect="1"/>
+          </p:cNvPicPr>
           <p:nvPr/>
-        </p:nvSpPr>
+        </p:nvPicPr>
+        <p:blipFill>
+          <a:blip r:embed="rId3"/>
+          <a:stretch>
+            <a:fillRect/>
+          </a:stretch>
+        </p:blipFill>
         <p:spPr>
           <a:xfrm>
-            <a:off x="0" y="6408477"/>
-            <a:ext cx="2175339" cy="461665"/>
+            <a:off x="0" y="2192311"/>
+            <a:ext cx="9144000" cy="2473377"/>
           </a:xfrm>
           <a:prstGeom prst="rect">
             <a:avLst/>
           </a:prstGeom>
         </p:spPr>
-        <p:txBody>
-          <a:bodyPr wrap="none">
-            <a:spAutoFit/>
-          </a:bodyPr>
+      </p:pic>
+      <p:sp>
+        <p:nvSpPr>
+          <p:cNvPr id="7" name="Segnaposto piè di pagina 6">
+            <a:extLst>
+              <a:ext uri="{FF2B5EF4-FFF2-40B4-BE49-F238E27FC236}">
+                <a16:creationId xmlns:a16="http://schemas.microsoft.com/office/drawing/2014/main" id="{1E30BB50-53E0-409B-A716-3FC50725C97C}"/>
+              </a:ext>
+            </a:extLst>
+          </p:cNvPr>
+          <p:cNvSpPr>
+            <a:spLocks noGrp="1"/>
+          </p:cNvSpPr>
+          <p:nvPr>
+            <p:ph type="ftr" sz="quarter" idx="11"/>
+          </p:nvPr>
+        </p:nvSpPr>
+        <p:spPr/>
+        <p:txBody>
+          <a:bodyPr/>
           <a:lstStyle/>
           <a:p>
-            <a:pPr eaLnBrk="1" hangingPunct="1">
-              <a:spcBef>
-                <a:spcPct val="20000"/>
-              </a:spcBef>
+            <a:pPr>
+              <a:defRPr/>
             </a:pPr>
             <a:r>
-              <a:rPr lang="en-US" altLang="it-IT" sz="2400" dirty="0">
-                <a:solidFill>
-                  <a:srgbClr val="000000"/>
-                </a:solidFill>
-                <a:latin typeface="Garamond" panose="02020404030301010803" pitchFamily="18" charset="0"/>
-              </a:rPr>
-              <a:t>Ivancich Stefano</a:t>
-            </a:r>
-          </a:p>
-        </p:txBody>
-      </p:sp>
-      <p:sp>
-        <p:nvSpPr>
-          <p:cNvPr id="14" name="Rettangolo 13">
-            <a:extLst>
-              <a:ext uri="{FF2B5EF4-FFF2-40B4-BE49-F238E27FC236}">
-                <a16:creationId xmlns:a16="http://schemas.microsoft.com/office/drawing/2014/main" id="{E8459245-DDCF-4A55-8FE9-5CF48972E537}"/>
-              </a:ext>
-            </a:extLst>
-          </p:cNvPr>
-          <p:cNvSpPr/>
-          <p:nvPr/>
-        </p:nvSpPr>
-        <p:spPr>
-          <a:xfrm>
-            <a:off x="8815064" y="6408477"/>
-            <a:ext cx="328936" cy="461665"/>
-          </a:xfrm>
-          <a:prstGeom prst="rect">
-            <a:avLst/>
-          </a:prstGeom>
-        </p:spPr>
-        <p:txBody>
-          <a:bodyPr wrap="none">
-            <a:spAutoFit/>
-          </a:bodyPr>
+              <a:rPr lang="it-IT"/>
+              <a:t>Masiero L. Ivancich S.</a:t>
+            </a:r>
+            <a:endParaRPr lang="en-US" dirty="0"/>
+          </a:p>
+        </p:txBody>
+      </p:sp>
+      <p:sp>
+        <p:nvSpPr>
+          <p:cNvPr id="8" name="Segnaposto numero diapositiva 7">
+            <a:extLst>
+              <a:ext uri="{FF2B5EF4-FFF2-40B4-BE49-F238E27FC236}">
+                <a16:creationId xmlns:a16="http://schemas.microsoft.com/office/drawing/2014/main" id="{8CA95954-2B0C-414E-8C0B-DC1637B6207C}"/>
+              </a:ext>
+            </a:extLst>
+          </p:cNvPr>
+          <p:cNvSpPr>
+            <a:spLocks noGrp="1"/>
+          </p:cNvSpPr>
+          <p:nvPr>
+            <p:ph type="sldNum" sz="quarter" idx="12"/>
+          </p:nvPr>
+        </p:nvSpPr>
+        <p:spPr/>
+        <p:txBody>
+          <a:bodyPr/>
           <a:lstStyle/>
           <a:p>
-            <a:pPr eaLnBrk="1" hangingPunct="1">
-              <a:spcBef>
-                <a:spcPct val="20000"/>
-              </a:spcBef>
-            </a:pPr>
-            <a:r>
-              <a:rPr lang="en-US" altLang="it-IT" sz="2400" dirty="0">
-                <a:solidFill>
-                  <a:srgbClr val="000000"/>
-                </a:solidFill>
-                <a:latin typeface="Garamond" panose="02020404030301010803" pitchFamily="18" charset="0"/>
-              </a:rPr>
-              <a:t>9</a:t>
-            </a:r>
-            <a:endParaRPr lang="en-US" altLang="it-IT" sz="1800" dirty="0">
-              <a:solidFill>
-                <a:srgbClr val="000000"/>
-              </a:solidFill>
-              <a:latin typeface="Garamond" panose="02020404030301010803" pitchFamily="18" charset="0"/>
-            </a:endParaRPr>
-          </a:p>
-        </p:txBody>
-      </p:sp>
-      <p:sp>
-        <p:nvSpPr>
-          <p:cNvPr id="15" name="Rettangolo 14">
-            <a:extLst>
-              <a:ext uri="{FF2B5EF4-FFF2-40B4-BE49-F238E27FC236}">
-                <a16:creationId xmlns:a16="http://schemas.microsoft.com/office/drawing/2014/main" id="{CDC0EA93-AE21-4D2B-BBA9-8CFFCDEC2B60}"/>
-              </a:ext>
-            </a:extLst>
-          </p:cNvPr>
-          <p:cNvSpPr/>
-          <p:nvPr/>
-        </p:nvSpPr>
-        <p:spPr>
-          <a:xfrm>
-            <a:off x="3747735" y="6420772"/>
-            <a:ext cx="1648528" cy="461665"/>
-          </a:xfrm>
-          <a:prstGeom prst="rect">
-            <a:avLst/>
-          </a:prstGeom>
-        </p:spPr>
-        <p:txBody>
-          <a:bodyPr wrap="none">
-            <a:spAutoFit/>
-          </a:bodyPr>
-          <a:lstStyle/>
-          <a:p>
-            <a:pPr eaLnBrk="1" hangingPunct="1">
-              <a:spcBef>
-                <a:spcPct val="20000"/>
-              </a:spcBef>
-            </a:pPr>
-            <a:r>
-              <a:rPr lang="en-US" altLang="it-IT" sz="2400" dirty="0">
-                <a:solidFill>
-                  <a:srgbClr val="000000"/>
-                </a:solidFill>
-                <a:latin typeface="Garamond" panose="02020404030301010803" pitchFamily="18" charset="0"/>
-              </a:rPr>
-              <a:t>15 July 2019</a:t>
-            </a:r>
-          </a:p>
-        </p:txBody>
-      </p:sp>
-      <p:sp>
-        <p:nvSpPr>
-          <p:cNvPr id="7" name="Rectangle 6">
-            <a:extLst>
-              <a:ext uri="{FF2B5EF4-FFF2-40B4-BE49-F238E27FC236}">
-                <a16:creationId xmlns:a16="http://schemas.microsoft.com/office/drawing/2014/main" id="{D1C770D5-0432-4218-8BC0-C9B6BA7FF1ED}"/>
-              </a:ext>
-            </a:extLst>
-          </p:cNvPr>
-          <p:cNvSpPr>
-            <a:spLocks noChangeArrowheads="1"/>
-          </p:cNvSpPr>
-          <p:nvPr/>
-        </p:nvSpPr>
-        <p:spPr bwMode="auto">
-          <a:xfrm>
-            <a:off x="272255" y="1181692"/>
-            <a:ext cx="8599487" cy="5073389"/>
-          </a:xfrm>
-          <a:prstGeom prst="rect">
-            <a:avLst/>
-          </a:prstGeom>
-          <a:noFill/>
-          <a:ln w="9525">
-            <a:noFill/>
-            <a:miter lim="800000"/>
-            <a:headEnd/>
-            <a:tailEnd/>
-          </a:ln>
-          <a:extLst>
-            <a:ext uri="{909E8E84-426E-40DD-AFC4-6F175D3DCCD1}">
-              <a14:hiddenFill xmlns:a14="http://schemas.microsoft.com/office/drawing/2010/main">
-                <a:solidFill>
-                  <a:srgbClr val="FFFFFF"/>
-                </a:solidFill>
-              </a14:hiddenFill>
-            </a:ext>
-          </a:extLst>
-        </p:spPr>
-        <p:txBody>
-          <a:bodyPr/>
-          <a:lstStyle>
-            <a:lvl1pPr eaLnBrk="0" hangingPunct="0">
-              <a:defRPr sz="2400">
-                <a:solidFill>
-                  <a:schemeClr val="tx1"/>
-                </a:solidFill>
-                <a:latin typeface="Arial" panose="020B0604020202020204" pitchFamily="34" charset="0"/>
-                <a:ea typeface="MS PGothic" panose="020B0600070205080204" pitchFamily="34" charset="-128"/>
-              </a:defRPr>
-            </a:lvl1pPr>
-            <a:lvl2pPr marL="742950" indent="-285750" eaLnBrk="0" hangingPunct="0">
-              <a:defRPr sz="2400">
-                <a:solidFill>
-                  <a:schemeClr val="tx1"/>
-                </a:solidFill>
-                <a:latin typeface="Arial" panose="020B0604020202020204" pitchFamily="34" charset="0"/>
-                <a:ea typeface="MS PGothic" panose="020B0600070205080204" pitchFamily="34" charset="-128"/>
-              </a:defRPr>
-            </a:lvl2pPr>
-            <a:lvl3pPr marL="1143000" indent="-228600" eaLnBrk="0" hangingPunct="0">
-              <a:defRPr sz="2400">
-                <a:solidFill>
-                  <a:schemeClr val="tx1"/>
-                </a:solidFill>
-                <a:latin typeface="Arial" panose="020B0604020202020204" pitchFamily="34" charset="0"/>
-                <a:ea typeface="MS PGothic" panose="020B0600070205080204" pitchFamily="34" charset="-128"/>
-              </a:defRPr>
-            </a:lvl3pPr>
-            <a:lvl4pPr marL="1600200" indent="-228600" eaLnBrk="0" hangingPunct="0">
-              <a:defRPr sz="2400">
-                <a:solidFill>
-                  <a:schemeClr val="tx1"/>
-                </a:solidFill>
-                <a:latin typeface="Arial" panose="020B0604020202020204" pitchFamily="34" charset="0"/>
-                <a:ea typeface="MS PGothic" panose="020B0600070205080204" pitchFamily="34" charset="-128"/>
-              </a:defRPr>
-            </a:lvl4pPr>
-            <a:lvl5pPr marL="2057400" indent="-228600" eaLnBrk="0" hangingPunct="0">
-              <a:defRPr sz="2400">
-                <a:solidFill>
-                  <a:schemeClr val="tx1"/>
-                </a:solidFill>
-                <a:latin typeface="Arial" panose="020B0604020202020204" pitchFamily="34" charset="0"/>
-                <a:ea typeface="MS PGothic" panose="020B0600070205080204" pitchFamily="34" charset="-128"/>
-              </a:defRPr>
-            </a:lvl5pPr>
-            <a:lvl6pPr marL="2514600" indent="-228600" defTabSz="457200" eaLnBrk="0" fontAlgn="base" hangingPunct="0">
-              <a:spcBef>
-                <a:spcPct val="0"/>
-              </a:spcBef>
-              <a:spcAft>
-                <a:spcPct val="0"/>
-              </a:spcAft>
-              <a:defRPr sz="2400">
-                <a:solidFill>
-                  <a:schemeClr val="tx1"/>
-                </a:solidFill>
-                <a:latin typeface="Arial" panose="020B0604020202020204" pitchFamily="34" charset="0"/>
-                <a:ea typeface="MS PGothic" panose="020B0600070205080204" pitchFamily="34" charset="-128"/>
-              </a:defRPr>
-            </a:lvl6pPr>
-            <a:lvl7pPr marL="2971800" indent="-228600" defTabSz="457200" eaLnBrk="0" fontAlgn="base" hangingPunct="0">
-              <a:spcBef>
-                <a:spcPct val="0"/>
-              </a:spcBef>
-              <a:spcAft>
-                <a:spcPct val="0"/>
-              </a:spcAft>
-              <a:defRPr sz="2400">
-                <a:solidFill>
-                  <a:schemeClr val="tx1"/>
-                </a:solidFill>
-                <a:latin typeface="Arial" panose="020B0604020202020204" pitchFamily="34" charset="0"/>
-                <a:ea typeface="MS PGothic" panose="020B0600070205080204" pitchFamily="34" charset="-128"/>
-              </a:defRPr>
-            </a:lvl7pPr>
-            <a:lvl8pPr marL="3429000" indent="-228600" defTabSz="457200" eaLnBrk="0" fontAlgn="base" hangingPunct="0">
-              <a:spcBef>
-                <a:spcPct val="0"/>
-              </a:spcBef>
-              <a:spcAft>
-                <a:spcPct val="0"/>
-              </a:spcAft>
-              <a:defRPr sz="2400">
-                <a:solidFill>
-                  <a:schemeClr val="tx1"/>
-                </a:solidFill>
-                <a:latin typeface="Arial" panose="020B0604020202020204" pitchFamily="34" charset="0"/>
-                <a:ea typeface="MS PGothic" panose="020B0600070205080204" pitchFamily="34" charset="-128"/>
-              </a:defRPr>
-            </a:lvl8pPr>
-            <a:lvl9pPr marL="3886200" indent="-228600" defTabSz="457200" eaLnBrk="0" fontAlgn="base" hangingPunct="0">
-              <a:spcBef>
-                <a:spcPct val="0"/>
-              </a:spcBef>
-              <a:spcAft>
-                <a:spcPct val="0"/>
-              </a:spcAft>
-              <a:defRPr sz="2400">
-                <a:solidFill>
-                  <a:schemeClr val="tx1"/>
-                </a:solidFill>
-                <a:latin typeface="Arial" panose="020B0604020202020204" pitchFamily="34" charset="0"/>
-                <a:ea typeface="MS PGothic" panose="020B0600070205080204" pitchFamily="34" charset="-128"/>
-              </a:defRPr>
-            </a:lvl9pPr>
-          </a:lstStyle>
-          <a:p>
-            <a:pPr eaLnBrk="1" hangingPunct="1">
-              <a:spcBef>
-                <a:spcPct val="20000"/>
-              </a:spcBef>
-            </a:pPr>
-            <a:r>
-              <a:rPr lang="en-US" altLang="it-IT" sz="2200" dirty="0">
-                <a:solidFill>
-                  <a:srgbClr val="000000"/>
-                </a:solidFill>
-                <a:latin typeface="Garamond" panose="02020404030301010803" pitchFamily="18" charset="0"/>
-              </a:rPr>
-              <a:t>A key challenge in applying CNNs is that sufficient training data are not always available in medical images. To avoid Over/Under-fitting:</a:t>
-            </a:r>
-            <a:endParaRPr lang="en-US" altLang="it-IT" sz="2200" b="1" dirty="0">
-              <a:solidFill>
-                <a:srgbClr val="000000"/>
-              </a:solidFill>
-              <a:latin typeface="Garamond" panose="02020404030301010803" pitchFamily="18" charset="0"/>
-            </a:endParaRPr>
-          </a:p>
-          <a:p>
-            <a:pPr marL="342900" indent="-342900" eaLnBrk="1" hangingPunct="1">
-              <a:spcBef>
-                <a:spcPct val="20000"/>
-              </a:spcBef>
-              <a:buFont typeface="Arial" panose="020B0604020202020204" pitchFamily="34" charset="0"/>
-              <a:buChar char="•"/>
-            </a:pPr>
-            <a:r>
-              <a:rPr lang="en-US" altLang="it-IT" sz="2200" b="1" dirty="0">
-                <a:solidFill>
-                  <a:srgbClr val="000000"/>
-                </a:solidFill>
-                <a:latin typeface="Garamond" panose="02020404030301010803" pitchFamily="18" charset="0"/>
-              </a:rPr>
-              <a:t>Data Augmentation: </a:t>
-            </a:r>
-            <a:r>
-              <a:rPr lang="en-US" altLang="it-IT" sz="2200" dirty="0">
-                <a:solidFill>
-                  <a:srgbClr val="000000"/>
-                </a:solidFill>
-                <a:latin typeface="Garamond" panose="02020404030301010803" pitchFamily="18" charset="0"/>
-              </a:rPr>
-              <a:t>In case of medical images this often comes down to </a:t>
-            </a:r>
-            <a:r>
-              <a:rPr lang="en-US" altLang="it-IT" sz="2200" b="1" dirty="0">
-                <a:solidFill>
-                  <a:srgbClr val="000000"/>
-                </a:solidFill>
-                <a:latin typeface="Garamond" panose="02020404030301010803" pitchFamily="18" charset="0"/>
-              </a:rPr>
-              <a:t>mirror flipping</a:t>
-            </a:r>
-            <a:r>
-              <a:rPr lang="en-US" altLang="it-IT" sz="2200" dirty="0">
-                <a:solidFill>
-                  <a:srgbClr val="000000"/>
-                </a:solidFill>
-                <a:latin typeface="Garamond" panose="02020404030301010803" pitchFamily="18" charset="0"/>
-              </a:rPr>
-              <a:t>, small-magnitude translations, weak Gaussian blurring, </a:t>
-            </a:r>
-            <a:r>
-              <a:rPr lang="en-US" altLang="it-IT" sz="2200" b="1" dirty="0">
-                <a:solidFill>
-                  <a:srgbClr val="000000"/>
-                </a:solidFill>
-                <a:latin typeface="Garamond" panose="02020404030301010803" pitchFamily="18" charset="0"/>
-              </a:rPr>
-              <a:t>brightness augmentation </a:t>
-            </a:r>
-            <a:r>
-              <a:rPr lang="en-US" altLang="it-IT" sz="2200" dirty="0">
-                <a:solidFill>
-                  <a:srgbClr val="000000"/>
-                </a:solidFill>
-                <a:latin typeface="Garamond" panose="02020404030301010803" pitchFamily="18" charset="0"/>
-              </a:rPr>
-              <a:t>and </a:t>
-            </a:r>
-            <a:r>
-              <a:rPr lang="en-US" altLang="it-IT" sz="2200" b="1" dirty="0">
-                <a:solidFill>
-                  <a:srgbClr val="000000"/>
-                </a:solidFill>
-                <a:latin typeface="Garamond" panose="02020404030301010803" pitchFamily="18" charset="0"/>
-              </a:rPr>
-              <a:t>shadow augmentation</a:t>
-            </a:r>
-            <a:r>
-              <a:rPr lang="en-US" altLang="it-IT" sz="2200" dirty="0">
-                <a:solidFill>
-                  <a:srgbClr val="000000"/>
-                </a:solidFill>
-                <a:latin typeface="Garamond" panose="02020404030301010803" pitchFamily="18" charset="0"/>
-              </a:rPr>
-              <a:t>.</a:t>
-            </a:r>
-          </a:p>
-          <a:p>
-            <a:pPr marL="342900" indent="-342900" eaLnBrk="1" hangingPunct="1">
-              <a:spcBef>
-                <a:spcPct val="20000"/>
-              </a:spcBef>
-              <a:buFont typeface="Arial" panose="020B0604020202020204" pitchFamily="34" charset="0"/>
-              <a:buChar char="•"/>
-            </a:pPr>
-            <a:r>
-              <a:rPr lang="en-US" altLang="it-IT" sz="2200" b="1" dirty="0" err="1">
-                <a:solidFill>
-                  <a:srgbClr val="000000"/>
-                </a:solidFill>
-                <a:latin typeface="Garamond" panose="02020404030301010803" pitchFamily="18" charset="0"/>
-              </a:rPr>
-              <a:t>TransferLearning</a:t>
-            </a:r>
-            <a:r>
-              <a:rPr lang="en-US" altLang="it-IT" sz="2200" b="1" dirty="0">
-                <a:solidFill>
-                  <a:srgbClr val="000000"/>
-                </a:solidFill>
-                <a:latin typeface="Garamond" panose="02020404030301010803" pitchFamily="18" charset="0"/>
-              </a:rPr>
-              <a:t> from </a:t>
-            </a:r>
-            <a:r>
-              <a:rPr lang="en-US" altLang="it-IT" sz="2200" b="1" dirty="0" err="1">
-                <a:solidFill>
-                  <a:srgbClr val="000000"/>
-                </a:solidFill>
-                <a:latin typeface="Garamond" panose="02020404030301010803" pitchFamily="18" charset="0"/>
-              </a:rPr>
-              <a:t>AlexNet</a:t>
-            </a:r>
-            <a:r>
-              <a:rPr lang="en-US" altLang="it-IT" sz="2200" b="1" dirty="0">
-                <a:solidFill>
-                  <a:srgbClr val="000000"/>
-                </a:solidFill>
-                <a:latin typeface="Garamond" panose="02020404030301010803" pitchFamily="18" charset="0"/>
-              </a:rPr>
-              <a:t>: training</a:t>
-            </a:r>
-            <a:r>
-              <a:rPr lang="en-US" altLang="it-IT" sz="2200" dirty="0">
-                <a:solidFill>
-                  <a:srgbClr val="000000"/>
-                </a:solidFill>
-                <a:latin typeface="Garamond" panose="02020404030301010803" pitchFamily="18" charset="0"/>
-              </a:rPr>
-              <a:t> CNN </a:t>
-            </a:r>
-            <a:r>
-              <a:rPr lang="en-US" altLang="it-IT" sz="2200" b="1" dirty="0">
-                <a:solidFill>
-                  <a:srgbClr val="000000"/>
-                </a:solidFill>
-                <a:latin typeface="Garamond" panose="02020404030301010803" pitchFamily="18" charset="0"/>
-              </a:rPr>
-              <a:t>from scratch </a:t>
-            </a:r>
-            <a:r>
-              <a:rPr lang="en-US" altLang="it-IT" sz="2200" dirty="0">
-                <a:solidFill>
-                  <a:srgbClr val="000000"/>
-                </a:solidFill>
-                <a:latin typeface="Garamond" panose="02020404030301010803" pitchFamily="18" charset="0"/>
-              </a:rPr>
-              <a:t>is usually challenging owing to the limited amount of labeled medical data. A promising alternative is to fine-tune the weights of a network that was trained using a large set of labeled natural images.</a:t>
-            </a:r>
-          </a:p>
-          <a:p>
-            <a:pPr marL="1085850" lvl="1" indent="-342900" eaLnBrk="1" hangingPunct="1">
-              <a:spcBef>
-                <a:spcPct val="20000"/>
-              </a:spcBef>
-              <a:buFont typeface="Courier New" panose="02070309020205020404" pitchFamily="49" charset="0"/>
-              <a:buChar char="o"/>
-            </a:pPr>
-            <a:r>
-              <a:rPr lang="en-US" altLang="it-IT" sz="2000" dirty="0">
-                <a:solidFill>
-                  <a:srgbClr val="000000"/>
-                </a:solidFill>
-                <a:latin typeface="Garamond" panose="02020404030301010803" pitchFamily="18" charset="0"/>
-              </a:rPr>
-              <a:t>Prof. </a:t>
-            </a:r>
-            <a:r>
-              <a:rPr lang="en-US" altLang="it-IT" sz="2000" dirty="0" err="1">
-                <a:solidFill>
-                  <a:srgbClr val="000000"/>
-                </a:solidFill>
-                <a:latin typeface="Garamond" panose="02020404030301010803" pitchFamily="18" charset="0"/>
-              </a:rPr>
-              <a:t>Tajbakhsh</a:t>
-            </a:r>
-            <a:r>
-              <a:rPr lang="en-US" altLang="it-IT" sz="2000" dirty="0">
-                <a:solidFill>
-                  <a:srgbClr val="000000"/>
-                </a:solidFill>
-                <a:latin typeface="Garamond" panose="02020404030301010803" pitchFamily="18" charset="0"/>
-              </a:rPr>
-              <a:t>, Illinois Institute of Technology: considered several medical imaging applications and investigated how the performance of </a:t>
-            </a:r>
-            <a:r>
-              <a:rPr lang="en-US" altLang="it-IT" sz="2000" b="1" dirty="0">
-                <a:solidFill>
-                  <a:srgbClr val="000000"/>
-                </a:solidFill>
-                <a:latin typeface="Garamond" panose="02020404030301010803" pitchFamily="18" charset="0"/>
-              </a:rPr>
-              <a:t>CNNs</a:t>
-            </a:r>
-            <a:r>
-              <a:rPr lang="en-US" altLang="it-IT" sz="2000" dirty="0">
-                <a:solidFill>
-                  <a:srgbClr val="000000"/>
-                </a:solidFill>
-                <a:latin typeface="Garamond" panose="02020404030301010803" pitchFamily="18" charset="0"/>
-              </a:rPr>
-              <a:t> trained </a:t>
-            </a:r>
-            <a:r>
-              <a:rPr lang="en-US" altLang="it-IT" sz="2000" b="1" dirty="0">
-                <a:solidFill>
-                  <a:srgbClr val="000000"/>
-                </a:solidFill>
-                <a:latin typeface="Garamond" panose="02020404030301010803" pitchFamily="18" charset="0"/>
-              </a:rPr>
-              <a:t>from scratch compared</a:t>
-            </a:r>
-            <a:r>
-              <a:rPr lang="en-US" altLang="it-IT" sz="2000" dirty="0">
-                <a:solidFill>
-                  <a:srgbClr val="000000"/>
-                </a:solidFill>
-                <a:latin typeface="Garamond" panose="02020404030301010803" pitchFamily="18" charset="0"/>
-              </a:rPr>
-              <a:t> with the </a:t>
-            </a:r>
-            <a:r>
-              <a:rPr lang="en-US" altLang="it-IT" sz="2000" b="1" dirty="0">
-                <a:solidFill>
-                  <a:srgbClr val="000000"/>
-                </a:solidFill>
-                <a:latin typeface="Garamond" panose="02020404030301010803" pitchFamily="18" charset="0"/>
-              </a:rPr>
-              <a:t>pre-trained</a:t>
-            </a:r>
-            <a:r>
-              <a:rPr lang="en-US" altLang="it-IT" sz="2000" dirty="0">
-                <a:solidFill>
-                  <a:srgbClr val="000000"/>
-                </a:solidFill>
-                <a:latin typeface="Garamond" panose="02020404030301010803" pitchFamily="18" charset="0"/>
-              </a:rPr>
-              <a:t> CNNs.</a:t>
-            </a:r>
-            <a:br>
-              <a:rPr lang="en-US" altLang="it-IT" sz="2000" dirty="0">
-                <a:solidFill>
-                  <a:srgbClr val="000000"/>
-                </a:solidFill>
-                <a:latin typeface="Garamond" panose="02020404030301010803" pitchFamily="18" charset="0"/>
-              </a:rPr>
-            </a:br>
-            <a:r>
-              <a:rPr lang="en-US" altLang="it-IT" sz="2000" dirty="0">
-                <a:solidFill>
-                  <a:srgbClr val="000000"/>
-                </a:solidFill>
-                <a:latin typeface="Garamond" panose="02020404030301010803" pitchFamily="18" charset="0"/>
-              </a:rPr>
-              <a:t>Their experiments demonstrated that pretrained </a:t>
-            </a:r>
-            <a:r>
-              <a:rPr lang="en-US" altLang="it-IT" sz="2000" b="1" dirty="0">
-                <a:solidFill>
-                  <a:srgbClr val="000000"/>
-                </a:solidFill>
-                <a:latin typeface="Garamond" panose="02020404030301010803" pitchFamily="18" charset="0"/>
-              </a:rPr>
-              <a:t>CNNs performed better </a:t>
-            </a:r>
-            <a:r>
-              <a:rPr lang="en-US" altLang="it-IT" sz="2000" dirty="0">
-                <a:solidFill>
-                  <a:srgbClr val="000000"/>
-                </a:solidFill>
-                <a:latin typeface="Garamond" panose="02020404030301010803" pitchFamily="18" charset="0"/>
-              </a:rPr>
-              <a:t>than CNN trained from scratch.</a:t>
-            </a:r>
+            <a:fld id="{7A1D8CC2-AC32-48BF-A9F5-B79D7A95954F}" type="slidenum">
+              <a:rPr lang="en-US" altLang="it-IT" smtClean="0"/>
+              <a:pPr/>
+              <a:t>10</a:t>
+            </a:fld>
+            <a:endParaRPr lang="en-US" altLang="it-IT" dirty="0"/>
           </a:p>
         </p:txBody>
       </p:sp>
     </p:spTree>
     <p:extLst>
       <p:ext uri="{BB962C8B-B14F-4D97-AF65-F5344CB8AC3E}">
-        <p14:creationId xmlns:p14="http://schemas.microsoft.com/office/powerpoint/2010/main" val="2097444773"/>
+        <p14:creationId xmlns:p14="http://schemas.microsoft.com/office/powerpoint/2010/main" val="3925322485"/>
       </p:ext>
     </p:extLst>
   </p:cSld>
@@ -7099,7 +6704,7 @@
         </p:nvSpPr>
         <p:spPr bwMode="auto">
           <a:xfrm>
-            <a:off x="15875" y="1"/>
+            <a:off x="15875" y="165692"/>
             <a:ext cx="8842375" cy="1016000"/>
           </a:xfrm>
           <a:prstGeom prst="rect">
@@ -7240,422 +6845,23 @@
           </a:lstStyle>
           <a:p>
             <a:r>
-              <a:rPr lang="en-US" altLang="it-IT" sz="6000" dirty="0">
+              <a:rPr lang="en-US" altLang="it-IT" sz="3600" dirty="0">
                 <a:solidFill>
                   <a:srgbClr val="FFFFFF"/>
                 </a:solidFill>
                 <a:latin typeface="Tw Cen MT" panose="020B0602020104020603" pitchFamily="34" charset="0"/>
               </a:rPr>
-              <a:t>Performances</a:t>
-            </a:r>
-          </a:p>
-        </p:txBody>
-      </p:sp>
-      <p:sp>
-        <p:nvSpPr>
-          <p:cNvPr id="13" name="Rettangolo 12">
-            <a:extLst>
-              <a:ext uri="{FF2B5EF4-FFF2-40B4-BE49-F238E27FC236}">
-                <a16:creationId xmlns:a16="http://schemas.microsoft.com/office/drawing/2014/main" id="{1B3E0C32-1984-4560-966F-A08D7A1991F2}"/>
-              </a:ext>
-            </a:extLst>
-          </p:cNvPr>
-          <p:cNvSpPr/>
-          <p:nvPr/>
-        </p:nvSpPr>
-        <p:spPr>
-          <a:xfrm>
-            <a:off x="0" y="6408477"/>
-            <a:ext cx="2175339" cy="461665"/>
-          </a:xfrm>
-          <a:prstGeom prst="rect">
-            <a:avLst/>
-          </a:prstGeom>
-        </p:spPr>
-        <p:txBody>
-          <a:bodyPr wrap="none">
-            <a:spAutoFit/>
-          </a:bodyPr>
-          <a:lstStyle/>
-          <a:p>
-            <a:pPr eaLnBrk="1" hangingPunct="1">
-              <a:spcBef>
-                <a:spcPct val="20000"/>
-              </a:spcBef>
-            </a:pPr>
-            <a:r>
-              <a:rPr lang="en-US" altLang="it-IT" sz="2400" dirty="0">
-                <a:solidFill>
-                  <a:srgbClr val="000000"/>
-                </a:solidFill>
-                <a:latin typeface="Garamond" panose="02020404030301010803" pitchFamily="18" charset="0"/>
-              </a:rPr>
-              <a:t>Ivancich Stefano</a:t>
-            </a:r>
-          </a:p>
-        </p:txBody>
-      </p:sp>
-      <p:sp>
-        <p:nvSpPr>
-          <p:cNvPr id="14" name="Rettangolo 13">
-            <a:extLst>
-              <a:ext uri="{FF2B5EF4-FFF2-40B4-BE49-F238E27FC236}">
-                <a16:creationId xmlns:a16="http://schemas.microsoft.com/office/drawing/2014/main" id="{E8459245-DDCF-4A55-8FE9-5CF48972E537}"/>
-              </a:ext>
-            </a:extLst>
-          </p:cNvPr>
-          <p:cNvSpPr/>
-          <p:nvPr/>
-        </p:nvSpPr>
-        <p:spPr>
-          <a:xfrm>
-            <a:off x="8670794" y="6397833"/>
-            <a:ext cx="473206" cy="461665"/>
-          </a:xfrm>
-          <a:prstGeom prst="rect">
-            <a:avLst/>
-          </a:prstGeom>
-        </p:spPr>
-        <p:txBody>
-          <a:bodyPr wrap="none">
-            <a:spAutoFit/>
-          </a:bodyPr>
-          <a:lstStyle/>
-          <a:p>
-            <a:pPr eaLnBrk="1" hangingPunct="1">
-              <a:spcBef>
-                <a:spcPct val="20000"/>
-              </a:spcBef>
-            </a:pPr>
-            <a:r>
-              <a:rPr lang="en-US" altLang="it-IT" sz="2400" dirty="0">
-                <a:solidFill>
-                  <a:srgbClr val="000000"/>
-                </a:solidFill>
-                <a:latin typeface="Garamond" panose="02020404030301010803" pitchFamily="18" charset="0"/>
-              </a:rPr>
-              <a:t>10</a:t>
-            </a:r>
-          </a:p>
-        </p:txBody>
-      </p:sp>
-      <p:sp>
-        <p:nvSpPr>
-          <p:cNvPr id="15" name="Rettangolo 14">
-            <a:extLst>
-              <a:ext uri="{FF2B5EF4-FFF2-40B4-BE49-F238E27FC236}">
-                <a16:creationId xmlns:a16="http://schemas.microsoft.com/office/drawing/2014/main" id="{CDC0EA93-AE21-4D2B-BBA9-8CFFCDEC2B60}"/>
-              </a:ext>
-            </a:extLst>
-          </p:cNvPr>
-          <p:cNvSpPr/>
-          <p:nvPr/>
-        </p:nvSpPr>
-        <p:spPr>
-          <a:xfrm>
-            <a:off x="3747735" y="6420772"/>
-            <a:ext cx="1648528" cy="461665"/>
-          </a:xfrm>
-          <a:prstGeom prst="rect">
-            <a:avLst/>
-          </a:prstGeom>
-        </p:spPr>
-        <p:txBody>
-          <a:bodyPr wrap="none">
-            <a:spAutoFit/>
-          </a:bodyPr>
-          <a:lstStyle/>
-          <a:p>
-            <a:pPr eaLnBrk="1" hangingPunct="1">
-              <a:spcBef>
-                <a:spcPct val="20000"/>
-              </a:spcBef>
-            </a:pPr>
-            <a:r>
-              <a:rPr lang="en-US" altLang="it-IT" sz="2400" dirty="0">
-                <a:solidFill>
-                  <a:srgbClr val="000000"/>
-                </a:solidFill>
-                <a:latin typeface="Garamond" panose="02020404030301010803" pitchFamily="18" charset="0"/>
-              </a:rPr>
-              <a:t>15 July 2019</a:t>
-            </a:r>
-          </a:p>
-        </p:txBody>
-      </p:sp>
-      <p:sp>
-        <p:nvSpPr>
-          <p:cNvPr id="7" name="Rectangle 6">
-            <a:extLst>
-              <a:ext uri="{FF2B5EF4-FFF2-40B4-BE49-F238E27FC236}">
-                <a16:creationId xmlns:a16="http://schemas.microsoft.com/office/drawing/2014/main" id="{D1C770D5-0432-4218-8BC0-C9B6BA7FF1ED}"/>
-              </a:ext>
-            </a:extLst>
-          </p:cNvPr>
-          <p:cNvSpPr>
-            <a:spLocks noChangeArrowheads="1"/>
-          </p:cNvSpPr>
-          <p:nvPr/>
-        </p:nvSpPr>
-        <p:spPr bwMode="auto">
-          <a:xfrm>
-            <a:off x="307910" y="1098847"/>
-            <a:ext cx="8599487" cy="1543034"/>
-          </a:xfrm>
-          <a:prstGeom prst="rect">
-            <a:avLst/>
-          </a:prstGeom>
-          <a:noFill/>
-          <a:ln w="9525">
-            <a:noFill/>
-            <a:miter lim="800000"/>
-            <a:headEnd/>
-            <a:tailEnd/>
-          </a:ln>
-          <a:extLst>
-            <a:ext uri="{909E8E84-426E-40DD-AFC4-6F175D3DCCD1}">
-              <a14:hiddenFill xmlns:a14="http://schemas.microsoft.com/office/drawing/2010/main">
-                <a:solidFill>
-                  <a:srgbClr val="FFFFFF"/>
-                </a:solidFill>
-              </a14:hiddenFill>
-            </a:ext>
-          </a:extLst>
-        </p:spPr>
-        <p:txBody>
-          <a:bodyPr/>
-          <a:lstStyle>
-            <a:lvl1pPr eaLnBrk="0" hangingPunct="0">
-              <a:defRPr sz="2400">
-                <a:solidFill>
-                  <a:schemeClr val="tx1"/>
-                </a:solidFill>
-                <a:latin typeface="Arial" panose="020B0604020202020204" pitchFamily="34" charset="0"/>
-                <a:ea typeface="MS PGothic" panose="020B0600070205080204" pitchFamily="34" charset="-128"/>
-              </a:defRPr>
-            </a:lvl1pPr>
-            <a:lvl2pPr marL="742950" indent="-285750" eaLnBrk="0" hangingPunct="0">
-              <a:defRPr sz="2400">
-                <a:solidFill>
-                  <a:schemeClr val="tx1"/>
-                </a:solidFill>
-                <a:latin typeface="Arial" panose="020B0604020202020204" pitchFamily="34" charset="0"/>
-                <a:ea typeface="MS PGothic" panose="020B0600070205080204" pitchFamily="34" charset="-128"/>
-              </a:defRPr>
-            </a:lvl2pPr>
-            <a:lvl3pPr marL="1143000" indent="-228600" eaLnBrk="0" hangingPunct="0">
-              <a:defRPr sz="2400">
-                <a:solidFill>
-                  <a:schemeClr val="tx1"/>
-                </a:solidFill>
-                <a:latin typeface="Arial" panose="020B0604020202020204" pitchFamily="34" charset="0"/>
-                <a:ea typeface="MS PGothic" panose="020B0600070205080204" pitchFamily="34" charset="-128"/>
-              </a:defRPr>
-            </a:lvl3pPr>
-            <a:lvl4pPr marL="1600200" indent="-228600" eaLnBrk="0" hangingPunct="0">
-              <a:defRPr sz="2400">
-                <a:solidFill>
-                  <a:schemeClr val="tx1"/>
-                </a:solidFill>
-                <a:latin typeface="Arial" panose="020B0604020202020204" pitchFamily="34" charset="0"/>
-                <a:ea typeface="MS PGothic" panose="020B0600070205080204" pitchFamily="34" charset="-128"/>
-              </a:defRPr>
-            </a:lvl4pPr>
-            <a:lvl5pPr marL="2057400" indent="-228600" eaLnBrk="0" hangingPunct="0">
-              <a:defRPr sz="2400">
-                <a:solidFill>
-                  <a:schemeClr val="tx1"/>
-                </a:solidFill>
-                <a:latin typeface="Arial" panose="020B0604020202020204" pitchFamily="34" charset="0"/>
-                <a:ea typeface="MS PGothic" panose="020B0600070205080204" pitchFamily="34" charset="-128"/>
-              </a:defRPr>
-            </a:lvl5pPr>
-            <a:lvl6pPr marL="2514600" indent="-228600" defTabSz="457200" eaLnBrk="0" fontAlgn="base" hangingPunct="0">
-              <a:spcBef>
-                <a:spcPct val="0"/>
-              </a:spcBef>
-              <a:spcAft>
-                <a:spcPct val="0"/>
-              </a:spcAft>
-              <a:defRPr sz="2400">
-                <a:solidFill>
-                  <a:schemeClr val="tx1"/>
-                </a:solidFill>
-                <a:latin typeface="Arial" panose="020B0604020202020204" pitchFamily="34" charset="0"/>
-                <a:ea typeface="MS PGothic" panose="020B0600070205080204" pitchFamily="34" charset="-128"/>
-              </a:defRPr>
-            </a:lvl6pPr>
-            <a:lvl7pPr marL="2971800" indent="-228600" defTabSz="457200" eaLnBrk="0" fontAlgn="base" hangingPunct="0">
-              <a:spcBef>
-                <a:spcPct val="0"/>
-              </a:spcBef>
-              <a:spcAft>
-                <a:spcPct val="0"/>
-              </a:spcAft>
-              <a:defRPr sz="2400">
-                <a:solidFill>
-                  <a:schemeClr val="tx1"/>
-                </a:solidFill>
-                <a:latin typeface="Arial" panose="020B0604020202020204" pitchFamily="34" charset="0"/>
-                <a:ea typeface="MS PGothic" panose="020B0600070205080204" pitchFamily="34" charset="-128"/>
-              </a:defRPr>
-            </a:lvl7pPr>
-            <a:lvl8pPr marL="3429000" indent="-228600" defTabSz="457200" eaLnBrk="0" fontAlgn="base" hangingPunct="0">
-              <a:spcBef>
-                <a:spcPct val="0"/>
-              </a:spcBef>
-              <a:spcAft>
-                <a:spcPct val="0"/>
-              </a:spcAft>
-              <a:defRPr sz="2400">
-                <a:solidFill>
-                  <a:schemeClr val="tx1"/>
-                </a:solidFill>
-                <a:latin typeface="Arial" panose="020B0604020202020204" pitchFamily="34" charset="0"/>
-                <a:ea typeface="MS PGothic" panose="020B0600070205080204" pitchFamily="34" charset="-128"/>
-              </a:defRPr>
-            </a:lvl8pPr>
-            <a:lvl9pPr marL="3886200" indent="-228600" defTabSz="457200" eaLnBrk="0" fontAlgn="base" hangingPunct="0">
-              <a:spcBef>
-                <a:spcPct val="0"/>
-              </a:spcBef>
-              <a:spcAft>
-                <a:spcPct val="0"/>
-              </a:spcAft>
-              <a:defRPr sz="2400">
-                <a:solidFill>
-                  <a:schemeClr val="tx1"/>
-                </a:solidFill>
-                <a:latin typeface="Arial" panose="020B0604020202020204" pitchFamily="34" charset="0"/>
-                <a:ea typeface="MS PGothic" panose="020B0600070205080204" pitchFamily="34" charset="-128"/>
-              </a:defRPr>
-            </a:lvl9pPr>
-          </a:lstStyle>
-          <a:p>
-            <a:pPr eaLnBrk="1" hangingPunct="1">
-              <a:spcBef>
-                <a:spcPct val="20000"/>
-              </a:spcBef>
-            </a:pPr>
-            <a:r>
-              <a:rPr lang="en-US" altLang="it-IT" sz="2000" dirty="0">
-                <a:solidFill>
-                  <a:srgbClr val="000000"/>
-                </a:solidFill>
-                <a:latin typeface="Garamond" panose="02020404030301010803" pitchFamily="18" charset="0"/>
-              </a:rPr>
-              <a:t>Due to the </a:t>
-            </a:r>
-            <a:r>
-              <a:rPr lang="en-US" altLang="it-IT" sz="2000" b="1" dirty="0">
-                <a:solidFill>
-                  <a:srgbClr val="000000"/>
-                </a:solidFill>
-                <a:latin typeface="Garamond" panose="02020404030301010803" pitchFamily="18" charset="0"/>
-              </a:rPr>
-              <a:t>lack of </a:t>
-            </a:r>
-            <a:r>
-              <a:rPr lang="en-US" altLang="it-IT" sz="2000" dirty="0">
-                <a:solidFill>
-                  <a:srgbClr val="000000"/>
-                </a:solidFill>
-                <a:latin typeface="Garamond" panose="02020404030301010803" pitchFamily="18" charset="0"/>
-              </a:rPr>
-              <a:t>memory (RAM) and </a:t>
-            </a:r>
-            <a:r>
-              <a:rPr lang="en-US" altLang="it-IT" sz="2000" b="1" dirty="0">
-                <a:solidFill>
-                  <a:srgbClr val="000000"/>
-                </a:solidFill>
-                <a:latin typeface="Garamond" panose="02020404030301010803" pitchFamily="18" charset="0"/>
-              </a:rPr>
-              <a:t>computational power </a:t>
-            </a:r>
-            <a:r>
-              <a:rPr lang="en-US" altLang="it-IT" sz="2000" dirty="0">
-                <a:solidFill>
-                  <a:srgbClr val="000000"/>
-                </a:solidFill>
-                <a:latin typeface="Garamond" panose="02020404030301010803" pitchFamily="18" charset="0"/>
-              </a:rPr>
-              <a:t>given to us, as we were undergraduate students: </a:t>
-            </a:r>
-            <a:r>
-              <a:rPr lang="en-US" altLang="it-IT" sz="1800" dirty="0">
-                <a:solidFill>
-                  <a:srgbClr val="000000"/>
-                </a:solidFill>
-                <a:latin typeface="Garamond" panose="02020404030301010803" pitchFamily="18" charset="0"/>
-              </a:rPr>
-              <a:t>Instead of converting each MRI in 100 pictures, we have extracted only 8 pictures for each MRI, Trained on 3 folds instead of 20, haven’t performed any data augmentation. </a:t>
-            </a:r>
-            <a:r>
-              <a:rPr lang="en-US" altLang="it-IT" sz="2000" dirty="0">
-                <a:solidFill>
-                  <a:srgbClr val="000000"/>
-                </a:solidFill>
-                <a:latin typeface="Garamond" panose="02020404030301010803" pitchFamily="18" charset="0"/>
-              </a:rPr>
-              <a:t>However, </a:t>
-            </a:r>
-            <a:r>
-              <a:rPr lang="en-US" altLang="it-IT" sz="2000" b="1" dirty="0">
-                <a:solidFill>
-                  <a:srgbClr val="000000"/>
-                </a:solidFill>
-                <a:latin typeface="Garamond" panose="02020404030301010803" pitchFamily="18" charset="0"/>
-              </a:rPr>
-              <a:t>our supervisor will execute more exhaustive tests</a:t>
-            </a:r>
-            <a:r>
-              <a:rPr lang="en-US" altLang="it-IT" sz="2000" dirty="0">
-                <a:solidFill>
-                  <a:srgbClr val="000000"/>
-                </a:solidFill>
-                <a:latin typeface="Garamond" panose="02020404030301010803" pitchFamily="18" charset="0"/>
-              </a:rPr>
-              <a:t>.</a:t>
-            </a:r>
-          </a:p>
-          <a:p>
-            <a:pPr eaLnBrk="1" hangingPunct="1">
-              <a:spcBef>
-                <a:spcPct val="20000"/>
-              </a:spcBef>
-            </a:pPr>
-            <a:r>
-              <a:rPr lang="en-US" altLang="it-IT" sz="1800" b="1" dirty="0">
-                <a:solidFill>
-                  <a:srgbClr val="000000"/>
-                </a:solidFill>
-                <a:latin typeface="Garamond" panose="02020404030301010803" pitchFamily="18" charset="0"/>
-              </a:rPr>
-              <a:t>CN vs AD:</a:t>
-            </a:r>
-          </a:p>
-          <a:p>
-            <a:pPr eaLnBrk="1" hangingPunct="1">
-              <a:spcBef>
-                <a:spcPct val="20000"/>
-              </a:spcBef>
-            </a:pPr>
-            <a:endParaRPr lang="en-US" altLang="it-IT" sz="2200" dirty="0">
-              <a:solidFill>
-                <a:srgbClr val="000000"/>
-              </a:solidFill>
-              <a:latin typeface="Garamond" panose="02020404030301010803" pitchFamily="18" charset="0"/>
-            </a:endParaRPr>
+              <a:t>L-GRAAL</a:t>
+            </a:r>
           </a:p>
         </p:txBody>
       </p:sp>
       <p:pic>
         <p:nvPicPr>
-          <p:cNvPr id="2" name="Immagine 1">
-            <a:extLst>
-              <a:ext uri="{FF2B5EF4-FFF2-40B4-BE49-F238E27FC236}">
-                <a16:creationId xmlns:a16="http://schemas.microsoft.com/office/drawing/2014/main" id="{500A64CD-33B7-45DF-B621-7AD41292CB6D}"/>
+          <p:cNvPr id="3" name="Immagine 2">
+            <a:extLst>
+              <a:ext uri="{FF2B5EF4-FFF2-40B4-BE49-F238E27FC236}">
+                <a16:creationId xmlns:a16="http://schemas.microsoft.com/office/drawing/2014/main" id="{2EBD74D6-8D2B-4DBA-B7DE-0AEC5ED35F04}"/>
               </a:ext>
             </a:extLst>
           </p:cNvPr>
@@ -7672,8 +6878,8 @@
         </p:blipFill>
         <p:spPr>
           <a:xfrm>
-            <a:off x="1755354" y="2396319"/>
-            <a:ext cx="7152044" cy="1145078"/>
+            <a:off x="0" y="906900"/>
+            <a:ext cx="9144000" cy="5044199"/>
           </a:xfrm>
           <a:prstGeom prst="rect">
             <a:avLst/>
@@ -7682,201 +6888,70 @@
       </p:pic>
       <p:sp>
         <p:nvSpPr>
-          <p:cNvPr id="3" name="Rettangolo 2">
-            <a:extLst>
-              <a:ext uri="{FF2B5EF4-FFF2-40B4-BE49-F238E27FC236}">
-                <a16:creationId xmlns:a16="http://schemas.microsoft.com/office/drawing/2014/main" id="{D73C3386-E891-48BB-AEB0-70BDADFC5C3E}"/>
-              </a:ext>
-            </a:extLst>
-          </p:cNvPr>
-          <p:cNvSpPr/>
-          <p:nvPr/>
-        </p:nvSpPr>
-        <p:spPr>
-          <a:xfrm>
-            <a:off x="272255" y="3614865"/>
-            <a:ext cx="1483098" cy="369332"/>
-          </a:xfrm>
-          <a:prstGeom prst="rect">
-            <a:avLst/>
-          </a:prstGeom>
-        </p:spPr>
-        <p:txBody>
-          <a:bodyPr wrap="none">
-            <a:spAutoFit/>
-          </a:bodyPr>
+          <p:cNvPr id="5" name="Segnaposto piè di pagina 4">
+            <a:extLst>
+              <a:ext uri="{FF2B5EF4-FFF2-40B4-BE49-F238E27FC236}">
+                <a16:creationId xmlns:a16="http://schemas.microsoft.com/office/drawing/2014/main" id="{C8FA84AE-9C6F-4489-856A-DE17E111520B}"/>
+              </a:ext>
+            </a:extLst>
+          </p:cNvPr>
+          <p:cNvSpPr>
+            <a:spLocks noGrp="1"/>
+          </p:cNvSpPr>
+          <p:nvPr>
+            <p:ph type="ftr" sz="quarter" idx="11"/>
+          </p:nvPr>
+        </p:nvSpPr>
+        <p:spPr/>
+        <p:txBody>
+          <a:bodyPr/>
           <a:lstStyle/>
           <a:p>
-            <a:pPr eaLnBrk="1" hangingPunct="1">
-              <a:spcBef>
-                <a:spcPct val="20000"/>
-              </a:spcBef>
+            <a:pPr>
+              <a:defRPr/>
             </a:pPr>
             <a:r>
-              <a:rPr lang="en-US" altLang="it-IT" b="1" dirty="0">
-                <a:solidFill>
-                  <a:srgbClr val="000000"/>
-                </a:solidFill>
-                <a:latin typeface="Garamond" panose="02020404030301010803" pitchFamily="18" charset="0"/>
-              </a:rPr>
-              <a:t>CN vs </a:t>
-            </a:r>
-            <a:r>
-              <a:rPr lang="en-US" altLang="it-IT" b="1" dirty="0" err="1">
-                <a:solidFill>
-                  <a:srgbClr val="000000"/>
-                </a:solidFill>
-                <a:latin typeface="Garamond" panose="02020404030301010803" pitchFamily="18" charset="0"/>
-              </a:rPr>
-              <a:t>MCIc</a:t>
-            </a:r>
-            <a:r>
-              <a:rPr lang="en-US" altLang="it-IT" b="1" dirty="0">
-                <a:solidFill>
-                  <a:srgbClr val="000000"/>
-                </a:solidFill>
-                <a:latin typeface="Garamond" panose="02020404030301010803" pitchFamily="18" charset="0"/>
-              </a:rPr>
-              <a:t>:</a:t>
-            </a:r>
-          </a:p>
-        </p:txBody>
-      </p:sp>
-      <p:pic>
-        <p:nvPicPr>
-          <p:cNvPr id="4" name="Immagine 3">
-            <a:extLst>
-              <a:ext uri="{FF2B5EF4-FFF2-40B4-BE49-F238E27FC236}">
-                <a16:creationId xmlns:a16="http://schemas.microsoft.com/office/drawing/2014/main" id="{3DF83764-8E2C-4622-A41A-23C39E378CE5}"/>
-              </a:ext>
-            </a:extLst>
-          </p:cNvPr>
-          <p:cNvPicPr>
-            <a:picLocks noChangeAspect="1"/>
-          </p:cNvPicPr>
-          <p:nvPr/>
-        </p:nvPicPr>
-        <p:blipFill>
-          <a:blip r:embed="rId3"/>
-          <a:stretch>
-            <a:fillRect/>
-          </a:stretch>
-        </p:blipFill>
-        <p:spPr>
-          <a:xfrm>
-            <a:off x="1755353" y="3701886"/>
-            <a:ext cx="7152044" cy="1163850"/>
-          </a:xfrm>
-          <a:prstGeom prst="rect">
-            <a:avLst/>
-          </a:prstGeom>
-        </p:spPr>
-      </p:pic>
-      <p:sp>
-        <p:nvSpPr>
-          <p:cNvPr id="10" name="Rettangolo 9">
-            <a:extLst>
-              <a:ext uri="{FF2B5EF4-FFF2-40B4-BE49-F238E27FC236}">
-                <a16:creationId xmlns:a16="http://schemas.microsoft.com/office/drawing/2014/main" id="{B2D9FFBC-3F82-40F4-B00D-831C3B019773}"/>
-              </a:ext>
-            </a:extLst>
-          </p:cNvPr>
-          <p:cNvSpPr/>
-          <p:nvPr/>
-        </p:nvSpPr>
-        <p:spPr>
-          <a:xfrm>
-            <a:off x="236603" y="4865736"/>
-            <a:ext cx="1827744" cy="369332"/>
-          </a:xfrm>
-          <a:prstGeom prst="rect">
-            <a:avLst/>
-          </a:prstGeom>
-        </p:spPr>
-        <p:txBody>
-          <a:bodyPr wrap="none">
-            <a:spAutoFit/>
-          </a:bodyPr>
+              <a:rPr lang="it-IT"/>
+              <a:t>Masiero L. Ivancich S.</a:t>
+            </a:r>
+            <a:endParaRPr lang="en-US" dirty="0"/>
+          </a:p>
+        </p:txBody>
+      </p:sp>
+      <p:sp>
+        <p:nvSpPr>
+          <p:cNvPr id="7" name="Segnaposto numero diapositiva 6">
+            <a:extLst>
+              <a:ext uri="{FF2B5EF4-FFF2-40B4-BE49-F238E27FC236}">
+                <a16:creationId xmlns:a16="http://schemas.microsoft.com/office/drawing/2014/main" id="{29D52353-7F79-4896-8CE4-790CDCEEBEE7}"/>
+              </a:ext>
+            </a:extLst>
+          </p:cNvPr>
+          <p:cNvSpPr>
+            <a:spLocks noGrp="1"/>
+          </p:cNvSpPr>
+          <p:nvPr>
+            <p:ph type="sldNum" sz="quarter" idx="12"/>
+          </p:nvPr>
+        </p:nvSpPr>
+        <p:spPr/>
+        <p:txBody>
+          <a:bodyPr/>
           <a:lstStyle/>
           <a:p>
-            <a:pPr eaLnBrk="1" hangingPunct="1">
-              <a:spcBef>
-                <a:spcPct val="20000"/>
-              </a:spcBef>
-            </a:pPr>
-            <a:r>
-              <a:rPr lang="en-US" altLang="it-IT" b="1" dirty="0" err="1">
-                <a:solidFill>
-                  <a:srgbClr val="000000"/>
-                </a:solidFill>
-                <a:latin typeface="Garamond" panose="02020404030301010803" pitchFamily="18" charset="0"/>
-              </a:rPr>
-              <a:t>MCInc</a:t>
-            </a:r>
-            <a:r>
-              <a:rPr lang="en-US" altLang="it-IT" b="1" dirty="0">
-                <a:solidFill>
-                  <a:srgbClr val="000000"/>
-                </a:solidFill>
-                <a:latin typeface="Garamond" panose="02020404030301010803" pitchFamily="18" charset="0"/>
-              </a:rPr>
-              <a:t> vs </a:t>
-            </a:r>
-            <a:r>
-              <a:rPr lang="en-US" altLang="it-IT" b="1" dirty="0" err="1">
-                <a:solidFill>
-                  <a:srgbClr val="000000"/>
-                </a:solidFill>
-                <a:latin typeface="Garamond" panose="02020404030301010803" pitchFamily="18" charset="0"/>
-              </a:rPr>
-              <a:t>MCIc</a:t>
-            </a:r>
-            <a:r>
-              <a:rPr lang="en-US" altLang="it-IT" b="1" dirty="0">
-                <a:solidFill>
-                  <a:srgbClr val="000000"/>
-                </a:solidFill>
-                <a:latin typeface="Garamond" panose="02020404030301010803" pitchFamily="18" charset="0"/>
-              </a:rPr>
-              <a:t>:</a:t>
-            </a:r>
-          </a:p>
-        </p:txBody>
-      </p:sp>
-      <p:pic>
-        <p:nvPicPr>
-          <p:cNvPr id="5" name="Immagine 4">
-            <a:extLst>
-              <a:ext uri="{FF2B5EF4-FFF2-40B4-BE49-F238E27FC236}">
-                <a16:creationId xmlns:a16="http://schemas.microsoft.com/office/drawing/2014/main" id="{60BD3C23-67FF-4D9B-BCCA-913A89A3E986}"/>
-              </a:ext>
-            </a:extLst>
-          </p:cNvPr>
-          <p:cNvPicPr>
-            <a:picLocks noChangeAspect="1"/>
-          </p:cNvPicPr>
-          <p:nvPr/>
-        </p:nvPicPr>
-        <p:blipFill>
-          <a:blip r:embed="rId4"/>
-          <a:stretch>
-            <a:fillRect/>
-          </a:stretch>
-        </p:blipFill>
-        <p:spPr>
-          <a:xfrm>
-            <a:off x="1755353" y="5219083"/>
-            <a:ext cx="7161424" cy="1163849"/>
-          </a:xfrm>
-          <a:prstGeom prst="rect">
-            <a:avLst/>
-          </a:prstGeom>
-        </p:spPr>
-      </p:pic>
+            <a:fld id="{7A1D8CC2-AC32-48BF-A9F5-B79D7A95954F}" type="slidenum">
+              <a:rPr lang="en-US" altLang="it-IT" smtClean="0"/>
+              <a:pPr/>
+              <a:t>11</a:t>
+            </a:fld>
+            <a:endParaRPr lang="en-US" altLang="it-IT" dirty="0"/>
+          </a:p>
+        </p:txBody>
+      </p:sp>
     </p:spTree>
     <p:extLst>
       <p:ext uri="{BB962C8B-B14F-4D97-AF65-F5344CB8AC3E}">
-        <p14:creationId xmlns:p14="http://schemas.microsoft.com/office/powerpoint/2010/main" val="597525046"/>
+        <p14:creationId xmlns:p14="http://schemas.microsoft.com/office/powerpoint/2010/main" val="2720987061"/>
       </p:ext>
     </p:extLst>
   </p:cSld>
@@ -7919,7 +6994,7 @@
         </p:nvSpPr>
         <p:spPr bwMode="auto">
           <a:xfrm>
-            <a:off x="15875" y="1"/>
+            <a:off x="15875" y="165692"/>
             <a:ext cx="8842375" cy="1016000"/>
           </a:xfrm>
           <a:prstGeom prst="rect">
@@ -8060,584 +7135,83 @@
           </a:lstStyle>
           <a:p>
             <a:r>
-              <a:rPr lang="en-US" altLang="it-IT" sz="6000">
+              <a:rPr lang="en-US" altLang="it-IT" sz="3600" dirty="0">
                 <a:solidFill>
                   <a:srgbClr val="FFFFFF"/>
                 </a:solidFill>
                 <a:latin typeface="Tw Cen MT" panose="020B0602020104020603" pitchFamily="34" charset="0"/>
               </a:rPr>
-              <a:t>Conclusions</a:t>
-            </a:r>
-            <a:endParaRPr lang="en-US" altLang="it-IT" sz="6000" dirty="0">
-              <a:solidFill>
-                <a:srgbClr val="FFFFFF"/>
-              </a:solidFill>
-              <a:latin typeface="Tw Cen MT" panose="020B0602020104020603" pitchFamily="34" charset="0"/>
-            </a:endParaRPr>
-          </a:p>
-        </p:txBody>
-      </p:sp>
-      <p:sp>
-        <p:nvSpPr>
-          <p:cNvPr id="13" name="Rettangolo 12">
-            <a:extLst>
-              <a:ext uri="{FF2B5EF4-FFF2-40B4-BE49-F238E27FC236}">
-                <a16:creationId xmlns:a16="http://schemas.microsoft.com/office/drawing/2014/main" id="{1B3E0C32-1984-4560-966F-A08D7A1991F2}"/>
-              </a:ext>
-            </a:extLst>
-          </p:cNvPr>
-          <p:cNvSpPr/>
-          <p:nvPr/>
-        </p:nvSpPr>
-        <p:spPr>
-          <a:xfrm>
-            <a:off x="0" y="6408477"/>
-            <a:ext cx="2175339" cy="461665"/>
-          </a:xfrm>
-          <a:prstGeom prst="rect">
-            <a:avLst/>
-          </a:prstGeom>
-        </p:spPr>
-        <p:txBody>
-          <a:bodyPr wrap="none">
-            <a:spAutoFit/>
-          </a:bodyPr>
+              <a:t>L-GRAAL</a:t>
+            </a:r>
+          </a:p>
+        </p:txBody>
+      </p:sp>
+      <p:sp>
+        <p:nvSpPr>
+          <p:cNvPr id="4" name="Segnaposto piè di pagina 3">
+            <a:extLst>
+              <a:ext uri="{FF2B5EF4-FFF2-40B4-BE49-F238E27FC236}">
+                <a16:creationId xmlns:a16="http://schemas.microsoft.com/office/drawing/2014/main" id="{132569EC-B884-40D8-85E2-57BADE786F10}"/>
+              </a:ext>
+            </a:extLst>
+          </p:cNvPr>
+          <p:cNvSpPr>
+            <a:spLocks noGrp="1"/>
+          </p:cNvSpPr>
+          <p:nvPr>
+            <p:ph type="ftr" sz="quarter" idx="11"/>
+          </p:nvPr>
+        </p:nvSpPr>
+        <p:spPr/>
+        <p:txBody>
+          <a:bodyPr/>
           <a:lstStyle/>
           <a:p>
-            <a:pPr eaLnBrk="1" hangingPunct="1">
-              <a:spcBef>
-                <a:spcPct val="20000"/>
-              </a:spcBef>
+            <a:pPr>
+              <a:defRPr/>
             </a:pPr>
             <a:r>
-              <a:rPr lang="en-US" altLang="it-IT" sz="2400" dirty="0">
-                <a:solidFill>
-                  <a:srgbClr val="000000"/>
-                </a:solidFill>
-                <a:latin typeface="Garamond" panose="02020404030301010803" pitchFamily="18" charset="0"/>
-              </a:rPr>
-              <a:t>Ivancich Stefano</a:t>
-            </a:r>
-          </a:p>
-        </p:txBody>
-      </p:sp>
-      <p:sp>
-        <p:nvSpPr>
-          <p:cNvPr id="14" name="Rettangolo 13">
-            <a:extLst>
-              <a:ext uri="{FF2B5EF4-FFF2-40B4-BE49-F238E27FC236}">
-                <a16:creationId xmlns:a16="http://schemas.microsoft.com/office/drawing/2014/main" id="{E8459245-DDCF-4A55-8FE9-5CF48972E537}"/>
-              </a:ext>
-            </a:extLst>
-          </p:cNvPr>
-          <p:cNvSpPr/>
-          <p:nvPr/>
-        </p:nvSpPr>
-        <p:spPr>
-          <a:xfrm>
-            <a:off x="8670794" y="6413034"/>
-            <a:ext cx="473206" cy="461665"/>
-          </a:xfrm>
-          <a:prstGeom prst="rect">
-            <a:avLst/>
-          </a:prstGeom>
-        </p:spPr>
-        <p:txBody>
-          <a:bodyPr wrap="none">
-            <a:spAutoFit/>
-          </a:bodyPr>
+              <a:rPr lang="it-IT"/>
+              <a:t>Masiero L. Ivancich S.</a:t>
+            </a:r>
+            <a:endParaRPr lang="en-US" dirty="0"/>
+          </a:p>
+        </p:txBody>
+      </p:sp>
+      <p:sp>
+        <p:nvSpPr>
+          <p:cNvPr id="5" name="Segnaposto numero diapositiva 4">
+            <a:extLst>
+              <a:ext uri="{FF2B5EF4-FFF2-40B4-BE49-F238E27FC236}">
+                <a16:creationId xmlns:a16="http://schemas.microsoft.com/office/drawing/2014/main" id="{2E9CF88A-2116-4A80-B0ED-1262563C9595}"/>
+              </a:ext>
+            </a:extLst>
+          </p:cNvPr>
+          <p:cNvSpPr>
+            <a:spLocks noGrp="1"/>
+          </p:cNvSpPr>
+          <p:nvPr>
+            <p:ph type="sldNum" sz="quarter" idx="12"/>
+          </p:nvPr>
+        </p:nvSpPr>
+        <p:spPr/>
+        <p:txBody>
+          <a:bodyPr/>
           <a:lstStyle/>
           <a:p>
-            <a:pPr eaLnBrk="1" hangingPunct="1">
-              <a:spcBef>
-                <a:spcPct val="20000"/>
-              </a:spcBef>
-            </a:pPr>
-            <a:r>
-              <a:rPr lang="en-US" altLang="it-IT" sz="2400" dirty="0">
-                <a:solidFill>
-                  <a:srgbClr val="000000"/>
-                </a:solidFill>
-                <a:latin typeface="Garamond" panose="02020404030301010803" pitchFamily="18" charset="0"/>
-              </a:rPr>
-              <a:t>11</a:t>
-            </a:r>
-          </a:p>
-        </p:txBody>
-      </p:sp>
-      <p:sp>
-        <p:nvSpPr>
-          <p:cNvPr id="15" name="Rettangolo 14">
-            <a:extLst>
-              <a:ext uri="{FF2B5EF4-FFF2-40B4-BE49-F238E27FC236}">
-                <a16:creationId xmlns:a16="http://schemas.microsoft.com/office/drawing/2014/main" id="{CDC0EA93-AE21-4D2B-BBA9-8CFFCDEC2B60}"/>
-              </a:ext>
-            </a:extLst>
-          </p:cNvPr>
-          <p:cNvSpPr/>
-          <p:nvPr/>
-        </p:nvSpPr>
-        <p:spPr>
-          <a:xfrm>
-            <a:off x="3747735" y="6420772"/>
-            <a:ext cx="1648528" cy="461665"/>
-          </a:xfrm>
-          <a:prstGeom prst="rect">
-            <a:avLst/>
-          </a:prstGeom>
-        </p:spPr>
-        <p:txBody>
-          <a:bodyPr wrap="none">
-            <a:spAutoFit/>
-          </a:bodyPr>
-          <a:lstStyle/>
-          <a:p>
-            <a:pPr eaLnBrk="1" hangingPunct="1">
-              <a:spcBef>
-                <a:spcPct val="20000"/>
-              </a:spcBef>
-            </a:pPr>
-            <a:r>
-              <a:rPr lang="en-US" altLang="it-IT" sz="2400" dirty="0">
-                <a:solidFill>
-                  <a:srgbClr val="000000"/>
-                </a:solidFill>
-                <a:latin typeface="Garamond" panose="02020404030301010803" pitchFamily="18" charset="0"/>
-              </a:rPr>
-              <a:t>15 July 2019</a:t>
-            </a:r>
-          </a:p>
-        </p:txBody>
-      </p:sp>
-      <p:sp>
-        <p:nvSpPr>
-          <p:cNvPr id="7" name="Rectangle 6">
-            <a:extLst>
-              <a:ext uri="{FF2B5EF4-FFF2-40B4-BE49-F238E27FC236}">
-                <a16:creationId xmlns:a16="http://schemas.microsoft.com/office/drawing/2014/main" id="{D1C770D5-0432-4218-8BC0-C9B6BA7FF1ED}"/>
-              </a:ext>
-            </a:extLst>
-          </p:cNvPr>
-          <p:cNvSpPr>
-            <a:spLocks noChangeArrowheads="1"/>
-          </p:cNvSpPr>
-          <p:nvPr/>
-        </p:nvSpPr>
-        <p:spPr bwMode="auto">
-          <a:xfrm>
-            <a:off x="272255" y="1181692"/>
-            <a:ext cx="8599487" cy="5073389"/>
-          </a:xfrm>
-          <a:prstGeom prst="rect">
-            <a:avLst/>
-          </a:prstGeom>
-          <a:noFill/>
-          <a:ln w="9525">
-            <a:noFill/>
-            <a:miter lim="800000"/>
-            <a:headEnd/>
-            <a:tailEnd/>
-          </a:ln>
-          <a:extLst>
-            <a:ext uri="{909E8E84-426E-40DD-AFC4-6F175D3DCCD1}">
-              <a14:hiddenFill xmlns:a14="http://schemas.microsoft.com/office/drawing/2010/main">
-                <a:solidFill>
-                  <a:srgbClr val="FFFFFF"/>
-                </a:solidFill>
-              </a14:hiddenFill>
-            </a:ext>
-          </a:extLst>
-        </p:spPr>
-        <p:txBody>
-          <a:bodyPr/>
-          <a:lstStyle>
-            <a:lvl1pPr eaLnBrk="0" hangingPunct="0">
-              <a:defRPr sz="2400">
-                <a:solidFill>
-                  <a:schemeClr val="tx1"/>
-                </a:solidFill>
-                <a:latin typeface="Arial" panose="020B0604020202020204" pitchFamily="34" charset="0"/>
-                <a:ea typeface="MS PGothic" panose="020B0600070205080204" pitchFamily="34" charset="-128"/>
-              </a:defRPr>
-            </a:lvl1pPr>
-            <a:lvl2pPr marL="742950" indent="-285750" eaLnBrk="0" hangingPunct="0">
-              <a:defRPr sz="2400">
-                <a:solidFill>
-                  <a:schemeClr val="tx1"/>
-                </a:solidFill>
-                <a:latin typeface="Arial" panose="020B0604020202020204" pitchFamily="34" charset="0"/>
-                <a:ea typeface="MS PGothic" panose="020B0600070205080204" pitchFamily="34" charset="-128"/>
-              </a:defRPr>
-            </a:lvl2pPr>
-            <a:lvl3pPr marL="1143000" indent="-228600" eaLnBrk="0" hangingPunct="0">
-              <a:defRPr sz="2400">
-                <a:solidFill>
-                  <a:schemeClr val="tx1"/>
-                </a:solidFill>
-                <a:latin typeface="Arial" panose="020B0604020202020204" pitchFamily="34" charset="0"/>
-                <a:ea typeface="MS PGothic" panose="020B0600070205080204" pitchFamily="34" charset="-128"/>
-              </a:defRPr>
-            </a:lvl3pPr>
-            <a:lvl4pPr marL="1600200" indent="-228600" eaLnBrk="0" hangingPunct="0">
-              <a:defRPr sz="2400">
-                <a:solidFill>
-                  <a:schemeClr val="tx1"/>
-                </a:solidFill>
-                <a:latin typeface="Arial" panose="020B0604020202020204" pitchFamily="34" charset="0"/>
-                <a:ea typeface="MS PGothic" panose="020B0600070205080204" pitchFamily="34" charset="-128"/>
-              </a:defRPr>
-            </a:lvl4pPr>
-            <a:lvl5pPr marL="2057400" indent="-228600" eaLnBrk="0" hangingPunct="0">
-              <a:defRPr sz="2400">
-                <a:solidFill>
-                  <a:schemeClr val="tx1"/>
-                </a:solidFill>
-                <a:latin typeface="Arial" panose="020B0604020202020204" pitchFamily="34" charset="0"/>
-                <a:ea typeface="MS PGothic" panose="020B0600070205080204" pitchFamily="34" charset="-128"/>
-              </a:defRPr>
-            </a:lvl5pPr>
-            <a:lvl6pPr marL="2514600" indent="-228600" defTabSz="457200" eaLnBrk="0" fontAlgn="base" hangingPunct="0">
-              <a:spcBef>
-                <a:spcPct val="0"/>
-              </a:spcBef>
-              <a:spcAft>
-                <a:spcPct val="0"/>
-              </a:spcAft>
-              <a:defRPr sz="2400">
-                <a:solidFill>
-                  <a:schemeClr val="tx1"/>
-                </a:solidFill>
-                <a:latin typeface="Arial" panose="020B0604020202020204" pitchFamily="34" charset="0"/>
-                <a:ea typeface="MS PGothic" panose="020B0600070205080204" pitchFamily="34" charset="-128"/>
-              </a:defRPr>
-            </a:lvl6pPr>
-            <a:lvl7pPr marL="2971800" indent="-228600" defTabSz="457200" eaLnBrk="0" fontAlgn="base" hangingPunct="0">
-              <a:spcBef>
-                <a:spcPct val="0"/>
-              </a:spcBef>
-              <a:spcAft>
-                <a:spcPct val="0"/>
-              </a:spcAft>
-              <a:defRPr sz="2400">
-                <a:solidFill>
-                  <a:schemeClr val="tx1"/>
-                </a:solidFill>
-                <a:latin typeface="Arial" panose="020B0604020202020204" pitchFamily="34" charset="0"/>
-                <a:ea typeface="MS PGothic" panose="020B0600070205080204" pitchFamily="34" charset="-128"/>
-              </a:defRPr>
-            </a:lvl7pPr>
-            <a:lvl8pPr marL="3429000" indent="-228600" defTabSz="457200" eaLnBrk="0" fontAlgn="base" hangingPunct="0">
-              <a:spcBef>
-                <a:spcPct val="0"/>
-              </a:spcBef>
-              <a:spcAft>
-                <a:spcPct val="0"/>
-              </a:spcAft>
-              <a:defRPr sz="2400">
-                <a:solidFill>
-                  <a:schemeClr val="tx1"/>
-                </a:solidFill>
-                <a:latin typeface="Arial" panose="020B0604020202020204" pitchFamily="34" charset="0"/>
-                <a:ea typeface="MS PGothic" panose="020B0600070205080204" pitchFamily="34" charset="-128"/>
-              </a:defRPr>
-            </a:lvl8pPr>
-            <a:lvl9pPr marL="3886200" indent="-228600" defTabSz="457200" eaLnBrk="0" fontAlgn="base" hangingPunct="0">
-              <a:spcBef>
-                <a:spcPct val="0"/>
-              </a:spcBef>
-              <a:spcAft>
-                <a:spcPct val="0"/>
-              </a:spcAft>
-              <a:defRPr sz="2400">
-                <a:solidFill>
-                  <a:schemeClr val="tx1"/>
-                </a:solidFill>
-                <a:latin typeface="Arial" panose="020B0604020202020204" pitchFamily="34" charset="0"/>
-                <a:ea typeface="MS PGothic" panose="020B0600070205080204" pitchFamily="34" charset="-128"/>
-              </a:defRPr>
-            </a:lvl9pPr>
-          </a:lstStyle>
-          <a:p>
-            <a:pPr eaLnBrk="1" hangingPunct="1">
-              <a:spcBef>
-                <a:spcPct val="20000"/>
-              </a:spcBef>
-            </a:pPr>
-            <a:r>
-              <a:rPr lang="en-US" altLang="it-IT" sz="2200" b="1" dirty="0">
-                <a:solidFill>
-                  <a:srgbClr val="000000"/>
-                </a:solidFill>
-                <a:latin typeface="Garamond" panose="02020404030301010803" pitchFamily="18" charset="0"/>
-              </a:rPr>
-              <a:t>Conclusions:</a:t>
-            </a:r>
-          </a:p>
-          <a:p>
-            <a:pPr marL="342900" indent="-342900" eaLnBrk="1" hangingPunct="1">
-              <a:spcBef>
-                <a:spcPct val="20000"/>
-              </a:spcBef>
-              <a:buFont typeface="Arial" panose="020B0604020202020204" pitchFamily="34" charset="0"/>
-              <a:buChar char="•"/>
-            </a:pPr>
-            <a:r>
-              <a:rPr lang="en-US" altLang="it-IT" sz="2200" dirty="0">
-                <a:solidFill>
-                  <a:srgbClr val="000000"/>
-                </a:solidFill>
-                <a:latin typeface="Garamond" panose="02020404030301010803" pitchFamily="18" charset="0"/>
-              </a:rPr>
-              <a:t>The tests showed that our model was </a:t>
-            </a:r>
-            <a:r>
-              <a:rPr lang="en-US" altLang="it-IT" sz="2200" b="1" dirty="0">
-                <a:solidFill>
-                  <a:srgbClr val="000000"/>
-                </a:solidFill>
-                <a:latin typeface="Garamond" panose="02020404030301010803" pitchFamily="18" charset="0"/>
-              </a:rPr>
-              <a:t>very good at classify CN vs AD</a:t>
-            </a:r>
-            <a:r>
-              <a:rPr lang="en-US" altLang="it-IT" sz="2200" dirty="0">
-                <a:solidFill>
-                  <a:srgbClr val="000000"/>
-                </a:solidFill>
-                <a:latin typeface="Garamond" panose="02020404030301010803" pitchFamily="18" charset="0"/>
-              </a:rPr>
-              <a:t>, that is an extraordinary results, because today to recognize if a person has Alzheimer different invasive medical tests must be done. With our model we need just a Magnetic Resonance.</a:t>
-            </a:r>
-          </a:p>
-          <a:p>
-            <a:pPr marL="342900" indent="-342900" eaLnBrk="1" hangingPunct="1">
-              <a:spcBef>
-                <a:spcPct val="20000"/>
-              </a:spcBef>
-              <a:buFont typeface="Arial" panose="020B0604020202020204" pitchFamily="34" charset="0"/>
-              <a:buChar char="•"/>
-            </a:pPr>
-            <a:r>
-              <a:rPr lang="en-US" altLang="it-IT" sz="2200" dirty="0">
-                <a:solidFill>
-                  <a:srgbClr val="000000"/>
-                </a:solidFill>
-                <a:latin typeface="Garamond" panose="02020404030301010803" pitchFamily="18" charset="0"/>
-              </a:rPr>
-              <a:t>Unfortunately CN vs </a:t>
-            </a:r>
-            <a:r>
-              <a:rPr lang="en-US" altLang="it-IT" sz="2200" dirty="0" err="1">
-                <a:solidFill>
-                  <a:srgbClr val="000000"/>
-                </a:solidFill>
-                <a:latin typeface="Garamond" panose="02020404030301010803" pitchFamily="18" charset="0"/>
-              </a:rPr>
-              <a:t>MCIc</a:t>
-            </a:r>
-            <a:r>
-              <a:rPr lang="en-US" altLang="it-IT" sz="2200" dirty="0">
-                <a:solidFill>
-                  <a:srgbClr val="000000"/>
-                </a:solidFill>
-                <a:latin typeface="Garamond" panose="02020404030301010803" pitchFamily="18" charset="0"/>
-              </a:rPr>
-              <a:t> and </a:t>
-            </a:r>
-            <a:r>
-              <a:rPr lang="en-US" altLang="it-IT" sz="2200" dirty="0" err="1">
-                <a:solidFill>
-                  <a:srgbClr val="000000"/>
-                </a:solidFill>
-                <a:latin typeface="Garamond" panose="02020404030301010803" pitchFamily="18" charset="0"/>
-              </a:rPr>
-              <a:t>MCInc</a:t>
-            </a:r>
-            <a:r>
-              <a:rPr lang="en-US" altLang="it-IT" sz="2200" dirty="0">
-                <a:solidFill>
-                  <a:srgbClr val="000000"/>
-                </a:solidFill>
-                <a:latin typeface="Garamond" panose="02020404030301010803" pitchFamily="18" charset="0"/>
-              </a:rPr>
-              <a:t> vs </a:t>
-            </a:r>
-            <a:r>
-              <a:rPr lang="en-US" altLang="it-IT" sz="2200" dirty="0" err="1">
-                <a:solidFill>
-                  <a:srgbClr val="000000"/>
-                </a:solidFill>
-                <a:latin typeface="Garamond" panose="02020404030301010803" pitchFamily="18" charset="0"/>
-              </a:rPr>
-              <a:t>MCIc</a:t>
-            </a:r>
-            <a:r>
-              <a:rPr lang="en-US" altLang="it-IT" sz="2200" dirty="0">
-                <a:solidFill>
-                  <a:srgbClr val="000000"/>
-                </a:solidFill>
-                <a:latin typeface="Garamond" panose="02020404030301010803" pitchFamily="18" charset="0"/>
-              </a:rPr>
-              <a:t> problems doesn’t reach good results, we think most of the problem is due to the lack of computational power.</a:t>
-            </a:r>
-          </a:p>
-          <a:p>
-            <a:pPr eaLnBrk="1" hangingPunct="1">
-              <a:spcBef>
-                <a:spcPct val="20000"/>
-              </a:spcBef>
-            </a:pPr>
-            <a:r>
-              <a:rPr lang="en-US" altLang="it-IT" sz="2200" b="1" dirty="0">
-                <a:solidFill>
-                  <a:srgbClr val="000000"/>
-                </a:solidFill>
-                <a:latin typeface="Garamond" panose="02020404030301010803" pitchFamily="18" charset="0"/>
-              </a:rPr>
-              <a:t>Future Work:</a:t>
-            </a:r>
-          </a:p>
-          <a:p>
-            <a:pPr marL="342900" indent="-342900" eaLnBrk="1" hangingPunct="1">
-              <a:spcBef>
-                <a:spcPct val="20000"/>
-              </a:spcBef>
-              <a:buFont typeface="Arial" panose="020B0604020202020204" pitchFamily="34" charset="0"/>
-              <a:buChar char="•"/>
-            </a:pPr>
-            <a:r>
-              <a:rPr lang="en-US" altLang="it-IT" sz="2200" dirty="0">
-                <a:solidFill>
-                  <a:srgbClr val="000000"/>
-                </a:solidFill>
-                <a:latin typeface="Garamond" panose="02020404030301010803" pitchFamily="18" charset="0"/>
-              </a:rPr>
-              <a:t>Try different hyper-parameters during training</a:t>
-            </a:r>
-          </a:p>
-          <a:p>
-            <a:pPr marL="342900" indent="-342900" eaLnBrk="1" hangingPunct="1">
-              <a:spcBef>
-                <a:spcPct val="20000"/>
-              </a:spcBef>
-              <a:buFont typeface="Arial" panose="020B0604020202020204" pitchFamily="34" charset="0"/>
-              <a:buChar char="•"/>
-            </a:pPr>
-            <a:r>
-              <a:rPr lang="en-US" altLang="it-IT" sz="2200" dirty="0">
-                <a:solidFill>
-                  <a:srgbClr val="000000"/>
-                </a:solidFill>
-                <a:latin typeface="Garamond" panose="02020404030301010803" pitchFamily="18" charset="0"/>
-              </a:rPr>
-              <a:t>Change the </a:t>
-            </a:r>
-            <a:r>
-              <a:rPr lang="en-US" altLang="it-IT" sz="2200" b="1" dirty="0">
-                <a:solidFill>
-                  <a:srgbClr val="000000"/>
-                </a:solidFill>
-                <a:latin typeface="Garamond" panose="02020404030301010803" pitchFamily="18" charset="0"/>
-              </a:rPr>
-              <a:t>structure</a:t>
-            </a:r>
-            <a:r>
-              <a:rPr lang="en-US" altLang="it-IT" sz="2200" dirty="0">
-                <a:solidFill>
-                  <a:srgbClr val="000000"/>
-                </a:solidFill>
-                <a:latin typeface="Garamond" panose="02020404030301010803" pitchFamily="18" charset="0"/>
-              </a:rPr>
-              <a:t> of the </a:t>
-            </a:r>
-            <a:r>
-              <a:rPr lang="en-US" altLang="it-IT" sz="2200" b="1" dirty="0">
-                <a:solidFill>
-                  <a:srgbClr val="000000"/>
-                </a:solidFill>
-                <a:latin typeface="Garamond" panose="02020404030301010803" pitchFamily="18" charset="0"/>
-              </a:rPr>
-              <a:t>network</a:t>
-            </a:r>
-            <a:r>
-              <a:rPr lang="en-US" altLang="it-IT" sz="2200" dirty="0">
-                <a:solidFill>
-                  <a:srgbClr val="000000"/>
-                </a:solidFill>
-                <a:latin typeface="Garamond" panose="02020404030301010803" pitchFamily="18" charset="0"/>
-              </a:rPr>
-              <a:t> using:</a:t>
-            </a:r>
-          </a:p>
-          <a:p>
-            <a:pPr marL="1085850" lvl="1" indent="-342900" eaLnBrk="1" hangingPunct="1">
-              <a:spcBef>
-                <a:spcPct val="20000"/>
-              </a:spcBef>
-              <a:buFont typeface="Arial" panose="020B0604020202020204" pitchFamily="34" charset="0"/>
-              <a:buChar char="•"/>
-            </a:pPr>
-            <a:r>
-              <a:rPr lang="en-US" altLang="it-IT" sz="2200" dirty="0">
-                <a:solidFill>
-                  <a:srgbClr val="000000"/>
-                </a:solidFill>
-                <a:latin typeface="Garamond" panose="02020404030301010803" pitchFamily="18" charset="0"/>
-              </a:rPr>
-              <a:t>pretrained </a:t>
-            </a:r>
-            <a:r>
-              <a:rPr lang="en-US" altLang="it-IT" sz="2200" b="1" dirty="0">
-                <a:solidFill>
-                  <a:srgbClr val="000000"/>
-                </a:solidFill>
-                <a:latin typeface="Garamond" panose="02020404030301010803" pitchFamily="18" charset="0"/>
-              </a:rPr>
-              <a:t>VGG-19</a:t>
-            </a:r>
-            <a:r>
-              <a:rPr lang="en-US" altLang="it-IT" sz="2200" dirty="0">
-                <a:solidFill>
-                  <a:srgbClr val="000000"/>
-                </a:solidFill>
-                <a:latin typeface="Garamond" panose="02020404030301010803" pitchFamily="18" charset="0"/>
-              </a:rPr>
-              <a:t> or </a:t>
-            </a:r>
-            <a:r>
-              <a:rPr lang="en-US" altLang="it-IT" sz="2200" b="1" dirty="0">
-                <a:solidFill>
-                  <a:srgbClr val="000000"/>
-                </a:solidFill>
-                <a:latin typeface="Garamond" panose="02020404030301010803" pitchFamily="18" charset="0"/>
-              </a:rPr>
-              <a:t>Inception v4</a:t>
-            </a:r>
-          </a:p>
-          <a:p>
-            <a:pPr marL="1085850" lvl="1" indent="-342900" eaLnBrk="1" hangingPunct="1">
-              <a:spcBef>
-                <a:spcPct val="20000"/>
-              </a:spcBef>
-              <a:buFont typeface="Arial" panose="020B0604020202020204" pitchFamily="34" charset="0"/>
-              <a:buChar char="•"/>
-            </a:pPr>
-            <a:r>
-              <a:rPr lang="en-US" altLang="it-IT" sz="2200" b="1" dirty="0">
-                <a:solidFill>
-                  <a:srgbClr val="000000"/>
-                </a:solidFill>
-                <a:latin typeface="Garamond" panose="02020404030301010803" pitchFamily="18" charset="0"/>
-              </a:rPr>
-              <a:t>3D-Convolution</a:t>
-            </a:r>
+            <a:fld id="{7A1D8CC2-AC32-48BF-A9F5-B79D7A95954F}" type="slidenum">
+              <a:rPr lang="en-US" altLang="it-IT" smtClean="0"/>
+              <a:pPr/>
+              <a:t>12</a:t>
+            </a:fld>
+            <a:endParaRPr lang="en-US" altLang="it-IT" dirty="0"/>
           </a:p>
         </p:txBody>
       </p:sp>
     </p:spTree>
     <p:extLst>
       <p:ext uri="{BB962C8B-B14F-4D97-AF65-F5344CB8AC3E}">
-        <p14:creationId xmlns:p14="http://schemas.microsoft.com/office/powerpoint/2010/main" val="2438652792"/>
+        <p14:creationId xmlns:p14="http://schemas.microsoft.com/office/powerpoint/2010/main" val="1560956855"/>
       </p:ext>
     </p:extLst>
   </p:cSld>
@@ -8680,7 +7254,7 @@
         </p:nvSpPr>
         <p:spPr bwMode="auto">
           <a:xfrm>
-            <a:off x="15875" y="1"/>
+            <a:off x="15875" y="165692"/>
             <a:ext cx="8842375" cy="1016000"/>
           </a:xfrm>
           <a:prstGeom prst="rect">
@@ -8821,177 +7395,164 @@
           </a:lstStyle>
           <a:p>
             <a:r>
-              <a:rPr lang="en-US" altLang="it-IT" sz="6000" dirty="0">
+              <a:rPr lang="en-US" altLang="it-IT" sz="3600" dirty="0">
                 <a:solidFill>
                   <a:srgbClr val="FFFFFF"/>
                 </a:solidFill>
                 <a:latin typeface="Tw Cen MT" panose="020B0602020104020603" pitchFamily="34" charset="0"/>
               </a:rPr>
-              <a:t>Thank You</a:t>
-            </a:r>
-          </a:p>
-        </p:txBody>
-      </p:sp>
-      <p:sp>
-        <p:nvSpPr>
-          <p:cNvPr id="13" name="Rettangolo 12">
-            <a:extLst>
-              <a:ext uri="{FF2B5EF4-FFF2-40B4-BE49-F238E27FC236}">
-                <a16:creationId xmlns:a16="http://schemas.microsoft.com/office/drawing/2014/main" id="{1B3E0C32-1984-4560-966F-A08D7A1991F2}"/>
-              </a:ext>
-            </a:extLst>
-          </p:cNvPr>
-          <p:cNvSpPr/>
+              <a:t>L-GRAAL</a:t>
+            </a:r>
+          </a:p>
+        </p:txBody>
+      </p:sp>
+      <p:pic>
+        <p:nvPicPr>
+          <p:cNvPr id="4" name="Immagine 3" descr="Immagine che contiene computer&#10;&#10;Descrizione generata automaticamente">
+            <a:extLst>
+              <a:ext uri="{FF2B5EF4-FFF2-40B4-BE49-F238E27FC236}">
+                <a16:creationId xmlns:a16="http://schemas.microsoft.com/office/drawing/2014/main" id="{0867C0B8-054B-4260-B4AE-3A0FDC44A723}"/>
+              </a:ext>
+            </a:extLst>
+          </p:cNvPr>
+          <p:cNvPicPr>
+            <a:picLocks noChangeAspect="1"/>
+          </p:cNvPicPr>
           <p:nvPr/>
-        </p:nvSpPr>
+        </p:nvPicPr>
+        <p:blipFill>
+          <a:blip r:embed="rId2"/>
+          <a:stretch>
+            <a:fillRect/>
+          </a:stretch>
+        </p:blipFill>
         <p:spPr>
           <a:xfrm>
-            <a:off x="0" y="6408477"/>
-            <a:ext cx="2175339" cy="461665"/>
+            <a:off x="15875" y="2426628"/>
+            <a:ext cx="9144000" cy="2157144"/>
           </a:xfrm>
           <a:prstGeom prst="rect">
             <a:avLst/>
           </a:prstGeom>
         </p:spPr>
-        <p:txBody>
-          <a:bodyPr wrap="none">
-            <a:spAutoFit/>
-          </a:bodyPr>
+      </p:pic>
+      <p:sp>
+        <p:nvSpPr>
+          <p:cNvPr id="7" name="Segnaposto piè di pagina 6">
+            <a:extLst>
+              <a:ext uri="{FF2B5EF4-FFF2-40B4-BE49-F238E27FC236}">
+                <a16:creationId xmlns:a16="http://schemas.microsoft.com/office/drawing/2014/main" id="{92A531A0-FA88-4FA6-8165-1CEB60968920}"/>
+              </a:ext>
+            </a:extLst>
+          </p:cNvPr>
+          <p:cNvSpPr>
+            <a:spLocks noGrp="1"/>
+          </p:cNvSpPr>
+          <p:nvPr>
+            <p:ph type="ftr" sz="quarter" idx="11"/>
+          </p:nvPr>
+        </p:nvSpPr>
+        <p:spPr/>
+        <p:txBody>
+          <a:bodyPr/>
           <a:lstStyle/>
           <a:p>
-            <a:pPr eaLnBrk="1" hangingPunct="1">
-              <a:spcBef>
-                <a:spcPct val="20000"/>
-              </a:spcBef>
+            <a:pPr>
+              <a:defRPr/>
             </a:pPr>
             <a:r>
-              <a:rPr lang="en-US" altLang="it-IT" sz="2400" dirty="0">
-                <a:solidFill>
-                  <a:srgbClr val="000000"/>
-                </a:solidFill>
-                <a:latin typeface="Garamond" panose="02020404030301010803" pitchFamily="18" charset="0"/>
-              </a:rPr>
-              <a:t>Ivancich Stefano</a:t>
-            </a:r>
-          </a:p>
-        </p:txBody>
-      </p:sp>
-      <p:sp>
-        <p:nvSpPr>
-          <p:cNvPr id="14" name="Rettangolo 13">
-            <a:extLst>
-              <a:ext uri="{FF2B5EF4-FFF2-40B4-BE49-F238E27FC236}">
-                <a16:creationId xmlns:a16="http://schemas.microsoft.com/office/drawing/2014/main" id="{E8459245-DDCF-4A55-8FE9-5CF48972E537}"/>
-              </a:ext>
-            </a:extLst>
-          </p:cNvPr>
-          <p:cNvSpPr/>
-          <p:nvPr/>
-        </p:nvSpPr>
-        <p:spPr>
-          <a:xfrm>
-            <a:off x="8670794" y="6413034"/>
-            <a:ext cx="473206" cy="461665"/>
-          </a:xfrm>
-          <a:prstGeom prst="rect">
-            <a:avLst/>
-          </a:prstGeom>
-        </p:spPr>
-        <p:txBody>
-          <a:bodyPr wrap="none">
-            <a:spAutoFit/>
-          </a:bodyPr>
+              <a:rPr lang="it-IT"/>
+              <a:t>Masiero L. Ivancich S.</a:t>
+            </a:r>
+            <a:endParaRPr lang="en-US" dirty="0"/>
+          </a:p>
+        </p:txBody>
+      </p:sp>
+      <p:sp>
+        <p:nvSpPr>
+          <p:cNvPr id="8" name="Segnaposto numero diapositiva 7">
+            <a:extLst>
+              <a:ext uri="{FF2B5EF4-FFF2-40B4-BE49-F238E27FC236}">
+                <a16:creationId xmlns:a16="http://schemas.microsoft.com/office/drawing/2014/main" id="{A656A8E6-5A3B-4234-B976-0F7A6BB72E8B}"/>
+              </a:ext>
+            </a:extLst>
+          </p:cNvPr>
+          <p:cNvSpPr>
+            <a:spLocks noGrp="1"/>
+          </p:cNvSpPr>
+          <p:nvPr>
+            <p:ph type="sldNum" sz="quarter" idx="12"/>
+          </p:nvPr>
+        </p:nvSpPr>
+        <p:spPr/>
+        <p:txBody>
+          <a:bodyPr/>
           <a:lstStyle/>
           <a:p>
-            <a:pPr eaLnBrk="1" hangingPunct="1">
-              <a:spcBef>
-                <a:spcPct val="20000"/>
-              </a:spcBef>
-            </a:pPr>
-            <a:r>
-              <a:rPr lang="en-US" altLang="it-IT" sz="2400" dirty="0">
-                <a:solidFill>
-                  <a:srgbClr val="000000"/>
-                </a:solidFill>
-                <a:latin typeface="Garamond" panose="02020404030301010803" pitchFamily="18" charset="0"/>
-              </a:rPr>
-              <a:t>12</a:t>
-            </a:r>
-          </a:p>
-        </p:txBody>
-      </p:sp>
-      <p:sp>
-        <p:nvSpPr>
-          <p:cNvPr id="15" name="Rettangolo 14">
-            <a:extLst>
-              <a:ext uri="{FF2B5EF4-FFF2-40B4-BE49-F238E27FC236}">
-                <a16:creationId xmlns:a16="http://schemas.microsoft.com/office/drawing/2014/main" id="{CDC0EA93-AE21-4D2B-BBA9-8CFFCDEC2B60}"/>
-              </a:ext>
-            </a:extLst>
-          </p:cNvPr>
-          <p:cNvSpPr/>
-          <p:nvPr/>
-        </p:nvSpPr>
-        <p:spPr>
-          <a:xfrm>
-            <a:off x="3747735" y="6420772"/>
-            <a:ext cx="1648528" cy="461665"/>
-          </a:xfrm>
-          <a:prstGeom prst="rect">
-            <a:avLst/>
-          </a:prstGeom>
-        </p:spPr>
-        <p:txBody>
-          <a:bodyPr wrap="none">
-            <a:spAutoFit/>
-          </a:bodyPr>
-          <a:lstStyle/>
-          <a:p>
-            <a:pPr eaLnBrk="1" hangingPunct="1">
-              <a:spcBef>
-                <a:spcPct val="20000"/>
-              </a:spcBef>
-            </a:pPr>
-            <a:r>
-              <a:rPr lang="en-US" altLang="it-IT" sz="2400" dirty="0">
-                <a:solidFill>
-                  <a:srgbClr val="000000"/>
-                </a:solidFill>
-                <a:latin typeface="Garamond" panose="02020404030301010803" pitchFamily="18" charset="0"/>
-              </a:rPr>
-              <a:t>15 July 2019</a:t>
-            </a:r>
-          </a:p>
-        </p:txBody>
-      </p:sp>
-      <p:sp>
-        <p:nvSpPr>
-          <p:cNvPr id="7" name="Rectangle 6">
-            <a:extLst>
-              <a:ext uri="{FF2B5EF4-FFF2-40B4-BE49-F238E27FC236}">
-                <a16:creationId xmlns:a16="http://schemas.microsoft.com/office/drawing/2014/main" id="{D1C770D5-0432-4218-8BC0-C9B6BA7FF1ED}"/>
-              </a:ext>
-            </a:extLst>
-          </p:cNvPr>
-          <p:cNvSpPr>
-            <a:spLocks noChangeArrowheads="1"/>
+            <a:fld id="{7A1D8CC2-AC32-48BF-A9F5-B79D7A95954F}" type="slidenum">
+              <a:rPr lang="en-US" altLang="it-IT" smtClean="0"/>
+              <a:pPr/>
+              <a:t>13</a:t>
+            </a:fld>
+            <a:endParaRPr lang="en-US" altLang="it-IT" dirty="0"/>
+          </a:p>
+        </p:txBody>
+      </p:sp>
+    </p:spTree>
+    <p:extLst>
+      <p:ext uri="{BB962C8B-B14F-4D97-AF65-F5344CB8AC3E}">
+        <p14:creationId xmlns:p14="http://schemas.microsoft.com/office/powerpoint/2010/main" val="2166689206"/>
+      </p:ext>
+    </p:extLst>
+  </p:cSld>
+  <p:clrMapOvr>
+    <a:masterClrMapping/>
+  </p:clrMapOvr>
+</p:sld>
+</file>
+
+<file path=ppt/slides/slide14.xml><?xml version="1.0" encoding="utf-8"?>
+<p:sld xmlns:a="http://schemas.openxmlformats.org/drawingml/2006/main" xmlns:r="http://schemas.openxmlformats.org/officeDocument/2006/relationships" xmlns:p="http://schemas.openxmlformats.org/presentationml/2006/main">
+  <p:cSld>
+    <p:spTree>
+      <p:nvGrpSpPr>
+        <p:cNvPr id="1" name=""/>
+        <p:cNvGrpSpPr/>
+        <p:nvPr/>
+      </p:nvGrpSpPr>
+      <p:grpSpPr>
+        <a:xfrm>
+          <a:off x="0" y="0"/>
+          <a:ext cx="0" cy="0"/>
+          <a:chOff x="0" y="0"/>
+          <a:chExt cx="0" cy="0"/>
+        </a:xfrm>
+      </p:grpSpPr>
+      <p:sp>
+        <p:nvSpPr>
+          <p:cNvPr id="6" name="Title 1">
+            <a:extLst>
+              <a:ext uri="{FF2B5EF4-FFF2-40B4-BE49-F238E27FC236}">
+                <a16:creationId xmlns:a16="http://schemas.microsoft.com/office/drawing/2014/main" id="{B6FD3924-BD2E-47EB-8DCD-3AD635AE70B8}"/>
+              </a:ext>
+            </a:extLst>
+          </p:cNvPr>
+          <p:cNvSpPr txBox="1">
+            <a:spLocks/>
           </p:cNvSpPr>
           <p:nvPr/>
         </p:nvSpPr>
         <p:spPr bwMode="auto">
           <a:xfrm>
-            <a:off x="307910" y="2426573"/>
-            <a:ext cx="8599487" cy="2004853"/>
+            <a:off x="15875" y="165692"/>
+            <a:ext cx="8842375" cy="1016000"/>
           </a:xfrm>
           <a:prstGeom prst="rect">
             <a:avLst/>
           </a:prstGeom>
           <a:noFill/>
-          <a:ln w="9525">
+          <a:ln>
             <a:noFill/>
-            <a:miter lim="800000"/>
-            <a:headEnd/>
-            <a:tailEnd/>
           </a:ln>
           <a:extLst>
             <a:ext uri="{909E8E84-426E-40DD-AFC4-6F175D3DCCD1}">
@@ -9001,6 +7562,16 @@
                 </a:solidFill>
               </a14:hiddenFill>
             </a:ext>
+            <a:ext uri="{91240B29-F687-4F45-9708-019B960494DF}">
+              <a14:hiddenLine xmlns:a14="http://schemas.microsoft.com/office/drawing/2010/main" w="9525">
+                <a:solidFill>
+                  <a:srgbClr val="000000"/>
+                </a:solidFill>
+                <a:miter lim="800000"/>
+                <a:headEnd/>
+                <a:tailEnd/>
+              </a14:hiddenLine>
+            </a:ext>
           </a:extLst>
         </p:spPr>
         <p:txBody>
@@ -9113,43 +7684,98 @@
             </a:lvl9pPr>
           </a:lstStyle>
           <a:p>
-            <a:pPr algn="ctr" eaLnBrk="1" hangingPunct="1">
-              <a:spcBef>
-                <a:spcPct val="20000"/>
-              </a:spcBef>
+            <a:r>
+              <a:rPr lang="en-US" altLang="it-IT" sz="3600" dirty="0" err="1">
+                <a:solidFill>
+                  <a:srgbClr val="FFFFFF"/>
+                </a:solidFill>
+                <a:latin typeface="Tw Cen MT" panose="020B0602020104020603" pitchFamily="34" charset="0"/>
+              </a:rPr>
+              <a:t>Conclusioni</a:t>
+            </a:r>
+            <a:endParaRPr lang="en-US" altLang="it-IT" sz="3600" dirty="0">
+              <a:solidFill>
+                <a:srgbClr val="FFFFFF"/>
+              </a:solidFill>
+              <a:latin typeface="Tw Cen MT" panose="020B0602020104020603" pitchFamily="34" charset="0"/>
+            </a:endParaRPr>
+          </a:p>
+        </p:txBody>
+      </p:sp>
+      <p:sp>
+        <p:nvSpPr>
+          <p:cNvPr id="3" name="Segnaposto piè di pagina 2">
+            <a:extLst>
+              <a:ext uri="{FF2B5EF4-FFF2-40B4-BE49-F238E27FC236}">
+                <a16:creationId xmlns:a16="http://schemas.microsoft.com/office/drawing/2014/main" id="{E250C3CF-1955-4896-A806-CE5DDC834974}"/>
+              </a:ext>
+            </a:extLst>
+          </p:cNvPr>
+          <p:cNvSpPr>
+            <a:spLocks noGrp="1"/>
+          </p:cNvSpPr>
+          <p:nvPr>
+            <p:ph type="ftr" sz="quarter" idx="11"/>
+          </p:nvPr>
+        </p:nvSpPr>
+        <p:spPr/>
+        <p:txBody>
+          <a:bodyPr/>
+          <a:lstStyle/>
+          <a:p>
+            <a:pPr>
+              <a:defRPr/>
             </a:pPr>
             <a:r>
-              <a:rPr lang="en-US" altLang="it-IT" sz="5400" b="1" dirty="0">
-                <a:solidFill>
-                  <a:srgbClr val="000000"/>
-                </a:solidFill>
-                <a:latin typeface="Garamond" panose="02020404030301010803" pitchFamily="18" charset="0"/>
-              </a:rPr>
-              <a:t>Thanks for your attention!</a:t>
-            </a:r>
-          </a:p>
-          <a:p>
-            <a:pPr algn="ctr" eaLnBrk="1" hangingPunct="1">
-              <a:spcBef>
-                <a:spcPct val="20000"/>
-              </a:spcBef>
-            </a:pPr>
-            <a:r>
-              <a:rPr lang="en-US" altLang="it-IT" sz="5400" b="1" dirty="0">
-                <a:solidFill>
-                  <a:srgbClr val="000000"/>
-                </a:solidFill>
-                <a:latin typeface="Garamond" panose="02020404030301010803" pitchFamily="18" charset="0"/>
-              </a:rPr>
-              <a:t>Any questions?</a:t>
-            </a:r>
+              <a:rPr lang="it-IT" dirty="0"/>
+              <a:t>Masiero L. </a:t>
+            </a:r>
+            <a:r>
+              <a:rPr lang="it-IT" dirty="0" err="1"/>
+              <a:t>Ivancich</a:t>
+            </a:r>
+            <a:r>
+              <a:rPr lang="it-IT" dirty="0"/>
+              <a:t> S.</a:t>
+            </a:r>
+            <a:endParaRPr lang="en-US" dirty="0"/>
+          </a:p>
+        </p:txBody>
+      </p:sp>
+      <p:sp>
+        <p:nvSpPr>
+          <p:cNvPr id="4" name="Segnaposto numero diapositiva 3">
+            <a:extLst>
+              <a:ext uri="{FF2B5EF4-FFF2-40B4-BE49-F238E27FC236}">
+                <a16:creationId xmlns:a16="http://schemas.microsoft.com/office/drawing/2014/main" id="{5C0935C8-2051-45CC-A755-E45239AABEA6}"/>
+              </a:ext>
+            </a:extLst>
+          </p:cNvPr>
+          <p:cNvSpPr>
+            <a:spLocks noGrp="1"/>
+          </p:cNvSpPr>
+          <p:nvPr>
+            <p:ph type="sldNum" sz="quarter" idx="12"/>
+          </p:nvPr>
+        </p:nvSpPr>
+        <p:spPr/>
+        <p:txBody>
+          <a:bodyPr/>
+          <a:lstStyle/>
+          <a:p>
+            <a:fld id="{7A1D8CC2-AC32-48BF-A9F5-B79D7A95954F}" type="slidenum">
+              <a:rPr lang="en-US" altLang="it-IT" smtClean="0"/>
+              <a:pPr/>
+              <a:t>14</a:t>
+            </a:fld>
+            <a:endParaRPr lang="en-US" altLang="it-IT" dirty="0"/>
           </a:p>
         </p:txBody>
       </p:sp>
     </p:spTree>
     <p:extLst>
       <p:ext uri="{BB962C8B-B14F-4D97-AF65-F5344CB8AC3E}">
-        <p14:creationId xmlns:p14="http://schemas.microsoft.com/office/powerpoint/2010/main" val="3273215761"/>
+        <p14:creationId xmlns:p14="http://schemas.microsoft.com/office/powerpoint/2010/main" val="3558658768"/>
       </p:ext>
     </p:extLst>
   </p:cSld>
@@ -9192,7 +7818,7 @@
         </p:nvSpPr>
         <p:spPr bwMode="auto">
           <a:xfrm>
-            <a:off x="15875" y="1"/>
+            <a:off x="15875" y="165692"/>
             <a:ext cx="8842375" cy="1016000"/>
           </a:xfrm>
           <a:prstGeom prst="rect">
@@ -9333,606 +7959,210 @@
           </a:lstStyle>
           <a:p>
             <a:r>
-              <a:rPr lang="en-US" altLang="it-IT" sz="6000" dirty="0">
+              <a:rPr lang="en-US" altLang="it-IT" sz="3600" dirty="0" err="1">
                 <a:solidFill>
                   <a:srgbClr val="FFFFFF"/>
                 </a:solidFill>
                 <a:latin typeface="Tw Cen MT" panose="020B0602020104020603" pitchFamily="34" charset="0"/>
               </a:rPr>
-              <a:t>The Problem</a:t>
-            </a:r>
-          </a:p>
-        </p:txBody>
-      </p:sp>
-      <p:sp>
-        <p:nvSpPr>
-          <p:cNvPr id="13" name="Rettangolo 12">
-            <a:extLst>
-              <a:ext uri="{FF2B5EF4-FFF2-40B4-BE49-F238E27FC236}">
-                <a16:creationId xmlns:a16="http://schemas.microsoft.com/office/drawing/2014/main" id="{1B3E0C32-1984-4560-966F-A08D7A1991F2}"/>
-              </a:ext>
-            </a:extLst>
-          </p:cNvPr>
-          <p:cNvSpPr/>
+              <a:t>Introduzione</a:t>
+            </a:r>
+            <a:r>
+              <a:rPr lang="en-US" altLang="it-IT" sz="3600" dirty="0">
+                <a:solidFill>
+                  <a:srgbClr val="FFFFFF"/>
+                </a:solidFill>
+                <a:latin typeface="Tw Cen MT" panose="020B0602020104020603" pitchFamily="34" charset="0"/>
+              </a:rPr>
+              <a:t>: </a:t>
+            </a:r>
+            <a:r>
+              <a:rPr lang="en-US" altLang="it-IT" sz="3600" i="1" dirty="0">
+                <a:solidFill>
+                  <a:srgbClr val="FFFFFF"/>
+                </a:solidFill>
+                <a:latin typeface="Tw Cen MT" panose="020B0602020104020603" pitchFamily="34" charset="0"/>
+              </a:rPr>
+              <a:t>Network </a:t>
+            </a:r>
+            <a:r>
+              <a:rPr lang="en-US" altLang="it-IT" sz="3600" i="1" dirty="0" err="1">
+                <a:solidFill>
+                  <a:srgbClr val="FFFFFF"/>
+                </a:solidFill>
+                <a:latin typeface="Tw Cen MT" panose="020B0602020104020603" pitchFamily="34" charset="0"/>
+              </a:rPr>
+              <a:t>Alignement</a:t>
+            </a:r>
+            <a:r>
+              <a:rPr lang="en-US" altLang="it-IT" sz="3600" i="1" dirty="0">
+                <a:solidFill>
+                  <a:srgbClr val="FFFFFF"/>
+                </a:solidFill>
+                <a:latin typeface="Tw Cen MT" panose="020B0602020104020603" pitchFamily="34" charset="0"/>
+              </a:rPr>
+              <a:t> </a:t>
+            </a:r>
+            <a:r>
+              <a:rPr lang="en-US" altLang="it-IT" sz="3600" dirty="0">
+                <a:solidFill>
+                  <a:srgbClr val="FFFFFF"/>
+                </a:solidFill>
+                <a:latin typeface="Tw Cen MT" panose="020B0602020104020603" pitchFamily="34" charset="0"/>
+              </a:rPr>
+              <a:t>e PPIN</a:t>
+            </a:r>
+          </a:p>
+        </p:txBody>
+      </p:sp>
+      <p:pic>
+        <p:nvPicPr>
+          <p:cNvPr id="5" name="Immagine 4" descr="Immagine che contiene testo, mappa&#10;&#10;Descrizione generata automaticamente">
+            <a:extLst>
+              <a:ext uri="{FF2B5EF4-FFF2-40B4-BE49-F238E27FC236}">
+                <a16:creationId xmlns:a16="http://schemas.microsoft.com/office/drawing/2014/main" id="{F29FB078-9B18-4D79-B6A5-446C748113C7}"/>
+              </a:ext>
+            </a:extLst>
+          </p:cNvPr>
+          <p:cNvPicPr>
+            <a:picLocks noChangeAspect="1"/>
+          </p:cNvPicPr>
           <p:nvPr/>
-        </p:nvSpPr>
+        </p:nvPicPr>
+        <p:blipFill>
+          <a:blip r:embed="rId2"/>
+          <a:stretch>
+            <a:fillRect/>
+          </a:stretch>
+        </p:blipFill>
         <p:spPr>
           <a:xfrm>
-            <a:off x="0" y="6408477"/>
-            <a:ext cx="2891369" cy="461665"/>
+            <a:off x="658004" y="1403164"/>
+            <a:ext cx="7558114" cy="4783840"/>
           </a:xfrm>
           <a:prstGeom prst="rect">
             <a:avLst/>
           </a:prstGeom>
         </p:spPr>
-        <p:txBody>
-          <a:bodyPr wrap="none">
-            <a:spAutoFit/>
-          </a:bodyPr>
-          <a:lstStyle/>
-          <a:p>
-            <a:pPr eaLnBrk="1" hangingPunct="1">
-              <a:spcBef>
-                <a:spcPct val="20000"/>
-              </a:spcBef>
-            </a:pPr>
-            <a:r>
-              <a:rPr lang="en-US" altLang="it-IT" sz="2400" dirty="0" err="1">
-                <a:solidFill>
-                  <a:srgbClr val="000000"/>
-                </a:solidFill>
-                <a:latin typeface="Garamond" panose="02020404030301010803" pitchFamily="18" charset="0"/>
-              </a:rPr>
-              <a:t>Masiero</a:t>
-            </a:r>
-            <a:r>
-              <a:rPr lang="en-US" altLang="it-IT" sz="2400" dirty="0">
-                <a:solidFill>
-                  <a:srgbClr val="000000"/>
-                </a:solidFill>
-                <a:latin typeface="Garamond" panose="02020404030301010803" pitchFamily="18" charset="0"/>
-              </a:rPr>
-              <a:t> L. Ivancich S.</a:t>
-            </a:r>
-          </a:p>
-        </p:txBody>
-      </p:sp>
-      <p:sp>
-        <p:nvSpPr>
-          <p:cNvPr id="14" name="Rettangolo 13">
-            <a:extLst>
-              <a:ext uri="{FF2B5EF4-FFF2-40B4-BE49-F238E27FC236}">
-                <a16:creationId xmlns:a16="http://schemas.microsoft.com/office/drawing/2014/main" id="{E8459245-DDCF-4A55-8FE9-5CF48972E537}"/>
-              </a:ext>
-            </a:extLst>
-          </p:cNvPr>
-          <p:cNvSpPr/>
+      </p:pic>
+      <p:sp>
+        <p:nvSpPr>
+          <p:cNvPr id="9" name="CasellaDiTesto 8">
+            <a:extLst>
+              <a:ext uri="{FF2B5EF4-FFF2-40B4-BE49-F238E27FC236}">
+                <a16:creationId xmlns:a16="http://schemas.microsoft.com/office/drawing/2014/main" id="{F5B3F8C5-0708-4CA2-8411-6670B6A43365}"/>
+              </a:ext>
+            </a:extLst>
+          </p:cNvPr>
+          <p:cNvSpPr txBox="1"/>
           <p:nvPr/>
         </p:nvSpPr>
         <p:spPr>
           <a:xfrm>
-            <a:off x="8815064" y="6408477"/>
-            <a:ext cx="328936" cy="461665"/>
-          </a:xfrm>
-          <a:prstGeom prst="rect">
-            <a:avLst/>
-          </a:prstGeom>
-        </p:spPr>
-        <p:txBody>
-          <a:bodyPr wrap="none">
-            <a:spAutoFit/>
-          </a:bodyPr>
-          <a:lstStyle/>
-          <a:p>
-            <a:pPr eaLnBrk="1" hangingPunct="1">
-              <a:spcBef>
-                <a:spcPct val="20000"/>
-              </a:spcBef>
-            </a:pPr>
-            <a:r>
-              <a:rPr lang="en-US" altLang="it-IT" sz="2400" dirty="0">
-                <a:solidFill>
-                  <a:srgbClr val="000000"/>
-                </a:solidFill>
-                <a:latin typeface="Garamond" panose="02020404030301010803" pitchFamily="18" charset="0"/>
-              </a:rPr>
-              <a:t>1</a:t>
-            </a:r>
-            <a:endParaRPr lang="en-US" altLang="it-IT" sz="1800" dirty="0">
-              <a:solidFill>
-                <a:srgbClr val="000000"/>
-              </a:solidFill>
-              <a:latin typeface="Garamond" panose="02020404030301010803" pitchFamily="18" charset="0"/>
-            </a:endParaRPr>
-          </a:p>
-        </p:txBody>
-      </p:sp>
-      <p:sp>
-        <p:nvSpPr>
-          <p:cNvPr id="15" name="Rettangolo 14">
-            <a:extLst>
-              <a:ext uri="{FF2B5EF4-FFF2-40B4-BE49-F238E27FC236}">
-                <a16:creationId xmlns:a16="http://schemas.microsoft.com/office/drawing/2014/main" id="{CDC0EA93-AE21-4D2B-BBA9-8CFFCDEC2B60}"/>
-              </a:ext>
-            </a:extLst>
-          </p:cNvPr>
-          <p:cNvSpPr/>
-          <p:nvPr/>
-        </p:nvSpPr>
-        <p:spPr>
-          <a:xfrm>
-            <a:off x="3569516" y="6420772"/>
-            <a:ext cx="1735090" cy="461665"/>
-          </a:xfrm>
-          <a:prstGeom prst="rect">
-            <a:avLst/>
-          </a:prstGeom>
-        </p:spPr>
-        <p:txBody>
-          <a:bodyPr wrap="none">
-            <a:spAutoFit/>
-          </a:bodyPr>
-          <a:lstStyle/>
-          <a:p>
-            <a:pPr eaLnBrk="1" hangingPunct="1">
-              <a:spcBef>
-                <a:spcPct val="20000"/>
-              </a:spcBef>
-            </a:pPr>
-            <a:r>
-              <a:rPr lang="en-US" altLang="it-IT" sz="2400" dirty="0">
-                <a:solidFill>
-                  <a:srgbClr val="000000"/>
-                </a:solidFill>
-                <a:latin typeface="Garamond" panose="02020404030301010803" pitchFamily="18" charset="0"/>
-              </a:rPr>
-              <a:t>15 June 2020</a:t>
-            </a:r>
-          </a:p>
-        </p:txBody>
-      </p:sp>
-      <p:sp>
-        <p:nvSpPr>
-          <p:cNvPr id="7" name="Rectangle 6">
-            <a:extLst>
-              <a:ext uri="{FF2B5EF4-FFF2-40B4-BE49-F238E27FC236}">
-                <a16:creationId xmlns:a16="http://schemas.microsoft.com/office/drawing/2014/main" id="{D1C770D5-0432-4218-8BC0-C9B6BA7FF1ED}"/>
-              </a:ext>
-            </a:extLst>
-          </p:cNvPr>
-          <p:cNvSpPr>
-            <a:spLocks noChangeArrowheads="1"/>
-          </p:cNvSpPr>
-          <p:nvPr/>
-        </p:nvSpPr>
-        <p:spPr bwMode="auto">
-          <a:xfrm>
-            <a:off x="137318" y="1181692"/>
-            <a:ext cx="8599487" cy="5073389"/>
+            <a:off x="0" y="1084143"/>
+            <a:ext cx="9143999" cy="369332"/>
           </a:xfrm>
           <a:prstGeom prst="rect">
             <a:avLst/>
           </a:prstGeom>
           <a:noFill/>
-          <a:ln w="9525">
-            <a:noFill/>
-            <a:miter lim="800000"/>
-            <a:headEnd/>
-            <a:tailEnd/>
-          </a:ln>
-          <a:extLst>
-            <a:ext uri="{909E8E84-426E-40DD-AFC4-6F175D3DCCD1}">
-              <a14:hiddenFill xmlns:a14="http://schemas.microsoft.com/office/drawing/2010/main">
-                <a:solidFill>
-                  <a:srgbClr val="FFFFFF"/>
-                </a:solidFill>
-              </a14:hiddenFill>
-            </a:ext>
-          </a:extLst>
         </p:spPr>
         <p:txBody>
+          <a:bodyPr wrap="square" rtlCol="0">
+            <a:spAutoFit/>
+          </a:bodyPr>
+          <a:lstStyle/>
+          <a:p>
+            <a:pPr algn="ctr"/>
+            <a:r>
+              <a:rPr lang="it-IT" b="1" dirty="0">
+                <a:latin typeface="+mn-lt"/>
+              </a:rPr>
+              <a:t>Obiettivo</a:t>
+            </a:r>
+            <a:r>
+              <a:rPr lang="it-IT" dirty="0">
+                <a:latin typeface="+mn-lt"/>
+              </a:rPr>
+              <a:t> =  trovare somiglianze tra struttura e/o topologia di due o più reti.</a:t>
+            </a:r>
+          </a:p>
+        </p:txBody>
+      </p:sp>
+      <p:sp>
+        <p:nvSpPr>
+          <p:cNvPr id="4" name="Segnaposto piè di pagina 3">
+            <a:extLst>
+              <a:ext uri="{FF2B5EF4-FFF2-40B4-BE49-F238E27FC236}">
+                <a16:creationId xmlns:a16="http://schemas.microsoft.com/office/drawing/2014/main" id="{7ABA257F-296F-427E-A809-A29112E70F0F}"/>
+              </a:ext>
+            </a:extLst>
+          </p:cNvPr>
+          <p:cNvSpPr>
+            <a:spLocks noGrp="1"/>
+          </p:cNvSpPr>
+          <p:nvPr>
+            <p:ph type="ftr" sz="quarter" idx="11"/>
+          </p:nvPr>
+        </p:nvSpPr>
+        <p:spPr/>
+        <p:txBody>
           <a:bodyPr/>
-          <a:lstStyle>
-            <a:lvl1pPr eaLnBrk="0" hangingPunct="0">
-              <a:defRPr sz="2400">
-                <a:solidFill>
-                  <a:schemeClr val="tx1"/>
-                </a:solidFill>
-                <a:latin typeface="Arial" panose="020B0604020202020204" pitchFamily="34" charset="0"/>
-                <a:ea typeface="MS PGothic" panose="020B0600070205080204" pitchFamily="34" charset="-128"/>
-              </a:defRPr>
-            </a:lvl1pPr>
-            <a:lvl2pPr marL="742950" indent="-285750" eaLnBrk="0" hangingPunct="0">
-              <a:defRPr sz="2400">
-                <a:solidFill>
-                  <a:schemeClr val="tx1"/>
-                </a:solidFill>
-                <a:latin typeface="Arial" panose="020B0604020202020204" pitchFamily="34" charset="0"/>
-                <a:ea typeface="MS PGothic" panose="020B0600070205080204" pitchFamily="34" charset="-128"/>
-              </a:defRPr>
-            </a:lvl2pPr>
-            <a:lvl3pPr marL="1143000" indent="-228600" eaLnBrk="0" hangingPunct="0">
-              <a:defRPr sz="2400">
-                <a:solidFill>
-                  <a:schemeClr val="tx1"/>
-                </a:solidFill>
-                <a:latin typeface="Arial" panose="020B0604020202020204" pitchFamily="34" charset="0"/>
-                <a:ea typeface="MS PGothic" panose="020B0600070205080204" pitchFamily="34" charset="-128"/>
-              </a:defRPr>
-            </a:lvl3pPr>
-            <a:lvl4pPr marL="1600200" indent="-228600" eaLnBrk="0" hangingPunct="0">
-              <a:defRPr sz="2400">
-                <a:solidFill>
-                  <a:schemeClr val="tx1"/>
-                </a:solidFill>
-                <a:latin typeface="Arial" panose="020B0604020202020204" pitchFamily="34" charset="0"/>
-                <a:ea typeface="MS PGothic" panose="020B0600070205080204" pitchFamily="34" charset="-128"/>
-              </a:defRPr>
-            </a:lvl4pPr>
-            <a:lvl5pPr marL="2057400" indent="-228600" eaLnBrk="0" hangingPunct="0">
-              <a:defRPr sz="2400">
-                <a:solidFill>
-                  <a:schemeClr val="tx1"/>
-                </a:solidFill>
-                <a:latin typeface="Arial" panose="020B0604020202020204" pitchFamily="34" charset="0"/>
-                <a:ea typeface="MS PGothic" panose="020B0600070205080204" pitchFamily="34" charset="-128"/>
-              </a:defRPr>
-            </a:lvl5pPr>
-            <a:lvl6pPr marL="2514600" indent="-228600" defTabSz="457200" eaLnBrk="0" fontAlgn="base" hangingPunct="0">
-              <a:spcBef>
-                <a:spcPct val="0"/>
-              </a:spcBef>
-              <a:spcAft>
-                <a:spcPct val="0"/>
-              </a:spcAft>
-              <a:defRPr sz="2400">
-                <a:solidFill>
-                  <a:schemeClr val="tx1"/>
-                </a:solidFill>
-                <a:latin typeface="Arial" panose="020B0604020202020204" pitchFamily="34" charset="0"/>
-                <a:ea typeface="MS PGothic" panose="020B0600070205080204" pitchFamily="34" charset="-128"/>
-              </a:defRPr>
-            </a:lvl6pPr>
-            <a:lvl7pPr marL="2971800" indent="-228600" defTabSz="457200" eaLnBrk="0" fontAlgn="base" hangingPunct="0">
-              <a:spcBef>
-                <a:spcPct val="0"/>
-              </a:spcBef>
-              <a:spcAft>
-                <a:spcPct val="0"/>
-              </a:spcAft>
-              <a:defRPr sz="2400">
-                <a:solidFill>
-                  <a:schemeClr val="tx1"/>
-                </a:solidFill>
-                <a:latin typeface="Arial" panose="020B0604020202020204" pitchFamily="34" charset="0"/>
-                <a:ea typeface="MS PGothic" panose="020B0600070205080204" pitchFamily="34" charset="-128"/>
-              </a:defRPr>
-            </a:lvl7pPr>
-            <a:lvl8pPr marL="3429000" indent="-228600" defTabSz="457200" eaLnBrk="0" fontAlgn="base" hangingPunct="0">
-              <a:spcBef>
-                <a:spcPct val="0"/>
-              </a:spcBef>
-              <a:spcAft>
-                <a:spcPct val="0"/>
-              </a:spcAft>
-              <a:defRPr sz="2400">
-                <a:solidFill>
-                  <a:schemeClr val="tx1"/>
-                </a:solidFill>
-                <a:latin typeface="Arial" panose="020B0604020202020204" pitchFamily="34" charset="0"/>
-                <a:ea typeface="MS PGothic" panose="020B0600070205080204" pitchFamily="34" charset="-128"/>
-              </a:defRPr>
-            </a:lvl8pPr>
-            <a:lvl9pPr marL="3886200" indent="-228600" defTabSz="457200" eaLnBrk="0" fontAlgn="base" hangingPunct="0">
-              <a:spcBef>
-                <a:spcPct val="0"/>
-              </a:spcBef>
-              <a:spcAft>
-                <a:spcPct val="0"/>
-              </a:spcAft>
-              <a:defRPr sz="2400">
-                <a:solidFill>
-                  <a:schemeClr val="tx1"/>
-                </a:solidFill>
-                <a:latin typeface="Arial" panose="020B0604020202020204" pitchFamily="34" charset="0"/>
-                <a:ea typeface="MS PGothic" panose="020B0600070205080204" pitchFamily="34" charset="-128"/>
-              </a:defRPr>
-            </a:lvl9pPr>
-          </a:lstStyle>
-          <a:p>
-            <a:pPr marL="342900" indent="-342900" eaLnBrk="1" hangingPunct="1">
-              <a:spcBef>
-                <a:spcPct val="20000"/>
-              </a:spcBef>
-              <a:buFont typeface="Arial" panose="020B0604020202020204" pitchFamily="34" charset="0"/>
-              <a:buChar char="•"/>
+          <a:lstStyle/>
+          <a:p>
+            <a:pPr>
+              <a:defRPr/>
             </a:pPr>
             <a:r>
-              <a:rPr lang="en-US" altLang="it-IT" sz="2200" b="1" dirty="0">
-                <a:solidFill>
-                  <a:srgbClr val="000000"/>
-                </a:solidFill>
-                <a:latin typeface="Garamond" panose="02020404030301010803" pitchFamily="18" charset="0"/>
-              </a:rPr>
-              <a:t>Alzheimer’s disease (AD) </a:t>
-            </a:r>
-            <a:r>
-              <a:rPr lang="en-US" altLang="it-IT" sz="2200" dirty="0">
-                <a:solidFill>
-                  <a:srgbClr val="000000"/>
-                </a:solidFill>
-                <a:latin typeface="Garamond" panose="02020404030301010803" pitchFamily="18" charset="0"/>
-              </a:rPr>
-              <a:t>is a neurological pathology that affects more than </a:t>
-            </a:r>
-            <a:r>
-              <a:rPr lang="en-US" altLang="it-IT" sz="2200" b="1" dirty="0">
-                <a:solidFill>
-                  <a:srgbClr val="000000"/>
-                </a:solidFill>
-                <a:latin typeface="Garamond" panose="02020404030301010803" pitchFamily="18" charset="0"/>
-              </a:rPr>
-              <a:t>47 million people</a:t>
-            </a:r>
-            <a:r>
-              <a:rPr lang="en-US" altLang="it-IT" sz="2200" dirty="0">
-                <a:solidFill>
-                  <a:srgbClr val="000000"/>
-                </a:solidFill>
-                <a:latin typeface="Garamond" panose="02020404030301010803" pitchFamily="18" charset="0"/>
-              </a:rPr>
-              <a:t> worldwide, being the first cause of neurodegenerative dementia.</a:t>
-            </a:r>
-          </a:p>
-          <a:p>
-            <a:pPr marL="342900" indent="-342900" eaLnBrk="1" hangingPunct="1">
-              <a:spcBef>
-                <a:spcPct val="20000"/>
-              </a:spcBef>
-              <a:buFont typeface="Arial" panose="020B0604020202020204" pitchFamily="34" charset="0"/>
-              <a:buChar char="•"/>
-            </a:pPr>
-            <a:r>
-              <a:rPr lang="en-US" altLang="it-IT" sz="2200" dirty="0">
-                <a:solidFill>
-                  <a:srgbClr val="000000"/>
-                </a:solidFill>
-                <a:latin typeface="Garamond" panose="02020404030301010803" pitchFamily="18" charset="0"/>
-              </a:rPr>
-              <a:t>Its prevalence is estimated to be around 5% after 65 years old and a staggering 30% for the more than 85 years old in developed countries.</a:t>
-            </a:r>
-          </a:p>
-          <a:p>
-            <a:pPr marL="342900" indent="-342900" eaLnBrk="1" hangingPunct="1">
-              <a:spcBef>
-                <a:spcPct val="20000"/>
-              </a:spcBef>
-              <a:buFont typeface="Arial" panose="020B0604020202020204" pitchFamily="34" charset="0"/>
-              <a:buChar char="•"/>
-            </a:pPr>
-            <a:r>
-              <a:rPr lang="en-US" altLang="it-IT" sz="2200" dirty="0">
-                <a:solidFill>
-                  <a:srgbClr val="000000"/>
-                </a:solidFill>
-                <a:latin typeface="Garamond" panose="02020404030301010803" pitchFamily="18" charset="0"/>
-              </a:rPr>
-              <a:t>From now to </a:t>
-            </a:r>
-            <a:r>
-              <a:rPr lang="en-US" altLang="it-IT" sz="2200" b="1" dirty="0">
-                <a:solidFill>
-                  <a:srgbClr val="000000"/>
-                </a:solidFill>
-                <a:latin typeface="Garamond" panose="02020404030301010803" pitchFamily="18" charset="0"/>
-              </a:rPr>
-              <a:t>2050</a:t>
-            </a:r>
-            <a:r>
-              <a:rPr lang="en-US" altLang="it-IT" sz="2200" dirty="0">
-                <a:solidFill>
-                  <a:srgbClr val="000000"/>
-                </a:solidFill>
-                <a:latin typeface="Garamond" panose="02020404030301010803" pitchFamily="18" charset="0"/>
-              </a:rPr>
-              <a:t> it is estimated that </a:t>
-            </a:r>
-            <a:r>
-              <a:rPr lang="en-US" altLang="it-IT" sz="2200" b="1" dirty="0">
-                <a:solidFill>
-                  <a:srgbClr val="000000"/>
-                </a:solidFill>
-                <a:latin typeface="Garamond" panose="02020404030301010803" pitchFamily="18" charset="0"/>
-              </a:rPr>
-              <a:t>640 Million people </a:t>
-            </a:r>
-            <a:r>
-              <a:rPr lang="en-US" altLang="it-IT" sz="2200" dirty="0">
-                <a:solidFill>
-                  <a:srgbClr val="000000"/>
-                </a:solidFill>
-                <a:latin typeface="Garamond" panose="02020404030301010803" pitchFamily="18" charset="0"/>
-              </a:rPr>
-              <a:t>in the world will be diagnosed with AD. </a:t>
-            </a:r>
-          </a:p>
-          <a:p>
-            <a:pPr marL="342900" indent="-342900" eaLnBrk="1" hangingPunct="1">
-              <a:spcBef>
-                <a:spcPct val="20000"/>
-              </a:spcBef>
-              <a:buFont typeface="Arial" panose="020B0604020202020204" pitchFamily="34" charset="0"/>
-              <a:buChar char="•"/>
-            </a:pPr>
-            <a:r>
-              <a:rPr lang="en-US" altLang="it-IT" sz="2200" dirty="0">
-                <a:solidFill>
-                  <a:srgbClr val="000000"/>
-                </a:solidFill>
-                <a:latin typeface="Garamond" panose="02020404030301010803" pitchFamily="18" charset="0"/>
-              </a:rPr>
-              <a:t>The most </a:t>
-            </a:r>
-            <a:r>
-              <a:rPr lang="en-US" altLang="it-IT" sz="2200" b="1" dirty="0">
-                <a:solidFill>
-                  <a:srgbClr val="000000"/>
-                </a:solidFill>
-                <a:latin typeface="Garamond" panose="02020404030301010803" pitchFamily="18" charset="0"/>
-              </a:rPr>
-              <a:t>common symptoms are problems in remembering, reasoning, orienting</a:t>
-            </a:r>
-            <a:r>
-              <a:rPr lang="en-US" altLang="it-IT" sz="2200" dirty="0">
-                <a:solidFill>
-                  <a:srgbClr val="000000"/>
-                </a:solidFill>
-                <a:latin typeface="Garamond" panose="02020404030301010803" pitchFamily="18" charset="0"/>
-              </a:rPr>
-              <a:t>.</a:t>
-            </a:r>
-          </a:p>
-          <a:p>
-            <a:pPr marL="342900" indent="-342900" eaLnBrk="1" hangingPunct="1">
-              <a:spcBef>
-                <a:spcPct val="20000"/>
-              </a:spcBef>
-              <a:buFont typeface="Arial" panose="020B0604020202020204" pitchFamily="34" charset="0"/>
-              <a:buChar char="•"/>
-            </a:pPr>
-            <a:r>
-              <a:rPr lang="en-US" altLang="it-IT" sz="2200" b="1" dirty="0">
-                <a:solidFill>
-                  <a:srgbClr val="000000"/>
-                </a:solidFill>
-                <a:latin typeface="Garamond" panose="02020404030301010803" pitchFamily="18" charset="0"/>
-              </a:rPr>
-              <a:t>It has become </a:t>
-            </a:r>
-            <a:r>
-              <a:rPr lang="en-US" altLang="it-IT" sz="2200" dirty="0">
-                <a:solidFill>
-                  <a:srgbClr val="000000"/>
-                </a:solidFill>
-                <a:latin typeface="Garamond" panose="02020404030301010803" pitchFamily="18" charset="0"/>
-              </a:rPr>
-              <a:t>a major </a:t>
-            </a:r>
-            <a:r>
-              <a:rPr lang="en-US" altLang="it-IT" sz="2200" b="1" dirty="0">
-                <a:solidFill>
-                  <a:srgbClr val="000000"/>
-                </a:solidFill>
-                <a:latin typeface="Garamond" panose="02020404030301010803" pitchFamily="18" charset="0"/>
-              </a:rPr>
-              <a:t>social and economic </a:t>
-            </a:r>
-            <a:r>
-              <a:rPr lang="en-US" altLang="it-IT" sz="2200" dirty="0">
-                <a:solidFill>
-                  <a:srgbClr val="000000"/>
-                </a:solidFill>
-                <a:latin typeface="Garamond" panose="02020404030301010803" pitchFamily="18" charset="0"/>
-              </a:rPr>
-              <a:t>issue and its effects are devastating not only for the diseased but </a:t>
-            </a:r>
-            <a:r>
-              <a:rPr lang="en-US" altLang="it-IT" sz="2200" b="1" dirty="0">
-                <a:solidFill>
-                  <a:srgbClr val="000000"/>
-                </a:solidFill>
-                <a:latin typeface="Garamond" panose="02020404030301010803" pitchFamily="18" charset="0"/>
-              </a:rPr>
-              <a:t>also for their families</a:t>
-            </a:r>
-            <a:r>
-              <a:rPr lang="en-US" altLang="it-IT" sz="2200" dirty="0">
-                <a:solidFill>
-                  <a:srgbClr val="000000"/>
-                </a:solidFill>
-                <a:latin typeface="Garamond" panose="02020404030301010803" pitchFamily="18" charset="0"/>
-              </a:rPr>
-              <a:t>.</a:t>
-            </a:r>
-          </a:p>
-          <a:p>
-            <a:pPr marL="342900" indent="-342900" eaLnBrk="1" hangingPunct="1">
-              <a:spcBef>
-                <a:spcPct val="20000"/>
-              </a:spcBef>
-              <a:buFont typeface="Arial" panose="020B0604020202020204" pitchFamily="34" charset="0"/>
-              <a:buChar char="•"/>
-            </a:pPr>
-            <a:r>
-              <a:rPr lang="en-US" altLang="it-IT" sz="2200" dirty="0">
-                <a:solidFill>
-                  <a:srgbClr val="000000"/>
-                </a:solidFill>
-                <a:latin typeface="Garamond" panose="02020404030301010803" pitchFamily="18" charset="0"/>
-              </a:rPr>
-              <a:t>For effective treatments to be administered that are capable </a:t>
-            </a:r>
-            <a:r>
-              <a:rPr lang="en-US" altLang="it-IT" sz="2200" b="1" dirty="0">
-                <a:solidFill>
-                  <a:srgbClr val="000000"/>
-                </a:solidFill>
-                <a:latin typeface="Garamond" panose="02020404030301010803" pitchFamily="18" charset="0"/>
-              </a:rPr>
-              <a:t>to slow down the progression</a:t>
-            </a:r>
-            <a:r>
-              <a:rPr lang="en-US" altLang="it-IT" sz="2200" dirty="0">
-                <a:solidFill>
-                  <a:srgbClr val="000000"/>
-                </a:solidFill>
-                <a:latin typeface="Garamond" panose="02020404030301010803" pitchFamily="18" charset="0"/>
-              </a:rPr>
-              <a:t> of the disease, </a:t>
-            </a:r>
-            <a:r>
-              <a:rPr lang="en-US" altLang="it-IT" sz="2200" b="1" dirty="0">
-                <a:solidFill>
-                  <a:srgbClr val="000000"/>
-                </a:solidFill>
-                <a:latin typeface="Garamond" panose="02020404030301010803" pitchFamily="18" charset="0"/>
-              </a:rPr>
-              <a:t>an early </a:t>
-            </a:r>
-            <a:r>
-              <a:rPr lang="en-US" altLang="it-IT" sz="2200" dirty="0">
-                <a:solidFill>
-                  <a:srgbClr val="000000"/>
-                </a:solidFill>
-                <a:latin typeface="Garamond" panose="02020404030301010803" pitchFamily="18" charset="0"/>
-              </a:rPr>
-              <a:t>and definite </a:t>
-            </a:r>
-            <a:r>
-              <a:rPr lang="en-US" altLang="it-IT" sz="2200" b="1" dirty="0">
-                <a:solidFill>
-                  <a:srgbClr val="000000"/>
-                </a:solidFill>
-                <a:latin typeface="Garamond" panose="02020404030301010803" pitchFamily="18" charset="0"/>
-              </a:rPr>
-              <a:t>diagnosis</a:t>
-            </a:r>
-            <a:r>
-              <a:rPr lang="en-US" altLang="it-IT" sz="2200" dirty="0">
-                <a:solidFill>
-                  <a:srgbClr val="000000"/>
-                </a:solidFill>
-                <a:latin typeface="Garamond" panose="02020404030301010803" pitchFamily="18" charset="0"/>
-              </a:rPr>
-              <a:t> is necessary.</a:t>
-            </a:r>
+              <a:rPr lang="it-IT" dirty="0"/>
+              <a:t>Masiero L. </a:t>
+            </a:r>
+            <a:r>
+              <a:rPr lang="it-IT" dirty="0" err="1"/>
+              <a:t>Ivancich</a:t>
+            </a:r>
+            <a:r>
+              <a:rPr lang="it-IT" dirty="0"/>
+              <a:t> S.</a:t>
+            </a:r>
+            <a:endParaRPr lang="en-US" dirty="0"/>
+          </a:p>
+        </p:txBody>
+      </p:sp>
+      <p:sp>
+        <p:nvSpPr>
+          <p:cNvPr id="7" name="Segnaposto numero diapositiva 6">
+            <a:extLst>
+              <a:ext uri="{FF2B5EF4-FFF2-40B4-BE49-F238E27FC236}">
+                <a16:creationId xmlns:a16="http://schemas.microsoft.com/office/drawing/2014/main" id="{28A8DE11-DBE4-44E7-ADC9-534682FD504C}"/>
+              </a:ext>
+            </a:extLst>
+          </p:cNvPr>
+          <p:cNvSpPr>
+            <a:spLocks noGrp="1"/>
+          </p:cNvSpPr>
+          <p:nvPr>
+            <p:ph type="sldNum" sz="quarter" idx="12"/>
+          </p:nvPr>
+        </p:nvSpPr>
+        <p:spPr/>
+        <p:txBody>
+          <a:bodyPr/>
+          <a:lstStyle/>
+          <a:p>
+            <a:fld id="{7A1D8CC2-AC32-48BF-A9F5-B79D7A95954F}" type="slidenum">
+              <a:rPr lang="en-US" altLang="it-IT" smtClean="0"/>
+              <a:pPr/>
+              <a:t>2</a:t>
+            </a:fld>
+            <a:endParaRPr lang="en-US" altLang="it-IT" dirty="0"/>
           </a:p>
         </p:txBody>
       </p:sp>
     </p:spTree>
     <p:extLst>
       <p:ext uri="{BB962C8B-B14F-4D97-AF65-F5344CB8AC3E}">
-        <p14:creationId xmlns:p14="http://schemas.microsoft.com/office/powerpoint/2010/main" val="998523189"/>
+        <p14:creationId xmlns:p14="http://schemas.microsoft.com/office/powerpoint/2010/main" val="4174846749"/>
       </p:ext>
     </p:extLst>
   </p:cSld>
@@ -9975,7 +8205,7 @@
         </p:nvSpPr>
         <p:spPr bwMode="auto">
           <a:xfrm>
-            <a:off x="15875" y="1"/>
+            <a:off x="15875" y="165692"/>
             <a:ext cx="8842375" cy="1016000"/>
           </a:xfrm>
           <a:prstGeom prst="rect">
@@ -10116,820 +8346,501 @@
           </a:lstStyle>
           <a:p>
             <a:r>
-              <a:rPr lang="it-IT" altLang="it-IT" sz="6000" dirty="0">
+              <a:rPr lang="en-US" altLang="it-IT" sz="3600" dirty="0" err="1">
                 <a:solidFill>
                   <a:srgbClr val="FFFFFF"/>
                 </a:solidFill>
                 <a:latin typeface="Tw Cen MT" panose="020B0602020104020603" pitchFamily="34" charset="0"/>
               </a:rPr>
-              <a:t>The </a:t>
-            </a:r>
-            <a:r>
-              <a:rPr lang="it-IT" altLang="it-IT" sz="6000" dirty="0" err="1">
+              <a:t>Introduzione</a:t>
+            </a:r>
+            <a:r>
+              <a:rPr lang="en-US" altLang="it-IT" sz="3600" dirty="0">
                 <a:solidFill>
                   <a:srgbClr val="FFFFFF"/>
                 </a:solidFill>
                 <a:latin typeface="Tw Cen MT" panose="020B0602020104020603" pitchFamily="34" charset="0"/>
               </a:rPr>
-              <a:t>Old</a:t>
-            </a:r>
-            <a:r>
-              <a:rPr lang="it-IT" altLang="it-IT" sz="6000" dirty="0">
+              <a:t>: </a:t>
+            </a:r>
+            <a:r>
+              <a:rPr lang="en-US" altLang="it-IT" sz="3600" i="1" dirty="0">
                 <a:solidFill>
                   <a:srgbClr val="FFFFFF"/>
                 </a:solidFill>
                 <a:latin typeface="Tw Cen MT" panose="020B0602020104020603" pitchFamily="34" charset="0"/>
               </a:rPr>
-              <a:t> Solution</a:t>
-            </a:r>
-          </a:p>
-        </p:txBody>
-      </p:sp>
-      <p:sp>
-        <p:nvSpPr>
-          <p:cNvPr id="13" name="Rettangolo 12">
-            <a:extLst>
-              <a:ext uri="{FF2B5EF4-FFF2-40B4-BE49-F238E27FC236}">
-                <a16:creationId xmlns:a16="http://schemas.microsoft.com/office/drawing/2014/main" id="{1B3E0C32-1984-4560-966F-A08D7A1991F2}"/>
-              </a:ext>
-            </a:extLst>
-          </p:cNvPr>
-          <p:cNvSpPr/>
-          <p:nvPr/>
-        </p:nvSpPr>
-        <p:spPr>
-          <a:xfrm>
-            <a:off x="0" y="6408477"/>
-            <a:ext cx="2175339" cy="461665"/>
-          </a:xfrm>
-          <a:prstGeom prst="rect">
-            <a:avLst/>
-          </a:prstGeom>
-        </p:spPr>
-        <p:txBody>
-          <a:bodyPr wrap="none">
-            <a:spAutoFit/>
-          </a:bodyPr>
+              <a:t>Network </a:t>
+            </a:r>
+            <a:r>
+              <a:rPr lang="en-US" altLang="it-IT" sz="3600" i="1" dirty="0" err="1">
+                <a:solidFill>
+                  <a:srgbClr val="FFFFFF"/>
+                </a:solidFill>
+                <a:latin typeface="Tw Cen MT" panose="020B0602020104020603" pitchFamily="34" charset="0"/>
+              </a:rPr>
+              <a:t>Alignement</a:t>
+            </a:r>
+            <a:r>
+              <a:rPr lang="en-US" altLang="it-IT" sz="3600" i="1" dirty="0">
+                <a:solidFill>
+                  <a:srgbClr val="FFFFFF"/>
+                </a:solidFill>
+                <a:latin typeface="Tw Cen MT" panose="020B0602020104020603" pitchFamily="34" charset="0"/>
+              </a:rPr>
+              <a:t> </a:t>
+            </a:r>
+            <a:r>
+              <a:rPr lang="en-US" altLang="it-IT" sz="3600" dirty="0">
+                <a:solidFill>
+                  <a:srgbClr val="FFFFFF"/>
+                </a:solidFill>
+                <a:latin typeface="Tw Cen MT" panose="020B0602020104020603" pitchFamily="34" charset="0"/>
+              </a:rPr>
+              <a:t>e PPIN</a:t>
+            </a:r>
+          </a:p>
+        </p:txBody>
+      </p:sp>
+      <mc:AlternateContent xmlns:mc="http://schemas.openxmlformats.org/markup-compatibility/2006">
+        <mc:Choice xmlns:a14="http://schemas.microsoft.com/office/drawing/2010/main" Requires="a14">
+          <p:sp>
+            <p:nvSpPr>
+              <p:cNvPr id="3" name="CasellaDiTesto 2">
+                <a:extLst>
+                  <a:ext uri="{FF2B5EF4-FFF2-40B4-BE49-F238E27FC236}">
+                    <a16:creationId xmlns:a16="http://schemas.microsoft.com/office/drawing/2014/main" id="{EE7E2448-7A6E-4297-BD08-38BFBB5E0C9E}"/>
+                  </a:ext>
+                </a:extLst>
+              </p:cNvPr>
+              <p:cNvSpPr txBox="1"/>
+              <p:nvPr/>
+            </p:nvSpPr>
+            <p:spPr>
+              <a:xfrm>
+                <a:off x="15875" y="1181692"/>
+                <a:ext cx="9112250" cy="4524315"/>
+              </a:xfrm>
+              <a:prstGeom prst="rect">
+                <a:avLst/>
+              </a:prstGeom>
+              <a:noFill/>
+            </p:spPr>
+            <p:txBody>
+              <a:bodyPr wrap="square" rtlCol="0">
+                <a:spAutoFit/>
+              </a:bodyPr>
+              <a:lstStyle/>
+              <a:p>
+                <a:pPr algn="just"/>
+                <a:r>
+                  <a:rPr lang="it-IT" dirty="0">
+                    <a:latin typeface="+mn-lt"/>
+                  </a:rPr>
+                  <a:t>Gli </a:t>
+                </a:r>
+                <a:r>
+                  <a:rPr lang="it-IT" i="1" dirty="0">
+                    <a:solidFill>
+                      <a:srgbClr val="C00000"/>
+                    </a:solidFill>
+                    <a:latin typeface="+mn-lt"/>
+                  </a:rPr>
+                  <a:t>allineamenti</a:t>
+                </a:r>
+                <a:r>
+                  <a:rPr lang="it-IT" dirty="0">
+                    <a:latin typeface="+mn-lt"/>
+                  </a:rPr>
+                  <a:t> di reti biologiche sono utili in molti contesti: avere molte informazioni su alcuni nodi di una determinata rete </a:t>
+                </a:r>
+                <a14:m>
+                  <m:oMath xmlns:m="http://schemas.openxmlformats.org/officeDocument/2006/math">
+                    <m:sSub>
+                      <m:sSubPr>
+                        <m:ctrlPr>
+                          <a:rPr lang="it-IT" i="1" smtClean="0">
+                            <a:latin typeface="Cambria Math" panose="02040503050406030204" pitchFamily="18" charset="0"/>
+                          </a:rPr>
+                        </m:ctrlPr>
+                      </m:sSubPr>
+                      <m:e>
+                        <m:r>
+                          <a:rPr lang="it-IT" i="1" smtClean="0">
+                            <a:latin typeface="Cambria Math" panose="02040503050406030204" pitchFamily="18" charset="0"/>
+                          </a:rPr>
+                          <m:t>𝐺</m:t>
+                        </m:r>
+                      </m:e>
+                      <m:sub>
+                        <m:r>
+                          <a:rPr lang="it-IT" i="1" smtClean="0">
+                            <a:latin typeface="Cambria Math" panose="02040503050406030204" pitchFamily="18" charset="0"/>
+                          </a:rPr>
+                          <m:t>1</m:t>
+                        </m:r>
+                      </m:sub>
+                    </m:sSub>
+                  </m:oMath>
+                </a14:m>
+                <a:r>
+                  <a:rPr lang="it-IT" dirty="0">
+                    <a:latin typeface="+mn-lt"/>
+                  </a:rPr>
+                  <a:t>e quasi nulla su nodi topologicamente simili in un’altra </a:t>
+                </a:r>
+                <a14:m>
+                  <m:oMath xmlns:m="http://schemas.openxmlformats.org/officeDocument/2006/math">
+                    <m:sSub>
+                      <m:sSubPr>
+                        <m:ctrlPr>
+                          <a:rPr lang="it-IT" i="1" smtClean="0">
+                            <a:latin typeface="Cambria Math" panose="02040503050406030204" pitchFamily="18" charset="0"/>
+                          </a:rPr>
+                        </m:ctrlPr>
+                      </m:sSubPr>
+                      <m:e>
+                        <m:r>
+                          <a:rPr lang="it-IT" i="1" smtClean="0">
+                            <a:latin typeface="Cambria Math" panose="02040503050406030204" pitchFamily="18" charset="0"/>
+                          </a:rPr>
+                          <m:t>𝐺</m:t>
+                        </m:r>
+                      </m:e>
+                      <m:sub>
+                        <m:r>
+                          <a:rPr lang="it-IT" i="1" smtClean="0">
+                            <a:latin typeface="Cambria Math" panose="02040503050406030204" pitchFamily="18" charset="0"/>
+                          </a:rPr>
+                          <m:t>2</m:t>
+                        </m:r>
+                      </m:sub>
+                    </m:sSub>
+                  </m:oMath>
+                </a14:m>
+                <a:r>
+                  <a:rPr lang="it-IT" dirty="0">
+                    <a:latin typeface="+mn-lt"/>
+                  </a:rPr>
+                  <a:t>, la conoscenza specialistica di uno di quei nodi può dirci qualcosa di nuovo sul corrispettivo. </a:t>
+                </a:r>
+              </a:p>
+              <a:p>
+                <a:pPr algn="just"/>
+                <a:endParaRPr lang="it-IT" dirty="0">
+                  <a:latin typeface="+mn-lt"/>
+                </a:endParaRPr>
+              </a:p>
+              <a:p>
+                <a:pPr algn="just"/>
+                <a:r>
+                  <a:rPr lang="it-IT" dirty="0">
+                    <a:latin typeface="+mn-lt"/>
+                  </a:rPr>
+                  <a:t>Le </a:t>
+                </a:r>
+                <a:r>
+                  <a:rPr lang="it-IT" i="1" dirty="0" err="1">
+                    <a:solidFill>
+                      <a:srgbClr val="002060"/>
+                    </a:solidFill>
+                    <a:latin typeface="+mn-lt"/>
+                  </a:rPr>
+                  <a:t>Protein-Protein</a:t>
+                </a:r>
+                <a:r>
+                  <a:rPr lang="it-IT" i="1" dirty="0">
+                    <a:solidFill>
+                      <a:srgbClr val="002060"/>
+                    </a:solidFill>
+                    <a:latin typeface="+mn-lt"/>
+                  </a:rPr>
+                  <a:t> Interaction Networks</a:t>
+                </a:r>
+                <a:r>
+                  <a:rPr lang="it-IT" i="1" dirty="0">
+                    <a:latin typeface="+mn-lt"/>
+                  </a:rPr>
+                  <a:t> </a:t>
+                </a:r>
+                <a:r>
+                  <a:rPr lang="it-IT" dirty="0">
+                    <a:latin typeface="+mn-lt"/>
+                  </a:rPr>
+                  <a:t>(</a:t>
+                </a:r>
+                <a:r>
+                  <a:rPr lang="it-IT" dirty="0">
+                    <a:solidFill>
+                      <a:srgbClr val="002060"/>
+                    </a:solidFill>
+                    <a:latin typeface="+mn-lt"/>
+                  </a:rPr>
+                  <a:t>PPIN</a:t>
+                </a:r>
+                <a:r>
+                  <a:rPr lang="it-IT" dirty="0">
+                    <a:latin typeface="+mn-lt"/>
+                  </a:rPr>
+                  <a:t>) sono strumenti validi per comprendere:</a:t>
+                </a:r>
+              </a:p>
+              <a:p>
+                <a:pPr marL="285750" indent="-285750" algn="just">
+                  <a:buFont typeface="Arial" panose="020B0604020202020204" pitchFamily="34" charset="0"/>
+                  <a:buChar char="•"/>
+                </a:pPr>
+                <a:r>
+                  <a:rPr lang="it-IT" dirty="0">
+                    <a:latin typeface="+mn-lt"/>
+                  </a:rPr>
+                  <a:t>funzioni delle cellule;</a:t>
+                </a:r>
+              </a:p>
+              <a:p>
+                <a:pPr marL="285750" indent="-285750" algn="just">
+                  <a:buFont typeface="Arial" panose="020B0604020202020204" pitchFamily="34" charset="0"/>
+                  <a:buChar char="•"/>
+                </a:pPr>
+                <a:r>
+                  <a:rPr lang="it-IT" dirty="0">
+                    <a:latin typeface="+mn-lt"/>
+                  </a:rPr>
+                  <a:t>le malattie umane;</a:t>
+                </a:r>
+              </a:p>
+              <a:p>
+                <a:pPr marL="285750" indent="-285750" algn="just">
+                  <a:buFont typeface="Arial" panose="020B0604020202020204" pitchFamily="34" charset="0"/>
+                  <a:buChar char="•"/>
+                </a:pPr>
+                <a:r>
+                  <a:rPr lang="it-IT" dirty="0">
+                    <a:latin typeface="+mn-lt"/>
+                  </a:rPr>
+                  <a:t>design e riposizionamento dei farmaci;</a:t>
+                </a:r>
+              </a:p>
+              <a:p>
+                <a:pPr marL="285750" indent="-285750" algn="just">
+                  <a:buFont typeface="Arial" panose="020B0604020202020204" pitchFamily="34" charset="0"/>
+                  <a:buChar char="•"/>
+                </a:pPr>
+                <a:r>
+                  <a:rPr lang="it-IT" dirty="0" err="1">
+                    <a:latin typeface="+mn-lt"/>
+                  </a:rPr>
+                  <a:t>interattomi</a:t>
+                </a:r>
+                <a:r>
+                  <a:rPr lang="it-IT" dirty="0">
+                    <a:latin typeface="+mn-lt"/>
+                  </a:rPr>
+                  <a:t>.</a:t>
+                </a:r>
+              </a:p>
+              <a:p>
+                <a:pPr algn="just"/>
+                <a:endParaRPr lang="it-IT" dirty="0">
+                  <a:latin typeface="+mn-lt"/>
+                </a:endParaRPr>
+              </a:p>
+              <a:p>
+                <a:pPr algn="just"/>
+                <a:r>
+                  <a:rPr lang="it-IT" dirty="0">
+                    <a:latin typeface="+mn-lt"/>
+                  </a:rPr>
+                  <a:t>Date le grandi dimensioni (tipicamente vengono coinvolte migliaia di elementi), le reti PPI sono analizzate tramite l’</a:t>
+                </a:r>
+                <a:r>
+                  <a:rPr lang="it-IT" dirty="0" err="1">
+                    <a:latin typeface="+mn-lt"/>
+                  </a:rPr>
+                  <a:t>identiﬁcazione</a:t>
+                </a:r>
+                <a:r>
+                  <a:rPr lang="it-IT" dirty="0">
+                    <a:latin typeface="+mn-lt"/>
+                  </a:rPr>
+                  <a:t> di sottoreti, o </a:t>
+                </a:r>
+                <a:r>
+                  <a:rPr lang="it-IT" b="1" dirty="0">
+                    <a:solidFill>
+                      <a:srgbClr val="FFC000"/>
+                    </a:solidFill>
+                    <a:latin typeface="+mn-lt"/>
+                  </a:rPr>
+                  <a:t>moduli</a:t>
+                </a:r>
+                <a:r>
+                  <a:rPr lang="it-IT" dirty="0">
+                    <a:latin typeface="+mn-lt"/>
+                  </a:rPr>
+                  <a:t>. </a:t>
+                </a:r>
+              </a:p>
+              <a:p>
+                <a:pPr algn="just"/>
+                <a:endParaRPr lang="it-IT" dirty="0">
+                  <a:latin typeface="+mn-lt"/>
+                </a:endParaRPr>
+              </a:p>
+              <a:p>
+                <a:pPr algn="just"/>
+                <a:r>
+                  <a:rPr lang="it-IT" i="1" dirty="0">
+                    <a:solidFill>
+                      <a:schemeClr val="accent5">
+                        <a:lumMod val="75000"/>
+                      </a:schemeClr>
+                    </a:solidFill>
+                    <a:latin typeface="+mn-lt"/>
+                  </a:rPr>
+                  <a:t>Modulo topologico </a:t>
+                </a:r>
+                <a:r>
+                  <a:rPr lang="it-IT" dirty="0">
+                    <a:latin typeface="+mn-lt"/>
+                  </a:rPr>
+                  <a:t>= gruppo di nodi che hanno molte più connessioni con i nodi del gruppo piuttosto che con quelli esterni. </a:t>
+                </a:r>
+              </a:p>
+              <a:p>
+                <a:pPr algn="just"/>
+                <a:r>
+                  <a:rPr lang="it-IT" i="1" dirty="0">
+                    <a:solidFill>
+                      <a:schemeClr val="accent5">
+                        <a:lumMod val="75000"/>
+                      </a:schemeClr>
+                    </a:solidFill>
+                    <a:latin typeface="+mn-lt"/>
+                  </a:rPr>
+                  <a:t>Modulo funzionale </a:t>
+                </a:r>
+                <a:r>
+                  <a:rPr lang="it-IT" dirty="0">
+                    <a:latin typeface="+mn-lt"/>
+                  </a:rPr>
+                  <a:t>= gruppo di nodi che condividono una funzione biologica. </a:t>
+                </a:r>
+              </a:p>
+            </p:txBody>
+          </p:sp>
+        </mc:Choice>
+        <mc:Fallback>
+          <p:sp>
+            <p:nvSpPr>
+              <p:cNvPr id="3" name="CasellaDiTesto 2">
+                <a:extLst>
+                  <a:ext uri="{FF2B5EF4-FFF2-40B4-BE49-F238E27FC236}">
+                    <a16:creationId xmlns:a16="http://schemas.microsoft.com/office/drawing/2014/main" id="{EE7E2448-7A6E-4297-BD08-38BFBB5E0C9E}"/>
+                  </a:ext>
+                </a:extLst>
+              </p:cNvPr>
+              <p:cNvSpPr txBox="1">
+                <a:spLocks noRot="1" noChangeAspect="1" noMove="1" noResize="1" noEditPoints="1" noAdjustHandles="1" noChangeArrowheads="1" noChangeShapeType="1" noTextEdit="1"/>
+              </p:cNvSpPr>
+              <p:nvPr/>
+            </p:nvSpPr>
+            <p:spPr>
+              <a:xfrm>
+                <a:off x="15875" y="1181692"/>
+                <a:ext cx="9112250" cy="4524315"/>
+              </a:xfrm>
+              <a:prstGeom prst="rect">
+                <a:avLst/>
+              </a:prstGeom>
+              <a:blipFill>
+                <a:blip r:embed="rId2"/>
+                <a:stretch>
+                  <a:fillRect l="-602" t="-809" r="-602" b="-1213"/>
+                </a:stretch>
+              </a:blipFill>
+            </p:spPr>
+            <p:txBody>
+              <a:bodyPr/>
+              <a:lstStyle/>
+              <a:p>
+                <a:r>
+                  <a:rPr lang="it-IT">
+                    <a:noFill/>
+                  </a:rPr>
+                  <a:t> </a:t>
+                </a:r>
+              </a:p>
+            </p:txBody>
+          </p:sp>
+        </mc:Fallback>
+      </mc:AlternateContent>
+      <p:sp>
+        <p:nvSpPr>
+          <p:cNvPr id="10" name="Segnaposto piè di pagina 9">
+            <a:extLst>
+              <a:ext uri="{FF2B5EF4-FFF2-40B4-BE49-F238E27FC236}">
+                <a16:creationId xmlns:a16="http://schemas.microsoft.com/office/drawing/2014/main" id="{717E2C5B-D876-41DB-8C7B-3A020F6BDA23}"/>
+              </a:ext>
+            </a:extLst>
+          </p:cNvPr>
+          <p:cNvSpPr>
+            <a:spLocks noGrp="1"/>
+          </p:cNvSpPr>
+          <p:nvPr>
+            <p:ph type="ftr" sz="quarter" idx="11"/>
+          </p:nvPr>
+        </p:nvSpPr>
+        <p:spPr/>
+        <p:txBody>
+          <a:bodyPr/>
           <a:lstStyle/>
           <a:p>
-            <a:pPr eaLnBrk="1" hangingPunct="1">
-              <a:spcBef>
-                <a:spcPct val="20000"/>
-              </a:spcBef>
+            <a:pPr>
+              <a:defRPr/>
             </a:pPr>
             <a:r>
-              <a:rPr lang="en-US" altLang="it-IT" sz="2400" dirty="0">
-                <a:solidFill>
-                  <a:srgbClr val="000000"/>
-                </a:solidFill>
-                <a:latin typeface="Garamond" panose="02020404030301010803" pitchFamily="18" charset="0"/>
-              </a:rPr>
-              <a:t>Ivancich Stefano</a:t>
-            </a:r>
-          </a:p>
-        </p:txBody>
-      </p:sp>
-      <p:sp>
-        <p:nvSpPr>
-          <p:cNvPr id="14" name="Rettangolo 13">
-            <a:extLst>
-              <a:ext uri="{FF2B5EF4-FFF2-40B4-BE49-F238E27FC236}">
-                <a16:creationId xmlns:a16="http://schemas.microsoft.com/office/drawing/2014/main" id="{E8459245-DDCF-4A55-8FE9-5CF48972E537}"/>
-              </a:ext>
-            </a:extLst>
-          </p:cNvPr>
-          <p:cNvSpPr/>
-          <p:nvPr/>
-        </p:nvSpPr>
-        <p:spPr>
-          <a:xfrm>
-            <a:off x="8815064" y="6408477"/>
-            <a:ext cx="328936" cy="461665"/>
-          </a:xfrm>
-          <a:prstGeom prst="rect">
-            <a:avLst/>
-          </a:prstGeom>
-        </p:spPr>
-        <p:txBody>
-          <a:bodyPr wrap="none">
-            <a:spAutoFit/>
-          </a:bodyPr>
+              <a:rPr lang="it-IT"/>
+              <a:t>Masiero L. Ivancich S.</a:t>
+            </a:r>
+            <a:endParaRPr lang="en-US" dirty="0"/>
+          </a:p>
+        </p:txBody>
+      </p:sp>
+      <p:sp>
+        <p:nvSpPr>
+          <p:cNvPr id="11" name="Segnaposto numero diapositiva 10">
+            <a:extLst>
+              <a:ext uri="{FF2B5EF4-FFF2-40B4-BE49-F238E27FC236}">
+                <a16:creationId xmlns:a16="http://schemas.microsoft.com/office/drawing/2014/main" id="{7944A810-A3D7-41C4-BFA1-5C097B97D35D}"/>
+              </a:ext>
+            </a:extLst>
+          </p:cNvPr>
+          <p:cNvSpPr>
+            <a:spLocks noGrp="1"/>
+          </p:cNvSpPr>
+          <p:nvPr>
+            <p:ph type="sldNum" sz="quarter" idx="12"/>
+          </p:nvPr>
+        </p:nvSpPr>
+        <p:spPr/>
+        <p:txBody>
+          <a:bodyPr/>
           <a:lstStyle/>
           <a:p>
-            <a:pPr eaLnBrk="1" hangingPunct="1">
-              <a:spcBef>
-                <a:spcPct val="20000"/>
-              </a:spcBef>
-            </a:pPr>
-            <a:r>
-              <a:rPr lang="en-US" altLang="it-IT" sz="2400" dirty="0">
-                <a:solidFill>
-                  <a:srgbClr val="000000"/>
-                </a:solidFill>
-                <a:latin typeface="Garamond" panose="02020404030301010803" pitchFamily="18" charset="0"/>
-              </a:rPr>
-              <a:t>2</a:t>
-            </a:r>
-            <a:endParaRPr lang="en-US" altLang="it-IT" sz="1800" dirty="0">
-              <a:solidFill>
-                <a:srgbClr val="000000"/>
-              </a:solidFill>
-              <a:latin typeface="Garamond" panose="02020404030301010803" pitchFamily="18" charset="0"/>
-            </a:endParaRPr>
-          </a:p>
-        </p:txBody>
-      </p:sp>
-      <p:sp>
-        <p:nvSpPr>
-          <p:cNvPr id="15" name="Rettangolo 14">
-            <a:extLst>
-              <a:ext uri="{FF2B5EF4-FFF2-40B4-BE49-F238E27FC236}">
-                <a16:creationId xmlns:a16="http://schemas.microsoft.com/office/drawing/2014/main" id="{CDC0EA93-AE21-4D2B-BBA9-8CFFCDEC2B60}"/>
-              </a:ext>
-            </a:extLst>
-          </p:cNvPr>
-          <p:cNvSpPr/>
-          <p:nvPr/>
-        </p:nvSpPr>
-        <p:spPr>
-          <a:xfrm>
-            <a:off x="3747735" y="6420772"/>
-            <a:ext cx="1648528" cy="461665"/>
-          </a:xfrm>
-          <a:prstGeom prst="rect">
-            <a:avLst/>
-          </a:prstGeom>
-        </p:spPr>
-        <p:txBody>
-          <a:bodyPr wrap="none">
-            <a:spAutoFit/>
-          </a:bodyPr>
-          <a:lstStyle/>
-          <a:p>
-            <a:pPr eaLnBrk="1" hangingPunct="1">
-              <a:spcBef>
-                <a:spcPct val="20000"/>
-              </a:spcBef>
-            </a:pPr>
-            <a:r>
-              <a:rPr lang="en-US" altLang="it-IT" sz="2400" dirty="0">
-                <a:solidFill>
-                  <a:srgbClr val="000000"/>
-                </a:solidFill>
-                <a:latin typeface="Garamond" panose="02020404030301010803" pitchFamily="18" charset="0"/>
-              </a:rPr>
-              <a:t>15 July 2019</a:t>
-            </a:r>
-          </a:p>
-        </p:txBody>
-      </p:sp>
-      <p:sp>
-        <p:nvSpPr>
-          <p:cNvPr id="7" name="Rectangle 6">
-            <a:extLst>
-              <a:ext uri="{FF2B5EF4-FFF2-40B4-BE49-F238E27FC236}">
-                <a16:creationId xmlns:a16="http://schemas.microsoft.com/office/drawing/2014/main" id="{D1C770D5-0432-4218-8BC0-C9B6BA7FF1ED}"/>
-              </a:ext>
-            </a:extLst>
-          </p:cNvPr>
-          <p:cNvSpPr>
-            <a:spLocks noChangeArrowheads="1"/>
-          </p:cNvSpPr>
-          <p:nvPr/>
-        </p:nvSpPr>
-        <p:spPr bwMode="auto">
-          <a:xfrm>
-            <a:off x="272255" y="1181692"/>
-            <a:ext cx="8599487" cy="5073389"/>
-          </a:xfrm>
-          <a:prstGeom prst="rect">
-            <a:avLst/>
-          </a:prstGeom>
-          <a:noFill/>
-          <a:ln w="9525">
-            <a:noFill/>
-            <a:miter lim="800000"/>
-            <a:headEnd/>
-            <a:tailEnd/>
-          </a:ln>
-          <a:extLst>
-            <a:ext uri="{909E8E84-426E-40DD-AFC4-6F175D3DCCD1}">
-              <a14:hiddenFill xmlns:a14="http://schemas.microsoft.com/office/drawing/2010/main">
-                <a:solidFill>
-                  <a:srgbClr val="FFFFFF"/>
-                </a:solidFill>
-              </a14:hiddenFill>
-            </a:ext>
-          </a:extLst>
-        </p:spPr>
-        <p:txBody>
-          <a:bodyPr/>
-          <a:lstStyle>
-            <a:lvl1pPr eaLnBrk="0" hangingPunct="0">
-              <a:defRPr sz="2400">
-                <a:solidFill>
-                  <a:schemeClr val="tx1"/>
-                </a:solidFill>
-                <a:latin typeface="Arial" panose="020B0604020202020204" pitchFamily="34" charset="0"/>
-                <a:ea typeface="MS PGothic" panose="020B0600070205080204" pitchFamily="34" charset="-128"/>
-              </a:defRPr>
-            </a:lvl1pPr>
-            <a:lvl2pPr marL="742950" indent="-285750" eaLnBrk="0" hangingPunct="0">
-              <a:defRPr sz="2400">
-                <a:solidFill>
-                  <a:schemeClr val="tx1"/>
-                </a:solidFill>
-                <a:latin typeface="Arial" panose="020B0604020202020204" pitchFamily="34" charset="0"/>
-                <a:ea typeface="MS PGothic" panose="020B0600070205080204" pitchFamily="34" charset="-128"/>
-              </a:defRPr>
-            </a:lvl2pPr>
-            <a:lvl3pPr marL="1143000" indent="-228600" eaLnBrk="0" hangingPunct="0">
-              <a:defRPr sz="2400">
-                <a:solidFill>
-                  <a:schemeClr val="tx1"/>
-                </a:solidFill>
-                <a:latin typeface="Arial" panose="020B0604020202020204" pitchFamily="34" charset="0"/>
-                <a:ea typeface="MS PGothic" panose="020B0600070205080204" pitchFamily="34" charset="-128"/>
-              </a:defRPr>
-            </a:lvl3pPr>
-            <a:lvl4pPr marL="1600200" indent="-228600" eaLnBrk="0" hangingPunct="0">
-              <a:defRPr sz="2400">
-                <a:solidFill>
-                  <a:schemeClr val="tx1"/>
-                </a:solidFill>
-                <a:latin typeface="Arial" panose="020B0604020202020204" pitchFamily="34" charset="0"/>
-                <a:ea typeface="MS PGothic" panose="020B0600070205080204" pitchFamily="34" charset="-128"/>
-              </a:defRPr>
-            </a:lvl4pPr>
-            <a:lvl5pPr marL="2057400" indent="-228600" eaLnBrk="0" hangingPunct="0">
-              <a:defRPr sz="2400">
-                <a:solidFill>
-                  <a:schemeClr val="tx1"/>
-                </a:solidFill>
-                <a:latin typeface="Arial" panose="020B0604020202020204" pitchFamily="34" charset="0"/>
-                <a:ea typeface="MS PGothic" panose="020B0600070205080204" pitchFamily="34" charset="-128"/>
-              </a:defRPr>
-            </a:lvl5pPr>
-            <a:lvl6pPr marL="2514600" indent="-228600" defTabSz="457200" eaLnBrk="0" fontAlgn="base" hangingPunct="0">
-              <a:spcBef>
-                <a:spcPct val="0"/>
-              </a:spcBef>
-              <a:spcAft>
-                <a:spcPct val="0"/>
-              </a:spcAft>
-              <a:defRPr sz="2400">
-                <a:solidFill>
-                  <a:schemeClr val="tx1"/>
-                </a:solidFill>
-                <a:latin typeface="Arial" panose="020B0604020202020204" pitchFamily="34" charset="0"/>
-                <a:ea typeface="MS PGothic" panose="020B0600070205080204" pitchFamily="34" charset="-128"/>
-              </a:defRPr>
-            </a:lvl6pPr>
-            <a:lvl7pPr marL="2971800" indent="-228600" defTabSz="457200" eaLnBrk="0" fontAlgn="base" hangingPunct="0">
-              <a:spcBef>
-                <a:spcPct val="0"/>
-              </a:spcBef>
-              <a:spcAft>
-                <a:spcPct val="0"/>
-              </a:spcAft>
-              <a:defRPr sz="2400">
-                <a:solidFill>
-                  <a:schemeClr val="tx1"/>
-                </a:solidFill>
-                <a:latin typeface="Arial" panose="020B0604020202020204" pitchFamily="34" charset="0"/>
-                <a:ea typeface="MS PGothic" panose="020B0600070205080204" pitchFamily="34" charset="-128"/>
-              </a:defRPr>
-            </a:lvl7pPr>
-            <a:lvl8pPr marL="3429000" indent="-228600" defTabSz="457200" eaLnBrk="0" fontAlgn="base" hangingPunct="0">
-              <a:spcBef>
-                <a:spcPct val="0"/>
-              </a:spcBef>
-              <a:spcAft>
-                <a:spcPct val="0"/>
-              </a:spcAft>
-              <a:defRPr sz="2400">
-                <a:solidFill>
-                  <a:schemeClr val="tx1"/>
-                </a:solidFill>
-                <a:latin typeface="Arial" panose="020B0604020202020204" pitchFamily="34" charset="0"/>
-                <a:ea typeface="MS PGothic" panose="020B0600070205080204" pitchFamily="34" charset="-128"/>
-              </a:defRPr>
-            </a:lvl8pPr>
-            <a:lvl9pPr marL="3886200" indent="-228600" defTabSz="457200" eaLnBrk="0" fontAlgn="base" hangingPunct="0">
-              <a:spcBef>
-                <a:spcPct val="0"/>
-              </a:spcBef>
-              <a:spcAft>
-                <a:spcPct val="0"/>
-              </a:spcAft>
-              <a:defRPr sz="2400">
-                <a:solidFill>
-                  <a:schemeClr val="tx1"/>
-                </a:solidFill>
-                <a:latin typeface="Arial" panose="020B0604020202020204" pitchFamily="34" charset="0"/>
-                <a:ea typeface="MS PGothic" panose="020B0600070205080204" pitchFamily="34" charset="-128"/>
-              </a:defRPr>
-            </a:lvl9pPr>
-          </a:lstStyle>
-          <a:p>
-            <a:pPr marL="342900" indent="-342900" eaLnBrk="1" hangingPunct="1">
-              <a:spcBef>
-                <a:spcPct val="20000"/>
-              </a:spcBef>
-              <a:buFont typeface="Arial" panose="020B0604020202020204" pitchFamily="34" charset="0"/>
-              <a:buChar char="•"/>
-            </a:pPr>
-            <a:endParaRPr lang="en-US" altLang="it-IT" sz="2200" dirty="0">
-              <a:solidFill>
-                <a:srgbClr val="000000"/>
-              </a:solidFill>
-              <a:latin typeface="Garamond" panose="02020404030301010803" pitchFamily="18" charset="0"/>
-            </a:endParaRPr>
-          </a:p>
-        </p:txBody>
-      </p:sp>
-      <p:sp>
-        <p:nvSpPr>
-          <p:cNvPr id="8" name="Rectangle 6">
-            <a:extLst>
-              <a:ext uri="{FF2B5EF4-FFF2-40B4-BE49-F238E27FC236}">
-                <a16:creationId xmlns:a16="http://schemas.microsoft.com/office/drawing/2014/main" id="{89D16C2F-3032-4862-A79B-325A46D876E8}"/>
-              </a:ext>
-            </a:extLst>
-          </p:cNvPr>
-          <p:cNvSpPr>
-            <a:spLocks noChangeArrowheads="1"/>
-          </p:cNvSpPr>
-          <p:nvPr/>
-        </p:nvSpPr>
-        <p:spPr bwMode="auto">
-          <a:xfrm>
-            <a:off x="272255" y="1176511"/>
-            <a:ext cx="8599487" cy="5073389"/>
-          </a:xfrm>
-          <a:prstGeom prst="rect">
-            <a:avLst/>
-          </a:prstGeom>
-          <a:noFill/>
-          <a:ln w="9525">
-            <a:noFill/>
-            <a:miter lim="800000"/>
-            <a:headEnd/>
-            <a:tailEnd/>
-          </a:ln>
-          <a:extLst>
-            <a:ext uri="{909E8E84-426E-40DD-AFC4-6F175D3DCCD1}">
-              <a14:hiddenFill xmlns:a14="http://schemas.microsoft.com/office/drawing/2010/main">
-                <a:solidFill>
-                  <a:srgbClr val="FFFFFF"/>
-                </a:solidFill>
-              </a14:hiddenFill>
-            </a:ext>
-          </a:extLst>
-        </p:spPr>
-        <p:txBody>
-          <a:bodyPr/>
-          <a:lstStyle>
-            <a:lvl1pPr eaLnBrk="0" hangingPunct="0">
-              <a:defRPr sz="2400">
-                <a:solidFill>
-                  <a:schemeClr val="tx1"/>
-                </a:solidFill>
-                <a:latin typeface="Arial" panose="020B0604020202020204" pitchFamily="34" charset="0"/>
-                <a:ea typeface="MS PGothic" panose="020B0600070205080204" pitchFamily="34" charset="-128"/>
-              </a:defRPr>
-            </a:lvl1pPr>
-            <a:lvl2pPr marL="742950" indent="-285750" eaLnBrk="0" hangingPunct="0">
-              <a:defRPr sz="2400">
-                <a:solidFill>
-                  <a:schemeClr val="tx1"/>
-                </a:solidFill>
-                <a:latin typeface="Arial" panose="020B0604020202020204" pitchFamily="34" charset="0"/>
-                <a:ea typeface="MS PGothic" panose="020B0600070205080204" pitchFamily="34" charset="-128"/>
-              </a:defRPr>
-            </a:lvl2pPr>
-            <a:lvl3pPr marL="1143000" indent="-228600" eaLnBrk="0" hangingPunct="0">
-              <a:defRPr sz="2400">
-                <a:solidFill>
-                  <a:schemeClr val="tx1"/>
-                </a:solidFill>
-                <a:latin typeface="Arial" panose="020B0604020202020204" pitchFamily="34" charset="0"/>
-                <a:ea typeface="MS PGothic" panose="020B0600070205080204" pitchFamily="34" charset="-128"/>
-              </a:defRPr>
-            </a:lvl3pPr>
-            <a:lvl4pPr marL="1600200" indent="-228600" eaLnBrk="0" hangingPunct="0">
-              <a:defRPr sz="2400">
-                <a:solidFill>
-                  <a:schemeClr val="tx1"/>
-                </a:solidFill>
-                <a:latin typeface="Arial" panose="020B0604020202020204" pitchFamily="34" charset="0"/>
-                <a:ea typeface="MS PGothic" panose="020B0600070205080204" pitchFamily="34" charset="-128"/>
-              </a:defRPr>
-            </a:lvl4pPr>
-            <a:lvl5pPr marL="2057400" indent="-228600" eaLnBrk="0" hangingPunct="0">
-              <a:defRPr sz="2400">
-                <a:solidFill>
-                  <a:schemeClr val="tx1"/>
-                </a:solidFill>
-                <a:latin typeface="Arial" panose="020B0604020202020204" pitchFamily="34" charset="0"/>
-                <a:ea typeface="MS PGothic" panose="020B0600070205080204" pitchFamily="34" charset="-128"/>
-              </a:defRPr>
-            </a:lvl5pPr>
-            <a:lvl6pPr marL="2514600" indent="-228600" defTabSz="457200" eaLnBrk="0" fontAlgn="base" hangingPunct="0">
-              <a:spcBef>
-                <a:spcPct val="0"/>
-              </a:spcBef>
-              <a:spcAft>
-                <a:spcPct val="0"/>
-              </a:spcAft>
-              <a:defRPr sz="2400">
-                <a:solidFill>
-                  <a:schemeClr val="tx1"/>
-                </a:solidFill>
-                <a:latin typeface="Arial" panose="020B0604020202020204" pitchFamily="34" charset="0"/>
-                <a:ea typeface="MS PGothic" panose="020B0600070205080204" pitchFamily="34" charset="-128"/>
-              </a:defRPr>
-            </a:lvl6pPr>
-            <a:lvl7pPr marL="2971800" indent="-228600" defTabSz="457200" eaLnBrk="0" fontAlgn="base" hangingPunct="0">
-              <a:spcBef>
-                <a:spcPct val="0"/>
-              </a:spcBef>
-              <a:spcAft>
-                <a:spcPct val="0"/>
-              </a:spcAft>
-              <a:defRPr sz="2400">
-                <a:solidFill>
-                  <a:schemeClr val="tx1"/>
-                </a:solidFill>
-                <a:latin typeface="Arial" panose="020B0604020202020204" pitchFamily="34" charset="0"/>
-                <a:ea typeface="MS PGothic" panose="020B0600070205080204" pitchFamily="34" charset="-128"/>
-              </a:defRPr>
-            </a:lvl7pPr>
-            <a:lvl8pPr marL="3429000" indent="-228600" defTabSz="457200" eaLnBrk="0" fontAlgn="base" hangingPunct="0">
-              <a:spcBef>
-                <a:spcPct val="0"/>
-              </a:spcBef>
-              <a:spcAft>
-                <a:spcPct val="0"/>
-              </a:spcAft>
-              <a:defRPr sz="2400">
-                <a:solidFill>
-                  <a:schemeClr val="tx1"/>
-                </a:solidFill>
-                <a:latin typeface="Arial" panose="020B0604020202020204" pitchFamily="34" charset="0"/>
-                <a:ea typeface="MS PGothic" panose="020B0600070205080204" pitchFamily="34" charset="-128"/>
-              </a:defRPr>
-            </a:lvl8pPr>
-            <a:lvl9pPr marL="3886200" indent="-228600" defTabSz="457200" eaLnBrk="0" fontAlgn="base" hangingPunct="0">
-              <a:spcBef>
-                <a:spcPct val="0"/>
-              </a:spcBef>
-              <a:spcAft>
-                <a:spcPct val="0"/>
-              </a:spcAft>
-              <a:defRPr sz="2400">
-                <a:solidFill>
-                  <a:schemeClr val="tx1"/>
-                </a:solidFill>
-                <a:latin typeface="Arial" panose="020B0604020202020204" pitchFamily="34" charset="0"/>
-                <a:ea typeface="MS PGothic" panose="020B0600070205080204" pitchFamily="34" charset="-128"/>
-              </a:defRPr>
-            </a:lvl9pPr>
-          </a:lstStyle>
-          <a:p>
-            <a:pPr eaLnBrk="1" hangingPunct="1">
-              <a:spcBef>
-                <a:spcPct val="20000"/>
-              </a:spcBef>
-            </a:pPr>
-            <a:r>
-              <a:rPr lang="en-US" altLang="it-IT" sz="2200" b="1" dirty="0">
-                <a:solidFill>
-                  <a:srgbClr val="000000"/>
-                </a:solidFill>
-                <a:latin typeface="Garamond" panose="02020404030301010803" pitchFamily="18" charset="0"/>
-              </a:rPr>
-              <a:t>Diagnosis of AD </a:t>
-            </a:r>
-            <a:r>
-              <a:rPr lang="en-US" altLang="it-IT" sz="2200" dirty="0">
-                <a:solidFill>
-                  <a:srgbClr val="000000"/>
-                </a:solidFill>
-                <a:latin typeface="Garamond" panose="02020404030301010803" pitchFamily="18" charset="0"/>
-              </a:rPr>
-              <a:t>is still primarily </a:t>
-            </a:r>
-            <a:r>
-              <a:rPr lang="en-US" altLang="it-IT" sz="2200" b="1" dirty="0">
-                <a:solidFill>
-                  <a:srgbClr val="000000"/>
-                </a:solidFill>
-                <a:latin typeface="Garamond" panose="02020404030301010803" pitchFamily="18" charset="0"/>
-              </a:rPr>
-              <a:t>based</a:t>
-            </a:r>
-            <a:r>
-              <a:rPr lang="en-US" altLang="it-IT" sz="2200" dirty="0">
-                <a:solidFill>
-                  <a:srgbClr val="000000"/>
-                </a:solidFill>
-                <a:latin typeface="Garamond" panose="02020404030301010803" pitchFamily="18" charset="0"/>
-              </a:rPr>
-              <a:t> on:</a:t>
-            </a:r>
-          </a:p>
-          <a:p>
-            <a:pPr marL="342900" indent="-342900" eaLnBrk="1" hangingPunct="1">
-              <a:spcBef>
-                <a:spcPct val="20000"/>
-              </a:spcBef>
-              <a:buFont typeface="Arial" panose="020B0604020202020204" pitchFamily="34" charset="0"/>
-              <a:buChar char="•"/>
-            </a:pPr>
-            <a:r>
-              <a:rPr lang="en-US" altLang="it-IT" sz="2000" dirty="0">
-                <a:solidFill>
-                  <a:srgbClr val="000000"/>
-                </a:solidFill>
-                <a:latin typeface="Garamond" panose="02020404030301010803" pitchFamily="18" charset="0"/>
-              </a:rPr>
-              <a:t>Mental status testing</a:t>
-            </a:r>
-          </a:p>
-          <a:p>
-            <a:pPr marL="342900" indent="-342900" eaLnBrk="1" hangingPunct="1">
-              <a:spcBef>
-                <a:spcPct val="20000"/>
-              </a:spcBef>
-              <a:buFont typeface="Arial" panose="020B0604020202020204" pitchFamily="34" charset="0"/>
-              <a:buChar char="•"/>
-            </a:pPr>
-            <a:r>
-              <a:rPr lang="en-US" altLang="it-IT" sz="2000" dirty="0">
-                <a:solidFill>
-                  <a:srgbClr val="000000"/>
-                </a:solidFill>
-                <a:latin typeface="Garamond" panose="02020404030301010803" pitchFamily="18" charset="0"/>
-              </a:rPr>
-              <a:t>Neuropsychological tests</a:t>
-            </a:r>
-          </a:p>
-          <a:p>
-            <a:pPr marL="342900" indent="-342900" eaLnBrk="1" hangingPunct="1">
-              <a:spcBef>
-                <a:spcPct val="20000"/>
-              </a:spcBef>
-              <a:buFont typeface="Arial" panose="020B0604020202020204" pitchFamily="34" charset="0"/>
-              <a:buChar char="•"/>
-            </a:pPr>
-            <a:r>
-              <a:rPr lang="en-US" altLang="it-IT" sz="2000" dirty="0">
-                <a:solidFill>
-                  <a:srgbClr val="000000"/>
-                </a:solidFill>
-                <a:latin typeface="Garamond" panose="02020404030301010803" pitchFamily="18" charset="0"/>
-              </a:rPr>
-              <a:t>Interviews with friends and family</a:t>
-            </a:r>
-          </a:p>
-          <a:p>
-            <a:pPr marL="342900" indent="-342900" eaLnBrk="1" hangingPunct="1">
-              <a:spcBef>
-                <a:spcPct val="20000"/>
-              </a:spcBef>
-              <a:buFont typeface="Arial" panose="020B0604020202020204" pitchFamily="34" charset="0"/>
-              <a:buChar char="•"/>
-            </a:pPr>
-            <a:r>
-              <a:rPr lang="en-US" altLang="it-IT" sz="2000" dirty="0">
-                <a:solidFill>
-                  <a:srgbClr val="000000"/>
-                </a:solidFill>
-                <a:latin typeface="Garamond" panose="02020404030301010803" pitchFamily="18" charset="0"/>
-              </a:rPr>
-              <a:t>Measurement of </a:t>
-            </a:r>
-            <a:r>
-              <a:rPr lang="en-US" altLang="it-IT" sz="2000" b="1" dirty="0">
-                <a:solidFill>
-                  <a:srgbClr val="000000"/>
-                </a:solidFill>
-                <a:latin typeface="Garamond" panose="02020404030301010803" pitchFamily="18" charset="0"/>
-              </a:rPr>
-              <a:t>cerebrospinal fluid </a:t>
-            </a:r>
-            <a:r>
-              <a:rPr lang="en-US" altLang="it-IT" sz="2000" dirty="0">
-                <a:solidFill>
-                  <a:srgbClr val="000000"/>
-                </a:solidFill>
-                <a:latin typeface="Garamond" panose="02020404030301010803" pitchFamily="18" charset="0"/>
-              </a:rPr>
-              <a:t>(CSF), </a:t>
-            </a:r>
-            <a:r>
-              <a:rPr lang="en-US" altLang="it-IT" sz="2000" b="1" dirty="0">
-                <a:solidFill>
-                  <a:srgbClr val="000000"/>
-                </a:solidFill>
-                <a:latin typeface="Garamond" panose="02020404030301010803" pitchFamily="18" charset="0"/>
-              </a:rPr>
-              <a:t>invasive</a:t>
-            </a:r>
-          </a:p>
-          <a:p>
-            <a:pPr marL="342900" indent="-342900" eaLnBrk="1" hangingPunct="1">
-              <a:spcBef>
-                <a:spcPct val="20000"/>
-              </a:spcBef>
-              <a:buFont typeface="Arial" panose="020B0604020202020204" pitchFamily="34" charset="0"/>
-              <a:buChar char="•"/>
-            </a:pPr>
-            <a:r>
-              <a:rPr lang="en-US" altLang="it-IT" sz="2000" b="1" dirty="0">
-                <a:solidFill>
-                  <a:srgbClr val="000000"/>
-                </a:solidFill>
-                <a:latin typeface="Garamond" panose="02020404030301010803" pitchFamily="18" charset="0"/>
-              </a:rPr>
-              <a:t>Rachisynthesis</a:t>
-            </a:r>
-            <a:r>
-              <a:rPr lang="en-US" altLang="it-IT" sz="2000" dirty="0">
-                <a:solidFill>
-                  <a:srgbClr val="000000"/>
-                </a:solidFill>
-                <a:latin typeface="Garamond" panose="02020404030301010803" pitchFamily="18" charset="0"/>
-              </a:rPr>
-              <a:t>, which is </a:t>
-            </a:r>
-            <a:r>
-              <a:rPr lang="en-US" altLang="it-IT" sz="2000" b="1" dirty="0">
-                <a:solidFill>
-                  <a:srgbClr val="000000"/>
-                </a:solidFill>
-                <a:latin typeface="Garamond" panose="02020404030301010803" pitchFamily="18" charset="0"/>
-              </a:rPr>
-              <a:t>painful and dangerous </a:t>
-            </a:r>
-            <a:r>
-              <a:rPr lang="en-US" altLang="it-IT" sz="2000" dirty="0">
-                <a:solidFill>
-                  <a:srgbClr val="000000"/>
-                </a:solidFill>
-                <a:latin typeface="Garamond" panose="02020404030301010803" pitchFamily="18" charset="0"/>
-              </a:rPr>
-              <a:t>for a patient</a:t>
-            </a:r>
-          </a:p>
-          <a:p>
-            <a:pPr eaLnBrk="1" hangingPunct="1">
-              <a:spcBef>
-                <a:spcPct val="20000"/>
-              </a:spcBef>
-            </a:pPr>
-            <a:endParaRPr lang="en-US" altLang="it-IT" sz="2200" b="1" dirty="0">
-              <a:solidFill>
-                <a:srgbClr val="000000"/>
-              </a:solidFill>
-              <a:latin typeface="Garamond" panose="02020404030301010803" pitchFamily="18" charset="0"/>
-            </a:endParaRPr>
-          </a:p>
-          <a:p>
-            <a:pPr eaLnBrk="1" hangingPunct="1">
-              <a:spcBef>
-                <a:spcPct val="20000"/>
-              </a:spcBef>
-            </a:pPr>
-            <a:r>
-              <a:rPr lang="en-US" altLang="it-IT" sz="2200" b="1" dirty="0">
-                <a:solidFill>
-                  <a:srgbClr val="000000"/>
-                </a:solidFill>
-                <a:latin typeface="Garamond" panose="02020404030301010803" pitchFamily="18" charset="0"/>
-              </a:rPr>
-              <a:t>Early diagnosis </a:t>
-            </a:r>
-            <a:r>
-              <a:rPr lang="en-US" altLang="it-IT" sz="2200" dirty="0">
-                <a:solidFill>
-                  <a:srgbClr val="000000"/>
-                </a:solidFill>
-                <a:latin typeface="Garamond" panose="02020404030301010803" pitchFamily="18" charset="0"/>
-              </a:rPr>
-              <a:t>requires an investigation of the pre-dementia, called </a:t>
-            </a:r>
-            <a:r>
-              <a:rPr lang="en-US" altLang="it-IT" sz="2200" b="1" dirty="0">
-                <a:solidFill>
-                  <a:srgbClr val="000000"/>
-                </a:solidFill>
-                <a:latin typeface="Garamond" panose="02020404030301010803" pitchFamily="18" charset="0"/>
-              </a:rPr>
-              <a:t>Mild Cognitive Impairment (MCI)</a:t>
-            </a:r>
-            <a:r>
-              <a:rPr lang="en-US" altLang="it-IT" sz="2200" dirty="0">
-                <a:solidFill>
-                  <a:srgbClr val="000000"/>
-                </a:solidFill>
-                <a:latin typeface="Garamond" panose="02020404030301010803" pitchFamily="18" charset="0"/>
-              </a:rPr>
-              <a:t>, that is a condition in which an individual’s thinking ability shows some mild changes. This stage involves the challenging question of </a:t>
-            </a:r>
-            <a:r>
-              <a:rPr lang="en-US" altLang="it-IT" sz="2200" b="1" dirty="0">
-                <a:solidFill>
-                  <a:srgbClr val="000000"/>
-                </a:solidFill>
-                <a:latin typeface="Garamond" panose="02020404030301010803" pitchFamily="18" charset="0"/>
-              </a:rPr>
-              <a:t>predicting</a:t>
-            </a:r>
-            <a:r>
-              <a:rPr lang="en-US" altLang="it-IT" sz="2200" dirty="0">
-                <a:solidFill>
-                  <a:srgbClr val="000000"/>
-                </a:solidFill>
-                <a:latin typeface="Garamond" panose="02020404030301010803" pitchFamily="18" charset="0"/>
-              </a:rPr>
-              <a:t> whether MCI will </a:t>
-            </a:r>
-            <a:r>
-              <a:rPr lang="en-US" altLang="it-IT" sz="2200" b="1" dirty="0">
-                <a:solidFill>
-                  <a:srgbClr val="000000"/>
-                </a:solidFill>
-                <a:latin typeface="Garamond" panose="02020404030301010803" pitchFamily="18" charset="0"/>
-              </a:rPr>
-              <a:t>(</a:t>
-            </a:r>
-            <a:r>
-              <a:rPr lang="en-US" altLang="it-IT" sz="2200" b="1" dirty="0" err="1">
-                <a:solidFill>
-                  <a:srgbClr val="000000"/>
-                </a:solidFill>
-                <a:latin typeface="Garamond" panose="02020404030301010803" pitchFamily="18" charset="0"/>
-              </a:rPr>
-              <a:t>MCIc</a:t>
-            </a:r>
-            <a:r>
-              <a:rPr lang="en-US" altLang="it-IT" sz="2200" b="1" dirty="0">
-                <a:solidFill>
-                  <a:srgbClr val="000000"/>
-                </a:solidFill>
-                <a:latin typeface="Garamond" panose="02020404030301010803" pitchFamily="18" charset="0"/>
-              </a:rPr>
-              <a:t>) or will not (</a:t>
-            </a:r>
-            <a:r>
-              <a:rPr lang="en-US" altLang="it-IT" sz="2200" b="1" dirty="0" err="1">
-                <a:solidFill>
-                  <a:srgbClr val="000000"/>
-                </a:solidFill>
-                <a:latin typeface="Garamond" panose="02020404030301010803" pitchFamily="18" charset="0"/>
-              </a:rPr>
-              <a:t>MCInc</a:t>
-            </a:r>
-            <a:r>
-              <a:rPr lang="en-US" altLang="it-IT" sz="2200" b="1" dirty="0">
-                <a:solidFill>
-                  <a:srgbClr val="000000"/>
-                </a:solidFill>
-                <a:latin typeface="Garamond" panose="02020404030301010803" pitchFamily="18" charset="0"/>
-              </a:rPr>
-              <a:t>) convert </a:t>
-            </a:r>
-            <a:r>
-              <a:rPr lang="en-US" altLang="it-IT" sz="2200" dirty="0">
-                <a:solidFill>
-                  <a:srgbClr val="000000"/>
-                </a:solidFill>
-                <a:latin typeface="Garamond" panose="02020404030301010803" pitchFamily="18" charset="0"/>
-              </a:rPr>
-              <a:t>to AD.</a:t>
-            </a:r>
-          </a:p>
-          <a:p>
-            <a:pPr eaLnBrk="1" hangingPunct="1">
-              <a:spcBef>
-                <a:spcPct val="20000"/>
-              </a:spcBef>
-            </a:pPr>
-            <a:endParaRPr lang="en-US" altLang="it-IT" sz="2200" dirty="0">
-              <a:solidFill>
-                <a:srgbClr val="000000"/>
-              </a:solidFill>
-              <a:latin typeface="Garamond" panose="02020404030301010803" pitchFamily="18" charset="0"/>
-            </a:endParaRPr>
+            <a:fld id="{7A1D8CC2-AC32-48BF-A9F5-B79D7A95954F}" type="slidenum">
+              <a:rPr lang="en-US" altLang="it-IT" smtClean="0"/>
+              <a:pPr/>
+              <a:t>3</a:t>
+            </a:fld>
+            <a:endParaRPr lang="en-US" altLang="it-IT" dirty="0"/>
           </a:p>
         </p:txBody>
       </p:sp>
     </p:spTree>
     <p:extLst>
       <p:ext uri="{BB962C8B-B14F-4D97-AF65-F5344CB8AC3E}">
-        <p14:creationId xmlns:p14="http://schemas.microsoft.com/office/powerpoint/2010/main" val="1623107677"/>
+        <p14:creationId xmlns:p14="http://schemas.microsoft.com/office/powerpoint/2010/main" val="998523189"/>
       </p:ext>
     </p:extLst>
   </p:cSld>
@@ -10956,35 +8867,6 @@
           <a:chExt cx="0" cy="0"/>
         </a:xfrm>
       </p:grpSpPr>
-      <p:pic>
-        <p:nvPicPr>
-          <p:cNvPr id="5" name="Immagine 4">
-            <a:extLst>
-              <a:ext uri="{FF2B5EF4-FFF2-40B4-BE49-F238E27FC236}">
-                <a16:creationId xmlns:a16="http://schemas.microsoft.com/office/drawing/2014/main" id="{B0DA2742-A78E-4B1D-A0A0-744355D36A21}"/>
-              </a:ext>
-            </a:extLst>
-          </p:cNvPr>
-          <p:cNvPicPr>
-            <a:picLocks noChangeAspect="1"/>
-          </p:cNvPicPr>
-          <p:nvPr/>
-        </p:nvPicPr>
-        <p:blipFill rotWithShape="1">
-          <a:blip r:embed="rId2"/>
-          <a:srcRect t="62584" r="1233"/>
-          <a:stretch/>
-        </p:blipFill>
-        <p:spPr>
-          <a:xfrm>
-            <a:off x="221673" y="1201478"/>
-            <a:ext cx="8593392" cy="1886287"/>
-          </a:xfrm>
-          <a:prstGeom prst="rect">
-            <a:avLst/>
-          </a:prstGeom>
-        </p:spPr>
-      </p:pic>
       <p:sp>
         <p:nvSpPr>
           <p:cNvPr id="6" name="Title 1">
@@ -11001,7 +8883,7 @@
         </p:nvSpPr>
         <p:spPr bwMode="auto">
           <a:xfrm>
-            <a:off x="15875" y="1"/>
+            <a:off x="15875" y="165692"/>
             <a:ext cx="8842375" cy="1016000"/>
           </a:xfrm>
           <a:prstGeom prst="rect">
@@ -11142,429 +9024,424 @@
           </a:lstStyle>
           <a:p>
             <a:r>
-              <a:rPr lang="it-IT" altLang="it-IT" sz="6000" dirty="0" err="1">
+              <a:rPr lang="en-US" altLang="it-IT" sz="3600" dirty="0" err="1">
                 <a:solidFill>
                   <a:srgbClr val="FFFFFF"/>
                 </a:solidFill>
                 <a:latin typeface="Tw Cen MT" panose="020B0602020104020603" pitchFamily="34" charset="0"/>
               </a:rPr>
-              <a:t>Our</a:t>
-            </a:r>
-            <a:r>
-              <a:rPr lang="it-IT" altLang="it-IT" sz="6000" dirty="0">
+              <a:t>Introduzione</a:t>
+            </a:r>
+            <a:r>
+              <a:rPr lang="en-US" altLang="it-IT" sz="3600" dirty="0">
                 <a:solidFill>
                   <a:srgbClr val="FFFFFF"/>
                 </a:solidFill>
                 <a:latin typeface="Tw Cen MT" panose="020B0602020104020603" pitchFamily="34" charset="0"/>
               </a:rPr>
-              <a:t> New Solution</a:t>
-            </a:r>
-          </a:p>
-        </p:txBody>
-      </p:sp>
-      <p:sp>
-        <p:nvSpPr>
-          <p:cNvPr id="13" name="Rettangolo 12">
-            <a:extLst>
-              <a:ext uri="{FF2B5EF4-FFF2-40B4-BE49-F238E27FC236}">
-                <a16:creationId xmlns:a16="http://schemas.microsoft.com/office/drawing/2014/main" id="{1B3E0C32-1984-4560-966F-A08D7A1991F2}"/>
-              </a:ext>
-            </a:extLst>
-          </p:cNvPr>
-          <p:cNvSpPr/>
+              <a:t>: </a:t>
+            </a:r>
+            <a:r>
+              <a:rPr lang="en-US" altLang="it-IT" sz="3600" i="1" dirty="0">
+                <a:solidFill>
+                  <a:srgbClr val="FFFFFF"/>
+                </a:solidFill>
+                <a:latin typeface="Tw Cen MT" panose="020B0602020104020603" pitchFamily="34" charset="0"/>
+              </a:rPr>
+              <a:t>Network </a:t>
+            </a:r>
+            <a:r>
+              <a:rPr lang="en-US" altLang="it-IT" sz="3600" i="1" dirty="0" err="1">
+                <a:solidFill>
+                  <a:srgbClr val="FFFFFF"/>
+                </a:solidFill>
+                <a:latin typeface="Tw Cen MT" panose="020B0602020104020603" pitchFamily="34" charset="0"/>
+              </a:rPr>
+              <a:t>Alignement</a:t>
+            </a:r>
+            <a:r>
+              <a:rPr lang="en-US" altLang="it-IT" sz="3600" i="1" dirty="0">
+                <a:solidFill>
+                  <a:srgbClr val="FFFFFF"/>
+                </a:solidFill>
+                <a:latin typeface="Tw Cen MT" panose="020B0602020104020603" pitchFamily="34" charset="0"/>
+              </a:rPr>
+              <a:t> </a:t>
+            </a:r>
+            <a:r>
+              <a:rPr lang="en-US" altLang="it-IT" sz="3600" dirty="0">
+                <a:solidFill>
+                  <a:srgbClr val="FFFFFF"/>
+                </a:solidFill>
+                <a:latin typeface="Tw Cen MT" panose="020B0602020104020603" pitchFamily="34" charset="0"/>
+              </a:rPr>
+              <a:t>e PPIN</a:t>
+            </a:r>
+          </a:p>
+        </p:txBody>
+      </p:sp>
+      <mc:AlternateContent xmlns:mc="http://schemas.openxmlformats.org/markup-compatibility/2006">
+        <mc:Choice xmlns:a14="http://schemas.microsoft.com/office/drawing/2010/main" Requires="a14">
+          <p:sp>
+            <p:nvSpPr>
+              <p:cNvPr id="8" name="CasellaDiTesto 7">
+                <a:extLst>
+                  <a:ext uri="{FF2B5EF4-FFF2-40B4-BE49-F238E27FC236}">
+                    <a16:creationId xmlns:a16="http://schemas.microsoft.com/office/drawing/2014/main" id="{13F0A16F-6EA2-4434-95A0-BA8F35B87126}"/>
+                  </a:ext>
+                </a:extLst>
+              </p:cNvPr>
+              <p:cNvSpPr txBox="1"/>
+              <p:nvPr/>
+            </p:nvSpPr>
+            <p:spPr>
+              <a:xfrm>
+                <a:off x="1" y="1204190"/>
+                <a:ext cx="9144000" cy="2585323"/>
+              </a:xfrm>
+              <a:prstGeom prst="rect">
+                <a:avLst/>
+              </a:prstGeom>
+              <a:noFill/>
+            </p:spPr>
+            <p:txBody>
+              <a:bodyPr wrap="square" rtlCol="0">
+                <a:spAutoFit/>
+              </a:bodyPr>
+              <a:lstStyle/>
+              <a:p>
+                <a:pPr algn="just"/>
+                <a:r>
+                  <a:rPr lang="it-IT" dirty="0">
+                    <a:latin typeface="+mj-lt"/>
+                  </a:rPr>
+                  <a:t>Date due reti, </a:t>
+                </a:r>
+                <a:r>
+                  <a:rPr lang="it-IT" b="1" dirty="0">
+                    <a:latin typeface="+mj-lt"/>
+                  </a:rPr>
+                  <a:t>allinearle</a:t>
+                </a:r>
+                <a:r>
+                  <a:rPr lang="it-IT" dirty="0">
+                    <a:latin typeface="+mj-lt"/>
+                  </a:rPr>
+                  <a:t> </a:t>
+                </a:r>
+                <a:r>
+                  <a:rPr lang="it-IT" dirty="0" err="1">
+                    <a:latin typeface="+mj-lt"/>
+                  </a:rPr>
+                  <a:t>signiﬁca</a:t>
+                </a:r>
+                <a:r>
+                  <a:rPr lang="it-IT" dirty="0">
+                    <a:latin typeface="+mj-lt"/>
+                  </a:rPr>
+                  <a:t> trovare un </a:t>
+                </a:r>
+                <a:r>
+                  <a:rPr lang="it-IT" i="1" dirty="0">
+                    <a:solidFill>
+                      <a:schemeClr val="accent1">
+                        <a:lumMod val="75000"/>
+                      </a:schemeClr>
+                    </a:solidFill>
+                    <a:latin typeface="+mj-lt"/>
+                  </a:rPr>
+                  <a:t>mapping</a:t>
+                </a:r>
+                <a:r>
+                  <a:rPr lang="it-IT" dirty="0">
+                    <a:latin typeface="+mj-lt"/>
+                  </a:rPr>
+                  <a:t> nodo-a-nodo (= </a:t>
+                </a:r>
+                <a:r>
+                  <a:rPr lang="it-IT" i="1" dirty="0" err="1">
+                    <a:latin typeface="+mj-lt"/>
+                  </a:rPr>
+                  <a:t>alignement</a:t>
+                </a:r>
+                <a:r>
+                  <a:rPr lang="it-IT" dirty="0">
+                    <a:latin typeface="+mj-lt"/>
+                  </a:rPr>
+                  <a:t>) tra le stesse in grado di ottimizzare due obiettivi: </a:t>
+                </a:r>
+              </a:p>
+              <a:p>
+                <a:pPr marL="342900" indent="-342900" algn="just">
+                  <a:buAutoNum type="arabicParenBoth"/>
+                </a:pPr>
+                <a:r>
+                  <a:rPr lang="it-IT" dirty="0">
+                    <a:latin typeface="+mj-lt"/>
+                  </a:rPr>
+                  <a:t>massimizzare il numero di proteine mappate (</a:t>
+                </a:r>
+                <a:r>
+                  <a:rPr lang="it-IT" i="1" dirty="0">
+                    <a:latin typeface="+mj-lt"/>
+                  </a:rPr>
+                  <a:t>nodi</a:t>
+                </a:r>
+                <a:r>
+                  <a:rPr lang="it-IT" dirty="0">
+                    <a:latin typeface="+mj-lt"/>
+                  </a:rPr>
+                  <a:t>) che sono correlate da un punto di vista funzionale</a:t>
+                </a:r>
+              </a:p>
+              <a:p>
+                <a:pPr marL="342900" indent="-342900" algn="just">
+                  <a:buAutoNum type="arabicParenBoth"/>
+                </a:pPr>
+                <a:r>
+                  <a:rPr lang="it-IT" dirty="0">
+                    <a:latin typeface="+mj-lt"/>
+                  </a:rPr>
+                  <a:t>massimizzare il numero di interazioni comuni (</a:t>
+                </a:r>
+                <a:r>
+                  <a:rPr lang="it-IT" i="1" dirty="0">
+                    <a:latin typeface="+mj-lt"/>
+                  </a:rPr>
+                  <a:t>archi</a:t>
+                </a:r>
+                <a:r>
+                  <a:rPr lang="it-IT" dirty="0">
+                    <a:latin typeface="+mj-lt"/>
+                  </a:rPr>
+                  <a:t>) tra le reti. </a:t>
+                </a:r>
+              </a:p>
+              <a:p>
+                <a:pPr marL="342900" indent="-342900" algn="just">
+                  <a:buAutoNum type="arabicParenBoth"/>
+                </a:pPr>
+                <a:endParaRPr lang="it-IT" dirty="0">
+                  <a:latin typeface="+mj-lt"/>
+                </a:endParaRPr>
+              </a:p>
+              <a:p>
+                <a:pPr algn="just"/>
+                <a:r>
+                  <a:rPr lang="it-IT" dirty="0">
+                    <a:latin typeface="+mj-lt"/>
+                  </a:rPr>
+                  <a:t>Problema intrattabile dovuto all’</a:t>
+                </a:r>
+                <a14:m>
+                  <m:oMath xmlns:m="http://schemas.openxmlformats.org/officeDocument/2006/math">
+                    <m:r>
+                      <a:rPr lang="it-IT" i="1">
+                        <a:latin typeface="Cambria Math" panose="02040503050406030204" pitchFamily="18" charset="0"/>
+                      </a:rPr>
+                      <m:t>𝑁𝑃</m:t>
+                    </m:r>
+                  </m:oMath>
+                </a14:m>
+                <a:r>
+                  <a:rPr lang="it-IT" dirty="0">
+                    <a:latin typeface="+mj-lt"/>
+                  </a:rPr>
+                  <a:t>-completezza sottostante al </a:t>
+                </a:r>
+                <a:r>
+                  <a:rPr lang="it-IT" i="1" dirty="0">
+                    <a:latin typeface="+mj-lt"/>
+                  </a:rPr>
+                  <a:t>sub-</a:t>
+                </a:r>
+                <a:r>
+                  <a:rPr lang="it-IT" i="1" dirty="0" err="1">
+                    <a:latin typeface="+mj-lt"/>
+                  </a:rPr>
+                  <a:t>graph</a:t>
+                </a:r>
+                <a:r>
+                  <a:rPr lang="it-IT" i="1" dirty="0">
+                    <a:latin typeface="+mj-lt"/>
+                  </a:rPr>
+                  <a:t> </a:t>
+                </a:r>
+                <a:r>
+                  <a:rPr lang="it-IT" i="1" dirty="0" err="1">
+                    <a:latin typeface="+mj-lt"/>
+                  </a:rPr>
+                  <a:t>isomorphism</a:t>
+                </a:r>
+                <a:r>
+                  <a:rPr lang="it-IT" i="1" dirty="0">
+                    <a:latin typeface="+mj-lt"/>
+                  </a:rPr>
+                  <a:t> </a:t>
+                </a:r>
+                <a:r>
+                  <a:rPr lang="it-IT" i="1" dirty="0" err="1">
+                    <a:latin typeface="+mj-lt"/>
+                  </a:rPr>
+                  <a:t>problem</a:t>
+                </a:r>
+                <a:r>
+                  <a:rPr lang="it-IT" dirty="0">
+                    <a:latin typeface="+mj-lt"/>
+                  </a:rPr>
+                  <a:t> (Cook,1971)</a:t>
+                </a:r>
+              </a:p>
+              <a:p>
+                <a:pPr algn="just"/>
+                <a:endParaRPr lang="it-IT" dirty="0">
+                  <a:latin typeface="+mj-lt"/>
+                </a:endParaRPr>
+              </a:p>
+            </p:txBody>
+          </p:sp>
+        </mc:Choice>
+        <mc:Fallback>
+          <p:sp>
+            <p:nvSpPr>
+              <p:cNvPr id="8" name="CasellaDiTesto 7">
+                <a:extLst>
+                  <a:ext uri="{FF2B5EF4-FFF2-40B4-BE49-F238E27FC236}">
+                    <a16:creationId xmlns:a16="http://schemas.microsoft.com/office/drawing/2014/main" id="{13F0A16F-6EA2-4434-95A0-BA8F35B87126}"/>
+                  </a:ext>
+                </a:extLst>
+              </p:cNvPr>
+              <p:cNvSpPr txBox="1">
+                <a:spLocks noRot="1" noChangeAspect="1" noMove="1" noResize="1" noEditPoints="1" noAdjustHandles="1" noChangeArrowheads="1" noChangeShapeType="1" noTextEdit="1"/>
+              </p:cNvSpPr>
+              <p:nvPr/>
+            </p:nvSpPr>
+            <p:spPr>
+              <a:xfrm>
+                <a:off x="1" y="1204190"/>
+                <a:ext cx="9144000" cy="2585323"/>
+              </a:xfrm>
+              <a:prstGeom prst="rect">
+                <a:avLst/>
+              </a:prstGeom>
+              <a:blipFill>
+                <a:blip r:embed="rId2"/>
+                <a:stretch>
+                  <a:fillRect l="-533" t="-1415" r="-533"/>
+                </a:stretch>
+              </a:blipFill>
+            </p:spPr>
+            <p:txBody>
+              <a:bodyPr/>
+              <a:lstStyle/>
+              <a:p>
+                <a:r>
+                  <a:rPr lang="it-IT">
+                    <a:noFill/>
+                  </a:rPr>
+                  <a:t> </a:t>
+                </a:r>
+              </a:p>
+            </p:txBody>
+          </p:sp>
+        </mc:Fallback>
+      </mc:AlternateContent>
+      <p:pic>
+        <p:nvPicPr>
+          <p:cNvPr id="4" name="Immagine 3">
+            <a:extLst>
+              <a:ext uri="{FF2B5EF4-FFF2-40B4-BE49-F238E27FC236}">
+                <a16:creationId xmlns:a16="http://schemas.microsoft.com/office/drawing/2014/main" id="{EC283790-C0A2-4493-9470-94EF01B7C5B1}"/>
+              </a:ext>
+            </a:extLst>
+          </p:cNvPr>
+          <p:cNvPicPr>
+            <a:picLocks noChangeAspect="1"/>
+          </p:cNvPicPr>
           <p:nvPr/>
-        </p:nvSpPr>
+        </p:nvPicPr>
+        <p:blipFill>
+          <a:blip r:embed="rId3"/>
+          <a:stretch>
+            <a:fillRect/>
+          </a:stretch>
+        </p:blipFill>
         <p:spPr>
           <a:xfrm>
-            <a:off x="0" y="6408477"/>
-            <a:ext cx="2175339" cy="461665"/>
+            <a:off x="1700073" y="3305560"/>
+            <a:ext cx="5743853" cy="3119407"/>
           </a:xfrm>
           <a:prstGeom prst="rect">
             <a:avLst/>
           </a:prstGeom>
         </p:spPr>
-        <p:txBody>
-          <a:bodyPr wrap="none">
-            <a:spAutoFit/>
-          </a:bodyPr>
+      </p:pic>
+      <p:sp>
+        <p:nvSpPr>
+          <p:cNvPr id="9" name="Segnaposto piè di pagina 8">
+            <a:extLst>
+              <a:ext uri="{FF2B5EF4-FFF2-40B4-BE49-F238E27FC236}">
+                <a16:creationId xmlns:a16="http://schemas.microsoft.com/office/drawing/2014/main" id="{E16B37F4-2FCD-4C0F-B242-8D7743AEE90F}"/>
+              </a:ext>
+            </a:extLst>
+          </p:cNvPr>
+          <p:cNvSpPr>
+            <a:spLocks noGrp="1"/>
+          </p:cNvSpPr>
+          <p:nvPr>
+            <p:ph type="ftr" sz="quarter" idx="11"/>
+          </p:nvPr>
+        </p:nvSpPr>
+        <p:spPr/>
+        <p:txBody>
+          <a:bodyPr/>
           <a:lstStyle/>
           <a:p>
-            <a:pPr eaLnBrk="1" hangingPunct="1">
-              <a:spcBef>
-                <a:spcPct val="20000"/>
-              </a:spcBef>
+            <a:pPr>
+              <a:defRPr/>
             </a:pPr>
             <a:r>
-              <a:rPr lang="en-US" altLang="it-IT" sz="2400" dirty="0">
-                <a:solidFill>
-                  <a:srgbClr val="000000"/>
-                </a:solidFill>
-                <a:latin typeface="Garamond" panose="02020404030301010803" pitchFamily="18" charset="0"/>
-              </a:rPr>
-              <a:t>Ivancich Stefano</a:t>
-            </a:r>
-          </a:p>
-        </p:txBody>
-      </p:sp>
-      <p:sp>
-        <p:nvSpPr>
-          <p:cNvPr id="14" name="Rettangolo 13">
-            <a:extLst>
-              <a:ext uri="{FF2B5EF4-FFF2-40B4-BE49-F238E27FC236}">
-                <a16:creationId xmlns:a16="http://schemas.microsoft.com/office/drawing/2014/main" id="{E8459245-DDCF-4A55-8FE9-5CF48972E537}"/>
-              </a:ext>
-            </a:extLst>
-          </p:cNvPr>
-          <p:cNvSpPr/>
-          <p:nvPr/>
-        </p:nvSpPr>
-        <p:spPr>
-          <a:xfrm>
-            <a:off x="8815064" y="6408477"/>
-            <a:ext cx="328936" cy="461665"/>
-          </a:xfrm>
-          <a:prstGeom prst="rect">
-            <a:avLst/>
-          </a:prstGeom>
-        </p:spPr>
-        <p:txBody>
-          <a:bodyPr wrap="none">
-            <a:spAutoFit/>
-          </a:bodyPr>
+              <a:rPr lang="it-IT"/>
+              <a:t>Masiero L. Ivancich S.</a:t>
+            </a:r>
+            <a:endParaRPr lang="en-US" dirty="0"/>
+          </a:p>
+        </p:txBody>
+      </p:sp>
+      <p:sp>
+        <p:nvSpPr>
+          <p:cNvPr id="10" name="Segnaposto numero diapositiva 9">
+            <a:extLst>
+              <a:ext uri="{FF2B5EF4-FFF2-40B4-BE49-F238E27FC236}">
+                <a16:creationId xmlns:a16="http://schemas.microsoft.com/office/drawing/2014/main" id="{2910465A-0AF9-433D-B723-74463B0F808E}"/>
+              </a:ext>
+            </a:extLst>
+          </p:cNvPr>
+          <p:cNvSpPr>
+            <a:spLocks noGrp="1"/>
+          </p:cNvSpPr>
+          <p:nvPr>
+            <p:ph type="sldNum" sz="quarter" idx="12"/>
+          </p:nvPr>
+        </p:nvSpPr>
+        <p:spPr/>
+        <p:txBody>
+          <a:bodyPr/>
           <a:lstStyle/>
           <a:p>
-            <a:pPr eaLnBrk="1" hangingPunct="1">
-              <a:spcBef>
-                <a:spcPct val="20000"/>
-              </a:spcBef>
-            </a:pPr>
-            <a:r>
-              <a:rPr lang="en-US" altLang="it-IT" sz="2400" dirty="0">
-                <a:solidFill>
-                  <a:srgbClr val="000000"/>
-                </a:solidFill>
-                <a:latin typeface="Garamond" panose="02020404030301010803" pitchFamily="18" charset="0"/>
-              </a:rPr>
-              <a:t>3</a:t>
-            </a:r>
-            <a:endParaRPr lang="en-US" altLang="it-IT" sz="1800" dirty="0">
-              <a:solidFill>
-                <a:srgbClr val="000000"/>
-              </a:solidFill>
-              <a:latin typeface="Garamond" panose="02020404030301010803" pitchFamily="18" charset="0"/>
-            </a:endParaRPr>
-          </a:p>
-        </p:txBody>
-      </p:sp>
-      <p:sp>
-        <p:nvSpPr>
-          <p:cNvPr id="15" name="Rettangolo 14">
-            <a:extLst>
-              <a:ext uri="{FF2B5EF4-FFF2-40B4-BE49-F238E27FC236}">
-                <a16:creationId xmlns:a16="http://schemas.microsoft.com/office/drawing/2014/main" id="{CDC0EA93-AE21-4D2B-BBA9-8CFFCDEC2B60}"/>
-              </a:ext>
-            </a:extLst>
-          </p:cNvPr>
-          <p:cNvSpPr/>
-          <p:nvPr/>
-        </p:nvSpPr>
-        <p:spPr>
-          <a:xfrm>
-            <a:off x="3747735" y="6420772"/>
-            <a:ext cx="1648528" cy="461665"/>
-          </a:xfrm>
-          <a:prstGeom prst="rect">
-            <a:avLst/>
-          </a:prstGeom>
-        </p:spPr>
-        <p:txBody>
-          <a:bodyPr wrap="none">
-            <a:spAutoFit/>
-          </a:bodyPr>
-          <a:lstStyle/>
-          <a:p>
-            <a:pPr eaLnBrk="1" hangingPunct="1">
-              <a:spcBef>
-                <a:spcPct val="20000"/>
-              </a:spcBef>
-            </a:pPr>
-            <a:r>
-              <a:rPr lang="en-US" altLang="it-IT" sz="2400" dirty="0">
-                <a:solidFill>
-                  <a:srgbClr val="000000"/>
-                </a:solidFill>
-                <a:latin typeface="Garamond" panose="02020404030301010803" pitchFamily="18" charset="0"/>
-              </a:rPr>
-              <a:t>15 July 2019</a:t>
-            </a:r>
-          </a:p>
-        </p:txBody>
-      </p:sp>
-      <p:sp>
-        <p:nvSpPr>
-          <p:cNvPr id="2" name="Rettangolo 1">
-            <a:extLst>
-              <a:ext uri="{FF2B5EF4-FFF2-40B4-BE49-F238E27FC236}">
-                <a16:creationId xmlns:a16="http://schemas.microsoft.com/office/drawing/2014/main" id="{646278AD-10AD-4F4B-AB8E-3AAFDBB1E245}"/>
-              </a:ext>
-            </a:extLst>
-          </p:cNvPr>
-          <p:cNvSpPr/>
-          <p:nvPr/>
-        </p:nvSpPr>
-        <p:spPr>
-          <a:xfrm>
-            <a:off x="221671" y="3258711"/>
-            <a:ext cx="8486393" cy="2733056"/>
-          </a:xfrm>
-          <a:prstGeom prst="rect">
-            <a:avLst/>
-          </a:prstGeom>
-        </p:spPr>
-        <p:txBody>
-          <a:bodyPr wrap="square">
-            <a:spAutoFit/>
-          </a:bodyPr>
-          <a:lstStyle/>
-          <a:p>
-            <a:pPr eaLnBrk="1" hangingPunct="1">
-              <a:spcBef>
-                <a:spcPct val="20000"/>
-              </a:spcBef>
-            </a:pPr>
-            <a:r>
-              <a:rPr lang="en-US" altLang="it-IT" sz="2200" dirty="0">
-                <a:solidFill>
-                  <a:srgbClr val="000000"/>
-                </a:solidFill>
-                <a:latin typeface="Garamond" panose="02020404030301010803" pitchFamily="18" charset="0"/>
-              </a:rPr>
-              <a:t>Our solution is </a:t>
-            </a:r>
-            <a:r>
-              <a:rPr lang="en-US" altLang="it-IT" sz="2200" b="1" dirty="0">
-                <a:solidFill>
-                  <a:srgbClr val="000000"/>
-                </a:solidFill>
-                <a:latin typeface="Garamond" panose="02020404030301010803" pitchFamily="18" charset="0"/>
-              </a:rPr>
-              <a:t>based</a:t>
-            </a:r>
-            <a:r>
-              <a:rPr lang="en-US" altLang="it-IT" sz="2200" dirty="0">
-                <a:solidFill>
-                  <a:srgbClr val="000000"/>
-                </a:solidFill>
-                <a:latin typeface="Garamond" panose="02020404030301010803" pitchFamily="18" charset="0"/>
-              </a:rPr>
-              <a:t> on the </a:t>
-            </a:r>
-            <a:r>
-              <a:rPr lang="en-US" altLang="it-IT" sz="2200" b="1" dirty="0">
-                <a:solidFill>
-                  <a:srgbClr val="000000"/>
-                </a:solidFill>
-                <a:latin typeface="Garamond" panose="02020404030301010803" pitchFamily="18" charset="0"/>
-              </a:rPr>
-              <a:t>classification of</a:t>
-            </a:r>
-            <a:r>
-              <a:rPr lang="en-US" altLang="it-IT" sz="2200" dirty="0">
-                <a:solidFill>
-                  <a:srgbClr val="000000"/>
-                </a:solidFill>
-                <a:latin typeface="Garamond" panose="02020404030301010803" pitchFamily="18" charset="0"/>
-              </a:rPr>
-              <a:t> Magnetic </a:t>
-            </a:r>
-            <a:r>
-              <a:rPr lang="en-US" altLang="it-IT" sz="2200" b="1" dirty="0">
-                <a:solidFill>
-                  <a:srgbClr val="000000"/>
-                </a:solidFill>
-                <a:latin typeface="Garamond" panose="02020404030301010803" pitchFamily="18" charset="0"/>
-              </a:rPr>
-              <a:t>Resonance</a:t>
-            </a:r>
-            <a:r>
-              <a:rPr lang="en-US" altLang="it-IT" sz="2200" dirty="0">
-                <a:solidFill>
-                  <a:srgbClr val="000000"/>
-                </a:solidFill>
-                <a:latin typeface="Garamond" panose="02020404030301010803" pitchFamily="18" charset="0"/>
-              </a:rPr>
-              <a:t> scans (MRI) </a:t>
-            </a:r>
-            <a:r>
-              <a:rPr lang="en-US" altLang="it-IT" sz="2200" b="1" dirty="0">
-                <a:solidFill>
-                  <a:srgbClr val="000000"/>
-                </a:solidFill>
-                <a:latin typeface="Garamond" panose="02020404030301010803" pitchFamily="18" charset="0"/>
-              </a:rPr>
-              <a:t>with</a:t>
-            </a:r>
-            <a:r>
-              <a:rPr lang="en-US" altLang="it-IT" sz="2200" dirty="0">
-                <a:solidFill>
-                  <a:srgbClr val="000000"/>
-                </a:solidFill>
-                <a:latin typeface="Garamond" panose="02020404030301010803" pitchFamily="18" charset="0"/>
-              </a:rPr>
-              <a:t> </a:t>
-            </a:r>
-            <a:r>
-              <a:rPr lang="en-US" altLang="it-IT" sz="2200" b="1" dirty="0">
-                <a:solidFill>
-                  <a:srgbClr val="000000"/>
-                </a:solidFill>
-                <a:latin typeface="Garamond" panose="02020404030301010803" pitchFamily="18" charset="0"/>
-              </a:rPr>
-              <a:t>DeepLearning Algorithms. </a:t>
-            </a:r>
-            <a:r>
-              <a:rPr lang="en-US" altLang="it-IT" sz="2200" dirty="0">
-                <a:solidFill>
-                  <a:srgbClr val="000000"/>
-                </a:solidFill>
-                <a:latin typeface="Garamond" panose="02020404030301010803" pitchFamily="18" charset="0"/>
-              </a:rPr>
-              <a:t>Not Invasive, not dangerous</a:t>
-            </a:r>
-          </a:p>
-          <a:p>
-            <a:pPr eaLnBrk="1" hangingPunct="1">
-              <a:spcBef>
-                <a:spcPct val="20000"/>
-              </a:spcBef>
-            </a:pPr>
-            <a:r>
-              <a:rPr lang="en-US" altLang="it-IT" sz="2200" dirty="0">
-                <a:solidFill>
-                  <a:srgbClr val="000000"/>
-                </a:solidFill>
-                <a:latin typeface="Garamond" panose="02020404030301010803" pitchFamily="18" charset="0"/>
-              </a:rPr>
-              <a:t>Particularly our approach consist in solving </a:t>
-            </a:r>
-            <a:r>
-              <a:rPr lang="en-US" altLang="it-IT" sz="2200" b="1" dirty="0">
-                <a:solidFill>
-                  <a:srgbClr val="000000"/>
-                </a:solidFill>
-                <a:latin typeface="Garamond" panose="02020404030301010803" pitchFamily="18" charset="0"/>
-              </a:rPr>
-              <a:t>three binary classification problems</a:t>
-            </a:r>
-            <a:r>
-              <a:rPr lang="en-US" altLang="it-IT" sz="2200" dirty="0">
-                <a:solidFill>
-                  <a:srgbClr val="000000"/>
-                </a:solidFill>
-                <a:latin typeface="Garamond" panose="02020404030301010803" pitchFamily="18" charset="0"/>
-              </a:rPr>
-              <a:t>:</a:t>
-            </a:r>
-          </a:p>
-          <a:p>
-            <a:pPr marL="285750" indent="-285750" eaLnBrk="1" hangingPunct="1">
-              <a:spcBef>
-                <a:spcPct val="20000"/>
-              </a:spcBef>
-              <a:buFont typeface="Arial" panose="020B0604020202020204" pitchFamily="34" charset="0"/>
-              <a:buChar char="•"/>
-            </a:pPr>
-            <a:r>
-              <a:rPr lang="en-US" altLang="it-IT" sz="2200" dirty="0">
-                <a:solidFill>
-                  <a:srgbClr val="000000"/>
-                </a:solidFill>
-                <a:latin typeface="Garamond" panose="02020404030301010803" pitchFamily="18" charset="0"/>
-              </a:rPr>
-              <a:t>CN vs AD</a:t>
-            </a:r>
-          </a:p>
-          <a:p>
-            <a:pPr marL="285750" indent="-285750" eaLnBrk="1" hangingPunct="1">
-              <a:spcBef>
-                <a:spcPct val="20000"/>
-              </a:spcBef>
-              <a:buFont typeface="Arial" panose="020B0604020202020204" pitchFamily="34" charset="0"/>
-              <a:buChar char="•"/>
-            </a:pPr>
-            <a:r>
-              <a:rPr lang="en-US" altLang="it-IT" sz="2200" dirty="0">
-                <a:solidFill>
-                  <a:srgbClr val="000000"/>
-                </a:solidFill>
-                <a:latin typeface="Garamond" panose="02020404030301010803" pitchFamily="18" charset="0"/>
-              </a:rPr>
-              <a:t>CN vs </a:t>
-            </a:r>
-            <a:r>
-              <a:rPr lang="en-US" altLang="it-IT" sz="2200" dirty="0" err="1">
-                <a:solidFill>
-                  <a:srgbClr val="000000"/>
-                </a:solidFill>
-                <a:latin typeface="Garamond" panose="02020404030301010803" pitchFamily="18" charset="0"/>
-              </a:rPr>
-              <a:t>MCIc</a:t>
-            </a:r>
-            <a:endParaRPr lang="en-US" altLang="it-IT" sz="2200" dirty="0">
-              <a:solidFill>
-                <a:srgbClr val="000000"/>
-              </a:solidFill>
-              <a:latin typeface="Garamond" panose="02020404030301010803" pitchFamily="18" charset="0"/>
-            </a:endParaRPr>
-          </a:p>
-          <a:p>
-            <a:pPr marL="285750" indent="-285750" eaLnBrk="1" hangingPunct="1">
-              <a:spcBef>
-                <a:spcPct val="20000"/>
-              </a:spcBef>
-              <a:buFont typeface="Arial" panose="020B0604020202020204" pitchFamily="34" charset="0"/>
-              <a:buChar char="•"/>
-            </a:pPr>
-            <a:r>
-              <a:rPr lang="en-US" altLang="it-IT" sz="2200" dirty="0" err="1">
-                <a:solidFill>
-                  <a:srgbClr val="000000"/>
-                </a:solidFill>
-                <a:latin typeface="Garamond" panose="02020404030301010803" pitchFamily="18" charset="0"/>
-              </a:rPr>
-              <a:t>MCInc</a:t>
-            </a:r>
-            <a:r>
-              <a:rPr lang="en-US" altLang="it-IT" sz="2200" dirty="0">
-                <a:solidFill>
-                  <a:srgbClr val="000000"/>
-                </a:solidFill>
-                <a:latin typeface="Garamond" panose="02020404030301010803" pitchFamily="18" charset="0"/>
-              </a:rPr>
-              <a:t> vs </a:t>
-            </a:r>
-            <a:r>
-              <a:rPr lang="en-US" altLang="it-IT" sz="2200" dirty="0" err="1">
-                <a:solidFill>
-                  <a:srgbClr val="000000"/>
-                </a:solidFill>
-                <a:latin typeface="Garamond" panose="02020404030301010803" pitchFamily="18" charset="0"/>
-              </a:rPr>
-              <a:t>MCIc</a:t>
-            </a:r>
-            <a:endParaRPr lang="en-US" altLang="it-IT" sz="2200" dirty="0">
-              <a:solidFill>
-                <a:srgbClr val="000000"/>
-              </a:solidFill>
-              <a:latin typeface="Garamond" panose="02020404030301010803" pitchFamily="18" charset="0"/>
-            </a:endParaRPr>
+            <a:fld id="{7A1D8CC2-AC32-48BF-A9F5-B79D7A95954F}" type="slidenum">
+              <a:rPr lang="en-US" altLang="it-IT" smtClean="0"/>
+              <a:pPr/>
+              <a:t>4</a:t>
+            </a:fld>
+            <a:endParaRPr lang="en-US" altLang="it-IT" dirty="0"/>
           </a:p>
         </p:txBody>
       </p:sp>
     </p:spTree>
     <p:extLst>
       <p:ext uri="{BB962C8B-B14F-4D97-AF65-F5344CB8AC3E}">
-        <p14:creationId xmlns:p14="http://schemas.microsoft.com/office/powerpoint/2010/main" val="997711018"/>
+        <p14:creationId xmlns:p14="http://schemas.microsoft.com/office/powerpoint/2010/main" val="2390404927"/>
       </p:ext>
     </p:extLst>
   </p:cSld>
@@ -11607,7 +9484,7 @@
         </p:nvSpPr>
         <p:spPr bwMode="auto">
           <a:xfrm>
-            <a:off x="15875" y="1"/>
+            <a:off x="15875" y="165692"/>
             <a:ext cx="8842375" cy="1016000"/>
           </a:xfrm>
           <a:prstGeom prst="rect">
@@ -11748,528 +9625,488 @@
           </a:lstStyle>
           <a:p>
             <a:r>
-              <a:rPr lang="en-US" altLang="it-IT" sz="6000" dirty="0">
+              <a:rPr lang="en-US" altLang="it-IT" sz="3600" dirty="0">
                 <a:solidFill>
                   <a:srgbClr val="FFFFFF"/>
                 </a:solidFill>
                 <a:latin typeface="Tw Cen MT" panose="020B0602020104020603" pitchFamily="34" charset="0"/>
               </a:rPr>
-              <a:t>Why DeepLearning?</a:t>
-            </a:r>
-          </a:p>
-        </p:txBody>
-      </p:sp>
-      <p:sp>
-        <p:nvSpPr>
-          <p:cNvPr id="13" name="Rettangolo 12">
-            <a:extLst>
-              <a:ext uri="{FF2B5EF4-FFF2-40B4-BE49-F238E27FC236}">
-                <a16:creationId xmlns:a16="http://schemas.microsoft.com/office/drawing/2014/main" id="{1B3E0C32-1984-4560-966F-A08D7A1991F2}"/>
-              </a:ext>
-            </a:extLst>
-          </p:cNvPr>
-          <p:cNvSpPr/>
+              <a:t>PPIN: </a:t>
+            </a:r>
+            <a:r>
+              <a:rPr lang="en-US" altLang="it-IT" sz="3600" dirty="0" err="1">
+                <a:solidFill>
+                  <a:srgbClr val="FFFFFF"/>
+                </a:solidFill>
+                <a:latin typeface="Tw Cen MT" panose="020B0602020104020603" pitchFamily="34" charset="0"/>
+              </a:rPr>
+              <a:t>proprietà</a:t>
+            </a:r>
+            <a:r>
+              <a:rPr lang="en-US" altLang="it-IT" sz="3600" dirty="0">
+                <a:solidFill>
+                  <a:srgbClr val="FFFFFF"/>
+                </a:solidFill>
+                <a:latin typeface="Tw Cen MT" panose="020B0602020104020603" pitchFamily="34" charset="0"/>
+              </a:rPr>
+              <a:t> </a:t>
+            </a:r>
+            <a:r>
+              <a:rPr lang="en-US" altLang="it-IT" sz="3600" dirty="0" err="1">
+                <a:solidFill>
+                  <a:srgbClr val="FFFFFF"/>
+                </a:solidFill>
+                <a:latin typeface="Tw Cen MT" panose="020B0602020104020603" pitchFamily="34" charset="0"/>
+              </a:rPr>
+              <a:t>fondamentali</a:t>
+            </a:r>
+            <a:endParaRPr lang="en-US" altLang="it-IT" sz="3600" dirty="0">
+              <a:solidFill>
+                <a:srgbClr val="FFFFFF"/>
+              </a:solidFill>
+              <a:latin typeface="Tw Cen MT" panose="020B0602020104020603" pitchFamily="34" charset="0"/>
+            </a:endParaRPr>
+          </a:p>
+        </p:txBody>
+      </p:sp>
+      <p:pic>
+        <p:nvPicPr>
+          <p:cNvPr id="9" name="Immagine 8" descr="Immagine che contiene testo, mappa&#10;&#10;Descrizione generata automaticamente">
+            <a:extLst>
+              <a:ext uri="{FF2B5EF4-FFF2-40B4-BE49-F238E27FC236}">
+                <a16:creationId xmlns:a16="http://schemas.microsoft.com/office/drawing/2014/main" id="{03D52111-B26B-424E-A73E-9326ED082968}"/>
+              </a:ext>
+            </a:extLst>
+          </p:cNvPr>
+          <p:cNvPicPr>
+            <a:picLocks noChangeAspect="1"/>
+          </p:cNvPicPr>
           <p:nvPr/>
-        </p:nvSpPr>
+        </p:nvPicPr>
+        <p:blipFill>
+          <a:blip r:embed="rId2"/>
+          <a:stretch>
+            <a:fillRect/>
+          </a:stretch>
+        </p:blipFill>
         <p:spPr>
           <a:xfrm>
-            <a:off x="0" y="6408477"/>
-            <a:ext cx="2175339" cy="461665"/>
+            <a:off x="6620206" y="4406615"/>
+            <a:ext cx="2523794" cy="2019035"/>
           </a:xfrm>
           <a:prstGeom prst="rect">
             <a:avLst/>
           </a:prstGeom>
         </p:spPr>
-        <p:txBody>
-          <a:bodyPr wrap="none">
-            <a:spAutoFit/>
-          </a:bodyPr>
-          <a:lstStyle/>
-          <a:p>
-            <a:pPr eaLnBrk="1" hangingPunct="1">
-              <a:spcBef>
-                <a:spcPct val="20000"/>
-              </a:spcBef>
-            </a:pPr>
-            <a:r>
-              <a:rPr lang="en-US" altLang="it-IT" sz="2400" dirty="0">
-                <a:solidFill>
-                  <a:srgbClr val="000000"/>
-                </a:solidFill>
-                <a:latin typeface="Garamond" panose="02020404030301010803" pitchFamily="18" charset="0"/>
-              </a:rPr>
-              <a:t>Ivancich Stefano</a:t>
-            </a:r>
-          </a:p>
-        </p:txBody>
-      </p:sp>
-      <p:sp>
-        <p:nvSpPr>
-          <p:cNvPr id="14" name="Rettangolo 13">
-            <a:extLst>
-              <a:ext uri="{FF2B5EF4-FFF2-40B4-BE49-F238E27FC236}">
-                <a16:creationId xmlns:a16="http://schemas.microsoft.com/office/drawing/2014/main" id="{E8459245-DDCF-4A55-8FE9-5CF48972E537}"/>
-              </a:ext>
-            </a:extLst>
-          </p:cNvPr>
-          <p:cNvSpPr/>
+      </p:pic>
+      <p:pic>
+        <p:nvPicPr>
+          <p:cNvPr id="11" name="Immagine 10">
+            <a:extLst>
+              <a:ext uri="{FF2B5EF4-FFF2-40B4-BE49-F238E27FC236}">
+                <a16:creationId xmlns:a16="http://schemas.microsoft.com/office/drawing/2014/main" id="{2FD458F3-0ECF-4A06-965A-82268F9BC3BC}"/>
+              </a:ext>
+            </a:extLst>
+          </p:cNvPr>
+          <p:cNvPicPr>
+            <a:picLocks noChangeAspect="1"/>
+          </p:cNvPicPr>
           <p:nvPr/>
-        </p:nvSpPr>
+        </p:nvPicPr>
+        <p:blipFill>
+          <a:blip r:embed="rId3"/>
+          <a:stretch>
+            <a:fillRect/>
+          </a:stretch>
+        </p:blipFill>
         <p:spPr>
           <a:xfrm>
-            <a:off x="8815064" y="6420771"/>
-            <a:ext cx="328936" cy="461665"/>
+            <a:off x="0" y="2609208"/>
+            <a:ext cx="3810000" cy="2215243"/>
           </a:xfrm>
           <a:prstGeom prst="rect">
             <a:avLst/>
           </a:prstGeom>
         </p:spPr>
-        <p:txBody>
-          <a:bodyPr wrap="none">
-            <a:spAutoFit/>
-          </a:bodyPr>
-          <a:lstStyle/>
-          <a:p>
-            <a:pPr eaLnBrk="1" hangingPunct="1">
-              <a:spcBef>
-                <a:spcPct val="20000"/>
-              </a:spcBef>
-            </a:pPr>
-            <a:r>
-              <a:rPr lang="en-US" altLang="it-IT" sz="2400" dirty="0">
-                <a:solidFill>
-                  <a:srgbClr val="000000"/>
-                </a:solidFill>
-                <a:latin typeface="Garamond" panose="02020404030301010803" pitchFamily="18" charset="0"/>
-              </a:rPr>
-              <a:t>4</a:t>
-            </a:r>
-          </a:p>
-        </p:txBody>
-      </p:sp>
-      <p:sp>
-        <p:nvSpPr>
-          <p:cNvPr id="15" name="Rettangolo 14">
-            <a:extLst>
-              <a:ext uri="{FF2B5EF4-FFF2-40B4-BE49-F238E27FC236}">
-                <a16:creationId xmlns:a16="http://schemas.microsoft.com/office/drawing/2014/main" id="{CDC0EA93-AE21-4D2B-BBA9-8CFFCDEC2B60}"/>
-              </a:ext>
-            </a:extLst>
-          </p:cNvPr>
-          <p:cNvSpPr/>
+      </p:pic>
+      <p:pic>
+        <p:nvPicPr>
+          <p:cNvPr id="16" name="Immagine 15">
+            <a:extLst>
+              <a:ext uri="{FF2B5EF4-FFF2-40B4-BE49-F238E27FC236}">
+                <a16:creationId xmlns:a16="http://schemas.microsoft.com/office/drawing/2014/main" id="{7F6F214F-5CE3-4C7A-B8BD-AB44A2E33897}"/>
+              </a:ext>
+            </a:extLst>
+          </p:cNvPr>
+          <p:cNvPicPr>
+            <a:picLocks noChangeAspect="1"/>
+          </p:cNvPicPr>
           <p:nvPr/>
-        </p:nvSpPr>
+        </p:nvPicPr>
+        <p:blipFill>
+          <a:blip r:embed="rId4"/>
+          <a:stretch>
+            <a:fillRect/>
+          </a:stretch>
+        </p:blipFill>
         <p:spPr>
           <a:xfrm>
-            <a:off x="3747735" y="6420772"/>
-            <a:ext cx="1648528" cy="461665"/>
+            <a:off x="6409011" y="1037478"/>
+            <a:ext cx="1830133" cy="1706599"/>
           </a:xfrm>
           <a:prstGeom prst="rect">
             <a:avLst/>
           </a:prstGeom>
         </p:spPr>
-        <p:txBody>
-          <a:bodyPr wrap="none">
-            <a:spAutoFit/>
-          </a:bodyPr>
-          <a:lstStyle/>
-          <a:p>
-            <a:pPr eaLnBrk="1" hangingPunct="1">
-              <a:spcBef>
-                <a:spcPct val="20000"/>
-              </a:spcBef>
-            </a:pPr>
-            <a:r>
-              <a:rPr lang="en-US" altLang="it-IT" sz="2400" dirty="0">
-                <a:solidFill>
-                  <a:srgbClr val="000000"/>
-                </a:solidFill>
-                <a:latin typeface="Garamond" panose="02020404030301010803" pitchFamily="18" charset="0"/>
-              </a:rPr>
-              <a:t>15 July 2019</a:t>
-            </a:r>
-          </a:p>
-        </p:txBody>
-      </p:sp>
-      <p:sp>
-        <p:nvSpPr>
-          <p:cNvPr id="7" name="Rectangle 6">
-            <a:extLst>
-              <a:ext uri="{FF2B5EF4-FFF2-40B4-BE49-F238E27FC236}">
-                <a16:creationId xmlns:a16="http://schemas.microsoft.com/office/drawing/2014/main" id="{D1C770D5-0432-4218-8BC0-C9B6BA7FF1ED}"/>
-              </a:ext>
-            </a:extLst>
-          </p:cNvPr>
-          <p:cNvSpPr>
-            <a:spLocks noChangeArrowheads="1"/>
-          </p:cNvSpPr>
+      </p:pic>
+      <p:sp>
+        <p:nvSpPr>
+          <p:cNvPr id="17" name="CasellaDiTesto 16">
+            <a:extLst>
+              <a:ext uri="{FF2B5EF4-FFF2-40B4-BE49-F238E27FC236}">
+                <a16:creationId xmlns:a16="http://schemas.microsoft.com/office/drawing/2014/main" id="{970E5D7C-00C6-489E-A6E2-558AEE66302E}"/>
+              </a:ext>
+            </a:extLst>
+          </p:cNvPr>
+          <p:cNvSpPr txBox="1"/>
           <p:nvPr/>
         </p:nvSpPr>
-        <p:spPr bwMode="auto">
+        <p:spPr>
           <a:xfrm>
-            <a:off x="272255" y="1181692"/>
-            <a:ext cx="8599487" cy="5073389"/>
+            <a:off x="28174" y="1037478"/>
+            <a:ext cx="5277652" cy="1477328"/>
           </a:xfrm>
           <a:prstGeom prst="rect">
             <a:avLst/>
           </a:prstGeom>
           <a:noFill/>
-          <a:ln w="9525">
-            <a:noFill/>
-            <a:miter lim="800000"/>
-            <a:headEnd/>
-            <a:tailEnd/>
-          </a:ln>
-          <a:extLst>
-            <a:ext uri="{909E8E84-426E-40DD-AFC4-6F175D3DCCD1}">
-              <a14:hiddenFill xmlns:a14="http://schemas.microsoft.com/office/drawing/2010/main">
-                <a:solidFill>
-                  <a:srgbClr val="FFFFFF"/>
-                </a:solidFill>
-              </a14:hiddenFill>
-            </a:ext>
-          </a:extLst>
         </p:spPr>
         <p:txBody>
+          <a:bodyPr wrap="square" rtlCol="0">
+            <a:spAutoFit/>
+          </a:bodyPr>
+          <a:lstStyle/>
+          <a:p>
+            <a:pPr algn="just"/>
+            <a:r>
+              <a:rPr lang="it-IT" b="1" i="1" dirty="0">
+                <a:solidFill>
+                  <a:srgbClr val="00B050"/>
+                </a:solidFill>
+                <a:latin typeface="+mj-lt"/>
+              </a:rPr>
+              <a:t>Effetto del piccolo mondo </a:t>
+            </a:r>
+            <a:r>
+              <a:rPr lang="it-IT" dirty="0">
+                <a:latin typeface="+mj-lt"/>
+              </a:rPr>
+              <a:t>(derivazione dalle scienze sociali): tutte le reti complesse presenti in natura sono tali che due nodi qualsiasi possono essere collegati da un percorso costituito da un numero relativamente piccolo di collegamenti</a:t>
+            </a:r>
+            <a:endParaRPr lang="it-IT" i="1" dirty="0">
+              <a:latin typeface="+mj-lt"/>
+            </a:endParaRPr>
+          </a:p>
+        </p:txBody>
+      </p:sp>
+      <p:sp>
+        <p:nvSpPr>
+          <p:cNvPr id="18" name="CasellaDiTesto 17">
+            <a:extLst>
+              <a:ext uri="{FF2B5EF4-FFF2-40B4-BE49-F238E27FC236}">
+                <a16:creationId xmlns:a16="http://schemas.microsoft.com/office/drawing/2014/main" id="{E56E2C38-A037-4B31-95A5-4527122D18E6}"/>
+              </a:ext>
+            </a:extLst>
+          </p:cNvPr>
+          <p:cNvSpPr txBox="1"/>
+          <p:nvPr/>
+        </p:nvSpPr>
+        <p:spPr>
+          <a:xfrm>
+            <a:off x="3866348" y="2836682"/>
+            <a:ext cx="5277652" cy="923330"/>
+          </a:xfrm>
+          <a:prstGeom prst="rect">
+            <a:avLst/>
+          </a:prstGeom>
+          <a:noFill/>
+        </p:spPr>
+        <p:txBody>
+          <a:bodyPr wrap="square" rtlCol="0">
+            <a:spAutoFit/>
+          </a:bodyPr>
+          <a:lstStyle/>
+          <a:p>
+            <a:pPr algn="just"/>
+            <a:r>
+              <a:rPr lang="it-IT" b="1" i="1" dirty="0">
+                <a:solidFill>
+                  <a:srgbClr val="00B050"/>
+                </a:solidFill>
+                <a:latin typeface="+mj-lt"/>
+              </a:rPr>
+              <a:t>Scale-free networks</a:t>
+            </a:r>
+            <a:r>
+              <a:rPr lang="it-IT" i="1" dirty="0">
+                <a:latin typeface="+mj-lt"/>
+              </a:rPr>
+              <a:t>: </a:t>
+            </a:r>
+            <a:r>
+              <a:rPr lang="it-IT" dirty="0">
+                <a:latin typeface="+mj-lt"/>
+              </a:rPr>
+              <a:t>nodi con poche connessioni </a:t>
+            </a:r>
+            <a:r>
+              <a:rPr lang="it-IT" sz="1400" dirty="0">
+                <a:latin typeface="+mj-lt"/>
+              </a:rPr>
+              <a:t>vs</a:t>
+            </a:r>
+            <a:r>
+              <a:rPr lang="it-IT" dirty="0">
+                <a:latin typeface="+mj-lt"/>
+              </a:rPr>
+              <a:t> </a:t>
+            </a:r>
+            <a:r>
+              <a:rPr lang="it-IT" i="1" dirty="0">
+                <a:latin typeface="+mj-lt"/>
+              </a:rPr>
+              <a:t>hub</a:t>
+            </a:r>
+          </a:p>
+          <a:p>
+            <a:pPr algn="just"/>
+            <a:r>
+              <a:rPr lang="it-IT" sz="1400" b="1" dirty="0">
+                <a:latin typeface="+mj-lt"/>
+              </a:rPr>
+              <a:t>PAROLE CHIAVE </a:t>
+            </a:r>
+            <a:r>
+              <a:rPr lang="it-IT" dirty="0">
+                <a:solidFill>
+                  <a:srgbClr val="0070C0"/>
+                </a:solidFill>
+                <a:latin typeface="+mj-lt"/>
+              </a:rPr>
+              <a:t>scalabilità</a:t>
+            </a:r>
+            <a:r>
+              <a:rPr lang="it-IT" dirty="0">
+                <a:latin typeface="+mj-lt"/>
+              </a:rPr>
+              <a:t>, </a:t>
+            </a:r>
+            <a:r>
+              <a:rPr lang="it-IT" dirty="0">
+                <a:solidFill>
+                  <a:srgbClr val="0070C0"/>
+                </a:solidFill>
+                <a:latin typeface="+mj-lt"/>
+              </a:rPr>
+              <a:t>invarianza ai cambiamenti di</a:t>
+            </a:r>
+            <a:r>
+              <a:rPr lang="it-IT" dirty="0">
+                <a:latin typeface="+mj-lt"/>
+              </a:rPr>
+              <a:t> </a:t>
+            </a:r>
+            <a:r>
+              <a:rPr lang="it-IT" dirty="0">
+                <a:solidFill>
+                  <a:srgbClr val="0070C0"/>
+                </a:solidFill>
+                <a:latin typeface="+mj-lt"/>
+              </a:rPr>
+              <a:t>scala</a:t>
+            </a:r>
+            <a:r>
+              <a:rPr lang="it-IT" dirty="0">
+                <a:latin typeface="+mj-lt"/>
+              </a:rPr>
+              <a:t>, </a:t>
+            </a:r>
+            <a:r>
+              <a:rPr lang="it-IT" dirty="0">
+                <a:solidFill>
+                  <a:srgbClr val="0070C0"/>
+                </a:solidFill>
+                <a:latin typeface="+mj-lt"/>
+              </a:rPr>
+              <a:t>vulnerabilità</a:t>
+            </a:r>
+            <a:r>
+              <a:rPr lang="it-IT" dirty="0">
+                <a:latin typeface="+mj-lt"/>
+              </a:rPr>
+              <a:t> </a:t>
+            </a:r>
+            <a:r>
+              <a:rPr lang="it-IT" dirty="0">
+                <a:solidFill>
+                  <a:srgbClr val="0070C0"/>
+                </a:solidFill>
+                <a:latin typeface="+mj-lt"/>
+              </a:rPr>
+              <a:t>agli</a:t>
+            </a:r>
+            <a:r>
+              <a:rPr lang="it-IT" dirty="0">
+                <a:latin typeface="+mj-lt"/>
+              </a:rPr>
+              <a:t> </a:t>
+            </a:r>
+            <a:r>
+              <a:rPr lang="it-IT" dirty="0">
+                <a:solidFill>
+                  <a:srgbClr val="0070C0"/>
+                </a:solidFill>
+                <a:latin typeface="+mj-lt"/>
+              </a:rPr>
+              <a:t>attacchi</a:t>
+            </a:r>
+            <a:r>
+              <a:rPr lang="it-IT" dirty="0">
+                <a:latin typeface="+mj-lt"/>
+              </a:rPr>
+              <a:t> </a:t>
+            </a:r>
+            <a:r>
+              <a:rPr lang="it-IT" dirty="0">
+                <a:solidFill>
+                  <a:srgbClr val="0070C0"/>
+                </a:solidFill>
+                <a:latin typeface="+mj-lt"/>
+              </a:rPr>
+              <a:t>mirati</a:t>
+            </a:r>
+            <a:endParaRPr lang="it-IT" sz="1400" b="1" dirty="0">
+              <a:solidFill>
+                <a:srgbClr val="0070C0"/>
+              </a:solidFill>
+              <a:latin typeface="+mj-lt"/>
+            </a:endParaRPr>
+          </a:p>
+        </p:txBody>
+      </p:sp>
+      <p:sp>
+        <p:nvSpPr>
+          <p:cNvPr id="19" name="CasellaDiTesto 18">
+            <a:extLst>
+              <a:ext uri="{FF2B5EF4-FFF2-40B4-BE49-F238E27FC236}">
+                <a16:creationId xmlns:a16="http://schemas.microsoft.com/office/drawing/2014/main" id="{C982C612-5F24-44C0-8EA1-CED44788FEB3}"/>
+              </a:ext>
+            </a:extLst>
+          </p:cNvPr>
+          <p:cNvSpPr txBox="1"/>
+          <p:nvPr/>
+        </p:nvSpPr>
+        <p:spPr>
+          <a:xfrm>
+            <a:off x="-62549" y="4888871"/>
+            <a:ext cx="5277652" cy="369332"/>
+          </a:xfrm>
+          <a:prstGeom prst="rect">
+            <a:avLst/>
+          </a:prstGeom>
+          <a:noFill/>
+        </p:spPr>
+        <p:txBody>
+          <a:bodyPr wrap="square" rtlCol="0">
+            <a:spAutoFit/>
+          </a:bodyPr>
+          <a:lstStyle/>
+          <a:p>
+            <a:pPr algn="just"/>
+            <a:r>
+              <a:rPr lang="it-IT" b="1" i="1" dirty="0">
+                <a:solidFill>
+                  <a:srgbClr val="00B050"/>
+                </a:solidFill>
+                <a:latin typeface="+mj-lt"/>
+              </a:rPr>
+              <a:t>Transitività</a:t>
+            </a:r>
+            <a:r>
+              <a:rPr lang="it-IT" i="1" dirty="0">
+                <a:latin typeface="+mj-lt"/>
+              </a:rPr>
+              <a:t>:</a:t>
+            </a:r>
+          </a:p>
+        </p:txBody>
+      </p:sp>
+      <p:sp>
+        <p:nvSpPr>
+          <p:cNvPr id="21" name="Segnaposto piè di pagina 20">
+            <a:extLst>
+              <a:ext uri="{FF2B5EF4-FFF2-40B4-BE49-F238E27FC236}">
+                <a16:creationId xmlns:a16="http://schemas.microsoft.com/office/drawing/2014/main" id="{29AE0FE3-D393-4D30-9CB0-48C360ED14F9}"/>
+              </a:ext>
+            </a:extLst>
+          </p:cNvPr>
+          <p:cNvSpPr>
+            <a:spLocks noGrp="1"/>
+          </p:cNvSpPr>
+          <p:nvPr>
+            <p:ph type="ftr" sz="quarter" idx="11"/>
+          </p:nvPr>
+        </p:nvSpPr>
+        <p:spPr/>
+        <p:txBody>
           <a:bodyPr/>
-          <a:lstStyle>
-            <a:lvl1pPr eaLnBrk="0" hangingPunct="0">
-              <a:defRPr sz="2400">
-                <a:solidFill>
-                  <a:schemeClr val="tx1"/>
-                </a:solidFill>
-                <a:latin typeface="Arial" panose="020B0604020202020204" pitchFamily="34" charset="0"/>
-                <a:ea typeface="MS PGothic" panose="020B0600070205080204" pitchFamily="34" charset="-128"/>
-              </a:defRPr>
-            </a:lvl1pPr>
-            <a:lvl2pPr marL="742950" indent="-285750" eaLnBrk="0" hangingPunct="0">
-              <a:defRPr sz="2400">
-                <a:solidFill>
-                  <a:schemeClr val="tx1"/>
-                </a:solidFill>
-                <a:latin typeface="Arial" panose="020B0604020202020204" pitchFamily="34" charset="0"/>
-                <a:ea typeface="MS PGothic" panose="020B0600070205080204" pitchFamily="34" charset="-128"/>
-              </a:defRPr>
-            </a:lvl2pPr>
-            <a:lvl3pPr marL="1143000" indent="-228600" eaLnBrk="0" hangingPunct="0">
-              <a:defRPr sz="2400">
-                <a:solidFill>
-                  <a:schemeClr val="tx1"/>
-                </a:solidFill>
-                <a:latin typeface="Arial" panose="020B0604020202020204" pitchFamily="34" charset="0"/>
-                <a:ea typeface="MS PGothic" panose="020B0600070205080204" pitchFamily="34" charset="-128"/>
-              </a:defRPr>
-            </a:lvl3pPr>
-            <a:lvl4pPr marL="1600200" indent="-228600" eaLnBrk="0" hangingPunct="0">
-              <a:defRPr sz="2400">
-                <a:solidFill>
-                  <a:schemeClr val="tx1"/>
-                </a:solidFill>
-                <a:latin typeface="Arial" panose="020B0604020202020204" pitchFamily="34" charset="0"/>
-                <a:ea typeface="MS PGothic" panose="020B0600070205080204" pitchFamily="34" charset="-128"/>
-              </a:defRPr>
-            </a:lvl4pPr>
-            <a:lvl5pPr marL="2057400" indent="-228600" eaLnBrk="0" hangingPunct="0">
-              <a:defRPr sz="2400">
-                <a:solidFill>
-                  <a:schemeClr val="tx1"/>
-                </a:solidFill>
-                <a:latin typeface="Arial" panose="020B0604020202020204" pitchFamily="34" charset="0"/>
-                <a:ea typeface="MS PGothic" panose="020B0600070205080204" pitchFamily="34" charset="-128"/>
-              </a:defRPr>
-            </a:lvl5pPr>
-            <a:lvl6pPr marL="2514600" indent="-228600" defTabSz="457200" eaLnBrk="0" fontAlgn="base" hangingPunct="0">
-              <a:spcBef>
-                <a:spcPct val="0"/>
-              </a:spcBef>
-              <a:spcAft>
-                <a:spcPct val="0"/>
-              </a:spcAft>
-              <a:defRPr sz="2400">
-                <a:solidFill>
-                  <a:schemeClr val="tx1"/>
-                </a:solidFill>
-                <a:latin typeface="Arial" panose="020B0604020202020204" pitchFamily="34" charset="0"/>
-                <a:ea typeface="MS PGothic" panose="020B0600070205080204" pitchFamily="34" charset="-128"/>
-              </a:defRPr>
-            </a:lvl6pPr>
-            <a:lvl7pPr marL="2971800" indent="-228600" defTabSz="457200" eaLnBrk="0" fontAlgn="base" hangingPunct="0">
-              <a:spcBef>
-                <a:spcPct val="0"/>
-              </a:spcBef>
-              <a:spcAft>
-                <a:spcPct val="0"/>
-              </a:spcAft>
-              <a:defRPr sz="2400">
-                <a:solidFill>
-                  <a:schemeClr val="tx1"/>
-                </a:solidFill>
-                <a:latin typeface="Arial" panose="020B0604020202020204" pitchFamily="34" charset="0"/>
-                <a:ea typeface="MS PGothic" panose="020B0600070205080204" pitchFamily="34" charset="-128"/>
-              </a:defRPr>
-            </a:lvl7pPr>
-            <a:lvl8pPr marL="3429000" indent="-228600" defTabSz="457200" eaLnBrk="0" fontAlgn="base" hangingPunct="0">
-              <a:spcBef>
-                <a:spcPct val="0"/>
-              </a:spcBef>
-              <a:spcAft>
-                <a:spcPct val="0"/>
-              </a:spcAft>
-              <a:defRPr sz="2400">
-                <a:solidFill>
-                  <a:schemeClr val="tx1"/>
-                </a:solidFill>
-                <a:latin typeface="Arial" panose="020B0604020202020204" pitchFamily="34" charset="0"/>
-                <a:ea typeface="MS PGothic" panose="020B0600070205080204" pitchFamily="34" charset="-128"/>
-              </a:defRPr>
-            </a:lvl8pPr>
-            <a:lvl9pPr marL="3886200" indent="-228600" defTabSz="457200" eaLnBrk="0" fontAlgn="base" hangingPunct="0">
-              <a:spcBef>
-                <a:spcPct val="0"/>
-              </a:spcBef>
-              <a:spcAft>
-                <a:spcPct val="0"/>
-              </a:spcAft>
-              <a:defRPr sz="2400">
-                <a:solidFill>
-                  <a:schemeClr val="tx1"/>
-                </a:solidFill>
-                <a:latin typeface="Arial" panose="020B0604020202020204" pitchFamily="34" charset="0"/>
-                <a:ea typeface="MS PGothic" panose="020B0600070205080204" pitchFamily="34" charset="-128"/>
-              </a:defRPr>
-            </a:lvl9pPr>
-          </a:lstStyle>
-          <a:p>
-            <a:pPr eaLnBrk="1" hangingPunct="1">
-              <a:spcBef>
-                <a:spcPct val="20000"/>
-              </a:spcBef>
+          <a:lstStyle/>
+          <a:p>
+            <a:pPr>
+              <a:defRPr/>
             </a:pPr>
             <a:r>
-              <a:rPr lang="en-US" altLang="it-IT" sz="2200" dirty="0">
-                <a:solidFill>
-                  <a:srgbClr val="000000"/>
-                </a:solidFill>
-                <a:latin typeface="Garamond" panose="02020404030301010803" pitchFamily="18" charset="0"/>
-              </a:rPr>
-              <a:t>Nowadays, deep learning is becoming a leading machine-learning tool in the general imaging and computer vision domains. In particular, </a:t>
-            </a:r>
-            <a:r>
-              <a:rPr lang="en-US" altLang="it-IT" sz="2200" b="1" dirty="0">
-                <a:solidFill>
-                  <a:srgbClr val="000000"/>
-                </a:solidFill>
-                <a:latin typeface="Garamond" panose="02020404030301010803" pitchFamily="18" charset="0"/>
-              </a:rPr>
-              <a:t>convolutional neural networks (CNNs) </a:t>
-            </a:r>
-            <a:r>
-              <a:rPr lang="en-US" altLang="it-IT" sz="2200" dirty="0">
-                <a:solidFill>
-                  <a:srgbClr val="000000"/>
-                </a:solidFill>
-                <a:latin typeface="Garamond" panose="02020404030301010803" pitchFamily="18" charset="0"/>
-              </a:rPr>
-              <a:t>have presented </a:t>
-            </a:r>
-            <a:r>
-              <a:rPr lang="en-US" altLang="it-IT" sz="2200" b="1" dirty="0">
-                <a:solidFill>
-                  <a:srgbClr val="000000"/>
-                </a:solidFill>
-                <a:latin typeface="Garamond" panose="02020404030301010803" pitchFamily="18" charset="0"/>
-              </a:rPr>
-              <a:t>outstanding</a:t>
-            </a:r>
-            <a:r>
-              <a:rPr lang="en-US" altLang="it-IT" sz="2200" dirty="0">
-                <a:solidFill>
-                  <a:srgbClr val="000000"/>
-                </a:solidFill>
-                <a:latin typeface="Garamond" panose="02020404030301010803" pitchFamily="18" charset="0"/>
-              </a:rPr>
-              <a:t> effectiveness on </a:t>
-            </a:r>
-            <a:r>
-              <a:rPr lang="en-US" altLang="it-IT" sz="2200" b="1" dirty="0">
-                <a:solidFill>
-                  <a:srgbClr val="000000"/>
-                </a:solidFill>
-                <a:latin typeface="Garamond" panose="02020404030301010803" pitchFamily="18" charset="0"/>
-              </a:rPr>
-              <a:t>medical image computing problems</a:t>
-            </a:r>
-            <a:r>
-              <a:rPr lang="en-US" altLang="it-IT" sz="2200" dirty="0">
-                <a:solidFill>
-                  <a:srgbClr val="000000"/>
-                </a:solidFill>
-                <a:latin typeface="Garamond" panose="02020404030301010803" pitchFamily="18" charset="0"/>
-              </a:rPr>
-              <a:t>. Some examples:</a:t>
-            </a:r>
-          </a:p>
-          <a:p>
-            <a:pPr marL="342900" indent="-342900" eaLnBrk="1" hangingPunct="1">
-              <a:spcBef>
-                <a:spcPct val="20000"/>
-              </a:spcBef>
-              <a:buFont typeface="Arial" panose="020B0604020202020204" pitchFamily="34" charset="0"/>
-              <a:buChar char="•"/>
-            </a:pPr>
-            <a:r>
-              <a:rPr lang="en-US" altLang="it-IT" sz="1800" dirty="0">
-                <a:solidFill>
-                  <a:srgbClr val="000000"/>
-                </a:solidFill>
-                <a:latin typeface="Garamond" panose="02020404030301010803" pitchFamily="18" charset="0"/>
-              </a:rPr>
-              <a:t>Prof. Greenspan, Tel Aviv University, Israel: employed CNN to improve three existing CAD systems for the recognition of colonic polyps on CT colonography, sclerotic spine metastases on body CT and enlarged lymph nodes on body CT.</a:t>
-            </a:r>
-          </a:p>
-          <a:p>
-            <a:pPr marL="342900" indent="-342900" eaLnBrk="1" hangingPunct="1">
-              <a:spcBef>
-                <a:spcPct val="20000"/>
-              </a:spcBef>
-              <a:buFont typeface="Arial" panose="020B0604020202020204" pitchFamily="34" charset="0"/>
-              <a:buChar char="•"/>
-            </a:pPr>
-            <a:r>
-              <a:rPr lang="en-US" altLang="it-IT" sz="1800" dirty="0">
-                <a:solidFill>
-                  <a:srgbClr val="000000"/>
-                </a:solidFill>
-                <a:latin typeface="Garamond" panose="02020404030301010803" pitchFamily="18" charset="0"/>
-              </a:rPr>
-              <a:t>Prof. Qi Dou, </a:t>
-            </a:r>
-            <a:r>
-              <a:rPr lang="en-US" altLang="it-IT" sz="1800" b="1" dirty="0">
-                <a:solidFill>
-                  <a:srgbClr val="000000"/>
-                </a:solidFill>
-                <a:latin typeface="Garamond" panose="02020404030301010803" pitchFamily="18" charset="0"/>
-              </a:rPr>
-              <a:t>Imperial College London:</a:t>
-            </a:r>
-            <a:r>
-              <a:rPr lang="en-US" altLang="it-IT" sz="1800" dirty="0">
-                <a:solidFill>
-                  <a:srgbClr val="000000"/>
-                </a:solidFill>
-                <a:latin typeface="Garamond" panose="02020404030301010803" pitchFamily="18" charset="0"/>
-              </a:rPr>
-              <a:t> used 3D CNN and weighted </a:t>
-            </a:r>
-            <a:r>
-              <a:rPr lang="en-US" altLang="it-IT" sz="1800" b="1" dirty="0">
-                <a:solidFill>
-                  <a:srgbClr val="000000"/>
-                </a:solidFill>
-                <a:latin typeface="Garamond" panose="02020404030301010803" pitchFamily="18" charset="0"/>
-              </a:rPr>
-              <a:t>MRI scans to detect cerebral microbleeds.</a:t>
-            </a:r>
-            <a:r>
-              <a:rPr lang="en-US" altLang="it-IT" sz="1800" dirty="0">
-                <a:solidFill>
-                  <a:srgbClr val="000000"/>
-                </a:solidFill>
-                <a:latin typeface="Garamond" panose="02020404030301010803" pitchFamily="18" charset="0"/>
-              </a:rPr>
-              <a:t> They address developed predictions with their 3D CNN compared to various classical and 2D CNN approaches.</a:t>
-            </a:r>
-          </a:p>
-          <a:p>
-            <a:pPr marL="342900" indent="-342900" eaLnBrk="1" hangingPunct="1">
-              <a:spcBef>
-                <a:spcPct val="20000"/>
-              </a:spcBef>
-              <a:buFont typeface="Arial" panose="020B0604020202020204" pitchFamily="34" charset="0"/>
-              <a:buChar char="•"/>
-            </a:pPr>
-            <a:r>
-              <a:rPr lang="en-US" altLang="it-IT" sz="1800" dirty="0">
-                <a:solidFill>
-                  <a:srgbClr val="000000"/>
-                </a:solidFill>
-                <a:latin typeface="Garamond" panose="02020404030301010803" pitchFamily="18" charset="0"/>
-              </a:rPr>
-              <a:t>Prof. Rajpoot, University of Warwick, UK: employed CNNs to detect nuclei in histopathological images. </a:t>
-            </a:r>
-          </a:p>
-          <a:p>
-            <a:pPr marL="342900" indent="-342900" eaLnBrk="1" hangingPunct="1">
-              <a:spcBef>
-                <a:spcPct val="20000"/>
-              </a:spcBef>
-              <a:buFont typeface="Arial" panose="020B0604020202020204" pitchFamily="34" charset="0"/>
-              <a:buChar char="•"/>
-            </a:pPr>
-            <a:r>
-              <a:rPr lang="en-US" altLang="it-IT" sz="1800" dirty="0">
-                <a:solidFill>
-                  <a:srgbClr val="000000"/>
-                </a:solidFill>
-                <a:latin typeface="Garamond" panose="02020404030301010803" pitchFamily="18" charset="0"/>
-              </a:rPr>
-              <a:t>Prof. </a:t>
-            </a:r>
-            <a:r>
-              <a:rPr lang="en-US" altLang="it-IT" sz="1800" dirty="0" err="1">
-                <a:solidFill>
-                  <a:srgbClr val="000000"/>
-                </a:solidFill>
-                <a:latin typeface="Garamond" panose="02020404030301010803" pitchFamily="18" charset="0"/>
-              </a:rPr>
-              <a:t>Anthimopoulos</a:t>
-            </a:r>
-            <a:r>
-              <a:rPr lang="en-US" altLang="it-IT" sz="1800" dirty="0">
-                <a:solidFill>
-                  <a:srgbClr val="000000"/>
-                </a:solidFill>
-                <a:latin typeface="Garamond" panose="02020404030301010803" pitchFamily="18" charset="0"/>
-              </a:rPr>
-              <a:t>, University of Bern, Switzerland: employed CNNs to detect patterns of interstitial lung diseases from 2D patches of chest CT scans.</a:t>
-            </a:r>
-          </a:p>
-          <a:p>
-            <a:pPr eaLnBrk="1" hangingPunct="1">
-              <a:spcBef>
-                <a:spcPct val="20000"/>
-              </a:spcBef>
-            </a:pPr>
-            <a:r>
-              <a:rPr lang="en-US" altLang="it-IT" sz="1800" dirty="0">
-                <a:solidFill>
-                  <a:srgbClr val="000000"/>
-                </a:solidFill>
-                <a:latin typeface="Garamond" panose="02020404030301010803" pitchFamily="18" charset="0"/>
-              </a:rPr>
-              <a:t>Their results show that CNNs can outperform existing methods that use hand-crafted features.</a:t>
-            </a:r>
-          </a:p>
-          <a:p>
-            <a:pPr eaLnBrk="1" hangingPunct="1">
-              <a:spcBef>
-                <a:spcPct val="20000"/>
-              </a:spcBef>
-            </a:pPr>
-            <a:endParaRPr lang="en-US" altLang="it-IT" sz="2200" dirty="0">
-              <a:solidFill>
-                <a:srgbClr val="000000"/>
-              </a:solidFill>
-              <a:latin typeface="Garamond" panose="02020404030301010803" pitchFamily="18" charset="0"/>
-            </a:endParaRPr>
+              <a:rPr lang="it-IT"/>
+              <a:t>Masiero L. Ivancich S.</a:t>
+            </a:r>
+            <a:endParaRPr lang="en-US" dirty="0"/>
+          </a:p>
+        </p:txBody>
+      </p:sp>
+      <p:sp>
+        <p:nvSpPr>
+          <p:cNvPr id="22" name="Segnaposto numero diapositiva 21">
+            <a:extLst>
+              <a:ext uri="{FF2B5EF4-FFF2-40B4-BE49-F238E27FC236}">
+                <a16:creationId xmlns:a16="http://schemas.microsoft.com/office/drawing/2014/main" id="{9F993787-7BC4-42BC-A356-9FF440E43880}"/>
+              </a:ext>
+            </a:extLst>
+          </p:cNvPr>
+          <p:cNvSpPr>
+            <a:spLocks noGrp="1"/>
+          </p:cNvSpPr>
+          <p:nvPr>
+            <p:ph type="sldNum" sz="quarter" idx="12"/>
+          </p:nvPr>
+        </p:nvSpPr>
+        <p:spPr/>
+        <p:txBody>
+          <a:bodyPr/>
+          <a:lstStyle/>
+          <a:p>
+            <a:fld id="{7A1D8CC2-AC32-48BF-A9F5-B79D7A95954F}" type="slidenum">
+              <a:rPr lang="en-US" altLang="it-IT" smtClean="0"/>
+              <a:pPr/>
+              <a:t>5</a:t>
+            </a:fld>
+            <a:endParaRPr lang="en-US" altLang="it-IT" dirty="0"/>
           </a:p>
         </p:txBody>
       </p:sp>
     </p:spTree>
     <p:extLst>
       <p:ext uri="{BB962C8B-B14F-4D97-AF65-F5344CB8AC3E}">
-        <p14:creationId xmlns:p14="http://schemas.microsoft.com/office/powerpoint/2010/main" val="3841776771"/>
+        <p14:creationId xmlns:p14="http://schemas.microsoft.com/office/powerpoint/2010/main" val="2930768984"/>
       </p:ext>
     </p:extLst>
   </p:cSld>
@@ -12312,7 +10149,7 @@
         </p:nvSpPr>
         <p:spPr bwMode="auto">
           <a:xfrm>
-            <a:off x="15875" y="1"/>
+            <a:off x="15875" y="165692"/>
             <a:ext cx="8842375" cy="1016000"/>
           </a:xfrm>
           <a:prstGeom prst="rect">
@@ -12453,372 +10290,23 @@
           </a:lstStyle>
           <a:p>
             <a:r>
-              <a:rPr lang="en-US" altLang="it-IT" sz="6000" dirty="0">
+              <a:rPr lang="en-US" altLang="it-IT" sz="3600" dirty="0">
                 <a:solidFill>
                   <a:srgbClr val="FFFFFF"/>
                 </a:solidFill>
                 <a:latin typeface="Tw Cen MT" panose="020B0602020104020603" pitchFamily="34" charset="0"/>
               </a:rPr>
-              <a:t>Image Extraction</a:t>
-            </a:r>
-          </a:p>
-        </p:txBody>
-      </p:sp>
-      <p:sp>
-        <p:nvSpPr>
-          <p:cNvPr id="13" name="Rettangolo 12">
-            <a:extLst>
-              <a:ext uri="{FF2B5EF4-FFF2-40B4-BE49-F238E27FC236}">
-                <a16:creationId xmlns:a16="http://schemas.microsoft.com/office/drawing/2014/main" id="{1B3E0C32-1984-4560-966F-A08D7A1991F2}"/>
-              </a:ext>
-            </a:extLst>
-          </p:cNvPr>
-          <p:cNvSpPr/>
-          <p:nvPr/>
-        </p:nvSpPr>
-        <p:spPr>
-          <a:xfrm>
-            <a:off x="0" y="6408477"/>
-            <a:ext cx="2175339" cy="461665"/>
-          </a:xfrm>
-          <a:prstGeom prst="rect">
-            <a:avLst/>
-          </a:prstGeom>
-        </p:spPr>
-        <p:txBody>
-          <a:bodyPr wrap="none">
-            <a:spAutoFit/>
-          </a:bodyPr>
-          <a:lstStyle/>
-          <a:p>
-            <a:pPr eaLnBrk="1" hangingPunct="1">
-              <a:spcBef>
-                <a:spcPct val="20000"/>
-              </a:spcBef>
-            </a:pPr>
-            <a:r>
-              <a:rPr lang="en-US" altLang="it-IT" sz="2400" dirty="0">
-                <a:solidFill>
-                  <a:srgbClr val="000000"/>
-                </a:solidFill>
-                <a:latin typeface="Garamond" panose="02020404030301010803" pitchFamily="18" charset="0"/>
-              </a:rPr>
-              <a:t>Ivancich Stefano</a:t>
-            </a:r>
-          </a:p>
-        </p:txBody>
-      </p:sp>
-      <p:sp>
-        <p:nvSpPr>
-          <p:cNvPr id="14" name="Rettangolo 13">
-            <a:extLst>
-              <a:ext uri="{FF2B5EF4-FFF2-40B4-BE49-F238E27FC236}">
-                <a16:creationId xmlns:a16="http://schemas.microsoft.com/office/drawing/2014/main" id="{E8459245-DDCF-4A55-8FE9-5CF48972E537}"/>
-              </a:ext>
-            </a:extLst>
-          </p:cNvPr>
-          <p:cNvSpPr/>
-          <p:nvPr/>
-        </p:nvSpPr>
-        <p:spPr>
-          <a:xfrm>
-            <a:off x="8815064" y="6408477"/>
-            <a:ext cx="328936" cy="461665"/>
-          </a:xfrm>
-          <a:prstGeom prst="rect">
-            <a:avLst/>
-          </a:prstGeom>
-        </p:spPr>
-        <p:txBody>
-          <a:bodyPr wrap="none">
-            <a:spAutoFit/>
-          </a:bodyPr>
-          <a:lstStyle/>
-          <a:p>
-            <a:pPr eaLnBrk="1" hangingPunct="1">
-              <a:spcBef>
-                <a:spcPct val="20000"/>
-              </a:spcBef>
-            </a:pPr>
-            <a:r>
-              <a:rPr lang="en-US" altLang="it-IT" sz="2400" dirty="0">
-                <a:solidFill>
-                  <a:srgbClr val="000000"/>
-                </a:solidFill>
-                <a:latin typeface="Garamond" panose="02020404030301010803" pitchFamily="18" charset="0"/>
-              </a:rPr>
-              <a:t>5</a:t>
-            </a:r>
-            <a:endParaRPr lang="en-US" altLang="it-IT" sz="1800" dirty="0">
-              <a:solidFill>
-                <a:srgbClr val="000000"/>
-              </a:solidFill>
-              <a:latin typeface="Garamond" panose="02020404030301010803" pitchFamily="18" charset="0"/>
-            </a:endParaRPr>
-          </a:p>
-        </p:txBody>
-      </p:sp>
-      <p:sp>
-        <p:nvSpPr>
-          <p:cNvPr id="15" name="Rettangolo 14">
-            <a:extLst>
-              <a:ext uri="{FF2B5EF4-FFF2-40B4-BE49-F238E27FC236}">
-                <a16:creationId xmlns:a16="http://schemas.microsoft.com/office/drawing/2014/main" id="{CDC0EA93-AE21-4D2B-BBA9-8CFFCDEC2B60}"/>
-              </a:ext>
-            </a:extLst>
-          </p:cNvPr>
-          <p:cNvSpPr/>
-          <p:nvPr/>
-        </p:nvSpPr>
-        <p:spPr>
-          <a:xfrm>
-            <a:off x="3747735" y="6420772"/>
-            <a:ext cx="1648528" cy="461665"/>
-          </a:xfrm>
-          <a:prstGeom prst="rect">
-            <a:avLst/>
-          </a:prstGeom>
-        </p:spPr>
-        <p:txBody>
-          <a:bodyPr wrap="none">
-            <a:spAutoFit/>
-          </a:bodyPr>
-          <a:lstStyle/>
-          <a:p>
-            <a:pPr eaLnBrk="1" hangingPunct="1">
-              <a:spcBef>
-                <a:spcPct val="20000"/>
-              </a:spcBef>
-            </a:pPr>
-            <a:r>
-              <a:rPr lang="en-US" altLang="it-IT" sz="2400" dirty="0">
-                <a:solidFill>
-                  <a:srgbClr val="000000"/>
-                </a:solidFill>
-                <a:latin typeface="Garamond" panose="02020404030301010803" pitchFamily="18" charset="0"/>
-              </a:rPr>
-              <a:t>15 July 2019</a:t>
-            </a:r>
-          </a:p>
-        </p:txBody>
-      </p:sp>
-      <p:sp>
-        <p:nvSpPr>
-          <p:cNvPr id="7" name="Rectangle 6">
-            <a:extLst>
-              <a:ext uri="{FF2B5EF4-FFF2-40B4-BE49-F238E27FC236}">
-                <a16:creationId xmlns:a16="http://schemas.microsoft.com/office/drawing/2014/main" id="{D1C770D5-0432-4218-8BC0-C9B6BA7FF1ED}"/>
-              </a:ext>
-            </a:extLst>
-          </p:cNvPr>
-          <p:cNvSpPr>
-            <a:spLocks noChangeArrowheads="1"/>
-          </p:cNvSpPr>
-          <p:nvPr/>
-        </p:nvSpPr>
-        <p:spPr bwMode="auto">
-          <a:xfrm>
-            <a:off x="272255" y="1181692"/>
-            <a:ext cx="8599487" cy="1391387"/>
-          </a:xfrm>
-          <a:prstGeom prst="rect">
-            <a:avLst/>
-          </a:prstGeom>
-          <a:noFill/>
-          <a:ln w="9525">
-            <a:noFill/>
-            <a:miter lim="800000"/>
-            <a:headEnd/>
-            <a:tailEnd/>
-          </a:ln>
-          <a:extLst>
-            <a:ext uri="{909E8E84-426E-40DD-AFC4-6F175D3DCCD1}">
-              <a14:hiddenFill xmlns:a14="http://schemas.microsoft.com/office/drawing/2010/main">
-                <a:solidFill>
-                  <a:srgbClr val="FFFFFF"/>
-                </a:solidFill>
-              </a14:hiddenFill>
-            </a:ext>
-          </a:extLst>
-        </p:spPr>
-        <p:txBody>
-          <a:bodyPr/>
-          <a:lstStyle>
-            <a:lvl1pPr eaLnBrk="0" hangingPunct="0">
-              <a:defRPr sz="2400">
-                <a:solidFill>
-                  <a:schemeClr val="tx1"/>
-                </a:solidFill>
-                <a:latin typeface="Arial" panose="020B0604020202020204" pitchFamily="34" charset="0"/>
-                <a:ea typeface="MS PGothic" panose="020B0600070205080204" pitchFamily="34" charset="-128"/>
-              </a:defRPr>
-            </a:lvl1pPr>
-            <a:lvl2pPr marL="742950" indent="-285750" eaLnBrk="0" hangingPunct="0">
-              <a:defRPr sz="2400">
-                <a:solidFill>
-                  <a:schemeClr val="tx1"/>
-                </a:solidFill>
-                <a:latin typeface="Arial" panose="020B0604020202020204" pitchFamily="34" charset="0"/>
-                <a:ea typeface="MS PGothic" panose="020B0600070205080204" pitchFamily="34" charset="-128"/>
-              </a:defRPr>
-            </a:lvl2pPr>
-            <a:lvl3pPr marL="1143000" indent="-228600" eaLnBrk="0" hangingPunct="0">
-              <a:defRPr sz="2400">
-                <a:solidFill>
-                  <a:schemeClr val="tx1"/>
-                </a:solidFill>
-                <a:latin typeface="Arial" panose="020B0604020202020204" pitchFamily="34" charset="0"/>
-                <a:ea typeface="MS PGothic" panose="020B0600070205080204" pitchFamily="34" charset="-128"/>
-              </a:defRPr>
-            </a:lvl3pPr>
-            <a:lvl4pPr marL="1600200" indent="-228600" eaLnBrk="0" hangingPunct="0">
-              <a:defRPr sz="2400">
-                <a:solidFill>
-                  <a:schemeClr val="tx1"/>
-                </a:solidFill>
-                <a:latin typeface="Arial" panose="020B0604020202020204" pitchFamily="34" charset="0"/>
-                <a:ea typeface="MS PGothic" panose="020B0600070205080204" pitchFamily="34" charset="-128"/>
-              </a:defRPr>
-            </a:lvl4pPr>
-            <a:lvl5pPr marL="2057400" indent="-228600" eaLnBrk="0" hangingPunct="0">
-              <a:defRPr sz="2400">
-                <a:solidFill>
-                  <a:schemeClr val="tx1"/>
-                </a:solidFill>
-                <a:latin typeface="Arial" panose="020B0604020202020204" pitchFamily="34" charset="0"/>
-                <a:ea typeface="MS PGothic" panose="020B0600070205080204" pitchFamily="34" charset="-128"/>
-              </a:defRPr>
-            </a:lvl5pPr>
-            <a:lvl6pPr marL="2514600" indent="-228600" defTabSz="457200" eaLnBrk="0" fontAlgn="base" hangingPunct="0">
-              <a:spcBef>
-                <a:spcPct val="0"/>
-              </a:spcBef>
-              <a:spcAft>
-                <a:spcPct val="0"/>
-              </a:spcAft>
-              <a:defRPr sz="2400">
-                <a:solidFill>
-                  <a:schemeClr val="tx1"/>
-                </a:solidFill>
-                <a:latin typeface="Arial" panose="020B0604020202020204" pitchFamily="34" charset="0"/>
-                <a:ea typeface="MS PGothic" panose="020B0600070205080204" pitchFamily="34" charset="-128"/>
-              </a:defRPr>
-            </a:lvl6pPr>
-            <a:lvl7pPr marL="2971800" indent="-228600" defTabSz="457200" eaLnBrk="0" fontAlgn="base" hangingPunct="0">
-              <a:spcBef>
-                <a:spcPct val="0"/>
-              </a:spcBef>
-              <a:spcAft>
-                <a:spcPct val="0"/>
-              </a:spcAft>
-              <a:defRPr sz="2400">
-                <a:solidFill>
-                  <a:schemeClr val="tx1"/>
-                </a:solidFill>
-                <a:latin typeface="Arial" panose="020B0604020202020204" pitchFamily="34" charset="0"/>
-                <a:ea typeface="MS PGothic" panose="020B0600070205080204" pitchFamily="34" charset="-128"/>
-              </a:defRPr>
-            </a:lvl7pPr>
-            <a:lvl8pPr marL="3429000" indent="-228600" defTabSz="457200" eaLnBrk="0" fontAlgn="base" hangingPunct="0">
-              <a:spcBef>
-                <a:spcPct val="0"/>
-              </a:spcBef>
-              <a:spcAft>
-                <a:spcPct val="0"/>
-              </a:spcAft>
-              <a:defRPr sz="2400">
-                <a:solidFill>
-                  <a:schemeClr val="tx1"/>
-                </a:solidFill>
-                <a:latin typeface="Arial" panose="020B0604020202020204" pitchFamily="34" charset="0"/>
-                <a:ea typeface="MS PGothic" panose="020B0600070205080204" pitchFamily="34" charset="-128"/>
-              </a:defRPr>
-            </a:lvl8pPr>
-            <a:lvl9pPr marL="3886200" indent="-228600" defTabSz="457200" eaLnBrk="0" fontAlgn="base" hangingPunct="0">
-              <a:spcBef>
-                <a:spcPct val="0"/>
-              </a:spcBef>
-              <a:spcAft>
-                <a:spcPct val="0"/>
-              </a:spcAft>
-              <a:defRPr sz="2400">
-                <a:solidFill>
-                  <a:schemeClr val="tx1"/>
-                </a:solidFill>
-                <a:latin typeface="Arial" panose="020B0604020202020204" pitchFamily="34" charset="0"/>
-                <a:ea typeface="MS PGothic" panose="020B0600070205080204" pitchFamily="34" charset="-128"/>
-              </a:defRPr>
-            </a:lvl9pPr>
-          </a:lstStyle>
-          <a:p>
-            <a:pPr eaLnBrk="1" hangingPunct="1">
-              <a:spcBef>
-                <a:spcPct val="20000"/>
-              </a:spcBef>
-            </a:pPr>
-            <a:r>
-              <a:rPr lang="en-US" altLang="it-IT" sz="2200" b="1" dirty="0">
-                <a:solidFill>
-                  <a:srgbClr val="000000"/>
-                </a:solidFill>
-                <a:latin typeface="Garamond" panose="02020404030301010803" pitchFamily="18" charset="0"/>
-              </a:rPr>
-              <a:t>MRI are 3D </a:t>
-            </a:r>
-            <a:r>
-              <a:rPr lang="en-US" altLang="it-IT" sz="2200" dirty="0">
-                <a:solidFill>
-                  <a:srgbClr val="000000"/>
-                </a:solidFill>
-                <a:latin typeface="Garamond" panose="02020404030301010803" pitchFamily="18" charset="0"/>
-              </a:rPr>
-              <a:t>so </a:t>
-            </a:r>
-            <a:r>
-              <a:rPr lang="en-US" altLang="it-IT" sz="2200" b="1" dirty="0">
-                <a:solidFill>
-                  <a:srgbClr val="000000"/>
-                </a:solidFill>
-                <a:latin typeface="Garamond" panose="02020404030301010803" pitchFamily="18" charset="0"/>
-              </a:rPr>
-              <a:t>to make them 2D </a:t>
-            </a:r>
-            <a:r>
-              <a:rPr lang="en-US" altLang="it-IT" sz="2200" dirty="0">
-                <a:solidFill>
-                  <a:srgbClr val="000000"/>
-                </a:solidFill>
-                <a:latin typeface="Garamond" panose="02020404030301010803" pitchFamily="18" charset="0"/>
-              </a:rPr>
-              <a:t>we used the following</a:t>
-            </a:r>
-            <a:r>
-              <a:rPr lang="en-US" altLang="it-IT" sz="2200" b="1" dirty="0">
-                <a:solidFill>
-                  <a:srgbClr val="000000"/>
-                </a:solidFill>
-                <a:latin typeface="Garamond" panose="02020404030301010803" pitchFamily="18" charset="0"/>
-              </a:rPr>
-              <a:t> image extraction operation:</a:t>
-            </a:r>
-            <a:r>
-              <a:rPr lang="en-US" altLang="it-IT" sz="2200" dirty="0">
-                <a:solidFill>
-                  <a:srgbClr val="000000"/>
-                </a:solidFill>
-                <a:latin typeface="Garamond" panose="02020404030301010803" pitchFamily="18" charset="0"/>
-              </a:rPr>
-              <a:t> for a given voxel point, three patches of MRI 32x32 are extracted from the three planes, concatenated into a three-channel picture and resized in order to match the input size of the neural network.</a:t>
+              <a:t>MTGO</a:t>
             </a:r>
           </a:p>
         </p:txBody>
       </p:sp>
       <p:pic>
         <p:nvPicPr>
-          <p:cNvPr id="5" name="Immagine 4" descr="Immagine che contiene mappa, testo&#10;&#10;Descrizione generata automaticamente">
-            <a:extLst>
-              <a:ext uri="{FF2B5EF4-FFF2-40B4-BE49-F238E27FC236}">
-                <a16:creationId xmlns:a16="http://schemas.microsoft.com/office/drawing/2014/main" id="{CA984F47-3541-485D-BA06-7F693C26D219}"/>
+          <p:cNvPr id="9" name="Immagine 8" descr="Immagine che contiene testo, mappa&#10;&#10;Descrizione generata automaticamente">
+            <a:extLst>
+              <a:ext uri="{FF2B5EF4-FFF2-40B4-BE49-F238E27FC236}">
+                <a16:creationId xmlns:a16="http://schemas.microsoft.com/office/drawing/2014/main" id="{8E4BA311-E697-4472-9A72-177FC5895A6B}"/>
               </a:ext>
             </a:extLst>
           </p:cNvPr>
@@ -12827,25 +10315,88 @@
           </p:cNvPicPr>
           <p:nvPr/>
         </p:nvPicPr>
-        <p:blipFill rotWithShape="1">
+        <p:blipFill>
           <a:blip r:embed="rId2"/>
-          <a:srcRect t="2718" r="26187" b="79232"/>
-          <a:stretch/>
+          <a:stretch>
+            <a:fillRect/>
+          </a:stretch>
         </p:blipFill>
         <p:spPr>
           <a:xfrm>
-            <a:off x="440189" y="2573079"/>
-            <a:ext cx="8374875" cy="3835398"/>
+            <a:off x="370263" y="1610721"/>
+            <a:ext cx="5042212" cy="4356432"/>
           </a:xfrm>
           <a:prstGeom prst="rect">
             <a:avLst/>
           </a:prstGeom>
         </p:spPr>
       </p:pic>
+      <p:sp>
+        <p:nvSpPr>
+          <p:cNvPr id="11" name="Segnaposto piè di pagina 10">
+            <a:extLst>
+              <a:ext uri="{FF2B5EF4-FFF2-40B4-BE49-F238E27FC236}">
+                <a16:creationId xmlns:a16="http://schemas.microsoft.com/office/drawing/2014/main" id="{93442635-FB86-4674-A93B-6C57AD45C438}"/>
+              </a:ext>
+            </a:extLst>
+          </p:cNvPr>
+          <p:cNvSpPr>
+            <a:spLocks noGrp="1"/>
+          </p:cNvSpPr>
+          <p:nvPr>
+            <p:ph type="ftr" sz="quarter" idx="11"/>
+          </p:nvPr>
+        </p:nvSpPr>
+        <p:spPr/>
+        <p:txBody>
+          <a:bodyPr/>
+          <a:lstStyle/>
+          <a:p>
+            <a:pPr>
+              <a:defRPr/>
+            </a:pPr>
+            <a:r>
+              <a:rPr lang="it-IT"/>
+              <a:t>Masiero L. Ivancich S.</a:t>
+            </a:r>
+            <a:endParaRPr lang="en-US" dirty="0"/>
+          </a:p>
+        </p:txBody>
+      </p:sp>
+      <p:sp>
+        <p:nvSpPr>
+          <p:cNvPr id="12" name="Segnaposto numero diapositiva 11">
+            <a:extLst>
+              <a:ext uri="{FF2B5EF4-FFF2-40B4-BE49-F238E27FC236}">
+                <a16:creationId xmlns:a16="http://schemas.microsoft.com/office/drawing/2014/main" id="{B327AA70-1961-4DDC-85BD-B5EC99DF496B}"/>
+              </a:ext>
+            </a:extLst>
+          </p:cNvPr>
+          <p:cNvSpPr>
+            <a:spLocks noGrp="1"/>
+          </p:cNvSpPr>
+          <p:nvPr>
+            <p:ph type="sldNum" sz="quarter" idx="12"/>
+          </p:nvPr>
+        </p:nvSpPr>
+        <p:spPr/>
+        <p:txBody>
+          <a:bodyPr/>
+          <a:lstStyle/>
+          <a:p>
+            <a:fld id="{7A1D8CC2-AC32-48BF-A9F5-B79D7A95954F}" type="slidenum">
+              <a:rPr lang="en-US" altLang="it-IT" smtClean="0"/>
+              <a:pPr/>
+              <a:t>6</a:t>
+            </a:fld>
+            <a:endParaRPr lang="en-US" altLang="it-IT" dirty="0"/>
+          </a:p>
+        </p:txBody>
+      </p:sp>
     </p:spTree>
     <p:extLst>
       <p:ext uri="{BB962C8B-B14F-4D97-AF65-F5344CB8AC3E}">
-        <p14:creationId xmlns:p14="http://schemas.microsoft.com/office/powerpoint/2010/main" val="1514234550"/>
+        <p14:creationId xmlns:p14="http://schemas.microsoft.com/office/powerpoint/2010/main" val="1732625896"/>
       </p:ext>
     </p:extLst>
   </p:cSld>
@@ -12888,7 +10439,7 @@
         </p:nvSpPr>
         <p:spPr bwMode="auto">
           <a:xfrm>
-            <a:off x="15875" y="1"/>
+            <a:off x="15875" y="165692"/>
             <a:ext cx="8842375" cy="1016000"/>
           </a:xfrm>
           <a:prstGeom prst="rect">
@@ -13029,324 +10580,23 @@
           </a:lstStyle>
           <a:p>
             <a:r>
-              <a:rPr lang="en-US" altLang="it-IT" sz="6000" dirty="0">
+              <a:rPr lang="en-US" altLang="it-IT" sz="3600" dirty="0">
                 <a:solidFill>
                   <a:srgbClr val="FFFFFF"/>
                 </a:solidFill>
                 <a:latin typeface="Tw Cen MT" panose="020B0602020104020603" pitchFamily="34" charset="0"/>
               </a:rPr>
-              <a:t>Example</a:t>
-            </a:r>
-          </a:p>
-        </p:txBody>
-      </p:sp>
-      <p:sp>
-        <p:nvSpPr>
-          <p:cNvPr id="13" name="Rettangolo 12">
-            <a:extLst>
-              <a:ext uri="{FF2B5EF4-FFF2-40B4-BE49-F238E27FC236}">
-                <a16:creationId xmlns:a16="http://schemas.microsoft.com/office/drawing/2014/main" id="{1B3E0C32-1984-4560-966F-A08D7A1991F2}"/>
-              </a:ext>
-            </a:extLst>
-          </p:cNvPr>
-          <p:cNvSpPr/>
-          <p:nvPr/>
-        </p:nvSpPr>
-        <p:spPr>
-          <a:xfrm>
-            <a:off x="0" y="6408477"/>
-            <a:ext cx="2175339" cy="461665"/>
-          </a:xfrm>
-          <a:prstGeom prst="rect">
-            <a:avLst/>
-          </a:prstGeom>
-        </p:spPr>
-        <p:txBody>
-          <a:bodyPr wrap="none">
-            <a:spAutoFit/>
-          </a:bodyPr>
-          <a:lstStyle/>
-          <a:p>
-            <a:pPr eaLnBrk="1" hangingPunct="1">
-              <a:spcBef>
-                <a:spcPct val="20000"/>
-              </a:spcBef>
-            </a:pPr>
-            <a:r>
-              <a:rPr lang="en-US" altLang="it-IT" sz="2400" dirty="0">
-                <a:solidFill>
-                  <a:srgbClr val="000000"/>
-                </a:solidFill>
-                <a:latin typeface="Garamond" panose="02020404030301010803" pitchFamily="18" charset="0"/>
-              </a:rPr>
-              <a:t>Ivancich Stefano</a:t>
-            </a:r>
-          </a:p>
-        </p:txBody>
-      </p:sp>
-      <p:sp>
-        <p:nvSpPr>
-          <p:cNvPr id="14" name="Rettangolo 13">
-            <a:extLst>
-              <a:ext uri="{FF2B5EF4-FFF2-40B4-BE49-F238E27FC236}">
-                <a16:creationId xmlns:a16="http://schemas.microsoft.com/office/drawing/2014/main" id="{E8459245-DDCF-4A55-8FE9-5CF48972E537}"/>
-              </a:ext>
-            </a:extLst>
-          </p:cNvPr>
-          <p:cNvSpPr/>
-          <p:nvPr/>
-        </p:nvSpPr>
-        <p:spPr>
-          <a:xfrm>
-            <a:off x="8815064" y="6408477"/>
-            <a:ext cx="328936" cy="461665"/>
-          </a:xfrm>
-          <a:prstGeom prst="rect">
-            <a:avLst/>
-          </a:prstGeom>
-        </p:spPr>
-        <p:txBody>
-          <a:bodyPr wrap="none">
-            <a:spAutoFit/>
-          </a:bodyPr>
-          <a:lstStyle/>
-          <a:p>
-            <a:pPr eaLnBrk="1" hangingPunct="1">
-              <a:spcBef>
-                <a:spcPct val="20000"/>
-              </a:spcBef>
-            </a:pPr>
-            <a:r>
-              <a:rPr lang="en-US" altLang="it-IT" sz="2400" dirty="0">
-                <a:solidFill>
-                  <a:srgbClr val="000000"/>
-                </a:solidFill>
-                <a:latin typeface="Garamond" panose="02020404030301010803" pitchFamily="18" charset="0"/>
-              </a:rPr>
-              <a:t>6</a:t>
-            </a:r>
-            <a:endParaRPr lang="en-US" altLang="it-IT" sz="1800" dirty="0">
-              <a:solidFill>
-                <a:srgbClr val="000000"/>
-              </a:solidFill>
-              <a:latin typeface="Garamond" panose="02020404030301010803" pitchFamily="18" charset="0"/>
-            </a:endParaRPr>
-          </a:p>
-        </p:txBody>
-      </p:sp>
-      <p:sp>
-        <p:nvSpPr>
-          <p:cNvPr id="15" name="Rettangolo 14">
-            <a:extLst>
-              <a:ext uri="{FF2B5EF4-FFF2-40B4-BE49-F238E27FC236}">
-                <a16:creationId xmlns:a16="http://schemas.microsoft.com/office/drawing/2014/main" id="{CDC0EA93-AE21-4D2B-BBA9-8CFFCDEC2B60}"/>
-              </a:ext>
-            </a:extLst>
-          </p:cNvPr>
-          <p:cNvSpPr/>
-          <p:nvPr/>
-        </p:nvSpPr>
-        <p:spPr>
-          <a:xfrm>
-            <a:off x="3747735" y="6420772"/>
-            <a:ext cx="1648528" cy="461665"/>
-          </a:xfrm>
-          <a:prstGeom prst="rect">
-            <a:avLst/>
-          </a:prstGeom>
-        </p:spPr>
-        <p:txBody>
-          <a:bodyPr wrap="none">
-            <a:spAutoFit/>
-          </a:bodyPr>
-          <a:lstStyle/>
-          <a:p>
-            <a:pPr eaLnBrk="1" hangingPunct="1">
-              <a:spcBef>
-                <a:spcPct val="20000"/>
-              </a:spcBef>
-            </a:pPr>
-            <a:r>
-              <a:rPr lang="en-US" altLang="it-IT" sz="2400" dirty="0">
-                <a:solidFill>
-                  <a:srgbClr val="000000"/>
-                </a:solidFill>
-                <a:latin typeface="Garamond" panose="02020404030301010803" pitchFamily="18" charset="0"/>
-              </a:rPr>
-              <a:t>15 July 2019</a:t>
-            </a:r>
-          </a:p>
-        </p:txBody>
-      </p:sp>
-      <p:sp>
-        <p:nvSpPr>
-          <p:cNvPr id="7" name="Rectangle 6">
-            <a:extLst>
-              <a:ext uri="{FF2B5EF4-FFF2-40B4-BE49-F238E27FC236}">
-                <a16:creationId xmlns:a16="http://schemas.microsoft.com/office/drawing/2014/main" id="{D1C770D5-0432-4218-8BC0-C9B6BA7FF1ED}"/>
-              </a:ext>
-            </a:extLst>
-          </p:cNvPr>
-          <p:cNvSpPr>
-            <a:spLocks noChangeArrowheads="1"/>
-          </p:cNvSpPr>
-          <p:nvPr/>
-        </p:nvSpPr>
-        <p:spPr bwMode="auto">
-          <a:xfrm>
-            <a:off x="272255" y="1181692"/>
-            <a:ext cx="8599487" cy="5073389"/>
-          </a:xfrm>
-          <a:prstGeom prst="rect">
-            <a:avLst/>
-          </a:prstGeom>
-          <a:noFill/>
-          <a:ln w="9525">
-            <a:noFill/>
-            <a:miter lim="800000"/>
-            <a:headEnd/>
-            <a:tailEnd/>
-          </a:ln>
-          <a:extLst>
-            <a:ext uri="{909E8E84-426E-40DD-AFC4-6F175D3DCCD1}">
-              <a14:hiddenFill xmlns:a14="http://schemas.microsoft.com/office/drawing/2010/main">
-                <a:solidFill>
-                  <a:srgbClr val="FFFFFF"/>
-                </a:solidFill>
-              </a14:hiddenFill>
-            </a:ext>
-          </a:extLst>
-        </p:spPr>
-        <p:txBody>
-          <a:bodyPr/>
-          <a:lstStyle>
-            <a:lvl1pPr eaLnBrk="0" hangingPunct="0">
-              <a:defRPr sz="2400">
-                <a:solidFill>
-                  <a:schemeClr val="tx1"/>
-                </a:solidFill>
-                <a:latin typeface="Arial" panose="020B0604020202020204" pitchFamily="34" charset="0"/>
-                <a:ea typeface="MS PGothic" panose="020B0600070205080204" pitchFamily="34" charset="-128"/>
-              </a:defRPr>
-            </a:lvl1pPr>
-            <a:lvl2pPr marL="742950" indent="-285750" eaLnBrk="0" hangingPunct="0">
-              <a:defRPr sz="2400">
-                <a:solidFill>
-                  <a:schemeClr val="tx1"/>
-                </a:solidFill>
-                <a:latin typeface="Arial" panose="020B0604020202020204" pitchFamily="34" charset="0"/>
-                <a:ea typeface="MS PGothic" panose="020B0600070205080204" pitchFamily="34" charset="-128"/>
-              </a:defRPr>
-            </a:lvl2pPr>
-            <a:lvl3pPr marL="1143000" indent="-228600" eaLnBrk="0" hangingPunct="0">
-              <a:defRPr sz="2400">
-                <a:solidFill>
-                  <a:schemeClr val="tx1"/>
-                </a:solidFill>
-                <a:latin typeface="Arial" panose="020B0604020202020204" pitchFamily="34" charset="0"/>
-                <a:ea typeface="MS PGothic" panose="020B0600070205080204" pitchFamily="34" charset="-128"/>
-              </a:defRPr>
-            </a:lvl3pPr>
-            <a:lvl4pPr marL="1600200" indent="-228600" eaLnBrk="0" hangingPunct="0">
-              <a:defRPr sz="2400">
-                <a:solidFill>
-                  <a:schemeClr val="tx1"/>
-                </a:solidFill>
-                <a:latin typeface="Arial" panose="020B0604020202020204" pitchFamily="34" charset="0"/>
-                <a:ea typeface="MS PGothic" panose="020B0600070205080204" pitchFamily="34" charset="-128"/>
-              </a:defRPr>
-            </a:lvl4pPr>
-            <a:lvl5pPr marL="2057400" indent="-228600" eaLnBrk="0" hangingPunct="0">
-              <a:defRPr sz="2400">
-                <a:solidFill>
-                  <a:schemeClr val="tx1"/>
-                </a:solidFill>
-                <a:latin typeface="Arial" panose="020B0604020202020204" pitchFamily="34" charset="0"/>
-                <a:ea typeface="MS PGothic" panose="020B0600070205080204" pitchFamily="34" charset="-128"/>
-              </a:defRPr>
-            </a:lvl5pPr>
-            <a:lvl6pPr marL="2514600" indent="-228600" defTabSz="457200" eaLnBrk="0" fontAlgn="base" hangingPunct="0">
-              <a:spcBef>
-                <a:spcPct val="0"/>
-              </a:spcBef>
-              <a:spcAft>
-                <a:spcPct val="0"/>
-              </a:spcAft>
-              <a:defRPr sz="2400">
-                <a:solidFill>
-                  <a:schemeClr val="tx1"/>
-                </a:solidFill>
-                <a:latin typeface="Arial" panose="020B0604020202020204" pitchFamily="34" charset="0"/>
-                <a:ea typeface="MS PGothic" panose="020B0600070205080204" pitchFamily="34" charset="-128"/>
-              </a:defRPr>
-            </a:lvl6pPr>
-            <a:lvl7pPr marL="2971800" indent="-228600" defTabSz="457200" eaLnBrk="0" fontAlgn="base" hangingPunct="0">
-              <a:spcBef>
-                <a:spcPct val="0"/>
-              </a:spcBef>
-              <a:spcAft>
-                <a:spcPct val="0"/>
-              </a:spcAft>
-              <a:defRPr sz="2400">
-                <a:solidFill>
-                  <a:schemeClr val="tx1"/>
-                </a:solidFill>
-                <a:latin typeface="Arial" panose="020B0604020202020204" pitchFamily="34" charset="0"/>
-                <a:ea typeface="MS PGothic" panose="020B0600070205080204" pitchFamily="34" charset="-128"/>
-              </a:defRPr>
-            </a:lvl7pPr>
-            <a:lvl8pPr marL="3429000" indent="-228600" defTabSz="457200" eaLnBrk="0" fontAlgn="base" hangingPunct="0">
-              <a:spcBef>
-                <a:spcPct val="0"/>
-              </a:spcBef>
-              <a:spcAft>
-                <a:spcPct val="0"/>
-              </a:spcAft>
-              <a:defRPr sz="2400">
-                <a:solidFill>
-                  <a:schemeClr val="tx1"/>
-                </a:solidFill>
-                <a:latin typeface="Arial" panose="020B0604020202020204" pitchFamily="34" charset="0"/>
-                <a:ea typeface="MS PGothic" panose="020B0600070205080204" pitchFamily="34" charset="-128"/>
-              </a:defRPr>
-            </a:lvl8pPr>
-            <a:lvl9pPr marL="3886200" indent="-228600" defTabSz="457200" eaLnBrk="0" fontAlgn="base" hangingPunct="0">
-              <a:spcBef>
-                <a:spcPct val="0"/>
-              </a:spcBef>
-              <a:spcAft>
-                <a:spcPct val="0"/>
-              </a:spcAft>
-              <a:defRPr sz="2400">
-                <a:solidFill>
-                  <a:schemeClr val="tx1"/>
-                </a:solidFill>
-                <a:latin typeface="Arial" panose="020B0604020202020204" pitchFamily="34" charset="0"/>
-                <a:ea typeface="MS PGothic" panose="020B0600070205080204" pitchFamily="34" charset="-128"/>
-              </a:defRPr>
-            </a:lvl9pPr>
-          </a:lstStyle>
-          <a:p>
-            <a:pPr eaLnBrk="1" hangingPunct="1">
-              <a:spcBef>
-                <a:spcPct val="20000"/>
-              </a:spcBef>
-            </a:pPr>
-            <a:endParaRPr lang="en-US" altLang="it-IT" sz="2200" dirty="0">
-              <a:solidFill>
-                <a:srgbClr val="000000"/>
-              </a:solidFill>
-              <a:latin typeface="Garamond" panose="02020404030301010803" pitchFamily="18" charset="0"/>
-            </a:endParaRPr>
+              <a:t>MTGO</a:t>
+            </a:r>
           </a:p>
         </p:txBody>
       </p:sp>
       <p:pic>
         <p:nvPicPr>
-          <p:cNvPr id="2" name="Immagine 1">
-            <a:extLst>
-              <a:ext uri="{FF2B5EF4-FFF2-40B4-BE49-F238E27FC236}">
-                <a16:creationId xmlns:a16="http://schemas.microsoft.com/office/drawing/2014/main" id="{098D812D-B0F1-400E-B4E9-5BB314BD055D}"/>
+          <p:cNvPr id="4" name="Immagine 3" descr="Immagine che contiene computer&#10;&#10;Descrizione generata automaticamente">
+            <a:extLst>
+              <a:ext uri="{FF2B5EF4-FFF2-40B4-BE49-F238E27FC236}">
+                <a16:creationId xmlns:a16="http://schemas.microsoft.com/office/drawing/2014/main" id="{613BC514-7C74-495E-AE56-8F25E3C3C7C6}"/>
               </a:ext>
             </a:extLst>
           </p:cNvPr>
@@ -13363,18 +10613,80 @@
         </p:blipFill>
         <p:spPr>
           <a:xfrm>
-            <a:off x="1363939" y="1220281"/>
-            <a:ext cx="6416118" cy="5034800"/>
+            <a:off x="4860308" y="1563757"/>
+            <a:ext cx="4119224" cy="4719618"/>
           </a:xfrm>
           <a:prstGeom prst="rect">
             <a:avLst/>
           </a:prstGeom>
         </p:spPr>
       </p:pic>
+      <p:sp>
+        <p:nvSpPr>
+          <p:cNvPr id="3" name="Segnaposto piè di pagina 2">
+            <a:extLst>
+              <a:ext uri="{FF2B5EF4-FFF2-40B4-BE49-F238E27FC236}">
+                <a16:creationId xmlns:a16="http://schemas.microsoft.com/office/drawing/2014/main" id="{F8AB3DCD-E471-4B18-B244-9893F98C4AC0}"/>
+              </a:ext>
+            </a:extLst>
+          </p:cNvPr>
+          <p:cNvSpPr>
+            <a:spLocks noGrp="1"/>
+          </p:cNvSpPr>
+          <p:nvPr>
+            <p:ph type="ftr" sz="quarter" idx="11"/>
+          </p:nvPr>
+        </p:nvSpPr>
+        <p:spPr/>
+        <p:txBody>
+          <a:bodyPr/>
+          <a:lstStyle/>
+          <a:p>
+            <a:pPr>
+              <a:defRPr/>
+            </a:pPr>
+            <a:r>
+              <a:rPr lang="it-IT"/>
+              <a:t>Masiero L. Ivancich S.</a:t>
+            </a:r>
+            <a:endParaRPr lang="en-US" dirty="0"/>
+          </a:p>
+        </p:txBody>
+      </p:sp>
+      <p:sp>
+        <p:nvSpPr>
+          <p:cNvPr id="5" name="Segnaposto numero diapositiva 4">
+            <a:extLst>
+              <a:ext uri="{FF2B5EF4-FFF2-40B4-BE49-F238E27FC236}">
+                <a16:creationId xmlns:a16="http://schemas.microsoft.com/office/drawing/2014/main" id="{BEB21A5B-7AE9-40F4-ADD6-752933333399}"/>
+              </a:ext>
+            </a:extLst>
+          </p:cNvPr>
+          <p:cNvSpPr>
+            <a:spLocks noGrp="1"/>
+          </p:cNvSpPr>
+          <p:nvPr>
+            <p:ph type="sldNum" sz="quarter" idx="12"/>
+          </p:nvPr>
+        </p:nvSpPr>
+        <p:spPr/>
+        <p:txBody>
+          <a:bodyPr/>
+          <a:lstStyle/>
+          <a:p>
+            <a:fld id="{7A1D8CC2-AC32-48BF-A9F5-B79D7A95954F}" type="slidenum">
+              <a:rPr lang="en-US" altLang="it-IT" smtClean="0"/>
+              <a:pPr/>
+              <a:t>7</a:t>
+            </a:fld>
+            <a:endParaRPr lang="en-US" altLang="it-IT" dirty="0"/>
+          </a:p>
+        </p:txBody>
+      </p:sp>
     </p:spTree>
     <p:extLst>
       <p:ext uri="{BB962C8B-B14F-4D97-AF65-F5344CB8AC3E}">
-        <p14:creationId xmlns:p14="http://schemas.microsoft.com/office/powerpoint/2010/main" val="935431774"/>
+        <p14:creationId xmlns:p14="http://schemas.microsoft.com/office/powerpoint/2010/main" val="4057305911"/>
       </p:ext>
     </p:extLst>
   </p:cSld>
@@ -13417,7 +10729,7 @@
         </p:nvSpPr>
         <p:spPr bwMode="auto">
           <a:xfrm>
-            <a:off x="15875" y="1"/>
+            <a:off x="15875" y="165692"/>
             <a:ext cx="8842375" cy="1016000"/>
           </a:xfrm>
           <a:prstGeom prst="rect">
@@ -13558,326 +10870,29 @@
           </a:lstStyle>
           <a:p>
             <a:r>
-              <a:rPr lang="en-US" altLang="it-IT" sz="6000" dirty="0">
+              <a:rPr lang="en-US" altLang="it-IT" sz="3600" dirty="0" err="1">
                 <a:solidFill>
                   <a:srgbClr val="FFFFFF"/>
                 </a:solidFill>
                 <a:latin typeface="Tw Cen MT" panose="020B0602020104020603" pitchFamily="34" charset="0"/>
               </a:rPr>
-              <a:t>Production Architecture</a:t>
-            </a:r>
-          </a:p>
-        </p:txBody>
-      </p:sp>
-      <p:sp>
-        <p:nvSpPr>
-          <p:cNvPr id="13" name="Rettangolo 12">
-            <a:extLst>
-              <a:ext uri="{FF2B5EF4-FFF2-40B4-BE49-F238E27FC236}">
-                <a16:creationId xmlns:a16="http://schemas.microsoft.com/office/drawing/2014/main" id="{1B3E0C32-1984-4560-966F-A08D7A1991F2}"/>
-              </a:ext>
-            </a:extLst>
-          </p:cNvPr>
-          <p:cNvSpPr/>
-          <p:nvPr/>
-        </p:nvSpPr>
-        <p:spPr>
-          <a:xfrm>
-            <a:off x="0" y="6408477"/>
-            <a:ext cx="2175339" cy="461665"/>
-          </a:xfrm>
-          <a:prstGeom prst="rect">
-            <a:avLst/>
-          </a:prstGeom>
-        </p:spPr>
-        <p:txBody>
-          <a:bodyPr wrap="none">
-            <a:spAutoFit/>
-          </a:bodyPr>
-          <a:lstStyle/>
-          <a:p>
-            <a:pPr eaLnBrk="1" hangingPunct="1">
-              <a:spcBef>
-                <a:spcPct val="20000"/>
-              </a:spcBef>
-            </a:pPr>
-            <a:r>
-              <a:rPr lang="en-US" altLang="it-IT" sz="2400" dirty="0">
-                <a:solidFill>
-                  <a:srgbClr val="000000"/>
-                </a:solidFill>
-                <a:latin typeface="Garamond" panose="02020404030301010803" pitchFamily="18" charset="0"/>
-              </a:rPr>
-              <a:t>Ivancich Stefano</a:t>
-            </a:r>
-          </a:p>
-        </p:txBody>
-      </p:sp>
-      <p:sp>
-        <p:nvSpPr>
-          <p:cNvPr id="14" name="Rettangolo 13">
-            <a:extLst>
-              <a:ext uri="{FF2B5EF4-FFF2-40B4-BE49-F238E27FC236}">
-                <a16:creationId xmlns:a16="http://schemas.microsoft.com/office/drawing/2014/main" id="{E8459245-DDCF-4A55-8FE9-5CF48972E537}"/>
-              </a:ext>
-            </a:extLst>
-          </p:cNvPr>
-          <p:cNvSpPr/>
-          <p:nvPr/>
-        </p:nvSpPr>
-        <p:spPr>
-          <a:xfrm>
-            <a:off x="8815064" y="6408477"/>
-            <a:ext cx="328936" cy="461665"/>
-          </a:xfrm>
-          <a:prstGeom prst="rect">
-            <a:avLst/>
-          </a:prstGeom>
-        </p:spPr>
-        <p:txBody>
-          <a:bodyPr wrap="none">
-            <a:spAutoFit/>
-          </a:bodyPr>
-          <a:lstStyle/>
-          <a:p>
-            <a:pPr eaLnBrk="1" hangingPunct="1">
-              <a:spcBef>
-                <a:spcPct val="20000"/>
-              </a:spcBef>
-            </a:pPr>
-            <a:r>
-              <a:rPr lang="en-US" altLang="it-IT" sz="2400" dirty="0">
-                <a:solidFill>
-                  <a:srgbClr val="000000"/>
-                </a:solidFill>
-                <a:latin typeface="Garamond" panose="02020404030301010803" pitchFamily="18" charset="0"/>
-              </a:rPr>
-              <a:t>7</a:t>
-            </a:r>
-            <a:endParaRPr lang="en-US" altLang="it-IT" sz="1800" dirty="0">
+              <a:t>IsoRank</a:t>
+            </a:r>
+            <a:endParaRPr lang="en-US" altLang="it-IT" sz="3600" dirty="0">
               <a:solidFill>
-                <a:srgbClr val="000000"/>
+                <a:srgbClr val="FFFFFF"/>
               </a:solidFill>
-              <a:latin typeface="Garamond" panose="02020404030301010803" pitchFamily="18" charset="0"/>
-            </a:endParaRPr>
-          </a:p>
-        </p:txBody>
-      </p:sp>
-      <p:sp>
-        <p:nvSpPr>
-          <p:cNvPr id="15" name="Rettangolo 14">
-            <a:extLst>
-              <a:ext uri="{FF2B5EF4-FFF2-40B4-BE49-F238E27FC236}">
-                <a16:creationId xmlns:a16="http://schemas.microsoft.com/office/drawing/2014/main" id="{CDC0EA93-AE21-4D2B-BBA9-8CFFCDEC2B60}"/>
-              </a:ext>
-            </a:extLst>
-          </p:cNvPr>
-          <p:cNvSpPr/>
-          <p:nvPr/>
-        </p:nvSpPr>
-        <p:spPr>
-          <a:xfrm>
-            <a:off x="3747735" y="6420772"/>
-            <a:ext cx="1648528" cy="461665"/>
-          </a:xfrm>
-          <a:prstGeom prst="rect">
-            <a:avLst/>
-          </a:prstGeom>
-        </p:spPr>
-        <p:txBody>
-          <a:bodyPr wrap="none">
-            <a:spAutoFit/>
-          </a:bodyPr>
-          <a:lstStyle/>
-          <a:p>
-            <a:pPr eaLnBrk="1" hangingPunct="1">
-              <a:spcBef>
-                <a:spcPct val="20000"/>
-              </a:spcBef>
-            </a:pPr>
-            <a:r>
-              <a:rPr lang="en-US" altLang="it-IT" sz="2400" dirty="0">
-                <a:solidFill>
-                  <a:srgbClr val="000000"/>
-                </a:solidFill>
-                <a:latin typeface="Garamond" panose="02020404030301010803" pitchFamily="18" charset="0"/>
-              </a:rPr>
-              <a:t>15 July 2019</a:t>
-            </a:r>
-          </a:p>
-        </p:txBody>
-      </p:sp>
-      <p:sp>
-        <p:nvSpPr>
-          <p:cNvPr id="7" name="Rectangle 6">
-            <a:extLst>
-              <a:ext uri="{FF2B5EF4-FFF2-40B4-BE49-F238E27FC236}">
-                <a16:creationId xmlns:a16="http://schemas.microsoft.com/office/drawing/2014/main" id="{D1C770D5-0432-4218-8BC0-C9B6BA7FF1ED}"/>
-              </a:ext>
-            </a:extLst>
-          </p:cNvPr>
-          <p:cNvSpPr>
-            <a:spLocks noChangeArrowheads="1"/>
-          </p:cNvSpPr>
-          <p:nvPr/>
-        </p:nvSpPr>
-        <p:spPr bwMode="auto">
-          <a:xfrm>
-            <a:off x="272255" y="1181692"/>
-            <a:ext cx="8599487" cy="5073389"/>
-          </a:xfrm>
-          <a:prstGeom prst="rect">
-            <a:avLst/>
-          </a:prstGeom>
-          <a:noFill/>
-          <a:ln w="9525">
-            <a:noFill/>
-            <a:miter lim="800000"/>
-            <a:headEnd/>
-            <a:tailEnd/>
-          </a:ln>
-          <a:extLst>
-            <a:ext uri="{909E8E84-426E-40DD-AFC4-6F175D3DCCD1}">
-              <a14:hiddenFill xmlns:a14="http://schemas.microsoft.com/office/drawing/2010/main">
-                <a:solidFill>
-                  <a:srgbClr val="FFFFFF"/>
-                </a:solidFill>
-              </a14:hiddenFill>
-            </a:ext>
-          </a:extLst>
-        </p:spPr>
-        <p:txBody>
-          <a:bodyPr/>
-          <a:lstStyle>
-            <a:lvl1pPr eaLnBrk="0" hangingPunct="0">
-              <a:defRPr sz="2400">
-                <a:solidFill>
-                  <a:schemeClr val="tx1"/>
-                </a:solidFill>
-                <a:latin typeface="Arial" panose="020B0604020202020204" pitchFamily="34" charset="0"/>
-                <a:ea typeface="MS PGothic" panose="020B0600070205080204" pitchFamily="34" charset="-128"/>
-              </a:defRPr>
-            </a:lvl1pPr>
-            <a:lvl2pPr marL="742950" indent="-285750" eaLnBrk="0" hangingPunct="0">
-              <a:defRPr sz="2400">
-                <a:solidFill>
-                  <a:schemeClr val="tx1"/>
-                </a:solidFill>
-                <a:latin typeface="Arial" panose="020B0604020202020204" pitchFamily="34" charset="0"/>
-                <a:ea typeface="MS PGothic" panose="020B0600070205080204" pitchFamily="34" charset="-128"/>
-              </a:defRPr>
-            </a:lvl2pPr>
-            <a:lvl3pPr marL="1143000" indent="-228600" eaLnBrk="0" hangingPunct="0">
-              <a:defRPr sz="2400">
-                <a:solidFill>
-                  <a:schemeClr val="tx1"/>
-                </a:solidFill>
-                <a:latin typeface="Arial" panose="020B0604020202020204" pitchFamily="34" charset="0"/>
-                <a:ea typeface="MS PGothic" panose="020B0600070205080204" pitchFamily="34" charset="-128"/>
-              </a:defRPr>
-            </a:lvl3pPr>
-            <a:lvl4pPr marL="1600200" indent="-228600" eaLnBrk="0" hangingPunct="0">
-              <a:defRPr sz="2400">
-                <a:solidFill>
-                  <a:schemeClr val="tx1"/>
-                </a:solidFill>
-                <a:latin typeface="Arial" panose="020B0604020202020204" pitchFamily="34" charset="0"/>
-                <a:ea typeface="MS PGothic" panose="020B0600070205080204" pitchFamily="34" charset="-128"/>
-              </a:defRPr>
-            </a:lvl4pPr>
-            <a:lvl5pPr marL="2057400" indent="-228600" eaLnBrk="0" hangingPunct="0">
-              <a:defRPr sz="2400">
-                <a:solidFill>
-                  <a:schemeClr val="tx1"/>
-                </a:solidFill>
-                <a:latin typeface="Arial" panose="020B0604020202020204" pitchFamily="34" charset="0"/>
-                <a:ea typeface="MS PGothic" panose="020B0600070205080204" pitchFamily="34" charset="-128"/>
-              </a:defRPr>
-            </a:lvl5pPr>
-            <a:lvl6pPr marL="2514600" indent="-228600" defTabSz="457200" eaLnBrk="0" fontAlgn="base" hangingPunct="0">
-              <a:spcBef>
-                <a:spcPct val="0"/>
-              </a:spcBef>
-              <a:spcAft>
-                <a:spcPct val="0"/>
-              </a:spcAft>
-              <a:defRPr sz="2400">
-                <a:solidFill>
-                  <a:schemeClr val="tx1"/>
-                </a:solidFill>
-                <a:latin typeface="Arial" panose="020B0604020202020204" pitchFamily="34" charset="0"/>
-                <a:ea typeface="MS PGothic" panose="020B0600070205080204" pitchFamily="34" charset="-128"/>
-              </a:defRPr>
-            </a:lvl6pPr>
-            <a:lvl7pPr marL="2971800" indent="-228600" defTabSz="457200" eaLnBrk="0" fontAlgn="base" hangingPunct="0">
-              <a:spcBef>
-                <a:spcPct val="0"/>
-              </a:spcBef>
-              <a:spcAft>
-                <a:spcPct val="0"/>
-              </a:spcAft>
-              <a:defRPr sz="2400">
-                <a:solidFill>
-                  <a:schemeClr val="tx1"/>
-                </a:solidFill>
-                <a:latin typeface="Arial" panose="020B0604020202020204" pitchFamily="34" charset="0"/>
-                <a:ea typeface="MS PGothic" panose="020B0600070205080204" pitchFamily="34" charset="-128"/>
-              </a:defRPr>
-            </a:lvl7pPr>
-            <a:lvl8pPr marL="3429000" indent="-228600" defTabSz="457200" eaLnBrk="0" fontAlgn="base" hangingPunct="0">
-              <a:spcBef>
-                <a:spcPct val="0"/>
-              </a:spcBef>
-              <a:spcAft>
-                <a:spcPct val="0"/>
-              </a:spcAft>
-              <a:defRPr sz="2400">
-                <a:solidFill>
-                  <a:schemeClr val="tx1"/>
-                </a:solidFill>
-                <a:latin typeface="Arial" panose="020B0604020202020204" pitchFamily="34" charset="0"/>
-                <a:ea typeface="MS PGothic" panose="020B0600070205080204" pitchFamily="34" charset="-128"/>
-              </a:defRPr>
-            </a:lvl8pPr>
-            <a:lvl9pPr marL="3886200" indent="-228600" defTabSz="457200" eaLnBrk="0" fontAlgn="base" hangingPunct="0">
-              <a:spcBef>
-                <a:spcPct val="0"/>
-              </a:spcBef>
-              <a:spcAft>
-                <a:spcPct val="0"/>
-              </a:spcAft>
-              <a:defRPr sz="2400">
-                <a:solidFill>
-                  <a:schemeClr val="tx1"/>
-                </a:solidFill>
-                <a:latin typeface="Arial" panose="020B0604020202020204" pitchFamily="34" charset="0"/>
-                <a:ea typeface="MS PGothic" panose="020B0600070205080204" pitchFamily="34" charset="-128"/>
-              </a:defRPr>
-            </a:lvl9pPr>
-          </a:lstStyle>
-          <a:p>
-            <a:pPr marL="342900" indent="-342900" eaLnBrk="1" hangingPunct="1">
-              <a:spcBef>
-                <a:spcPct val="20000"/>
-              </a:spcBef>
-              <a:buFont typeface="Arial" panose="020B0604020202020204" pitchFamily="34" charset="0"/>
-              <a:buChar char="•"/>
-            </a:pPr>
-            <a:endParaRPr lang="en-US" altLang="it-IT" sz="2200" dirty="0">
-              <a:solidFill>
-                <a:srgbClr val="000000"/>
-              </a:solidFill>
-              <a:latin typeface="Garamond" panose="02020404030301010803" pitchFamily="18" charset="0"/>
+              <a:latin typeface="Tw Cen MT" panose="020B0602020104020603" pitchFamily="34" charset="0"/>
             </a:endParaRPr>
           </a:p>
         </p:txBody>
       </p:sp>
       <p:pic>
         <p:nvPicPr>
-          <p:cNvPr id="3" name="Immagine 2" descr="Immagine che contiene mappa, testo&#10;&#10;Descrizione generata automaticamente">
-            <a:extLst>
-              <a:ext uri="{FF2B5EF4-FFF2-40B4-BE49-F238E27FC236}">
-                <a16:creationId xmlns:a16="http://schemas.microsoft.com/office/drawing/2014/main" id="{B806BBAF-5620-423B-81CA-68D66BFD4B75}"/>
+          <p:cNvPr id="3" name="Immagine 2" descr="Immagine che contiene testo&#10;&#10;Descrizione generata automaticamente">
+            <a:extLst>
+              <a:ext uri="{FF2B5EF4-FFF2-40B4-BE49-F238E27FC236}">
+                <a16:creationId xmlns:a16="http://schemas.microsoft.com/office/drawing/2014/main" id="{669BFCE7-7292-4BE0-9B18-FB7B1B12CE16}"/>
               </a:ext>
             </a:extLst>
           </p:cNvPr>
@@ -13886,25 +10901,88 @@
           </p:cNvPicPr>
           <p:nvPr/>
         </p:nvPicPr>
-        <p:blipFill rotWithShape="1">
+        <p:blipFill>
           <a:blip r:embed="rId2"/>
-          <a:srcRect t="26026" b="32662"/>
-          <a:stretch/>
+          <a:stretch>
+            <a:fillRect/>
+          </a:stretch>
         </p:blipFill>
         <p:spPr>
           <a:xfrm>
-            <a:off x="931653" y="1112068"/>
-            <a:ext cx="7010817" cy="5424286"/>
+            <a:off x="2891369" y="1464934"/>
+            <a:ext cx="6117602" cy="2609540"/>
           </a:xfrm>
           <a:prstGeom prst="rect">
             <a:avLst/>
           </a:prstGeom>
         </p:spPr>
       </p:pic>
+      <p:sp>
+        <p:nvSpPr>
+          <p:cNvPr id="5" name="Segnaposto piè di pagina 4">
+            <a:extLst>
+              <a:ext uri="{FF2B5EF4-FFF2-40B4-BE49-F238E27FC236}">
+                <a16:creationId xmlns:a16="http://schemas.microsoft.com/office/drawing/2014/main" id="{4625584D-A3D3-46FC-938B-C0A8056095BB}"/>
+              </a:ext>
+            </a:extLst>
+          </p:cNvPr>
+          <p:cNvSpPr>
+            <a:spLocks noGrp="1"/>
+          </p:cNvSpPr>
+          <p:nvPr>
+            <p:ph type="ftr" sz="quarter" idx="11"/>
+          </p:nvPr>
+        </p:nvSpPr>
+        <p:spPr/>
+        <p:txBody>
+          <a:bodyPr/>
+          <a:lstStyle/>
+          <a:p>
+            <a:pPr>
+              <a:defRPr/>
+            </a:pPr>
+            <a:r>
+              <a:rPr lang="it-IT"/>
+              <a:t>Masiero L. Ivancich S.</a:t>
+            </a:r>
+            <a:endParaRPr lang="en-US" dirty="0"/>
+          </a:p>
+        </p:txBody>
+      </p:sp>
+      <p:sp>
+        <p:nvSpPr>
+          <p:cNvPr id="7" name="Segnaposto numero diapositiva 6">
+            <a:extLst>
+              <a:ext uri="{FF2B5EF4-FFF2-40B4-BE49-F238E27FC236}">
+                <a16:creationId xmlns:a16="http://schemas.microsoft.com/office/drawing/2014/main" id="{33517E88-54CE-41A1-BAFC-F56EEBCC14E1}"/>
+              </a:ext>
+            </a:extLst>
+          </p:cNvPr>
+          <p:cNvSpPr>
+            <a:spLocks noGrp="1"/>
+          </p:cNvSpPr>
+          <p:nvPr>
+            <p:ph type="sldNum" sz="quarter" idx="12"/>
+          </p:nvPr>
+        </p:nvSpPr>
+        <p:spPr/>
+        <p:txBody>
+          <a:bodyPr/>
+          <a:lstStyle/>
+          <a:p>
+            <a:fld id="{7A1D8CC2-AC32-48BF-A9F5-B79D7A95954F}" type="slidenum">
+              <a:rPr lang="en-US" altLang="it-IT" smtClean="0"/>
+              <a:pPr/>
+              <a:t>8</a:t>
+            </a:fld>
+            <a:endParaRPr lang="en-US" altLang="it-IT" dirty="0"/>
+          </a:p>
+        </p:txBody>
+      </p:sp>
     </p:spTree>
     <p:extLst>
       <p:ext uri="{BB962C8B-B14F-4D97-AF65-F5344CB8AC3E}">
-        <p14:creationId xmlns:p14="http://schemas.microsoft.com/office/powerpoint/2010/main" val="3930370613"/>
+        <p14:creationId xmlns:p14="http://schemas.microsoft.com/office/powerpoint/2010/main" val="2931430170"/>
       </p:ext>
     </p:extLst>
   </p:cSld>
@@ -13947,7 +11025,7 @@
         </p:nvSpPr>
         <p:spPr bwMode="auto">
           <a:xfrm>
-            <a:off x="15875" y="1"/>
+            <a:off x="15875" y="165692"/>
             <a:ext cx="8842375" cy="1016000"/>
           </a:xfrm>
           <a:prstGeom prst="rect">
@@ -14088,380 +11166,23 @@
           </a:lstStyle>
           <a:p>
             <a:r>
-              <a:rPr lang="en-US" altLang="it-IT" sz="6000" dirty="0">
+              <a:rPr lang="en-US" altLang="it-IT" sz="3600" i="1" dirty="0">
                 <a:solidFill>
                   <a:srgbClr val="FFFFFF"/>
                 </a:solidFill>
                 <a:latin typeface="Tw Cen MT" panose="020B0602020104020603" pitchFamily="34" charset="0"/>
               </a:rPr>
-              <a:t>Training Architecture</a:t>
-            </a:r>
-          </a:p>
-        </p:txBody>
-      </p:sp>
-      <p:sp>
-        <p:nvSpPr>
-          <p:cNvPr id="13" name="Rettangolo 12">
-            <a:extLst>
-              <a:ext uri="{FF2B5EF4-FFF2-40B4-BE49-F238E27FC236}">
-                <a16:creationId xmlns:a16="http://schemas.microsoft.com/office/drawing/2014/main" id="{1B3E0C32-1984-4560-966F-A08D7A1991F2}"/>
-              </a:ext>
-            </a:extLst>
-          </p:cNvPr>
-          <p:cNvSpPr/>
-          <p:nvPr/>
-        </p:nvSpPr>
-        <p:spPr>
-          <a:xfrm>
-            <a:off x="0" y="6408477"/>
-            <a:ext cx="2175339" cy="461665"/>
-          </a:xfrm>
-          <a:prstGeom prst="rect">
-            <a:avLst/>
-          </a:prstGeom>
-        </p:spPr>
-        <p:txBody>
-          <a:bodyPr wrap="none">
-            <a:spAutoFit/>
-          </a:bodyPr>
-          <a:lstStyle/>
-          <a:p>
-            <a:pPr eaLnBrk="1" hangingPunct="1">
-              <a:spcBef>
-                <a:spcPct val="20000"/>
-              </a:spcBef>
-            </a:pPr>
-            <a:r>
-              <a:rPr lang="en-US" altLang="it-IT" sz="2400" dirty="0">
-                <a:solidFill>
-                  <a:srgbClr val="000000"/>
-                </a:solidFill>
-                <a:latin typeface="Garamond" panose="02020404030301010803" pitchFamily="18" charset="0"/>
-              </a:rPr>
-              <a:t>Ivancich Stefano</a:t>
-            </a:r>
-          </a:p>
-        </p:txBody>
-      </p:sp>
-      <p:sp>
-        <p:nvSpPr>
-          <p:cNvPr id="14" name="Rettangolo 13">
-            <a:extLst>
-              <a:ext uri="{FF2B5EF4-FFF2-40B4-BE49-F238E27FC236}">
-                <a16:creationId xmlns:a16="http://schemas.microsoft.com/office/drawing/2014/main" id="{E8459245-DDCF-4A55-8FE9-5CF48972E537}"/>
-              </a:ext>
-            </a:extLst>
-          </p:cNvPr>
-          <p:cNvSpPr/>
-          <p:nvPr/>
-        </p:nvSpPr>
-        <p:spPr>
-          <a:xfrm>
-            <a:off x="8815064" y="6408477"/>
-            <a:ext cx="328936" cy="461665"/>
-          </a:xfrm>
-          <a:prstGeom prst="rect">
-            <a:avLst/>
-          </a:prstGeom>
-        </p:spPr>
-        <p:txBody>
-          <a:bodyPr wrap="none">
-            <a:spAutoFit/>
-          </a:bodyPr>
-          <a:lstStyle/>
-          <a:p>
-            <a:pPr eaLnBrk="1" hangingPunct="1">
-              <a:spcBef>
-                <a:spcPct val="20000"/>
-              </a:spcBef>
-            </a:pPr>
-            <a:r>
-              <a:rPr lang="en-US" altLang="it-IT" sz="2400" dirty="0">
-                <a:solidFill>
-                  <a:srgbClr val="000000"/>
-                </a:solidFill>
-                <a:latin typeface="Garamond" panose="02020404030301010803" pitchFamily="18" charset="0"/>
-              </a:rPr>
-              <a:t>8</a:t>
-            </a:r>
-            <a:endParaRPr lang="en-US" altLang="it-IT" sz="1800" dirty="0">
-              <a:solidFill>
-                <a:srgbClr val="000000"/>
-              </a:solidFill>
-              <a:latin typeface="Garamond" panose="02020404030301010803" pitchFamily="18" charset="0"/>
-            </a:endParaRPr>
-          </a:p>
-        </p:txBody>
-      </p:sp>
-      <p:sp>
-        <p:nvSpPr>
-          <p:cNvPr id="15" name="Rettangolo 14">
-            <a:extLst>
-              <a:ext uri="{FF2B5EF4-FFF2-40B4-BE49-F238E27FC236}">
-                <a16:creationId xmlns:a16="http://schemas.microsoft.com/office/drawing/2014/main" id="{CDC0EA93-AE21-4D2B-BBA9-8CFFCDEC2B60}"/>
-              </a:ext>
-            </a:extLst>
-          </p:cNvPr>
-          <p:cNvSpPr/>
-          <p:nvPr/>
-        </p:nvSpPr>
-        <p:spPr>
-          <a:xfrm>
-            <a:off x="3747735" y="6420772"/>
-            <a:ext cx="1648528" cy="461665"/>
-          </a:xfrm>
-          <a:prstGeom prst="rect">
-            <a:avLst/>
-          </a:prstGeom>
-        </p:spPr>
-        <p:txBody>
-          <a:bodyPr wrap="none">
-            <a:spAutoFit/>
-          </a:bodyPr>
-          <a:lstStyle/>
-          <a:p>
-            <a:pPr eaLnBrk="1" hangingPunct="1">
-              <a:spcBef>
-                <a:spcPct val="20000"/>
-              </a:spcBef>
-            </a:pPr>
-            <a:r>
-              <a:rPr lang="en-US" altLang="it-IT" sz="2400" dirty="0">
-                <a:solidFill>
-                  <a:srgbClr val="000000"/>
-                </a:solidFill>
-                <a:latin typeface="Garamond" panose="02020404030301010803" pitchFamily="18" charset="0"/>
-              </a:rPr>
-              <a:t>15 July 2019</a:t>
-            </a:r>
-          </a:p>
-        </p:txBody>
-      </p:sp>
-      <p:sp>
-        <p:nvSpPr>
-          <p:cNvPr id="7" name="Rectangle 6">
-            <a:extLst>
-              <a:ext uri="{FF2B5EF4-FFF2-40B4-BE49-F238E27FC236}">
-                <a16:creationId xmlns:a16="http://schemas.microsoft.com/office/drawing/2014/main" id="{D1C770D5-0432-4218-8BC0-C9B6BA7FF1ED}"/>
-              </a:ext>
-            </a:extLst>
-          </p:cNvPr>
-          <p:cNvSpPr>
-            <a:spLocks noChangeArrowheads="1"/>
-          </p:cNvSpPr>
-          <p:nvPr/>
-        </p:nvSpPr>
-        <p:spPr bwMode="auto">
-          <a:xfrm>
-            <a:off x="307910" y="1028296"/>
-            <a:ext cx="8599487" cy="961131"/>
-          </a:xfrm>
-          <a:prstGeom prst="rect">
-            <a:avLst/>
-          </a:prstGeom>
-          <a:noFill/>
-          <a:ln w="9525">
-            <a:noFill/>
-            <a:miter lim="800000"/>
-            <a:headEnd/>
-            <a:tailEnd/>
-          </a:ln>
-          <a:extLst>
-            <a:ext uri="{909E8E84-426E-40DD-AFC4-6F175D3DCCD1}">
-              <a14:hiddenFill xmlns:a14="http://schemas.microsoft.com/office/drawing/2010/main">
-                <a:solidFill>
-                  <a:srgbClr val="FFFFFF"/>
-                </a:solidFill>
-              </a14:hiddenFill>
-            </a:ext>
-          </a:extLst>
-        </p:spPr>
-        <p:txBody>
-          <a:bodyPr/>
-          <a:lstStyle>
-            <a:lvl1pPr eaLnBrk="0" hangingPunct="0">
-              <a:defRPr sz="2400">
-                <a:solidFill>
-                  <a:schemeClr val="tx1"/>
-                </a:solidFill>
-                <a:latin typeface="Arial" panose="020B0604020202020204" pitchFamily="34" charset="0"/>
-                <a:ea typeface="MS PGothic" panose="020B0600070205080204" pitchFamily="34" charset="-128"/>
-              </a:defRPr>
-            </a:lvl1pPr>
-            <a:lvl2pPr marL="742950" indent="-285750" eaLnBrk="0" hangingPunct="0">
-              <a:defRPr sz="2400">
-                <a:solidFill>
-                  <a:schemeClr val="tx1"/>
-                </a:solidFill>
-                <a:latin typeface="Arial" panose="020B0604020202020204" pitchFamily="34" charset="0"/>
-                <a:ea typeface="MS PGothic" panose="020B0600070205080204" pitchFamily="34" charset="-128"/>
-              </a:defRPr>
-            </a:lvl2pPr>
-            <a:lvl3pPr marL="1143000" indent="-228600" eaLnBrk="0" hangingPunct="0">
-              <a:defRPr sz="2400">
-                <a:solidFill>
-                  <a:schemeClr val="tx1"/>
-                </a:solidFill>
-                <a:latin typeface="Arial" panose="020B0604020202020204" pitchFamily="34" charset="0"/>
-                <a:ea typeface="MS PGothic" panose="020B0600070205080204" pitchFamily="34" charset="-128"/>
-              </a:defRPr>
-            </a:lvl3pPr>
-            <a:lvl4pPr marL="1600200" indent="-228600" eaLnBrk="0" hangingPunct="0">
-              <a:defRPr sz="2400">
-                <a:solidFill>
-                  <a:schemeClr val="tx1"/>
-                </a:solidFill>
-                <a:latin typeface="Arial" panose="020B0604020202020204" pitchFamily="34" charset="0"/>
-                <a:ea typeface="MS PGothic" panose="020B0600070205080204" pitchFamily="34" charset="-128"/>
-              </a:defRPr>
-            </a:lvl4pPr>
-            <a:lvl5pPr marL="2057400" indent="-228600" eaLnBrk="0" hangingPunct="0">
-              <a:defRPr sz="2400">
-                <a:solidFill>
-                  <a:schemeClr val="tx1"/>
-                </a:solidFill>
-                <a:latin typeface="Arial" panose="020B0604020202020204" pitchFamily="34" charset="0"/>
-                <a:ea typeface="MS PGothic" panose="020B0600070205080204" pitchFamily="34" charset="-128"/>
-              </a:defRPr>
-            </a:lvl5pPr>
-            <a:lvl6pPr marL="2514600" indent="-228600" defTabSz="457200" eaLnBrk="0" fontAlgn="base" hangingPunct="0">
-              <a:spcBef>
-                <a:spcPct val="0"/>
-              </a:spcBef>
-              <a:spcAft>
-                <a:spcPct val="0"/>
-              </a:spcAft>
-              <a:defRPr sz="2400">
-                <a:solidFill>
-                  <a:schemeClr val="tx1"/>
-                </a:solidFill>
-                <a:latin typeface="Arial" panose="020B0604020202020204" pitchFamily="34" charset="0"/>
-                <a:ea typeface="MS PGothic" panose="020B0600070205080204" pitchFamily="34" charset="-128"/>
-              </a:defRPr>
-            </a:lvl6pPr>
-            <a:lvl7pPr marL="2971800" indent="-228600" defTabSz="457200" eaLnBrk="0" fontAlgn="base" hangingPunct="0">
-              <a:spcBef>
-                <a:spcPct val="0"/>
-              </a:spcBef>
-              <a:spcAft>
-                <a:spcPct val="0"/>
-              </a:spcAft>
-              <a:defRPr sz="2400">
-                <a:solidFill>
-                  <a:schemeClr val="tx1"/>
-                </a:solidFill>
-                <a:latin typeface="Arial" panose="020B0604020202020204" pitchFamily="34" charset="0"/>
-                <a:ea typeface="MS PGothic" panose="020B0600070205080204" pitchFamily="34" charset="-128"/>
-              </a:defRPr>
-            </a:lvl7pPr>
-            <a:lvl8pPr marL="3429000" indent="-228600" defTabSz="457200" eaLnBrk="0" fontAlgn="base" hangingPunct="0">
-              <a:spcBef>
-                <a:spcPct val="0"/>
-              </a:spcBef>
-              <a:spcAft>
-                <a:spcPct val="0"/>
-              </a:spcAft>
-              <a:defRPr sz="2400">
-                <a:solidFill>
-                  <a:schemeClr val="tx1"/>
-                </a:solidFill>
-                <a:latin typeface="Arial" panose="020B0604020202020204" pitchFamily="34" charset="0"/>
-                <a:ea typeface="MS PGothic" panose="020B0600070205080204" pitchFamily="34" charset="-128"/>
-              </a:defRPr>
-            </a:lvl8pPr>
-            <a:lvl9pPr marL="3886200" indent="-228600" defTabSz="457200" eaLnBrk="0" fontAlgn="base" hangingPunct="0">
-              <a:spcBef>
-                <a:spcPct val="0"/>
-              </a:spcBef>
-              <a:spcAft>
-                <a:spcPct val="0"/>
-              </a:spcAft>
-              <a:defRPr sz="2400">
-                <a:solidFill>
-                  <a:schemeClr val="tx1"/>
-                </a:solidFill>
-                <a:latin typeface="Arial" panose="020B0604020202020204" pitchFamily="34" charset="0"/>
-                <a:ea typeface="MS PGothic" panose="020B0600070205080204" pitchFamily="34" charset="-128"/>
-              </a:defRPr>
-            </a:lvl9pPr>
-          </a:lstStyle>
-          <a:p>
-            <a:pPr marL="342900" indent="-342900" eaLnBrk="1" hangingPunct="1">
-              <a:spcBef>
-                <a:spcPct val="20000"/>
-              </a:spcBef>
-              <a:buFont typeface="Arial" panose="020B0604020202020204" pitchFamily="34" charset="0"/>
-              <a:buChar char="•"/>
-            </a:pPr>
-            <a:r>
-              <a:rPr lang="en-US" altLang="it-IT" sz="1800" dirty="0">
-                <a:solidFill>
-                  <a:srgbClr val="000000"/>
-                </a:solidFill>
-                <a:latin typeface="Garamond" panose="02020404030301010803" pitchFamily="18" charset="0"/>
-              </a:rPr>
-              <a:t>Extract 100 pictures from each MRI</a:t>
-            </a:r>
-          </a:p>
-          <a:p>
-            <a:pPr marL="342900" indent="-342900" eaLnBrk="1" hangingPunct="1">
-              <a:spcBef>
-                <a:spcPct val="20000"/>
-              </a:spcBef>
-              <a:buFont typeface="Arial" panose="020B0604020202020204" pitchFamily="34" charset="0"/>
-              <a:buChar char="•"/>
-            </a:pPr>
-            <a:r>
-              <a:rPr lang="en-US" altLang="it-IT" sz="1800" dirty="0">
-                <a:solidFill>
-                  <a:srgbClr val="000000"/>
-                </a:solidFill>
-                <a:latin typeface="Garamond" panose="02020404030301010803" pitchFamily="18" charset="0"/>
-              </a:rPr>
-              <a:t>Perform some data augmentation</a:t>
-            </a:r>
-          </a:p>
-          <a:p>
-            <a:pPr marL="342900" indent="-342900" eaLnBrk="1" hangingPunct="1">
-              <a:spcBef>
-                <a:spcPct val="20000"/>
-              </a:spcBef>
-              <a:buFont typeface="Arial" panose="020B0604020202020204" pitchFamily="34" charset="0"/>
-              <a:buChar char="•"/>
-            </a:pPr>
-            <a:r>
-              <a:rPr lang="en-US" altLang="it-IT" sz="1800" dirty="0">
-                <a:solidFill>
-                  <a:srgbClr val="000000"/>
-                </a:solidFill>
-                <a:latin typeface="Garamond" panose="02020404030301010803" pitchFamily="18" charset="0"/>
-              </a:rPr>
-              <a:t>Fed them into </a:t>
-            </a:r>
-            <a:r>
-              <a:rPr lang="en-US" altLang="it-IT" sz="1800" dirty="0" err="1">
-                <a:solidFill>
-                  <a:srgbClr val="000000"/>
-                </a:solidFill>
-                <a:latin typeface="Garamond" panose="02020404030301010803" pitchFamily="18" charset="0"/>
-              </a:rPr>
-              <a:t>AlexNet</a:t>
-            </a:r>
-            <a:endParaRPr lang="en-US" altLang="it-IT" sz="1800" dirty="0">
-              <a:solidFill>
-                <a:srgbClr val="000000"/>
-              </a:solidFill>
-              <a:latin typeface="Garamond" panose="02020404030301010803" pitchFamily="18" charset="0"/>
-            </a:endParaRPr>
+              <a:t>struc2vec</a:t>
+            </a:r>
           </a:p>
         </p:txBody>
       </p:sp>
       <p:pic>
         <p:nvPicPr>
-          <p:cNvPr id="3" name="Immagine 2" descr="Immagine che contiene mappa, testo&#10;&#10;Descrizione generata automaticamente">
-            <a:extLst>
-              <a:ext uri="{FF2B5EF4-FFF2-40B4-BE49-F238E27FC236}">
-                <a16:creationId xmlns:a16="http://schemas.microsoft.com/office/drawing/2014/main" id="{602060BF-8271-4B4B-AD84-B1F7B460A4DE}"/>
+          <p:cNvPr id="3" name="Immagine 2" descr="Immagine che contiene orologio&#10;&#10;Descrizione generata automaticamente">
+            <a:extLst>
+              <a:ext uri="{FF2B5EF4-FFF2-40B4-BE49-F238E27FC236}">
+                <a16:creationId xmlns:a16="http://schemas.microsoft.com/office/drawing/2014/main" id="{CCEE24A8-EA82-405C-841A-BA40A82A649B}"/>
               </a:ext>
             </a:extLst>
           </p:cNvPr>
@@ -14470,25 +11191,88 @@
           </p:cNvPicPr>
           <p:nvPr/>
         </p:nvPicPr>
-        <p:blipFill rotWithShape="1">
+        <p:blipFill>
           <a:blip r:embed="rId2"/>
-          <a:srcRect t="73591" r="25030"/>
-          <a:stretch/>
+          <a:stretch>
+            <a:fillRect/>
+          </a:stretch>
         </p:blipFill>
         <p:spPr>
           <a:xfrm>
-            <a:off x="1258347" y="1989427"/>
-            <a:ext cx="6698612" cy="4419050"/>
+            <a:off x="0" y="2216845"/>
+            <a:ext cx="9144000" cy="2424310"/>
           </a:xfrm>
           <a:prstGeom prst="rect">
             <a:avLst/>
           </a:prstGeom>
         </p:spPr>
       </p:pic>
+      <p:sp>
+        <p:nvSpPr>
+          <p:cNvPr id="5" name="Segnaposto piè di pagina 4">
+            <a:extLst>
+              <a:ext uri="{FF2B5EF4-FFF2-40B4-BE49-F238E27FC236}">
+                <a16:creationId xmlns:a16="http://schemas.microsoft.com/office/drawing/2014/main" id="{51FB397C-A6EF-4B7F-8AC5-6ED242812BC1}"/>
+              </a:ext>
+            </a:extLst>
+          </p:cNvPr>
+          <p:cNvSpPr>
+            <a:spLocks noGrp="1"/>
+          </p:cNvSpPr>
+          <p:nvPr>
+            <p:ph type="ftr" sz="quarter" idx="11"/>
+          </p:nvPr>
+        </p:nvSpPr>
+        <p:spPr/>
+        <p:txBody>
+          <a:bodyPr/>
+          <a:lstStyle/>
+          <a:p>
+            <a:pPr>
+              <a:defRPr/>
+            </a:pPr>
+            <a:r>
+              <a:rPr lang="it-IT"/>
+              <a:t>Masiero L. Ivancich S.</a:t>
+            </a:r>
+            <a:endParaRPr lang="en-US" dirty="0"/>
+          </a:p>
+        </p:txBody>
+      </p:sp>
+      <p:sp>
+        <p:nvSpPr>
+          <p:cNvPr id="7" name="Segnaposto numero diapositiva 6">
+            <a:extLst>
+              <a:ext uri="{FF2B5EF4-FFF2-40B4-BE49-F238E27FC236}">
+                <a16:creationId xmlns:a16="http://schemas.microsoft.com/office/drawing/2014/main" id="{0A645CE8-62F6-4437-909C-A31BC37AEFDA}"/>
+              </a:ext>
+            </a:extLst>
+          </p:cNvPr>
+          <p:cNvSpPr>
+            <a:spLocks noGrp="1"/>
+          </p:cNvSpPr>
+          <p:nvPr>
+            <p:ph type="sldNum" sz="quarter" idx="12"/>
+          </p:nvPr>
+        </p:nvSpPr>
+        <p:spPr/>
+        <p:txBody>
+          <a:bodyPr/>
+          <a:lstStyle/>
+          <a:p>
+            <a:fld id="{7A1D8CC2-AC32-48BF-A9F5-B79D7A95954F}" type="slidenum">
+              <a:rPr lang="en-US" altLang="it-IT" smtClean="0"/>
+              <a:pPr/>
+              <a:t>9</a:t>
+            </a:fld>
+            <a:endParaRPr lang="en-US" altLang="it-IT" dirty="0"/>
+          </a:p>
+        </p:txBody>
+      </p:sp>
     </p:spTree>
     <p:extLst>
       <p:ext uri="{BB962C8B-B14F-4D97-AF65-F5344CB8AC3E}">
-        <p14:creationId xmlns:p14="http://schemas.microsoft.com/office/powerpoint/2010/main" val="2697135185"/>
+        <p14:creationId xmlns:p14="http://schemas.microsoft.com/office/powerpoint/2010/main" val="4258454837"/>
       </p:ext>
     </p:extLst>
   </p:cSld>

--- a/Presentation/Presentation.pptx
+++ b/Presentation/Presentation.pptx
@@ -5,10 +5,10 @@
     <p:sldMasterId id="2147483660" r:id="rId1"/>
   </p:sldMasterIdLst>
   <p:notesMasterIdLst>
-    <p:notesMasterId r:id="rId16"/>
+    <p:notesMasterId r:id="rId17"/>
   </p:notesMasterIdLst>
   <p:handoutMasterIdLst>
-    <p:handoutMasterId r:id="rId17"/>
+    <p:handoutMasterId r:id="rId18"/>
   </p:handoutMasterIdLst>
   <p:sldIdLst>
     <p:sldId id="379" r:id="rId2"/>
@@ -18,13 +18,14 @@
     <p:sldId id="400" r:id="rId6"/>
     <p:sldId id="401" r:id="rId7"/>
     <p:sldId id="405" r:id="rId8"/>
-    <p:sldId id="402" r:id="rId9"/>
-    <p:sldId id="403" r:id="rId10"/>
-    <p:sldId id="406" r:id="rId11"/>
-    <p:sldId id="404" r:id="rId12"/>
-    <p:sldId id="408" r:id="rId13"/>
-    <p:sldId id="407" r:id="rId14"/>
-    <p:sldId id="409" r:id="rId15"/>
+    <p:sldId id="412" r:id="rId9"/>
+    <p:sldId id="402" r:id="rId10"/>
+    <p:sldId id="403" r:id="rId11"/>
+    <p:sldId id="406" r:id="rId12"/>
+    <p:sldId id="404" r:id="rId13"/>
+    <p:sldId id="408" r:id="rId14"/>
+    <p:sldId id="407" r:id="rId15"/>
+    <p:sldId id="409" r:id="rId16"/>
   </p:sldIdLst>
   <p:sldSz cx="9144000" cy="6858000" type="screen4x3"/>
   <p:notesSz cx="6794500" cy="9931400"/>
@@ -280,7 +281,7 @@
           <a:p>
             <a:fld id="{C8DBE15E-223F-41F1-9F94-2D73857FC7BA}" type="datetimeFigureOut">
               <a:rPr lang="it-IT" smtClean="0"/>
-              <a:t>31/03/2020</a:t>
+              <a:t>01/04/2020</a:t>
             </a:fld>
             <a:endParaRPr lang="it-IT"/>
           </a:p>
@@ -493,7 +494,7 @@
             <a:fld id="{2AD04753-9C7D-45A1-B290-034DCD5D3C5A}" type="datetimeFigureOut">
               <a:rPr lang="it-IT" altLang="it-IT"/>
               <a:pPr/>
-              <a:t>31/03/2020</a:t>
+              <a:t>01/04/2020</a:t>
             </a:fld>
             <a:endParaRPr lang="it-IT" altLang="it-IT"/>
           </a:p>
@@ -900,7 +901,7 @@
             <a:fld id="{00664C11-2C8B-4B5A-ACDF-DD795DDB2557}" type="slidenum">
               <a:rPr lang="it-IT" altLang="it-IT" smtClean="0"/>
               <a:pPr/>
-              <a:t>10</a:t>
+              <a:t>11</a:t>
             </a:fld>
             <a:endParaRPr lang="it-IT" altLang="it-IT"/>
           </a:p>
@@ -6568,10 +6569,10 @@
       </p:sp>
       <p:pic>
         <p:nvPicPr>
-          <p:cNvPr id="4" name="Immagine 3" descr="Immagine che contiene mappa, testo, cucina, bianco&#10;&#10;Descrizione generata automaticamente">
-            <a:extLst>
-              <a:ext uri="{FF2B5EF4-FFF2-40B4-BE49-F238E27FC236}">
-                <a16:creationId xmlns:a16="http://schemas.microsoft.com/office/drawing/2014/main" id="{F2EA2AC8-ECAD-4520-9585-BD486495FC14}"/>
+          <p:cNvPr id="3" name="Immagine 2" descr="Immagine che contiene orologio&#10;&#10;Descrizione generata automaticamente">
+            <a:extLst>
+              <a:ext uri="{FF2B5EF4-FFF2-40B4-BE49-F238E27FC236}">
+                <a16:creationId xmlns:a16="http://schemas.microsoft.com/office/drawing/2014/main" id="{CCEE24A8-EA82-405C-841A-BA40A82A649B}"/>
               </a:ext>
             </a:extLst>
           </p:cNvPr>
@@ -6581,15 +6582,15 @@
           <p:nvPr/>
         </p:nvPicPr>
         <p:blipFill>
-          <a:blip r:embed="rId3"/>
+          <a:blip r:embed="rId2"/>
           <a:stretch>
             <a:fillRect/>
           </a:stretch>
         </p:blipFill>
         <p:spPr>
           <a:xfrm>
-            <a:off x="0" y="2192311"/>
-            <a:ext cx="9144000" cy="2473377"/>
+            <a:off x="0" y="2216845"/>
+            <a:ext cx="9144000" cy="2424310"/>
           </a:xfrm>
           <a:prstGeom prst="rect">
             <a:avLst/>
@@ -6598,10 +6599,10 @@
       </p:pic>
       <p:sp>
         <p:nvSpPr>
-          <p:cNvPr id="7" name="Segnaposto piè di pagina 6">
-            <a:extLst>
-              <a:ext uri="{FF2B5EF4-FFF2-40B4-BE49-F238E27FC236}">
-                <a16:creationId xmlns:a16="http://schemas.microsoft.com/office/drawing/2014/main" id="{1E30BB50-53E0-409B-A716-3FC50725C97C}"/>
+          <p:cNvPr id="5" name="Segnaposto piè di pagina 4">
+            <a:extLst>
+              <a:ext uri="{FF2B5EF4-FFF2-40B4-BE49-F238E27FC236}">
+                <a16:creationId xmlns:a16="http://schemas.microsoft.com/office/drawing/2014/main" id="{51FB397C-A6EF-4B7F-8AC5-6ED242812BC1}"/>
               </a:ext>
             </a:extLst>
           </p:cNvPr>
@@ -6630,10 +6631,10 @@
       </p:sp>
       <p:sp>
         <p:nvSpPr>
-          <p:cNvPr id="8" name="Segnaposto numero diapositiva 7">
-            <a:extLst>
-              <a:ext uri="{FF2B5EF4-FFF2-40B4-BE49-F238E27FC236}">
-                <a16:creationId xmlns:a16="http://schemas.microsoft.com/office/drawing/2014/main" id="{8CA95954-2B0C-414E-8C0B-DC1637B6207C}"/>
+          <p:cNvPr id="7" name="Segnaposto numero diapositiva 6">
+            <a:extLst>
+              <a:ext uri="{FF2B5EF4-FFF2-40B4-BE49-F238E27FC236}">
+                <a16:creationId xmlns:a16="http://schemas.microsoft.com/office/drawing/2014/main" id="{0A645CE8-62F6-4437-909C-A31BC37AEFDA}"/>
               </a:ext>
             </a:extLst>
           </p:cNvPr>
@@ -6661,7 +6662,7 @@
     </p:spTree>
     <p:extLst>
       <p:ext uri="{BB962C8B-B14F-4D97-AF65-F5344CB8AC3E}">
-        <p14:creationId xmlns:p14="http://schemas.microsoft.com/office/powerpoint/2010/main" val="3925322485"/>
+        <p14:creationId xmlns:p14="http://schemas.microsoft.com/office/powerpoint/2010/main" val="4258454837"/>
       </p:ext>
     </p:extLst>
   </p:cSld>
@@ -6845,23 +6846,23 @@
           </a:lstStyle>
           <a:p>
             <a:r>
-              <a:rPr lang="en-US" altLang="it-IT" sz="3600" dirty="0">
+              <a:rPr lang="en-US" altLang="it-IT" sz="3600" i="1" dirty="0">
                 <a:solidFill>
                   <a:srgbClr val="FFFFFF"/>
                 </a:solidFill>
                 <a:latin typeface="Tw Cen MT" panose="020B0602020104020603" pitchFamily="34" charset="0"/>
               </a:rPr>
-              <a:t>L-GRAAL</a:t>
+              <a:t>struc2vec</a:t>
             </a:r>
           </a:p>
         </p:txBody>
       </p:sp>
       <p:pic>
         <p:nvPicPr>
-          <p:cNvPr id="3" name="Immagine 2">
-            <a:extLst>
-              <a:ext uri="{FF2B5EF4-FFF2-40B4-BE49-F238E27FC236}">
-                <a16:creationId xmlns:a16="http://schemas.microsoft.com/office/drawing/2014/main" id="{2EBD74D6-8D2B-4DBA-B7DE-0AEC5ED35F04}"/>
+          <p:cNvPr id="4" name="Immagine 3" descr="Immagine che contiene mappa, testo, cucina, bianco&#10;&#10;Descrizione generata automaticamente">
+            <a:extLst>
+              <a:ext uri="{FF2B5EF4-FFF2-40B4-BE49-F238E27FC236}">
+                <a16:creationId xmlns:a16="http://schemas.microsoft.com/office/drawing/2014/main" id="{F2EA2AC8-ECAD-4520-9585-BD486495FC14}"/>
               </a:ext>
             </a:extLst>
           </p:cNvPr>
@@ -6871,15 +6872,15 @@
           <p:nvPr/>
         </p:nvPicPr>
         <p:blipFill>
-          <a:blip r:embed="rId2"/>
+          <a:blip r:embed="rId3"/>
           <a:stretch>
             <a:fillRect/>
           </a:stretch>
         </p:blipFill>
         <p:spPr>
           <a:xfrm>
-            <a:off x="0" y="906900"/>
-            <a:ext cx="9144000" cy="5044199"/>
+            <a:off x="0" y="2192311"/>
+            <a:ext cx="9144000" cy="2473377"/>
           </a:xfrm>
           <a:prstGeom prst="rect">
             <a:avLst/>
@@ -6888,10 +6889,10 @@
       </p:pic>
       <p:sp>
         <p:nvSpPr>
-          <p:cNvPr id="5" name="Segnaposto piè di pagina 4">
-            <a:extLst>
-              <a:ext uri="{FF2B5EF4-FFF2-40B4-BE49-F238E27FC236}">
-                <a16:creationId xmlns:a16="http://schemas.microsoft.com/office/drawing/2014/main" id="{C8FA84AE-9C6F-4489-856A-DE17E111520B}"/>
+          <p:cNvPr id="7" name="Segnaposto piè di pagina 6">
+            <a:extLst>
+              <a:ext uri="{FF2B5EF4-FFF2-40B4-BE49-F238E27FC236}">
+                <a16:creationId xmlns:a16="http://schemas.microsoft.com/office/drawing/2014/main" id="{1E30BB50-53E0-409B-A716-3FC50725C97C}"/>
               </a:ext>
             </a:extLst>
           </p:cNvPr>
@@ -6920,10 +6921,10 @@
       </p:sp>
       <p:sp>
         <p:nvSpPr>
-          <p:cNvPr id="7" name="Segnaposto numero diapositiva 6">
-            <a:extLst>
-              <a:ext uri="{FF2B5EF4-FFF2-40B4-BE49-F238E27FC236}">
-                <a16:creationId xmlns:a16="http://schemas.microsoft.com/office/drawing/2014/main" id="{29D52353-7F79-4896-8CE4-790CDCEEBEE7}"/>
+          <p:cNvPr id="8" name="Segnaposto numero diapositiva 7">
+            <a:extLst>
+              <a:ext uri="{FF2B5EF4-FFF2-40B4-BE49-F238E27FC236}">
+                <a16:creationId xmlns:a16="http://schemas.microsoft.com/office/drawing/2014/main" id="{8CA95954-2B0C-414E-8C0B-DC1637B6207C}"/>
               </a:ext>
             </a:extLst>
           </p:cNvPr>
@@ -6951,7 +6952,7 @@
     </p:spTree>
     <p:extLst>
       <p:ext uri="{BB962C8B-B14F-4D97-AF65-F5344CB8AC3E}">
-        <p14:creationId xmlns:p14="http://schemas.microsoft.com/office/powerpoint/2010/main" val="2720987061"/>
+        <p14:creationId xmlns:p14="http://schemas.microsoft.com/office/powerpoint/2010/main" val="3925322485"/>
       </p:ext>
     </p:extLst>
   </p:cSld>
@@ -7146,12 +7147,42 @@
           </a:p>
         </p:txBody>
       </p:sp>
-      <p:sp>
-        <p:nvSpPr>
-          <p:cNvPr id="4" name="Segnaposto piè di pagina 3">
-            <a:extLst>
-              <a:ext uri="{FF2B5EF4-FFF2-40B4-BE49-F238E27FC236}">
-                <a16:creationId xmlns:a16="http://schemas.microsoft.com/office/drawing/2014/main" id="{132569EC-B884-40D8-85E2-57BADE786F10}"/>
+      <p:pic>
+        <p:nvPicPr>
+          <p:cNvPr id="3" name="Immagine 2">
+            <a:extLst>
+              <a:ext uri="{FF2B5EF4-FFF2-40B4-BE49-F238E27FC236}">
+                <a16:creationId xmlns:a16="http://schemas.microsoft.com/office/drawing/2014/main" id="{2EBD74D6-8D2B-4DBA-B7DE-0AEC5ED35F04}"/>
+              </a:ext>
+            </a:extLst>
+          </p:cNvPr>
+          <p:cNvPicPr>
+            <a:picLocks noChangeAspect="1"/>
+          </p:cNvPicPr>
+          <p:nvPr/>
+        </p:nvPicPr>
+        <p:blipFill>
+          <a:blip r:embed="rId2"/>
+          <a:stretch>
+            <a:fillRect/>
+          </a:stretch>
+        </p:blipFill>
+        <p:spPr>
+          <a:xfrm>
+            <a:off x="0" y="906900"/>
+            <a:ext cx="9144000" cy="5044199"/>
+          </a:xfrm>
+          <a:prstGeom prst="rect">
+            <a:avLst/>
+          </a:prstGeom>
+        </p:spPr>
+      </p:pic>
+      <p:sp>
+        <p:nvSpPr>
+          <p:cNvPr id="5" name="Segnaposto piè di pagina 4">
+            <a:extLst>
+              <a:ext uri="{FF2B5EF4-FFF2-40B4-BE49-F238E27FC236}">
+                <a16:creationId xmlns:a16="http://schemas.microsoft.com/office/drawing/2014/main" id="{C8FA84AE-9C6F-4489-856A-DE17E111520B}"/>
               </a:ext>
             </a:extLst>
           </p:cNvPr>
@@ -7180,10 +7211,10 @@
       </p:sp>
       <p:sp>
         <p:nvSpPr>
-          <p:cNvPr id="5" name="Segnaposto numero diapositiva 4">
-            <a:extLst>
-              <a:ext uri="{FF2B5EF4-FFF2-40B4-BE49-F238E27FC236}">
-                <a16:creationId xmlns:a16="http://schemas.microsoft.com/office/drawing/2014/main" id="{2E9CF88A-2116-4A80-B0ED-1262563C9595}"/>
+          <p:cNvPr id="7" name="Segnaposto numero diapositiva 6">
+            <a:extLst>
+              <a:ext uri="{FF2B5EF4-FFF2-40B4-BE49-F238E27FC236}">
+                <a16:creationId xmlns:a16="http://schemas.microsoft.com/office/drawing/2014/main" id="{29D52353-7F79-4896-8CE4-790CDCEEBEE7}"/>
               </a:ext>
             </a:extLst>
           </p:cNvPr>
@@ -7211,7 +7242,7 @@
     </p:spTree>
     <p:extLst>
       <p:ext uri="{BB962C8B-B14F-4D97-AF65-F5344CB8AC3E}">
-        <p14:creationId xmlns:p14="http://schemas.microsoft.com/office/powerpoint/2010/main" val="1560956855"/>
+        <p14:creationId xmlns:p14="http://schemas.microsoft.com/office/powerpoint/2010/main" val="2720987061"/>
       </p:ext>
     </p:extLst>
   </p:cSld>
@@ -7406,42 +7437,12 @@
           </a:p>
         </p:txBody>
       </p:sp>
-      <p:pic>
-        <p:nvPicPr>
-          <p:cNvPr id="4" name="Immagine 3" descr="Immagine che contiene computer&#10;&#10;Descrizione generata automaticamente">
-            <a:extLst>
-              <a:ext uri="{FF2B5EF4-FFF2-40B4-BE49-F238E27FC236}">
-                <a16:creationId xmlns:a16="http://schemas.microsoft.com/office/drawing/2014/main" id="{0867C0B8-054B-4260-B4AE-3A0FDC44A723}"/>
-              </a:ext>
-            </a:extLst>
-          </p:cNvPr>
-          <p:cNvPicPr>
-            <a:picLocks noChangeAspect="1"/>
-          </p:cNvPicPr>
-          <p:nvPr/>
-        </p:nvPicPr>
-        <p:blipFill>
-          <a:blip r:embed="rId2"/>
-          <a:stretch>
-            <a:fillRect/>
-          </a:stretch>
-        </p:blipFill>
-        <p:spPr>
-          <a:xfrm>
-            <a:off x="15875" y="2426628"/>
-            <a:ext cx="9144000" cy="2157144"/>
-          </a:xfrm>
-          <a:prstGeom prst="rect">
-            <a:avLst/>
-          </a:prstGeom>
-        </p:spPr>
-      </p:pic>
-      <p:sp>
-        <p:nvSpPr>
-          <p:cNvPr id="7" name="Segnaposto piè di pagina 6">
-            <a:extLst>
-              <a:ext uri="{FF2B5EF4-FFF2-40B4-BE49-F238E27FC236}">
-                <a16:creationId xmlns:a16="http://schemas.microsoft.com/office/drawing/2014/main" id="{92A531A0-FA88-4FA6-8165-1CEB60968920}"/>
+      <p:sp>
+        <p:nvSpPr>
+          <p:cNvPr id="4" name="Segnaposto piè di pagina 3">
+            <a:extLst>
+              <a:ext uri="{FF2B5EF4-FFF2-40B4-BE49-F238E27FC236}">
+                <a16:creationId xmlns:a16="http://schemas.microsoft.com/office/drawing/2014/main" id="{132569EC-B884-40D8-85E2-57BADE786F10}"/>
               </a:ext>
             </a:extLst>
           </p:cNvPr>
@@ -7470,10 +7471,10 @@
       </p:sp>
       <p:sp>
         <p:nvSpPr>
-          <p:cNvPr id="8" name="Segnaposto numero diapositiva 7">
-            <a:extLst>
-              <a:ext uri="{FF2B5EF4-FFF2-40B4-BE49-F238E27FC236}">
-                <a16:creationId xmlns:a16="http://schemas.microsoft.com/office/drawing/2014/main" id="{A656A8E6-5A3B-4234-B976-0F7A6BB72E8B}"/>
+          <p:cNvPr id="5" name="Segnaposto numero diapositiva 4">
+            <a:extLst>
+              <a:ext uri="{FF2B5EF4-FFF2-40B4-BE49-F238E27FC236}">
+                <a16:creationId xmlns:a16="http://schemas.microsoft.com/office/drawing/2014/main" id="{2E9CF88A-2116-4A80-B0ED-1262563C9595}"/>
               </a:ext>
             </a:extLst>
           </p:cNvPr>
@@ -7501,7 +7502,7 @@
     </p:spTree>
     <p:extLst>
       <p:ext uri="{BB962C8B-B14F-4D97-AF65-F5344CB8AC3E}">
-        <p14:creationId xmlns:p14="http://schemas.microsoft.com/office/powerpoint/2010/main" val="2166689206"/>
+        <p14:creationId xmlns:p14="http://schemas.microsoft.com/office/powerpoint/2010/main" val="1560956855"/>
       </p:ext>
     </p:extLst>
   </p:cSld>
@@ -7685,6 +7686,296 @@
           </a:lstStyle>
           <a:p>
             <a:r>
+              <a:rPr lang="en-US" altLang="it-IT" sz="3600" dirty="0">
+                <a:solidFill>
+                  <a:srgbClr val="FFFFFF"/>
+                </a:solidFill>
+                <a:latin typeface="Tw Cen MT" panose="020B0602020104020603" pitchFamily="34" charset="0"/>
+              </a:rPr>
+              <a:t>L-GRAAL</a:t>
+            </a:r>
+          </a:p>
+        </p:txBody>
+      </p:sp>
+      <p:pic>
+        <p:nvPicPr>
+          <p:cNvPr id="4" name="Immagine 3" descr="Immagine che contiene computer&#10;&#10;Descrizione generata automaticamente">
+            <a:extLst>
+              <a:ext uri="{FF2B5EF4-FFF2-40B4-BE49-F238E27FC236}">
+                <a16:creationId xmlns:a16="http://schemas.microsoft.com/office/drawing/2014/main" id="{0867C0B8-054B-4260-B4AE-3A0FDC44A723}"/>
+              </a:ext>
+            </a:extLst>
+          </p:cNvPr>
+          <p:cNvPicPr>
+            <a:picLocks noChangeAspect="1"/>
+          </p:cNvPicPr>
+          <p:nvPr/>
+        </p:nvPicPr>
+        <p:blipFill>
+          <a:blip r:embed="rId2"/>
+          <a:stretch>
+            <a:fillRect/>
+          </a:stretch>
+        </p:blipFill>
+        <p:spPr>
+          <a:xfrm>
+            <a:off x="15875" y="2426628"/>
+            <a:ext cx="9144000" cy="2157144"/>
+          </a:xfrm>
+          <a:prstGeom prst="rect">
+            <a:avLst/>
+          </a:prstGeom>
+        </p:spPr>
+      </p:pic>
+      <p:sp>
+        <p:nvSpPr>
+          <p:cNvPr id="7" name="Segnaposto piè di pagina 6">
+            <a:extLst>
+              <a:ext uri="{FF2B5EF4-FFF2-40B4-BE49-F238E27FC236}">
+                <a16:creationId xmlns:a16="http://schemas.microsoft.com/office/drawing/2014/main" id="{92A531A0-FA88-4FA6-8165-1CEB60968920}"/>
+              </a:ext>
+            </a:extLst>
+          </p:cNvPr>
+          <p:cNvSpPr>
+            <a:spLocks noGrp="1"/>
+          </p:cNvSpPr>
+          <p:nvPr>
+            <p:ph type="ftr" sz="quarter" idx="11"/>
+          </p:nvPr>
+        </p:nvSpPr>
+        <p:spPr/>
+        <p:txBody>
+          <a:bodyPr/>
+          <a:lstStyle/>
+          <a:p>
+            <a:pPr>
+              <a:defRPr/>
+            </a:pPr>
+            <a:r>
+              <a:rPr lang="it-IT"/>
+              <a:t>Masiero L. Ivancich S.</a:t>
+            </a:r>
+            <a:endParaRPr lang="en-US" dirty="0"/>
+          </a:p>
+        </p:txBody>
+      </p:sp>
+      <p:sp>
+        <p:nvSpPr>
+          <p:cNvPr id="8" name="Segnaposto numero diapositiva 7">
+            <a:extLst>
+              <a:ext uri="{FF2B5EF4-FFF2-40B4-BE49-F238E27FC236}">
+                <a16:creationId xmlns:a16="http://schemas.microsoft.com/office/drawing/2014/main" id="{A656A8E6-5A3B-4234-B976-0F7A6BB72E8B}"/>
+              </a:ext>
+            </a:extLst>
+          </p:cNvPr>
+          <p:cNvSpPr>
+            <a:spLocks noGrp="1"/>
+          </p:cNvSpPr>
+          <p:nvPr>
+            <p:ph type="sldNum" sz="quarter" idx="12"/>
+          </p:nvPr>
+        </p:nvSpPr>
+        <p:spPr/>
+        <p:txBody>
+          <a:bodyPr/>
+          <a:lstStyle/>
+          <a:p>
+            <a:fld id="{7A1D8CC2-AC32-48BF-A9F5-B79D7A95954F}" type="slidenum">
+              <a:rPr lang="en-US" altLang="it-IT" smtClean="0"/>
+              <a:pPr/>
+              <a:t>14</a:t>
+            </a:fld>
+            <a:endParaRPr lang="en-US" altLang="it-IT" dirty="0"/>
+          </a:p>
+        </p:txBody>
+      </p:sp>
+    </p:spTree>
+    <p:extLst>
+      <p:ext uri="{BB962C8B-B14F-4D97-AF65-F5344CB8AC3E}">
+        <p14:creationId xmlns:p14="http://schemas.microsoft.com/office/powerpoint/2010/main" val="2166689206"/>
+      </p:ext>
+    </p:extLst>
+  </p:cSld>
+  <p:clrMapOvr>
+    <a:masterClrMapping/>
+  </p:clrMapOvr>
+</p:sld>
+</file>
+
+<file path=ppt/slides/slide15.xml><?xml version="1.0" encoding="utf-8"?>
+<p:sld xmlns:a="http://schemas.openxmlformats.org/drawingml/2006/main" xmlns:r="http://schemas.openxmlformats.org/officeDocument/2006/relationships" xmlns:p="http://schemas.openxmlformats.org/presentationml/2006/main">
+  <p:cSld>
+    <p:spTree>
+      <p:nvGrpSpPr>
+        <p:cNvPr id="1" name=""/>
+        <p:cNvGrpSpPr/>
+        <p:nvPr/>
+      </p:nvGrpSpPr>
+      <p:grpSpPr>
+        <a:xfrm>
+          <a:off x="0" y="0"/>
+          <a:ext cx="0" cy="0"/>
+          <a:chOff x="0" y="0"/>
+          <a:chExt cx="0" cy="0"/>
+        </a:xfrm>
+      </p:grpSpPr>
+      <p:sp>
+        <p:nvSpPr>
+          <p:cNvPr id="6" name="Title 1">
+            <a:extLst>
+              <a:ext uri="{FF2B5EF4-FFF2-40B4-BE49-F238E27FC236}">
+                <a16:creationId xmlns:a16="http://schemas.microsoft.com/office/drawing/2014/main" id="{B6FD3924-BD2E-47EB-8DCD-3AD635AE70B8}"/>
+              </a:ext>
+            </a:extLst>
+          </p:cNvPr>
+          <p:cNvSpPr txBox="1">
+            <a:spLocks/>
+          </p:cNvSpPr>
+          <p:nvPr/>
+        </p:nvSpPr>
+        <p:spPr bwMode="auto">
+          <a:xfrm>
+            <a:off x="15875" y="165692"/>
+            <a:ext cx="8842375" cy="1016000"/>
+          </a:xfrm>
+          <a:prstGeom prst="rect">
+            <a:avLst/>
+          </a:prstGeom>
+          <a:noFill/>
+          <a:ln>
+            <a:noFill/>
+          </a:ln>
+          <a:extLst>
+            <a:ext uri="{909E8E84-426E-40DD-AFC4-6F175D3DCCD1}">
+              <a14:hiddenFill xmlns:a14="http://schemas.microsoft.com/office/drawing/2010/main">
+                <a:solidFill>
+                  <a:srgbClr val="FFFFFF"/>
+                </a:solidFill>
+              </a14:hiddenFill>
+            </a:ext>
+            <a:ext uri="{91240B29-F687-4F45-9708-019B960494DF}">
+              <a14:hiddenLine xmlns:a14="http://schemas.microsoft.com/office/drawing/2010/main" w="9525">
+                <a:solidFill>
+                  <a:srgbClr val="000000"/>
+                </a:solidFill>
+                <a:miter lim="800000"/>
+                <a:headEnd/>
+                <a:tailEnd/>
+              </a14:hiddenLine>
+            </a:ext>
+          </a:extLst>
+        </p:spPr>
+        <p:txBody>
+          <a:bodyPr/>
+          <a:lstStyle>
+            <a:lvl1pPr eaLnBrk="0" hangingPunct="0">
+              <a:defRPr sz="2400">
+                <a:solidFill>
+                  <a:schemeClr val="tx1"/>
+                </a:solidFill>
+                <a:latin typeface="Arial" panose="020B0604020202020204" pitchFamily="34" charset="0"/>
+                <a:ea typeface="MS PGothic" panose="020B0600070205080204" pitchFamily="34" charset="-128"/>
+              </a:defRPr>
+            </a:lvl1pPr>
+            <a:lvl2pPr marL="742950" indent="-285750" eaLnBrk="0" hangingPunct="0">
+              <a:defRPr sz="2400">
+                <a:solidFill>
+                  <a:schemeClr val="tx1"/>
+                </a:solidFill>
+                <a:latin typeface="Arial" panose="020B0604020202020204" pitchFamily="34" charset="0"/>
+                <a:ea typeface="MS PGothic" panose="020B0600070205080204" pitchFamily="34" charset="-128"/>
+              </a:defRPr>
+            </a:lvl2pPr>
+            <a:lvl3pPr marL="1143000" indent="-228600" eaLnBrk="0" hangingPunct="0">
+              <a:defRPr sz="2400">
+                <a:solidFill>
+                  <a:schemeClr val="tx1"/>
+                </a:solidFill>
+                <a:latin typeface="Arial" panose="020B0604020202020204" pitchFamily="34" charset="0"/>
+                <a:ea typeface="MS PGothic" panose="020B0600070205080204" pitchFamily="34" charset="-128"/>
+              </a:defRPr>
+            </a:lvl3pPr>
+            <a:lvl4pPr marL="1600200" indent="-228600" eaLnBrk="0" hangingPunct="0">
+              <a:defRPr sz="2400">
+                <a:solidFill>
+                  <a:schemeClr val="tx1"/>
+                </a:solidFill>
+                <a:latin typeface="Arial" panose="020B0604020202020204" pitchFamily="34" charset="0"/>
+                <a:ea typeface="MS PGothic" panose="020B0600070205080204" pitchFamily="34" charset="-128"/>
+              </a:defRPr>
+            </a:lvl4pPr>
+            <a:lvl5pPr marL="2057400" indent="-228600" eaLnBrk="0" hangingPunct="0">
+              <a:defRPr sz="2400">
+                <a:solidFill>
+                  <a:schemeClr val="tx1"/>
+                </a:solidFill>
+                <a:latin typeface="Arial" panose="020B0604020202020204" pitchFamily="34" charset="0"/>
+                <a:ea typeface="MS PGothic" panose="020B0600070205080204" pitchFamily="34" charset="-128"/>
+              </a:defRPr>
+            </a:lvl5pPr>
+            <a:lvl6pPr marL="2514600" indent="-228600" defTabSz="457200" eaLnBrk="0" fontAlgn="base" hangingPunct="0">
+              <a:spcBef>
+                <a:spcPct val="0"/>
+              </a:spcBef>
+              <a:spcAft>
+                <a:spcPct val="0"/>
+              </a:spcAft>
+              <a:defRPr sz="2400">
+                <a:solidFill>
+                  <a:schemeClr val="tx1"/>
+                </a:solidFill>
+                <a:latin typeface="Arial" panose="020B0604020202020204" pitchFamily="34" charset="0"/>
+                <a:ea typeface="MS PGothic" panose="020B0600070205080204" pitchFamily="34" charset="-128"/>
+              </a:defRPr>
+            </a:lvl6pPr>
+            <a:lvl7pPr marL="2971800" indent="-228600" defTabSz="457200" eaLnBrk="0" fontAlgn="base" hangingPunct="0">
+              <a:spcBef>
+                <a:spcPct val="0"/>
+              </a:spcBef>
+              <a:spcAft>
+                <a:spcPct val="0"/>
+              </a:spcAft>
+              <a:defRPr sz="2400">
+                <a:solidFill>
+                  <a:schemeClr val="tx1"/>
+                </a:solidFill>
+                <a:latin typeface="Arial" panose="020B0604020202020204" pitchFamily="34" charset="0"/>
+                <a:ea typeface="MS PGothic" panose="020B0600070205080204" pitchFamily="34" charset="-128"/>
+              </a:defRPr>
+            </a:lvl7pPr>
+            <a:lvl8pPr marL="3429000" indent="-228600" defTabSz="457200" eaLnBrk="0" fontAlgn="base" hangingPunct="0">
+              <a:spcBef>
+                <a:spcPct val="0"/>
+              </a:spcBef>
+              <a:spcAft>
+                <a:spcPct val="0"/>
+              </a:spcAft>
+              <a:defRPr sz="2400">
+                <a:solidFill>
+                  <a:schemeClr val="tx1"/>
+                </a:solidFill>
+                <a:latin typeface="Arial" panose="020B0604020202020204" pitchFamily="34" charset="0"/>
+                <a:ea typeface="MS PGothic" panose="020B0600070205080204" pitchFamily="34" charset="-128"/>
+              </a:defRPr>
+            </a:lvl8pPr>
+            <a:lvl9pPr marL="3886200" indent="-228600" defTabSz="457200" eaLnBrk="0" fontAlgn="base" hangingPunct="0">
+              <a:spcBef>
+                <a:spcPct val="0"/>
+              </a:spcBef>
+              <a:spcAft>
+                <a:spcPct val="0"/>
+              </a:spcAft>
+              <a:defRPr sz="2400">
+                <a:solidFill>
+                  <a:schemeClr val="tx1"/>
+                </a:solidFill>
+                <a:latin typeface="Arial" panose="020B0604020202020204" pitchFamily="34" charset="0"/>
+                <a:ea typeface="MS PGothic" panose="020B0600070205080204" pitchFamily="34" charset="-128"/>
+              </a:defRPr>
+            </a:lvl9pPr>
+          </a:lstStyle>
+          <a:p>
+            <a:r>
               <a:rPr lang="en-US" altLang="it-IT" sz="3600" dirty="0" err="1">
                 <a:solidFill>
                   <a:srgbClr val="FFFFFF"/>
@@ -7766,7 +8057,7 @@
             <a:fld id="{7A1D8CC2-AC32-48BF-A9F5-B79D7A95954F}" type="slidenum">
               <a:rPr lang="en-US" altLang="it-IT" smtClean="0"/>
               <a:pPr/>
-              <a:t>14</a:t>
+              <a:t>15</a:t>
             </a:fld>
             <a:endParaRPr lang="en-US" altLang="it-IT" dirty="0"/>
           </a:p>
@@ -8402,8 +8693,8 @@
           </a:p>
         </p:txBody>
       </p:sp>
-      <mc:AlternateContent xmlns:mc="http://schemas.openxmlformats.org/markup-compatibility/2006">
-        <mc:Choice xmlns:a14="http://schemas.microsoft.com/office/drawing/2010/main" Requires="a14">
+      <mc:AlternateContent xmlns:mc="http://schemas.openxmlformats.org/markup-compatibility/2006" xmlns:a14="http://schemas.microsoft.com/office/drawing/2010/main">
+        <mc:Choice Requires="a14">
           <p:sp>
             <p:nvSpPr>
               <p:cNvPr id="3" name="CasellaDiTesto 2">
@@ -8730,7 +9021,7 @@
             </p:txBody>
           </p:sp>
         </mc:Choice>
-        <mc:Fallback>
+        <mc:Fallback xmlns="">
           <p:sp>
             <p:nvSpPr>
               <p:cNvPr id="3" name="CasellaDiTesto 2">
@@ -9080,8 +9371,8 @@
           </a:p>
         </p:txBody>
       </p:sp>
-      <mc:AlternateContent xmlns:mc="http://schemas.openxmlformats.org/markup-compatibility/2006">
-        <mc:Choice xmlns:a14="http://schemas.microsoft.com/office/drawing/2010/main" Requires="a14">
+      <mc:AlternateContent xmlns:mc="http://schemas.openxmlformats.org/markup-compatibility/2006" xmlns:a14="http://schemas.microsoft.com/office/drawing/2010/main">
+        <mc:Choice Requires="a14">
           <p:sp>
             <p:nvSpPr>
               <p:cNvPr id="8" name="CasellaDiTesto 7">
@@ -9301,7 +9592,7 @@
             </p:txBody>
           </p:sp>
         </mc:Choice>
-        <mc:Fallback>
+        <mc:Fallback xmlns="">
           <p:sp>
             <p:nvSpPr>
               <p:cNvPr id="8" name="CasellaDiTesto 7">
@@ -9691,7 +9982,7 @@
         </p:blipFill>
         <p:spPr>
           <a:xfrm>
-            <a:off x="6620206" y="4406615"/>
+            <a:off x="6620206" y="4457965"/>
             <a:ext cx="2523794" cy="2019035"/>
           </a:xfrm>
           <a:prstGeom prst="rect">
@@ -9721,7 +10012,7 @@
         </p:blipFill>
         <p:spPr>
           <a:xfrm>
-            <a:off x="0" y="2609208"/>
+            <a:off x="56348" y="2652390"/>
             <a:ext cx="3810000" cy="2215243"/>
           </a:xfrm>
           <a:prstGeom prst="rect">
@@ -9823,7 +10114,7 @@
         </p:nvSpPr>
         <p:spPr>
           <a:xfrm>
-            <a:off x="3866348" y="2836682"/>
+            <a:off x="3866348" y="3240173"/>
             <a:ext cx="5277652" cy="923330"/>
           </a:xfrm>
           <a:prstGeom prst="rect">
@@ -10008,8 +10299,8 @@
         </p:nvSpPr>
         <p:spPr>
           <a:xfrm>
-            <a:off x="-62549" y="4888871"/>
-            <a:ext cx="5277652" cy="369332"/>
+            <a:off x="-62549" y="5455416"/>
+            <a:ext cx="6471560" cy="923330"/>
           </a:xfrm>
           <a:prstGeom prst="rect">
             <a:avLst/>
@@ -10036,8 +10327,47 @@
               <a:rPr lang="it-IT" i="1" dirty="0">
                 <a:latin typeface="+mj-lt"/>
               </a:rPr>
-              <a:t>:</a:t>
-            </a:r>
+              <a:t>: </a:t>
+            </a:r>
+            <a:r>
+              <a:rPr lang="it-IT" dirty="0">
+                <a:latin typeface="+mj-lt"/>
+              </a:rPr>
+              <a:t>misura la tendenza dei nodi a raggrupparsi. Importante perché possono aiutare ad individuare </a:t>
+            </a:r>
+            <a:r>
+              <a:rPr lang="it-IT" i="1" dirty="0">
+                <a:latin typeface="+mj-lt"/>
+              </a:rPr>
+              <a:t>complessi proteici </a:t>
+            </a:r>
+            <a:r>
+              <a:rPr lang="it-IT" dirty="0">
+                <a:latin typeface="+mj-lt"/>
+              </a:rPr>
+              <a:t>(</a:t>
+            </a:r>
+            <a:r>
+              <a:rPr lang="it-IT" b="1" dirty="0">
+                <a:latin typeface="+mj-lt"/>
+              </a:rPr>
+              <a:t>moduli</a:t>
+            </a:r>
+            <a:r>
+              <a:rPr lang="it-IT" dirty="0">
+                <a:latin typeface="+mj-lt"/>
+              </a:rPr>
+              <a:t>).</a:t>
+            </a:r>
+            <a:endParaRPr lang="it-IT" i="1" dirty="0">
+              <a:latin typeface="+mj-lt"/>
+            </a:endParaRPr>
+          </a:p>
+          <a:p>
+            <a:pPr algn="just"/>
+            <a:endParaRPr lang="it-IT" dirty="0">
+              <a:latin typeface="+mj-lt"/>
+            </a:endParaRPr>
           </a:p>
         </p:txBody>
       </p:sp>
@@ -10393,6 +10723,93 @@
           </a:p>
         </p:txBody>
       </p:sp>
+      <p:sp>
+        <p:nvSpPr>
+          <p:cNvPr id="7" name="CasellaDiTesto 6">
+            <a:extLst>
+              <a:ext uri="{FF2B5EF4-FFF2-40B4-BE49-F238E27FC236}">
+                <a16:creationId xmlns:a16="http://schemas.microsoft.com/office/drawing/2014/main" id="{5FA91103-A235-4FF3-9433-F9D7F4870933}"/>
+              </a:ext>
+            </a:extLst>
+          </p:cNvPr>
+          <p:cNvSpPr txBox="1"/>
+          <p:nvPr/>
+        </p:nvSpPr>
+        <p:spPr>
+          <a:xfrm>
+            <a:off x="5412475" y="1711445"/>
+            <a:ext cx="3731525" cy="4154984"/>
+          </a:xfrm>
+          <a:prstGeom prst="rect">
+            <a:avLst/>
+          </a:prstGeom>
+          <a:noFill/>
+        </p:spPr>
+        <p:txBody>
+          <a:bodyPr wrap="square" rtlCol="0">
+            <a:spAutoFit/>
+          </a:bodyPr>
+          <a:lstStyle/>
+          <a:p>
+            <a:r>
+              <a:rPr lang="it-IT" sz="2400" dirty="0">
+                <a:latin typeface="+mj-lt"/>
+              </a:rPr>
+              <a:t>Metodo </a:t>
+            </a:r>
+            <a:r>
+              <a:rPr lang="it-IT" sz="2400" i="1" dirty="0">
+                <a:latin typeface="+mj-lt"/>
+              </a:rPr>
+              <a:t>GO-</a:t>
+            </a:r>
+            <a:r>
+              <a:rPr lang="it-IT" sz="2400" i="1" dirty="0" err="1">
+                <a:latin typeface="+mj-lt"/>
+              </a:rPr>
+              <a:t>based</a:t>
+            </a:r>
+            <a:r>
+              <a:rPr lang="it-IT" sz="2400" dirty="0">
+                <a:latin typeface="+mj-lt"/>
+              </a:rPr>
+              <a:t> per identificare moduli funzionali.</a:t>
+            </a:r>
+          </a:p>
+          <a:p>
+            <a:endParaRPr lang="it-IT" sz="2400" dirty="0">
+              <a:latin typeface="+mj-lt"/>
+            </a:endParaRPr>
+          </a:p>
+          <a:p>
+            <a:r>
+              <a:rPr lang="it-IT" sz="2400" dirty="0">
+                <a:latin typeface="+mj-lt"/>
+              </a:rPr>
+              <a:t>Combinazione di informazioni provenienti dalla topologia delle reti con conoscenza biologica.</a:t>
+            </a:r>
+          </a:p>
+          <a:p>
+            <a:endParaRPr lang="it-IT" sz="2400" dirty="0">
+              <a:latin typeface="+mj-lt"/>
+            </a:endParaRPr>
+          </a:p>
+          <a:p>
+            <a:r>
+              <a:rPr lang="it-IT" sz="2400" i="1" dirty="0" err="1">
+                <a:latin typeface="+mj-lt"/>
+              </a:rPr>
+              <a:t>Overlapping</a:t>
+            </a:r>
+            <a:r>
+              <a:rPr lang="it-IT" sz="2400" dirty="0">
+                <a:latin typeface="+mj-lt"/>
+              </a:rPr>
+              <a:t> e copertura totale della rete </a:t>
+            </a:r>
+          </a:p>
+        </p:txBody>
+      </p:sp>
     </p:spTree>
     <p:extLst>
       <p:ext uri="{BB962C8B-B14F-4D97-AF65-F5344CB8AC3E}">
@@ -10613,8 +11030,8 @@
         </p:blipFill>
         <p:spPr>
           <a:xfrm>
-            <a:off x="4860308" y="1563757"/>
-            <a:ext cx="4119224" cy="4719618"/>
+            <a:off x="4526846" y="1181692"/>
+            <a:ext cx="4620424" cy="5293870"/>
           </a:xfrm>
           <a:prstGeom prst="rect">
             <a:avLst/>
@@ -10680,6 +11097,134 @@
               <a:t>7</a:t>
             </a:fld>
             <a:endParaRPr lang="en-US" altLang="it-IT" dirty="0"/>
+          </a:p>
+        </p:txBody>
+      </p:sp>
+      <p:sp>
+        <p:nvSpPr>
+          <p:cNvPr id="7" name="CasellaDiTesto 6">
+            <a:extLst>
+              <a:ext uri="{FF2B5EF4-FFF2-40B4-BE49-F238E27FC236}">
+                <a16:creationId xmlns:a16="http://schemas.microsoft.com/office/drawing/2014/main" id="{3A4B723D-9E40-4A56-8AEA-92FA5D413B25}"/>
+              </a:ext>
+            </a:extLst>
+          </p:cNvPr>
+          <p:cNvSpPr txBox="1"/>
+          <p:nvPr/>
+        </p:nvSpPr>
+        <p:spPr>
+          <a:xfrm>
+            <a:off x="15875" y="2274355"/>
+            <a:ext cx="4556125" cy="3108543"/>
+          </a:xfrm>
+          <a:prstGeom prst="rect">
+            <a:avLst/>
+          </a:prstGeom>
+          <a:noFill/>
+        </p:spPr>
+        <p:txBody>
+          <a:bodyPr wrap="square" rtlCol="0">
+            <a:spAutoFit/>
+          </a:bodyPr>
+          <a:lstStyle/>
+          <a:p>
+            <a:pPr algn="ctr"/>
+            <a:r>
+              <a:rPr lang="it-IT" sz="2800" b="1" dirty="0">
+                <a:solidFill>
+                  <a:srgbClr val="0000FF"/>
+                </a:solidFill>
+                <a:latin typeface="+mj-lt"/>
+              </a:rPr>
+              <a:t>3 FASI</a:t>
+            </a:r>
+            <a:endParaRPr lang="it-IT" sz="2400" dirty="0">
+              <a:latin typeface="+mj-lt"/>
+            </a:endParaRPr>
+          </a:p>
+          <a:p>
+            <a:pPr marL="457200" indent="-457200">
+              <a:buAutoNum type="arabicParenR"/>
+            </a:pPr>
+            <a:r>
+              <a:rPr lang="it-IT" sz="2400" b="1" dirty="0">
+                <a:solidFill>
+                  <a:srgbClr val="7030A0"/>
+                </a:solidFill>
+                <a:latin typeface="+mj-lt"/>
+              </a:rPr>
+              <a:t>Inizializzazione</a:t>
+            </a:r>
+            <a:r>
+              <a:rPr lang="it-IT" sz="2400" dirty="0">
+                <a:latin typeface="+mj-lt"/>
+              </a:rPr>
+              <a:t>: creazione delle partizioni;</a:t>
+            </a:r>
+          </a:p>
+          <a:p>
+            <a:pPr marL="457200" indent="-457200">
+              <a:buAutoNum type="arabicParenR"/>
+            </a:pPr>
+            <a:r>
+              <a:rPr lang="it-IT" sz="2400" b="1" dirty="0">
+                <a:solidFill>
+                  <a:srgbClr val="7030A0"/>
+                </a:solidFill>
+                <a:latin typeface="+mj-lt"/>
+              </a:rPr>
+              <a:t>Iterazioni</a:t>
+            </a:r>
+            <a:r>
+              <a:rPr lang="it-IT" sz="2400" dirty="0">
+                <a:latin typeface="+mj-lt"/>
+              </a:rPr>
+              <a:t> in cui i nodi vengono </a:t>
+            </a:r>
+            <a:r>
+              <a:rPr lang="it-IT" sz="2400" dirty="0" err="1">
+                <a:latin typeface="+mj-lt"/>
+              </a:rPr>
+              <a:t>ri</a:t>
+            </a:r>
+            <a:r>
+              <a:rPr lang="it-IT" sz="2400" dirty="0">
+                <a:latin typeface="+mj-lt"/>
+              </a:rPr>
+              <a:t>-assegnati alle partizioni;</a:t>
+            </a:r>
+          </a:p>
+          <a:p>
+            <a:pPr marL="457200" indent="-457200">
+              <a:buAutoNum type="arabicParenR"/>
+            </a:pPr>
+            <a:r>
+              <a:rPr lang="it-IT" sz="2400" b="1" dirty="0">
+                <a:solidFill>
+                  <a:srgbClr val="7030A0"/>
+                </a:solidFill>
+                <a:latin typeface="+mj-lt"/>
+              </a:rPr>
+              <a:t>Convergenza</a:t>
+            </a:r>
+            <a:r>
+              <a:rPr lang="it-IT" sz="2400" dirty="0">
+                <a:latin typeface="+mj-lt"/>
+              </a:rPr>
+              <a:t> per valutare la qualità della partizione finale e dell’</a:t>
+            </a:r>
+            <a:r>
+              <a:rPr lang="it-IT" sz="2400" i="1" dirty="0" err="1">
+                <a:latin typeface="+mj-lt"/>
+              </a:rPr>
+              <a:t>overlapping</a:t>
+            </a:r>
+            <a:r>
+              <a:rPr lang="it-IT" sz="2400" i="1" dirty="0">
+                <a:latin typeface="+mj-lt"/>
+              </a:rPr>
+              <a:t>.</a:t>
+            </a:r>
           </a:p>
         </p:txBody>
       </p:sp>
@@ -10887,36 +11432,6 @@
           </a:p>
         </p:txBody>
       </p:sp>
-      <p:pic>
-        <p:nvPicPr>
-          <p:cNvPr id="3" name="Immagine 2" descr="Immagine che contiene testo&#10;&#10;Descrizione generata automaticamente">
-            <a:extLst>
-              <a:ext uri="{FF2B5EF4-FFF2-40B4-BE49-F238E27FC236}">
-                <a16:creationId xmlns:a16="http://schemas.microsoft.com/office/drawing/2014/main" id="{669BFCE7-7292-4BE0-9B18-FB7B1B12CE16}"/>
-              </a:ext>
-            </a:extLst>
-          </p:cNvPr>
-          <p:cNvPicPr>
-            <a:picLocks noChangeAspect="1"/>
-          </p:cNvPicPr>
-          <p:nvPr/>
-        </p:nvPicPr>
-        <p:blipFill>
-          <a:blip r:embed="rId2"/>
-          <a:stretch>
-            <a:fillRect/>
-          </a:stretch>
-        </p:blipFill>
-        <p:spPr>
-          <a:xfrm>
-            <a:off x="2891369" y="1464934"/>
-            <a:ext cx="6117602" cy="2609540"/>
-          </a:xfrm>
-          <a:prstGeom prst="rect">
-            <a:avLst/>
-          </a:prstGeom>
-        </p:spPr>
-      </p:pic>
       <p:sp>
         <p:nvSpPr>
           <p:cNvPr id="5" name="Segnaposto piè di pagina 4">
@@ -10979,10 +11494,60 @@
           </a:p>
         </p:txBody>
       </p:sp>
+      <p:sp>
+        <p:nvSpPr>
+          <p:cNvPr id="8" name="CasellaDiTesto 7">
+            <a:extLst>
+              <a:ext uri="{FF2B5EF4-FFF2-40B4-BE49-F238E27FC236}">
+                <a16:creationId xmlns:a16="http://schemas.microsoft.com/office/drawing/2014/main" id="{9599F956-0042-46C9-8CB4-82B2C82F45E9}"/>
+              </a:ext>
+            </a:extLst>
+          </p:cNvPr>
+          <p:cNvSpPr txBox="1"/>
+          <p:nvPr/>
+        </p:nvSpPr>
+        <p:spPr>
+          <a:xfrm>
+            <a:off x="150904" y="1519584"/>
+            <a:ext cx="8993096" cy="2308324"/>
+          </a:xfrm>
+          <a:prstGeom prst="rect">
+            <a:avLst/>
+          </a:prstGeom>
+          <a:noFill/>
+        </p:spPr>
+        <p:txBody>
+          <a:bodyPr wrap="square" rtlCol="0">
+            <a:spAutoFit/>
+          </a:bodyPr>
+          <a:lstStyle/>
+          <a:p>
+            <a:r>
+              <a:rPr lang="it-IT" sz="2400" dirty="0">
+                <a:latin typeface="+mj-lt"/>
+              </a:rPr>
+              <a:t>Metodo per l’allineamento di più PPIN. Una proteina rappresenta una buona corrispondenza con una proteina in un’altra sequenza se le rispettive sequenze e i loro intorni topologici costituiscono, a loro volta, una buona corrispondenza.</a:t>
+            </a:r>
+          </a:p>
+          <a:p>
+            <a:endParaRPr lang="it-IT" sz="2400" dirty="0">
+              <a:latin typeface="+mj-lt"/>
+            </a:endParaRPr>
+          </a:p>
+          <a:p>
+            <a:r>
+              <a:rPr lang="it-IT" sz="2400" dirty="0">
+                <a:latin typeface="+mj-lt"/>
+              </a:rPr>
+              <a:t>Rappresenta un approccio di analisi comparativa al GNA.</a:t>
+            </a:r>
+          </a:p>
+        </p:txBody>
+      </p:sp>
     </p:spTree>
     <p:extLst>
       <p:ext uri="{BB962C8B-B14F-4D97-AF65-F5344CB8AC3E}">
-        <p14:creationId xmlns:p14="http://schemas.microsoft.com/office/powerpoint/2010/main" val="2931430170"/>
+        <p14:creationId xmlns:p14="http://schemas.microsoft.com/office/powerpoint/2010/main" val="2993886562"/>
       </p:ext>
     </p:extLst>
   </p:cSld>
@@ -11166,23 +11731,29 @@
           </a:lstStyle>
           <a:p>
             <a:r>
-              <a:rPr lang="en-US" altLang="it-IT" sz="3600" i="1" dirty="0">
+              <a:rPr lang="en-US" altLang="it-IT" sz="3600" dirty="0" err="1">
                 <a:solidFill>
                   <a:srgbClr val="FFFFFF"/>
                 </a:solidFill>
                 <a:latin typeface="Tw Cen MT" panose="020B0602020104020603" pitchFamily="34" charset="0"/>
               </a:rPr>
-              <a:t>struc2vec</a:t>
-            </a:r>
+              <a:t>IsoRank</a:t>
+            </a:r>
+            <a:endParaRPr lang="en-US" altLang="it-IT" sz="3600" dirty="0">
+              <a:solidFill>
+                <a:srgbClr val="FFFFFF"/>
+              </a:solidFill>
+              <a:latin typeface="Tw Cen MT" panose="020B0602020104020603" pitchFamily="34" charset="0"/>
+            </a:endParaRPr>
           </a:p>
         </p:txBody>
       </p:sp>
       <p:pic>
         <p:nvPicPr>
-          <p:cNvPr id="3" name="Immagine 2" descr="Immagine che contiene orologio&#10;&#10;Descrizione generata automaticamente">
-            <a:extLst>
-              <a:ext uri="{FF2B5EF4-FFF2-40B4-BE49-F238E27FC236}">
-                <a16:creationId xmlns:a16="http://schemas.microsoft.com/office/drawing/2014/main" id="{CCEE24A8-EA82-405C-841A-BA40A82A649B}"/>
+          <p:cNvPr id="3" name="Immagine 2" descr="Immagine che contiene testo&#10;&#10;Descrizione generata automaticamente">
+            <a:extLst>
+              <a:ext uri="{FF2B5EF4-FFF2-40B4-BE49-F238E27FC236}">
+                <a16:creationId xmlns:a16="http://schemas.microsoft.com/office/drawing/2014/main" id="{669BFCE7-7292-4BE0-9B18-FB7B1B12CE16}"/>
               </a:ext>
             </a:extLst>
           </p:cNvPr>
@@ -11199,8 +11770,8 @@
         </p:blipFill>
         <p:spPr>
           <a:xfrm>
-            <a:off x="0" y="2216845"/>
-            <a:ext cx="9144000" cy="2424310"/>
+            <a:off x="1529074" y="1093944"/>
+            <a:ext cx="6117602" cy="2609540"/>
           </a:xfrm>
           <a:prstGeom prst="rect">
             <a:avLst/>
@@ -11212,7 +11783,7 @@
           <p:cNvPr id="5" name="Segnaposto piè di pagina 4">
             <a:extLst>
               <a:ext uri="{FF2B5EF4-FFF2-40B4-BE49-F238E27FC236}">
-                <a16:creationId xmlns:a16="http://schemas.microsoft.com/office/drawing/2014/main" id="{51FB397C-A6EF-4B7F-8AC5-6ED242812BC1}"/>
+                <a16:creationId xmlns:a16="http://schemas.microsoft.com/office/drawing/2014/main" id="{4625584D-A3D3-46FC-938B-C0A8056095BB}"/>
               </a:ext>
             </a:extLst>
           </p:cNvPr>
@@ -11244,7 +11815,7 @@
           <p:cNvPr id="7" name="Segnaposto numero diapositiva 6">
             <a:extLst>
               <a:ext uri="{FF2B5EF4-FFF2-40B4-BE49-F238E27FC236}">
-                <a16:creationId xmlns:a16="http://schemas.microsoft.com/office/drawing/2014/main" id="{0A645CE8-62F6-4437-909C-A31BC37AEFDA}"/>
+                <a16:creationId xmlns:a16="http://schemas.microsoft.com/office/drawing/2014/main" id="{33517E88-54CE-41A1-BAFC-F56EEBCC14E1}"/>
               </a:ext>
             </a:extLst>
           </p:cNvPr>
@@ -11269,10 +11840,218 @@
           </a:p>
         </p:txBody>
       </p:sp>
+      <p:sp>
+        <p:nvSpPr>
+          <p:cNvPr id="8" name="CasellaDiTesto 7">
+            <a:extLst>
+              <a:ext uri="{FF2B5EF4-FFF2-40B4-BE49-F238E27FC236}">
+                <a16:creationId xmlns:a16="http://schemas.microsoft.com/office/drawing/2014/main" id="{9599F956-0042-46C9-8CB4-82B2C82F45E9}"/>
+              </a:ext>
+            </a:extLst>
+          </p:cNvPr>
+          <p:cNvSpPr txBox="1"/>
+          <p:nvPr/>
+        </p:nvSpPr>
+        <p:spPr>
+          <a:xfrm>
+            <a:off x="0" y="3703484"/>
+            <a:ext cx="8993096" cy="1631216"/>
+          </a:xfrm>
+          <a:prstGeom prst="rect">
+            <a:avLst/>
+          </a:prstGeom>
+          <a:noFill/>
+        </p:spPr>
+        <p:txBody>
+          <a:bodyPr wrap="square" rtlCol="0">
+            <a:spAutoFit/>
+          </a:bodyPr>
+          <a:lstStyle/>
+          <a:p>
+            <a:r>
+              <a:rPr lang="it-IT" sz="2000" b="1" dirty="0">
+                <a:latin typeface="+mj-lt"/>
+              </a:rPr>
+              <a:t>Obiettivo</a:t>
+            </a:r>
+            <a:r>
+              <a:rPr lang="it-IT" sz="2000" dirty="0">
+                <a:latin typeface="+mj-lt"/>
+              </a:rPr>
+              <a:t>: trovare </a:t>
+            </a:r>
+            <a:r>
+              <a:rPr lang="it-IT" sz="2000" dirty="0" err="1">
+                <a:latin typeface="+mj-lt"/>
+              </a:rPr>
+              <a:t>sottografo</a:t>
+            </a:r>
+            <a:r>
+              <a:rPr lang="it-IT" sz="2000" dirty="0">
+                <a:latin typeface="+mj-lt"/>
+              </a:rPr>
+              <a:t> comune alle reti in input.</a:t>
+            </a:r>
+          </a:p>
+          <a:p>
+            <a:r>
+              <a:rPr lang="it-IT" sz="2000" dirty="0">
+                <a:latin typeface="+mj-lt"/>
+              </a:rPr>
+              <a:t>2 FASI:</a:t>
+            </a:r>
+          </a:p>
+          <a:p>
+            <a:r>
+              <a:rPr lang="it-IT" sz="2000" dirty="0">
+                <a:latin typeface="+mj-lt"/>
+              </a:rPr>
+              <a:t>1) </a:t>
+            </a:r>
+            <a:r>
+              <a:rPr lang="it-IT" sz="2000" dirty="0">
+                <a:solidFill>
+                  <a:srgbClr val="00B0F0"/>
+                </a:solidFill>
+                <a:latin typeface="+mj-lt"/>
+              </a:rPr>
+              <a:t>Assegnazione</a:t>
+            </a:r>
+            <a:r>
+              <a:rPr lang="it-IT" sz="2000" dirty="0">
+                <a:latin typeface="+mj-lt"/>
+              </a:rPr>
+              <a:t> di </a:t>
+            </a:r>
+            <a:r>
+              <a:rPr lang="it-IT" sz="2000" i="1" dirty="0" err="1">
+                <a:latin typeface="+mj-lt"/>
+              </a:rPr>
+              <a:t>functional</a:t>
+            </a:r>
+            <a:r>
+              <a:rPr lang="it-IT" sz="2000" i="1" dirty="0">
+                <a:latin typeface="+mj-lt"/>
+              </a:rPr>
+              <a:t> </a:t>
+            </a:r>
+            <a:r>
+              <a:rPr lang="it-IT" sz="2000" i="1" dirty="0" err="1">
+                <a:latin typeface="+mj-lt"/>
+              </a:rPr>
+              <a:t>similarity</a:t>
+            </a:r>
+            <a:r>
+              <a:rPr lang="it-IT" sz="2000" i="1" dirty="0">
+                <a:latin typeface="+mj-lt"/>
+              </a:rPr>
+              <a:t> scores</a:t>
+            </a:r>
+            <a:r>
+              <a:rPr lang="it-IT" sz="2000" dirty="0">
+                <a:latin typeface="+mj-lt"/>
+              </a:rPr>
+              <a:t>;</a:t>
+            </a:r>
+            <a:br>
+              <a:rPr lang="it-IT" sz="2000" dirty="0">
+                <a:latin typeface="+mj-lt"/>
+              </a:rPr>
+            </a:br>
+            <a:r>
+              <a:rPr lang="it-IT" sz="2000" dirty="0">
+                <a:latin typeface="+mj-lt"/>
+              </a:rPr>
+              <a:t>2) </a:t>
+            </a:r>
+            <a:r>
+              <a:rPr lang="it-IT" sz="2000" i="1" dirty="0">
+                <a:solidFill>
+                  <a:srgbClr val="00B0F0"/>
+                </a:solidFill>
+                <a:latin typeface="+mj-lt"/>
+              </a:rPr>
+              <a:t>Mapping</a:t>
+            </a:r>
+            <a:r>
+              <a:rPr lang="it-IT" sz="2000" dirty="0">
+                <a:latin typeface="+mj-lt"/>
+              </a:rPr>
+              <a:t> per il GNA, considerando solo scores elevati, mantenendo la proprietà transitiva (</a:t>
+            </a:r>
+            <a:r>
+              <a:rPr lang="it-IT" sz="2000" b="1" dirty="0" err="1">
+                <a:latin typeface="+mj-lt"/>
+              </a:rPr>
+              <a:t>one-to-one</a:t>
+            </a:r>
+            <a:r>
+              <a:rPr lang="it-IT" sz="2000" dirty="0">
+                <a:latin typeface="+mj-lt"/>
+              </a:rPr>
+              <a:t> oppure </a:t>
+            </a:r>
+            <a:r>
+              <a:rPr lang="it-IT" sz="2000" b="1" dirty="0" err="1">
+                <a:latin typeface="+mj-lt"/>
+              </a:rPr>
+              <a:t>many</a:t>
+            </a:r>
+            <a:r>
+              <a:rPr lang="it-IT" sz="2000" b="1" dirty="0">
+                <a:latin typeface="+mj-lt"/>
+              </a:rPr>
+              <a:t>-to-</a:t>
+            </a:r>
+            <a:r>
+              <a:rPr lang="it-IT" sz="2000" b="1" dirty="0" err="1">
+                <a:latin typeface="+mj-lt"/>
+              </a:rPr>
+              <a:t>many</a:t>
+            </a:r>
+            <a:r>
+              <a:rPr lang="it-IT" sz="2000" dirty="0">
+                <a:latin typeface="+mj-lt"/>
+              </a:rPr>
+              <a:t>)</a:t>
+            </a:r>
+          </a:p>
+        </p:txBody>
+      </p:sp>
+      <p:pic>
+        <p:nvPicPr>
+          <p:cNvPr id="9" name="Immagine 8">
+            <a:extLst>
+              <a:ext uri="{FF2B5EF4-FFF2-40B4-BE49-F238E27FC236}">
+                <a16:creationId xmlns:a16="http://schemas.microsoft.com/office/drawing/2014/main" id="{5B1CDB52-EDEA-4D0F-88D5-241684214529}"/>
+              </a:ext>
+            </a:extLst>
+          </p:cNvPr>
+          <p:cNvPicPr>
+            <a:picLocks noChangeAspect="1"/>
+          </p:cNvPicPr>
+          <p:nvPr/>
+        </p:nvPicPr>
+        <p:blipFill>
+          <a:blip r:embed="rId3"/>
+          <a:stretch>
+            <a:fillRect/>
+          </a:stretch>
+        </p:blipFill>
+        <p:spPr>
+          <a:xfrm>
+            <a:off x="3683" y="5402463"/>
+            <a:ext cx="9144000" cy="1074537"/>
+          </a:xfrm>
+          <a:prstGeom prst="rect">
+            <a:avLst/>
+          </a:prstGeom>
+        </p:spPr>
+      </p:pic>
     </p:spTree>
     <p:extLst>
       <p:ext uri="{BB962C8B-B14F-4D97-AF65-F5344CB8AC3E}">
-        <p14:creationId xmlns:p14="http://schemas.microsoft.com/office/powerpoint/2010/main" val="4258454837"/>
+        <p14:creationId xmlns:p14="http://schemas.microsoft.com/office/powerpoint/2010/main" val="2931430170"/>
       </p:ext>
     </p:extLst>
   </p:cSld>

--- a/Presentation/Presentation.pptx
+++ b/Presentation/Presentation.pptx
@@ -5,10 +5,10 @@
     <p:sldMasterId id="2147483660" r:id="rId1"/>
   </p:sldMasterIdLst>
   <p:notesMasterIdLst>
-    <p:notesMasterId r:id="rId17"/>
+    <p:notesMasterId r:id="rId16"/>
   </p:notesMasterIdLst>
   <p:handoutMasterIdLst>
-    <p:handoutMasterId r:id="rId18"/>
+    <p:handoutMasterId r:id="rId17"/>
   </p:handoutMasterIdLst>
   <p:sldIdLst>
     <p:sldId id="379" r:id="rId2"/>
@@ -22,10 +22,9 @@
     <p:sldId id="402" r:id="rId10"/>
     <p:sldId id="403" r:id="rId11"/>
     <p:sldId id="406" r:id="rId12"/>
-    <p:sldId id="404" r:id="rId13"/>
-    <p:sldId id="408" r:id="rId14"/>
-    <p:sldId id="407" r:id="rId15"/>
-    <p:sldId id="409" r:id="rId16"/>
+    <p:sldId id="408" r:id="rId13"/>
+    <p:sldId id="404" r:id="rId14"/>
+    <p:sldId id="409" r:id="rId15"/>
   </p:sldIdLst>
   <p:sldSz cx="9144000" cy="6858000" type="screen4x3"/>
   <p:notesSz cx="6794500" cy="9931400"/>
@@ -5951,7 +5950,7 @@
                 <a:solidFill>
                   <a:srgbClr val="000000"/>
                 </a:solidFill>
-                <a:latin typeface="Garamond" panose="02020404030301010803" pitchFamily="18" charset="0"/>
+                <a:latin typeface="+mj-lt"/>
               </a:rPr>
               <a:t>Studenti</a:t>
             </a:r>
@@ -5960,7 +5959,7 @@
                 <a:solidFill>
                   <a:srgbClr val="000000"/>
                 </a:solidFill>
-                <a:latin typeface="Garamond" panose="02020404030301010803" pitchFamily="18" charset="0"/>
+                <a:latin typeface="+mj-lt"/>
               </a:rPr>
               <a:t>: </a:t>
             </a:r>
@@ -5976,7 +5975,7 @@
                 <a:solidFill>
                   <a:srgbClr val="000000"/>
                 </a:solidFill>
-                <a:latin typeface="Garamond" panose="02020404030301010803" pitchFamily="18" charset="0"/>
+                <a:latin typeface="+mj-lt"/>
               </a:rPr>
               <a:t>Masiero</a:t>
             </a:r>
@@ -5985,7 +5984,7 @@
                 <a:solidFill>
                   <a:srgbClr val="000000"/>
                 </a:solidFill>
-                <a:latin typeface="Garamond" panose="02020404030301010803" pitchFamily="18" charset="0"/>
+                <a:latin typeface="+mj-lt"/>
               </a:rPr>
               <a:t> Luca</a:t>
             </a:r>
@@ -6001,7 +6000,7 @@
                 <a:solidFill>
                   <a:srgbClr val="000000"/>
                 </a:solidFill>
-                <a:latin typeface="Garamond" panose="02020404030301010803" pitchFamily="18" charset="0"/>
+                <a:latin typeface="+mj-lt"/>
               </a:rPr>
               <a:t>Ivancich Stefano</a:t>
             </a:r>
@@ -6167,7 +6166,7 @@
                 <a:solidFill>
                   <a:srgbClr val="000000"/>
                 </a:solidFill>
-                <a:latin typeface="Garamond" panose="02020404030301010803" pitchFamily="18" charset="0"/>
+                <a:latin typeface="+mn-lt"/>
               </a:rPr>
               <a:t>Supervisor: </a:t>
             </a:r>
@@ -6183,7 +6182,7 @@
                 <a:solidFill>
                   <a:srgbClr val="000000"/>
                 </a:solidFill>
-                <a:latin typeface="Garamond" panose="02020404030301010803" pitchFamily="18" charset="0"/>
+                <a:latin typeface="+mn-lt"/>
               </a:rPr>
               <a:t>Comin Matteo</a:t>
             </a:r>
@@ -6349,7 +6348,7 @@
                 <a:solidFill>
                   <a:srgbClr val="000000"/>
                 </a:solidFill>
-                <a:latin typeface="Garamond" panose="02020404030301010803" pitchFamily="18" charset="0"/>
+                <a:latin typeface="+mn-lt"/>
               </a:rPr>
               <a:t>18 </a:t>
             </a:r>
@@ -6358,7 +6357,7 @@
                 <a:solidFill>
                   <a:srgbClr val="000000"/>
                 </a:solidFill>
-                <a:latin typeface="Garamond" panose="02020404030301010803" pitchFamily="18" charset="0"/>
+                <a:latin typeface="+mn-lt"/>
               </a:rPr>
               <a:t>Giugno</a:t>
             </a:r>
@@ -6367,7 +6366,7 @@
                 <a:solidFill>
                   <a:srgbClr val="000000"/>
                 </a:solidFill>
-                <a:latin typeface="Garamond" panose="02020404030301010803" pitchFamily="18" charset="0"/>
+                <a:latin typeface="+mn-lt"/>
               </a:rPr>
               <a:t> 2020</a:t>
             </a:r>
@@ -6589,7 +6588,7 @@
         </p:blipFill>
         <p:spPr>
           <a:xfrm>
-            <a:off x="0" y="2216845"/>
+            <a:off x="-794" y="3898626"/>
             <a:ext cx="9144000" cy="2424310"/>
           </a:xfrm>
           <a:prstGeom prst="rect">
@@ -6656,6 +6655,196 @@
               <a:t>10</a:t>
             </a:fld>
             <a:endParaRPr lang="en-US" altLang="it-IT" dirty="0"/>
+          </a:p>
+        </p:txBody>
+      </p:sp>
+      <p:sp>
+        <p:nvSpPr>
+          <p:cNvPr id="8" name="CasellaDiTesto 7">
+            <a:extLst>
+              <a:ext uri="{FF2B5EF4-FFF2-40B4-BE49-F238E27FC236}">
+                <a16:creationId xmlns:a16="http://schemas.microsoft.com/office/drawing/2014/main" id="{A71E20D8-E1E9-4E76-A56C-54CDB617BD00}"/>
+              </a:ext>
+            </a:extLst>
+          </p:cNvPr>
+          <p:cNvSpPr txBox="1"/>
+          <p:nvPr/>
+        </p:nvSpPr>
+        <p:spPr>
+          <a:xfrm>
+            <a:off x="15875" y="1053187"/>
+            <a:ext cx="8993096" cy="3170099"/>
+          </a:xfrm>
+          <a:prstGeom prst="rect">
+            <a:avLst/>
+          </a:prstGeom>
+          <a:noFill/>
+        </p:spPr>
+        <p:txBody>
+          <a:bodyPr wrap="square" rtlCol="0">
+            <a:spAutoFit/>
+          </a:bodyPr>
+          <a:lstStyle/>
+          <a:p>
+            <a:pPr algn="just"/>
+            <a:r>
+              <a:rPr lang="it-IT" sz="2000" dirty="0">
+                <a:latin typeface="+mj-lt"/>
+              </a:rPr>
+              <a:t>La </a:t>
+            </a:r>
+            <a:r>
+              <a:rPr lang="it-IT" sz="2000" i="1" dirty="0" err="1">
+                <a:solidFill>
+                  <a:schemeClr val="accent2">
+                    <a:lumMod val="75000"/>
+                  </a:schemeClr>
+                </a:solidFill>
+                <a:latin typeface="+mj-lt"/>
+              </a:rPr>
+              <a:t>structural</a:t>
+            </a:r>
+            <a:r>
+              <a:rPr lang="it-IT" sz="2000" dirty="0">
+                <a:latin typeface="+mj-lt"/>
+              </a:rPr>
+              <a:t> </a:t>
+            </a:r>
+            <a:r>
+              <a:rPr lang="it-IT" sz="2000" i="1" dirty="0" err="1">
+                <a:solidFill>
+                  <a:schemeClr val="accent2">
+                    <a:lumMod val="75000"/>
+                  </a:schemeClr>
+                </a:solidFill>
+                <a:latin typeface="+mj-lt"/>
+              </a:rPr>
+              <a:t>identity</a:t>
+            </a:r>
+            <a:r>
+              <a:rPr lang="it-IT" sz="2000" dirty="0">
+                <a:latin typeface="+mj-lt"/>
+              </a:rPr>
+              <a:t> (traducibile con identità strutturale) corrisponde ad un concetto di simmetria nel quale i nodi di una rete vengono identificati in base alla struttura della rete stessa e tramite relazioni con altri nodi.</a:t>
+            </a:r>
+          </a:p>
+          <a:p>
+            <a:pPr algn="just"/>
+            <a:endParaRPr lang="it-IT" sz="2000" dirty="0">
+              <a:latin typeface="+mj-lt"/>
+            </a:endParaRPr>
+          </a:p>
+          <a:p>
+            <a:pPr algn="just"/>
+            <a:r>
+              <a:rPr lang="it-IT" sz="2000" i="1" dirty="0">
+                <a:latin typeface="+mj-lt"/>
+              </a:rPr>
+              <a:t>struc2vec</a:t>
+            </a:r>
+            <a:r>
+              <a:rPr lang="it-IT" sz="2000" dirty="0">
+                <a:latin typeface="+mj-lt"/>
+              </a:rPr>
+              <a:t>:</a:t>
+            </a:r>
+          </a:p>
+          <a:p>
+            <a:pPr algn="just"/>
+            <a:r>
+              <a:rPr lang="it-IT" sz="2000" dirty="0">
+                <a:latin typeface="+mj-lt"/>
+              </a:rPr>
+              <a:t>1) è un framework flessibile per l’apprendimento di </a:t>
+            </a:r>
+            <a:r>
+              <a:rPr lang="it-IT" sz="2000" i="1" dirty="0" err="1">
+                <a:latin typeface="+mj-lt"/>
+              </a:rPr>
+              <a:t>latent</a:t>
+            </a:r>
+            <a:r>
+              <a:rPr lang="it-IT" sz="2000" i="1" dirty="0">
+                <a:latin typeface="+mj-lt"/>
+              </a:rPr>
+              <a:t> </a:t>
+            </a:r>
+            <a:r>
+              <a:rPr lang="it-IT" sz="2000" i="1" dirty="0" err="1">
+                <a:latin typeface="+mj-lt"/>
+              </a:rPr>
+              <a:t>representations</a:t>
+            </a:r>
+            <a:r>
+              <a:rPr lang="it-IT" sz="2000" i="1" dirty="0">
+                <a:latin typeface="+mj-lt"/>
+              </a:rPr>
+              <a:t> </a:t>
+            </a:r>
+            <a:r>
+              <a:rPr lang="it-IT" sz="2000" dirty="0">
+                <a:latin typeface="+mj-lt"/>
+              </a:rPr>
+              <a:t>per l’identità strutturale dei nodi;</a:t>
+            </a:r>
+          </a:p>
+          <a:p>
+            <a:pPr algn="just"/>
+            <a:r>
+              <a:rPr lang="it-IT" sz="2000" dirty="0">
+                <a:latin typeface="+mj-lt"/>
+              </a:rPr>
+              <a:t>2) Utilizza un </a:t>
+            </a:r>
+            <a:r>
+              <a:rPr lang="it-IT" sz="2000" dirty="0">
+                <a:solidFill>
+                  <a:schemeClr val="bg2">
+                    <a:lumMod val="50000"/>
+                  </a:schemeClr>
+                </a:solidFill>
+                <a:latin typeface="+mj-lt"/>
+              </a:rPr>
+              <a:t>grafo</a:t>
+            </a:r>
+            <a:r>
+              <a:rPr lang="it-IT" sz="2000" dirty="0">
+                <a:latin typeface="+mj-lt"/>
+              </a:rPr>
+              <a:t> </a:t>
+            </a:r>
+            <a:r>
+              <a:rPr lang="it-IT" sz="2000" dirty="0">
+                <a:solidFill>
+                  <a:schemeClr val="bg2">
+                    <a:lumMod val="50000"/>
+                  </a:schemeClr>
+                </a:solidFill>
+                <a:latin typeface="+mj-lt"/>
+              </a:rPr>
+              <a:t>multi-livello</a:t>
+            </a:r>
+            <a:r>
+              <a:rPr lang="it-IT" sz="2000" dirty="0">
+                <a:latin typeface="+mj-lt"/>
+              </a:rPr>
+              <a:t>;</a:t>
+            </a:r>
+          </a:p>
+          <a:p>
+            <a:pPr algn="just"/>
+            <a:r>
+              <a:rPr lang="it-IT" sz="2000" dirty="0">
+                <a:latin typeface="+mj-lt"/>
+              </a:rPr>
+              <a:t>3) È molto performante.</a:t>
+            </a:r>
+          </a:p>
+          <a:p>
+            <a:pPr algn="just"/>
+            <a:endParaRPr lang="it-IT" sz="2000" dirty="0">
+              <a:latin typeface="+mj-lt"/>
+            </a:endParaRPr>
           </a:p>
         </p:txBody>
       </p:sp>
@@ -6879,7 +7068,7 @@
         </p:blipFill>
         <p:spPr>
           <a:xfrm>
-            <a:off x="0" y="2192311"/>
+            <a:off x="-794" y="1181692"/>
             <a:ext cx="9144000" cy="2473377"/>
           </a:xfrm>
           <a:prstGeom prst="rect">
@@ -6949,6 +7138,308 @@
           </a:p>
         </p:txBody>
       </p:sp>
+      <mc:AlternateContent xmlns:mc="http://schemas.openxmlformats.org/markup-compatibility/2006">
+        <mc:Choice xmlns:a14="http://schemas.microsoft.com/office/drawing/2010/main" Requires="a14">
+          <p:sp>
+            <p:nvSpPr>
+              <p:cNvPr id="9" name="CasellaDiTesto 8">
+                <a:extLst>
+                  <a:ext uri="{FF2B5EF4-FFF2-40B4-BE49-F238E27FC236}">
+                    <a16:creationId xmlns:a16="http://schemas.microsoft.com/office/drawing/2014/main" id="{88AA56FF-90C2-4507-A628-A91372D584C0}"/>
+                  </a:ext>
+                </a:extLst>
+              </p:cNvPr>
+              <p:cNvSpPr txBox="1"/>
+              <p:nvPr/>
+            </p:nvSpPr>
+            <p:spPr>
+              <a:xfrm>
+                <a:off x="-59486" y="3793699"/>
+                <a:ext cx="8993096" cy="3046988"/>
+              </a:xfrm>
+              <a:prstGeom prst="rect">
+                <a:avLst/>
+              </a:prstGeom>
+              <a:noFill/>
+            </p:spPr>
+            <p:txBody>
+              <a:bodyPr wrap="square" rtlCol="0">
+                <a:spAutoFit/>
+              </a:bodyPr>
+              <a:lstStyle/>
+              <a:p>
+                <a:pPr algn="just"/>
+                <a:r>
+                  <a:rPr lang="it-IT" sz="2400" b="1" dirty="0">
+                    <a:solidFill>
+                      <a:srgbClr val="0000FF"/>
+                    </a:solidFill>
+                    <a:latin typeface="+mj-lt"/>
+                  </a:rPr>
+                  <a:t>4 FASI</a:t>
+                </a:r>
+              </a:p>
+              <a:p>
+                <a:pPr algn="just"/>
+                <a:r>
+                  <a:rPr lang="it-IT" sz="2400" dirty="0">
+                    <a:latin typeface="+mj-lt"/>
+                  </a:rPr>
+                  <a:t>1) Determinazione dell’identità strutturale tra due nodi;</a:t>
+                </a:r>
+              </a:p>
+              <a:p>
+                <a:pPr algn="just"/>
+                <a:r>
+                  <a:rPr lang="it-IT" sz="2400" dirty="0">
+                    <a:latin typeface="+mj-lt"/>
+                  </a:rPr>
+                  <a:t>2) Calcola </a:t>
+                </a:r>
+                <a14:m>
+                  <m:oMath xmlns:m="http://schemas.openxmlformats.org/officeDocument/2006/math">
+                    <m:sSub>
+                      <m:sSubPr>
+                        <m:ctrlPr>
+                          <a:rPr lang="it-IT" sz="2400" i="1" smtClean="0">
+                            <a:latin typeface="Cambria Math" panose="02040503050406030204" pitchFamily="18" charset="0"/>
+                          </a:rPr>
+                        </m:ctrlPr>
+                      </m:sSubPr>
+                      <m:e>
+                        <m:r>
+                          <a:rPr lang="it-IT" sz="2400" i="1" smtClean="0">
+                            <a:latin typeface="Cambria Math" panose="02040503050406030204" pitchFamily="18" charset="0"/>
+                          </a:rPr>
+                          <m:t>𝑅</m:t>
+                        </m:r>
+                      </m:e>
+                      <m:sub>
+                        <m:r>
+                          <a:rPr lang="it-IT" sz="2400" i="1" smtClean="0">
+                            <a:latin typeface="Cambria Math" panose="02040503050406030204" pitchFamily="18" charset="0"/>
+                          </a:rPr>
+                          <m:t>𝑘</m:t>
+                        </m:r>
+                      </m:sub>
+                    </m:sSub>
+                    <m:d>
+                      <m:dPr>
+                        <m:ctrlPr>
+                          <a:rPr lang="it-IT" sz="2400" i="1" smtClean="0">
+                            <a:latin typeface="Cambria Math" panose="02040503050406030204" pitchFamily="18" charset="0"/>
+                          </a:rPr>
+                        </m:ctrlPr>
+                      </m:dPr>
+                      <m:e>
+                        <m:r>
+                          <a:rPr lang="it-IT" sz="2400" i="1" smtClean="0">
+                            <a:latin typeface="Cambria Math" panose="02040503050406030204" pitchFamily="18" charset="0"/>
+                          </a:rPr>
+                          <m:t>𝑢</m:t>
+                        </m:r>
+                      </m:e>
+                    </m:d>
+                  </m:oMath>
+                </a14:m>
+                <a:r>
+                  <a:rPr lang="it-IT" sz="2400" dirty="0">
+                    <a:latin typeface="+mj-lt"/>
+                  </a:rPr>
+                  <a:t>: insiemi dei nodi a distanza </a:t>
+                </a:r>
+                <a14:m>
+                  <m:oMath xmlns:m="http://schemas.openxmlformats.org/officeDocument/2006/math">
+                    <m:r>
+                      <a:rPr lang="it-IT" sz="2400" b="0" i="1" smtClean="0">
+                        <a:latin typeface="Cambria Math" panose="02040503050406030204" pitchFamily="18" charset="0"/>
+                      </a:rPr>
+                      <m:t>𝑘</m:t>
+                    </m:r>
+                    <m:r>
+                      <a:rPr lang="it-IT" sz="2400" b="0" i="1" smtClean="0">
+                        <a:latin typeface="Cambria Math" panose="02040503050406030204" pitchFamily="18" charset="0"/>
+                      </a:rPr>
+                      <m:t>≥0</m:t>
+                    </m:r>
+                  </m:oMath>
+                </a14:m>
+                <a:r>
+                  <a:rPr lang="it-IT" sz="2400" dirty="0">
+                    <a:latin typeface="+mj-lt"/>
+                  </a:rPr>
+                  <a:t> da </a:t>
+                </a:r>
+                <a14:m>
+                  <m:oMath xmlns:m="http://schemas.openxmlformats.org/officeDocument/2006/math">
+                    <m:r>
+                      <a:rPr lang="it-IT" sz="2400" i="1" smtClean="0">
+                        <a:latin typeface="Cambria Math" panose="02040503050406030204" pitchFamily="18" charset="0"/>
+                      </a:rPr>
+                      <m:t>𝑢</m:t>
+                    </m:r>
+                    <m:r>
+                      <a:rPr lang="it-IT" sz="2400" i="1" smtClean="0">
+                        <a:latin typeface="Cambria Math" panose="02040503050406030204" pitchFamily="18" charset="0"/>
+                      </a:rPr>
+                      <m:t>∈</m:t>
+                    </m:r>
+                    <m:r>
+                      <a:rPr lang="it-IT" sz="2400" i="1" smtClean="0">
+                        <a:latin typeface="Cambria Math" panose="02040503050406030204" pitchFamily="18" charset="0"/>
+                      </a:rPr>
+                      <m:t>𝐺</m:t>
+                    </m:r>
+                    <m:r>
+                      <a:rPr lang="it-IT" sz="2400" b="0" i="1" smtClean="0">
+                        <a:latin typeface="Cambria Math" panose="02040503050406030204" pitchFamily="18" charset="0"/>
+                      </a:rPr>
+                      <m:t>;</m:t>
+                    </m:r>
+                  </m:oMath>
+                </a14:m>
+                <a:endParaRPr lang="it-IT" sz="2400" b="0" dirty="0">
+                  <a:latin typeface="+mj-lt"/>
+                </a:endParaRPr>
+              </a:p>
+              <a:p>
+                <a:pPr algn="just"/>
+                <a:r>
+                  <a:rPr lang="it-IT" sz="2400" dirty="0">
+                    <a:latin typeface="+mj-lt"/>
+                  </a:rPr>
+                  <a:t>3) Compara sequenze con DTW e costruisce un grafo multi-livello pesato;</a:t>
+                </a:r>
+              </a:p>
+              <a:p>
+                <a:pPr algn="just"/>
+                <a:r>
+                  <a:rPr lang="it-IT" sz="2400" dirty="0">
+                    <a:latin typeface="+mj-lt"/>
+                  </a:rPr>
+                  <a:t>4) Utilizza una tecnica di </a:t>
+                </a:r>
+                <a:r>
+                  <a:rPr lang="it-IT" sz="2400" i="1" dirty="0" err="1">
+                    <a:solidFill>
+                      <a:srgbClr val="7030A0"/>
+                    </a:solidFill>
+                    <a:latin typeface="+mj-lt"/>
+                  </a:rPr>
+                  <a:t>unsupervised</a:t>
+                </a:r>
+                <a:r>
+                  <a:rPr lang="it-IT" sz="2400" dirty="0">
+                    <a:solidFill>
+                      <a:srgbClr val="7030A0"/>
+                    </a:solidFill>
+                    <a:latin typeface="+mj-lt"/>
+                  </a:rPr>
+                  <a:t> </a:t>
+                </a:r>
+                <a:r>
+                  <a:rPr lang="it-IT" sz="2400" i="1" dirty="0">
+                    <a:solidFill>
+                      <a:srgbClr val="7030A0"/>
+                    </a:solidFill>
+                    <a:latin typeface="+mj-lt"/>
+                  </a:rPr>
+                  <a:t>learning</a:t>
+                </a:r>
+                <a:r>
+                  <a:rPr lang="it-IT" sz="2400" dirty="0">
+                    <a:solidFill>
+                      <a:srgbClr val="7030A0"/>
+                    </a:solidFill>
+                    <a:latin typeface="+mj-lt"/>
+                  </a:rPr>
+                  <a:t> </a:t>
+                </a:r>
+                <a:r>
+                  <a:rPr lang="it-IT" sz="2400" dirty="0">
+                    <a:latin typeface="+mj-lt"/>
+                  </a:rPr>
+                  <a:t>per imparare le </a:t>
+                </a:r>
+                <a:r>
+                  <a:rPr lang="it-IT" sz="2400" i="1" dirty="0" err="1">
+                    <a:latin typeface="+mj-lt"/>
+                  </a:rPr>
+                  <a:t>latent</a:t>
+                </a:r>
+                <a:r>
+                  <a:rPr lang="it-IT" sz="2400" dirty="0">
+                    <a:latin typeface="+mj-lt"/>
+                  </a:rPr>
+                  <a:t> </a:t>
+                </a:r>
+                <a:r>
+                  <a:rPr lang="it-IT" sz="2400" i="1" dirty="0" err="1">
+                    <a:latin typeface="+mj-lt"/>
+                  </a:rPr>
+                  <a:t>representations</a:t>
+                </a:r>
+                <a:r>
+                  <a:rPr lang="it-IT" sz="2400" dirty="0">
+                    <a:latin typeface="+mj-lt"/>
+                  </a:rPr>
+                  <a:t>.</a:t>
+                </a:r>
+              </a:p>
+              <a:p>
+                <a:pPr algn="just"/>
+                <a:endParaRPr lang="it-IT" sz="2400" dirty="0">
+                  <a:latin typeface="+mj-lt"/>
+                </a:endParaRPr>
+              </a:p>
+            </p:txBody>
+          </p:sp>
+        </mc:Choice>
+        <mc:Fallback>
+          <p:sp>
+            <p:nvSpPr>
+              <p:cNvPr id="9" name="CasellaDiTesto 8">
+                <a:extLst>
+                  <a:ext uri="{FF2B5EF4-FFF2-40B4-BE49-F238E27FC236}">
+                    <a16:creationId xmlns:a16="http://schemas.microsoft.com/office/drawing/2014/main" id="{88AA56FF-90C2-4507-A628-A91372D584C0}"/>
+                  </a:ext>
+                </a:extLst>
+              </p:cNvPr>
+              <p:cNvSpPr txBox="1">
+                <a:spLocks noRot="1" noChangeAspect="1" noMove="1" noResize="1" noEditPoints="1" noAdjustHandles="1" noChangeArrowheads="1" noChangeShapeType="1" noTextEdit="1"/>
+              </p:cNvSpPr>
+              <p:nvPr/>
+            </p:nvSpPr>
+            <p:spPr>
+              <a:xfrm>
+                <a:off x="-59486" y="3793699"/>
+                <a:ext cx="8993096" cy="3046988"/>
+              </a:xfrm>
+              <a:prstGeom prst="rect">
+                <a:avLst/>
+              </a:prstGeom>
+              <a:blipFill>
+                <a:blip r:embed="rId4"/>
+                <a:stretch>
+                  <a:fillRect l="-1017" t="-1600" r="-1085"/>
+                </a:stretch>
+              </a:blipFill>
+            </p:spPr>
+            <p:txBody>
+              <a:bodyPr/>
+              <a:lstStyle/>
+              <a:p>
+                <a:r>
+                  <a:rPr lang="it-IT">
+                    <a:noFill/>
+                  </a:rPr>
+                  <a:t> </a:t>
+                </a:r>
+              </a:p>
+            </p:txBody>
+          </p:sp>
+        </mc:Fallback>
+      </mc:AlternateContent>
     </p:spTree>
     <p:extLst>
       <p:ext uri="{BB962C8B-B14F-4D97-AF65-F5344CB8AC3E}">
@@ -7147,12 +7638,130 @@
           </a:p>
         </p:txBody>
       </p:sp>
+      <p:sp>
+        <p:nvSpPr>
+          <p:cNvPr id="4" name="Segnaposto piè di pagina 3">
+            <a:extLst>
+              <a:ext uri="{FF2B5EF4-FFF2-40B4-BE49-F238E27FC236}">
+                <a16:creationId xmlns:a16="http://schemas.microsoft.com/office/drawing/2014/main" id="{132569EC-B884-40D8-85E2-57BADE786F10}"/>
+              </a:ext>
+            </a:extLst>
+          </p:cNvPr>
+          <p:cNvSpPr>
+            <a:spLocks noGrp="1"/>
+          </p:cNvSpPr>
+          <p:nvPr>
+            <p:ph type="ftr" sz="quarter" idx="11"/>
+          </p:nvPr>
+        </p:nvSpPr>
+        <p:spPr/>
+        <p:txBody>
+          <a:bodyPr/>
+          <a:lstStyle/>
+          <a:p>
+            <a:pPr>
+              <a:defRPr/>
+            </a:pPr>
+            <a:r>
+              <a:rPr lang="it-IT"/>
+              <a:t>Masiero L. Ivancich S.</a:t>
+            </a:r>
+            <a:endParaRPr lang="en-US" dirty="0"/>
+          </a:p>
+        </p:txBody>
+      </p:sp>
+      <p:sp>
+        <p:nvSpPr>
+          <p:cNvPr id="5" name="Segnaposto numero diapositiva 4">
+            <a:extLst>
+              <a:ext uri="{FF2B5EF4-FFF2-40B4-BE49-F238E27FC236}">
+                <a16:creationId xmlns:a16="http://schemas.microsoft.com/office/drawing/2014/main" id="{2E9CF88A-2116-4A80-B0ED-1262563C9595}"/>
+              </a:ext>
+            </a:extLst>
+          </p:cNvPr>
+          <p:cNvSpPr>
+            <a:spLocks noGrp="1"/>
+          </p:cNvSpPr>
+          <p:nvPr>
+            <p:ph type="sldNum" sz="quarter" idx="12"/>
+          </p:nvPr>
+        </p:nvSpPr>
+        <p:spPr/>
+        <p:txBody>
+          <a:bodyPr/>
+          <a:lstStyle/>
+          <a:p>
+            <a:fld id="{7A1D8CC2-AC32-48BF-A9F5-B79D7A95954F}" type="slidenum">
+              <a:rPr lang="en-US" altLang="it-IT" smtClean="0"/>
+              <a:pPr/>
+              <a:t>12</a:t>
+            </a:fld>
+            <a:endParaRPr lang="en-US" altLang="it-IT" dirty="0"/>
+          </a:p>
+        </p:txBody>
+      </p:sp>
+      <p:sp>
+        <p:nvSpPr>
+          <p:cNvPr id="7" name="CasellaDiTesto 6">
+            <a:extLst>
+              <a:ext uri="{FF2B5EF4-FFF2-40B4-BE49-F238E27FC236}">
+                <a16:creationId xmlns:a16="http://schemas.microsoft.com/office/drawing/2014/main" id="{4DC19FDD-7E96-4495-B6DD-2992D0D2CA64}"/>
+              </a:ext>
+            </a:extLst>
+          </p:cNvPr>
+          <p:cNvSpPr txBox="1"/>
+          <p:nvPr/>
+        </p:nvSpPr>
+        <p:spPr>
+          <a:xfrm>
+            <a:off x="75452" y="1181692"/>
+            <a:ext cx="8993096" cy="830997"/>
+          </a:xfrm>
+          <a:prstGeom prst="rect">
+            <a:avLst/>
+          </a:prstGeom>
+          <a:noFill/>
+        </p:spPr>
+        <p:txBody>
+          <a:bodyPr wrap="square" rtlCol="0">
+            <a:spAutoFit/>
+          </a:bodyPr>
+          <a:lstStyle/>
+          <a:p>
+            <a:pPr algn="just"/>
+            <a:r>
+              <a:rPr lang="it-IT" sz="2400" b="1" dirty="0">
+                <a:latin typeface="+mj-lt"/>
+              </a:rPr>
+              <a:t>Idea: </a:t>
+            </a:r>
+            <a:r>
+              <a:rPr lang="it-IT" sz="2400" dirty="0">
+                <a:latin typeface="+mj-lt"/>
+              </a:rPr>
+              <a:t>mappare insieme nodi che costituiscono un pattern (</a:t>
+            </a:r>
+            <a:r>
+              <a:rPr lang="it-IT" sz="2400" i="1" dirty="0" err="1">
+                <a:latin typeface="+mj-lt"/>
+              </a:rPr>
+              <a:t>graphlet</a:t>
+            </a:r>
+            <a:r>
+              <a:rPr lang="it-IT" sz="2400" dirty="0">
+                <a:latin typeface="+mj-lt"/>
+              </a:rPr>
+              <a:t>) con molte interazioni condivise.</a:t>
+            </a:r>
+          </a:p>
+        </p:txBody>
+      </p:sp>
       <p:pic>
         <p:nvPicPr>
-          <p:cNvPr id="3" name="Immagine 2">
+          <p:cNvPr id="8" name="Immagine 7">
             <a:extLst>
               <a:ext uri="{FF2B5EF4-FFF2-40B4-BE49-F238E27FC236}">
-                <a16:creationId xmlns:a16="http://schemas.microsoft.com/office/drawing/2014/main" id="{2EBD74D6-8D2B-4DBA-B7DE-0AEC5ED35F04}"/>
+                <a16:creationId xmlns:a16="http://schemas.microsoft.com/office/drawing/2014/main" id="{651DDFB6-016D-4A71-8D27-B555988B33A3}"/>
               </a:ext>
             </a:extLst>
           </p:cNvPr>
@@ -7169,80 +7778,18 @@
         </p:blipFill>
         <p:spPr>
           <a:xfrm>
-            <a:off x="0" y="906900"/>
-            <a:ext cx="9144000" cy="5044199"/>
+            <a:off x="755904" y="2138294"/>
+            <a:ext cx="7632192" cy="4210225"/>
           </a:xfrm>
           <a:prstGeom prst="rect">
             <a:avLst/>
           </a:prstGeom>
         </p:spPr>
       </p:pic>
-      <p:sp>
-        <p:nvSpPr>
-          <p:cNvPr id="5" name="Segnaposto piè di pagina 4">
-            <a:extLst>
-              <a:ext uri="{FF2B5EF4-FFF2-40B4-BE49-F238E27FC236}">
-                <a16:creationId xmlns:a16="http://schemas.microsoft.com/office/drawing/2014/main" id="{C8FA84AE-9C6F-4489-856A-DE17E111520B}"/>
-              </a:ext>
-            </a:extLst>
-          </p:cNvPr>
-          <p:cNvSpPr>
-            <a:spLocks noGrp="1"/>
-          </p:cNvSpPr>
-          <p:nvPr>
-            <p:ph type="ftr" sz="quarter" idx="11"/>
-          </p:nvPr>
-        </p:nvSpPr>
-        <p:spPr/>
-        <p:txBody>
-          <a:bodyPr/>
-          <a:lstStyle/>
-          <a:p>
-            <a:pPr>
-              <a:defRPr/>
-            </a:pPr>
-            <a:r>
-              <a:rPr lang="it-IT"/>
-              <a:t>Masiero L. Ivancich S.</a:t>
-            </a:r>
-            <a:endParaRPr lang="en-US" dirty="0"/>
-          </a:p>
-        </p:txBody>
-      </p:sp>
-      <p:sp>
-        <p:nvSpPr>
-          <p:cNvPr id="7" name="Segnaposto numero diapositiva 6">
-            <a:extLst>
-              <a:ext uri="{FF2B5EF4-FFF2-40B4-BE49-F238E27FC236}">
-                <a16:creationId xmlns:a16="http://schemas.microsoft.com/office/drawing/2014/main" id="{29D52353-7F79-4896-8CE4-790CDCEEBEE7}"/>
-              </a:ext>
-            </a:extLst>
-          </p:cNvPr>
-          <p:cNvSpPr>
-            <a:spLocks noGrp="1"/>
-          </p:cNvSpPr>
-          <p:nvPr>
-            <p:ph type="sldNum" sz="quarter" idx="12"/>
-          </p:nvPr>
-        </p:nvSpPr>
-        <p:spPr/>
-        <p:txBody>
-          <a:bodyPr/>
-          <a:lstStyle/>
-          <a:p>
-            <a:fld id="{7A1D8CC2-AC32-48BF-A9F5-B79D7A95954F}" type="slidenum">
-              <a:rPr lang="en-US" altLang="it-IT" smtClean="0"/>
-              <a:pPr/>
-              <a:t>12</a:t>
-            </a:fld>
-            <a:endParaRPr lang="en-US" altLang="it-IT" dirty="0"/>
-          </a:p>
-        </p:txBody>
-      </p:sp>
     </p:spTree>
     <p:extLst>
       <p:ext uri="{BB962C8B-B14F-4D97-AF65-F5344CB8AC3E}">
-        <p14:creationId xmlns:p14="http://schemas.microsoft.com/office/powerpoint/2010/main" val="2720987061"/>
+        <p14:creationId xmlns:p14="http://schemas.microsoft.com/office/powerpoint/2010/main" val="1560956855"/>
       </p:ext>
     </p:extLst>
   </p:cSld>
@@ -7439,10 +7986,10 @@
       </p:sp>
       <p:sp>
         <p:nvSpPr>
-          <p:cNvPr id="4" name="Segnaposto piè di pagina 3">
+          <p:cNvPr id="5" name="Segnaposto piè di pagina 4">
             <a:extLst>
               <a:ext uri="{FF2B5EF4-FFF2-40B4-BE49-F238E27FC236}">
-                <a16:creationId xmlns:a16="http://schemas.microsoft.com/office/drawing/2014/main" id="{132569EC-B884-40D8-85E2-57BADE786F10}"/>
+                <a16:creationId xmlns:a16="http://schemas.microsoft.com/office/drawing/2014/main" id="{C8FA84AE-9C6F-4489-856A-DE17E111520B}"/>
               </a:ext>
             </a:extLst>
           </p:cNvPr>
@@ -7471,10 +8018,10 @@
       </p:sp>
       <p:sp>
         <p:nvSpPr>
-          <p:cNvPr id="5" name="Segnaposto numero diapositiva 4">
+          <p:cNvPr id="7" name="Segnaposto numero diapositiva 6">
             <a:extLst>
               <a:ext uri="{FF2B5EF4-FFF2-40B4-BE49-F238E27FC236}">
-                <a16:creationId xmlns:a16="http://schemas.microsoft.com/office/drawing/2014/main" id="{2E9CF88A-2116-4A80-B0ED-1262563C9595}"/>
+                <a16:creationId xmlns:a16="http://schemas.microsoft.com/office/drawing/2014/main" id="{29D52353-7F79-4896-8CE4-790CDCEEBEE7}"/>
               </a:ext>
             </a:extLst>
           </p:cNvPr>
@@ -7499,10 +8046,553 @@
           </a:p>
         </p:txBody>
       </p:sp>
+      <p:sp>
+        <p:nvSpPr>
+          <p:cNvPr id="8" name="CasellaDiTesto 7">
+            <a:extLst>
+              <a:ext uri="{FF2B5EF4-FFF2-40B4-BE49-F238E27FC236}">
+                <a16:creationId xmlns:a16="http://schemas.microsoft.com/office/drawing/2014/main" id="{9FB3EDAE-ECAC-4C44-AA58-1FB647A01032}"/>
+              </a:ext>
+            </a:extLst>
+          </p:cNvPr>
+          <p:cNvSpPr txBox="1"/>
+          <p:nvPr/>
+        </p:nvSpPr>
+        <p:spPr>
+          <a:xfrm>
+            <a:off x="75452" y="1168568"/>
+            <a:ext cx="8993096" cy="1938992"/>
+          </a:xfrm>
+          <a:prstGeom prst="rect">
+            <a:avLst/>
+          </a:prstGeom>
+          <a:noFill/>
+        </p:spPr>
+        <p:txBody>
+          <a:bodyPr wrap="square" rtlCol="0">
+            <a:spAutoFit/>
+          </a:bodyPr>
+          <a:lstStyle/>
+          <a:p>
+            <a:pPr algn="just"/>
+            <a:r>
+              <a:rPr lang="it-IT" sz="2400" b="1" dirty="0">
+                <a:latin typeface="+mj-lt"/>
+              </a:rPr>
+              <a:t>Funzione obiettivo: </a:t>
+            </a:r>
+            <a:r>
+              <a:rPr lang="it-IT" sz="2400" dirty="0">
+                <a:latin typeface="+mj-lt"/>
+              </a:rPr>
+              <a:t>fonde le informazioni dalle sequenze di proteine con le interazioni tra i </a:t>
+            </a:r>
+            <a:r>
+              <a:rPr lang="it-IT" sz="2400" i="1" dirty="0" err="1">
+                <a:latin typeface="+mj-lt"/>
+              </a:rPr>
+              <a:t>graphlet</a:t>
+            </a:r>
+            <a:r>
+              <a:rPr lang="it-IT" sz="2400" dirty="0">
+                <a:latin typeface="+mj-lt"/>
+              </a:rPr>
+              <a:t> (si risolve con la </a:t>
+            </a:r>
+            <a:r>
+              <a:rPr lang="it-IT" sz="2400" dirty="0">
+                <a:solidFill>
+                  <a:schemeClr val="accent1">
+                    <a:lumMod val="50000"/>
+                  </a:schemeClr>
+                </a:solidFill>
+                <a:latin typeface="+mj-lt"/>
+              </a:rPr>
+              <a:t>Programmazione Intera</a:t>
+            </a:r>
+            <a:r>
+              <a:rPr lang="it-IT" sz="2400" dirty="0">
+                <a:latin typeface="+mj-lt"/>
+              </a:rPr>
+              <a:t>).</a:t>
+            </a:r>
+            <a:endParaRPr lang="it-IT" sz="2400" i="1" dirty="0">
+              <a:latin typeface="+mj-lt"/>
+            </a:endParaRPr>
+          </a:p>
+          <a:p>
+            <a:pPr algn="just"/>
+            <a:r>
+              <a:rPr lang="it-IT" sz="2400" b="1" dirty="0">
+                <a:solidFill>
+                  <a:srgbClr val="0000FF"/>
+                </a:solidFill>
+                <a:latin typeface="+mj-lt"/>
+              </a:rPr>
+              <a:t>FASI</a:t>
+            </a:r>
+          </a:p>
+          <a:p>
+            <a:pPr algn="just"/>
+            <a:r>
+              <a:rPr lang="it-IT" sz="2400" dirty="0">
+                <a:latin typeface="+mj-lt"/>
+              </a:rPr>
+              <a:t>1) </a:t>
+            </a:r>
+            <a:r>
+              <a:rPr lang="it-IT" sz="2400" i="1" dirty="0" err="1">
+                <a:latin typeface="+mj-lt"/>
+              </a:rPr>
+              <a:t>Similarity</a:t>
+            </a:r>
+            <a:r>
+              <a:rPr lang="it-IT" sz="2400" i="1" dirty="0">
+                <a:latin typeface="+mj-lt"/>
+              </a:rPr>
+              <a:t> scores</a:t>
+            </a:r>
+            <a:r>
+              <a:rPr lang="it-IT" sz="2400" dirty="0">
+                <a:latin typeface="+mj-lt"/>
+              </a:rPr>
+              <a:t> e definizione della </a:t>
+            </a:r>
+            <a:r>
+              <a:rPr lang="it-IT" sz="2400" i="1" dirty="0" err="1">
+                <a:latin typeface="+mj-lt"/>
+              </a:rPr>
+              <a:t>topological</a:t>
+            </a:r>
+            <a:r>
+              <a:rPr lang="it-IT" sz="2400" dirty="0">
+                <a:latin typeface="+mj-lt"/>
+              </a:rPr>
+              <a:t> </a:t>
+            </a:r>
+            <a:r>
+              <a:rPr lang="it-IT" sz="2400" i="1" dirty="0" err="1">
+                <a:latin typeface="+mj-lt"/>
+              </a:rPr>
+              <a:t>similarities</a:t>
+            </a:r>
+            <a:r>
+              <a:rPr lang="it-IT" sz="2400" i="1" dirty="0">
+                <a:latin typeface="+mj-lt"/>
+              </a:rPr>
+              <a:t>;</a:t>
+            </a:r>
+          </a:p>
+          <a:p>
+            <a:pPr algn="just"/>
+            <a:endParaRPr lang="it-IT" sz="2400" i="1" dirty="0">
+              <a:latin typeface="+mj-lt"/>
+            </a:endParaRPr>
+          </a:p>
+        </p:txBody>
+      </p:sp>
+      <p:pic>
+        <p:nvPicPr>
+          <p:cNvPr id="4" name="Immagine 3">
+            <a:extLst>
+              <a:ext uri="{FF2B5EF4-FFF2-40B4-BE49-F238E27FC236}">
+                <a16:creationId xmlns:a16="http://schemas.microsoft.com/office/drawing/2014/main" id="{59AD82BF-CA30-4F5F-A802-62BBA7A8C0C4}"/>
+              </a:ext>
+            </a:extLst>
+          </p:cNvPr>
+          <p:cNvPicPr>
+            <a:picLocks noChangeAspect="1"/>
+          </p:cNvPicPr>
+          <p:nvPr/>
+        </p:nvPicPr>
+        <p:blipFill>
+          <a:blip r:embed="rId2"/>
+          <a:stretch>
+            <a:fillRect/>
+          </a:stretch>
+        </p:blipFill>
+        <p:spPr>
+          <a:xfrm>
+            <a:off x="-794" y="2726317"/>
+            <a:ext cx="9144000" cy="877378"/>
+          </a:xfrm>
+          <a:prstGeom prst="rect">
+            <a:avLst/>
+          </a:prstGeom>
+        </p:spPr>
+      </p:pic>
+      <mc:AlternateContent xmlns:mc="http://schemas.openxmlformats.org/markup-compatibility/2006">
+        <mc:Choice xmlns:a14="http://schemas.microsoft.com/office/drawing/2010/main" Requires="a14">
+          <p:sp>
+            <p:nvSpPr>
+              <p:cNvPr id="9" name="CasellaDiTesto 8">
+                <a:extLst>
+                  <a:ext uri="{FF2B5EF4-FFF2-40B4-BE49-F238E27FC236}">
+                    <a16:creationId xmlns:a16="http://schemas.microsoft.com/office/drawing/2014/main" id="{7C97E767-F286-4A0D-9F67-A2F4F1A1E929}"/>
+                  </a:ext>
+                </a:extLst>
+              </p:cNvPr>
+              <p:cNvSpPr txBox="1"/>
+              <p:nvPr/>
+            </p:nvSpPr>
+            <p:spPr>
+              <a:xfrm>
+                <a:off x="75452" y="3429000"/>
+                <a:ext cx="8993096" cy="1569660"/>
+              </a:xfrm>
+              <a:prstGeom prst="rect">
+                <a:avLst/>
+              </a:prstGeom>
+              <a:noFill/>
+            </p:spPr>
+            <p:txBody>
+              <a:bodyPr wrap="square" rtlCol="0">
+                <a:spAutoFit/>
+              </a:bodyPr>
+              <a:lstStyle/>
+              <a:p>
+                <a:pPr algn="just"/>
+                <a:r>
+                  <a:rPr lang="it-IT" sz="2400" dirty="0">
+                    <a:latin typeface="+mj-lt"/>
+                  </a:rPr>
+                  <a:t>2) Strategia del </a:t>
+                </a:r>
+                <a:r>
+                  <a:rPr lang="it-IT" sz="2400" i="1" dirty="0">
+                    <a:latin typeface="+mj-lt"/>
+                  </a:rPr>
+                  <a:t>two-step </a:t>
+                </a:r>
+                <a:r>
+                  <a:rPr lang="it-IT" sz="2400" i="1" dirty="0" err="1">
+                    <a:latin typeface="+mj-lt"/>
+                  </a:rPr>
+                  <a:t>alignment</a:t>
+                </a:r>
+                <a:r>
+                  <a:rPr lang="it-IT" sz="2400" i="1" dirty="0">
+                    <a:latin typeface="+mj-lt"/>
+                  </a:rPr>
+                  <a:t> </a:t>
+                </a:r>
+                <a:r>
+                  <a:rPr lang="it-IT" sz="2400" dirty="0">
+                    <a:latin typeface="+mj-lt"/>
+                  </a:rPr>
+                  <a:t>per risolvere il problema in tempo </a:t>
+                </a:r>
+                <a14:m>
+                  <m:oMath xmlns:m="http://schemas.openxmlformats.org/officeDocument/2006/math">
+                    <m:r>
+                      <a:rPr lang="it-IT" sz="2400" b="0" i="1" smtClean="0">
+                        <a:solidFill>
+                          <a:srgbClr val="0070C0"/>
+                        </a:solidFill>
+                        <a:latin typeface="Cambria Math" panose="02040503050406030204" pitchFamily="18" charset="0"/>
+                      </a:rPr>
+                      <m:t>𝑂</m:t>
+                    </m:r>
+                    <m:d>
+                      <m:dPr>
+                        <m:ctrlPr>
+                          <a:rPr lang="it-IT" sz="2400" b="0" i="1" smtClean="0">
+                            <a:solidFill>
+                              <a:srgbClr val="0070C0"/>
+                            </a:solidFill>
+                            <a:latin typeface="Cambria Math" panose="02040503050406030204" pitchFamily="18" charset="0"/>
+                          </a:rPr>
+                        </m:ctrlPr>
+                      </m:dPr>
+                      <m:e>
+                        <m:sSup>
+                          <m:sSupPr>
+                            <m:ctrlPr>
+                              <a:rPr lang="it-IT" sz="2400" b="0" i="1" smtClean="0">
+                                <a:solidFill>
+                                  <a:srgbClr val="0070C0"/>
+                                </a:solidFill>
+                                <a:latin typeface="Cambria Math" panose="02040503050406030204" pitchFamily="18" charset="0"/>
+                              </a:rPr>
+                            </m:ctrlPr>
+                          </m:sSupPr>
+                          <m:e>
+                            <m:d>
+                              <m:dPr>
+                                <m:begChr m:val="|"/>
+                                <m:endChr m:val="|"/>
+                                <m:ctrlPr>
+                                  <a:rPr lang="it-IT" sz="2400" b="0" i="1" smtClean="0">
+                                    <a:solidFill>
+                                      <a:srgbClr val="0070C0"/>
+                                    </a:solidFill>
+                                    <a:latin typeface="Cambria Math" panose="02040503050406030204" pitchFamily="18" charset="0"/>
+                                  </a:rPr>
+                                </m:ctrlPr>
+                              </m:dPr>
+                              <m:e>
+                                <m:r>
+                                  <a:rPr lang="it-IT" sz="2400" b="0" i="1" smtClean="0">
+                                    <a:solidFill>
+                                      <a:srgbClr val="0070C0"/>
+                                    </a:solidFill>
+                                    <a:latin typeface="Cambria Math" panose="02040503050406030204" pitchFamily="18" charset="0"/>
+                                  </a:rPr>
+                                  <m:t>𝑉</m:t>
+                                </m:r>
+                              </m:e>
+                            </m:d>
+                          </m:e>
+                          <m:sup>
+                            <m:r>
+                              <a:rPr lang="it-IT" sz="2400" b="0" i="1" smtClean="0">
+                                <a:solidFill>
+                                  <a:srgbClr val="0070C0"/>
+                                </a:solidFill>
+                                <a:latin typeface="Cambria Math" panose="02040503050406030204" pitchFamily="18" charset="0"/>
+                              </a:rPr>
+                              <m:t>3</m:t>
+                            </m:r>
+                          </m:sup>
+                        </m:sSup>
+                        <m:r>
+                          <a:rPr lang="it-IT" sz="2400" b="0" i="1" smtClean="0">
+                            <a:solidFill>
+                              <a:srgbClr val="0070C0"/>
+                            </a:solidFill>
+                            <a:latin typeface="Cambria Math" panose="02040503050406030204" pitchFamily="18" charset="0"/>
+                          </a:rPr>
+                          <m:t>+</m:t>
+                        </m:r>
+                        <m:sSup>
+                          <m:sSupPr>
+                            <m:ctrlPr>
+                              <a:rPr lang="it-IT" sz="2400" b="0" i="1" smtClean="0">
+                                <a:solidFill>
+                                  <a:srgbClr val="0070C0"/>
+                                </a:solidFill>
+                                <a:latin typeface="Cambria Math" panose="02040503050406030204" pitchFamily="18" charset="0"/>
+                              </a:rPr>
+                            </m:ctrlPr>
+                          </m:sSupPr>
+                          <m:e>
+                            <m:d>
+                              <m:dPr>
+                                <m:begChr m:val="|"/>
+                                <m:endChr m:val="|"/>
+                                <m:ctrlPr>
+                                  <a:rPr lang="it-IT" sz="2400" b="0" i="1" smtClean="0">
+                                    <a:solidFill>
+                                      <a:srgbClr val="0070C0"/>
+                                    </a:solidFill>
+                                    <a:latin typeface="Cambria Math" panose="02040503050406030204" pitchFamily="18" charset="0"/>
+                                  </a:rPr>
+                                </m:ctrlPr>
+                              </m:dPr>
+                              <m:e>
+                                <m:r>
+                                  <a:rPr lang="it-IT" sz="2400" b="0" i="1" smtClean="0">
+                                    <a:solidFill>
+                                      <a:srgbClr val="0070C0"/>
+                                    </a:solidFill>
+                                    <a:latin typeface="Cambria Math" panose="02040503050406030204" pitchFamily="18" charset="0"/>
+                                  </a:rPr>
+                                  <m:t>𝑉</m:t>
+                                </m:r>
+                              </m:e>
+                            </m:d>
+                          </m:e>
+                          <m:sup>
+                            <m:r>
+                              <a:rPr lang="it-IT" sz="2400" b="0" i="1" smtClean="0">
+                                <a:solidFill>
+                                  <a:srgbClr val="0070C0"/>
+                                </a:solidFill>
+                                <a:latin typeface="Cambria Math" panose="02040503050406030204" pitchFamily="18" charset="0"/>
+                              </a:rPr>
+                              <m:t>2</m:t>
+                            </m:r>
+                          </m:sup>
+                        </m:sSup>
+                        <m:r>
+                          <a:rPr lang="it-IT" sz="2400" b="0" i="1" smtClean="0">
+                            <a:solidFill>
+                              <a:srgbClr val="0070C0"/>
+                            </a:solidFill>
+                            <a:latin typeface="Cambria Math" panose="02040503050406030204" pitchFamily="18" charset="0"/>
+                            <a:ea typeface="Cambria Math" panose="02040503050406030204" pitchFamily="18" charset="0"/>
+                          </a:rPr>
+                          <m:t>×</m:t>
+                        </m:r>
+                        <m:sSup>
+                          <m:sSupPr>
+                            <m:ctrlPr>
+                              <a:rPr lang="it-IT" sz="2400" b="0" i="1" smtClean="0">
+                                <a:solidFill>
+                                  <a:srgbClr val="0070C0"/>
+                                </a:solidFill>
+                                <a:latin typeface="Cambria Math" panose="02040503050406030204" pitchFamily="18" charset="0"/>
+                                <a:ea typeface="Cambria Math" panose="02040503050406030204" pitchFamily="18" charset="0"/>
+                              </a:rPr>
+                            </m:ctrlPr>
+                          </m:sSupPr>
+                          <m:e>
+                            <m:r>
+                              <a:rPr lang="it-IT" sz="2400" b="0" i="1" smtClean="0">
+                                <a:solidFill>
+                                  <a:srgbClr val="0070C0"/>
+                                </a:solidFill>
+                                <a:latin typeface="Cambria Math" panose="02040503050406030204" pitchFamily="18" charset="0"/>
+                                <a:ea typeface="Cambria Math" panose="02040503050406030204" pitchFamily="18" charset="0"/>
+                              </a:rPr>
+                              <m:t>𝑑</m:t>
+                            </m:r>
+                          </m:e>
+                          <m:sup>
+                            <m:r>
+                              <a:rPr lang="it-IT" sz="2400" b="0" i="1" smtClean="0">
+                                <a:solidFill>
+                                  <a:srgbClr val="0070C0"/>
+                                </a:solidFill>
+                                <a:latin typeface="Cambria Math" panose="02040503050406030204" pitchFamily="18" charset="0"/>
+                                <a:ea typeface="Cambria Math" panose="02040503050406030204" pitchFamily="18" charset="0"/>
+                              </a:rPr>
+                              <m:t>3</m:t>
+                            </m:r>
+                          </m:sup>
+                        </m:sSup>
+                      </m:e>
+                    </m:d>
+                  </m:oMath>
+                </a14:m>
+                <a:endParaRPr lang="it-IT" sz="2400" i="1" dirty="0">
+                  <a:latin typeface="+mj-lt"/>
+                </a:endParaRPr>
+              </a:p>
+              <a:p>
+                <a:pPr algn="just"/>
+                <a:r>
+                  <a:rPr lang="it-IT" sz="2400" dirty="0">
+                    <a:latin typeface="+mj-lt"/>
+                  </a:rPr>
+                  <a:t>Si tratta di un problema </a:t>
+                </a:r>
+                <a14:m>
+                  <m:oMath xmlns:m="http://schemas.openxmlformats.org/officeDocument/2006/math">
+                    <m:r>
+                      <a:rPr lang="it-IT" sz="2400" b="0" i="1" smtClean="0">
+                        <a:solidFill>
+                          <a:srgbClr val="0070C0"/>
+                        </a:solidFill>
+                        <a:latin typeface="Cambria Math" panose="02040503050406030204" pitchFamily="18" charset="0"/>
+                      </a:rPr>
+                      <m:t>𝑁𝑃</m:t>
+                    </m:r>
+                  </m:oMath>
+                </a14:m>
+                <a:r>
+                  <a:rPr lang="it-IT" sz="2400" dirty="0">
+                    <a:solidFill>
+                      <a:srgbClr val="0070C0"/>
+                    </a:solidFill>
+                    <a:latin typeface="+mj-lt"/>
+                  </a:rPr>
+                  <a:t>–completo</a:t>
+                </a:r>
+                <a:r>
+                  <a:rPr lang="it-IT" sz="2400" dirty="0">
+                    <a:latin typeface="+mj-lt"/>
+                  </a:rPr>
+                  <a:t>.</a:t>
+                </a:r>
+              </a:p>
+              <a:p>
+                <a:pPr algn="just"/>
+                <a:endParaRPr lang="it-IT" sz="2400" i="1" dirty="0">
+                  <a:latin typeface="+mj-lt"/>
+                </a:endParaRPr>
+              </a:p>
+            </p:txBody>
+          </p:sp>
+        </mc:Choice>
+        <mc:Fallback>
+          <p:sp>
+            <p:nvSpPr>
+              <p:cNvPr id="9" name="CasellaDiTesto 8">
+                <a:extLst>
+                  <a:ext uri="{FF2B5EF4-FFF2-40B4-BE49-F238E27FC236}">
+                    <a16:creationId xmlns:a16="http://schemas.microsoft.com/office/drawing/2014/main" id="{7C97E767-F286-4A0D-9F67-A2F4F1A1E929}"/>
+                  </a:ext>
+                </a:extLst>
+              </p:cNvPr>
+              <p:cNvSpPr txBox="1">
+                <a:spLocks noRot="1" noChangeAspect="1" noMove="1" noResize="1" noEditPoints="1" noAdjustHandles="1" noChangeArrowheads="1" noChangeShapeType="1" noTextEdit="1"/>
+              </p:cNvSpPr>
+              <p:nvPr/>
+            </p:nvSpPr>
+            <p:spPr>
+              <a:xfrm>
+                <a:off x="75452" y="3429000"/>
+                <a:ext cx="8993096" cy="1569660"/>
+              </a:xfrm>
+              <a:prstGeom prst="rect">
+                <a:avLst/>
+              </a:prstGeom>
+              <a:blipFill>
+                <a:blip r:embed="rId3"/>
+                <a:stretch>
+                  <a:fillRect l="-1016" t="-3113" r="-1016"/>
+                </a:stretch>
+              </a:blipFill>
+            </p:spPr>
+            <p:txBody>
+              <a:bodyPr/>
+              <a:lstStyle/>
+              <a:p>
+                <a:r>
+                  <a:rPr lang="it-IT">
+                    <a:noFill/>
+                  </a:rPr>
+                  <a:t> </a:t>
+                </a:r>
+              </a:p>
+            </p:txBody>
+          </p:sp>
+        </mc:Fallback>
+      </mc:AlternateContent>
+      <p:pic>
+        <p:nvPicPr>
+          <p:cNvPr id="10" name="Immagine 9" descr="Immagine che contiene computer&#10;&#10;Descrizione generata automaticamente">
+            <a:extLst>
+              <a:ext uri="{FF2B5EF4-FFF2-40B4-BE49-F238E27FC236}">
+                <a16:creationId xmlns:a16="http://schemas.microsoft.com/office/drawing/2014/main" id="{CB36B7D0-F773-48F4-9CB4-0AA0B523F63E}"/>
+              </a:ext>
+            </a:extLst>
+          </p:cNvPr>
+          <p:cNvPicPr>
+            <a:picLocks noChangeAspect="1"/>
+          </p:cNvPicPr>
+          <p:nvPr/>
+        </p:nvPicPr>
+        <p:blipFill rotWithShape="1">
+          <a:blip r:embed="rId4"/>
+          <a:srcRect b="3509"/>
+          <a:stretch/>
+        </p:blipFill>
+        <p:spPr>
+          <a:xfrm>
+            <a:off x="-2300" y="4665309"/>
+            <a:ext cx="9144000" cy="2081448"/>
+          </a:xfrm>
+          <a:prstGeom prst="rect">
+            <a:avLst/>
+          </a:prstGeom>
+        </p:spPr>
+      </p:pic>
     </p:spTree>
     <p:extLst>
       <p:ext uri="{BB962C8B-B14F-4D97-AF65-F5344CB8AC3E}">
-        <p14:creationId xmlns:p14="http://schemas.microsoft.com/office/powerpoint/2010/main" val="1560956855"/>
+        <p14:creationId xmlns:p14="http://schemas.microsoft.com/office/powerpoint/2010/main" val="2720987061"/>
       </p:ext>
     </p:extLst>
   </p:cSld>
@@ -7686,53 +8776,29 @@
           </a:lstStyle>
           <a:p>
             <a:r>
-              <a:rPr lang="en-US" altLang="it-IT" sz="3600" dirty="0">
+              <a:rPr lang="en-US" altLang="it-IT" sz="3600" dirty="0" err="1">
                 <a:solidFill>
                   <a:srgbClr val="FFFFFF"/>
                 </a:solidFill>
                 <a:latin typeface="Tw Cen MT" panose="020B0602020104020603" pitchFamily="34" charset="0"/>
               </a:rPr>
-              <a:t>L-GRAAL</a:t>
-            </a:r>
-          </a:p>
-        </p:txBody>
-      </p:sp>
-      <p:pic>
-        <p:nvPicPr>
-          <p:cNvPr id="4" name="Immagine 3" descr="Immagine che contiene computer&#10;&#10;Descrizione generata automaticamente">
+              <a:t>Conclusioni</a:t>
+            </a:r>
+            <a:endParaRPr lang="en-US" altLang="it-IT" sz="3600" dirty="0">
+              <a:solidFill>
+                <a:srgbClr val="FFFFFF"/>
+              </a:solidFill>
+              <a:latin typeface="Tw Cen MT" panose="020B0602020104020603" pitchFamily="34" charset="0"/>
+            </a:endParaRPr>
+          </a:p>
+        </p:txBody>
+      </p:sp>
+      <p:sp>
+        <p:nvSpPr>
+          <p:cNvPr id="3" name="Segnaposto piè di pagina 2">
             <a:extLst>
               <a:ext uri="{FF2B5EF4-FFF2-40B4-BE49-F238E27FC236}">
-                <a16:creationId xmlns:a16="http://schemas.microsoft.com/office/drawing/2014/main" id="{0867C0B8-054B-4260-B4AE-3A0FDC44A723}"/>
-              </a:ext>
-            </a:extLst>
-          </p:cNvPr>
-          <p:cNvPicPr>
-            <a:picLocks noChangeAspect="1"/>
-          </p:cNvPicPr>
-          <p:nvPr/>
-        </p:nvPicPr>
-        <p:blipFill>
-          <a:blip r:embed="rId2"/>
-          <a:stretch>
-            <a:fillRect/>
-          </a:stretch>
-        </p:blipFill>
-        <p:spPr>
-          <a:xfrm>
-            <a:off x="15875" y="2426628"/>
-            <a:ext cx="9144000" cy="2157144"/>
-          </a:xfrm>
-          <a:prstGeom prst="rect">
-            <a:avLst/>
-          </a:prstGeom>
-        </p:spPr>
-      </p:pic>
-      <p:sp>
-        <p:nvSpPr>
-          <p:cNvPr id="7" name="Segnaposto piè di pagina 6">
-            <a:extLst>
-              <a:ext uri="{FF2B5EF4-FFF2-40B4-BE49-F238E27FC236}">
-                <a16:creationId xmlns:a16="http://schemas.microsoft.com/office/drawing/2014/main" id="{92A531A0-FA88-4FA6-8165-1CEB60968920}"/>
+                <a16:creationId xmlns:a16="http://schemas.microsoft.com/office/drawing/2014/main" id="{E250C3CF-1955-4896-A806-CE5DDC834974}"/>
               </a:ext>
             </a:extLst>
           </p:cNvPr>
@@ -7752,8 +8818,16 @@
               <a:defRPr/>
             </a:pPr>
             <a:r>
-              <a:rPr lang="it-IT"/>
-              <a:t>Masiero L. Ivancich S.</a:t>
+              <a:rPr lang="it-IT" dirty="0"/>
+              <a:t>Masiero L. </a:t>
+            </a:r>
+            <a:r>
+              <a:rPr lang="it-IT" dirty="0" err="1"/>
+              <a:t>Ivancich</a:t>
+            </a:r>
+            <a:r>
+              <a:rPr lang="it-IT" dirty="0"/>
+              <a:t> S.</a:t>
             </a:r>
             <a:endParaRPr lang="en-US" dirty="0"/>
           </a:p>
@@ -7761,10 +8835,10 @@
       </p:sp>
       <p:sp>
         <p:nvSpPr>
-          <p:cNvPr id="8" name="Segnaposto numero diapositiva 7">
+          <p:cNvPr id="4" name="Segnaposto numero diapositiva 3">
             <a:extLst>
               <a:ext uri="{FF2B5EF4-FFF2-40B4-BE49-F238E27FC236}">
-                <a16:creationId xmlns:a16="http://schemas.microsoft.com/office/drawing/2014/main" id="{A656A8E6-5A3B-4234-B976-0F7A6BB72E8B}"/>
+                <a16:creationId xmlns:a16="http://schemas.microsoft.com/office/drawing/2014/main" id="{5C0935C8-2051-45CC-A755-E45239AABEA6}"/>
               </a:ext>
             </a:extLst>
           </p:cNvPr>
@@ -7789,42 +8863,12 @@
           </a:p>
         </p:txBody>
       </p:sp>
-    </p:spTree>
-    <p:extLst>
-      <p:ext uri="{BB962C8B-B14F-4D97-AF65-F5344CB8AC3E}">
-        <p14:creationId xmlns:p14="http://schemas.microsoft.com/office/powerpoint/2010/main" val="2166689206"/>
-      </p:ext>
-    </p:extLst>
-  </p:cSld>
-  <p:clrMapOvr>
-    <a:masterClrMapping/>
-  </p:clrMapOvr>
-</p:sld>
-</file>
-
-<file path=ppt/slides/slide15.xml><?xml version="1.0" encoding="utf-8"?>
-<p:sld xmlns:a="http://schemas.openxmlformats.org/drawingml/2006/main" xmlns:r="http://schemas.openxmlformats.org/officeDocument/2006/relationships" xmlns:p="http://schemas.openxmlformats.org/presentationml/2006/main">
-  <p:cSld>
-    <p:spTree>
-      <p:nvGrpSpPr>
-        <p:cNvPr id="1" name=""/>
-        <p:cNvGrpSpPr/>
-        <p:nvPr/>
-      </p:nvGrpSpPr>
-      <p:grpSpPr>
-        <a:xfrm>
-          <a:off x="0" y="0"/>
-          <a:ext cx="0" cy="0"/>
-          <a:chOff x="0" y="0"/>
-          <a:chExt cx="0" cy="0"/>
-        </a:xfrm>
-      </p:grpSpPr>
-      <p:sp>
-        <p:nvSpPr>
-          <p:cNvPr id="6" name="Title 1">
+      <p:sp>
+        <p:nvSpPr>
+          <p:cNvPr id="5" name="Title 1">
             <a:extLst>
               <a:ext uri="{FF2B5EF4-FFF2-40B4-BE49-F238E27FC236}">
-                <a16:creationId xmlns:a16="http://schemas.microsoft.com/office/drawing/2014/main" id="{B6FD3924-BD2E-47EB-8DCD-3AD635AE70B8}"/>
+                <a16:creationId xmlns:a16="http://schemas.microsoft.com/office/drawing/2014/main" id="{DBC3FFBC-7C11-4F3E-B95A-562E8B90587A}"/>
               </a:ext>
             </a:extLst>
           </p:cNvPr>
@@ -7835,8 +8879,8 @@
         </p:nvSpPr>
         <p:spPr bwMode="auto">
           <a:xfrm>
-            <a:off x="15875" y="165692"/>
-            <a:ext cx="8842375" cy="1016000"/>
+            <a:off x="150812" y="1781132"/>
+            <a:ext cx="8842375" cy="4375828"/>
           </a:xfrm>
           <a:prstGeom prst="rect">
             <a:avLst/>
@@ -7975,91 +9019,79 @@
             </a:lvl9pPr>
           </a:lstStyle>
           <a:p>
-            <a:r>
-              <a:rPr lang="en-US" altLang="it-IT" sz="3600" dirty="0" err="1">
-                <a:solidFill>
-                  <a:srgbClr val="FFFFFF"/>
-                </a:solidFill>
+            <a:pPr algn="just"/>
+            <a:r>
+              <a:rPr lang="it-IT" altLang="it-IT" dirty="0">
                 <a:latin typeface="Tw Cen MT" panose="020B0602020104020603" pitchFamily="34" charset="0"/>
               </a:rPr>
-              <a:t>Conclusioni</a:t>
-            </a:r>
-            <a:endParaRPr lang="en-US" altLang="it-IT" sz="3600" dirty="0">
-              <a:solidFill>
-                <a:srgbClr val="FFFFFF"/>
-              </a:solidFill>
+              <a:t>Negli ultimi anni, il corpus di dati PPI è cresciuto esponenzialmente. </a:t>
+            </a:r>
+          </a:p>
+          <a:p>
+            <a:pPr algn="just"/>
+            <a:r>
+              <a:rPr lang="it-IT" altLang="it-IT" dirty="0">
+                <a:latin typeface="Tw Cen MT" panose="020B0602020104020603" pitchFamily="34" charset="0"/>
+              </a:rPr>
+              <a:t>Scoprire e capire i pattern all’interno delle PPIN è un problema centrale in Biologia.</a:t>
+            </a:r>
+          </a:p>
+          <a:p>
+            <a:pPr algn="just"/>
+            <a:endParaRPr lang="it-IT" altLang="it-IT" dirty="0">
               <a:latin typeface="Tw Cen MT" panose="020B0602020104020603" pitchFamily="34" charset="0"/>
             </a:endParaRPr>
           </a:p>
-        </p:txBody>
-      </p:sp>
-      <p:sp>
-        <p:nvSpPr>
-          <p:cNvPr id="3" name="Segnaposto piè di pagina 2">
-            <a:extLst>
-              <a:ext uri="{FF2B5EF4-FFF2-40B4-BE49-F238E27FC236}">
-                <a16:creationId xmlns:a16="http://schemas.microsoft.com/office/drawing/2014/main" id="{E250C3CF-1955-4896-A806-CE5DDC834974}"/>
-              </a:ext>
-            </a:extLst>
-          </p:cNvPr>
-          <p:cNvSpPr>
-            <a:spLocks noGrp="1"/>
-          </p:cNvSpPr>
-          <p:nvPr>
-            <p:ph type="ftr" sz="quarter" idx="11"/>
-          </p:nvPr>
-        </p:nvSpPr>
-        <p:spPr/>
-        <p:txBody>
-          <a:bodyPr/>
-          <a:lstStyle/>
-          <a:p>
-            <a:pPr>
-              <a:defRPr/>
-            </a:pPr>
-            <a:r>
-              <a:rPr lang="it-IT" dirty="0"/>
-              <a:t>Masiero L. </a:t>
-            </a:r>
-            <a:r>
-              <a:rPr lang="it-IT" dirty="0" err="1"/>
-              <a:t>Ivancich</a:t>
-            </a:r>
-            <a:r>
-              <a:rPr lang="it-IT" dirty="0"/>
-              <a:t> S.</a:t>
-            </a:r>
-            <a:endParaRPr lang="en-US" dirty="0"/>
-          </a:p>
-        </p:txBody>
-      </p:sp>
-      <p:sp>
-        <p:nvSpPr>
-          <p:cNvPr id="4" name="Segnaposto numero diapositiva 3">
-            <a:extLst>
-              <a:ext uri="{FF2B5EF4-FFF2-40B4-BE49-F238E27FC236}">
-                <a16:creationId xmlns:a16="http://schemas.microsoft.com/office/drawing/2014/main" id="{5C0935C8-2051-45CC-A755-E45239AABEA6}"/>
-              </a:ext>
-            </a:extLst>
-          </p:cNvPr>
-          <p:cNvSpPr>
-            <a:spLocks noGrp="1"/>
-          </p:cNvSpPr>
-          <p:nvPr>
-            <p:ph type="sldNum" sz="quarter" idx="12"/>
-          </p:nvPr>
-        </p:nvSpPr>
-        <p:spPr/>
-        <p:txBody>
-          <a:bodyPr/>
-          <a:lstStyle/>
-          <a:p>
-            <a:fld id="{7A1D8CC2-AC32-48BF-A9F5-B79D7A95954F}" type="slidenum">
-              <a:rPr lang="en-US" altLang="it-IT" smtClean="0"/>
-              <a:pPr/>
-              <a:t>15</a:t>
-            </a:fld>
-            <a:endParaRPr lang="en-US" altLang="it-IT" dirty="0"/>
+          <a:p>
+            <a:pPr algn="just"/>
+            <a:r>
+              <a:rPr lang="it-IT" altLang="it-IT" dirty="0">
+                <a:latin typeface="Tw Cen MT" panose="020B0602020104020603" pitchFamily="34" charset="0"/>
+              </a:rPr>
+              <a:t>Gli allineamenti tra queste reti permettono di scoprire informazioni su complessi proteici che </a:t>
+            </a:r>
+            <a:r>
+              <a:rPr lang="it-IT" altLang="it-IT" dirty="0" err="1">
+                <a:latin typeface="Tw Cen MT" panose="020B0602020104020603" pitchFamily="34" charset="0"/>
+              </a:rPr>
+              <a:t>ﬁno</a:t>
+            </a:r>
+            <a:r>
+              <a:rPr lang="it-IT" altLang="it-IT" dirty="0">
+                <a:latin typeface="Tw Cen MT" panose="020B0602020104020603" pitchFamily="34" charset="0"/>
+              </a:rPr>
+              <a:t> a pochi anni fa non erano note. </a:t>
+            </a:r>
+          </a:p>
+          <a:p>
+            <a:pPr algn="just"/>
+            <a:endParaRPr lang="it-IT" altLang="it-IT" dirty="0">
+              <a:latin typeface="Tw Cen MT" panose="020B0602020104020603" pitchFamily="34" charset="0"/>
+            </a:endParaRPr>
+          </a:p>
+          <a:p>
+            <a:pPr algn="just"/>
+            <a:r>
+              <a:rPr lang="it-IT" altLang="it-IT" dirty="0">
+                <a:latin typeface="Tw Cen MT" panose="020B0602020104020603" pitchFamily="34" charset="0"/>
+              </a:rPr>
+              <a:t>Molte </a:t>
+            </a:r>
+            <a:r>
+              <a:rPr lang="it-IT" altLang="it-IT" dirty="0" err="1">
+                <a:solidFill>
+                  <a:srgbClr val="C00000"/>
+                </a:solidFill>
+                <a:latin typeface="Tw Cen MT" panose="020B0602020104020603" pitchFamily="34" charset="0"/>
+              </a:rPr>
+              <a:t>sﬁde</a:t>
+            </a:r>
+            <a:r>
+              <a:rPr lang="it-IT" altLang="it-IT" dirty="0">
+                <a:latin typeface="Tw Cen MT" panose="020B0602020104020603" pitchFamily="34" charset="0"/>
+              </a:rPr>
+              <a:t> sono ancora aperte e molte frontiere devono ancora essere esplorate; con questo progetto abbiamo dato solamente una vaga idea della vastità dell’argomento, di cui si è appena iniziato a parlare.</a:t>
+            </a:r>
           </a:p>
         </p:txBody>
       </p:sp>
@@ -8328,7 +9360,7 @@
         </p:blipFill>
         <p:spPr>
           <a:xfrm>
-            <a:off x="658004" y="1403164"/>
+            <a:off x="658005" y="1587987"/>
             <a:ext cx="7558114" cy="4783840"/>
           </a:xfrm>
           <a:prstGeom prst="rect">
@@ -8351,7 +9383,7 @@
         <p:spPr>
           <a:xfrm>
             <a:off x="0" y="1084143"/>
-            <a:ext cx="9143999" cy="369332"/>
+            <a:ext cx="9143999" cy="400110"/>
           </a:xfrm>
           <a:prstGeom prst="rect">
             <a:avLst/>
@@ -8366,13 +9398,13 @@
           <a:p>
             <a:pPr algn="ctr"/>
             <a:r>
-              <a:rPr lang="it-IT" b="1" dirty="0">
+              <a:rPr lang="it-IT" sz="2000" b="1" dirty="0">
                 <a:latin typeface="+mn-lt"/>
               </a:rPr>
               <a:t>Obiettivo</a:t>
             </a:r>
             <a:r>
-              <a:rPr lang="it-IT" dirty="0">
+              <a:rPr lang="it-IT" sz="2000" dirty="0">
                 <a:latin typeface="+mn-lt"/>
               </a:rPr>
               <a:t> =  trovare somiglianze tra struttura e/o topologia di due o più reti.</a:t>
@@ -8693,8 +9725,8 @@
           </a:p>
         </p:txBody>
       </p:sp>
-      <mc:AlternateContent xmlns:mc="http://schemas.openxmlformats.org/markup-compatibility/2006" xmlns:a14="http://schemas.microsoft.com/office/drawing/2010/main">
-        <mc:Choice Requires="a14">
+      <mc:AlternateContent xmlns:mc="http://schemas.openxmlformats.org/markup-compatibility/2006">
+        <mc:Choice xmlns:a14="http://schemas.microsoft.com/office/drawing/2010/main" Requires="a14">
           <p:sp>
             <p:nvSpPr>
               <p:cNvPr id="3" name="CasellaDiTesto 2">
@@ -8709,7 +9741,7 @@
             </p:nvSpPr>
             <p:spPr>
               <a:xfrm>
-                <a:off x="15875" y="1181692"/>
+                <a:off x="15875" y="1566713"/>
                 <a:ext cx="9112250" cy="4524315"/>
               </a:xfrm>
               <a:prstGeom prst="rect">
@@ -9021,7 +10053,7 @@
             </p:txBody>
           </p:sp>
         </mc:Choice>
-        <mc:Fallback xmlns="">
+        <mc:Fallback>
           <p:sp>
             <p:nvSpPr>
               <p:cNvPr id="3" name="CasellaDiTesto 2">
@@ -9038,7 +10070,7 @@
             </p:nvSpPr>
             <p:spPr>
               <a:xfrm>
-                <a:off x="15875" y="1181692"/>
+                <a:off x="15875" y="1566713"/>
                 <a:ext cx="9112250" cy="4524315"/>
               </a:xfrm>
               <a:prstGeom prst="rect">
@@ -9047,7 +10079,7 @@
               <a:blipFill>
                 <a:blip r:embed="rId2"/>
                 <a:stretch>
-                  <a:fillRect l="-602" t="-809" r="-602" b="-1213"/>
+                  <a:fillRect l="-602" t="-674" r="-602" b="-1213"/>
                 </a:stretch>
               </a:blipFill>
             </p:spPr>
@@ -11509,7 +12541,7 @@
         <p:spPr>
           <a:xfrm>
             <a:off x="150904" y="1519584"/>
-            <a:ext cx="8993096" cy="2308324"/>
+            <a:ext cx="8993096" cy="3785652"/>
           </a:xfrm>
           <a:prstGeom prst="rect">
             <a:avLst/>
@@ -11540,6 +12572,29 @@
                 <a:latin typeface="+mj-lt"/>
               </a:rPr>
               <a:t>Rappresenta un approccio di analisi comparativa al GNA.</a:t>
+            </a:r>
+          </a:p>
+          <a:p>
+            <a:endParaRPr lang="it-IT" sz="2400" dirty="0">
+              <a:latin typeface="+mj-lt"/>
+            </a:endParaRPr>
+          </a:p>
+          <a:p>
+            <a:endParaRPr lang="it-IT" sz="2400" dirty="0">
+              <a:latin typeface="+mj-lt"/>
+            </a:endParaRPr>
+          </a:p>
+          <a:p>
+            <a:endParaRPr lang="it-IT" sz="2400" dirty="0">
+              <a:latin typeface="+mj-lt"/>
+            </a:endParaRPr>
+          </a:p>
+          <a:p>
+            <a:r>
+              <a:rPr lang="it-IT" sz="2400" dirty="0">
+                <a:latin typeface="+mj-lt"/>
+              </a:rPr>
+              <a:t>DA COMPLETARE</a:t>
             </a:r>
           </a:p>
         </p:txBody>

--- a/Presentation/Presentation.pptx
+++ b/Presentation/Presentation.pptx
@@ -5,10 +5,10 @@
     <p:sldMasterId id="2147483660" r:id="rId1"/>
   </p:sldMasterIdLst>
   <p:notesMasterIdLst>
-    <p:notesMasterId r:id="rId16"/>
+    <p:notesMasterId r:id="rId17"/>
   </p:notesMasterIdLst>
   <p:handoutMasterIdLst>
-    <p:handoutMasterId r:id="rId17"/>
+    <p:handoutMasterId r:id="rId18"/>
   </p:handoutMasterIdLst>
   <p:sldIdLst>
     <p:sldId id="379" r:id="rId2"/>
@@ -18,13 +18,14 @@
     <p:sldId id="400" r:id="rId6"/>
     <p:sldId id="401" r:id="rId7"/>
     <p:sldId id="405" r:id="rId8"/>
-    <p:sldId id="412" r:id="rId9"/>
-    <p:sldId id="402" r:id="rId10"/>
-    <p:sldId id="403" r:id="rId11"/>
-    <p:sldId id="406" r:id="rId12"/>
-    <p:sldId id="408" r:id="rId13"/>
-    <p:sldId id="404" r:id="rId14"/>
-    <p:sldId id="409" r:id="rId15"/>
+    <p:sldId id="413" r:id="rId9"/>
+    <p:sldId id="412" r:id="rId10"/>
+    <p:sldId id="402" r:id="rId11"/>
+    <p:sldId id="403" r:id="rId12"/>
+    <p:sldId id="406" r:id="rId13"/>
+    <p:sldId id="408" r:id="rId14"/>
+    <p:sldId id="404" r:id="rId15"/>
+    <p:sldId id="409" r:id="rId16"/>
   </p:sldIdLst>
   <p:sldSz cx="9144000" cy="6858000" type="screen4x3"/>
   <p:notesSz cx="6794500" cy="9931400"/>
@@ -280,7 +281,7 @@
           <a:p>
             <a:fld id="{C8DBE15E-223F-41F1-9F94-2D73857FC7BA}" type="datetimeFigureOut">
               <a:rPr lang="it-IT" smtClean="0"/>
-              <a:t>01/04/2020</a:t>
+              <a:t>04/04/2020</a:t>
             </a:fld>
             <a:endParaRPr lang="it-IT"/>
           </a:p>
@@ -493,7 +494,7 @@
             <a:fld id="{2AD04753-9C7D-45A1-B290-034DCD5D3C5A}" type="datetimeFigureOut">
               <a:rPr lang="it-IT" altLang="it-IT"/>
               <a:pPr/>
-              <a:t>01/04/2020</a:t>
+              <a:t>04/04/2020</a:t>
             </a:fld>
             <a:endParaRPr lang="it-IT" altLang="it-IT"/>
           </a:p>
@@ -900,7 +901,7 @@
             <a:fld id="{00664C11-2C8B-4B5A-ACDF-DD795DDB2557}" type="slidenum">
               <a:rPr lang="it-IT" altLang="it-IT" smtClean="0"/>
               <a:pPr/>
-              <a:t>11</a:t>
+              <a:t>12</a:t>
             </a:fld>
             <a:endParaRPr lang="it-IT" altLang="it-IT"/>
           </a:p>
@@ -5971,22 +5972,13 @@
               </a:spcBef>
             </a:pPr>
             <a:r>
-              <a:rPr lang="en-US" altLang="it-IT" sz="2800" dirty="0" err="1">
+              <a:rPr lang="en-US" altLang="it-IT" sz="2800" dirty="0">
                 <a:solidFill>
                   <a:srgbClr val="000000"/>
                 </a:solidFill>
                 <a:latin typeface="+mj-lt"/>
               </a:rPr>
-              <a:t>Masiero</a:t>
-            </a:r>
-            <a:r>
-              <a:rPr lang="en-US" altLang="it-IT" sz="2800" dirty="0">
-                <a:solidFill>
-                  <a:srgbClr val="000000"/>
-                </a:solidFill>
-                <a:latin typeface="+mj-lt"/>
-              </a:rPr>
-              <a:t> Luca</a:t>
+              <a:t>Luca Masiero</a:t>
             </a:r>
           </a:p>
           <a:p>
@@ -6002,8 +5994,23 @@
                 </a:solidFill>
                 <a:latin typeface="+mj-lt"/>
               </a:rPr>
-              <a:t>Ivancich Stefano</a:t>
-            </a:r>
+              <a:t>Stefano </a:t>
+            </a:r>
+            <a:r>
+              <a:rPr lang="en-US" altLang="it-IT" sz="2800" dirty="0" err="1">
+                <a:solidFill>
+                  <a:srgbClr val="000000"/>
+                </a:solidFill>
+                <a:latin typeface="+mj-lt"/>
+              </a:rPr>
+              <a:t>Ivancich</a:t>
+            </a:r>
+            <a:endParaRPr lang="en-US" altLang="it-IT" sz="2800" dirty="0">
+              <a:solidFill>
+                <a:srgbClr val="000000"/>
+              </a:solidFill>
+              <a:latin typeface="+mj-lt"/>
+            </a:endParaRPr>
           </a:p>
         </p:txBody>
       </p:sp>
@@ -6023,8 +6030,8 @@
         </p:nvSpPr>
         <p:spPr bwMode="auto">
           <a:xfrm>
-            <a:off x="6465454" y="3276601"/>
-            <a:ext cx="2419782" cy="1143000"/>
+            <a:off x="5930283" y="3276601"/>
+            <a:ext cx="2954953" cy="1143000"/>
           </a:xfrm>
           <a:prstGeom prst="rect">
             <a:avLst/>
@@ -6184,7 +6191,7 @@
                 </a:solidFill>
                 <a:latin typeface="+mn-lt"/>
               </a:rPr>
-              <a:t>Comin Matteo</a:t>
+              <a:t>Prof. Matteo Comin</a:t>
             </a:r>
           </a:p>
         </p:txBody>
@@ -6555,23 +6562,29 @@
           </a:lstStyle>
           <a:p>
             <a:r>
-              <a:rPr lang="en-US" altLang="it-IT" sz="3600" i="1" dirty="0">
+              <a:rPr lang="en-US" altLang="it-IT" sz="3600" dirty="0" err="1">
                 <a:solidFill>
                   <a:srgbClr val="FFFFFF"/>
                 </a:solidFill>
                 <a:latin typeface="Tw Cen MT" panose="020B0602020104020603" pitchFamily="34" charset="0"/>
               </a:rPr>
-              <a:t>struc2vec</a:t>
-            </a:r>
+              <a:t>IsoRank</a:t>
+            </a:r>
+            <a:endParaRPr lang="en-US" altLang="it-IT" sz="3600" dirty="0">
+              <a:solidFill>
+                <a:srgbClr val="FFFFFF"/>
+              </a:solidFill>
+              <a:latin typeface="Tw Cen MT" panose="020B0602020104020603" pitchFamily="34" charset="0"/>
+            </a:endParaRPr>
           </a:p>
         </p:txBody>
       </p:sp>
       <p:pic>
         <p:nvPicPr>
-          <p:cNvPr id="3" name="Immagine 2" descr="Immagine che contiene orologio&#10;&#10;Descrizione generata automaticamente">
+          <p:cNvPr id="3" name="Immagine 2" descr="Immagine che contiene testo&#10;&#10;Descrizione generata automaticamente">
             <a:extLst>
               <a:ext uri="{FF2B5EF4-FFF2-40B4-BE49-F238E27FC236}">
-                <a16:creationId xmlns:a16="http://schemas.microsoft.com/office/drawing/2014/main" id="{CCEE24A8-EA82-405C-841A-BA40A82A649B}"/>
+                <a16:creationId xmlns:a16="http://schemas.microsoft.com/office/drawing/2014/main" id="{669BFCE7-7292-4BE0-9B18-FB7B1B12CE16}"/>
               </a:ext>
             </a:extLst>
           </p:cNvPr>
@@ -6588,8 +6601,8 @@
         </p:blipFill>
         <p:spPr>
           <a:xfrm>
-            <a:off x="-794" y="3898626"/>
-            <a:ext cx="9144000" cy="2424310"/>
+            <a:off x="1529074" y="1093944"/>
+            <a:ext cx="6117602" cy="2609540"/>
           </a:xfrm>
           <a:prstGeom prst="rect">
             <a:avLst/>
@@ -6601,7 +6614,7 @@
           <p:cNvPr id="5" name="Segnaposto piè di pagina 4">
             <a:extLst>
               <a:ext uri="{FF2B5EF4-FFF2-40B4-BE49-F238E27FC236}">
-                <a16:creationId xmlns:a16="http://schemas.microsoft.com/office/drawing/2014/main" id="{51FB397C-A6EF-4B7F-8AC5-6ED242812BC1}"/>
+                <a16:creationId xmlns:a16="http://schemas.microsoft.com/office/drawing/2014/main" id="{4625584D-A3D3-46FC-938B-C0A8056095BB}"/>
               </a:ext>
             </a:extLst>
           </p:cNvPr>
@@ -6633,7 +6646,7 @@
           <p:cNvPr id="7" name="Segnaposto numero diapositiva 6">
             <a:extLst>
               <a:ext uri="{FF2B5EF4-FFF2-40B4-BE49-F238E27FC236}">
-                <a16:creationId xmlns:a16="http://schemas.microsoft.com/office/drawing/2014/main" id="{0A645CE8-62F6-4437-909C-A31BC37AEFDA}"/>
+                <a16:creationId xmlns:a16="http://schemas.microsoft.com/office/drawing/2014/main" id="{33517E88-54CE-41A1-BAFC-F56EEBCC14E1}"/>
               </a:ext>
             </a:extLst>
           </p:cNvPr>
@@ -6663,7 +6676,7 @@
           <p:cNvPr id="8" name="CasellaDiTesto 7">
             <a:extLst>
               <a:ext uri="{FF2B5EF4-FFF2-40B4-BE49-F238E27FC236}">
-                <a16:creationId xmlns:a16="http://schemas.microsoft.com/office/drawing/2014/main" id="{A71E20D8-E1E9-4E76-A56C-54CDB617BD00}"/>
+                <a16:creationId xmlns:a16="http://schemas.microsoft.com/office/drawing/2014/main" id="{9599F956-0042-46C9-8CB4-82B2C82F45E9}"/>
               </a:ext>
             </a:extLst>
           </p:cNvPr>
@@ -6672,8 +6685,8 @@
         </p:nvSpPr>
         <p:spPr>
           <a:xfrm>
-            <a:off x="15875" y="1053187"/>
-            <a:ext cx="8993096" cy="3170099"/>
+            <a:off x="0" y="3703484"/>
+            <a:ext cx="8993096" cy="1631216"/>
           </a:xfrm>
           <a:prstGeom prst="rect">
             <a:avLst/>
@@ -6686,172 +6699,190 @@
           </a:bodyPr>
           <a:lstStyle/>
           <a:p>
-            <a:pPr algn="just"/>
+            <a:r>
+              <a:rPr lang="it-IT" sz="2000" b="1" dirty="0">
+                <a:latin typeface="+mj-lt"/>
+              </a:rPr>
+              <a:t>Obiettivo</a:t>
+            </a:r>
             <a:r>
               <a:rPr lang="it-IT" sz="2000" dirty="0">
                 <a:latin typeface="+mj-lt"/>
               </a:rPr>
-              <a:t>La </a:t>
-            </a:r>
-            <a:r>
-              <a:rPr lang="it-IT" sz="2000" i="1" dirty="0" err="1">
-                <a:solidFill>
-                  <a:schemeClr val="accent2">
-                    <a:lumMod val="75000"/>
-                  </a:schemeClr>
-                </a:solidFill>
+              <a:t>: trovare </a:t>
+            </a:r>
+            <a:r>
+              <a:rPr lang="it-IT" sz="2000" dirty="0" err="1">
                 <a:latin typeface="+mj-lt"/>
               </a:rPr>
-              <a:t>structural</a:t>
+              <a:t>sottografo</a:t>
             </a:r>
             <a:r>
               <a:rPr lang="it-IT" sz="2000" dirty="0">
                 <a:latin typeface="+mj-lt"/>
               </a:rPr>
-              <a:t> </a:t>
-            </a:r>
-            <a:r>
-              <a:rPr lang="it-IT" sz="2000" i="1" dirty="0" err="1">
-                <a:solidFill>
-                  <a:schemeClr val="accent2">
-                    <a:lumMod val="75000"/>
-                  </a:schemeClr>
-                </a:solidFill>
-                <a:latin typeface="+mj-lt"/>
-              </a:rPr>
-              <a:t>identity</a:t>
-            </a:r>
+              <a:t> comune alle reti in input.</a:t>
+            </a:r>
+          </a:p>
+          <a:p>
             <a:r>
               <a:rPr lang="it-IT" sz="2000" dirty="0">
                 <a:latin typeface="+mj-lt"/>
               </a:rPr>
-              <a:t> (traducibile con identità strutturale) corrisponde ad un concetto di simmetria nel quale i nodi di una rete vengono identificati in base alla struttura della rete stessa e tramite relazioni con altri nodi.</a:t>
-            </a:r>
-          </a:p>
-          <a:p>
-            <a:pPr algn="just"/>
-            <a:endParaRPr lang="it-IT" sz="2000" dirty="0">
-              <a:latin typeface="+mj-lt"/>
-            </a:endParaRPr>
-          </a:p>
-          <a:p>
-            <a:pPr algn="just"/>
+              <a:t>2 FASI:</a:t>
+            </a:r>
+          </a:p>
+          <a:p>
+            <a:r>
+              <a:rPr lang="it-IT" sz="2000" dirty="0">
+                <a:latin typeface="+mj-lt"/>
+              </a:rPr>
+              <a:t>1) </a:t>
+            </a:r>
+            <a:r>
+              <a:rPr lang="it-IT" sz="2000" dirty="0">
+                <a:solidFill>
+                  <a:srgbClr val="00B0F0"/>
+                </a:solidFill>
+                <a:latin typeface="+mj-lt"/>
+              </a:rPr>
+              <a:t>Assegnazione</a:t>
+            </a:r>
+            <a:r>
+              <a:rPr lang="it-IT" sz="2000" dirty="0">
+                <a:latin typeface="+mj-lt"/>
+              </a:rPr>
+              <a:t> di </a:t>
+            </a:r>
+            <a:r>
+              <a:rPr lang="it-IT" sz="2000" i="1" dirty="0" err="1">
+                <a:latin typeface="+mj-lt"/>
+              </a:rPr>
+              <a:t>functional</a:t>
+            </a:r>
             <a:r>
               <a:rPr lang="it-IT" sz="2000" i="1" dirty="0">
                 <a:latin typeface="+mj-lt"/>
               </a:rPr>
-              <a:t>struc2vec</a:t>
+              <a:t> </a:t>
+            </a:r>
+            <a:r>
+              <a:rPr lang="it-IT" sz="2000" i="1" dirty="0" err="1">
+                <a:latin typeface="+mj-lt"/>
+              </a:rPr>
+              <a:t>similarity</a:t>
+            </a:r>
+            <a:r>
+              <a:rPr lang="it-IT" sz="2000" i="1" dirty="0">
+                <a:latin typeface="+mj-lt"/>
+              </a:rPr>
+              <a:t> scores</a:t>
             </a:r>
             <a:r>
               <a:rPr lang="it-IT" sz="2000" dirty="0">
                 <a:latin typeface="+mj-lt"/>
               </a:rPr>
-              <a:t>:</a:t>
-            </a:r>
-          </a:p>
-          <a:p>
-            <a:pPr algn="just"/>
-            <a:r>
+              <a:t>;</a:t>
+            </a:r>
+            <a:br>
               <a:rPr lang="it-IT" sz="2000" dirty="0">
                 <a:latin typeface="+mj-lt"/>
               </a:rPr>
-              <a:t>1) è un framework flessibile per l’apprendimento di </a:t>
-            </a:r>
-            <a:r>
-              <a:rPr lang="it-IT" sz="2000" i="1" dirty="0" err="1">
-                <a:latin typeface="+mj-lt"/>
-              </a:rPr>
-              <a:t>latent</a:t>
-            </a:r>
-            <a:r>
-              <a:rPr lang="it-IT" sz="2000" i="1" dirty="0">
-                <a:latin typeface="+mj-lt"/>
-              </a:rPr>
-              <a:t> </a:t>
-            </a:r>
-            <a:r>
-              <a:rPr lang="it-IT" sz="2000" i="1" dirty="0" err="1">
-                <a:latin typeface="+mj-lt"/>
-              </a:rPr>
-              <a:t>representations</a:t>
-            </a:r>
-            <a:r>
-              <a:rPr lang="it-IT" sz="2000" i="1" dirty="0">
-                <a:latin typeface="+mj-lt"/>
-              </a:rPr>
-              <a:t> </a:t>
-            </a:r>
+            </a:br>
             <a:r>
               <a:rPr lang="it-IT" sz="2000" dirty="0">
                 <a:latin typeface="+mj-lt"/>
               </a:rPr>
-              <a:t>per l’identità strutturale dei nodi;</a:t>
-            </a:r>
-          </a:p>
-          <a:p>
-            <a:pPr algn="just"/>
+              <a:t>2) </a:t>
+            </a:r>
+            <a:r>
+              <a:rPr lang="it-IT" sz="2000" i="1" dirty="0">
+                <a:solidFill>
+                  <a:srgbClr val="00B0F0"/>
+                </a:solidFill>
+                <a:latin typeface="+mj-lt"/>
+              </a:rPr>
+              <a:t>Mapping</a:t>
+            </a:r>
             <a:r>
               <a:rPr lang="it-IT" sz="2000" dirty="0">
                 <a:latin typeface="+mj-lt"/>
               </a:rPr>
-              <a:t>2) Utilizza un </a:t>
-            </a:r>
-            <a:r>
-              <a:rPr lang="it-IT" sz="2000" dirty="0">
-                <a:solidFill>
-                  <a:schemeClr val="bg2">
-                    <a:lumMod val="50000"/>
-                  </a:schemeClr>
-                </a:solidFill>
+              <a:t> per il GNA, considerando solo scores elevati, mantenendo la proprietà transitiva (</a:t>
+            </a:r>
+            <a:r>
+              <a:rPr lang="it-IT" sz="2000" b="1" dirty="0" err="1">
                 <a:latin typeface="+mj-lt"/>
               </a:rPr>
-              <a:t>grafo</a:t>
+              <a:t>one-to-one</a:t>
             </a:r>
             <a:r>
               <a:rPr lang="it-IT" sz="2000" dirty="0">
                 <a:latin typeface="+mj-lt"/>
               </a:rPr>
-              <a:t> </a:t>
-            </a:r>
-            <a:r>
-              <a:rPr lang="it-IT" sz="2000" dirty="0">
-                <a:solidFill>
-                  <a:schemeClr val="bg2">
-                    <a:lumMod val="50000"/>
-                  </a:schemeClr>
-                </a:solidFill>
+              <a:t> oppure </a:t>
+            </a:r>
+            <a:r>
+              <a:rPr lang="it-IT" sz="2000" b="1" dirty="0" err="1">
                 <a:latin typeface="+mj-lt"/>
               </a:rPr>
-              <a:t>multi-livello</a:t>
+              <a:t>many</a:t>
+            </a:r>
+            <a:r>
+              <a:rPr lang="it-IT" sz="2000" b="1" dirty="0">
+                <a:latin typeface="+mj-lt"/>
+              </a:rPr>
+              <a:t>-to-</a:t>
+            </a:r>
+            <a:r>
+              <a:rPr lang="it-IT" sz="2000" b="1" dirty="0" err="1">
+                <a:latin typeface="+mj-lt"/>
+              </a:rPr>
+              <a:t>many</a:t>
             </a:r>
             <a:r>
               <a:rPr lang="it-IT" sz="2000" dirty="0">
                 <a:latin typeface="+mj-lt"/>
               </a:rPr>
-              <a:t>;</a:t>
-            </a:r>
-          </a:p>
-          <a:p>
-            <a:pPr algn="just"/>
-            <a:r>
-              <a:rPr lang="it-IT" sz="2000" dirty="0">
-                <a:latin typeface="+mj-lt"/>
-              </a:rPr>
-              <a:t>3) È molto performante.</a:t>
-            </a:r>
-          </a:p>
-          <a:p>
-            <a:pPr algn="just"/>
-            <a:endParaRPr lang="it-IT" sz="2000" dirty="0">
-              <a:latin typeface="+mj-lt"/>
-            </a:endParaRPr>
+              <a:t>)</a:t>
+            </a:r>
           </a:p>
         </p:txBody>
       </p:sp>
+      <p:pic>
+        <p:nvPicPr>
+          <p:cNvPr id="9" name="Immagine 8">
+            <a:extLst>
+              <a:ext uri="{FF2B5EF4-FFF2-40B4-BE49-F238E27FC236}">
+                <a16:creationId xmlns:a16="http://schemas.microsoft.com/office/drawing/2014/main" id="{5B1CDB52-EDEA-4D0F-88D5-241684214529}"/>
+              </a:ext>
+            </a:extLst>
+          </p:cNvPr>
+          <p:cNvPicPr>
+            <a:picLocks noChangeAspect="1"/>
+          </p:cNvPicPr>
+          <p:nvPr/>
+        </p:nvPicPr>
+        <p:blipFill>
+          <a:blip r:embed="rId3"/>
+          <a:stretch>
+            <a:fillRect/>
+          </a:stretch>
+        </p:blipFill>
+        <p:spPr>
+          <a:xfrm>
+            <a:off x="3683" y="5402463"/>
+            <a:ext cx="9144000" cy="1074537"/>
+          </a:xfrm>
+          <a:prstGeom prst="rect">
+            <a:avLst/>
+          </a:prstGeom>
+        </p:spPr>
+      </p:pic>
     </p:spTree>
     <p:extLst>
       <p:ext uri="{BB962C8B-B14F-4D97-AF65-F5344CB8AC3E}">
-        <p14:creationId xmlns:p14="http://schemas.microsoft.com/office/powerpoint/2010/main" val="4258454837"/>
+        <p14:creationId xmlns:p14="http://schemas.microsoft.com/office/powerpoint/2010/main" val="2931430170"/>
       </p:ext>
     </p:extLst>
   </p:cSld>
@@ -7048,6 +7079,487 @@
       </p:sp>
       <p:pic>
         <p:nvPicPr>
+          <p:cNvPr id="3" name="Immagine 2" descr="Immagine che contiene orologio&#10;&#10;Descrizione generata automaticamente">
+            <a:extLst>
+              <a:ext uri="{FF2B5EF4-FFF2-40B4-BE49-F238E27FC236}">
+                <a16:creationId xmlns:a16="http://schemas.microsoft.com/office/drawing/2014/main" id="{CCEE24A8-EA82-405C-841A-BA40A82A649B}"/>
+              </a:ext>
+            </a:extLst>
+          </p:cNvPr>
+          <p:cNvPicPr>
+            <a:picLocks noChangeAspect="1"/>
+          </p:cNvPicPr>
+          <p:nvPr/>
+        </p:nvPicPr>
+        <p:blipFill>
+          <a:blip r:embed="rId2"/>
+          <a:stretch>
+            <a:fillRect/>
+          </a:stretch>
+        </p:blipFill>
+        <p:spPr>
+          <a:xfrm>
+            <a:off x="-794" y="3898626"/>
+            <a:ext cx="9144000" cy="2424310"/>
+          </a:xfrm>
+          <a:prstGeom prst="rect">
+            <a:avLst/>
+          </a:prstGeom>
+        </p:spPr>
+      </p:pic>
+      <p:sp>
+        <p:nvSpPr>
+          <p:cNvPr id="5" name="Segnaposto piè di pagina 4">
+            <a:extLst>
+              <a:ext uri="{FF2B5EF4-FFF2-40B4-BE49-F238E27FC236}">
+                <a16:creationId xmlns:a16="http://schemas.microsoft.com/office/drawing/2014/main" id="{51FB397C-A6EF-4B7F-8AC5-6ED242812BC1}"/>
+              </a:ext>
+            </a:extLst>
+          </p:cNvPr>
+          <p:cNvSpPr>
+            <a:spLocks noGrp="1"/>
+          </p:cNvSpPr>
+          <p:nvPr>
+            <p:ph type="ftr" sz="quarter" idx="11"/>
+          </p:nvPr>
+        </p:nvSpPr>
+        <p:spPr/>
+        <p:txBody>
+          <a:bodyPr/>
+          <a:lstStyle/>
+          <a:p>
+            <a:pPr>
+              <a:defRPr/>
+            </a:pPr>
+            <a:r>
+              <a:rPr lang="it-IT"/>
+              <a:t>Masiero L. Ivancich S.</a:t>
+            </a:r>
+            <a:endParaRPr lang="en-US" dirty="0"/>
+          </a:p>
+        </p:txBody>
+      </p:sp>
+      <p:sp>
+        <p:nvSpPr>
+          <p:cNvPr id="7" name="Segnaposto numero diapositiva 6">
+            <a:extLst>
+              <a:ext uri="{FF2B5EF4-FFF2-40B4-BE49-F238E27FC236}">
+                <a16:creationId xmlns:a16="http://schemas.microsoft.com/office/drawing/2014/main" id="{0A645CE8-62F6-4437-909C-A31BC37AEFDA}"/>
+              </a:ext>
+            </a:extLst>
+          </p:cNvPr>
+          <p:cNvSpPr>
+            <a:spLocks noGrp="1"/>
+          </p:cNvSpPr>
+          <p:nvPr>
+            <p:ph type="sldNum" sz="quarter" idx="12"/>
+          </p:nvPr>
+        </p:nvSpPr>
+        <p:spPr/>
+        <p:txBody>
+          <a:bodyPr/>
+          <a:lstStyle/>
+          <a:p>
+            <a:fld id="{7A1D8CC2-AC32-48BF-A9F5-B79D7A95954F}" type="slidenum">
+              <a:rPr lang="en-US" altLang="it-IT" smtClean="0"/>
+              <a:pPr/>
+              <a:t>11</a:t>
+            </a:fld>
+            <a:endParaRPr lang="en-US" altLang="it-IT" dirty="0"/>
+          </a:p>
+        </p:txBody>
+      </p:sp>
+      <p:sp>
+        <p:nvSpPr>
+          <p:cNvPr id="8" name="CasellaDiTesto 7">
+            <a:extLst>
+              <a:ext uri="{FF2B5EF4-FFF2-40B4-BE49-F238E27FC236}">
+                <a16:creationId xmlns:a16="http://schemas.microsoft.com/office/drawing/2014/main" id="{A71E20D8-E1E9-4E76-A56C-54CDB617BD00}"/>
+              </a:ext>
+            </a:extLst>
+          </p:cNvPr>
+          <p:cNvSpPr txBox="1"/>
+          <p:nvPr/>
+        </p:nvSpPr>
+        <p:spPr>
+          <a:xfrm>
+            <a:off x="15875" y="1053187"/>
+            <a:ext cx="8993096" cy="3170099"/>
+          </a:xfrm>
+          <a:prstGeom prst="rect">
+            <a:avLst/>
+          </a:prstGeom>
+          <a:noFill/>
+        </p:spPr>
+        <p:txBody>
+          <a:bodyPr wrap="square" rtlCol="0">
+            <a:spAutoFit/>
+          </a:bodyPr>
+          <a:lstStyle/>
+          <a:p>
+            <a:pPr algn="just"/>
+            <a:r>
+              <a:rPr lang="it-IT" sz="2000" dirty="0">
+                <a:latin typeface="+mj-lt"/>
+              </a:rPr>
+              <a:t>La </a:t>
+            </a:r>
+            <a:r>
+              <a:rPr lang="it-IT" sz="2000" i="1" dirty="0" err="1">
+                <a:solidFill>
+                  <a:srgbClr val="0070C0"/>
+                </a:solidFill>
+                <a:latin typeface="+mj-lt"/>
+              </a:rPr>
+              <a:t>structural</a:t>
+            </a:r>
+            <a:r>
+              <a:rPr lang="it-IT" sz="2000" dirty="0">
+                <a:solidFill>
+                  <a:srgbClr val="0070C0"/>
+                </a:solidFill>
+                <a:latin typeface="+mj-lt"/>
+              </a:rPr>
+              <a:t> </a:t>
+            </a:r>
+            <a:r>
+              <a:rPr lang="it-IT" sz="2000" i="1" dirty="0" err="1">
+                <a:solidFill>
+                  <a:srgbClr val="0070C0"/>
+                </a:solidFill>
+                <a:latin typeface="+mj-lt"/>
+              </a:rPr>
+              <a:t>identity</a:t>
+            </a:r>
+            <a:r>
+              <a:rPr lang="it-IT" sz="2000" dirty="0">
+                <a:solidFill>
+                  <a:srgbClr val="0070C0"/>
+                </a:solidFill>
+                <a:latin typeface="+mj-lt"/>
+              </a:rPr>
+              <a:t> </a:t>
+            </a:r>
+            <a:r>
+              <a:rPr lang="it-IT" sz="2000" dirty="0">
+                <a:latin typeface="+mj-lt"/>
+              </a:rPr>
+              <a:t>corrisponde ad un concetto di </a:t>
+            </a:r>
+            <a:r>
+              <a:rPr lang="it-IT" sz="2000" i="1" dirty="0">
+                <a:latin typeface="+mj-lt"/>
+              </a:rPr>
+              <a:t>simmetria</a:t>
+            </a:r>
+            <a:r>
+              <a:rPr lang="it-IT" sz="2000" dirty="0">
+                <a:latin typeface="+mj-lt"/>
+              </a:rPr>
+              <a:t> nel quale i nodi di una rete vengono identificati in base alla struttura della rete stessa e tramite relazioni con altri nodi.</a:t>
+            </a:r>
+          </a:p>
+          <a:p>
+            <a:pPr algn="just"/>
+            <a:endParaRPr lang="it-IT" sz="2000" dirty="0">
+              <a:latin typeface="+mj-lt"/>
+            </a:endParaRPr>
+          </a:p>
+          <a:p>
+            <a:pPr algn="just"/>
+            <a:r>
+              <a:rPr lang="it-IT" sz="2000" i="1" dirty="0">
+                <a:latin typeface="+mj-lt"/>
+              </a:rPr>
+              <a:t>struc2vec</a:t>
+            </a:r>
+            <a:r>
+              <a:rPr lang="it-IT" sz="2000" dirty="0">
+                <a:latin typeface="+mj-lt"/>
+              </a:rPr>
+              <a:t>:</a:t>
+            </a:r>
+          </a:p>
+          <a:p>
+            <a:pPr algn="just"/>
+            <a:r>
+              <a:rPr lang="it-IT" sz="2000" dirty="0">
+                <a:latin typeface="+mj-lt"/>
+              </a:rPr>
+              <a:t>1) è un framework flessibile per l’apprendimento di </a:t>
+            </a:r>
+            <a:r>
+              <a:rPr lang="it-IT" sz="2000" i="1" dirty="0" err="1">
+                <a:latin typeface="+mj-lt"/>
+              </a:rPr>
+              <a:t>latent</a:t>
+            </a:r>
+            <a:r>
+              <a:rPr lang="it-IT" sz="2000" i="1" dirty="0">
+                <a:latin typeface="+mj-lt"/>
+              </a:rPr>
+              <a:t> </a:t>
+            </a:r>
+            <a:r>
+              <a:rPr lang="it-IT" sz="2000" i="1" dirty="0" err="1">
+                <a:latin typeface="+mj-lt"/>
+              </a:rPr>
+              <a:t>representations</a:t>
+            </a:r>
+            <a:r>
+              <a:rPr lang="it-IT" sz="2000" i="1" dirty="0">
+                <a:latin typeface="+mj-lt"/>
+              </a:rPr>
+              <a:t> </a:t>
+            </a:r>
+            <a:r>
+              <a:rPr lang="it-IT" sz="2000" dirty="0">
+                <a:latin typeface="+mj-lt"/>
+              </a:rPr>
+              <a:t>per l’identità strutturale dei nodi;</a:t>
+            </a:r>
+          </a:p>
+          <a:p>
+            <a:pPr algn="just"/>
+            <a:r>
+              <a:rPr lang="it-IT" sz="2000" dirty="0">
+                <a:latin typeface="+mj-lt"/>
+              </a:rPr>
+              <a:t>2) Utilizza un </a:t>
+            </a:r>
+            <a:r>
+              <a:rPr lang="it-IT" sz="2000" dirty="0">
+                <a:solidFill>
+                  <a:srgbClr val="C00000"/>
+                </a:solidFill>
+                <a:latin typeface="+mj-lt"/>
+              </a:rPr>
+              <a:t>grafo multi-livello</a:t>
+            </a:r>
+            <a:r>
+              <a:rPr lang="it-IT" sz="2000" dirty="0">
+                <a:latin typeface="+mj-lt"/>
+              </a:rPr>
+              <a:t>;</a:t>
+            </a:r>
+          </a:p>
+          <a:p>
+            <a:pPr algn="just"/>
+            <a:r>
+              <a:rPr lang="it-IT" sz="2000" dirty="0">
+                <a:latin typeface="+mj-lt"/>
+              </a:rPr>
+              <a:t>3) È molto performante.</a:t>
+            </a:r>
+          </a:p>
+          <a:p>
+            <a:pPr algn="just"/>
+            <a:endParaRPr lang="it-IT" sz="2000" dirty="0">
+              <a:latin typeface="+mj-lt"/>
+            </a:endParaRPr>
+          </a:p>
+        </p:txBody>
+      </p:sp>
+    </p:spTree>
+    <p:extLst>
+      <p:ext uri="{BB962C8B-B14F-4D97-AF65-F5344CB8AC3E}">
+        <p14:creationId xmlns:p14="http://schemas.microsoft.com/office/powerpoint/2010/main" val="4258454837"/>
+      </p:ext>
+    </p:extLst>
+  </p:cSld>
+  <p:clrMapOvr>
+    <a:masterClrMapping/>
+  </p:clrMapOvr>
+</p:sld>
+</file>
+
+<file path=ppt/slides/slide12.xml><?xml version="1.0" encoding="utf-8"?>
+<p:sld xmlns:a="http://schemas.openxmlformats.org/drawingml/2006/main" xmlns:r="http://schemas.openxmlformats.org/officeDocument/2006/relationships" xmlns:p="http://schemas.openxmlformats.org/presentationml/2006/main">
+  <p:cSld>
+    <p:spTree>
+      <p:nvGrpSpPr>
+        <p:cNvPr id="1" name=""/>
+        <p:cNvGrpSpPr/>
+        <p:nvPr/>
+      </p:nvGrpSpPr>
+      <p:grpSpPr>
+        <a:xfrm>
+          <a:off x="0" y="0"/>
+          <a:ext cx="0" cy="0"/>
+          <a:chOff x="0" y="0"/>
+          <a:chExt cx="0" cy="0"/>
+        </a:xfrm>
+      </p:grpSpPr>
+      <p:sp>
+        <p:nvSpPr>
+          <p:cNvPr id="6" name="Title 1">
+            <a:extLst>
+              <a:ext uri="{FF2B5EF4-FFF2-40B4-BE49-F238E27FC236}">
+                <a16:creationId xmlns:a16="http://schemas.microsoft.com/office/drawing/2014/main" id="{B6FD3924-BD2E-47EB-8DCD-3AD635AE70B8}"/>
+              </a:ext>
+            </a:extLst>
+          </p:cNvPr>
+          <p:cNvSpPr txBox="1">
+            <a:spLocks/>
+          </p:cNvSpPr>
+          <p:nvPr/>
+        </p:nvSpPr>
+        <p:spPr bwMode="auto">
+          <a:xfrm>
+            <a:off x="15875" y="165692"/>
+            <a:ext cx="8842375" cy="1016000"/>
+          </a:xfrm>
+          <a:prstGeom prst="rect">
+            <a:avLst/>
+          </a:prstGeom>
+          <a:noFill/>
+          <a:ln>
+            <a:noFill/>
+          </a:ln>
+          <a:extLst>
+            <a:ext uri="{909E8E84-426E-40DD-AFC4-6F175D3DCCD1}">
+              <a14:hiddenFill xmlns:a14="http://schemas.microsoft.com/office/drawing/2010/main">
+                <a:solidFill>
+                  <a:srgbClr val="FFFFFF"/>
+                </a:solidFill>
+              </a14:hiddenFill>
+            </a:ext>
+            <a:ext uri="{91240B29-F687-4F45-9708-019B960494DF}">
+              <a14:hiddenLine xmlns:a14="http://schemas.microsoft.com/office/drawing/2010/main" w="9525">
+                <a:solidFill>
+                  <a:srgbClr val="000000"/>
+                </a:solidFill>
+                <a:miter lim="800000"/>
+                <a:headEnd/>
+                <a:tailEnd/>
+              </a14:hiddenLine>
+            </a:ext>
+          </a:extLst>
+        </p:spPr>
+        <p:txBody>
+          <a:bodyPr/>
+          <a:lstStyle>
+            <a:lvl1pPr eaLnBrk="0" hangingPunct="0">
+              <a:defRPr sz="2400">
+                <a:solidFill>
+                  <a:schemeClr val="tx1"/>
+                </a:solidFill>
+                <a:latin typeface="Arial" panose="020B0604020202020204" pitchFamily="34" charset="0"/>
+                <a:ea typeface="MS PGothic" panose="020B0600070205080204" pitchFamily="34" charset="-128"/>
+              </a:defRPr>
+            </a:lvl1pPr>
+            <a:lvl2pPr marL="742950" indent="-285750" eaLnBrk="0" hangingPunct="0">
+              <a:defRPr sz="2400">
+                <a:solidFill>
+                  <a:schemeClr val="tx1"/>
+                </a:solidFill>
+                <a:latin typeface="Arial" panose="020B0604020202020204" pitchFamily="34" charset="0"/>
+                <a:ea typeface="MS PGothic" panose="020B0600070205080204" pitchFamily="34" charset="-128"/>
+              </a:defRPr>
+            </a:lvl2pPr>
+            <a:lvl3pPr marL="1143000" indent="-228600" eaLnBrk="0" hangingPunct="0">
+              <a:defRPr sz="2400">
+                <a:solidFill>
+                  <a:schemeClr val="tx1"/>
+                </a:solidFill>
+                <a:latin typeface="Arial" panose="020B0604020202020204" pitchFamily="34" charset="0"/>
+                <a:ea typeface="MS PGothic" panose="020B0600070205080204" pitchFamily="34" charset="-128"/>
+              </a:defRPr>
+            </a:lvl3pPr>
+            <a:lvl4pPr marL="1600200" indent="-228600" eaLnBrk="0" hangingPunct="0">
+              <a:defRPr sz="2400">
+                <a:solidFill>
+                  <a:schemeClr val="tx1"/>
+                </a:solidFill>
+                <a:latin typeface="Arial" panose="020B0604020202020204" pitchFamily="34" charset="0"/>
+                <a:ea typeface="MS PGothic" panose="020B0600070205080204" pitchFamily="34" charset="-128"/>
+              </a:defRPr>
+            </a:lvl4pPr>
+            <a:lvl5pPr marL="2057400" indent="-228600" eaLnBrk="0" hangingPunct="0">
+              <a:defRPr sz="2400">
+                <a:solidFill>
+                  <a:schemeClr val="tx1"/>
+                </a:solidFill>
+                <a:latin typeface="Arial" panose="020B0604020202020204" pitchFamily="34" charset="0"/>
+                <a:ea typeface="MS PGothic" panose="020B0600070205080204" pitchFamily="34" charset="-128"/>
+              </a:defRPr>
+            </a:lvl5pPr>
+            <a:lvl6pPr marL="2514600" indent="-228600" defTabSz="457200" eaLnBrk="0" fontAlgn="base" hangingPunct="0">
+              <a:spcBef>
+                <a:spcPct val="0"/>
+              </a:spcBef>
+              <a:spcAft>
+                <a:spcPct val="0"/>
+              </a:spcAft>
+              <a:defRPr sz="2400">
+                <a:solidFill>
+                  <a:schemeClr val="tx1"/>
+                </a:solidFill>
+                <a:latin typeface="Arial" panose="020B0604020202020204" pitchFamily="34" charset="0"/>
+                <a:ea typeface="MS PGothic" panose="020B0600070205080204" pitchFamily="34" charset="-128"/>
+              </a:defRPr>
+            </a:lvl6pPr>
+            <a:lvl7pPr marL="2971800" indent="-228600" defTabSz="457200" eaLnBrk="0" fontAlgn="base" hangingPunct="0">
+              <a:spcBef>
+                <a:spcPct val="0"/>
+              </a:spcBef>
+              <a:spcAft>
+                <a:spcPct val="0"/>
+              </a:spcAft>
+              <a:defRPr sz="2400">
+                <a:solidFill>
+                  <a:schemeClr val="tx1"/>
+                </a:solidFill>
+                <a:latin typeface="Arial" panose="020B0604020202020204" pitchFamily="34" charset="0"/>
+                <a:ea typeface="MS PGothic" panose="020B0600070205080204" pitchFamily="34" charset="-128"/>
+              </a:defRPr>
+            </a:lvl7pPr>
+            <a:lvl8pPr marL="3429000" indent="-228600" defTabSz="457200" eaLnBrk="0" fontAlgn="base" hangingPunct="0">
+              <a:spcBef>
+                <a:spcPct val="0"/>
+              </a:spcBef>
+              <a:spcAft>
+                <a:spcPct val="0"/>
+              </a:spcAft>
+              <a:defRPr sz="2400">
+                <a:solidFill>
+                  <a:schemeClr val="tx1"/>
+                </a:solidFill>
+                <a:latin typeface="Arial" panose="020B0604020202020204" pitchFamily="34" charset="0"/>
+                <a:ea typeface="MS PGothic" panose="020B0600070205080204" pitchFamily="34" charset="-128"/>
+              </a:defRPr>
+            </a:lvl8pPr>
+            <a:lvl9pPr marL="3886200" indent="-228600" defTabSz="457200" eaLnBrk="0" fontAlgn="base" hangingPunct="0">
+              <a:spcBef>
+                <a:spcPct val="0"/>
+              </a:spcBef>
+              <a:spcAft>
+                <a:spcPct val="0"/>
+              </a:spcAft>
+              <a:defRPr sz="2400">
+                <a:solidFill>
+                  <a:schemeClr val="tx1"/>
+                </a:solidFill>
+                <a:latin typeface="Arial" panose="020B0604020202020204" pitchFamily="34" charset="0"/>
+                <a:ea typeface="MS PGothic" panose="020B0600070205080204" pitchFamily="34" charset="-128"/>
+              </a:defRPr>
+            </a:lvl9pPr>
+          </a:lstStyle>
+          <a:p>
+            <a:r>
+              <a:rPr lang="en-US" altLang="it-IT" sz="3600" i="1" dirty="0">
+                <a:solidFill>
+                  <a:srgbClr val="FFFFFF"/>
+                </a:solidFill>
+                <a:latin typeface="Tw Cen MT" panose="020B0602020104020603" pitchFamily="34" charset="0"/>
+              </a:rPr>
+              <a:t>struc2vec</a:t>
+            </a:r>
+          </a:p>
+        </p:txBody>
+      </p:sp>
+      <p:pic>
+        <p:nvPicPr>
           <p:cNvPr id="4" name="Immagine 3" descr="Immagine che contiene mappa, testo, cucina, bianco&#10;&#10;Descrizione generata automaticamente">
             <a:extLst>
               <a:ext uri="{FF2B5EF4-FFF2-40B4-BE49-F238E27FC236}">
@@ -7132,7 +7644,7 @@
             <a:fld id="{7A1D8CC2-AC32-48BF-A9F5-B79D7A95954F}" type="slidenum">
               <a:rPr lang="en-US" altLang="it-IT" smtClean="0"/>
               <a:pPr/>
-              <a:t>11</a:t>
+              <a:t>12</a:t>
             </a:fld>
             <a:endParaRPr lang="en-US" altLang="it-IT" dirty="0"/>
           </a:p>
@@ -7185,7 +7697,19 @@
                   <a:rPr lang="it-IT" sz="2400" dirty="0">
                     <a:latin typeface="+mj-lt"/>
                   </a:rPr>
-                  <a:t>1) Determinazione dell’identità strutturale tra due nodi;</a:t>
+                  <a:t>1) Determinazione dell’</a:t>
+                </a:r>
+                <a:r>
+                  <a:rPr lang="it-IT" sz="2400" i="1" dirty="0">
+                    <a:latin typeface="+mj-lt"/>
+                  </a:rPr>
+                  <a:t>identità strutturale </a:t>
+                </a:r>
+                <a:r>
+                  <a:rPr lang="it-IT" sz="2400" dirty="0">
+                    <a:latin typeface="+mj-lt"/>
+                  </a:rPr>
+                  <a:t>tra due nodi;</a:t>
                 </a:r>
               </a:p>
               <a:p>
@@ -7453,7 +7977,7 @@
 </p:sld>
 </file>
 
-<file path=ppt/slides/slide12.xml><?xml version="1.0" encoding="utf-8"?>
+<file path=ppt/slides/slide13.xml><?xml version="1.0" encoding="utf-8"?>
 <p:sld xmlns:a="http://schemas.openxmlformats.org/drawingml/2006/main" xmlns:r="http://schemas.openxmlformats.org/officeDocument/2006/relationships" xmlns:p="http://schemas.openxmlformats.org/presentationml/2006/main">
   <p:cSld>
     <p:spTree>
@@ -7694,7 +8218,7 @@
             <a:fld id="{7A1D8CC2-AC32-48BF-A9F5-B79D7A95954F}" type="slidenum">
               <a:rPr lang="en-US" altLang="it-IT" smtClean="0"/>
               <a:pPr/>
-              <a:t>12</a:t>
+              <a:t>13</a:t>
             </a:fld>
             <a:endParaRPr lang="en-US" altLang="it-IT" dirty="0"/>
           </a:p>
@@ -7743,6 +8267,9 @@
             </a:r>
             <a:r>
               <a:rPr lang="it-IT" sz="2400" i="1" dirty="0" err="1">
+                <a:solidFill>
+                  <a:srgbClr val="FF0000"/>
+                </a:solidFill>
                 <a:latin typeface="+mj-lt"/>
               </a:rPr>
               <a:t>graphlet</a:t>
@@ -7799,7 +8326,7 @@
 </p:sld>
 </file>
 
-<file path=ppt/slides/slide13.xml><?xml version="1.0" encoding="utf-8"?>
+<file path=ppt/slides/slide14.xml><?xml version="1.0" encoding="utf-8"?>
 <p:sld xmlns:a="http://schemas.openxmlformats.org/drawingml/2006/main" xmlns:r="http://schemas.openxmlformats.org/officeDocument/2006/relationships" xmlns:p="http://schemas.openxmlformats.org/presentationml/2006/main">
   <p:cSld>
     <p:spTree>
@@ -8040,7 +8567,7 @@
             <a:fld id="{7A1D8CC2-AC32-48BF-A9F5-B79D7A95954F}" type="slidenum">
               <a:rPr lang="en-US" altLang="it-IT" smtClean="0"/>
               <a:pPr/>
-              <a:t>13</a:t>
+              <a:t>14</a:t>
             </a:fld>
             <a:endParaRPr lang="en-US" altLang="it-IT" dirty="0"/>
           </a:p>
@@ -8102,9 +8629,7 @@
             <a:r>
               <a:rPr lang="it-IT" sz="2400" dirty="0">
                 <a:solidFill>
-                  <a:schemeClr val="accent1">
-                    <a:lumMod val="50000"/>
-                  </a:schemeClr>
+                  <a:srgbClr val="FFC000"/>
                 </a:solidFill>
                 <a:latin typeface="+mj-lt"/>
               </a:rPr>
@@ -8221,8 +8746,8 @@
           </a:prstGeom>
         </p:spPr>
       </p:pic>
-      <mc:AlternateContent xmlns:mc="http://schemas.openxmlformats.org/markup-compatibility/2006">
-        <mc:Choice xmlns:a14="http://schemas.microsoft.com/office/drawing/2010/main" Requires="a14">
+      <mc:AlternateContent xmlns:mc="http://schemas.openxmlformats.org/markup-compatibility/2006" xmlns:a14="http://schemas.microsoft.com/office/drawing/2010/main">
+        <mc:Choice Requires="a14">
           <p:sp>
             <p:nvSpPr>
               <p:cNvPr id="9" name="CasellaDiTesto 8">
@@ -8515,7 +9040,7 @@
             </p:txBody>
           </p:sp>
         </mc:Choice>
-        <mc:Fallback>
+        <mc:Fallback xmlns="">
           <p:sp>
             <p:nvSpPr>
               <p:cNvPr id="9" name="CasellaDiTesto 8">
@@ -8602,7 +9127,7 @@
 </p:sld>
 </file>
 
-<file path=ppt/slides/slide14.xml><?xml version="1.0" encoding="utf-8"?>
+<file path=ppt/slides/slide15.xml><?xml version="1.0" encoding="utf-8"?>
 <p:sld xmlns:a="http://schemas.openxmlformats.org/drawingml/2006/main" xmlns:r="http://schemas.openxmlformats.org/officeDocument/2006/relationships" xmlns:p="http://schemas.openxmlformats.org/presentationml/2006/main">
   <p:cSld>
     <p:spTree>
@@ -8857,7 +9382,7 @@
             <a:fld id="{7A1D8CC2-AC32-48BF-A9F5-B79D7A95954F}" type="slidenum">
               <a:rPr lang="en-US" altLang="it-IT" smtClean="0"/>
               <a:pPr/>
-              <a:t>14</a:t>
+              <a:t>15</a:t>
             </a:fld>
             <a:endParaRPr lang="en-US" altLang="it-IT" dirty="0"/>
           </a:p>
@@ -8879,7 +9404,7 @@
         </p:nvSpPr>
         <p:spPr bwMode="auto">
           <a:xfrm>
-            <a:off x="150812" y="1781132"/>
+            <a:off x="150812" y="1639994"/>
             <a:ext cx="8842375" cy="4375828"/>
           </a:xfrm>
           <a:prstGeom prst="rect">
@@ -9929,7 +10454,7 @@
                   <a:rPr lang="it-IT" dirty="0">
                     <a:latin typeface="+mn-lt"/>
                   </a:rPr>
-                  <a:t>le malattie umane;</a:t>
+                  <a:t>malattie umane;</a:t>
                 </a:r>
               </a:p>
               <a:p>
@@ -9969,12 +10494,11 @@
                 </a:endParaRPr>
               </a:p>
               <a:p>
-                <a:pPr algn="just"/>
                 <a:r>
                   <a:rPr lang="it-IT" dirty="0">
                     <a:latin typeface="+mn-lt"/>
                   </a:rPr>
-                  <a:t>Date le grandi dimensioni (tipicamente vengono coinvolte migliaia di elementi), le reti PPI sono analizzate tramite l’</a:t>
+                  <a:t>Date le grandi dimensioni (migliaia di elementi), le reti PPI sono analizzate tramite l’</a:t>
                 </a:r>
                 <a:r>
                   <a:rPr lang="it-IT" dirty="0" err="1">
@@ -9986,7 +10510,19 @@
                   <a:rPr lang="it-IT" dirty="0">
                     <a:latin typeface="+mn-lt"/>
                   </a:rPr>
-                  <a:t> di sottoreti, o </a:t>
+                  <a:t> di </a:t>
+                </a:r>
+                <a:r>
+                  <a:rPr lang="it-IT" i="1" dirty="0">
+                    <a:latin typeface="+mn-lt"/>
+                  </a:rPr>
+                  <a:t>sottoreti</a:t>
+                </a:r>
+                <a:r>
+                  <a:rPr lang="it-IT" dirty="0">
+                    <a:latin typeface="+mn-lt"/>
+                  </a:rPr>
+                  <a:t>, o </a:t>
                 </a:r>
                 <a:r>
                   <a:rPr lang="it-IT" b="1" dirty="0">
@@ -10371,25 +10907,7 @@
                 </a:solidFill>
                 <a:latin typeface="Tw Cen MT" panose="020B0602020104020603" pitchFamily="34" charset="0"/>
               </a:rPr>
-              <a:t>Network </a:t>
-            </a:r>
-            <a:r>
-              <a:rPr lang="en-US" altLang="it-IT" sz="3600" i="1" dirty="0" err="1">
-                <a:solidFill>
-                  <a:srgbClr val="FFFFFF"/>
-                </a:solidFill>
-                <a:latin typeface="Tw Cen MT" panose="020B0602020104020603" pitchFamily="34" charset="0"/>
-              </a:rPr>
-              <a:t>Alignement</a:t>
-            </a:r>
-            <a:r>
-              <a:rPr lang="en-US" altLang="it-IT" sz="3600" i="1" dirty="0">
-                <a:solidFill>
-                  <a:srgbClr val="FFFFFF"/>
-                </a:solidFill>
-                <a:latin typeface="Tw Cen MT" panose="020B0602020104020603" pitchFamily="34" charset="0"/>
-              </a:rPr>
-              <a:t> </a:t>
+              <a:t>Network Alignment </a:t>
             </a:r>
             <a:r>
               <a:rPr lang="en-US" altLang="it-IT" sz="3600" dirty="0">
@@ -10403,8 +10921,8 @@
           </a:p>
         </p:txBody>
       </p:sp>
-      <mc:AlternateContent xmlns:mc="http://schemas.openxmlformats.org/markup-compatibility/2006" xmlns:a14="http://schemas.microsoft.com/office/drawing/2010/main">
-        <mc:Choice Requires="a14">
+      <mc:AlternateContent xmlns:mc="http://schemas.openxmlformats.org/markup-compatibility/2006">
+        <mc:Choice xmlns:a14="http://schemas.microsoft.com/office/drawing/2010/main" Requires="a14">
           <p:sp>
             <p:nvSpPr>
               <p:cNvPr id="8" name="CasellaDiTesto 7">
@@ -10450,19 +10968,7 @@
                   <a:rPr lang="it-IT" dirty="0">
                     <a:latin typeface="+mj-lt"/>
                   </a:rPr>
-                  <a:t> </a:t>
-                </a:r>
-                <a:r>
-                  <a:rPr lang="it-IT" dirty="0" err="1">
-                    <a:latin typeface="+mj-lt"/>
-                  </a:rPr>
-                  <a:t>signiﬁca</a:t>
-                </a:r>
-                <a:r>
-                  <a:rPr lang="it-IT" dirty="0">
-                    <a:latin typeface="+mj-lt"/>
-                  </a:rPr>
-                  <a:t> trovare un </a:t>
+                  <a:t> significa trovare un </a:t>
                 </a:r>
                 <a:r>
                   <a:rPr lang="it-IT" i="1" dirty="0">
@@ -10485,7 +10991,7 @@
                   <a:rPr lang="it-IT" i="1" dirty="0" err="1">
                     <a:latin typeface="+mj-lt"/>
                   </a:rPr>
-                  <a:t>alignement</a:t>
+                  <a:t>alignment</a:t>
                 </a:r>
                 <a:r>
                   <a:rPr lang="it-IT" dirty="0">
@@ -10499,22 +11005,28 @@
                   <a:buAutoNum type="arabicParenBoth"/>
                 </a:pPr>
                 <a:r>
+                  <a:rPr lang="it-IT" i="1" dirty="0">
+                    <a:latin typeface="+mj-lt"/>
+                  </a:rPr>
+                  <a:t>massimizzare il numero di proteine mappate</a:t>
+                </a:r>
+                <a:r>
                   <a:rPr lang="it-IT" dirty="0">
                     <a:latin typeface="+mj-lt"/>
                   </a:rPr>
-                  <a:t>massimizzare il numero di proteine mappate (</a:t>
+                  <a:t> (</a:t>
                 </a:r>
                 <a:r>
                   <a:rPr lang="it-IT" i="1" dirty="0">
                     <a:latin typeface="+mj-lt"/>
                   </a:rPr>
-                  <a:t>nodi</a:t>
+                  <a:t>nodi </a:t>
                 </a:r>
                 <a:r>
                   <a:rPr lang="it-IT" dirty="0">
                     <a:latin typeface="+mj-lt"/>
                   </a:rPr>
-                  <a:t>) che sono correlate da un punto di vista funzionale</a:t>
+                  <a:t>del grafo) che sono correlate da un punto di vista funzionale;</a:t>
                 </a:r>
               </a:p>
               <a:p>
@@ -10522,22 +11034,28 @@
                   <a:buAutoNum type="arabicParenBoth"/>
                 </a:pPr>
                 <a:r>
+                  <a:rPr lang="it-IT" i="1" dirty="0">
+                    <a:latin typeface="+mj-lt"/>
+                  </a:rPr>
+                  <a:t>massimizzare il numero di interazioni comuni </a:t>
+                </a:r>
+                <a:r>
                   <a:rPr lang="it-IT" dirty="0">
                     <a:latin typeface="+mj-lt"/>
                   </a:rPr>
-                  <a:t>massimizzare il numero di interazioni comuni (</a:t>
+                  <a:t>(</a:t>
                 </a:r>
                 <a:r>
                   <a:rPr lang="it-IT" i="1" dirty="0">
                     <a:latin typeface="+mj-lt"/>
                   </a:rPr>
-                  <a:t>archi</a:t>
+                  <a:t>archi </a:t>
                 </a:r>
                 <a:r>
                   <a:rPr lang="it-IT" dirty="0">
                     <a:latin typeface="+mj-lt"/>
                   </a:rPr>
-                  <a:t>) tra le reti. </a:t>
+                  <a:t>del grafo) tra le reti. </a:t>
                 </a:r>
               </a:p>
               <a:p>
@@ -10559,7 +11077,10 @@
                 <a14:m>
                   <m:oMath xmlns:m="http://schemas.openxmlformats.org/officeDocument/2006/math">
                     <m:r>
-                      <a:rPr lang="it-IT" i="1">
+                      <a:rPr lang="it-IT" i="1" smtClean="0">
+                        <a:solidFill>
+                          <a:srgbClr val="00B050"/>
+                        </a:solidFill>
                         <a:latin typeface="Cambria Math" panose="02040503050406030204" pitchFamily="18" charset="0"/>
                       </a:rPr>
                       <m:t>𝑁𝑃</m:t>
@@ -10568,9 +11089,18 @@
                 </a14:m>
                 <a:r>
                   <a:rPr lang="it-IT" dirty="0">
+                    <a:solidFill>
+                      <a:srgbClr val="00B050"/>
+                    </a:solidFill>
                     <a:latin typeface="+mj-lt"/>
                   </a:rPr>
-                  <a:t>-completezza sottostante al </a:t>
+                  <a:t>-completezza </a:t>
+                </a:r>
+                <a:r>
+                  <a:rPr lang="it-IT" dirty="0">
+                    <a:latin typeface="+mj-lt"/>
+                  </a:rPr>
+                  <a:t>sottostante al </a:t>
                 </a:r>
                 <a:r>
                   <a:rPr lang="it-IT" i="1" dirty="0">
@@ -10612,7 +11142,7 @@
                   <a:rPr lang="it-IT" dirty="0">
                     <a:latin typeface="+mj-lt"/>
                   </a:rPr>
-                  <a:t> (Cook,1971)</a:t>
+                  <a:t> (Cook,1971).</a:t>
                 </a:r>
               </a:p>
               <a:p>
@@ -10624,7 +11154,7 @@
             </p:txBody>
           </p:sp>
         </mc:Choice>
-        <mc:Fallback xmlns="">
+        <mc:Fallback>
           <p:sp>
             <p:nvSpPr>
               <p:cNvPr id="8" name="CasellaDiTesto 7">
@@ -10691,7 +11221,7 @@
         </p:blipFill>
         <p:spPr>
           <a:xfrm>
-            <a:off x="1700073" y="3305560"/>
+            <a:off x="1700073" y="3357593"/>
             <a:ext cx="5743853" cy="3119407"/>
           </a:xfrm>
           <a:prstGeom prst="rect">
@@ -11096,8 +11626,8 @@
         </p:nvSpPr>
         <p:spPr>
           <a:xfrm>
-            <a:off x="28174" y="1037478"/>
-            <a:ext cx="5277652" cy="1477328"/>
+            <a:off x="-30059" y="1181692"/>
+            <a:ext cx="5277652" cy="1200329"/>
           </a:xfrm>
           <a:prstGeom prst="rect">
             <a:avLst/>
@@ -11114,17 +11644,17 @@
             <a:r>
               <a:rPr lang="it-IT" b="1" i="1" dirty="0">
                 <a:solidFill>
-                  <a:srgbClr val="00B050"/>
+                  <a:srgbClr val="7030A0"/>
                 </a:solidFill>
                 <a:latin typeface="+mj-lt"/>
               </a:rPr>
-              <a:t>Effetto del piccolo mondo </a:t>
+              <a:t>Effetto del piccolo mondo</a:t>
             </a:r>
             <a:r>
               <a:rPr lang="it-IT" dirty="0">
                 <a:latin typeface="+mj-lt"/>
               </a:rPr>
-              <a:t>(derivazione dalle scienze sociali): tutte le reti complesse presenti in natura sono tali che due nodi qualsiasi possono essere collegati da un percorso costituito da un numero relativamente piccolo di collegamenti</a:t>
+              <a:t>: tutte le reti complesse presenti in natura sono tali che due nodi qualsiasi possono essere collegati da un percorso costituito da un numero relativamente piccolo di collegamenti.</a:t>
             </a:r>
             <a:endParaRPr lang="it-IT" i="1" dirty="0">
               <a:latin typeface="+mj-lt"/>
@@ -11164,7 +11694,7 @@
             <a:r>
               <a:rPr lang="it-IT" b="1" i="1" dirty="0">
                 <a:solidFill>
-                  <a:srgbClr val="00B050"/>
+                  <a:srgbClr val="0000FF"/>
                 </a:solidFill>
                 <a:latin typeface="+mj-lt"/>
               </a:rPr>
@@ -11307,6 +11837,12 @@
                 <a:latin typeface="+mj-lt"/>
               </a:rPr>
               <a:t>mirati</a:t>
+            </a:r>
+            <a:r>
+              <a:rPr lang="it-IT" dirty="0">
+                <a:latin typeface="+mj-lt"/>
+              </a:rPr>
+              <a:t>.</a:t>
             </a:r>
             <a:endParaRPr lang="it-IT" sz="1400" b="1" dirty="0">
               <a:solidFill>
@@ -11331,7 +11867,7 @@
         </p:nvSpPr>
         <p:spPr>
           <a:xfrm>
-            <a:off x="-62549" y="5455416"/>
+            <a:off x="-62549" y="5358857"/>
             <a:ext cx="6471560" cy="923330"/>
           </a:xfrm>
           <a:prstGeom prst="rect">
@@ -11349,7 +11885,7 @@
             <a:r>
               <a:rPr lang="it-IT" b="1" i="1" dirty="0">
                 <a:solidFill>
-                  <a:srgbClr val="00B050"/>
+                  <a:srgbClr val="FF0000"/>
                 </a:solidFill>
                 <a:latin typeface="+mj-lt"/>
               </a:rPr>
@@ -11660,6 +12196,12 @@
               </a:rPr>
               <a:t>MTGO</a:t>
             </a:r>
+            <a:endParaRPr lang="en-US" altLang="it-IT" dirty="0">
+              <a:solidFill>
+                <a:schemeClr val="bg1"/>
+              </a:solidFill>
+              <a:latin typeface="+mj-lt"/>
+            </a:endParaRPr>
           </a:p>
         </p:txBody>
       </p:sp>
@@ -11685,7 +12227,7 @@
         </p:blipFill>
         <p:spPr>
           <a:xfrm>
-            <a:off x="370263" y="1610721"/>
+            <a:off x="222888" y="1610721"/>
             <a:ext cx="5042212" cy="4356432"/>
           </a:xfrm>
           <a:prstGeom prst="rect">
@@ -11769,7 +12311,7 @@
         </p:nvSpPr>
         <p:spPr>
           <a:xfrm>
-            <a:off x="5412475" y="1711445"/>
+            <a:off x="5412475" y="1610721"/>
             <a:ext cx="3731525" cy="4154984"/>
           </a:xfrm>
           <a:prstGeom prst="rect">
@@ -11791,12 +12333,18 @@
             </a:r>
             <a:r>
               <a:rPr lang="it-IT" sz="2400" i="1" dirty="0">
+                <a:solidFill>
+                  <a:srgbClr val="FF6600"/>
+                </a:solidFill>
                 <a:latin typeface="+mj-lt"/>
               </a:rPr>
               <a:t>GO-</a:t>
             </a:r>
             <a:r>
               <a:rPr lang="it-IT" sz="2400" i="1" dirty="0" err="1">
+                <a:solidFill>
+                  <a:srgbClr val="FF6600"/>
+                </a:solidFill>
                 <a:latin typeface="+mj-lt"/>
               </a:rPr>
               <a:t>based</a:t>
@@ -11829,6 +12377,9 @@
           <a:p>
             <a:r>
               <a:rPr lang="it-IT" sz="2400" i="1" dirty="0" err="1">
+                <a:solidFill>
+                  <a:srgbClr val="0000FF"/>
+                </a:solidFill>
                 <a:latin typeface="+mj-lt"/>
               </a:rPr>
               <a:t>Overlapping</a:t>
@@ -11837,8 +12388,93 @@
               <a:rPr lang="it-IT" sz="2400" dirty="0">
                 <a:latin typeface="+mj-lt"/>
               </a:rPr>
-              <a:t> e copertura totale della rete </a:t>
-            </a:r>
+              <a:t> e </a:t>
+            </a:r>
+            <a:r>
+              <a:rPr lang="it-IT" sz="2400" dirty="0">
+                <a:solidFill>
+                  <a:srgbClr val="0000FF"/>
+                </a:solidFill>
+                <a:latin typeface="+mj-lt"/>
+              </a:rPr>
+              <a:t>copertura</a:t>
+            </a:r>
+            <a:r>
+              <a:rPr lang="it-IT" sz="2400" dirty="0">
+                <a:latin typeface="+mj-lt"/>
+              </a:rPr>
+              <a:t> </a:t>
+            </a:r>
+            <a:r>
+              <a:rPr lang="it-IT" sz="2400" dirty="0">
+                <a:solidFill>
+                  <a:srgbClr val="0000FF"/>
+                </a:solidFill>
+                <a:latin typeface="+mj-lt"/>
+              </a:rPr>
+              <a:t>totale</a:t>
+            </a:r>
+            <a:r>
+              <a:rPr lang="it-IT" sz="2400" dirty="0">
+                <a:latin typeface="+mj-lt"/>
+              </a:rPr>
+              <a:t> della rete </a:t>
+            </a:r>
+          </a:p>
+        </p:txBody>
+      </p:sp>
+      <p:sp>
+        <p:nvSpPr>
+          <p:cNvPr id="3" name="CasellaDiTesto 2">
+            <a:extLst>
+              <a:ext uri="{FF2B5EF4-FFF2-40B4-BE49-F238E27FC236}">
+                <a16:creationId xmlns:a16="http://schemas.microsoft.com/office/drawing/2014/main" id="{641F31F2-1E8F-40B5-8C20-B9D687F370E6}"/>
+              </a:ext>
+            </a:extLst>
+          </p:cNvPr>
+          <p:cNvSpPr txBox="1"/>
+          <p:nvPr/>
+        </p:nvSpPr>
+        <p:spPr>
+          <a:xfrm>
+            <a:off x="1371600" y="304360"/>
+            <a:ext cx="6480699" cy="369332"/>
+          </a:xfrm>
+          <a:prstGeom prst="rect">
+            <a:avLst/>
+          </a:prstGeom>
+          <a:noFill/>
+        </p:spPr>
+        <p:txBody>
+          <a:bodyPr wrap="square" rtlCol="0">
+            <a:spAutoFit/>
+          </a:bodyPr>
+          <a:lstStyle/>
+          <a:p>
+            <a:r>
+              <a:rPr lang="en-US" altLang="it-IT" i="1" dirty="0">
+                <a:solidFill>
+                  <a:schemeClr val="bg1"/>
+                </a:solidFill>
+                <a:latin typeface="+mj-lt"/>
+              </a:rPr>
+              <a:t>- </a:t>
+            </a:r>
+            <a:r>
+              <a:rPr lang="en-US" i="1" dirty="0">
+                <a:solidFill>
+                  <a:schemeClr val="bg1"/>
+                </a:solidFill>
+                <a:latin typeface="+mj-lt"/>
+              </a:rPr>
+              <a:t>Module detection via Topological information and GO knowledge -</a:t>
+            </a:r>
+            <a:endParaRPr lang="it-IT" i="1" dirty="0">
+              <a:solidFill>
+                <a:schemeClr val="bg1"/>
+              </a:solidFill>
+              <a:latin typeface="+mj-lt"/>
+            </a:endParaRPr>
           </a:p>
         </p:txBody>
       </p:sp>
@@ -12035,17 +12671,224 @@
                 </a:solidFill>
                 <a:latin typeface="Tw Cen MT" panose="020B0602020104020603" pitchFamily="34" charset="0"/>
               </a:rPr>
-              <a:t>MTGO</a:t>
+              <a:t>MTGO: </a:t>
+            </a:r>
+            <a:r>
+              <a:rPr lang="en-US" altLang="it-IT" sz="3600" dirty="0" err="1">
+                <a:solidFill>
+                  <a:srgbClr val="FFFFFF"/>
+                </a:solidFill>
+                <a:latin typeface="Tw Cen MT" panose="020B0602020104020603" pitchFamily="34" charset="0"/>
+              </a:rPr>
+              <a:t>struttura</a:t>
+            </a:r>
+            <a:endParaRPr lang="en-US" altLang="it-IT" sz="3600" dirty="0">
+              <a:solidFill>
+                <a:srgbClr val="FFFFFF"/>
+              </a:solidFill>
+              <a:latin typeface="Tw Cen MT" panose="020B0602020104020603" pitchFamily="34" charset="0"/>
+            </a:endParaRPr>
+          </a:p>
+        </p:txBody>
+      </p:sp>
+      <p:sp>
+        <p:nvSpPr>
+          <p:cNvPr id="3" name="Segnaposto piè di pagina 2">
+            <a:extLst>
+              <a:ext uri="{FF2B5EF4-FFF2-40B4-BE49-F238E27FC236}">
+                <a16:creationId xmlns:a16="http://schemas.microsoft.com/office/drawing/2014/main" id="{F8AB3DCD-E471-4B18-B244-9893F98C4AC0}"/>
+              </a:ext>
+            </a:extLst>
+          </p:cNvPr>
+          <p:cNvSpPr>
+            <a:spLocks noGrp="1"/>
+          </p:cNvSpPr>
+          <p:nvPr>
+            <p:ph type="ftr" sz="quarter" idx="11"/>
+          </p:nvPr>
+        </p:nvSpPr>
+        <p:spPr/>
+        <p:txBody>
+          <a:bodyPr/>
+          <a:lstStyle/>
+          <a:p>
+            <a:pPr>
+              <a:defRPr/>
+            </a:pPr>
+            <a:r>
+              <a:rPr lang="it-IT"/>
+              <a:t>Masiero L. Ivancich S.</a:t>
+            </a:r>
+            <a:endParaRPr lang="en-US" dirty="0"/>
+          </a:p>
+        </p:txBody>
+      </p:sp>
+      <p:sp>
+        <p:nvSpPr>
+          <p:cNvPr id="5" name="Segnaposto numero diapositiva 4">
+            <a:extLst>
+              <a:ext uri="{FF2B5EF4-FFF2-40B4-BE49-F238E27FC236}">
+                <a16:creationId xmlns:a16="http://schemas.microsoft.com/office/drawing/2014/main" id="{BEB21A5B-7AE9-40F4-ADD6-752933333399}"/>
+              </a:ext>
+            </a:extLst>
+          </p:cNvPr>
+          <p:cNvSpPr>
+            <a:spLocks noGrp="1"/>
+          </p:cNvSpPr>
+          <p:nvPr>
+            <p:ph type="sldNum" sz="quarter" idx="12"/>
+          </p:nvPr>
+        </p:nvSpPr>
+        <p:spPr/>
+        <p:txBody>
+          <a:bodyPr/>
+          <a:lstStyle/>
+          <a:p>
+            <a:fld id="{7A1D8CC2-AC32-48BF-A9F5-B79D7A95954F}" type="slidenum">
+              <a:rPr lang="en-US" altLang="it-IT" smtClean="0"/>
+              <a:pPr/>
+              <a:t>7</a:t>
+            </a:fld>
+            <a:endParaRPr lang="en-US" altLang="it-IT" dirty="0"/>
+          </a:p>
+        </p:txBody>
+      </p:sp>
+      <p:sp>
+        <p:nvSpPr>
+          <p:cNvPr id="7" name="CasellaDiTesto 6">
+            <a:extLst>
+              <a:ext uri="{FF2B5EF4-FFF2-40B4-BE49-F238E27FC236}">
+                <a16:creationId xmlns:a16="http://schemas.microsoft.com/office/drawing/2014/main" id="{3A4B723D-9E40-4A56-8AEA-92FA5D413B25}"/>
+              </a:ext>
+            </a:extLst>
+          </p:cNvPr>
+          <p:cNvSpPr txBox="1"/>
+          <p:nvPr/>
+        </p:nvSpPr>
+        <p:spPr>
+          <a:xfrm>
+            <a:off x="15875" y="1093625"/>
+            <a:ext cx="9112250" cy="3108543"/>
+          </a:xfrm>
+          <a:prstGeom prst="rect">
+            <a:avLst/>
+          </a:prstGeom>
+          <a:noFill/>
+        </p:spPr>
+        <p:txBody>
+          <a:bodyPr wrap="square" rtlCol="0">
+            <a:spAutoFit/>
+          </a:bodyPr>
+          <a:lstStyle/>
+          <a:p>
+            <a:pPr algn="ctr"/>
+            <a:r>
+              <a:rPr lang="it-IT" sz="2800" b="1" dirty="0">
+                <a:solidFill>
+                  <a:srgbClr val="0000FF"/>
+                </a:solidFill>
+                <a:latin typeface="+mj-lt"/>
+              </a:rPr>
+              <a:t>3 FASI</a:t>
+            </a:r>
+            <a:endParaRPr lang="it-IT" sz="2400" dirty="0">
+              <a:latin typeface="+mj-lt"/>
+            </a:endParaRPr>
+          </a:p>
+          <a:p>
+            <a:pPr marL="457200" indent="-457200">
+              <a:buAutoNum type="arabicParenR"/>
+            </a:pPr>
+            <a:r>
+              <a:rPr lang="it-IT" sz="2400" b="1" dirty="0">
+                <a:solidFill>
+                  <a:srgbClr val="7030A0"/>
+                </a:solidFill>
+                <a:latin typeface="+mj-lt"/>
+              </a:rPr>
+              <a:t>Inizializzazione</a:t>
+            </a:r>
+            <a:r>
+              <a:rPr lang="it-IT" sz="2400" dirty="0">
+                <a:latin typeface="+mj-lt"/>
+              </a:rPr>
+              <a:t>: creazione delle partizioni e dei moduli</a:t>
+            </a:r>
+          </a:p>
+          <a:p>
+            <a:pPr marL="457200" indent="-457200">
+              <a:buAutoNum type="arabicParenR"/>
+            </a:pPr>
+            <a:endParaRPr lang="it-IT" sz="2400" dirty="0">
+              <a:latin typeface="+mj-lt"/>
+            </a:endParaRPr>
+          </a:p>
+          <a:p>
+            <a:pPr marL="457200" indent="-457200">
+              <a:buAutoNum type="arabicParenR"/>
+            </a:pPr>
+            <a:endParaRPr lang="it-IT" sz="2400" dirty="0">
+              <a:latin typeface="+mj-lt"/>
+            </a:endParaRPr>
+          </a:p>
+          <a:p>
+            <a:pPr marL="457200" indent="-457200">
+              <a:buAutoNum type="arabicParenR"/>
+            </a:pPr>
+            <a:endParaRPr lang="it-IT" sz="2400" dirty="0">
+              <a:latin typeface="+mj-lt"/>
+            </a:endParaRPr>
+          </a:p>
+          <a:p>
+            <a:pPr marL="457200" indent="-457200">
+              <a:buAutoNum type="arabicParenR"/>
+            </a:pPr>
+            <a:endParaRPr lang="it-IT" sz="2400" dirty="0">
+              <a:latin typeface="+mj-lt"/>
+            </a:endParaRPr>
+          </a:p>
+          <a:p>
+            <a:endParaRPr lang="it-IT" sz="2400" dirty="0">
+              <a:latin typeface="+mj-lt"/>
+            </a:endParaRPr>
+          </a:p>
+          <a:p>
+            <a:r>
+              <a:rPr lang="it-IT" sz="2400" b="1" dirty="0">
+                <a:solidFill>
+                  <a:srgbClr val="7030A0"/>
+                </a:solidFill>
+                <a:latin typeface="+mj-lt"/>
+              </a:rPr>
+              <a:t>2)   Iterazioni</a:t>
+            </a:r>
+            <a:r>
+              <a:rPr lang="it-IT" sz="2400" dirty="0">
+                <a:latin typeface="+mj-lt"/>
+              </a:rPr>
+              <a:t> in cui i nodi vengono </a:t>
+            </a:r>
+            <a:r>
+              <a:rPr lang="it-IT" sz="2400" dirty="0" err="1">
+                <a:latin typeface="+mj-lt"/>
+              </a:rPr>
+              <a:t>ri</a:t>
+            </a:r>
+            <a:r>
+              <a:rPr lang="it-IT" sz="2400" dirty="0">
+                <a:latin typeface="+mj-lt"/>
+              </a:rPr>
+              <a:t>-assegnati alle partizioni</a:t>
             </a:r>
           </a:p>
         </p:txBody>
       </p:sp>
       <p:pic>
         <p:nvPicPr>
-          <p:cNvPr id="4" name="Immagine 3" descr="Immagine che contiene computer&#10;&#10;Descrizione generata automaticamente">
+          <p:cNvPr id="8" name="Immagine 7" descr="Immagine che contiene disegnando&#10;&#10;Descrizione generata automaticamente">
             <a:extLst>
               <a:ext uri="{FF2B5EF4-FFF2-40B4-BE49-F238E27FC236}">
-                <a16:creationId xmlns:a16="http://schemas.microsoft.com/office/drawing/2014/main" id="{613BC514-7C74-495E-AE56-8F25E3C3C7C6}"/>
+                <a16:creationId xmlns:a16="http://schemas.microsoft.com/office/drawing/2014/main" id="{2BC4E36D-A1A4-43EC-8AFA-B00C5D1D0BE3}"/>
               </a:ext>
             </a:extLst>
           </p:cNvPr>
@@ -12062,204 +12905,176 @@
         </p:blipFill>
         <p:spPr>
           <a:xfrm>
-            <a:off x="4526846" y="1181692"/>
-            <a:ext cx="4620424" cy="5293870"/>
+            <a:off x="216009" y="1982900"/>
+            <a:ext cx="3610268" cy="506826"/>
           </a:xfrm>
           <a:prstGeom prst="rect">
             <a:avLst/>
           </a:prstGeom>
         </p:spPr>
       </p:pic>
-      <p:sp>
-        <p:nvSpPr>
-          <p:cNvPr id="3" name="Segnaposto piè di pagina 2">
+      <p:pic>
+        <p:nvPicPr>
+          <p:cNvPr id="10" name="Immagine 9">
             <a:extLst>
               <a:ext uri="{FF2B5EF4-FFF2-40B4-BE49-F238E27FC236}">
-                <a16:creationId xmlns:a16="http://schemas.microsoft.com/office/drawing/2014/main" id="{F8AB3DCD-E471-4B18-B244-9893F98C4AC0}"/>
+                <a16:creationId xmlns:a16="http://schemas.microsoft.com/office/drawing/2014/main" id="{1A74A6B9-3BF4-4848-B261-E7B8C24393E5}"/>
               </a:ext>
             </a:extLst>
           </p:cNvPr>
-          <p:cNvSpPr>
-            <a:spLocks noGrp="1"/>
-          </p:cNvSpPr>
-          <p:nvPr>
-            <p:ph type="ftr" sz="quarter" idx="11"/>
-          </p:nvPr>
-        </p:nvSpPr>
-        <p:spPr/>
-        <p:txBody>
-          <a:bodyPr/>
-          <a:lstStyle/>
-          <a:p>
-            <a:pPr>
-              <a:defRPr/>
-            </a:pPr>
-            <a:r>
-              <a:rPr lang="it-IT"/>
-              <a:t>Masiero L. Ivancich S.</a:t>
-            </a:r>
-            <a:endParaRPr lang="en-US" dirty="0"/>
-          </a:p>
-        </p:txBody>
-      </p:sp>
-      <p:sp>
-        <p:nvSpPr>
-          <p:cNvPr id="5" name="Segnaposto numero diapositiva 4">
-            <a:extLst>
-              <a:ext uri="{FF2B5EF4-FFF2-40B4-BE49-F238E27FC236}">
-                <a16:creationId xmlns:a16="http://schemas.microsoft.com/office/drawing/2014/main" id="{BEB21A5B-7AE9-40F4-ADD6-752933333399}"/>
-              </a:ext>
-            </a:extLst>
-          </p:cNvPr>
-          <p:cNvSpPr>
-            <a:spLocks noGrp="1"/>
-          </p:cNvSpPr>
-          <p:nvPr>
-            <p:ph type="sldNum" sz="quarter" idx="12"/>
-          </p:nvPr>
-        </p:nvSpPr>
-        <p:spPr/>
-        <p:txBody>
-          <a:bodyPr/>
-          <a:lstStyle/>
-          <a:p>
-            <a:fld id="{7A1D8CC2-AC32-48BF-A9F5-B79D7A95954F}" type="slidenum">
-              <a:rPr lang="en-US" altLang="it-IT" smtClean="0"/>
-              <a:pPr/>
-              <a:t>7</a:t>
-            </a:fld>
-            <a:endParaRPr lang="en-US" altLang="it-IT" dirty="0"/>
-          </a:p>
-        </p:txBody>
-      </p:sp>
-      <p:sp>
-        <p:nvSpPr>
-          <p:cNvPr id="7" name="CasellaDiTesto 6">
-            <a:extLst>
-              <a:ext uri="{FF2B5EF4-FFF2-40B4-BE49-F238E27FC236}">
-                <a16:creationId xmlns:a16="http://schemas.microsoft.com/office/drawing/2014/main" id="{3A4B723D-9E40-4A56-8AEA-92FA5D413B25}"/>
-              </a:ext>
-            </a:extLst>
-          </p:cNvPr>
-          <p:cNvSpPr txBox="1"/>
+          <p:cNvPicPr>
+            <a:picLocks noChangeAspect="1"/>
+          </p:cNvPicPr>
           <p:nvPr/>
-        </p:nvSpPr>
+        </p:nvPicPr>
+        <p:blipFill>
+          <a:blip r:embed="rId3"/>
+          <a:stretch>
+            <a:fillRect/>
+          </a:stretch>
+        </p:blipFill>
         <p:spPr>
           <a:xfrm>
-            <a:off x="15875" y="2274355"/>
-            <a:ext cx="4556125" cy="3108543"/>
+            <a:off x="340548" y="2559463"/>
+            <a:ext cx="3386134" cy="1025921"/>
           </a:xfrm>
           <a:prstGeom prst="rect">
             <a:avLst/>
           </a:prstGeom>
-          <a:noFill/>
         </p:spPr>
-        <p:txBody>
-          <a:bodyPr wrap="square" rtlCol="0">
-            <a:spAutoFit/>
-          </a:bodyPr>
-          <a:lstStyle/>
-          <a:p>
-            <a:pPr algn="ctr"/>
-            <a:r>
-              <a:rPr lang="it-IT" sz="2800" b="1" dirty="0">
-                <a:solidFill>
-                  <a:srgbClr val="0000FF"/>
-                </a:solidFill>
-                <a:latin typeface="+mj-lt"/>
-              </a:rPr>
-              <a:t>3 FASI</a:t>
-            </a:r>
-            <a:endParaRPr lang="it-IT" sz="2400" dirty="0">
-              <a:latin typeface="+mj-lt"/>
-            </a:endParaRPr>
-          </a:p>
-          <a:p>
-            <a:pPr marL="457200" indent="-457200">
-              <a:buAutoNum type="arabicParenR"/>
-            </a:pPr>
-            <a:r>
-              <a:rPr lang="it-IT" sz="2400" b="1" dirty="0">
-                <a:solidFill>
-                  <a:srgbClr val="7030A0"/>
-                </a:solidFill>
-                <a:latin typeface="+mj-lt"/>
-              </a:rPr>
-              <a:t>Inizializzazione</a:t>
-            </a:r>
-            <a:r>
-              <a:rPr lang="it-IT" sz="2400" dirty="0">
-                <a:latin typeface="+mj-lt"/>
-              </a:rPr>
-              <a:t>: creazione delle partizioni;</a:t>
-            </a:r>
-          </a:p>
-          <a:p>
-            <a:pPr marL="457200" indent="-457200">
-              <a:buAutoNum type="arabicParenR"/>
-            </a:pPr>
-            <a:r>
-              <a:rPr lang="it-IT" sz="2400" b="1" dirty="0">
-                <a:solidFill>
-                  <a:srgbClr val="7030A0"/>
-                </a:solidFill>
-                <a:latin typeface="+mj-lt"/>
-              </a:rPr>
-              <a:t>Iterazioni</a:t>
-            </a:r>
-            <a:r>
-              <a:rPr lang="it-IT" sz="2400" dirty="0">
-                <a:latin typeface="+mj-lt"/>
-              </a:rPr>
-              <a:t> in cui i nodi vengono </a:t>
-            </a:r>
-            <a:r>
-              <a:rPr lang="it-IT" sz="2400" dirty="0" err="1">
-                <a:latin typeface="+mj-lt"/>
-              </a:rPr>
-              <a:t>ri</a:t>
-            </a:r>
-            <a:r>
-              <a:rPr lang="it-IT" sz="2400" dirty="0">
-                <a:latin typeface="+mj-lt"/>
-              </a:rPr>
-              <a:t>-assegnati alle partizioni;</a:t>
-            </a:r>
-          </a:p>
-          <a:p>
-            <a:pPr marL="457200" indent="-457200">
-              <a:buAutoNum type="arabicParenR"/>
-            </a:pPr>
-            <a:r>
-              <a:rPr lang="it-IT" sz="2400" b="1" dirty="0">
-                <a:solidFill>
-                  <a:srgbClr val="7030A0"/>
-                </a:solidFill>
-                <a:latin typeface="+mj-lt"/>
-              </a:rPr>
-              <a:t>Convergenza</a:t>
-            </a:r>
-            <a:r>
-              <a:rPr lang="it-IT" sz="2400" dirty="0">
-                <a:latin typeface="+mj-lt"/>
-              </a:rPr>
-              <a:t> per valutare la qualità della partizione finale e dell’</a:t>
-            </a:r>
-            <a:r>
-              <a:rPr lang="it-IT" sz="2400" i="1" dirty="0" err="1">
-                <a:latin typeface="+mj-lt"/>
-              </a:rPr>
-              <a:t>overlapping</a:t>
-            </a:r>
-            <a:r>
-              <a:rPr lang="it-IT" sz="2400" i="1" dirty="0">
-                <a:latin typeface="+mj-lt"/>
-              </a:rPr>
-              <a:t>.</a:t>
-            </a:r>
-          </a:p>
-        </p:txBody>
-      </p:sp>
+      </p:pic>
+      <p:pic>
+        <p:nvPicPr>
+          <p:cNvPr id="12" name="Immagine 11" descr="Immagine che contiene disegnando, orologio&#10;&#10;Descrizione generata automaticamente">
+            <a:extLst>
+              <a:ext uri="{FF2B5EF4-FFF2-40B4-BE49-F238E27FC236}">
+                <a16:creationId xmlns:a16="http://schemas.microsoft.com/office/drawing/2014/main" id="{BFB8427F-BF18-47E8-9DD8-DE48F77063E3}"/>
+              </a:ext>
+            </a:extLst>
+          </p:cNvPr>
+          <p:cNvPicPr>
+            <a:picLocks noChangeAspect="1"/>
+          </p:cNvPicPr>
+          <p:nvPr/>
+        </p:nvPicPr>
+        <p:blipFill>
+          <a:blip r:embed="rId4"/>
+          <a:stretch>
+            <a:fillRect/>
+          </a:stretch>
+        </p:blipFill>
+        <p:spPr>
+          <a:xfrm>
+            <a:off x="5317725" y="2009247"/>
+            <a:ext cx="3610268" cy="480479"/>
+          </a:xfrm>
+          <a:prstGeom prst="rect">
+            <a:avLst/>
+          </a:prstGeom>
+        </p:spPr>
+      </p:pic>
+      <p:pic>
+        <p:nvPicPr>
+          <p:cNvPr id="14" name="Immagine 13">
+            <a:extLst>
+              <a:ext uri="{FF2B5EF4-FFF2-40B4-BE49-F238E27FC236}">
+                <a16:creationId xmlns:a16="http://schemas.microsoft.com/office/drawing/2014/main" id="{DD24093C-2DBD-48E5-9D1D-66AFED678BDB}"/>
+              </a:ext>
+            </a:extLst>
+          </p:cNvPr>
+          <p:cNvPicPr>
+            <a:picLocks noChangeAspect="1"/>
+          </p:cNvPicPr>
+          <p:nvPr/>
+        </p:nvPicPr>
+        <p:blipFill>
+          <a:blip r:embed="rId5"/>
+          <a:stretch>
+            <a:fillRect/>
+          </a:stretch>
+        </p:blipFill>
+        <p:spPr>
+          <a:xfrm>
+            <a:off x="5414838" y="2559464"/>
+            <a:ext cx="3416041" cy="1025921"/>
+          </a:xfrm>
+          <a:prstGeom prst="rect">
+            <a:avLst/>
+          </a:prstGeom>
+        </p:spPr>
+      </p:pic>
+      <p:pic>
+        <p:nvPicPr>
+          <p:cNvPr id="16" name="Immagine 15" descr="Immagine che contiene disegnando, piatto&#10;&#10;Descrizione generata automaticamente">
+            <a:extLst>
+              <a:ext uri="{FF2B5EF4-FFF2-40B4-BE49-F238E27FC236}">
+                <a16:creationId xmlns:a16="http://schemas.microsoft.com/office/drawing/2014/main" id="{E4DB30D2-94EE-453E-8B71-AB126B215521}"/>
+              </a:ext>
+            </a:extLst>
+          </p:cNvPr>
+          <p:cNvPicPr>
+            <a:picLocks noChangeAspect="1"/>
+          </p:cNvPicPr>
+          <p:nvPr/>
+        </p:nvPicPr>
+        <p:blipFill>
+          <a:blip r:embed="rId6"/>
+          <a:stretch>
+            <a:fillRect/>
+          </a:stretch>
+        </p:blipFill>
+        <p:spPr>
+          <a:xfrm>
+            <a:off x="1171786" y="4202168"/>
+            <a:ext cx="6530552" cy="2197706"/>
+          </a:xfrm>
+          <a:prstGeom prst="rect">
+            <a:avLst/>
+          </a:prstGeom>
+        </p:spPr>
+      </p:pic>
+      <p:cxnSp>
+        <p:nvCxnSpPr>
+          <p:cNvPr id="18" name="Connettore 2 17">
+            <a:extLst>
+              <a:ext uri="{FF2B5EF4-FFF2-40B4-BE49-F238E27FC236}">
+                <a16:creationId xmlns:a16="http://schemas.microsoft.com/office/drawing/2014/main" id="{528E77B1-33D2-49E2-9344-3FD7AE5F926D}"/>
+              </a:ext>
+            </a:extLst>
+          </p:cNvPr>
+          <p:cNvCxnSpPr/>
+          <p:nvPr/>
+        </p:nvCxnSpPr>
+        <p:spPr>
+          <a:xfrm>
+            <a:off x="3826277" y="5335480"/>
+            <a:ext cx="1074197" cy="0"/>
+          </a:xfrm>
+          <a:prstGeom prst="straightConnector1">
+            <a:avLst/>
+          </a:prstGeom>
+          <a:ln>
+            <a:solidFill>
+              <a:srgbClr val="7030A0"/>
+            </a:solidFill>
+            <a:tailEnd type="triangle"/>
+          </a:ln>
+        </p:spPr>
+        <p:style>
+          <a:lnRef idx="2">
+            <a:schemeClr val="accent2"/>
+          </a:lnRef>
+          <a:fillRef idx="0">
+            <a:schemeClr val="accent2"/>
+          </a:fillRef>
+          <a:effectRef idx="1">
+            <a:schemeClr val="accent2"/>
+          </a:effectRef>
+          <a:fontRef idx="minor">
+            <a:schemeClr val="tx1"/>
+          </a:fontRef>
+        </p:style>
+      </p:cxnSp>
     </p:spTree>
     <p:extLst>
       <p:ext uri="{BB962C8B-B14F-4D97-AF65-F5344CB8AC3E}">
@@ -12447,13 +13262,22 @@
           </a:lstStyle>
           <a:p>
             <a:r>
+              <a:rPr lang="en-US" altLang="it-IT" sz="3600" dirty="0">
+                <a:solidFill>
+                  <a:srgbClr val="FFFFFF"/>
+                </a:solidFill>
+                <a:latin typeface="Tw Cen MT" panose="020B0602020104020603" pitchFamily="34" charset="0"/>
+              </a:rPr>
+              <a:t>MTGO: </a:t>
+            </a:r>
+            <a:r>
               <a:rPr lang="en-US" altLang="it-IT" sz="3600" dirty="0" err="1">
                 <a:solidFill>
                   <a:srgbClr val="FFFFFF"/>
                 </a:solidFill>
                 <a:latin typeface="Tw Cen MT" panose="020B0602020104020603" pitchFamily="34" charset="0"/>
               </a:rPr>
-              <a:t>IsoRank</a:t>
+              <a:t>struttura</a:t>
             </a:r>
             <a:endParaRPr lang="en-US" altLang="it-IT" sz="3600" dirty="0">
               <a:solidFill>
@@ -12464,12 +13288,42 @@
           </a:p>
         </p:txBody>
       </p:sp>
+      <p:pic>
+        <p:nvPicPr>
+          <p:cNvPr id="4" name="Immagine 3" descr="Immagine che contiene computer&#10;&#10;Descrizione generata automaticamente">
+            <a:extLst>
+              <a:ext uri="{FF2B5EF4-FFF2-40B4-BE49-F238E27FC236}">
+                <a16:creationId xmlns:a16="http://schemas.microsoft.com/office/drawing/2014/main" id="{613BC514-7C74-495E-AE56-8F25E3C3C7C6}"/>
+              </a:ext>
+            </a:extLst>
+          </p:cNvPr>
+          <p:cNvPicPr>
+            <a:picLocks noChangeAspect="1"/>
+          </p:cNvPicPr>
+          <p:nvPr/>
+        </p:nvPicPr>
+        <p:blipFill>
+          <a:blip r:embed="rId2"/>
+          <a:stretch>
+            <a:fillRect/>
+          </a:stretch>
+        </p:blipFill>
+        <p:spPr>
+          <a:xfrm>
+            <a:off x="2164759" y="1341788"/>
+            <a:ext cx="4814481" cy="5516212"/>
+          </a:xfrm>
+          <a:prstGeom prst="rect">
+            <a:avLst/>
+          </a:prstGeom>
+        </p:spPr>
+      </p:pic>
       <p:sp>
         <p:nvSpPr>
-          <p:cNvPr id="5" name="Segnaposto piè di pagina 4">
+          <p:cNvPr id="3" name="Segnaposto piè di pagina 2">
             <a:extLst>
               <a:ext uri="{FF2B5EF4-FFF2-40B4-BE49-F238E27FC236}">
-                <a16:creationId xmlns:a16="http://schemas.microsoft.com/office/drawing/2014/main" id="{4625584D-A3D3-46FC-938B-C0A8056095BB}"/>
+                <a16:creationId xmlns:a16="http://schemas.microsoft.com/office/drawing/2014/main" id="{F8AB3DCD-E471-4B18-B244-9893F98C4AC0}"/>
               </a:ext>
             </a:extLst>
           </p:cNvPr>
@@ -12498,10 +13352,10 @@
       </p:sp>
       <p:sp>
         <p:nvSpPr>
-          <p:cNvPr id="7" name="Segnaposto numero diapositiva 6">
+          <p:cNvPr id="5" name="Segnaposto numero diapositiva 4">
             <a:extLst>
               <a:ext uri="{FF2B5EF4-FFF2-40B4-BE49-F238E27FC236}">
-                <a16:creationId xmlns:a16="http://schemas.microsoft.com/office/drawing/2014/main" id="{33517E88-54CE-41A1-BAFC-F56EEBCC14E1}"/>
+                <a16:creationId xmlns:a16="http://schemas.microsoft.com/office/drawing/2014/main" id="{BEB21A5B-7AE9-40F4-ADD6-752933333399}"/>
               </a:ext>
             </a:extLst>
           </p:cNvPr>
@@ -12528,10 +13382,10 @@
       </p:sp>
       <p:sp>
         <p:nvSpPr>
-          <p:cNvPr id="8" name="CasellaDiTesto 7">
+          <p:cNvPr id="7" name="CasellaDiTesto 6">
             <a:extLst>
               <a:ext uri="{FF2B5EF4-FFF2-40B4-BE49-F238E27FC236}">
-                <a16:creationId xmlns:a16="http://schemas.microsoft.com/office/drawing/2014/main" id="{9599F956-0042-46C9-8CB4-82B2C82F45E9}"/>
+                <a16:creationId xmlns:a16="http://schemas.microsoft.com/office/drawing/2014/main" id="{3A4B723D-9E40-4A56-8AEA-92FA5D413B25}"/>
               </a:ext>
             </a:extLst>
           </p:cNvPr>
@@ -12540,8 +13394,8 @@
         </p:nvSpPr>
         <p:spPr>
           <a:xfrm>
-            <a:off x="150904" y="1519584"/>
-            <a:ext cx="8993096" cy="3785652"/>
+            <a:off x="95774" y="1064844"/>
+            <a:ext cx="9112250" cy="400110"/>
           </a:xfrm>
           <a:prstGeom prst="rect">
             <a:avLst/>
@@ -12554,55 +13408,40 @@
           </a:bodyPr>
           <a:lstStyle/>
           <a:p>
-            <a:r>
-              <a:rPr lang="it-IT" sz="2400" dirty="0">
+            <a:pPr marL="457200" indent="-457200">
+              <a:buAutoNum type="arabicParenR" startAt="3"/>
+            </a:pPr>
+            <a:r>
+              <a:rPr lang="it-IT" sz="2000" b="1" dirty="0">
+                <a:solidFill>
+                  <a:srgbClr val="7030A0"/>
+                </a:solidFill>
                 <a:latin typeface="+mj-lt"/>
               </a:rPr>
-              <a:t>Metodo per l’allineamento di più PPIN. Una proteina rappresenta una buona corrispondenza con una proteina in un’altra sequenza se le rispettive sequenze e i loro intorni topologici costituiscono, a loro volta, una buona corrispondenza.</a:t>
-            </a:r>
-          </a:p>
-          <a:p>
-            <a:endParaRPr lang="it-IT" sz="2400" dirty="0">
+              <a:t>Convergenza</a:t>
+            </a:r>
+            <a:r>
+              <a:rPr lang="it-IT" sz="2000" dirty="0">
+                <a:latin typeface="+mj-lt"/>
+              </a:rPr>
+              <a:t> per valutare la qualità della partizione finale e dell’</a:t>
+            </a:r>
+            <a:r>
+              <a:rPr lang="it-IT" sz="2000" i="1" dirty="0" err="1">
+                <a:latin typeface="+mj-lt"/>
+              </a:rPr>
+              <a:t>overlapping</a:t>
+            </a:r>
+            <a:endParaRPr lang="it-IT" sz="2000" i="1" dirty="0">
               <a:latin typeface="+mj-lt"/>
             </a:endParaRPr>
-          </a:p>
-          <a:p>
-            <a:r>
-              <a:rPr lang="it-IT" sz="2400" dirty="0">
-                <a:latin typeface="+mj-lt"/>
-              </a:rPr>
-              <a:t>Rappresenta un approccio di analisi comparativa al GNA.</a:t>
-            </a:r>
-          </a:p>
-          <a:p>
-            <a:endParaRPr lang="it-IT" sz="2400" dirty="0">
-              <a:latin typeface="+mj-lt"/>
-            </a:endParaRPr>
-          </a:p>
-          <a:p>
-            <a:endParaRPr lang="it-IT" sz="2400" dirty="0">
-              <a:latin typeface="+mj-lt"/>
-            </a:endParaRPr>
-          </a:p>
-          <a:p>
-            <a:endParaRPr lang="it-IT" sz="2400" dirty="0">
-              <a:latin typeface="+mj-lt"/>
-            </a:endParaRPr>
-          </a:p>
-          <a:p>
-            <a:r>
-              <a:rPr lang="it-IT" sz="2400" dirty="0">
-                <a:latin typeface="+mj-lt"/>
-              </a:rPr>
-              <a:t>DA COMPLETARE</a:t>
-            </a:r>
           </a:p>
         </p:txBody>
       </p:sp>
     </p:spTree>
     <p:extLst>
       <p:ext uri="{BB962C8B-B14F-4D97-AF65-F5344CB8AC3E}">
-        <p14:creationId xmlns:p14="http://schemas.microsoft.com/office/powerpoint/2010/main" val="2993886562"/>
+        <p14:creationId xmlns:p14="http://schemas.microsoft.com/office/powerpoint/2010/main" val="671391944"/>
       </p:ext>
     </p:extLst>
   </p:cSld>
@@ -12803,36 +13642,6 @@
           </a:p>
         </p:txBody>
       </p:sp>
-      <p:pic>
-        <p:nvPicPr>
-          <p:cNvPr id="3" name="Immagine 2" descr="Immagine che contiene testo&#10;&#10;Descrizione generata automaticamente">
-            <a:extLst>
-              <a:ext uri="{FF2B5EF4-FFF2-40B4-BE49-F238E27FC236}">
-                <a16:creationId xmlns:a16="http://schemas.microsoft.com/office/drawing/2014/main" id="{669BFCE7-7292-4BE0-9B18-FB7B1B12CE16}"/>
-              </a:ext>
-            </a:extLst>
-          </p:cNvPr>
-          <p:cNvPicPr>
-            <a:picLocks noChangeAspect="1"/>
-          </p:cNvPicPr>
-          <p:nvPr/>
-        </p:nvPicPr>
-        <p:blipFill>
-          <a:blip r:embed="rId2"/>
-          <a:stretch>
-            <a:fillRect/>
-          </a:stretch>
-        </p:blipFill>
-        <p:spPr>
-          <a:xfrm>
-            <a:off x="1529074" y="1093944"/>
-            <a:ext cx="6117602" cy="2609540"/>
-          </a:xfrm>
-          <a:prstGeom prst="rect">
-            <a:avLst/>
-          </a:prstGeom>
-        </p:spPr>
-      </p:pic>
       <p:sp>
         <p:nvSpPr>
           <p:cNvPr id="5" name="Segnaposto piè di pagina 4">
@@ -12895,218 +13704,332 @@
           </a:p>
         </p:txBody>
       </p:sp>
-      <p:sp>
-        <p:nvSpPr>
-          <p:cNvPr id="8" name="CasellaDiTesto 7">
-            <a:extLst>
-              <a:ext uri="{FF2B5EF4-FFF2-40B4-BE49-F238E27FC236}">
-                <a16:creationId xmlns:a16="http://schemas.microsoft.com/office/drawing/2014/main" id="{9599F956-0042-46C9-8CB4-82B2C82F45E9}"/>
-              </a:ext>
-            </a:extLst>
-          </p:cNvPr>
-          <p:cNvSpPr txBox="1"/>
-          <p:nvPr/>
-        </p:nvSpPr>
-        <p:spPr>
-          <a:xfrm>
-            <a:off x="0" y="3703484"/>
-            <a:ext cx="8993096" cy="1631216"/>
-          </a:xfrm>
-          <a:prstGeom prst="rect">
-            <a:avLst/>
-          </a:prstGeom>
-          <a:noFill/>
-        </p:spPr>
-        <p:txBody>
-          <a:bodyPr wrap="square" rtlCol="0">
-            <a:spAutoFit/>
-          </a:bodyPr>
-          <a:lstStyle/>
-          <a:p>
-            <a:r>
-              <a:rPr lang="it-IT" sz="2000" b="1" dirty="0">
-                <a:latin typeface="+mj-lt"/>
-              </a:rPr>
-              <a:t>Obiettivo</a:t>
-            </a:r>
-            <a:r>
-              <a:rPr lang="it-IT" sz="2000" dirty="0">
-                <a:latin typeface="+mj-lt"/>
-              </a:rPr>
-              <a:t>: trovare </a:t>
-            </a:r>
-            <a:r>
-              <a:rPr lang="it-IT" sz="2000" dirty="0" err="1">
-                <a:latin typeface="+mj-lt"/>
-              </a:rPr>
-              <a:t>sottografo</a:t>
-            </a:r>
-            <a:r>
-              <a:rPr lang="it-IT" sz="2000" dirty="0">
-                <a:latin typeface="+mj-lt"/>
-              </a:rPr>
-              <a:t> comune alle reti in input.</a:t>
-            </a:r>
-          </a:p>
-          <a:p>
-            <a:r>
-              <a:rPr lang="it-IT" sz="2000" dirty="0">
-                <a:latin typeface="+mj-lt"/>
-              </a:rPr>
-              <a:t>2 FASI:</a:t>
-            </a:r>
-          </a:p>
-          <a:p>
-            <a:r>
-              <a:rPr lang="it-IT" sz="2000" dirty="0">
-                <a:latin typeface="+mj-lt"/>
-              </a:rPr>
-              <a:t>1) </a:t>
-            </a:r>
-            <a:r>
-              <a:rPr lang="it-IT" sz="2000" dirty="0">
-                <a:solidFill>
-                  <a:srgbClr val="00B0F0"/>
-                </a:solidFill>
-                <a:latin typeface="+mj-lt"/>
-              </a:rPr>
-              <a:t>Assegnazione</a:t>
-            </a:r>
-            <a:r>
-              <a:rPr lang="it-IT" sz="2000" dirty="0">
-                <a:latin typeface="+mj-lt"/>
-              </a:rPr>
-              <a:t> di </a:t>
-            </a:r>
-            <a:r>
-              <a:rPr lang="it-IT" sz="2000" i="1" dirty="0" err="1">
-                <a:latin typeface="+mj-lt"/>
-              </a:rPr>
-              <a:t>functional</a:t>
-            </a:r>
-            <a:r>
-              <a:rPr lang="it-IT" sz="2000" i="1" dirty="0">
-                <a:latin typeface="+mj-lt"/>
-              </a:rPr>
-              <a:t> </a:t>
-            </a:r>
-            <a:r>
-              <a:rPr lang="it-IT" sz="2000" i="1" dirty="0" err="1">
-                <a:latin typeface="+mj-lt"/>
-              </a:rPr>
-              <a:t>similarity</a:t>
-            </a:r>
-            <a:r>
-              <a:rPr lang="it-IT" sz="2000" i="1" dirty="0">
-                <a:latin typeface="+mj-lt"/>
-              </a:rPr>
-              <a:t> scores</a:t>
-            </a:r>
-            <a:r>
-              <a:rPr lang="it-IT" sz="2000" dirty="0">
-                <a:latin typeface="+mj-lt"/>
-              </a:rPr>
-              <a:t>;</a:t>
-            </a:r>
-            <a:br>
-              <a:rPr lang="it-IT" sz="2000" dirty="0">
-                <a:latin typeface="+mj-lt"/>
-              </a:rPr>
-            </a:br>
-            <a:r>
-              <a:rPr lang="it-IT" sz="2000" dirty="0">
-                <a:latin typeface="+mj-lt"/>
-              </a:rPr>
-              <a:t>2) </a:t>
-            </a:r>
-            <a:r>
-              <a:rPr lang="it-IT" sz="2000" i="1" dirty="0">
-                <a:solidFill>
-                  <a:srgbClr val="00B0F0"/>
-                </a:solidFill>
-                <a:latin typeface="+mj-lt"/>
-              </a:rPr>
-              <a:t>Mapping</a:t>
-            </a:r>
-            <a:r>
-              <a:rPr lang="it-IT" sz="2000" dirty="0">
-                <a:latin typeface="+mj-lt"/>
-              </a:rPr>
-              <a:t> per il GNA, considerando solo scores elevati, mantenendo la proprietà transitiva (</a:t>
-            </a:r>
-            <a:r>
-              <a:rPr lang="it-IT" sz="2000" b="1" dirty="0" err="1">
-                <a:latin typeface="+mj-lt"/>
-              </a:rPr>
-              <a:t>one-to-one</a:t>
-            </a:r>
-            <a:r>
-              <a:rPr lang="it-IT" sz="2000" dirty="0">
-                <a:latin typeface="+mj-lt"/>
-              </a:rPr>
-              <a:t> oppure </a:t>
-            </a:r>
-            <a:r>
-              <a:rPr lang="it-IT" sz="2000" b="1" dirty="0" err="1">
-                <a:latin typeface="+mj-lt"/>
-              </a:rPr>
-              <a:t>many</a:t>
-            </a:r>
-            <a:r>
-              <a:rPr lang="it-IT" sz="2000" b="1" dirty="0">
-                <a:latin typeface="+mj-lt"/>
-              </a:rPr>
-              <a:t>-to-</a:t>
-            </a:r>
-            <a:r>
-              <a:rPr lang="it-IT" sz="2000" b="1" dirty="0" err="1">
-                <a:latin typeface="+mj-lt"/>
-              </a:rPr>
-              <a:t>many</a:t>
-            </a:r>
-            <a:r>
-              <a:rPr lang="it-IT" sz="2000" dirty="0">
-                <a:latin typeface="+mj-lt"/>
-              </a:rPr>
-              <a:t>)</a:t>
-            </a:r>
-          </a:p>
-        </p:txBody>
-      </p:sp>
-      <p:pic>
-        <p:nvPicPr>
-          <p:cNvPr id="9" name="Immagine 8">
-            <a:extLst>
-              <a:ext uri="{FF2B5EF4-FFF2-40B4-BE49-F238E27FC236}">
-                <a16:creationId xmlns:a16="http://schemas.microsoft.com/office/drawing/2014/main" id="{5B1CDB52-EDEA-4D0F-88D5-241684214529}"/>
-              </a:ext>
-            </a:extLst>
-          </p:cNvPr>
-          <p:cNvPicPr>
-            <a:picLocks noChangeAspect="1"/>
-          </p:cNvPicPr>
-          <p:nvPr/>
-        </p:nvPicPr>
-        <p:blipFill>
-          <a:blip r:embed="rId3"/>
-          <a:stretch>
-            <a:fillRect/>
-          </a:stretch>
-        </p:blipFill>
-        <p:spPr>
-          <a:xfrm>
-            <a:off x="3683" y="5402463"/>
-            <a:ext cx="9144000" cy="1074537"/>
-          </a:xfrm>
-          <a:prstGeom prst="rect">
-            <a:avLst/>
-          </a:prstGeom>
-        </p:spPr>
-      </p:pic>
+      <mc:AlternateContent xmlns:mc="http://schemas.openxmlformats.org/markup-compatibility/2006">
+        <mc:Choice xmlns:a14="http://schemas.microsoft.com/office/drawing/2010/main" Requires="a14">
+          <p:sp>
+            <p:nvSpPr>
+              <p:cNvPr id="8" name="CasellaDiTesto 7">
+                <a:extLst>
+                  <a:ext uri="{FF2B5EF4-FFF2-40B4-BE49-F238E27FC236}">
+                    <a16:creationId xmlns:a16="http://schemas.microsoft.com/office/drawing/2014/main" id="{9599F956-0042-46C9-8CB4-82B2C82F45E9}"/>
+                  </a:ext>
+                </a:extLst>
+              </p:cNvPr>
+              <p:cNvSpPr txBox="1"/>
+              <p:nvPr/>
+            </p:nvSpPr>
+            <p:spPr>
+              <a:xfrm>
+                <a:off x="75452" y="1519584"/>
+                <a:ext cx="8993096" cy="4154984"/>
+              </a:xfrm>
+              <a:prstGeom prst="rect">
+                <a:avLst/>
+              </a:prstGeom>
+              <a:noFill/>
+            </p:spPr>
+            <p:txBody>
+              <a:bodyPr wrap="square" rtlCol="0">
+                <a:spAutoFit/>
+              </a:bodyPr>
+              <a:lstStyle/>
+              <a:p>
+                <a:r>
+                  <a:rPr lang="it-IT" sz="2400" dirty="0">
+                    <a:latin typeface="+mj-lt"/>
+                  </a:rPr>
+                  <a:t>Metodo per l’</a:t>
+                </a:r>
+                <a:r>
+                  <a:rPr lang="it-IT" sz="2400" dirty="0">
+                    <a:solidFill>
+                      <a:srgbClr val="FF0000"/>
+                    </a:solidFill>
+                    <a:latin typeface="+mj-lt"/>
+                  </a:rPr>
+                  <a:t>allineamento di più PPIN</a:t>
+                </a:r>
+                <a:r>
+                  <a:rPr lang="it-IT" sz="2400" dirty="0">
+                    <a:latin typeface="+mj-lt"/>
+                  </a:rPr>
+                  <a:t>. </a:t>
+                </a:r>
+              </a:p>
+              <a:p>
+                <a:endParaRPr lang="it-IT" sz="2400" dirty="0">
+                  <a:latin typeface="+mj-lt"/>
+                </a:endParaRPr>
+              </a:p>
+              <a:p>
+                <a:r>
+                  <a:rPr lang="it-IT" sz="2400" dirty="0">
+                    <a:latin typeface="+mj-lt"/>
+                  </a:rPr>
+                  <a:t>Intuizione = una proteina rappresenta una buona corrispondenza con una proteina in un’altra sequenza se le rispettive sequenze e i loro intorni topologici costituiscono, a loro volta, una buona corrispondenza.</a:t>
+                </a:r>
+              </a:p>
+              <a:p>
+                <a:endParaRPr lang="it-IT" sz="2400" dirty="0">
+                  <a:latin typeface="+mj-lt"/>
+                </a:endParaRPr>
+              </a:p>
+              <a:p>
+                <a:r>
+                  <a:rPr lang="it-IT" sz="2400" dirty="0">
+                    <a:latin typeface="+mj-lt"/>
+                  </a:rPr>
+                  <a:t>Rappresenta un approccio di analisi comparativa al GNA.</a:t>
+                </a:r>
+              </a:p>
+              <a:p>
+                <a:endParaRPr lang="it-IT" sz="2400" dirty="0">
+                  <a:latin typeface="+mj-lt"/>
+                </a:endParaRPr>
+              </a:p>
+              <a:p>
+                <a:r>
+                  <a:rPr lang="it-IT" sz="2400" dirty="0">
+                    <a:latin typeface="+mj-lt"/>
+                  </a:rPr>
+                  <a:t>Consideriamo il caso di GNA a coppie.</a:t>
+                </a:r>
+              </a:p>
+              <a:p>
+                <a:r>
+                  <a:rPr lang="it-IT" sz="2400" dirty="0">
+                    <a:solidFill>
+                      <a:srgbClr val="00B050"/>
+                    </a:solidFill>
+                    <a:latin typeface="+mj-lt"/>
+                  </a:rPr>
+                  <a:t>Input</a:t>
+                </a:r>
+                <a:r>
+                  <a:rPr lang="it-IT" sz="2400" dirty="0">
+                    <a:latin typeface="+mj-lt"/>
+                  </a:rPr>
+                  <a:t>: due PPIN </a:t>
+                </a:r>
+                <a14:m>
+                  <m:oMath xmlns:m="http://schemas.openxmlformats.org/officeDocument/2006/math">
+                    <m:sSub>
+                      <m:sSubPr>
+                        <m:ctrlPr>
+                          <a:rPr lang="it-IT" sz="2400" i="1" smtClean="0">
+                            <a:latin typeface="Cambria Math" panose="02040503050406030204" pitchFamily="18" charset="0"/>
+                          </a:rPr>
+                        </m:ctrlPr>
+                      </m:sSubPr>
+                      <m:e>
+                        <m:r>
+                          <a:rPr lang="it-IT" sz="2400" i="1" smtClean="0">
+                            <a:latin typeface="Cambria Math" panose="02040503050406030204" pitchFamily="18" charset="0"/>
+                          </a:rPr>
+                          <m:t>𝐺</m:t>
+                        </m:r>
+                      </m:e>
+                      <m:sub>
+                        <m:r>
+                          <a:rPr lang="it-IT" sz="2400" i="1" smtClean="0">
+                            <a:latin typeface="Cambria Math" panose="02040503050406030204" pitchFamily="18" charset="0"/>
+                          </a:rPr>
+                          <m:t>1</m:t>
+                        </m:r>
+                      </m:sub>
+                    </m:sSub>
+                  </m:oMath>
+                </a14:m>
+                <a:r>
+                  <a:rPr lang="it-IT" sz="2400" dirty="0">
+                    <a:latin typeface="+mj-lt"/>
+                  </a:rPr>
+                  <a:t> e </a:t>
+                </a:r>
+                <a14:m>
+                  <m:oMath xmlns:m="http://schemas.openxmlformats.org/officeDocument/2006/math">
+                    <m:sSub>
+                      <m:sSubPr>
+                        <m:ctrlPr>
+                          <a:rPr lang="it-IT" sz="2400" i="1" smtClean="0">
+                            <a:latin typeface="Cambria Math" panose="02040503050406030204" pitchFamily="18" charset="0"/>
+                          </a:rPr>
+                        </m:ctrlPr>
+                      </m:sSubPr>
+                      <m:e>
+                        <m:r>
+                          <a:rPr lang="it-IT" sz="2400" i="1" smtClean="0">
+                            <a:latin typeface="Cambria Math" panose="02040503050406030204" pitchFamily="18" charset="0"/>
+                          </a:rPr>
+                          <m:t>𝐺</m:t>
+                        </m:r>
+                      </m:e>
+                      <m:sub>
+                        <m:r>
+                          <a:rPr lang="it-IT" sz="2400" i="1" smtClean="0">
+                            <a:latin typeface="Cambria Math" panose="02040503050406030204" pitchFamily="18" charset="0"/>
+                          </a:rPr>
+                          <m:t>2</m:t>
+                        </m:r>
+                      </m:sub>
+                    </m:sSub>
+                  </m:oMath>
+                </a14:m>
+                <a:r>
+                  <a:rPr lang="it-IT" sz="2400" dirty="0">
+                    <a:latin typeface="+mj-lt"/>
+                  </a:rPr>
+                  <a:t> (ogni arco e può aver associato un peso </a:t>
+                </a:r>
+                <a14:m>
+                  <m:oMath xmlns:m="http://schemas.openxmlformats.org/officeDocument/2006/math">
+                    <m:r>
+                      <a:rPr lang="it-IT" sz="2400" i="1" smtClean="0">
+                        <a:latin typeface="Cambria Math" panose="02040503050406030204" pitchFamily="18" charset="0"/>
+                      </a:rPr>
+                      <m:t>𝑤</m:t>
+                    </m:r>
+                    <m:d>
+                      <m:dPr>
+                        <m:ctrlPr>
+                          <a:rPr lang="it-IT" sz="2400" i="1" smtClean="0">
+                            <a:latin typeface="Cambria Math" panose="02040503050406030204" pitchFamily="18" charset="0"/>
+                          </a:rPr>
+                        </m:ctrlPr>
+                      </m:dPr>
+                      <m:e>
+                        <m:r>
+                          <a:rPr lang="it-IT" sz="2400" i="1" smtClean="0">
+                            <a:latin typeface="Cambria Math" panose="02040503050406030204" pitchFamily="18" charset="0"/>
+                          </a:rPr>
+                          <m:t>ⅇ</m:t>
+                        </m:r>
+                      </m:e>
+                    </m:d>
+                  </m:oMath>
+                </a14:m>
+                <a:r>
+                  <a:rPr lang="it-IT" sz="2400" dirty="0">
+                    <a:latin typeface="+mj-lt"/>
+                  </a:rPr>
+                  <a:t>, con 0 ≤ </a:t>
+                </a:r>
+                <a14:m>
+                  <m:oMath xmlns:m="http://schemas.openxmlformats.org/officeDocument/2006/math">
+                    <m:r>
+                      <a:rPr lang="it-IT" sz="2400" i="1" smtClean="0">
+                        <a:latin typeface="Cambria Math" panose="02040503050406030204" pitchFamily="18" charset="0"/>
+                      </a:rPr>
+                      <m:t>𝑤</m:t>
+                    </m:r>
+                    <m:d>
+                      <m:dPr>
+                        <m:ctrlPr>
+                          <a:rPr lang="it-IT" sz="2400" i="1" smtClean="0">
+                            <a:latin typeface="Cambria Math" panose="02040503050406030204" pitchFamily="18" charset="0"/>
+                          </a:rPr>
+                        </m:ctrlPr>
+                      </m:dPr>
+                      <m:e>
+                        <m:r>
+                          <a:rPr lang="it-IT" sz="2400" i="1">
+                            <a:latin typeface="Cambria Math" panose="02040503050406030204" pitchFamily="18" charset="0"/>
+                          </a:rPr>
+                          <m:t>ⅇ</m:t>
+                        </m:r>
+                      </m:e>
+                    </m:d>
+                  </m:oMath>
+                </a14:m>
+                <a:r>
+                  <a:rPr lang="it-IT" sz="2400" dirty="0">
+                    <a:latin typeface="+mj-lt"/>
+                  </a:rPr>
+                  <a:t> ≤ 1) e </a:t>
+                </a:r>
+                <a:r>
+                  <a:rPr lang="it-IT" sz="2400" i="1" dirty="0" err="1">
+                    <a:latin typeface="+mj-lt"/>
+                  </a:rPr>
+                  <a:t>similarity</a:t>
+                </a:r>
+                <a:r>
+                  <a:rPr lang="it-IT" sz="2400" i="1" dirty="0">
+                    <a:latin typeface="+mj-lt"/>
+                  </a:rPr>
+                  <a:t> </a:t>
+                </a:r>
+                <a:r>
+                  <a:rPr lang="it-IT" sz="2400" i="1" dirty="0" err="1">
+                    <a:latin typeface="+mj-lt"/>
+                  </a:rPr>
+                  <a:t>measure</a:t>
+                </a:r>
+                <a:r>
+                  <a:rPr lang="it-IT" sz="2400" i="1" dirty="0">
+                    <a:latin typeface="+mj-lt"/>
+                  </a:rPr>
+                  <a:t> </a:t>
+                </a:r>
+                <a:r>
+                  <a:rPr lang="it-IT" sz="2400" dirty="0">
+                    <a:latin typeface="+mj-lt"/>
+                  </a:rPr>
+                  <a:t>tra i nodi delle due reti.</a:t>
+                </a:r>
+              </a:p>
+            </p:txBody>
+          </p:sp>
+        </mc:Choice>
+        <mc:Fallback>
+          <p:sp>
+            <p:nvSpPr>
+              <p:cNvPr id="8" name="CasellaDiTesto 7">
+                <a:extLst>
+                  <a:ext uri="{FF2B5EF4-FFF2-40B4-BE49-F238E27FC236}">
+                    <a16:creationId xmlns:a16="http://schemas.microsoft.com/office/drawing/2014/main" id="{9599F956-0042-46C9-8CB4-82B2C82F45E9}"/>
+                  </a:ext>
+                </a:extLst>
+              </p:cNvPr>
+              <p:cNvSpPr txBox="1">
+                <a:spLocks noRot="1" noChangeAspect="1" noMove="1" noResize="1" noEditPoints="1" noAdjustHandles="1" noChangeArrowheads="1" noChangeShapeType="1" noTextEdit="1"/>
+              </p:cNvSpPr>
+              <p:nvPr/>
+            </p:nvSpPr>
+            <p:spPr>
+              <a:xfrm>
+                <a:off x="75452" y="1519584"/>
+                <a:ext cx="8993096" cy="4154984"/>
+              </a:xfrm>
+              <a:prstGeom prst="rect">
+                <a:avLst/>
+              </a:prstGeom>
+              <a:blipFill>
+                <a:blip r:embed="rId2"/>
+                <a:stretch>
+                  <a:fillRect l="-1016" t="-1173" b="-2346"/>
+                </a:stretch>
+              </a:blipFill>
+            </p:spPr>
+            <p:txBody>
+              <a:bodyPr/>
+              <a:lstStyle/>
+              <a:p>
+                <a:r>
+                  <a:rPr lang="it-IT">
+                    <a:noFill/>
+                  </a:rPr>
+                  <a:t> </a:t>
+                </a:r>
+              </a:p>
+            </p:txBody>
+          </p:sp>
+        </mc:Fallback>
+      </mc:AlternateContent>
     </p:spTree>
     <p:extLst>
       <p:ext uri="{BB962C8B-B14F-4D97-AF65-F5344CB8AC3E}">
-        <p14:creationId xmlns:p14="http://schemas.microsoft.com/office/powerpoint/2010/main" val="2931430170"/>
+        <p14:creationId xmlns:p14="http://schemas.microsoft.com/office/powerpoint/2010/main" val="2993886562"/>
       </p:ext>
     </p:extLst>
   </p:cSld>

--- a/Presentation/Presentation.pptx
+++ b/Presentation/Presentation.pptx
@@ -5,10 +5,10 @@
     <p:sldMasterId id="2147483660" r:id="rId1"/>
   </p:sldMasterIdLst>
   <p:notesMasterIdLst>
-    <p:notesMasterId r:id="rId17"/>
+    <p:notesMasterId r:id="rId21"/>
   </p:notesMasterIdLst>
   <p:handoutMasterIdLst>
-    <p:handoutMasterId r:id="rId18"/>
+    <p:handoutMasterId r:id="rId22"/>
   </p:handoutMasterIdLst>
   <p:sldIdLst>
     <p:sldId id="379" r:id="rId2"/>
@@ -19,13 +19,17 @@
     <p:sldId id="401" r:id="rId7"/>
     <p:sldId id="405" r:id="rId8"/>
     <p:sldId id="413" r:id="rId9"/>
-    <p:sldId id="412" r:id="rId10"/>
-    <p:sldId id="402" r:id="rId11"/>
-    <p:sldId id="403" r:id="rId12"/>
-    <p:sldId id="406" r:id="rId13"/>
-    <p:sldId id="408" r:id="rId14"/>
-    <p:sldId id="404" r:id="rId15"/>
-    <p:sldId id="409" r:id="rId16"/>
+    <p:sldId id="417" r:id="rId10"/>
+    <p:sldId id="412" r:id="rId11"/>
+    <p:sldId id="402" r:id="rId12"/>
+    <p:sldId id="416" r:id="rId13"/>
+    <p:sldId id="403" r:id="rId14"/>
+    <p:sldId id="406" r:id="rId15"/>
+    <p:sldId id="415" r:id="rId16"/>
+    <p:sldId id="408" r:id="rId17"/>
+    <p:sldId id="404" r:id="rId18"/>
+    <p:sldId id="414" r:id="rId19"/>
+    <p:sldId id="409" r:id="rId20"/>
   </p:sldIdLst>
   <p:sldSz cx="9144000" cy="6858000" type="screen4x3"/>
   <p:notesSz cx="6794500" cy="9931400"/>
@@ -281,7 +285,7 @@
           <a:p>
             <a:fld id="{C8DBE15E-223F-41F1-9F94-2D73857FC7BA}" type="datetimeFigureOut">
               <a:rPr lang="it-IT" smtClean="0"/>
-              <a:t>04/04/2020</a:t>
+              <a:t>17/04/2020</a:t>
             </a:fld>
             <a:endParaRPr lang="it-IT"/>
           </a:p>
@@ -494,7 +498,7 @@
             <a:fld id="{2AD04753-9C7D-45A1-B290-034DCD5D3C5A}" type="datetimeFigureOut">
               <a:rPr lang="it-IT" altLang="it-IT"/>
               <a:pPr/>
-              <a:t>04/04/2020</a:t>
+              <a:t>17/04/2020</a:t>
             </a:fld>
             <a:endParaRPr lang="it-IT" altLang="it-IT"/>
           </a:p>
@@ -901,7 +905,7 @@
             <a:fld id="{00664C11-2C8B-4B5A-ACDF-DD795DDB2557}" type="slidenum">
               <a:rPr lang="it-IT" altLang="it-IT" smtClean="0"/>
               <a:pPr/>
-              <a:t>12</a:t>
+              <a:t>14</a:t>
             </a:fld>
             <a:endParaRPr lang="it-IT" altLang="it-IT"/>
           </a:p>
@@ -6579,6 +6583,594 @@
           </a:p>
         </p:txBody>
       </p:sp>
+      <p:sp>
+        <p:nvSpPr>
+          <p:cNvPr id="5" name="Segnaposto piè di pagina 4">
+            <a:extLst>
+              <a:ext uri="{FF2B5EF4-FFF2-40B4-BE49-F238E27FC236}">
+                <a16:creationId xmlns:a16="http://schemas.microsoft.com/office/drawing/2014/main" id="{4625584D-A3D3-46FC-938B-C0A8056095BB}"/>
+              </a:ext>
+            </a:extLst>
+          </p:cNvPr>
+          <p:cNvSpPr>
+            <a:spLocks noGrp="1"/>
+          </p:cNvSpPr>
+          <p:nvPr>
+            <p:ph type="ftr" sz="quarter" idx="11"/>
+          </p:nvPr>
+        </p:nvSpPr>
+        <p:spPr/>
+        <p:txBody>
+          <a:bodyPr/>
+          <a:lstStyle/>
+          <a:p>
+            <a:pPr>
+              <a:defRPr/>
+            </a:pPr>
+            <a:r>
+              <a:rPr lang="it-IT"/>
+              <a:t>Masiero L. Ivancich S.</a:t>
+            </a:r>
+            <a:endParaRPr lang="en-US" dirty="0"/>
+          </a:p>
+        </p:txBody>
+      </p:sp>
+      <p:sp>
+        <p:nvSpPr>
+          <p:cNvPr id="7" name="Segnaposto numero diapositiva 6">
+            <a:extLst>
+              <a:ext uri="{FF2B5EF4-FFF2-40B4-BE49-F238E27FC236}">
+                <a16:creationId xmlns:a16="http://schemas.microsoft.com/office/drawing/2014/main" id="{33517E88-54CE-41A1-BAFC-F56EEBCC14E1}"/>
+              </a:ext>
+            </a:extLst>
+          </p:cNvPr>
+          <p:cNvSpPr>
+            <a:spLocks noGrp="1"/>
+          </p:cNvSpPr>
+          <p:nvPr>
+            <p:ph type="sldNum" sz="quarter" idx="12"/>
+          </p:nvPr>
+        </p:nvSpPr>
+        <p:spPr/>
+        <p:txBody>
+          <a:bodyPr/>
+          <a:lstStyle/>
+          <a:p>
+            <a:fld id="{7A1D8CC2-AC32-48BF-A9F5-B79D7A95954F}" type="slidenum">
+              <a:rPr lang="en-US" altLang="it-IT" smtClean="0"/>
+              <a:pPr/>
+              <a:t>10</a:t>
+            </a:fld>
+            <a:endParaRPr lang="en-US" altLang="it-IT" dirty="0"/>
+          </a:p>
+        </p:txBody>
+      </p:sp>
+      <mc:AlternateContent xmlns:mc="http://schemas.openxmlformats.org/markup-compatibility/2006" xmlns:a14="http://schemas.microsoft.com/office/drawing/2010/main">
+        <mc:Choice Requires="a14">
+          <p:sp>
+            <p:nvSpPr>
+              <p:cNvPr id="8" name="CasellaDiTesto 7">
+                <a:extLst>
+                  <a:ext uri="{FF2B5EF4-FFF2-40B4-BE49-F238E27FC236}">
+                    <a16:creationId xmlns:a16="http://schemas.microsoft.com/office/drawing/2014/main" id="{9599F956-0042-46C9-8CB4-82B2C82F45E9}"/>
+                  </a:ext>
+                </a:extLst>
+              </p:cNvPr>
+              <p:cNvSpPr txBox="1"/>
+              <p:nvPr/>
+            </p:nvSpPr>
+            <p:spPr>
+              <a:xfrm>
+                <a:off x="75452" y="1519584"/>
+                <a:ext cx="8993096" cy="4154984"/>
+              </a:xfrm>
+              <a:prstGeom prst="rect">
+                <a:avLst/>
+              </a:prstGeom>
+              <a:noFill/>
+            </p:spPr>
+            <p:txBody>
+              <a:bodyPr wrap="square" rtlCol="0">
+                <a:spAutoFit/>
+              </a:bodyPr>
+              <a:lstStyle/>
+              <a:p>
+                <a:r>
+                  <a:rPr lang="it-IT" sz="2400" dirty="0">
+                    <a:latin typeface="+mj-lt"/>
+                  </a:rPr>
+                  <a:t>Metodo per l’</a:t>
+                </a:r>
+                <a:r>
+                  <a:rPr lang="it-IT" sz="2400" dirty="0">
+                    <a:solidFill>
+                      <a:srgbClr val="FF0000"/>
+                    </a:solidFill>
+                    <a:latin typeface="+mj-lt"/>
+                  </a:rPr>
+                  <a:t>allineamento di più PPIN</a:t>
+                </a:r>
+                <a:r>
+                  <a:rPr lang="it-IT" sz="2400" dirty="0">
+                    <a:latin typeface="+mj-lt"/>
+                  </a:rPr>
+                  <a:t>. </a:t>
+                </a:r>
+              </a:p>
+              <a:p>
+                <a:endParaRPr lang="it-IT" sz="2400" dirty="0">
+                  <a:latin typeface="+mj-lt"/>
+                </a:endParaRPr>
+              </a:p>
+              <a:p>
+                <a:r>
+                  <a:rPr lang="it-IT" sz="2400" dirty="0">
+                    <a:latin typeface="+mj-lt"/>
+                  </a:rPr>
+                  <a:t>Intuizione = una proteina rappresenta una buona corrispondenza con una proteina in un’altra sequenza se le rispettive sequenze e i loro intorni topologici costituiscono, a loro volta, una buona corrispondenza.</a:t>
+                </a:r>
+              </a:p>
+              <a:p>
+                <a:endParaRPr lang="it-IT" sz="2400" dirty="0">
+                  <a:latin typeface="+mj-lt"/>
+                </a:endParaRPr>
+              </a:p>
+              <a:p>
+                <a:r>
+                  <a:rPr lang="it-IT" sz="2400" dirty="0">
+                    <a:latin typeface="+mj-lt"/>
+                  </a:rPr>
+                  <a:t>Rappresenta un approccio di analisi comparativa al GNA.</a:t>
+                </a:r>
+              </a:p>
+              <a:p>
+                <a:endParaRPr lang="it-IT" sz="2400" dirty="0">
+                  <a:latin typeface="+mj-lt"/>
+                </a:endParaRPr>
+              </a:p>
+              <a:p>
+                <a:r>
+                  <a:rPr lang="it-IT" sz="2400" dirty="0">
+                    <a:latin typeface="+mj-lt"/>
+                  </a:rPr>
+                  <a:t>Consideriamo il caso di GNA a coppie.</a:t>
+                </a:r>
+              </a:p>
+              <a:p>
+                <a:r>
+                  <a:rPr lang="it-IT" sz="2400" dirty="0">
+                    <a:solidFill>
+                      <a:srgbClr val="00B050"/>
+                    </a:solidFill>
+                    <a:latin typeface="+mj-lt"/>
+                  </a:rPr>
+                  <a:t>Input</a:t>
+                </a:r>
+                <a:r>
+                  <a:rPr lang="it-IT" sz="2400" dirty="0">
+                    <a:latin typeface="+mj-lt"/>
+                  </a:rPr>
+                  <a:t>: due PPIN </a:t>
+                </a:r>
+                <a14:m>
+                  <m:oMath xmlns:m="http://schemas.openxmlformats.org/officeDocument/2006/math">
+                    <m:sSub>
+                      <m:sSubPr>
+                        <m:ctrlPr>
+                          <a:rPr lang="it-IT" sz="2400" i="1" smtClean="0">
+                            <a:latin typeface="Cambria Math" panose="02040503050406030204" pitchFamily="18" charset="0"/>
+                          </a:rPr>
+                        </m:ctrlPr>
+                      </m:sSubPr>
+                      <m:e>
+                        <m:r>
+                          <a:rPr lang="it-IT" sz="2400" i="1" smtClean="0">
+                            <a:latin typeface="Cambria Math" panose="02040503050406030204" pitchFamily="18" charset="0"/>
+                          </a:rPr>
+                          <m:t>𝐺</m:t>
+                        </m:r>
+                      </m:e>
+                      <m:sub>
+                        <m:r>
+                          <a:rPr lang="it-IT" sz="2400" i="1" smtClean="0">
+                            <a:latin typeface="Cambria Math" panose="02040503050406030204" pitchFamily="18" charset="0"/>
+                          </a:rPr>
+                          <m:t>1</m:t>
+                        </m:r>
+                      </m:sub>
+                    </m:sSub>
+                  </m:oMath>
+                </a14:m>
+                <a:r>
+                  <a:rPr lang="it-IT" sz="2400" dirty="0">
+                    <a:latin typeface="+mj-lt"/>
+                  </a:rPr>
+                  <a:t> e </a:t>
+                </a:r>
+                <a14:m>
+                  <m:oMath xmlns:m="http://schemas.openxmlformats.org/officeDocument/2006/math">
+                    <m:sSub>
+                      <m:sSubPr>
+                        <m:ctrlPr>
+                          <a:rPr lang="it-IT" sz="2400" i="1" smtClean="0">
+                            <a:latin typeface="Cambria Math" panose="02040503050406030204" pitchFamily="18" charset="0"/>
+                          </a:rPr>
+                        </m:ctrlPr>
+                      </m:sSubPr>
+                      <m:e>
+                        <m:r>
+                          <a:rPr lang="it-IT" sz="2400" i="1" smtClean="0">
+                            <a:latin typeface="Cambria Math" panose="02040503050406030204" pitchFamily="18" charset="0"/>
+                          </a:rPr>
+                          <m:t>𝐺</m:t>
+                        </m:r>
+                      </m:e>
+                      <m:sub>
+                        <m:r>
+                          <a:rPr lang="it-IT" sz="2400" i="1" smtClean="0">
+                            <a:latin typeface="Cambria Math" panose="02040503050406030204" pitchFamily="18" charset="0"/>
+                          </a:rPr>
+                          <m:t>2</m:t>
+                        </m:r>
+                      </m:sub>
+                    </m:sSub>
+                  </m:oMath>
+                </a14:m>
+                <a:r>
+                  <a:rPr lang="it-IT" sz="2400" dirty="0">
+                    <a:latin typeface="+mj-lt"/>
+                  </a:rPr>
+                  <a:t> (ogni arco e può aver associato un peso </a:t>
+                </a:r>
+                <a14:m>
+                  <m:oMath xmlns:m="http://schemas.openxmlformats.org/officeDocument/2006/math">
+                    <m:r>
+                      <a:rPr lang="it-IT" sz="2400" i="1" smtClean="0">
+                        <a:latin typeface="Cambria Math" panose="02040503050406030204" pitchFamily="18" charset="0"/>
+                      </a:rPr>
+                      <m:t>𝑤</m:t>
+                    </m:r>
+                    <m:d>
+                      <m:dPr>
+                        <m:ctrlPr>
+                          <a:rPr lang="it-IT" sz="2400" i="1" smtClean="0">
+                            <a:latin typeface="Cambria Math" panose="02040503050406030204" pitchFamily="18" charset="0"/>
+                          </a:rPr>
+                        </m:ctrlPr>
+                      </m:dPr>
+                      <m:e>
+                        <m:r>
+                          <a:rPr lang="it-IT" sz="2400" i="1" smtClean="0">
+                            <a:latin typeface="Cambria Math" panose="02040503050406030204" pitchFamily="18" charset="0"/>
+                          </a:rPr>
+                          <m:t>ⅇ</m:t>
+                        </m:r>
+                      </m:e>
+                    </m:d>
+                  </m:oMath>
+                </a14:m>
+                <a:r>
+                  <a:rPr lang="it-IT" sz="2400" dirty="0">
+                    <a:latin typeface="+mj-lt"/>
+                  </a:rPr>
+                  <a:t>, con 0 ≤ </a:t>
+                </a:r>
+                <a14:m>
+                  <m:oMath xmlns:m="http://schemas.openxmlformats.org/officeDocument/2006/math">
+                    <m:r>
+                      <a:rPr lang="it-IT" sz="2400" i="1" smtClean="0">
+                        <a:latin typeface="Cambria Math" panose="02040503050406030204" pitchFamily="18" charset="0"/>
+                      </a:rPr>
+                      <m:t>𝑤</m:t>
+                    </m:r>
+                    <m:d>
+                      <m:dPr>
+                        <m:ctrlPr>
+                          <a:rPr lang="it-IT" sz="2400" i="1" smtClean="0">
+                            <a:latin typeface="Cambria Math" panose="02040503050406030204" pitchFamily="18" charset="0"/>
+                          </a:rPr>
+                        </m:ctrlPr>
+                      </m:dPr>
+                      <m:e>
+                        <m:r>
+                          <a:rPr lang="it-IT" sz="2400" i="1">
+                            <a:latin typeface="Cambria Math" panose="02040503050406030204" pitchFamily="18" charset="0"/>
+                          </a:rPr>
+                          <m:t>ⅇ</m:t>
+                        </m:r>
+                      </m:e>
+                    </m:d>
+                  </m:oMath>
+                </a14:m>
+                <a:r>
+                  <a:rPr lang="it-IT" sz="2400" dirty="0">
+                    <a:latin typeface="+mj-lt"/>
+                  </a:rPr>
+                  <a:t> ≤ 1) e </a:t>
+                </a:r>
+                <a:r>
+                  <a:rPr lang="it-IT" sz="2400" i="1" dirty="0" err="1">
+                    <a:latin typeface="+mj-lt"/>
+                  </a:rPr>
+                  <a:t>similarity</a:t>
+                </a:r>
+                <a:r>
+                  <a:rPr lang="it-IT" sz="2400" i="1" dirty="0">
+                    <a:latin typeface="+mj-lt"/>
+                  </a:rPr>
+                  <a:t> </a:t>
+                </a:r>
+                <a:r>
+                  <a:rPr lang="it-IT" sz="2400" i="1" dirty="0" err="1">
+                    <a:latin typeface="+mj-lt"/>
+                  </a:rPr>
+                  <a:t>measure</a:t>
+                </a:r>
+                <a:r>
+                  <a:rPr lang="it-IT" sz="2400" i="1" dirty="0">
+                    <a:latin typeface="+mj-lt"/>
+                  </a:rPr>
+                  <a:t> </a:t>
+                </a:r>
+                <a:r>
+                  <a:rPr lang="it-IT" sz="2400" dirty="0">
+                    <a:latin typeface="+mj-lt"/>
+                  </a:rPr>
+                  <a:t>tra i nodi delle due reti.</a:t>
+                </a:r>
+              </a:p>
+            </p:txBody>
+          </p:sp>
+        </mc:Choice>
+        <mc:Fallback xmlns="">
+          <p:sp>
+            <p:nvSpPr>
+              <p:cNvPr id="8" name="CasellaDiTesto 7">
+                <a:extLst>
+                  <a:ext uri="{FF2B5EF4-FFF2-40B4-BE49-F238E27FC236}">
+                    <a16:creationId xmlns:a16="http://schemas.microsoft.com/office/drawing/2014/main" id="{9599F956-0042-46C9-8CB4-82B2C82F45E9}"/>
+                  </a:ext>
+                </a:extLst>
+              </p:cNvPr>
+              <p:cNvSpPr txBox="1">
+                <a:spLocks noRot="1" noChangeAspect="1" noMove="1" noResize="1" noEditPoints="1" noAdjustHandles="1" noChangeArrowheads="1" noChangeShapeType="1" noTextEdit="1"/>
+              </p:cNvSpPr>
+              <p:nvPr/>
+            </p:nvSpPr>
+            <p:spPr>
+              <a:xfrm>
+                <a:off x="75452" y="1519584"/>
+                <a:ext cx="8993096" cy="4154984"/>
+              </a:xfrm>
+              <a:prstGeom prst="rect">
+                <a:avLst/>
+              </a:prstGeom>
+              <a:blipFill>
+                <a:blip r:embed="rId2"/>
+                <a:stretch>
+                  <a:fillRect l="-1016" t="-1173" b="-2346"/>
+                </a:stretch>
+              </a:blipFill>
+            </p:spPr>
+            <p:txBody>
+              <a:bodyPr/>
+              <a:lstStyle/>
+              <a:p>
+                <a:r>
+                  <a:rPr lang="it-IT">
+                    <a:noFill/>
+                  </a:rPr>
+                  <a:t> </a:t>
+                </a:r>
+              </a:p>
+            </p:txBody>
+          </p:sp>
+        </mc:Fallback>
+      </mc:AlternateContent>
+    </p:spTree>
+    <p:extLst>
+      <p:ext uri="{BB962C8B-B14F-4D97-AF65-F5344CB8AC3E}">
+        <p14:creationId xmlns:p14="http://schemas.microsoft.com/office/powerpoint/2010/main" val="2993886562"/>
+      </p:ext>
+    </p:extLst>
+  </p:cSld>
+  <p:clrMapOvr>
+    <a:masterClrMapping/>
+  </p:clrMapOvr>
+</p:sld>
+</file>
+
+<file path=ppt/slides/slide11.xml><?xml version="1.0" encoding="utf-8"?>
+<p:sld xmlns:a="http://schemas.openxmlformats.org/drawingml/2006/main" xmlns:r="http://schemas.openxmlformats.org/officeDocument/2006/relationships" xmlns:p="http://schemas.openxmlformats.org/presentationml/2006/main">
+  <p:cSld>
+    <p:spTree>
+      <p:nvGrpSpPr>
+        <p:cNvPr id="1" name=""/>
+        <p:cNvGrpSpPr/>
+        <p:nvPr/>
+      </p:nvGrpSpPr>
+      <p:grpSpPr>
+        <a:xfrm>
+          <a:off x="0" y="0"/>
+          <a:ext cx="0" cy="0"/>
+          <a:chOff x="0" y="0"/>
+          <a:chExt cx="0" cy="0"/>
+        </a:xfrm>
+      </p:grpSpPr>
+      <p:sp>
+        <p:nvSpPr>
+          <p:cNvPr id="6" name="Title 1">
+            <a:extLst>
+              <a:ext uri="{FF2B5EF4-FFF2-40B4-BE49-F238E27FC236}">
+                <a16:creationId xmlns:a16="http://schemas.microsoft.com/office/drawing/2014/main" id="{B6FD3924-BD2E-47EB-8DCD-3AD635AE70B8}"/>
+              </a:ext>
+            </a:extLst>
+          </p:cNvPr>
+          <p:cNvSpPr txBox="1">
+            <a:spLocks/>
+          </p:cNvSpPr>
+          <p:nvPr/>
+        </p:nvSpPr>
+        <p:spPr bwMode="auto">
+          <a:xfrm>
+            <a:off x="15875" y="165692"/>
+            <a:ext cx="8842375" cy="1016000"/>
+          </a:xfrm>
+          <a:prstGeom prst="rect">
+            <a:avLst/>
+          </a:prstGeom>
+          <a:noFill/>
+          <a:ln>
+            <a:noFill/>
+          </a:ln>
+          <a:extLst>
+            <a:ext uri="{909E8E84-426E-40DD-AFC4-6F175D3DCCD1}">
+              <a14:hiddenFill xmlns:a14="http://schemas.microsoft.com/office/drawing/2010/main">
+                <a:solidFill>
+                  <a:srgbClr val="FFFFFF"/>
+                </a:solidFill>
+              </a14:hiddenFill>
+            </a:ext>
+            <a:ext uri="{91240B29-F687-4F45-9708-019B960494DF}">
+              <a14:hiddenLine xmlns:a14="http://schemas.microsoft.com/office/drawing/2010/main" w="9525">
+                <a:solidFill>
+                  <a:srgbClr val="000000"/>
+                </a:solidFill>
+                <a:miter lim="800000"/>
+                <a:headEnd/>
+                <a:tailEnd/>
+              </a14:hiddenLine>
+            </a:ext>
+          </a:extLst>
+        </p:spPr>
+        <p:txBody>
+          <a:bodyPr/>
+          <a:lstStyle>
+            <a:lvl1pPr eaLnBrk="0" hangingPunct="0">
+              <a:defRPr sz="2400">
+                <a:solidFill>
+                  <a:schemeClr val="tx1"/>
+                </a:solidFill>
+                <a:latin typeface="Arial" panose="020B0604020202020204" pitchFamily="34" charset="0"/>
+                <a:ea typeface="MS PGothic" panose="020B0600070205080204" pitchFamily="34" charset="-128"/>
+              </a:defRPr>
+            </a:lvl1pPr>
+            <a:lvl2pPr marL="742950" indent="-285750" eaLnBrk="0" hangingPunct="0">
+              <a:defRPr sz="2400">
+                <a:solidFill>
+                  <a:schemeClr val="tx1"/>
+                </a:solidFill>
+                <a:latin typeface="Arial" panose="020B0604020202020204" pitchFamily="34" charset="0"/>
+                <a:ea typeface="MS PGothic" panose="020B0600070205080204" pitchFamily="34" charset="-128"/>
+              </a:defRPr>
+            </a:lvl2pPr>
+            <a:lvl3pPr marL="1143000" indent="-228600" eaLnBrk="0" hangingPunct="0">
+              <a:defRPr sz="2400">
+                <a:solidFill>
+                  <a:schemeClr val="tx1"/>
+                </a:solidFill>
+                <a:latin typeface="Arial" panose="020B0604020202020204" pitchFamily="34" charset="0"/>
+                <a:ea typeface="MS PGothic" panose="020B0600070205080204" pitchFamily="34" charset="-128"/>
+              </a:defRPr>
+            </a:lvl3pPr>
+            <a:lvl4pPr marL="1600200" indent="-228600" eaLnBrk="0" hangingPunct="0">
+              <a:defRPr sz="2400">
+                <a:solidFill>
+                  <a:schemeClr val="tx1"/>
+                </a:solidFill>
+                <a:latin typeface="Arial" panose="020B0604020202020204" pitchFamily="34" charset="0"/>
+                <a:ea typeface="MS PGothic" panose="020B0600070205080204" pitchFamily="34" charset="-128"/>
+              </a:defRPr>
+            </a:lvl4pPr>
+            <a:lvl5pPr marL="2057400" indent="-228600" eaLnBrk="0" hangingPunct="0">
+              <a:defRPr sz="2400">
+                <a:solidFill>
+                  <a:schemeClr val="tx1"/>
+                </a:solidFill>
+                <a:latin typeface="Arial" panose="020B0604020202020204" pitchFamily="34" charset="0"/>
+                <a:ea typeface="MS PGothic" panose="020B0600070205080204" pitchFamily="34" charset="-128"/>
+              </a:defRPr>
+            </a:lvl5pPr>
+            <a:lvl6pPr marL="2514600" indent="-228600" defTabSz="457200" eaLnBrk="0" fontAlgn="base" hangingPunct="0">
+              <a:spcBef>
+                <a:spcPct val="0"/>
+              </a:spcBef>
+              <a:spcAft>
+                <a:spcPct val="0"/>
+              </a:spcAft>
+              <a:defRPr sz="2400">
+                <a:solidFill>
+                  <a:schemeClr val="tx1"/>
+                </a:solidFill>
+                <a:latin typeface="Arial" panose="020B0604020202020204" pitchFamily="34" charset="0"/>
+                <a:ea typeface="MS PGothic" panose="020B0600070205080204" pitchFamily="34" charset="-128"/>
+              </a:defRPr>
+            </a:lvl6pPr>
+            <a:lvl7pPr marL="2971800" indent="-228600" defTabSz="457200" eaLnBrk="0" fontAlgn="base" hangingPunct="0">
+              <a:spcBef>
+                <a:spcPct val="0"/>
+              </a:spcBef>
+              <a:spcAft>
+                <a:spcPct val="0"/>
+              </a:spcAft>
+              <a:defRPr sz="2400">
+                <a:solidFill>
+                  <a:schemeClr val="tx1"/>
+                </a:solidFill>
+                <a:latin typeface="Arial" panose="020B0604020202020204" pitchFamily="34" charset="0"/>
+                <a:ea typeface="MS PGothic" panose="020B0600070205080204" pitchFamily="34" charset="-128"/>
+              </a:defRPr>
+            </a:lvl7pPr>
+            <a:lvl8pPr marL="3429000" indent="-228600" defTabSz="457200" eaLnBrk="0" fontAlgn="base" hangingPunct="0">
+              <a:spcBef>
+                <a:spcPct val="0"/>
+              </a:spcBef>
+              <a:spcAft>
+                <a:spcPct val="0"/>
+              </a:spcAft>
+              <a:defRPr sz="2400">
+                <a:solidFill>
+                  <a:schemeClr val="tx1"/>
+                </a:solidFill>
+                <a:latin typeface="Arial" panose="020B0604020202020204" pitchFamily="34" charset="0"/>
+                <a:ea typeface="MS PGothic" panose="020B0600070205080204" pitchFamily="34" charset="-128"/>
+              </a:defRPr>
+            </a:lvl8pPr>
+            <a:lvl9pPr marL="3886200" indent="-228600" defTabSz="457200" eaLnBrk="0" fontAlgn="base" hangingPunct="0">
+              <a:spcBef>
+                <a:spcPct val="0"/>
+              </a:spcBef>
+              <a:spcAft>
+                <a:spcPct val="0"/>
+              </a:spcAft>
+              <a:defRPr sz="2400">
+                <a:solidFill>
+                  <a:schemeClr val="tx1"/>
+                </a:solidFill>
+                <a:latin typeface="Arial" panose="020B0604020202020204" pitchFamily="34" charset="0"/>
+                <a:ea typeface="MS PGothic" panose="020B0600070205080204" pitchFamily="34" charset="-128"/>
+              </a:defRPr>
+            </a:lvl9pPr>
+          </a:lstStyle>
+          <a:p>
+            <a:r>
+              <a:rPr lang="en-US" altLang="it-IT" sz="3600" dirty="0" err="1">
+                <a:solidFill>
+                  <a:srgbClr val="FFFFFF"/>
+                </a:solidFill>
+                <a:latin typeface="Tw Cen MT" panose="020B0602020104020603" pitchFamily="34" charset="0"/>
+              </a:rPr>
+              <a:t>IsoRank</a:t>
+            </a:r>
+            <a:endParaRPr lang="en-US" altLang="it-IT" sz="3600" dirty="0">
+              <a:solidFill>
+                <a:srgbClr val="FFFFFF"/>
+              </a:solidFill>
+              <a:latin typeface="Tw Cen MT" panose="020B0602020104020603" pitchFamily="34" charset="0"/>
+            </a:endParaRPr>
+          </a:p>
+        </p:txBody>
+      </p:sp>
       <p:pic>
         <p:nvPicPr>
           <p:cNvPr id="3" name="Immagine 2" descr="Immagine che contiene testo&#10;&#10;Descrizione generata automaticamente">
@@ -6665,7 +7257,7 @@
             <a:fld id="{7A1D8CC2-AC32-48BF-A9F5-B79D7A95954F}" type="slidenum">
               <a:rPr lang="en-US" altLang="it-IT" smtClean="0"/>
               <a:pPr/>
-              <a:t>10</a:t>
+              <a:t>11</a:t>
             </a:fld>
             <a:endParaRPr lang="en-US" altLang="it-IT" dirty="0"/>
           </a:p>
@@ -6892,7 +7484,284 @@
 </p:sld>
 </file>
 
-<file path=ppt/slides/slide11.xml><?xml version="1.0" encoding="utf-8"?>
+<file path=ppt/slides/slide12.xml><?xml version="1.0" encoding="utf-8"?>
+<p:sld xmlns:a="http://schemas.openxmlformats.org/drawingml/2006/main" xmlns:r="http://schemas.openxmlformats.org/officeDocument/2006/relationships" xmlns:p="http://schemas.openxmlformats.org/presentationml/2006/main">
+  <p:cSld>
+    <p:spTree>
+      <p:nvGrpSpPr>
+        <p:cNvPr id="1" name=""/>
+        <p:cNvGrpSpPr/>
+        <p:nvPr/>
+      </p:nvGrpSpPr>
+      <p:grpSpPr>
+        <a:xfrm>
+          <a:off x="0" y="0"/>
+          <a:ext cx="0" cy="0"/>
+          <a:chOff x="0" y="0"/>
+          <a:chExt cx="0" cy="0"/>
+        </a:xfrm>
+      </p:grpSpPr>
+      <p:sp>
+        <p:nvSpPr>
+          <p:cNvPr id="6" name="Title 1">
+            <a:extLst>
+              <a:ext uri="{FF2B5EF4-FFF2-40B4-BE49-F238E27FC236}">
+                <a16:creationId xmlns:a16="http://schemas.microsoft.com/office/drawing/2014/main" id="{B6FD3924-BD2E-47EB-8DCD-3AD635AE70B8}"/>
+              </a:ext>
+            </a:extLst>
+          </p:cNvPr>
+          <p:cNvSpPr txBox="1">
+            <a:spLocks/>
+          </p:cNvSpPr>
+          <p:nvPr/>
+        </p:nvSpPr>
+        <p:spPr bwMode="auto">
+          <a:xfrm>
+            <a:off x="15875" y="165692"/>
+            <a:ext cx="8842375" cy="1016000"/>
+          </a:xfrm>
+          <a:prstGeom prst="rect">
+            <a:avLst/>
+          </a:prstGeom>
+          <a:noFill/>
+          <a:ln>
+            <a:noFill/>
+          </a:ln>
+          <a:extLst>
+            <a:ext uri="{909E8E84-426E-40DD-AFC4-6F175D3DCCD1}">
+              <a14:hiddenFill xmlns:a14="http://schemas.microsoft.com/office/drawing/2010/main">
+                <a:solidFill>
+                  <a:srgbClr val="FFFFFF"/>
+                </a:solidFill>
+              </a14:hiddenFill>
+            </a:ext>
+            <a:ext uri="{91240B29-F687-4F45-9708-019B960494DF}">
+              <a14:hiddenLine xmlns:a14="http://schemas.microsoft.com/office/drawing/2010/main" w="9525">
+                <a:solidFill>
+                  <a:srgbClr val="000000"/>
+                </a:solidFill>
+                <a:miter lim="800000"/>
+                <a:headEnd/>
+                <a:tailEnd/>
+              </a14:hiddenLine>
+            </a:ext>
+          </a:extLst>
+        </p:spPr>
+        <p:txBody>
+          <a:bodyPr/>
+          <a:lstStyle>
+            <a:lvl1pPr eaLnBrk="0" hangingPunct="0">
+              <a:defRPr sz="2400">
+                <a:solidFill>
+                  <a:schemeClr val="tx1"/>
+                </a:solidFill>
+                <a:latin typeface="Arial" panose="020B0604020202020204" pitchFamily="34" charset="0"/>
+                <a:ea typeface="MS PGothic" panose="020B0600070205080204" pitchFamily="34" charset="-128"/>
+              </a:defRPr>
+            </a:lvl1pPr>
+            <a:lvl2pPr marL="742950" indent="-285750" eaLnBrk="0" hangingPunct="0">
+              <a:defRPr sz="2400">
+                <a:solidFill>
+                  <a:schemeClr val="tx1"/>
+                </a:solidFill>
+                <a:latin typeface="Arial" panose="020B0604020202020204" pitchFamily="34" charset="0"/>
+                <a:ea typeface="MS PGothic" panose="020B0600070205080204" pitchFamily="34" charset="-128"/>
+              </a:defRPr>
+            </a:lvl2pPr>
+            <a:lvl3pPr marL="1143000" indent="-228600" eaLnBrk="0" hangingPunct="0">
+              <a:defRPr sz="2400">
+                <a:solidFill>
+                  <a:schemeClr val="tx1"/>
+                </a:solidFill>
+                <a:latin typeface="Arial" panose="020B0604020202020204" pitchFamily="34" charset="0"/>
+                <a:ea typeface="MS PGothic" panose="020B0600070205080204" pitchFamily="34" charset="-128"/>
+              </a:defRPr>
+            </a:lvl3pPr>
+            <a:lvl4pPr marL="1600200" indent="-228600" eaLnBrk="0" hangingPunct="0">
+              <a:defRPr sz="2400">
+                <a:solidFill>
+                  <a:schemeClr val="tx1"/>
+                </a:solidFill>
+                <a:latin typeface="Arial" panose="020B0604020202020204" pitchFamily="34" charset="0"/>
+                <a:ea typeface="MS PGothic" panose="020B0600070205080204" pitchFamily="34" charset="-128"/>
+              </a:defRPr>
+            </a:lvl4pPr>
+            <a:lvl5pPr marL="2057400" indent="-228600" eaLnBrk="0" hangingPunct="0">
+              <a:defRPr sz="2400">
+                <a:solidFill>
+                  <a:schemeClr val="tx1"/>
+                </a:solidFill>
+                <a:latin typeface="Arial" panose="020B0604020202020204" pitchFamily="34" charset="0"/>
+                <a:ea typeface="MS PGothic" panose="020B0600070205080204" pitchFamily="34" charset="-128"/>
+              </a:defRPr>
+            </a:lvl5pPr>
+            <a:lvl6pPr marL="2514600" indent="-228600" defTabSz="457200" eaLnBrk="0" fontAlgn="base" hangingPunct="0">
+              <a:spcBef>
+                <a:spcPct val="0"/>
+              </a:spcBef>
+              <a:spcAft>
+                <a:spcPct val="0"/>
+              </a:spcAft>
+              <a:defRPr sz="2400">
+                <a:solidFill>
+                  <a:schemeClr val="tx1"/>
+                </a:solidFill>
+                <a:latin typeface="Arial" panose="020B0604020202020204" pitchFamily="34" charset="0"/>
+                <a:ea typeface="MS PGothic" panose="020B0600070205080204" pitchFamily="34" charset="-128"/>
+              </a:defRPr>
+            </a:lvl6pPr>
+            <a:lvl7pPr marL="2971800" indent="-228600" defTabSz="457200" eaLnBrk="0" fontAlgn="base" hangingPunct="0">
+              <a:spcBef>
+                <a:spcPct val="0"/>
+              </a:spcBef>
+              <a:spcAft>
+                <a:spcPct val="0"/>
+              </a:spcAft>
+              <a:defRPr sz="2400">
+                <a:solidFill>
+                  <a:schemeClr val="tx1"/>
+                </a:solidFill>
+                <a:latin typeface="Arial" panose="020B0604020202020204" pitchFamily="34" charset="0"/>
+                <a:ea typeface="MS PGothic" panose="020B0600070205080204" pitchFamily="34" charset="-128"/>
+              </a:defRPr>
+            </a:lvl7pPr>
+            <a:lvl8pPr marL="3429000" indent="-228600" defTabSz="457200" eaLnBrk="0" fontAlgn="base" hangingPunct="0">
+              <a:spcBef>
+                <a:spcPct val="0"/>
+              </a:spcBef>
+              <a:spcAft>
+                <a:spcPct val="0"/>
+              </a:spcAft>
+              <a:defRPr sz="2400">
+                <a:solidFill>
+                  <a:schemeClr val="tx1"/>
+                </a:solidFill>
+                <a:latin typeface="Arial" panose="020B0604020202020204" pitchFamily="34" charset="0"/>
+                <a:ea typeface="MS PGothic" panose="020B0600070205080204" pitchFamily="34" charset="-128"/>
+              </a:defRPr>
+            </a:lvl8pPr>
+            <a:lvl9pPr marL="3886200" indent="-228600" defTabSz="457200" eaLnBrk="0" fontAlgn="base" hangingPunct="0">
+              <a:spcBef>
+                <a:spcPct val="0"/>
+              </a:spcBef>
+              <a:spcAft>
+                <a:spcPct val="0"/>
+              </a:spcAft>
+              <a:defRPr sz="2400">
+                <a:solidFill>
+                  <a:schemeClr val="tx1"/>
+                </a:solidFill>
+                <a:latin typeface="Arial" panose="020B0604020202020204" pitchFamily="34" charset="0"/>
+                <a:ea typeface="MS PGothic" panose="020B0600070205080204" pitchFamily="34" charset="-128"/>
+              </a:defRPr>
+            </a:lvl9pPr>
+          </a:lstStyle>
+          <a:p>
+            <a:r>
+              <a:rPr lang="en-US" altLang="it-IT" sz="3600" dirty="0" err="1">
+                <a:solidFill>
+                  <a:srgbClr val="FFFFFF"/>
+                </a:solidFill>
+                <a:latin typeface="Tw Cen MT" panose="020B0602020104020603" pitchFamily="34" charset="0"/>
+              </a:rPr>
+              <a:t>Confronti</a:t>
+            </a:r>
+            <a:r>
+              <a:rPr lang="en-US" altLang="it-IT" sz="3600" dirty="0">
+                <a:solidFill>
+                  <a:srgbClr val="FFFFFF"/>
+                </a:solidFill>
+                <a:latin typeface="Tw Cen MT" panose="020B0602020104020603" pitchFamily="34" charset="0"/>
+              </a:rPr>
+              <a:t> - ending</a:t>
+            </a:r>
+          </a:p>
+        </p:txBody>
+      </p:sp>
+      <p:sp>
+        <p:nvSpPr>
+          <p:cNvPr id="3" name="Segnaposto piè di pagina 2">
+            <a:extLst>
+              <a:ext uri="{FF2B5EF4-FFF2-40B4-BE49-F238E27FC236}">
+                <a16:creationId xmlns:a16="http://schemas.microsoft.com/office/drawing/2014/main" id="{E250C3CF-1955-4896-A806-CE5DDC834974}"/>
+              </a:ext>
+            </a:extLst>
+          </p:cNvPr>
+          <p:cNvSpPr>
+            <a:spLocks noGrp="1"/>
+          </p:cNvSpPr>
+          <p:nvPr>
+            <p:ph type="ftr" sz="quarter" idx="11"/>
+          </p:nvPr>
+        </p:nvSpPr>
+        <p:spPr/>
+        <p:txBody>
+          <a:bodyPr/>
+          <a:lstStyle/>
+          <a:p>
+            <a:pPr>
+              <a:defRPr/>
+            </a:pPr>
+            <a:r>
+              <a:rPr lang="it-IT" dirty="0"/>
+              <a:t>Masiero L. </a:t>
+            </a:r>
+            <a:r>
+              <a:rPr lang="it-IT" dirty="0" err="1"/>
+              <a:t>Ivancich</a:t>
+            </a:r>
+            <a:r>
+              <a:rPr lang="it-IT" dirty="0"/>
+              <a:t> S.</a:t>
+            </a:r>
+            <a:endParaRPr lang="en-US" dirty="0"/>
+          </a:p>
+        </p:txBody>
+      </p:sp>
+      <p:sp>
+        <p:nvSpPr>
+          <p:cNvPr id="4" name="Segnaposto numero diapositiva 3">
+            <a:extLst>
+              <a:ext uri="{FF2B5EF4-FFF2-40B4-BE49-F238E27FC236}">
+                <a16:creationId xmlns:a16="http://schemas.microsoft.com/office/drawing/2014/main" id="{5C0935C8-2051-45CC-A755-E45239AABEA6}"/>
+              </a:ext>
+            </a:extLst>
+          </p:cNvPr>
+          <p:cNvSpPr>
+            <a:spLocks noGrp="1"/>
+          </p:cNvSpPr>
+          <p:nvPr>
+            <p:ph type="sldNum" sz="quarter" idx="12"/>
+          </p:nvPr>
+        </p:nvSpPr>
+        <p:spPr/>
+        <p:txBody>
+          <a:bodyPr/>
+          <a:lstStyle/>
+          <a:p>
+            <a:fld id="{7A1D8CC2-AC32-48BF-A9F5-B79D7A95954F}" type="slidenum">
+              <a:rPr lang="en-US" altLang="it-IT" smtClean="0"/>
+              <a:pPr/>
+              <a:t>12</a:t>
+            </a:fld>
+            <a:endParaRPr lang="en-US" altLang="it-IT" dirty="0"/>
+          </a:p>
+        </p:txBody>
+      </p:sp>
+    </p:spTree>
+    <p:extLst>
+      <p:ext uri="{BB962C8B-B14F-4D97-AF65-F5344CB8AC3E}">
+        <p14:creationId xmlns:p14="http://schemas.microsoft.com/office/powerpoint/2010/main" val="1489333951"/>
+      </p:ext>
+    </p:extLst>
+  </p:cSld>
+  <p:clrMapOvr>
+    <a:masterClrMapping/>
+  </p:clrMapOvr>
+</p:sld>
+</file>
+
+<file path=ppt/slides/slide13.xml><?xml version="1.0" encoding="utf-8"?>
 <p:sld xmlns:a="http://schemas.openxmlformats.org/drawingml/2006/main" xmlns:r="http://schemas.openxmlformats.org/officeDocument/2006/relationships" xmlns:p="http://schemas.openxmlformats.org/presentationml/2006/main">
   <p:cSld>
     <p:spTree>
@@ -7163,7 +8032,7 @@
             <a:fld id="{7A1D8CC2-AC32-48BF-A9F5-B79D7A95954F}" type="slidenum">
               <a:rPr lang="en-US" altLang="it-IT" smtClean="0"/>
               <a:pPr/>
-              <a:t>11</a:t>
+              <a:t>13</a:t>
             </a:fld>
             <a:endParaRPr lang="en-US" altLang="it-IT" dirty="0"/>
           </a:p>
@@ -7373,7 +8242,7 @@
 </p:sld>
 </file>
 
-<file path=ppt/slides/slide12.xml><?xml version="1.0" encoding="utf-8"?>
+<file path=ppt/slides/slide14.xml><?xml version="1.0" encoding="utf-8"?>
 <p:sld xmlns:a="http://schemas.openxmlformats.org/drawingml/2006/main" xmlns:r="http://schemas.openxmlformats.org/officeDocument/2006/relationships" xmlns:p="http://schemas.openxmlformats.org/presentationml/2006/main">
   <p:cSld>
     <p:spTree>
@@ -7644,14 +8513,14 @@
             <a:fld id="{7A1D8CC2-AC32-48BF-A9F5-B79D7A95954F}" type="slidenum">
               <a:rPr lang="en-US" altLang="it-IT" smtClean="0"/>
               <a:pPr/>
-              <a:t>12</a:t>
+              <a:t>14</a:t>
             </a:fld>
             <a:endParaRPr lang="en-US" altLang="it-IT" dirty="0"/>
           </a:p>
         </p:txBody>
       </p:sp>
-      <mc:AlternateContent xmlns:mc="http://schemas.openxmlformats.org/markup-compatibility/2006">
-        <mc:Choice xmlns:a14="http://schemas.microsoft.com/office/drawing/2010/main" Requires="a14">
+      <mc:AlternateContent xmlns:mc="http://schemas.openxmlformats.org/markup-compatibility/2006" xmlns:a14="http://schemas.microsoft.com/office/drawing/2010/main">
+        <mc:Choice Requires="a14">
           <p:sp>
             <p:nvSpPr>
               <p:cNvPr id="9" name="CasellaDiTesto 8">
@@ -7919,7 +8788,7 @@
             </p:txBody>
           </p:sp>
         </mc:Choice>
-        <mc:Fallback>
+        <mc:Fallback xmlns="">
           <p:sp>
             <p:nvSpPr>
               <p:cNvPr id="9" name="CasellaDiTesto 8">
@@ -7977,7 +8846,7 @@
 </p:sld>
 </file>
 
-<file path=ppt/slides/slide13.xml><?xml version="1.0" encoding="utf-8"?>
+<file path=ppt/slides/slide15.xml><?xml version="1.0" encoding="utf-8"?>
 <p:sld xmlns:a="http://schemas.openxmlformats.org/drawingml/2006/main" xmlns:r="http://schemas.openxmlformats.org/officeDocument/2006/relationships" xmlns:p="http://schemas.openxmlformats.org/presentationml/2006/main">
   <p:cSld>
     <p:spTree>
@@ -8151,23 +9020,32 @@
           </a:lstStyle>
           <a:p>
             <a:r>
+              <a:rPr lang="en-US" altLang="it-IT" sz="3600" dirty="0" err="1">
+                <a:solidFill>
+                  <a:srgbClr val="FFFFFF"/>
+                </a:solidFill>
+                <a:latin typeface="Tw Cen MT" panose="020B0602020104020603" pitchFamily="34" charset="0"/>
+              </a:rPr>
+              <a:t>Confronti</a:t>
+            </a:r>
+            <a:r>
               <a:rPr lang="en-US" altLang="it-IT" sz="3600" dirty="0">
                 <a:solidFill>
                   <a:srgbClr val="FFFFFF"/>
                 </a:solidFill>
                 <a:latin typeface="Tw Cen MT" panose="020B0602020104020603" pitchFamily="34" charset="0"/>
               </a:rPr>
-              <a:t>L-GRAAL</a:t>
+              <a:t> - ending</a:t>
             </a:r>
           </a:p>
         </p:txBody>
       </p:sp>
       <p:sp>
         <p:nvSpPr>
-          <p:cNvPr id="4" name="Segnaposto piè di pagina 3">
+          <p:cNvPr id="3" name="Segnaposto piè di pagina 2">
             <a:extLst>
               <a:ext uri="{FF2B5EF4-FFF2-40B4-BE49-F238E27FC236}">
-                <a16:creationId xmlns:a16="http://schemas.microsoft.com/office/drawing/2014/main" id="{132569EC-B884-40D8-85E2-57BADE786F10}"/>
+                <a16:creationId xmlns:a16="http://schemas.microsoft.com/office/drawing/2014/main" id="{E250C3CF-1955-4896-A806-CE5DDC834974}"/>
               </a:ext>
             </a:extLst>
           </p:cNvPr>
@@ -8187,8 +9065,16 @@
               <a:defRPr/>
             </a:pPr>
             <a:r>
-              <a:rPr lang="it-IT"/>
-              <a:t>Masiero L. Ivancich S.</a:t>
+              <a:rPr lang="it-IT" dirty="0"/>
+              <a:t>Masiero L. </a:t>
+            </a:r>
+            <a:r>
+              <a:rPr lang="it-IT" dirty="0" err="1"/>
+              <a:t>Ivancich</a:t>
+            </a:r>
+            <a:r>
+              <a:rPr lang="it-IT" dirty="0"/>
+              <a:t> S.</a:t>
             </a:r>
             <a:endParaRPr lang="en-US" dirty="0"/>
           </a:p>
@@ -8196,10 +9082,10 @@
       </p:sp>
       <p:sp>
         <p:nvSpPr>
-          <p:cNvPr id="5" name="Segnaposto numero diapositiva 4">
+          <p:cNvPr id="4" name="Segnaposto numero diapositiva 3">
             <a:extLst>
               <a:ext uri="{FF2B5EF4-FFF2-40B4-BE49-F238E27FC236}">
-                <a16:creationId xmlns:a16="http://schemas.microsoft.com/office/drawing/2014/main" id="{2E9CF88A-2116-4A80-B0ED-1262563C9595}"/>
+                <a16:creationId xmlns:a16="http://schemas.microsoft.com/office/drawing/2014/main" id="{5C0935C8-2051-45CC-A755-E45239AABEA6}"/>
               </a:ext>
             </a:extLst>
           </p:cNvPr>
@@ -8218,7 +9104,267 @@
             <a:fld id="{7A1D8CC2-AC32-48BF-A9F5-B79D7A95954F}" type="slidenum">
               <a:rPr lang="en-US" altLang="it-IT" smtClean="0"/>
               <a:pPr/>
-              <a:t>13</a:t>
+              <a:t>15</a:t>
+            </a:fld>
+            <a:endParaRPr lang="en-US" altLang="it-IT" dirty="0"/>
+          </a:p>
+        </p:txBody>
+      </p:sp>
+    </p:spTree>
+    <p:extLst>
+      <p:ext uri="{BB962C8B-B14F-4D97-AF65-F5344CB8AC3E}">
+        <p14:creationId xmlns:p14="http://schemas.microsoft.com/office/powerpoint/2010/main" val="1582319596"/>
+      </p:ext>
+    </p:extLst>
+  </p:cSld>
+  <p:clrMapOvr>
+    <a:masterClrMapping/>
+  </p:clrMapOvr>
+</p:sld>
+</file>
+
+<file path=ppt/slides/slide16.xml><?xml version="1.0" encoding="utf-8"?>
+<p:sld xmlns:a="http://schemas.openxmlformats.org/drawingml/2006/main" xmlns:r="http://schemas.openxmlformats.org/officeDocument/2006/relationships" xmlns:p="http://schemas.openxmlformats.org/presentationml/2006/main">
+  <p:cSld>
+    <p:spTree>
+      <p:nvGrpSpPr>
+        <p:cNvPr id="1" name=""/>
+        <p:cNvGrpSpPr/>
+        <p:nvPr/>
+      </p:nvGrpSpPr>
+      <p:grpSpPr>
+        <a:xfrm>
+          <a:off x="0" y="0"/>
+          <a:ext cx="0" cy="0"/>
+          <a:chOff x="0" y="0"/>
+          <a:chExt cx="0" cy="0"/>
+        </a:xfrm>
+      </p:grpSpPr>
+      <p:sp>
+        <p:nvSpPr>
+          <p:cNvPr id="6" name="Title 1">
+            <a:extLst>
+              <a:ext uri="{FF2B5EF4-FFF2-40B4-BE49-F238E27FC236}">
+                <a16:creationId xmlns:a16="http://schemas.microsoft.com/office/drawing/2014/main" id="{B6FD3924-BD2E-47EB-8DCD-3AD635AE70B8}"/>
+              </a:ext>
+            </a:extLst>
+          </p:cNvPr>
+          <p:cNvSpPr txBox="1">
+            <a:spLocks/>
+          </p:cNvSpPr>
+          <p:nvPr/>
+        </p:nvSpPr>
+        <p:spPr bwMode="auto">
+          <a:xfrm>
+            <a:off x="15875" y="165692"/>
+            <a:ext cx="8842375" cy="1016000"/>
+          </a:xfrm>
+          <a:prstGeom prst="rect">
+            <a:avLst/>
+          </a:prstGeom>
+          <a:noFill/>
+          <a:ln>
+            <a:noFill/>
+          </a:ln>
+          <a:extLst>
+            <a:ext uri="{909E8E84-426E-40DD-AFC4-6F175D3DCCD1}">
+              <a14:hiddenFill xmlns:a14="http://schemas.microsoft.com/office/drawing/2010/main">
+                <a:solidFill>
+                  <a:srgbClr val="FFFFFF"/>
+                </a:solidFill>
+              </a14:hiddenFill>
+            </a:ext>
+            <a:ext uri="{91240B29-F687-4F45-9708-019B960494DF}">
+              <a14:hiddenLine xmlns:a14="http://schemas.microsoft.com/office/drawing/2010/main" w="9525">
+                <a:solidFill>
+                  <a:srgbClr val="000000"/>
+                </a:solidFill>
+                <a:miter lim="800000"/>
+                <a:headEnd/>
+                <a:tailEnd/>
+              </a14:hiddenLine>
+            </a:ext>
+          </a:extLst>
+        </p:spPr>
+        <p:txBody>
+          <a:bodyPr/>
+          <a:lstStyle>
+            <a:lvl1pPr eaLnBrk="0" hangingPunct="0">
+              <a:defRPr sz="2400">
+                <a:solidFill>
+                  <a:schemeClr val="tx1"/>
+                </a:solidFill>
+                <a:latin typeface="Arial" panose="020B0604020202020204" pitchFamily="34" charset="0"/>
+                <a:ea typeface="MS PGothic" panose="020B0600070205080204" pitchFamily="34" charset="-128"/>
+              </a:defRPr>
+            </a:lvl1pPr>
+            <a:lvl2pPr marL="742950" indent="-285750" eaLnBrk="0" hangingPunct="0">
+              <a:defRPr sz="2400">
+                <a:solidFill>
+                  <a:schemeClr val="tx1"/>
+                </a:solidFill>
+                <a:latin typeface="Arial" panose="020B0604020202020204" pitchFamily="34" charset="0"/>
+                <a:ea typeface="MS PGothic" panose="020B0600070205080204" pitchFamily="34" charset="-128"/>
+              </a:defRPr>
+            </a:lvl2pPr>
+            <a:lvl3pPr marL="1143000" indent="-228600" eaLnBrk="0" hangingPunct="0">
+              <a:defRPr sz="2400">
+                <a:solidFill>
+                  <a:schemeClr val="tx1"/>
+                </a:solidFill>
+                <a:latin typeface="Arial" panose="020B0604020202020204" pitchFamily="34" charset="0"/>
+                <a:ea typeface="MS PGothic" panose="020B0600070205080204" pitchFamily="34" charset="-128"/>
+              </a:defRPr>
+            </a:lvl3pPr>
+            <a:lvl4pPr marL="1600200" indent="-228600" eaLnBrk="0" hangingPunct="0">
+              <a:defRPr sz="2400">
+                <a:solidFill>
+                  <a:schemeClr val="tx1"/>
+                </a:solidFill>
+                <a:latin typeface="Arial" panose="020B0604020202020204" pitchFamily="34" charset="0"/>
+                <a:ea typeface="MS PGothic" panose="020B0600070205080204" pitchFamily="34" charset="-128"/>
+              </a:defRPr>
+            </a:lvl4pPr>
+            <a:lvl5pPr marL="2057400" indent="-228600" eaLnBrk="0" hangingPunct="0">
+              <a:defRPr sz="2400">
+                <a:solidFill>
+                  <a:schemeClr val="tx1"/>
+                </a:solidFill>
+                <a:latin typeface="Arial" panose="020B0604020202020204" pitchFamily="34" charset="0"/>
+                <a:ea typeface="MS PGothic" panose="020B0600070205080204" pitchFamily="34" charset="-128"/>
+              </a:defRPr>
+            </a:lvl5pPr>
+            <a:lvl6pPr marL="2514600" indent="-228600" defTabSz="457200" eaLnBrk="0" fontAlgn="base" hangingPunct="0">
+              <a:spcBef>
+                <a:spcPct val="0"/>
+              </a:spcBef>
+              <a:spcAft>
+                <a:spcPct val="0"/>
+              </a:spcAft>
+              <a:defRPr sz="2400">
+                <a:solidFill>
+                  <a:schemeClr val="tx1"/>
+                </a:solidFill>
+                <a:latin typeface="Arial" panose="020B0604020202020204" pitchFamily="34" charset="0"/>
+                <a:ea typeface="MS PGothic" panose="020B0600070205080204" pitchFamily="34" charset="-128"/>
+              </a:defRPr>
+            </a:lvl6pPr>
+            <a:lvl7pPr marL="2971800" indent="-228600" defTabSz="457200" eaLnBrk="0" fontAlgn="base" hangingPunct="0">
+              <a:spcBef>
+                <a:spcPct val="0"/>
+              </a:spcBef>
+              <a:spcAft>
+                <a:spcPct val="0"/>
+              </a:spcAft>
+              <a:defRPr sz="2400">
+                <a:solidFill>
+                  <a:schemeClr val="tx1"/>
+                </a:solidFill>
+                <a:latin typeface="Arial" panose="020B0604020202020204" pitchFamily="34" charset="0"/>
+                <a:ea typeface="MS PGothic" panose="020B0600070205080204" pitchFamily="34" charset="-128"/>
+              </a:defRPr>
+            </a:lvl7pPr>
+            <a:lvl8pPr marL="3429000" indent="-228600" defTabSz="457200" eaLnBrk="0" fontAlgn="base" hangingPunct="0">
+              <a:spcBef>
+                <a:spcPct val="0"/>
+              </a:spcBef>
+              <a:spcAft>
+                <a:spcPct val="0"/>
+              </a:spcAft>
+              <a:defRPr sz="2400">
+                <a:solidFill>
+                  <a:schemeClr val="tx1"/>
+                </a:solidFill>
+                <a:latin typeface="Arial" panose="020B0604020202020204" pitchFamily="34" charset="0"/>
+                <a:ea typeface="MS PGothic" panose="020B0600070205080204" pitchFamily="34" charset="-128"/>
+              </a:defRPr>
+            </a:lvl8pPr>
+            <a:lvl9pPr marL="3886200" indent="-228600" defTabSz="457200" eaLnBrk="0" fontAlgn="base" hangingPunct="0">
+              <a:spcBef>
+                <a:spcPct val="0"/>
+              </a:spcBef>
+              <a:spcAft>
+                <a:spcPct val="0"/>
+              </a:spcAft>
+              <a:defRPr sz="2400">
+                <a:solidFill>
+                  <a:schemeClr val="tx1"/>
+                </a:solidFill>
+                <a:latin typeface="Arial" panose="020B0604020202020204" pitchFamily="34" charset="0"/>
+                <a:ea typeface="MS PGothic" panose="020B0600070205080204" pitchFamily="34" charset="-128"/>
+              </a:defRPr>
+            </a:lvl9pPr>
+          </a:lstStyle>
+          <a:p>
+            <a:r>
+              <a:rPr lang="en-US" altLang="it-IT" sz="3600" dirty="0">
+                <a:solidFill>
+                  <a:srgbClr val="FFFFFF"/>
+                </a:solidFill>
+                <a:latin typeface="Tw Cen MT" panose="020B0602020104020603" pitchFamily="34" charset="0"/>
+              </a:rPr>
+              <a:t>L-GRAAL</a:t>
+            </a:r>
+          </a:p>
+        </p:txBody>
+      </p:sp>
+      <p:sp>
+        <p:nvSpPr>
+          <p:cNvPr id="4" name="Segnaposto piè di pagina 3">
+            <a:extLst>
+              <a:ext uri="{FF2B5EF4-FFF2-40B4-BE49-F238E27FC236}">
+                <a16:creationId xmlns:a16="http://schemas.microsoft.com/office/drawing/2014/main" id="{132569EC-B884-40D8-85E2-57BADE786F10}"/>
+              </a:ext>
+            </a:extLst>
+          </p:cNvPr>
+          <p:cNvSpPr>
+            <a:spLocks noGrp="1"/>
+          </p:cNvSpPr>
+          <p:nvPr>
+            <p:ph type="ftr" sz="quarter" idx="11"/>
+          </p:nvPr>
+        </p:nvSpPr>
+        <p:spPr/>
+        <p:txBody>
+          <a:bodyPr/>
+          <a:lstStyle/>
+          <a:p>
+            <a:pPr>
+              <a:defRPr/>
+            </a:pPr>
+            <a:r>
+              <a:rPr lang="it-IT"/>
+              <a:t>Masiero L. Ivancich S.</a:t>
+            </a:r>
+            <a:endParaRPr lang="en-US" dirty="0"/>
+          </a:p>
+        </p:txBody>
+      </p:sp>
+      <p:sp>
+        <p:nvSpPr>
+          <p:cNvPr id="5" name="Segnaposto numero diapositiva 4">
+            <a:extLst>
+              <a:ext uri="{FF2B5EF4-FFF2-40B4-BE49-F238E27FC236}">
+                <a16:creationId xmlns:a16="http://schemas.microsoft.com/office/drawing/2014/main" id="{2E9CF88A-2116-4A80-B0ED-1262563C9595}"/>
+              </a:ext>
+            </a:extLst>
+          </p:cNvPr>
+          <p:cNvSpPr>
+            <a:spLocks noGrp="1"/>
+          </p:cNvSpPr>
+          <p:nvPr>
+            <p:ph type="sldNum" sz="quarter" idx="12"/>
+          </p:nvPr>
+        </p:nvSpPr>
+        <p:spPr/>
+        <p:txBody>
+          <a:bodyPr/>
+          <a:lstStyle/>
+          <a:p>
+            <a:fld id="{7A1D8CC2-AC32-48BF-A9F5-B79D7A95954F}" type="slidenum">
+              <a:rPr lang="en-US" altLang="it-IT" smtClean="0"/>
+              <a:pPr/>
+              <a:t>16</a:t>
             </a:fld>
             <a:endParaRPr lang="en-US" altLang="it-IT" dirty="0"/>
           </a:p>
@@ -8326,7 +9472,7 @@
 </p:sld>
 </file>
 
-<file path=ppt/slides/slide14.xml><?xml version="1.0" encoding="utf-8"?>
+<file path=ppt/slides/slide17.xml><?xml version="1.0" encoding="utf-8"?>
 <p:sld xmlns:a="http://schemas.openxmlformats.org/drawingml/2006/main" xmlns:r="http://schemas.openxmlformats.org/officeDocument/2006/relationships" xmlns:p="http://schemas.openxmlformats.org/presentationml/2006/main">
   <p:cSld>
     <p:spTree>
@@ -8567,7 +9713,7 @@
             <a:fld id="{7A1D8CC2-AC32-48BF-A9F5-B79D7A95954F}" type="slidenum">
               <a:rPr lang="en-US" altLang="it-IT" smtClean="0"/>
               <a:pPr/>
-              <a:t>14</a:t>
+              <a:t>17</a:t>
             </a:fld>
             <a:endParaRPr lang="en-US" altLang="it-IT" dirty="0"/>
           </a:p>
@@ -9127,7 +10273,7 @@
 </p:sld>
 </file>
 
-<file path=ppt/slides/slide15.xml><?xml version="1.0" encoding="utf-8"?>
+<file path=ppt/slides/slide18.xml><?xml version="1.0" encoding="utf-8"?>
 <p:sld xmlns:a="http://schemas.openxmlformats.org/drawingml/2006/main" xmlns:r="http://schemas.openxmlformats.org/officeDocument/2006/relationships" xmlns:p="http://schemas.openxmlformats.org/presentationml/2006/main">
   <p:cSld>
     <p:spTree>
@@ -9307,14 +10453,17 @@
                 </a:solidFill>
                 <a:latin typeface="Tw Cen MT" panose="020B0602020104020603" pitchFamily="34" charset="0"/>
               </a:rPr>
-              <a:t>Conclusioni</a:t>
-            </a:r>
-            <a:endParaRPr lang="en-US" altLang="it-IT" sz="3600" dirty="0">
-              <a:solidFill>
-                <a:srgbClr val="FFFFFF"/>
-              </a:solidFill>
-              <a:latin typeface="Tw Cen MT" panose="020B0602020104020603" pitchFamily="34" charset="0"/>
-            </a:endParaRPr>
+              <a:t>Confronti</a:t>
+            </a:r>
+            <a:r>
+              <a:rPr lang="en-US" altLang="it-IT" sz="3600" dirty="0">
+                <a:solidFill>
+                  <a:srgbClr val="FFFFFF"/>
+                </a:solidFill>
+                <a:latin typeface="Tw Cen MT" panose="020B0602020104020603" pitchFamily="34" charset="0"/>
+              </a:rPr>
+              <a:t> - ending</a:t>
+            </a:r>
           </a:p>
         </p:txBody>
       </p:sp>
@@ -9382,7 +10531,281 @@
             <a:fld id="{7A1D8CC2-AC32-48BF-A9F5-B79D7A95954F}" type="slidenum">
               <a:rPr lang="en-US" altLang="it-IT" smtClean="0"/>
               <a:pPr/>
-              <a:t>15</a:t>
+              <a:t>18</a:t>
+            </a:fld>
+            <a:endParaRPr lang="en-US" altLang="it-IT" dirty="0"/>
+          </a:p>
+        </p:txBody>
+      </p:sp>
+    </p:spTree>
+    <p:extLst>
+      <p:ext uri="{BB962C8B-B14F-4D97-AF65-F5344CB8AC3E}">
+        <p14:creationId xmlns:p14="http://schemas.microsoft.com/office/powerpoint/2010/main" val="544743387"/>
+      </p:ext>
+    </p:extLst>
+  </p:cSld>
+  <p:clrMapOvr>
+    <a:masterClrMapping/>
+  </p:clrMapOvr>
+</p:sld>
+</file>
+
+<file path=ppt/slides/slide19.xml><?xml version="1.0" encoding="utf-8"?>
+<p:sld xmlns:a="http://schemas.openxmlformats.org/drawingml/2006/main" xmlns:r="http://schemas.openxmlformats.org/officeDocument/2006/relationships" xmlns:p="http://schemas.openxmlformats.org/presentationml/2006/main">
+  <p:cSld>
+    <p:spTree>
+      <p:nvGrpSpPr>
+        <p:cNvPr id="1" name=""/>
+        <p:cNvGrpSpPr/>
+        <p:nvPr/>
+      </p:nvGrpSpPr>
+      <p:grpSpPr>
+        <a:xfrm>
+          <a:off x="0" y="0"/>
+          <a:ext cx="0" cy="0"/>
+          <a:chOff x="0" y="0"/>
+          <a:chExt cx="0" cy="0"/>
+        </a:xfrm>
+      </p:grpSpPr>
+      <p:sp>
+        <p:nvSpPr>
+          <p:cNvPr id="6" name="Title 1">
+            <a:extLst>
+              <a:ext uri="{FF2B5EF4-FFF2-40B4-BE49-F238E27FC236}">
+                <a16:creationId xmlns:a16="http://schemas.microsoft.com/office/drawing/2014/main" id="{B6FD3924-BD2E-47EB-8DCD-3AD635AE70B8}"/>
+              </a:ext>
+            </a:extLst>
+          </p:cNvPr>
+          <p:cNvSpPr txBox="1">
+            <a:spLocks/>
+          </p:cNvSpPr>
+          <p:nvPr/>
+        </p:nvSpPr>
+        <p:spPr bwMode="auto">
+          <a:xfrm>
+            <a:off x="15875" y="165692"/>
+            <a:ext cx="8842375" cy="1016000"/>
+          </a:xfrm>
+          <a:prstGeom prst="rect">
+            <a:avLst/>
+          </a:prstGeom>
+          <a:noFill/>
+          <a:ln>
+            <a:noFill/>
+          </a:ln>
+          <a:extLst>
+            <a:ext uri="{909E8E84-426E-40DD-AFC4-6F175D3DCCD1}">
+              <a14:hiddenFill xmlns:a14="http://schemas.microsoft.com/office/drawing/2010/main">
+                <a:solidFill>
+                  <a:srgbClr val="FFFFFF"/>
+                </a:solidFill>
+              </a14:hiddenFill>
+            </a:ext>
+            <a:ext uri="{91240B29-F687-4F45-9708-019B960494DF}">
+              <a14:hiddenLine xmlns:a14="http://schemas.microsoft.com/office/drawing/2010/main" w="9525">
+                <a:solidFill>
+                  <a:srgbClr val="000000"/>
+                </a:solidFill>
+                <a:miter lim="800000"/>
+                <a:headEnd/>
+                <a:tailEnd/>
+              </a14:hiddenLine>
+            </a:ext>
+          </a:extLst>
+        </p:spPr>
+        <p:txBody>
+          <a:bodyPr/>
+          <a:lstStyle>
+            <a:lvl1pPr eaLnBrk="0" hangingPunct="0">
+              <a:defRPr sz="2400">
+                <a:solidFill>
+                  <a:schemeClr val="tx1"/>
+                </a:solidFill>
+                <a:latin typeface="Arial" panose="020B0604020202020204" pitchFamily="34" charset="0"/>
+                <a:ea typeface="MS PGothic" panose="020B0600070205080204" pitchFamily="34" charset="-128"/>
+              </a:defRPr>
+            </a:lvl1pPr>
+            <a:lvl2pPr marL="742950" indent="-285750" eaLnBrk="0" hangingPunct="0">
+              <a:defRPr sz="2400">
+                <a:solidFill>
+                  <a:schemeClr val="tx1"/>
+                </a:solidFill>
+                <a:latin typeface="Arial" panose="020B0604020202020204" pitchFamily="34" charset="0"/>
+                <a:ea typeface="MS PGothic" panose="020B0600070205080204" pitchFamily="34" charset="-128"/>
+              </a:defRPr>
+            </a:lvl2pPr>
+            <a:lvl3pPr marL="1143000" indent="-228600" eaLnBrk="0" hangingPunct="0">
+              <a:defRPr sz="2400">
+                <a:solidFill>
+                  <a:schemeClr val="tx1"/>
+                </a:solidFill>
+                <a:latin typeface="Arial" panose="020B0604020202020204" pitchFamily="34" charset="0"/>
+                <a:ea typeface="MS PGothic" panose="020B0600070205080204" pitchFamily="34" charset="-128"/>
+              </a:defRPr>
+            </a:lvl3pPr>
+            <a:lvl4pPr marL="1600200" indent="-228600" eaLnBrk="0" hangingPunct="0">
+              <a:defRPr sz="2400">
+                <a:solidFill>
+                  <a:schemeClr val="tx1"/>
+                </a:solidFill>
+                <a:latin typeface="Arial" panose="020B0604020202020204" pitchFamily="34" charset="0"/>
+                <a:ea typeface="MS PGothic" panose="020B0600070205080204" pitchFamily="34" charset="-128"/>
+              </a:defRPr>
+            </a:lvl4pPr>
+            <a:lvl5pPr marL="2057400" indent="-228600" eaLnBrk="0" hangingPunct="0">
+              <a:defRPr sz="2400">
+                <a:solidFill>
+                  <a:schemeClr val="tx1"/>
+                </a:solidFill>
+                <a:latin typeface="Arial" panose="020B0604020202020204" pitchFamily="34" charset="0"/>
+                <a:ea typeface="MS PGothic" panose="020B0600070205080204" pitchFamily="34" charset="-128"/>
+              </a:defRPr>
+            </a:lvl5pPr>
+            <a:lvl6pPr marL="2514600" indent="-228600" defTabSz="457200" eaLnBrk="0" fontAlgn="base" hangingPunct="0">
+              <a:spcBef>
+                <a:spcPct val="0"/>
+              </a:spcBef>
+              <a:spcAft>
+                <a:spcPct val="0"/>
+              </a:spcAft>
+              <a:defRPr sz="2400">
+                <a:solidFill>
+                  <a:schemeClr val="tx1"/>
+                </a:solidFill>
+                <a:latin typeface="Arial" panose="020B0604020202020204" pitchFamily="34" charset="0"/>
+                <a:ea typeface="MS PGothic" panose="020B0600070205080204" pitchFamily="34" charset="-128"/>
+              </a:defRPr>
+            </a:lvl6pPr>
+            <a:lvl7pPr marL="2971800" indent="-228600" defTabSz="457200" eaLnBrk="0" fontAlgn="base" hangingPunct="0">
+              <a:spcBef>
+                <a:spcPct val="0"/>
+              </a:spcBef>
+              <a:spcAft>
+                <a:spcPct val="0"/>
+              </a:spcAft>
+              <a:defRPr sz="2400">
+                <a:solidFill>
+                  <a:schemeClr val="tx1"/>
+                </a:solidFill>
+                <a:latin typeface="Arial" panose="020B0604020202020204" pitchFamily="34" charset="0"/>
+                <a:ea typeface="MS PGothic" panose="020B0600070205080204" pitchFamily="34" charset="-128"/>
+              </a:defRPr>
+            </a:lvl7pPr>
+            <a:lvl8pPr marL="3429000" indent="-228600" defTabSz="457200" eaLnBrk="0" fontAlgn="base" hangingPunct="0">
+              <a:spcBef>
+                <a:spcPct val="0"/>
+              </a:spcBef>
+              <a:spcAft>
+                <a:spcPct val="0"/>
+              </a:spcAft>
+              <a:defRPr sz="2400">
+                <a:solidFill>
+                  <a:schemeClr val="tx1"/>
+                </a:solidFill>
+                <a:latin typeface="Arial" panose="020B0604020202020204" pitchFamily="34" charset="0"/>
+                <a:ea typeface="MS PGothic" panose="020B0600070205080204" pitchFamily="34" charset="-128"/>
+              </a:defRPr>
+            </a:lvl8pPr>
+            <a:lvl9pPr marL="3886200" indent="-228600" defTabSz="457200" eaLnBrk="0" fontAlgn="base" hangingPunct="0">
+              <a:spcBef>
+                <a:spcPct val="0"/>
+              </a:spcBef>
+              <a:spcAft>
+                <a:spcPct val="0"/>
+              </a:spcAft>
+              <a:defRPr sz="2400">
+                <a:solidFill>
+                  <a:schemeClr val="tx1"/>
+                </a:solidFill>
+                <a:latin typeface="Arial" panose="020B0604020202020204" pitchFamily="34" charset="0"/>
+                <a:ea typeface="MS PGothic" panose="020B0600070205080204" pitchFamily="34" charset="-128"/>
+              </a:defRPr>
+            </a:lvl9pPr>
+          </a:lstStyle>
+          <a:p>
+            <a:r>
+              <a:rPr lang="en-US" altLang="it-IT" sz="3600" dirty="0" err="1">
+                <a:solidFill>
+                  <a:srgbClr val="FFFFFF"/>
+                </a:solidFill>
+                <a:latin typeface="Tw Cen MT" panose="020B0602020104020603" pitchFamily="34" charset="0"/>
+              </a:rPr>
+              <a:t>Conclusioni</a:t>
+            </a:r>
+            <a:endParaRPr lang="en-US" altLang="it-IT" sz="3600" dirty="0">
+              <a:solidFill>
+                <a:srgbClr val="FFFFFF"/>
+              </a:solidFill>
+              <a:latin typeface="Tw Cen MT" panose="020B0602020104020603" pitchFamily="34" charset="0"/>
+            </a:endParaRPr>
+          </a:p>
+        </p:txBody>
+      </p:sp>
+      <p:sp>
+        <p:nvSpPr>
+          <p:cNvPr id="3" name="Segnaposto piè di pagina 2">
+            <a:extLst>
+              <a:ext uri="{FF2B5EF4-FFF2-40B4-BE49-F238E27FC236}">
+                <a16:creationId xmlns:a16="http://schemas.microsoft.com/office/drawing/2014/main" id="{E250C3CF-1955-4896-A806-CE5DDC834974}"/>
+              </a:ext>
+            </a:extLst>
+          </p:cNvPr>
+          <p:cNvSpPr>
+            <a:spLocks noGrp="1"/>
+          </p:cNvSpPr>
+          <p:nvPr>
+            <p:ph type="ftr" sz="quarter" idx="11"/>
+          </p:nvPr>
+        </p:nvSpPr>
+        <p:spPr/>
+        <p:txBody>
+          <a:bodyPr/>
+          <a:lstStyle/>
+          <a:p>
+            <a:pPr>
+              <a:defRPr/>
+            </a:pPr>
+            <a:r>
+              <a:rPr lang="it-IT" dirty="0"/>
+              <a:t>Masiero L. </a:t>
+            </a:r>
+            <a:r>
+              <a:rPr lang="it-IT" dirty="0" err="1"/>
+              <a:t>Ivancich</a:t>
+            </a:r>
+            <a:r>
+              <a:rPr lang="it-IT" dirty="0"/>
+              <a:t> S.</a:t>
+            </a:r>
+            <a:endParaRPr lang="en-US" dirty="0"/>
+          </a:p>
+        </p:txBody>
+      </p:sp>
+      <p:sp>
+        <p:nvSpPr>
+          <p:cNvPr id="4" name="Segnaposto numero diapositiva 3">
+            <a:extLst>
+              <a:ext uri="{FF2B5EF4-FFF2-40B4-BE49-F238E27FC236}">
+                <a16:creationId xmlns:a16="http://schemas.microsoft.com/office/drawing/2014/main" id="{5C0935C8-2051-45CC-A755-E45239AABEA6}"/>
+              </a:ext>
+            </a:extLst>
+          </p:cNvPr>
+          <p:cNvSpPr>
+            <a:spLocks noGrp="1"/>
+          </p:cNvSpPr>
+          <p:nvPr>
+            <p:ph type="sldNum" sz="quarter" idx="12"/>
+          </p:nvPr>
+        </p:nvSpPr>
+        <p:spPr/>
+        <p:txBody>
+          <a:bodyPr/>
+          <a:lstStyle/>
+          <a:p>
+            <a:fld id="{7A1D8CC2-AC32-48BF-A9F5-B79D7A95954F}" type="slidenum">
+              <a:rPr lang="en-US" altLang="it-IT" smtClean="0"/>
+              <a:pPr/>
+              <a:t>19</a:t>
             </a:fld>
             <a:endParaRPr lang="en-US" altLang="it-IT" dirty="0"/>
           </a:p>
@@ -10250,8 +11673,8 @@
           </a:p>
         </p:txBody>
       </p:sp>
-      <mc:AlternateContent xmlns:mc="http://schemas.openxmlformats.org/markup-compatibility/2006">
-        <mc:Choice xmlns:a14="http://schemas.microsoft.com/office/drawing/2010/main" Requires="a14">
+      <mc:AlternateContent xmlns:mc="http://schemas.openxmlformats.org/markup-compatibility/2006" xmlns:a14="http://schemas.microsoft.com/office/drawing/2010/main">
+        <mc:Choice Requires="a14">
           <p:sp>
             <p:nvSpPr>
               <p:cNvPr id="3" name="CasellaDiTesto 2">
@@ -10589,7 +12012,7 @@
             </p:txBody>
           </p:sp>
         </mc:Choice>
-        <mc:Fallback>
+        <mc:Fallback xmlns="">
           <p:sp>
             <p:nvSpPr>
               <p:cNvPr id="3" name="CasellaDiTesto 2">
@@ -10921,8 +12344,8 @@
           </a:p>
         </p:txBody>
       </p:sp>
-      <mc:AlternateContent xmlns:mc="http://schemas.openxmlformats.org/markup-compatibility/2006">
-        <mc:Choice xmlns:a14="http://schemas.microsoft.com/office/drawing/2010/main" Requires="a14">
+      <mc:AlternateContent xmlns:mc="http://schemas.openxmlformats.org/markup-compatibility/2006" xmlns:a14="http://schemas.microsoft.com/office/drawing/2010/main">
+        <mc:Choice Requires="a14">
           <p:sp>
             <p:nvSpPr>
               <p:cNvPr id="8" name="CasellaDiTesto 7">
@@ -11154,7 +12577,7 @@
             </p:txBody>
           </p:sp>
         </mc:Choice>
-        <mc:Fallback>
+        <mc:Fallback xmlns="">
           <p:sp>
             <p:nvSpPr>
               <p:cNvPr id="8" name="CasellaDiTesto 7">
@@ -12418,7 +13841,7 @@
               <a:rPr lang="it-IT" sz="2400" dirty="0">
                 <a:latin typeface="+mj-lt"/>
               </a:rPr>
-              <a:t> della rete </a:t>
+              <a:t> della rete. </a:t>
             </a:r>
           </a:p>
         </p:txBody>
@@ -13631,23 +15054,26 @@
                 </a:solidFill>
                 <a:latin typeface="Tw Cen MT" panose="020B0602020104020603" pitchFamily="34" charset="0"/>
               </a:rPr>
-              <a:t>IsoRank</a:t>
-            </a:r>
-            <a:endParaRPr lang="en-US" altLang="it-IT" sz="3600" dirty="0">
-              <a:solidFill>
-                <a:srgbClr val="FFFFFF"/>
-              </a:solidFill>
-              <a:latin typeface="Tw Cen MT" panose="020B0602020104020603" pitchFamily="34" charset="0"/>
-            </a:endParaRPr>
+              <a:t>Confronti</a:t>
+            </a:r>
+            <a:r>
+              <a:rPr lang="en-US" altLang="it-IT" sz="3600" dirty="0">
+                <a:solidFill>
+                  <a:srgbClr val="FFFFFF"/>
+                </a:solidFill>
+                <a:latin typeface="Tw Cen MT" panose="020B0602020104020603" pitchFamily="34" charset="0"/>
+              </a:rPr>
+              <a:t> - ending</a:t>
+            </a:r>
           </a:p>
         </p:txBody>
       </p:sp>
       <p:sp>
         <p:nvSpPr>
-          <p:cNvPr id="5" name="Segnaposto piè di pagina 4">
+          <p:cNvPr id="3" name="Segnaposto piè di pagina 2">
             <a:extLst>
               <a:ext uri="{FF2B5EF4-FFF2-40B4-BE49-F238E27FC236}">
-                <a16:creationId xmlns:a16="http://schemas.microsoft.com/office/drawing/2014/main" id="{4625584D-A3D3-46FC-938B-C0A8056095BB}"/>
+                <a16:creationId xmlns:a16="http://schemas.microsoft.com/office/drawing/2014/main" id="{E250C3CF-1955-4896-A806-CE5DDC834974}"/>
               </a:ext>
             </a:extLst>
           </p:cNvPr>
@@ -13667,8 +15093,16 @@
               <a:defRPr/>
             </a:pPr>
             <a:r>
-              <a:rPr lang="it-IT"/>
-              <a:t>Masiero L. Ivancich S.</a:t>
+              <a:rPr lang="it-IT" dirty="0"/>
+              <a:t>Masiero L. </a:t>
+            </a:r>
+            <a:r>
+              <a:rPr lang="it-IT" dirty="0" err="1"/>
+              <a:t>Ivancich</a:t>
+            </a:r>
+            <a:r>
+              <a:rPr lang="it-IT" dirty="0"/>
+              <a:t> S.</a:t>
             </a:r>
             <a:endParaRPr lang="en-US" dirty="0"/>
           </a:p>
@@ -13676,10 +15110,10 @@
       </p:sp>
       <p:sp>
         <p:nvSpPr>
-          <p:cNvPr id="7" name="Segnaposto numero diapositiva 6">
+          <p:cNvPr id="4" name="Segnaposto numero diapositiva 3">
             <a:extLst>
               <a:ext uri="{FF2B5EF4-FFF2-40B4-BE49-F238E27FC236}">
-                <a16:creationId xmlns:a16="http://schemas.microsoft.com/office/drawing/2014/main" id="{33517E88-54CE-41A1-BAFC-F56EEBCC14E1}"/>
+                <a16:creationId xmlns:a16="http://schemas.microsoft.com/office/drawing/2014/main" id="{5C0935C8-2051-45CC-A755-E45239AABEA6}"/>
               </a:ext>
             </a:extLst>
           </p:cNvPr>
@@ -13704,332 +15138,10 @@
           </a:p>
         </p:txBody>
       </p:sp>
-      <mc:AlternateContent xmlns:mc="http://schemas.openxmlformats.org/markup-compatibility/2006">
-        <mc:Choice xmlns:a14="http://schemas.microsoft.com/office/drawing/2010/main" Requires="a14">
-          <p:sp>
-            <p:nvSpPr>
-              <p:cNvPr id="8" name="CasellaDiTesto 7">
-                <a:extLst>
-                  <a:ext uri="{FF2B5EF4-FFF2-40B4-BE49-F238E27FC236}">
-                    <a16:creationId xmlns:a16="http://schemas.microsoft.com/office/drawing/2014/main" id="{9599F956-0042-46C9-8CB4-82B2C82F45E9}"/>
-                  </a:ext>
-                </a:extLst>
-              </p:cNvPr>
-              <p:cNvSpPr txBox="1"/>
-              <p:nvPr/>
-            </p:nvSpPr>
-            <p:spPr>
-              <a:xfrm>
-                <a:off x="75452" y="1519584"/>
-                <a:ext cx="8993096" cy="4154984"/>
-              </a:xfrm>
-              <a:prstGeom prst="rect">
-                <a:avLst/>
-              </a:prstGeom>
-              <a:noFill/>
-            </p:spPr>
-            <p:txBody>
-              <a:bodyPr wrap="square" rtlCol="0">
-                <a:spAutoFit/>
-              </a:bodyPr>
-              <a:lstStyle/>
-              <a:p>
-                <a:r>
-                  <a:rPr lang="it-IT" sz="2400" dirty="0">
-                    <a:latin typeface="+mj-lt"/>
-                  </a:rPr>
-                  <a:t>Metodo per l’</a:t>
-                </a:r>
-                <a:r>
-                  <a:rPr lang="it-IT" sz="2400" dirty="0">
-                    <a:solidFill>
-                      <a:srgbClr val="FF0000"/>
-                    </a:solidFill>
-                    <a:latin typeface="+mj-lt"/>
-                  </a:rPr>
-                  <a:t>allineamento di più PPIN</a:t>
-                </a:r>
-                <a:r>
-                  <a:rPr lang="it-IT" sz="2400" dirty="0">
-                    <a:latin typeface="+mj-lt"/>
-                  </a:rPr>
-                  <a:t>. </a:t>
-                </a:r>
-              </a:p>
-              <a:p>
-                <a:endParaRPr lang="it-IT" sz="2400" dirty="0">
-                  <a:latin typeface="+mj-lt"/>
-                </a:endParaRPr>
-              </a:p>
-              <a:p>
-                <a:r>
-                  <a:rPr lang="it-IT" sz="2400" dirty="0">
-                    <a:latin typeface="+mj-lt"/>
-                  </a:rPr>
-                  <a:t>Intuizione = una proteina rappresenta una buona corrispondenza con una proteina in un’altra sequenza se le rispettive sequenze e i loro intorni topologici costituiscono, a loro volta, una buona corrispondenza.</a:t>
-                </a:r>
-              </a:p>
-              <a:p>
-                <a:endParaRPr lang="it-IT" sz="2400" dirty="0">
-                  <a:latin typeface="+mj-lt"/>
-                </a:endParaRPr>
-              </a:p>
-              <a:p>
-                <a:r>
-                  <a:rPr lang="it-IT" sz="2400" dirty="0">
-                    <a:latin typeface="+mj-lt"/>
-                  </a:rPr>
-                  <a:t>Rappresenta un approccio di analisi comparativa al GNA.</a:t>
-                </a:r>
-              </a:p>
-              <a:p>
-                <a:endParaRPr lang="it-IT" sz="2400" dirty="0">
-                  <a:latin typeface="+mj-lt"/>
-                </a:endParaRPr>
-              </a:p>
-              <a:p>
-                <a:r>
-                  <a:rPr lang="it-IT" sz="2400" dirty="0">
-                    <a:latin typeface="+mj-lt"/>
-                  </a:rPr>
-                  <a:t>Consideriamo il caso di GNA a coppie.</a:t>
-                </a:r>
-              </a:p>
-              <a:p>
-                <a:r>
-                  <a:rPr lang="it-IT" sz="2400" dirty="0">
-                    <a:solidFill>
-                      <a:srgbClr val="00B050"/>
-                    </a:solidFill>
-                    <a:latin typeface="+mj-lt"/>
-                  </a:rPr>
-                  <a:t>Input</a:t>
-                </a:r>
-                <a:r>
-                  <a:rPr lang="it-IT" sz="2400" dirty="0">
-                    <a:latin typeface="+mj-lt"/>
-                  </a:rPr>
-                  <a:t>: due PPIN </a:t>
-                </a:r>
-                <a14:m>
-                  <m:oMath xmlns:m="http://schemas.openxmlformats.org/officeDocument/2006/math">
-                    <m:sSub>
-                      <m:sSubPr>
-                        <m:ctrlPr>
-                          <a:rPr lang="it-IT" sz="2400" i="1" smtClean="0">
-                            <a:latin typeface="Cambria Math" panose="02040503050406030204" pitchFamily="18" charset="0"/>
-                          </a:rPr>
-                        </m:ctrlPr>
-                      </m:sSubPr>
-                      <m:e>
-                        <m:r>
-                          <a:rPr lang="it-IT" sz="2400" i="1" smtClean="0">
-                            <a:latin typeface="Cambria Math" panose="02040503050406030204" pitchFamily="18" charset="0"/>
-                          </a:rPr>
-                          <m:t>𝐺</m:t>
-                        </m:r>
-                      </m:e>
-                      <m:sub>
-                        <m:r>
-                          <a:rPr lang="it-IT" sz="2400" i="1" smtClean="0">
-                            <a:latin typeface="Cambria Math" panose="02040503050406030204" pitchFamily="18" charset="0"/>
-                          </a:rPr>
-                          <m:t>1</m:t>
-                        </m:r>
-                      </m:sub>
-                    </m:sSub>
-                  </m:oMath>
-                </a14:m>
-                <a:r>
-                  <a:rPr lang="it-IT" sz="2400" dirty="0">
-                    <a:latin typeface="+mj-lt"/>
-                  </a:rPr>
-                  <a:t> e </a:t>
-                </a:r>
-                <a14:m>
-                  <m:oMath xmlns:m="http://schemas.openxmlformats.org/officeDocument/2006/math">
-                    <m:sSub>
-                      <m:sSubPr>
-                        <m:ctrlPr>
-                          <a:rPr lang="it-IT" sz="2400" i="1" smtClean="0">
-                            <a:latin typeface="Cambria Math" panose="02040503050406030204" pitchFamily="18" charset="0"/>
-                          </a:rPr>
-                        </m:ctrlPr>
-                      </m:sSubPr>
-                      <m:e>
-                        <m:r>
-                          <a:rPr lang="it-IT" sz="2400" i="1" smtClean="0">
-                            <a:latin typeface="Cambria Math" panose="02040503050406030204" pitchFamily="18" charset="0"/>
-                          </a:rPr>
-                          <m:t>𝐺</m:t>
-                        </m:r>
-                      </m:e>
-                      <m:sub>
-                        <m:r>
-                          <a:rPr lang="it-IT" sz="2400" i="1" smtClean="0">
-                            <a:latin typeface="Cambria Math" panose="02040503050406030204" pitchFamily="18" charset="0"/>
-                          </a:rPr>
-                          <m:t>2</m:t>
-                        </m:r>
-                      </m:sub>
-                    </m:sSub>
-                  </m:oMath>
-                </a14:m>
-                <a:r>
-                  <a:rPr lang="it-IT" sz="2400" dirty="0">
-                    <a:latin typeface="+mj-lt"/>
-                  </a:rPr>
-                  <a:t> (ogni arco e può aver associato un peso </a:t>
-                </a:r>
-                <a14:m>
-                  <m:oMath xmlns:m="http://schemas.openxmlformats.org/officeDocument/2006/math">
-                    <m:r>
-                      <a:rPr lang="it-IT" sz="2400" i="1" smtClean="0">
-                        <a:latin typeface="Cambria Math" panose="02040503050406030204" pitchFamily="18" charset="0"/>
-                      </a:rPr>
-                      <m:t>𝑤</m:t>
-                    </m:r>
-                    <m:d>
-                      <m:dPr>
-                        <m:ctrlPr>
-                          <a:rPr lang="it-IT" sz="2400" i="1" smtClean="0">
-                            <a:latin typeface="Cambria Math" panose="02040503050406030204" pitchFamily="18" charset="0"/>
-                          </a:rPr>
-                        </m:ctrlPr>
-                      </m:dPr>
-                      <m:e>
-                        <m:r>
-                          <a:rPr lang="it-IT" sz="2400" i="1" smtClean="0">
-                            <a:latin typeface="Cambria Math" panose="02040503050406030204" pitchFamily="18" charset="0"/>
-                          </a:rPr>
-                          <m:t>ⅇ</m:t>
-                        </m:r>
-                      </m:e>
-                    </m:d>
-                  </m:oMath>
-                </a14:m>
-                <a:r>
-                  <a:rPr lang="it-IT" sz="2400" dirty="0">
-                    <a:latin typeface="+mj-lt"/>
-                  </a:rPr>
-                  <a:t>, con 0 ≤ </a:t>
-                </a:r>
-                <a14:m>
-                  <m:oMath xmlns:m="http://schemas.openxmlformats.org/officeDocument/2006/math">
-                    <m:r>
-                      <a:rPr lang="it-IT" sz="2400" i="1" smtClean="0">
-                        <a:latin typeface="Cambria Math" panose="02040503050406030204" pitchFamily="18" charset="0"/>
-                      </a:rPr>
-                      <m:t>𝑤</m:t>
-                    </m:r>
-                    <m:d>
-                      <m:dPr>
-                        <m:ctrlPr>
-                          <a:rPr lang="it-IT" sz="2400" i="1" smtClean="0">
-                            <a:latin typeface="Cambria Math" panose="02040503050406030204" pitchFamily="18" charset="0"/>
-                          </a:rPr>
-                        </m:ctrlPr>
-                      </m:dPr>
-                      <m:e>
-                        <m:r>
-                          <a:rPr lang="it-IT" sz="2400" i="1">
-                            <a:latin typeface="Cambria Math" panose="02040503050406030204" pitchFamily="18" charset="0"/>
-                          </a:rPr>
-                          <m:t>ⅇ</m:t>
-                        </m:r>
-                      </m:e>
-                    </m:d>
-                  </m:oMath>
-                </a14:m>
-                <a:r>
-                  <a:rPr lang="it-IT" sz="2400" dirty="0">
-                    <a:latin typeface="+mj-lt"/>
-                  </a:rPr>
-                  <a:t> ≤ 1) e </a:t>
-                </a:r>
-                <a:r>
-                  <a:rPr lang="it-IT" sz="2400" i="1" dirty="0" err="1">
-                    <a:latin typeface="+mj-lt"/>
-                  </a:rPr>
-                  <a:t>similarity</a:t>
-                </a:r>
-                <a:r>
-                  <a:rPr lang="it-IT" sz="2400" i="1" dirty="0">
-                    <a:latin typeface="+mj-lt"/>
-                  </a:rPr>
-                  <a:t> </a:t>
-                </a:r>
-                <a:r>
-                  <a:rPr lang="it-IT" sz="2400" i="1" dirty="0" err="1">
-                    <a:latin typeface="+mj-lt"/>
-                  </a:rPr>
-                  <a:t>measure</a:t>
-                </a:r>
-                <a:r>
-                  <a:rPr lang="it-IT" sz="2400" i="1" dirty="0">
-                    <a:latin typeface="+mj-lt"/>
-                  </a:rPr>
-                  <a:t> </a:t>
-                </a:r>
-                <a:r>
-                  <a:rPr lang="it-IT" sz="2400" dirty="0">
-                    <a:latin typeface="+mj-lt"/>
-                  </a:rPr>
-                  <a:t>tra i nodi delle due reti.</a:t>
-                </a:r>
-              </a:p>
-            </p:txBody>
-          </p:sp>
-        </mc:Choice>
-        <mc:Fallback>
-          <p:sp>
-            <p:nvSpPr>
-              <p:cNvPr id="8" name="CasellaDiTesto 7">
-                <a:extLst>
-                  <a:ext uri="{FF2B5EF4-FFF2-40B4-BE49-F238E27FC236}">
-                    <a16:creationId xmlns:a16="http://schemas.microsoft.com/office/drawing/2014/main" id="{9599F956-0042-46C9-8CB4-82B2C82F45E9}"/>
-                  </a:ext>
-                </a:extLst>
-              </p:cNvPr>
-              <p:cNvSpPr txBox="1">
-                <a:spLocks noRot="1" noChangeAspect="1" noMove="1" noResize="1" noEditPoints="1" noAdjustHandles="1" noChangeArrowheads="1" noChangeShapeType="1" noTextEdit="1"/>
-              </p:cNvSpPr>
-              <p:nvPr/>
-            </p:nvSpPr>
-            <p:spPr>
-              <a:xfrm>
-                <a:off x="75452" y="1519584"/>
-                <a:ext cx="8993096" cy="4154984"/>
-              </a:xfrm>
-              <a:prstGeom prst="rect">
-                <a:avLst/>
-              </a:prstGeom>
-              <a:blipFill>
-                <a:blip r:embed="rId2"/>
-                <a:stretch>
-                  <a:fillRect l="-1016" t="-1173" b="-2346"/>
-                </a:stretch>
-              </a:blipFill>
-            </p:spPr>
-            <p:txBody>
-              <a:bodyPr/>
-              <a:lstStyle/>
-              <a:p>
-                <a:r>
-                  <a:rPr lang="it-IT">
-                    <a:noFill/>
-                  </a:rPr>
-                  <a:t> </a:t>
-                </a:r>
-              </a:p>
-            </p:txBody>
-          </p:sp>
-        </mc:Fallback>
-      </mc:AlternateContent>
     </p:spTree>
     <p:extLst>
       <p:ext uri="{BB962C8B-B14F-4D97-AF65-F5344CB8AC3E}">
-        <p14:creationId xmlns:p14="http://schemas.microsoft.com/office/powerpoint/2010/main" val="2993886562"/>
+        <p14:creationId xmlns:p14="http://schemas.microsoft.com/office/powerpoint/2010/main" val="2015130487"/>
       </p:ext>
     </p:extLst>
   </p:cSld>

--- a/Presentation/Presentation.pptx
+++ b/Presentation/Presentation.pptx
@@ -5,10 +5,10 @@
     <p:sldMasterId id="2147483660" r:id="rId1"/>
   </p:sldMasterIdLst>
   <p:notesMasterIdLst>
-    <p:notesMasterId r:id="rId21"/>
+    <p:notesMasterId r:id="rId20"/>
   </p:notesMasterIdLst>
   <p:handoutMasterIdLst>
-    <p:handoutMasterId r:id="rId22"/>
+    <p:handoutMasterId r:id="rId21"/>
   </p:handoutMasterIdLst>
   <p:sldIdLst>
     <p:sldId id="379" r:id="rId2"/>
@@ -19,17 +19,16 @@
     <p:sldId id="401" r:id="rId7"/>
     <p:sldId id="405" r:id="rId8"/>
     <p:sldId id="413" r:id="rId9"/>
-    <p:sldId id="417" r:id="rId10"/>
-    <p:sldId id="412" r:id="rId11"/>
-    <p:sldId id="402" r:id="rId12"/>
-    <p:sldId id="416" r:id="rId13"/>
-    <p:sldId id="403" r:id="rId14"/>
-    <p:sldId id="406" r:id="rId15"/>
-    <p:sldId id="415" r:id="rId16"/>
+    <p:sldId id="412" r:id="rId10"/>
+    <p:sldId id="402" r:id="rId11"/>
+    <p:sldId id="416" r:id="rId12"/>
+    <p:sldId id="403" r:id="rId13"/>
+    <p:sldId id="406" r:id="rId14"/>
+    <p:sldId id="415" r:id="rId15"/>
+    <p:sldId id="417" r:id="rId16"/>
     <p:sldId id="408" r:id="rId17"/>
     <p:sldId id="404" r:id="rId18"/>
-    <p:sldId id="414" r:id="rId19"/>
-    <p:sldId id="409" r:id="rId20"/>
+    <p:sldId id="409" r:id="rId19"/>
   </p:sldIdLst>
   <p:sldSz cx="9144000" cy="6858000" type="screen4x3"/>
   <p:notesSz cx="6794500" cy="9931400"/>
@@ -905,7 +904,7 @@
             <a:fld id="{00664C11-2C8B-4B5A-ACDF-DD795DDB2557}" type="slidenum">
               <a:rPr lang="it-IT" altLang="it-IT" smtClean="0"/>
               <a:pPr/>
-              <a:t>14</a:t>
+              <a:t>13</a:t>
             </a:fld>
             <a:endParaRPr lang="it-IT" altLang="it-IT"/>
           </a:p>
@@ -6361,7 +6360,7 @@
                 </a:solidFill>
                 <a:latin typeface="+mn-lt"/>
               </a:rPr>
-              <a:t>18 </a:t>
+              <a:t>10 </a:t>
             </a:r>
             <a:r>
               <a:rPr lang="en-US" altLang="it-IT" sz="2800" dirty="0" err="1">
@@ -6583,594 +6582,6 @@
           </a:p>
         </p:txBody>
       </p:sp>
-      <p:sp>
-        <p:nvSpPr>
-          <p:cNvPr id="5" name="Segnaposto piè di pagina 4">
-            <a:extLst>
-              <a:ext uri="{FF2B5EF4-FFF2-40B4-BE49-F238E27FC236}">
-                <a16:creationId xmlns:a16="http://schemas.microsoft.com/office/drawing/2014/main" id="{4625584D-A3D3-46FC-938B-C0A8056095BB}"/>
-              </a:ext>
-            </a:extLst>
-          </p:cNvPr>
-          <p:cNvSpPr>
-            <a:spLocks noGrp="1"/>
-          </p:cNvSpPr>
-          <p:nvPr>
-            <p:ph type="ftr" sz="quarter" idx="11"/>
-          </p:nvPr>
-        </p:nvSpPr>
-        <p:spPr/>
-        <p:txBody>
-          <a:bodyPr/>
-          <a:lstStyle/>
-          <a:p>
-            <a:pPr>
-              <a:defRPr/>
-            </a:pPr>
-            <a:r>
-              <a:rPr lang="it-IT"/>
-              <a:t>Masiero L. Ivancich S.</a:t>
-            </a:r>
-            <a:endParaRPr lang="en-US" dirty="0"/>
-          </a:p>
-        </p:txBody>
-      </p:sp>
-      <p:sp>
-        <p:nvSpPr>
-          <p:cNvPr id="7" name="Segnaposto numero diapositiva 6">
-            <a:extLst>
-              <a:ext uri="{FF2B5EF4-FFF2-40B4-BE49-F238E27FC236}">
-                <a16:creationId xmlns:a16="http://schemas.microsoft.com/office/drawing/2014/main" id="{33517E88-54CE-41A1-BAFC-F56EEBCC14E1}"/>
-              </a:ext>
-            </a:extLst>
-          </p:cNvPr>
-          <p:cNvSpPr>
-            <a:spLocks noGrp="1"/>
-          </p:cNvSpPr>
-          <p:nvPr>
-            <p:ph type="sldNum" sz="quarter" idx="12"/>
-          </p:nvPr>
-        </p:nvSpPr>
-        <p:spPr/>
-        <p:txBody>
-          <a:bodyPr/>
-          <a:lstStyle/>
-          <a:p>
-            <a:fld id="{7A1D8CC2-AC32-48BF-A9F5-B79D7A95954F}" type="slidenum">
-              <a:rPr lang="en-US" altLang="it-IT" smtClean="0"/>
-              <a:pPr/>
-              <a:t>10</a:t>
-            </a:fld>
-            <a:endParaRPr lang="en-US" altLang="it-IT" dirty="0"/>
-          </a:p>
-        </p:txBody>
-      </p:sp>
-      <mc:AlternateContent xmlns:mc="http://schemas.openxmlformats.org/markup-compatibility/2006" xmlns:a14="http://schemas.microsoft.com/office/drawing/2010/main">
-        <mc:Choice Requires="a14">
-          <p:sp>
-            <p:nvSpPr>
-              <p:cNvPr id="8" name="CasellaDiTesto 7">
-                <a:extLst>
-                  <a:ext uri="{FF2B5EF4-FFF2-40B4-BE49-F238E27FC236}">
-                    <a16:creationId xmlns:a16="http://schemas.microsoft.com/office/drawing/2014/main" id="{9599F956-0042-46C9-8CB4-82B2C82F45E9}"/>
-                  </a:ext>
-                </a:extLst>
-              </p:cNvPr>
-              <p:cNvSpPr txBox="1"/>
-              <p:nvPr/>
-            </p:nvSpPr>
-            <p:spPr>
-              <a:xfrm>
-                <a:off x="75452" y="1519584"/>
-                <a:ext cx="8993096" cy="4154984"/>
-              </a:xfrm>
-              <a:prstGeom prst="rect">
-                <a:avLst/>
-              </a:prstGeom>
-              <a:noFill/>
-            </p:spPr>
-            <p:txBody>
-              <a:bodyPr wrap="square" rtlCol="0">
-                <a:spAutoFit/>
-              </a:bodyPr>
-              <a:lstStyle/>
-              <a:p>
-                <a:r>
-                  <a:rPr lang="it-IT" sz="2400" dirty="0">
-                    <a:latin typeface="+mj-lt"/>
-                  </a:rPr>
-                  <a:t>Metodo per l’</a:t>
-                </a:r>
-                <a:r>
-                  <a:rPr lang="it-IT" sz="2400" dirty="0">
-                    <a:solidFill>
-                      <a:srgbClr val="FF0000"/>
-                    </a:solidFill>
-                    <a:latin typeface="+mj-lt"/>
-                  </a:rPr>
-                  <a:t>allineamento di più PPIN</a:t>
-                </a:r>
-                <a:r>
-                  <a:rPr lang="it-IT" sz="2400" dirty="0">
-                    <a:latin typeface="+mj-lt"/>
-                  </a:rPr>
-                  <a:t>. </a:t>
-                </a:r>
-              </a:p>
-              <a:p>
-                <a:endParaRPr lang="it-IT" sz="2400" dirty="0">
-                  <a:latin typeface="+mj-lt"/>
-                </a:endParaRPr>
-              </a:p>
-              <a:p>
-                <a:r>
-                  <a:rPr lang="it-IT" sz="2400" dirty="0">
-                    <a:latin typeface="+mj-lt"/>
-                  </a:rPr>
-                  <a:t>Intuizione = una proteina rappresenta una buona corrispondenza con una proteina in un’altra sequenza se le rispettive sequenze e i loro intorni topologici costituiscono, a loro volta, una buona corrispondenza.</a:t>
-                </a:r>
-              </a:p>
-              <a:p>
-                <a:endParaRPr lang="it-IT" sz="2400" dirty="0">
-                  <a:latin typeface="+mj-lt"/>
-                </a:endParaRPr>
-              </a:p>
-              <a:p>
-                <a:r>
-                  <a:rPr lang="it-IT" sz="2400" dirty="0">
-                    <a:latin typeface="+mj-lt"/>
-                  </a:rPr>
-                  <a:t>Rappresenta un approccio di analisi comparativa al GNA.</a:t>
-                </a:r>
-              </a:p>
-              <a:p>
-                <a:endParaRPr lang="it-IT" sz="2400" dirty="0">
-                  <a:latin typeface="+mj-lt"/>
-                </a:endParaRPr>
-              </a:p>
-              <a:p>
-                <a:r>
-                  <a:rPr lang="it-IT" sz="2400" dirty="0">
-                    <a:latin typeface="+mj-lt"/>
-                  </a:rPr>
-                  <a:t>Consideriamo il caso di GNA a coppie.</a:t>
-                </a:r>
-              </a:p>
-              <a:p>
-                <a:r>
-                  <a:rPr lang="it-IT" sz="2400" dirty="0">
-                    <a:solidFill>
-                      <a:srgbClr val="00B050"/>
-                    </a:solidFill>
-                    <a:latin typeface="+mj-lt"/>
-                  </a:rPr>
-                  <a:t>Input</a:t>
-                </a:r>
-                <a:r>
-                  <a:rPr lang="it-IT" sz="2400" dirty="0">
-                    <a:latin typeface="+mj-lt"/>
-                  </a:rPr>
-                  <a:t>: due PPIN </a:t>
-                </a:r>
-                <a14:m>
-                  <m:oMath xmlns:m="http://schemas.openxmlformats.org/officeDocument/2006/math">
-                    <m:sSub>
-                      <m:sSubPr>
-                        <m:ctrlPr>
-                          <a:rPr lang="it-IT" sz="2400" i="1" smtClean="0">
-                            <a:latin typeface="Cambria Math" panose="02040503050406030204" pitchFamily="18" charset="0"/>
-                          </a:rPr>
-                        </m:ctrlPr>
-                      </m:sSubPr>
-                      <m:e>
-                        <m:r>
-                          <a:rPr lang="it-IT" sz="2400" i="1" smtClean="0">
-                            <a:latin typeface="Cambria Math" panose="02040503050406030204" pitchFamily="18" charset="0"/>
-                          </a:rPr>
-                          <m:t>𝐺</m:t>
-                        </m:r>
-                      </m:e>
-                      <m:sub>
-                        <m:r>
-                          <a:rPr lang="it-IT" sz="2400" i="1" smtClean="0">
-                            <a:latin typeface="Cambria Math" panose="02040503050406030204" pitchFamily="18" charset="0"/>
-                          </a:rPr>
-                          <m:t>1</m:t>
-                        </m:r>
-                      </m:sub>
-                    </m:sSub>
-                  </m:oMath>
-                </a14:m>
-                <a:r>
-                  <a:rPr lang="it-IT" sz="2400" dirty="0">
-                    <a:latin typeface="+mj-lt"/>
-                  </a:rPr>
-                  <a:t> e </a:t>
-                </a:r>
-                <a14:m>
-                  <m:oMath xmlns:m="http://schemas.openxmlformats.org/officeDocument/2006/math">
-                    <m:sSub>
-                      <m:sSubPr>
-                        <m:ctrlPr>
-                          <a:rPr lang="it-IT" sz="2400" i="1" smtClean="0">
-                            <a:latin typeface="Cambria Math" panose="02040503050406030204" pitchFamily="18" charset="0"/>
-                          </a:rPr>
-                        </m:ctrlPr>
-                      </m:sSubPr>
-                      <m:e>
-                        <m:r>
-                          <a:rPr lang="it-IT" sz="2400" i="1" smtClean="0">
-                            <a:latin typeface="Cambria Math" panose="02040503050406030204" pitchFamily="18" charset="0"/>
-                          </a:rPr>
-                          <m:t>𝐺</m:t>
-                        </m:r>
-                      </m:e>
-                      <m:sub>
-                        <m:r>
-                          <a:rPr lang="it-IT" sz="2400" i="1" smtClean="0">
-                            <a:latin typeface="Cambria Math" panose="02040503050406030204" pitchFamily="18" charset="0"/>
-                          </a:rPr>
-                          <m:t>2</m:t>
-                        </m:r>
-                      </m:sub>
-                    </m:sSub>
-                  </m:oMath>
-                </a14:m>
-                <a:r>
-                  <a:rPr lang="it-IT" sz="2400" dirty="0">
-                    <a:latin typeface="+mj-lt"/>
-                  </a:rPr>
-                  <a:t> (ogni arco e può aver associato un peso </a:t>
-                </a:r>
-                <a14:m>
-                  <m:oMath xmlns:m="http://schemas.openxmlformats.org/officeDocument/2006/math">
-                    <m:r>
-                      <a:rPr lang="it-IT" sz="2400" i="1" smtClean="0">
-                        <a:latin typeface="Cambria Math" panose="02040503050406030204" pitchFamily="18" charset="0"/>
-                      </a:rPr>
-                      <m:t>𝑤</m:t>
-                    </m:r>
-                    <m:d>
-                      <m:dPr>
-                        <m:ctrlPr>
-                          <a:rPr lang="it-IT" sz="2400" i="1" smtClean="0">
-                            <a:latin typeface="Cambria Math" panose="02040503050406030204" pitchFamily="18" charset="0"/>
-                          </a:rPr>
-                        </m:ctrlPr>
-                      </m:dPr>
-                      <m:e>
-                        <m:r>
-                          <a:rPr lang="it-IT" sz="2400" i="1" smtClean="0">
-                            <a:latin typeface="Cambria Math" panose="02040503050406030204" pitchFamily="18" charset="0"/>
-                          </a:rPr>
-                          <m:t>ⅇ</m:t>
-                        </m:r>
-                      </m:e>
-                    </m:d>
-                  </m:oMath>
-                </a14:m>
-                <a:r>
-                  <a:rPr lang="it-IT" sz="2400" dirty="0">
-                    <a:latin typeface="+mj-lt"/>
-                  </a:rPr>
-                  <a:t>, con 0 ≤ </a:t>
-                </a:r>
-                <a14:m>
-                  <m:oMath xmlns:m="http://schemas.openxmlformats.org/officeDocument/2006/math">
-                    <m:r>
-                      <a:rPr lang="it-IT" sz="2400" i="1" smtClean="0">
-                        <a:latin typeface="Cambria Math" panose="02040503050406030204" pitchFamily="18" charset="0"/>
-                      </a:rPr>
-                      <m:t>𝑤</m:t>
-                    </m:r>
-                    <m:d>
-                      <m:dPr>
-                        <m:ctrlPr>
-                          <a:rPr lang="it-IT" sz="2400" i="1" smtClean="0">
-                            <a:latin typeface="Cambria Math" panose="02040503050406030204" pitchFamily="18" charset="0"/>
-                          </a:rPr>
-                        </m:ctrlPr>
-                      </m:dPr>
-                      <m:e>
-                        <m:r>
-                          <a:rPr lang="it-IT" sz="2400" i="1">
-                            <a:latin typeface="Cambria Math" panose="02040503050406030204" pitchFamily="18" charset="0"/>
-                          </a:rPr>
-                          <m:t>ⅇ</m:t>
-                        </m:r>
-                      </m:e>
-                    </m:d>
-                  </m:oMath>
-                </a14:m>
-                <a:r>
-                  <a:rPr lang="it-IT" sz="2400" dirty="0">
-                    <a:latin typeface="+mj-lt"/>
-                  </a:rPr>
-                  <a:t> ≤ 1) e </a:t>
-                </a:r>
-                <a:r>
-                  <a:rPr lang="it-IT" sz="2400" i="1" dirty="0" err="1">
-                    <a:latin typeface="+mj-lt"/>
-                  </a:rPr>
-                  <a:t>similarity</a:t>
-                </a:r>
-                <a:r>
-                  <a:rPr lang="it-IT" sz="2400" i="1" dirty="0">
-                    <a:latin typeface="+mj-lt"/>
-                  </a:rPr>
-                  <a:t> </a:t>
-                </a:r>
-                <a:r>
-                  <a:rPr lang="it-IT" sz="2400" i="1" dirty="0" err="1">
-                    <a:latin typeface="+mj-lt"/>
-                  </a:rPr>
-                  <a:t>measure</a:t>
-                </a:r>
-                <a:r>
-                  <a:rPr lang="it-IT" sz="2400" i="1" dirty="0">
-                    <a:latin typeface="+mj-lt"/>
-                  </a:rPr>
-                  <a:t> </a:t>
-                </a:r>
-                <a:r>
-                  <a:rPr lang="it-IT" sz="2400" dirty="0">
-                    <a:latin typeface="+mj-lt"/>
-                  </a:rPr>
-                  <a:t>tra i nodi delle due reti.</a:t>
-                </a:r>
-              </a:p>
-            </p:txBody>
-          </p:sp>
-        </mc:Choice>
-        <mc:Fallback xmlns="">
-          <p:sp>
-            <p:nvSpPr>
-              <p:cNvPr id="8" name="CasellaDiTesto 7">
-                <a:extLst>
-                  <a:ext uri="{FF2B5EF4-FFF2-40B4-BE49-F238E27FC236}">
-                    <a16:creationId xmlns:a16="http://schemas.microsoft.com/office/drawing/2014/main" id="{9599F956-0042-46C9-8CB4-82B2C82F45E9}"/>
-                  </a:ext>
-                </a:extLst>
-              </p:cNvPr>
-              <p:cNvSpPr txBox="1">
-                <a:spLocks noRot="1" noChangeAspect="1" noMove="1" noResize="1" noEditPoints="1" noAdjustHandles="1" noChangeArrowheads="1" noChangeShapeType="1" noTextEdit="1"/>
-              </p:cNvSpPr>
-              <p:nvPr/>
-            </p:nvSpPr>
-            <p:spPr>
-              <a:xfrm>
-                <a:off x="75452" y="1519584"/>
-                <a:ext cx="8993096" cy="4154984"/>
-              </a:xfrm>
-              <a:prstGeom prst="rect">
-                <a:avLst/>
-              </a:prstGeom>
-              <a:blipFill>
-                <a:blip r:embed="rId2"/>
-                <a:stretch>
-                  <a:fillRect l="-1016" t="-1173" b="-2346"/>
-                </a:stretch>
-              </a:blipFill>
-            </p:spPr>
-            <p:txBody>
-              <a:bodyPr/>
-              <a:lstStyle/>
-              <a:p>
-                <a:r>
-                  <a:rPr lang="it-IT">
-                    <a:noFill/>
-                  </a:rPr>
-                  <a:t> </a:t>
-                </a:r>
-              </a:p>
-            </p:txBody>
-          </p:sp>
-        </mc:Fallback>
-      </mc:AlternateContent>
-    </p:spTree>
-    <p:extLst>
-      <p:ext uri="{BB962C8B-B14F-4D97-AF65-F5344CB8AC3E}">
-        <p14:creationId xmlns:p14="http://schemas.microsoft.com/office/powerpoint/2010/main" val="2993886562"/>
-      </p:ext>
-    </p:extLst>
-  </p:cSld>
-  <p:clrMapOvr>
-    <a:masterClrMapping/>
-  </p:clrMapOvr>
-</p:sld>
-</file>
-
-<file path=ppt/slides/slide11.xml><?xml version="1.0" encoding="utf-8"?>
-<p:sld xmlns:a="http://schemas.openxmlformats.org/drawingml/2006/main" xmlns:r="http://schemas.openxmlformats.org/officeDocument/2006/relationships" xmlns:p="http://schemas.openxmlformats.org/presentationml/2006/main">
-  <p:cSld>
-    <p:spTree>
-      <p:nvGrpSpPr>
-        <p:cNvPr id="1" name=""/>
-        <p:cNvGrpSpPr/>
-        <p:nvPr/>
-      </p:nvGrpSpPr>
-      <p:grpSpPr>
-        <a:xfrm>
-          <a:off x="0" y="0"/>
-          <a:ext cx="0" cy="0"/>
-          <a:chOff x="0" y="0"/>
-          <a:chExt cx="0" cy="0"/>
-        </a:xfrm>
-      </p:grpSpPr>
-      <p:sp>
-        <p:nvSpPr>
-          <p:cNvPr id="6" name="Title 1">
-            <a:extLst>
-              <a:ext uri="{FF2B5EF4-FFF2-40B4-BE49-F238E27FC236}">
-                <a16:creationId xmlns:a16="http://schemas.microsoft.com/office/drawing/2014/main" id="{B6FD3924-BD2E-47EB-8DCD-3AD635AE70B8}"/>
-              </a:ext>
-            </a:extLst>
-          </p:cNvPr>
-          <p:cNvSpPr txBox="1">
-            <a:spLocks/>
-          </p:cNvSpPr>
-          <p:nvPr/>
-        </p:nvSpPr>
-        <p:spPr bwMode="auto">
-          <a:xfrm>
-            <a:off x="15875" y="165692"/>
-            <a:ext cx="8842375" cy="1016000"/>
-          </a:xfrm>
-          <a:prstGeom prst="rect">
-            <a:avLst/>
-          </a:prstGeom>
-          <a:noFill/>
-          <a:ln>
-            <a:noFill/>
-          </a:ln>
-          <a:extLst>
-            <a:ext uri="{909E8E84-426E-40DD-AFC4-6F175D3DCCD1}">
-              <a14:hiddenFill xmlns:a14="http://schemas.microsoft.com/office/drawing/2010/main">
-                <a:solidFill>
-                  <a:srgbClr val="FFFFFF"/>
-                </a:solidFill>
-              </a14:hiddenFill>
-            </a:ext>
-            <a:ext uri="{91240B29-F687-4F45-9708-019B960494DF}">
-              <a14:hiddenLine xmlns:a14="http://schemas.microsoft.com/office/drawing/2010/main" w="9525">
-                <a:solidFill>
-                  <a:srgbClr val="000000"/>
-                </a:solidFill>
-                <a:miter lim="800000"/>
-                <a:headEnd/>
-                <a:tailEnd/>
-              </a14:hiddenLine>
-            </a:ext>
-          </a:extLst>
-        </p:spPr>
-        <p:txBody>
-          <a:bodyPr/>
-          <a:lstStyle>
-            <a:lvl1pPr eaLnBrk="0" hangingPunct="0">
-              <a:defRPr sz="2400">
-                <a:solidFill>
-                  <a:schemeClr val="tx1"/>
-                </a:solidFill>
-                <a:latin typeface="Arial" panose="020B0604020202020204" pitchFamily="34" charset="0"/>
-                <a:ea typeface="MS PGothic" panose="020B0600070205080204" pitchFamily="34" charset="-128"/>
-              </a:defRPr>
-            </a:lvl1pPr>
-            <a:lvl2pPr marL="742950" indent="-285750" eaLnBrk="0" hangingPunct="0">
-              <a:defRPr sz="2400">
-                <a:solidFill>
-                  <a:schemeClr val="tx1"/>
-                </a:solidFill>
-                <a:latin typeface="Arial" panose="020B0604020202020204" pitchFamily="34" charset="0"/>
-                <a:ea typeface="MS PGothic" panose="020B0600070205080204" pitchFamily="34" charset="-128"/>
-              </a:defRPr>
-            </a:lvl2pPr>
-            <a:lvl3pPr marL="1143000" indent="-228600" eaLnBrk="0" hangingPunct="0">
-              <a:defRPr sz="2400">
-                <a:solidFill>
-                  <a:schemeClr val="tx1"/>
-                </a:solidFill>
-                <a:latin typeface="Arial" panose="020B0604020202020204" pitchFamily="34" charset="0"/>
-                <a:ea typeface="MS PGothic" panose="020B0600070205080204" pitchFamily="34" charset="-128"/>
-              </a:defRPr>
-            </a:lvl3pPr>
-            <a:lvl4pPr marL="1600200" indent="-228600" eaLnBrk="0" hangingPunct="0">
-              <a:defRPr sz="2400">
-                <a:solidFill>
-                  <a:schemeClr val="tx1"/>
-                </a:solidFill>
-                <a:latin typeface="Arial" panose="020B0604020202020204" pitchFamily="34" charset="0"/>
-                <a:ea typeface="MS PGothic" panose="020B0600070205080204" pitchFamily="34" charset="-128"/>
-              </a:defRPr>
-            </a:lvl4pPr>
-            <a:lvl5pPr marL="2057400" indent="-228600" eaLnBrk="0" hangingPunct="0">
-              <a:defRPr sz="2400">
-                <a:solidFill>
-                  <a:schemeClr val="tx1"/>
-                </a:solidFill>
-                <a:latin typeface="Arial" panose="020B0604020202020204" pitchFamily="34" charset="0"/>
-                <a:ea typeface="MS PGothic" panose="020B0600070205080204" pitchFamily="34" charset="-128"/>
-              </a:defRPr>
-            </a:lvl5pPr>
-            <a:lvl6pPr marL="2514600" indent="-228600" defTabSz="457200" eaLnBrk="0" fontAlgn="base" hangingPunct="0">
-              <a:spcBef>
-                <a:spcPct val="0"/>
-              </a:spcBef>
-              <a:spcAft>
-                <a:spcPct val="0"/>
-              </a:spcAft>
-              <a:defRPr sz="2400">
-                <a:solidFill>
-                  <a:schemeClr val="tx1"/>
-                </a:solidFill>
-                <a:latin typeface="Arial" panose="020B0604020202020204" pitchFamily="34" charset="0"/>
-                <a:ea typeface="MS PGothic" panose="020B0600070205080204" pitchFamily="34" charset="-128"/>
-              </a:defRPr>
-            </a:lvl6pPr>
-            <a:lvl7pPr marL="2971800" indent="-228600" defTabSz="457200" eaLnBrk="0" fontAlgn="base" hangingPunct="0">
-              <a:spcBef>
-                <a:spcPct val="0"/>
-              </a:spcBef>
-              <a:spcAft>
-                <a:spcPct val="0"/>
-              </a:spcAft>
-              <a:defRPr sz="2400">
-                <a:solidFill>
-                  <a:schemeClr val="tx1"/>
-                </a:solidFill>
-                <a:latin typeface="Arial" panose="020B0604020202020204" pitchFamily="34" charset="0"/>
-                <a:ea typeface="MS PGothic" panose="020B0600070205080204" pitchFamily="34" charset="-128"/>
-              </a:defRPr>
-            </a:lvl7pPr>
-            <a:lvl8pPr marL="3429000" indent="-228600" defTabSz="457200" eaLnBrk="0" fontAlgn="base" hangingPunct="0">
-              <a:spcBef>
-                <a:spcPct val="0"/>
-              </a:spcBef>
-              <a:spcAft>
-                <a:spcPct val="0"/>
-              </a:spcAft>
-              <a:defRPr sz="2400">
-                <a:solidFill>
-                  <a:schemeClr val="tx1"/>
-                </a:solidFill>
-                <a:latin typeface="Arial" panose="020B0604020202020204" pitchFamily="34" charset="0"/>
-                <a:ea typeface="MS PGothic" panose="020B0600070205080204" pitchFamily="34" charset="-128"/>
-              </a:defRPr>
-            </a:lvl8pPr>
-            <a:lvl9pPr marL="3886200" indent="-228600" defTabSz="457200" eaLnBrk="0" fontAlgn="base" hangingPunct="0">
-              <a:spcBef>
-                <a:spcPct val="0"/>
-              </a:spcBef>
-              <a:spcAft>
-                <a:spcPct val="0"/>
-              </a:spcAft>
-              <a:defRPr sz="2400">
-                <a:solidFill>
-                  <a:schemeClr val="tx1"/>
-                </a:solidFill>
-                <a:latin typeface="Arial" panose="020B0604020202020204" pitchFamily="34" charset="0"/>
-                <a:ea typeface="MS PGothic" panose="020B0600070205080204" pitchFamily="34" charset="-128"/>
-              </a:defRPr>
-            </a:lvl9pPr>
-          </a:lstStyle>
-          <a:p>
-            <a:r>
-              <a:rPr lang="en-US" altLang="it-IT" sz="3600" dirty="0" err="1">
-                <a:solidFill>
-                  <a:srgbClr val="FFFFFF"/>
-                </a:solidFill>
-                <a:latin typeface="Tw Cen MT" panose="020B0602020104020603" pitchFamily="34" charset="0"/>
-              </a:rPr>
-              <a:t>IsoRank</a:t>
-            </a:r>
-            <a:endParaRPr lang="en-US" altLang="it-IT" sz="3600" dirty="0">
-              <a:solidFill>
-                <a:srgbClr val="FFFFFF"/>
-              </a:solidFill>
-              <a:latin typeface="Tw Cen MT" panose="020B0602020104020603" pitchFamily="34" charset="0"/>
-            </a:endParaRPr>
-          </a:p>
-        </p:txBody>
-      </p:sp>
       <p:pic>
         <p:nvPicPr>
           <p:cNvPr id="3" name="Immagine 2" descr="Immagine che contiene testo&#10;&#10;Descrizione generata automaticamente">
@@ -7257,7 +6668,7 @@
             <a:fld id="{7A1D8CC2-AC32-48BF-A9F5-B79D7A95954F}" type="slidenum">
               <a:rPr lang="en-US" altLang="it-IT" smtClean="0"/>
               <a:pPr/>
-              <a:t>11</a:t>
+              <a:t>10</a:t>
             </a:fld>
             <a:endParaRPr lang="en-US" altLang="it-IT" dirty="0"/>
           </a:p>
@@ -7484,7 +6895,7 @@
 </p:sld>
 </file>
 
-<file path=ppt/slides/slide12.xml><?xml version="1.0" encoding="utf-8"?>
+<file path=ppt/slides/slide11.xml><?xml version="1.0" encoding="utf-8"?>
 <p:sld xmlns:a="http://schemas.openxmlformats.org/drawingml/2006/main" xmlns:r="http://schemas.openxmlformats.org/officeDocument/2006/relationships" xmlns:p="http://schemas.openxmlformats.org/presentationml/2006/main">
   <p:cSld>
     <p:spTree>
@@ -7664,7 +7075,7 @@
                 </a:solidFill>
                 <a:latin typeface="Tw Cen MT" panose="020B0602020104020603" pitchFamily="34" charset="0"/>
               </a:rPr>
-              <a:t>Confronti</a:t>
+              <a:t>IsoRank</a:t>
             </a:r>
             <a:r>
               <a:rPr lang="en-US" altLang="it-IT" sz="3600" dirty="0">
@@ -7673,8 +7084,23 @@
                 </a:solidFill>
                 <a:latin typeface="Tw Cen MT" panose="020B0602020104020603" pitchFamily="34" charset="0"/>
               </a:rPr>
-              <a:t> - ending</a:t>
-            </a:r>
+              <a:t> - </a:t>
+            </a:r>
+            <a:r>
+              <a:rPr lang="en-US" altLang="it-IT" sz="3600" dirty="0" err="1">
+                <a:solidFill>
+                  <a:srgbClr val="FFFFFF"/>
+                </a:solidFill>
+                <a:latin typeface="Tw Cen MT" panose="020B0602020104020603" pitchFamily="34" charset="0"/>
+              </a:rPr>
+              <a:t>Conclusioni</a:t>
+            </a:r>
+            <a:endParaRPr lang="en-US" altLang="it-IT" sz="3600" dirty="0">
+              <a:solidFill>
+                <a:srgbClr val="FFFFFF"/>
+              </a:solidFill>
+              <a:latin typeface="Tw Cen MT" panose="020B0602020104020603" pitchFamily="34" charset="0"/>
+            </a:endParaRPr>
           </a:p>
         </p:txBody>
       </p:sp>
@@ -7742,9 +7168,143 @@
             <a:fld id="{7A1D8CC2-AC32-48BF-A9F5-B79D7A95954F}" type="slidenum">
               <a:rPr lang="en-US" altLang="it-IT" smtClean="0"/>
               <a:pPr/>
-              <a:t>12</a:t>
+              <a:t>11</a:t>
             </a:fld>
             <a:endParaRPr lang="en-US" altLang="it-IT" dirty="0"/>
+          </a:p>
+        </p:txBody>
+      </p:sp>
+      <p:sp>
+        <p:nvSpPr>
+          <p:cNvPr id="5" name="CasellaDiTesto 4">
+            <a:extLst>
+              <a:ext uri="{FF2B5EF4-FFF2-40B4-BE49-F238E27FC236}">
+                <a16:creationId xmlns:a16="http://schemas.microsoft.com/office/drawing/2014/main" id="{D50961B8-D2CB-4152-BAD1-2DA9DEC76190}"/>
+              </a:ext>
+            </a:extLst>
+          </p:cNvPr>
+          <p:cNvSpPr txBox="1"/>
+          <p:nvPr/>
+        </p:nvSpPr>
+        <p:spPr>
+          <a:xfrm>
+            <a:off x="150904" y="1381085"/>
+            <a:ext cx="8993096" cy="4893647"/>
+          </a:xfrm>
+          <a:prstGeom prst="rect">
+            <a:avLst/>
+          </a:prstGeom>
+          <a:noFill/>
+        </p:spPr>
+        <p:txBody>
+          <a:bodyPr wrap="square" rtlCol="0">
+            <a:spAutoFit/>
+          </a:bodyPr>
+          <a:lstStyle/>
+          <a:p>
+            <a:r>
+              <a:rPr lang="it-IT" sz="2400" dirty="0">
+                <a:latin typeface="+mj-lt"/>
+              </a:rPr>
+              <a:t>Il </a:t>
+            </a:r>
+            <a:r>
+              <a:rPr lang="it-IT" sz="2400" dirty="0" err="1">
+                <a:latin typeface="+mj-lt"/>
+              </a:rPr>
+              <a:t>sottografo</a:t>
+            </a:r>
+            <a:r>
+              <a:rPr lang="it-IT" sz="2400" dirty="0">
+                <a:latin typeface="+mj-lt"/>
+              </a:rPr>
+              <a:t> corrispondente all’allineamento globale possiede 1663 archi in comune ad almeno due PPIN e 157 archi in comune al almeno 3 PPIN. </a:t>
+            </a:r>
+          </a:p>
+          <a:p>
+            <a:endParaRPr lang="it-IT" sz="2400" dirty="0">
+              <a:latin typeface="+mj-lt"/>
+            </a:endParaRPr>
+          </a:p>
+          <a:p>
+            <a:r>
+              <a:rPr lang="it-IT" sz="2400" dirty="0">
+                <a:latin typeface="+mj-lt"/>
+              </a:rPr>
+              <a:t>La dimensione del </a:t>
+            </a:r>
+            <a:r>
+              <a:rPr lang="it-IT" sz="2400" dirty="0" err="1">
+                <a:latin typeface="+mj-lt"/>
+              </a:rPr>
+              <a:t>sottografo</a:t>
+            </a:r>
+            <a:r>
+              <a:rPr lang="it-IT" sz="2400" dirty="0">
+                <a:latin typeface="+mj-lt"/>
+              </a:rPr>
+              <a:t> comune relativamente piccola (</a:t>
+            </a:r>
+            <a:r>
+              <a:rPr lang="it-IT" sz="2400" i="1" dirty="0" err="1">
+                <a:latin typeface="+mj-lt"/>
+              </a:rPr>
+              <a:t>overlap</a:t>
+            </a:r>
+            <a:r>
+              <a:rPr lang="it-IT" sz="2400" dirty="0">
+                <a:latin typeface="+mj-lt"/>
+              </a:rPr>
+              <a:t> con ≈ 5% della PPIN umana) a causa dell’incompletezza e della rumorosità dei dati. </a:t>
+            </a:r>
+          </a:p>
+          <a:p>
+            <a:r>
+              <a:rPr lang="it-IT" sz="2400" dirty="0">
+                <a:latin typeface="+mj-lt"/>
+              </a:rPr>
+              <a:t>All’aumentare della quantità e della qualità dei dati, l’</a:t>
+            </a:r>
+            <a:r>
+              <a:rPr lang="it-IT" sz="2400" i="1" dirty="0" err="1">
+                <a:latin typeface="+mj-lt"/>
+              </a:rPr>
+              <a:t>overlap</a:t>
+            </a:r>
+            <a:r>
+              <a:rPr lang="it-IT" sz="2400" dirty="0">
+                <a:latin typeface="+mj-lt"/>
+              </a:rPr>
+              <a:t> dovrebbe aumentare. Delle 86932 proteine provenienti dalle 5 specie, 59539 (68,5%) hanno ottenuto almeno un match con un’altra proteina di una rete diversa.</a:t>
+            </a:r>
+          </a:p>
+          <a:p>
+            <a:endParaRPr lang="it-IT" sz="2400" dirty="0">
+              <a:latin typeface="+mj-lt"/>
+            </a:endParaRPr>
+          </a:p>
+          <a:p>
+            <a:r>
+              <a:rPr lang="it-IT" b="1" dirty="0">
+                <a:latin typeface="+mj-lt"/>
+              </a:rPr>
+              <a:t>NUMERO DI CITAZIONI = </a:t>
+            </a:r>
+            <a:r>
+              <a:rPr lang="it-IT" sz="2400" b="1" dirty="0">
+                <a:solidFill>
+                  <a:srgbClr val="7030A0"/>
+                </a:solidFill>
+                <a:latin typeface="+mj-lt"/>
+              </a:rPr>
+              <a:t>505 </a:t>
+            </a:r>
+            <a:r>
+              <a:rPr lang="it-IT" sz="2400" dirty="0">
+                <a:latin typeface="+mj-lt"/>
+              </a:rPr>
+              <a:t>dallo sviluppo nel 2008.</a:t>
+            </a:r>
           </a:p>
         </p:txBody>
       </p:sp>
@@ -7752,6 +7312,487 @@
     <p:extLst>
       <p:ext uri="{BB962C8B-B14F-4D97-AF65-F5344CB8AC3E}">
         <p14:creationId xmlns:p14="http://schemas.microsoft.com/office/powerpoint/2010/main" val="1489333951"/>
+      </p:ext>
+    </p:extLst>
+  </p:cSld>
+  <p:clrMapOvr>
+    <a:masterClrMapping/>
+  </p:clrMapOvr>
+</p:sld>
+</file>
+
+<file path=ppt/slides/slide12.xml><?xml version="1.0" encoding="utf-8"?>
+<p:sld xmlns:a="http://schemas.openxmlformats.org/drawingml/2006/main" xmlns:r="http://schemas.openxmlformats.org/officeDocument/2006/relationships" xmlns:p="http://schemas.openxmlformats.org/presentationml/2006/main">
+  <p:cSld>
+    <p:spTree>
+      <p:nvGrpSpPr>
+        <p:cNvPr id="1" name=""/>
+        <p:cNvGrpSpPr/>
+        <p:nvPr/>
+      </p:nvGrpSpPr>
+      <p:grpSpPr>
+        <a:xfrm>
+          <a:off x="0" y="0"/>
+          <a:ext cx="0" cy="0"/>
+          <a:chOff x="0" y="0"/>
+          <a:chExt cx="0" cy="0"/>
+        </a:xfrm>
+      </p:grpSpPr>
+      <p:sp>
+        <p:nvSpPr>
+          <p:cNvPr id="6" name="Title 1">
+            <a:extLst>
+              <a:ext uri="{FF2B5EF4-FFF2-40B4-BE49-F238E27FC236}">
+                <a16:creationId xmlns:a16="http://schemas.microsoft.com/office/drawing/2014/main" id="{B6FD3924-BD2E-47EB-8DCD-3AD635AE70B8}"/>
+              </a:ext>
+            </a:extLst>
+          </p:cNvPr>
+          <p:cNvSpPr txBox="1">
+            <a:spLocks/>
+          </p:cNvSpPr>
+          <p:nvPr/>
+        </p:nvSpPr>
+        <p:spPr bwMode="auto">
+          <a:xfrm>
+            <a:off x="15875" y="165692"/>
+            <a:ext cx="8842375" cy="1016000"/>
+          </a:xfrm>
+          <a:prstGeom prst="rect">
+            <a:avLst/>
+          </a:prstGeom>
+          <a:noFill/>
+          <a:ln>
+            <a:noFill/>
+          </a:ln>
+          <a:extLst>
+            <a:ext uri="{909E8E84-426E-40DD-AFC4-6F175D3DCCD1}">
+              <a14:hiddenFill xmlns:a14="http://schemas.microsoft.com/office/drawing/2010/main">
+                <a:solidFill>
+                  <a:srgbClr val="FFFFFF"/>
+                </a:solidFill>
+              </a14:hiddenFill>
+            </a:ext>
+            <a:ext uri="{91240B29-F687-4F45-9708-019B960494DF}">
+              <a14:hiddenLine xmlns:a14="http://schemas.microsoft.com/office/drawing/2010/main" w="9525">
+                <a:solidFill>
+                  <a:srgbClr val="000000"/>
+                </a:solidFill>
+                <a:miter lim="800000"/>
+                <a:headEnd/>
+                <a:tailEnd/>
+              </a14:hiddenLine>
+            </a:ext>
+          </a:extLst>
+        </p:spPr>
+        <p:txBody>
+          <a:bodyPr/>
+          <a:lstStyle>
+            <a:lvl1pPr eaLnBrk="0" hangingPunct="0">
+              <a:defRPr sz="2400">
+                <a:solidFill>
+                  <a:schemeClr val="tx1"/>
+                </a:solidFill>
+                <a:latin typeface="Arial" panose="020B0604020202020204" pitchFamily="34" charset="0"/>
+                <a:ea typeface="MS PGothic" panose="020B0600070205080204" pitchFamily="34" charset="-128"/>
+              </a:defRPr>
+            </a:lvl1pPr>
+            <a:lvl2pPr marL="742950" indent="-285750" eaLnBrk="0" hangingPunct="0">
+              <a:defRPr sz="2400">
+                <a:solidFill>
+                  <a:schemeClr val="tx1"/>
+                </a:solidFill>
+                <a:latin typeface="Arial" panose="020B0604020202020204" pitchFamily="34" charset="0"/>
+                <a:ea typeface="MS PGothic" panose="020B0600070205080204" pitchFamily="34" charset="-128"/>
+              </a:defRPr>
+            </a:lvl2pPr>
+            <a:lvl3pPr marL="1143000" indent="-228600" eaLnBrk="0" hangingPunct="0">
+              <a:defRPr sz="2400">
+                <a:solidFill>
+                  <a:schemeClr val="tx1"/>
+                </a:solidFill>
+                <a:latin typeface="Arial" panose="020B0604020202020204" pitchFamily="34" charset="0"/>
+                <a:ea typeface="MS PGothic" panose="020B0600070205080204" pitchFamily="34" charset="-128"/>
+              </a:defRPr>
+            </a:lvl3pPr>
+            <a:lvl4pPr marL="1600200" indent="-228600" eaLnBrk="0" hangingPunct="0">
+              <a:defRPr sz="2400">
+                <a:solidFill>
+                  <a:schemeClr val="tx1"/>
+                </a:solidFill>
+                <a:latin typeface="Arial" panose="020B0604020202020204" pitchFamily="34" charset="0"/>
+                <a:ea typeface="MS PGothic" panose="020B0600070205080204" pitchFamily="34" charset="-128"/>
+              </a:defRPr>
+            </a:lvl4pPr>
+            <a:lvl5pPr marL="2057400" indent="-228600" eaLnBrk="0" hangingPunct="0">
+              <a:defRPr sz="2400">
+                <a:solidFill>
+                  <a:schemeClr val="tx1"/>
+                </a:solidFill>
+                <a:latin typeface="Arial" panose="020B0604020202020204" pitchFamily="34" charset="0"/>
+                <a:ea typeface="MS PGothic" panose="020B0600070205080204" pitchFamily="34" charset="-128"/>
+              </a:defRPr>
+            </a:lvl5pPr>
+            <a:lvl6pPr marL="2514600" indent="-228600" defTabSz="457200" eaLnBrk="0" fontAlgn="base" hangingPunct="0">
+              <a:spcBef>
+                <a:spcPct val="0"/>
+              </a:spcBef>
+              <a:spcAft>
+                <a:spcPct val="0"/>
+              </a:spcAft>
+              <a:defRPr sz="2400">
+                <a:solidFill>
+                  <a:schemeClr val="tx1"/>
+                </a:solidFill>
+                <a:latin typeface="Arial" panose="020B0604020202020204" pitchFamily="34" charset="0"/>
+                <a:ea typeface="MS PGothic" panose="020B0600070205080204" pitchFamily="34" charset="-128"/>
+              </a:defRPr>
+            </a:lvl6pPr>
+            <a:lvl7pPr marL="2971800" indent="-228600" defTabSz="457200" eaLnBrk="0" fontAlgn="base" hangingPunct="0">
+              <a:spcBef>
+                <a:spcPct val="0"/>
+              </a:spcBef>
+              <a:spcAft>
+                <a:spcPct val="0"/>
+              </a:spcAft>
+              <a:defRPr sz="2400">
+                <a:solidFill>
+                  <a:schemeClr val="tx1"/>
+                </a:solidFill>
+                <a:latin typeface="Arial" panose="020B0604020202020204" pitchFamily="34" charset="0"/>
+                <a:ea typeface="MS PGothic" panose="020B0600070205080204" pitchFamily="34" charset="-128"/>
+              </a:defRPr>
+            </a:lvl7pPr>
+            <a:lvl8pPr marL="3429000" indent="-228600" defTabSz="457200" eaLnBrk="0" fontAlgn="base" hangingPunct="0">
+              <a:spcBef>
+                <a:spcPct val="0"/>
+              </a:spcBef>
+              <a:spcAft>
+                <a:spcPct val="0"/>
+              </a:spcAft>
+              <a:defRPr sz="2400">
+                <a:solidFill>
+                  <a:schemeClr val="tx1"/>
+                </a:solidFill>
+                <a:latin typeface="Arial" panose="020B0604020202020204" pitchFamily="34" charset="0"/>
+                <a:ea typeface="MS PGothic" panose="020B0600070205080204" pitchFamily="34" charset="-128"/>
+              </a:defRPr>
+            </a:lvl8pPr>
+            <a:lvl9pPr marL="3886200" indent="-228600" defTabSz="457200" eaLnBrk="0" fontAlgn="base" hangingPunct="0">
+              <a:spcBef>
+                <a:spcPct val="0"/>
+              </a:spcBef>
+              <a:spcAft>
+                <a:spcPct val="0"/>
+              </a:spcAft>
+              <a:defRPr sz="2400">
+                <a:solidFill>
+                  <a:schemeClr val="tx1"/>
+                </a:solidFill>
+                <a:latin typeface="Arial" panose="020B0604020202020204" pitchFamily="34" charset="0"/>
+                <a:ea typeface="MS PGothic" panose="020B0600070205080204" pitchFamily="34" charset="-128"/>
+              </a:defRPr>
+            </a:lvl9pPr>
+          </a:lstStyle>
+          <a:p>
+            <a:r>
+              <a:rPr lang="en-US" altLang="it-IT" sz="3600" i="1" dirty="0">
+                <a:solidFill>
+                  <a:srgbClr val="FFFFFF"/>
+                </a:solidFill>
+                <a:latin typeface="Tw Cen MT" panose="020B0602020104020603" pitchFamily="34" charset="0"/>
+              </a:rPr>
+              <a:t>struc2vec</a:t>
+            </a:r>
+          </a:p>
+        </p:txBody>
+      </p:sp>
+      <p:pic>
+        <p:nvPicPr>
+          <p:cNvPr id="3" name="Immagine 2" descr="Immagine che contiene orologio&#10;&#10;Descrizione generata automaticamente">
+            <a:extLst>
+              <a:ext uri="{FF2B5EF4-FFF2-40B4-BE49-F238E27FC236}">
+                <a16:creationId xmlns:a16="http://schemas.microsoft.com/office/drawing/2014/main" id="{CCEE24A8-EA82-405C-841A-BA40A82A649B}"/>
+              </a:ext>
+            </a:extLst>
+          </p:cNvPr>
+          <p:cNvPicPr>
+            <a:picLocks noChangeAspect="1"/>
+          </p:cNvPicPr>
+          <p:nvPr/>
+        </p:nvPicPr>
+        <p:blipFill>
+          <a:blip r:embed="rId2"/>
+          <a:stretch>
+            <a:fillRect/>
+          </a:stretch>
+        </p:blipFill>
+        <p:spPr>
+          <a:xfrm>
+            <a:off x="-794" y="3898626"/>
+            <a:ext cx="9144000" cy="2424310"/>
+          </a:xfrm>
+          <a:prstGeom prst="rect">
+            <a:avLst/>
+          </a:prstGeom>
+        </p:spPr>
+      </p:pic>
+      <p:sp>
+        <p:nvSpPr>
+          <p:cNvPr id="5" name="Segnaposto piè di pagina 4">
+            <a:extLst>
+              <a:ext uri="{FF2B5EF4-FFF2-40B4-BE49-F238E27FC236}">
+                <a16:creationId xmlns:a16="http://schemas.microsoft.com/office/drawing/2014/main" id="{51FB397C-A6EF-4B7F-8AC5-6ED242812BC1}"/>
+              </a:ext>
+            </a:extLst>
+          </p:cNvPr>
+          <p:cNvSpPr>
+            <a:spLocks noGrp="1"/>
+          </p:cNvSpPr>
+          <p:nvPr>
+            <p:ph type="ftr" sz="quarter" idx="11"/>
+          </p:nvPr>
+        </p:nvSpPr>
+        <p:spPr/>
+        <p:txBody>
+          <a:bodyPr/>
+          <a:lstStyle/>
+          <a:p>
+            <a:pPr>
+              <a:defRPr/>
+            </a:pPr>
+            <a:r>
+              <a:rPr lang="it-IT"/>
+              <a:t>Masiero L. Ivancich S.</a:t>
+            </a:r>
+            <a:endParaRPr lang="en-US" dirty="0"/>
+          </a:p>
+        </p:txBody>
+      </p:sp>
+      <p:sp>
+        <p:nvSpPr>
+          <p:cNvPr id="7" name="Segnaposto numero diapositiva 6">
+            <a:extLst>
+              <a:ext uri="{FF2B5EF4-FFF2-40B4-BE49-F238E27FC236}">
+                <a16:creationId xmlns:a16="http://schemas.microsoft.com/office/drawing/2014/main" id="{0A645CE8-62F6-4437-909C-A31BC37AEFDA}"/>
+              </a:ext>
+            </a:extLst>
+          </p:cNvPr>
+          <p:cNvSpPr>
+            <a:spLocks noGrp="1"/>
+          </p:cNvSpPr>
+          <p:nvPr>
+            <p:ph type="sldNum" sz="quarter" idx="12"/>
+          </p:nvPr>
+        </p:nvSpPr>
+        <p:spPr/>
+        <p:txBody>
+          <a:bodyPr/>
+          <a:lstStyle/>
+          <a:p>
+            <a:fld id="{7A1D8CC2-AC32-48BF-A9F5-B79D7A95954F}" type="slidenum">
+              <a:rPr lang="en-US" altLang="it-IT" smtClean="0"/>
+              <a:pPr/>
+              <a:t>12</a:t>
+            </a:fld>
+            <a:endParaRPr lang="en-US" altLang="it-IT" dirty="0"/>
+          </a:p>
+        </p:txBody>
+      </p:sp>
+      <p:sp>
+        <p:nvSpPr>
+          <p:cNvPr id="8" name="CasellaDiTesto 7">
+            <a:extLst>
+              <a:ext uri="{FF2B5EF4-FFF2-40B4-BE49-F238E27FC236}">
+                <a16:creationId xmlns:a16="http://schemas.microsoft.com/office/drawing/2014/main" id="{A71E20D8-E1E9-4E76-A56C-54CDB617BD00}"/>
+              </a:ext>
+            </a:extLst>
+          </p:cNvPr>
+          <p:cNvSpPr txBox="1"/>
+          <p:nvPr/>
+        </p:nvSpPr>
+        <p:spPr>
+          <a:xfrm>
+            <a:off x="15875" y="1053187"/>
+            <a:ext cx="8993096" cy="3170099"/>
+          </a:xfrm>
+          <a:prstGeom prst="rect">
+            <a:avLst/>
+          </a:prstGeom>
+          <a:noFill/>
+        </p:spPr>
+        <p:txBody>
+          <a:bodyPr wrap="square" rtlCol="0">
+            <a:spAutoFit/>
+          </a:bodyPr>
+          <a:lstStyle/>
+          <a:p>
+            <a:pPr algn="just"/>
+            <a:r>
+              <a:rPr lang="it-IT" sz="2000" dirty="0">
+                <a:latin typeface="+mj-lt"/>
+              </a:rPr>
+              <a:t>La </a:t>
+            </a:r>
+            <a:r>
+              <a:rPr lang="it-IT" sz="2000" i="1" dirty="0" err="1">
+                <a:solidFill>
+                  <a:srgbClr val="0070C0"/>
+                </a:solidFill>
+                <a:latin typeface="+mj-lt"/>
+              </a:rPr>
+              <a:t>structural</a:t>
+            </a:r>
+            <a:r>
+              <a:rPr lang="it-IT" sz="2000" dirty="0">
+                <a:solidFill>
+                  <a:srgbClr val="0070C0"/>
+                </a:solidFill>
+                <a:latin typeface="+mj-lt"/>
+              </a:rPr>
+              <a:t> </a:t>
+            </a:r>
+            <a:r>
+              <a:rPr lang="it-IT" sz="2000" i="1" dirty="0" err="1">
+                <a:solidFill>
+                  <a:srgbClr val="0070C0"/>
+                </a:solidFill>
+                <a:latin typeface="+mj-lt"/>
+              </a:rPr>
+              <a:t>identity</a:t>
+            </a:r>
+            <a:r>
+              <a:rPr lang="it-IT" sz="2000" dirty="0">
+                <a:solidFill>
+                  <a:srgbClr val="0070C0"/>
+                </a:solidFill>
+                <a:latin typeface="+mj-lt"/>
+              </a:rPr>
+              <a:t> </a:t>
+            </a:r>
+            <a:r>
+              <a:rPr lang="it-IT" sz="2000" dirty="0">
+                <a:latin typeface="+mj-lt"/>
+              </a:rPr>
+              <a:t>corrisponde ad un concetto di </a:t>
+            </a:r>
+            <a:r>
+              <a:rPr lang="it-IT" sz="2000" i="1" dirty="0">
+                <a:latin typeface="+mj-lt"/>
+              </a:rPr>
+              <a:t>simmetria</a:t>
+            </a:r>
+            <a:r>
+              <a:rPr lang="it-IT" sz="2000" dirty="0">
+                <a:latin typeface="+mj-lt"/>
+              </a:rPr>
+              <a:t> nel quale i nodi di una rete vengono identificati in base alla struttura della rete stessa e tramite relazioni con altri nodi.</a:t>
+            </a:r>
+          </a:p>
+          <a:p>
+            <a:pPr algn="just"/>
+            <a:endParaRPr lang="it-IT" sz="2000" dirty="0">
+              <a:latin typeface="+mj-lt"/>
+            </a:endParaRPr>
+          </a:p>
+          <a:p>
+            <a:pPr algn="just"/>
+            <a:r>
+              <a:rPr lang="it-IT" sz="2000" i="1" dirty="0">
+                <a:latin typeface="+mj-lt"/>
+              </a:rPr>
+              <a:t>struc2vec</a:t>
+            </a:r>
+            <a:r>
+              <a:rPr lang="it-IT" sz="2000" dirty="0">
+                <a:latin typeface="+mj-lt"/>
+              </a:rPr>
+              <a:t>:</a:t>
+            </a:r>
+          </a:p>
+          <a:p>
+            <a:pPr algn="just"/>
+            <a:r>
+              <a:rPr lang="it-IT" sz="2000" dirty="0">
+                <a:latin typeface="+mj-lt"/>
+              </a:rPr>
+              <a:t>1) è un framework flessibile per l’apprendimento di </a:t>
+            </a:r>
+            <a:r>
+              <a:rPr lang="it-IT" sz="2000" i="1" dirty="0" err="1">
+                <a:latin typeface="+mj-lt"/>
+              </a:rPr>
+              <a:t>latent</a:t>
+            </a:r>
+            <a:r>
+              <a:rPr lang="it-IT" sz="2000" i="1" dirty="0">
+                <a:latin typeface="+mj-lt"/>
+              </a:rPr>
+              <a:t> </a:t>
+            </a:r>
+            <a:r>
+              <a:rPr lang="it-IT" sz="2000" i="1" dirty="0" err="1">
+                <a:latin typeface="+mj-lt"/>
+              </a:rPr>
+              <a:t>representations</a:t>
+            </a:r>
+            <a:r>
+              <a:rPr lang="it-IT" sz="2000" i="1" dirty="0">
+                <a:latin typeface="+mj-lt"/>
+              </a:rPr>
+              <a:t> </a:t>
+            </a:r>
+            <a:r>
+              <a:rPr lang="it-IT" sz="2000" dirty="0">
+                <a:latin typeface="+mj-lt"/>
+              </a:rPr>
+              <a:t>per l’identità strutturale dei nodi;</a:t>
+            </a:r>
+          </a:p>
+          <a:p>
+            <a:pPr algn="just"/>
+            <a:r>
+              <a:rPr lang="it-IT" sz="2000" dirty="0">
+                <a:latin typeface="+mj-lt"/>
+              </a:rPr>
+              <a:t>2) Utilizza un </a:t>
+            </a:r>
+            <a:r>
+              <a:rPr lang="it-IT" sz="2000" dirty="0">
+                <a:solidFill>
+                  <a:srgbClr val="C00000"/>
+                </a:solidFill>
+                <a:latin typeface="+mj-lt"/>
+              </a:rPr>
+              <a:t>grafo multi-livello</a:t>
+            </a:r>
+            <a:r>
+              <a:rPr lang="it-IT" sz="2000" dirty="0">
+                <a:latin typeface="+mj-lt"/>
+              </a:rPr>
+              <a:t>;</a:t>
+            </a:r>
+          </a:p>
+          <a:p>
+            <a:pPr algn="just"/>
+            <a:r>
+              <a:rPr lang="it-IT" sz="2000" dirty="0">
+                <a:latin typeface="+mj-lt"/>
+              </a:rPr>
+              <a:t>3) È molto performante.</a:t>
+            </a:r>
+          </a:p>
+          <a:p>
+            <a:pPr algn="just"/>
+            <a:endParaRPr lang="it-IT" sz="2000" dirty="0">
+              <a:latin typeface="+mj-lt"/>
+            </a:endParaRPr>
+          </a:p>
+        </p:txBody>
+      </p:sp>
+    </p:spTree>
+    <p:extLst>
+      <p:ext uri="{BB962C8B-B14F-4D97-AF65-F5344CB8AC3E}">
+        <p14:creationId xmlns:p14="http://schemas.microsoft.com/office/powerpoint/2010/main" val="4258454837"/>
       </p:ext>
     </p:extLst>
   </p:cSld>
@@ -7946,42 +7987,12 @@
           </a:p>
         </p:txBody>
       </p:sp>
-      <p:pic>
-        <p:nvPicPr>
-          <p:cNvPr id="3" name="Immagine 2" descr="Immagine che contiene orologio&#10;&#10;Descrizione generata automaticamente">
-            <a:extLst>
-              <a:ext uri="{FF2B5EF4-FFF2-40B4-BE49-F238E27FC236}">
-                <a16:creationId xmlns:a16="http://schemas.microsoft.com/office/drawing/2014/main" id="{CCEE24A8-EA82-405C-841A-BA40A82A649B}"/>
-              </a:ext>
-            </a:extLst>
-          </p:cNvPr>
-          <p:cNvPicPr>
-            <a:picLocks noChangeAspect="1"/>
-          </p:cNvPicPr>
-          <p:nvPr/>
-        </p:nvPicPr>
-        <p:blipFill>
-          <a:blip r:embed="rId2"/>
-          <a:stretch>
-            <a:fillRect/>
-          </a:stretch>
-        </p:blipFill>
-        <p:spPr>
-          <a:xfrm>
-            <a:off x="-794" y="3898626"/>
-            <a:ext cx="9144000" cy="2424310"/>
-          </a:xfrm>
-          <a:prstGeom prst="rect">
-            <a:avLst/>
-          </a:prstGeom>
-        </p:spPr>
-      </p:pic>
       <p:sp>
         <p:nvSpPr>
-          <p:cNvPr id="5" name="Segnaposto piè di pagina 4">
+          <p:cNvPr id="7" name="Segnaposto piè di pagina 6">
             <a:extLst>
               <a:ext uri="{FF2B5EF4-FFF2-40B4-BE49-F238E27FC236}">
-                <a16:creationId xmlns:a16="http://schemas.microsoft.com/office/drawing/2014/main" id="{51FB397C-A6EF-4B7F-8AC5-6ED242812BC1}"/>
+                <a16:creationId xmlns:a16="http://schemas.microsoft.com/office/drawing/2014/main" id="{1E30BB50-53E0-409B-A716-3FC50725C97C}"/>
               </a:ext>
             </a:extLst>
           </p:cNvPr>
@@ -8010,10 +8021,10 @@
       </p:sp>
       <p:sp>
         <p:nvSpPr>
-          <p:cNvPr id="7" name="Segnaposto numero diapositiva 6">
+          <p:cNvPr id="8" name="Segnaposto numero diapositiva 7">
             <a:extLst>
               <a:ext uri="{FF2B5EF4-FFF2-40B4-BE49-F238E27FC236}">
-                <a16:creationId xmlns:a16="http://schemas.microsoft.com/office/drawing/2014/main" id="{0A645CE8-62F6-4437-909C-A31BC37AEFDA}"/>
+                <a16:creationId xmlns:a16="http://schemas.microsoft.com/office/drawing/2014/main" id="{8CA95954-2B0C-414E-8C0B-DC1637B6207C}"/>
               </a:ext>
             </a:extLst>
           </p:cNvPr>
@@ -8038,489 +8049,8 @@
           </a:p>
         </p:txBody>
       </p:sp>
-      <p:sp>
-        <p:nvSpPr>
-          <p:cNvPr id="8" name="CasellaDiTesto 7">
-            <a:extLst>
-              <a:ext uri="{FF2B5EF4-FFF2-40B4-BE49-F238E27FC236}">
-                <a16:creationId xmlns:a16="http://schemas.microsoft.com/office/drawing/2014/main" id="{A71E20D8-E1E9-4E76-A56C-54CDB617BD00}"/>
-              </a:ext>
-            </a:extLst>
-          </p:cNvPr>
-          <p:cNvSpPr txBox="1"/>
-          <p:nvPr/>
-        </p:nvSpPr>
-        <p:spPr>
-          <a:xfrm>
-            <a:off x="15875" y="1053187"/>
-            <a:ext cx="8993096" cy="3170099"/>
-          </a:xfrm>
-          <a:prstGeom prst="rect">
-            <a:avLst/>
-          </a:prstGeom>
-          <a:noFill/>
-        </p:spPr>
-        <p:txBody>
-          <a:bodyPr wrap="square" rtlCol="0">
-            <a:spAutoFit/>
-          </a:bodyPr>
-          <a:lstStyle/>
-          <a:p>
-            <a:pPr algn="just"/>
-            <a:r>
-              <a:rPr lang="it-IT" sz="2000" dirty="0">
-                <a:latin typeface="+mj-lt"/>
-              </a:rPr>
-              <a:t>La </a:t>
-            </a:r>
-            <a:r>
-              <a:rPr lang="it-IT" sz="2000" i="1" dirty="0" err="1">
-                <a:solidFill>
-                  <a:srgbClr val="0070C0"/>
-                </a:solidFill>
-                <a:latin typeface="+mj-lt"/>
-              </a:rPr>
-              <a:t>structural</a:t>
-            </a:r>
-            <a:r>
-              <a:rPr lang="it-IT" sz="2000" dirty="0">
-                <a:solidFill>
-                  <a:srgbClr val="0070C0"/>
-                </a:solidFill>
-                <a:latin typeface="+mj-lt"/>
-              </a:rPr>
-              <a:t> </a:t>
-            </a:r>
-            <a:r>
-              <a:rPr lang="it-IT" sz="2000" i="1" dirty="0" err="1">
-                <a:solidFill>
-                  <a:srgbClr val="0070C0"/>
-                </a:solidFill>
-                <a:latin typeface="+mj-lt"/>
-              </a:rPr>
-              <a:t>identity</a:t>
-            </a:r>
-            <a:r>
-              <a:rPr lang="it-IT" sz="2000" dirty="0">
-                <a:solidFill>
-                  <a:srgbClr val="0070C0"/>
-                </a:solidFill>
-                <a:latin typeface="+mj-lt"/>
-              </a:rPr>
-              <a:t> </a:t>
-            </a:r>
-            <a:r>
-              <a:rPr lang="it-IT" sz="2000" dirty="0">
-                <a:latin typeface="+mj-lt"/>
-              </a:rPr>
-              <a:t>corrisponde ad un concetto di </a:t>
-            </a:r>
-            <a:r>
-              <a:rPr lang="it-IT" sz="2000" i="1" dirty="0">
-                <a:latin typeface="+mj-lt"/>
-              </a:rPr>
-              <a:t>simmetria</a:t>
-            </a:r>
-            <a:r>
-              <a:rPr lang="it-IT" sz="2000" dirty="0">
-                <a:latin typeface="+mj-lt"/>
-              </a:rPr>
-              <a:t> nel quale i nodi di una rete vengono identificati in base alla struttura della rete stessa e tramite relazioni con altri nodi.</a:t>
-            </a:r>
-          </a:p>
-          <a:p>
-            <a:pPr algn="just"/>
-            <a:endParaRPr lang="it-IT" sz="2000" dirty="0">
-              <a:latin typeface="+mj-lt"/>
-            </a:endParaRPr>
-          </a:p>
-          <a:p>
-            <a:pPr algn="just"/>
-            <a:r>
-              <a:rPr lang="it-IT" sz="2000" i="1" dirty="0">
-                <a:latin typeface="+mj-lt"/>
-              </a:rPr>
-              <a:t>struc2vec</a:t>
-            </a:r>
-            <a:r>
-              <a:rPr lang="it-IT" sz="2000" dirty="0">
-                <a:latin typeface="+mj-lt"/>
-              </a:rPr>
-              <a:t>:</a:t>
-            </a:r>
-          </a:p>
-          <a:p>
-            <a:pPr algn="just"/>
-            <a:r>
-              <a:rPr lang="it-IT" sz="2000" dirty="0">
-                <a:latin typeface="+mj-lt"/>
-              </a:rPr>
-              <a:t>1) è un framework flessibile per l’apprendimento di </a:t>
-            </a:r>
-            <a:r>
-              <a:rPr lang="it-IT" sz="2000" i="1" dirty="0" err="1">
-                <a:latin typeface="+mj-lt"/>
-              </a:rPr>
-              <a:t>latent</a:t>
-            </a:r>
-            <a:r>
-              <a:rPr lang="it-IT" sz="2000" i="1" dirty="0">
-                <a:latin typeface="+mj-lt"/>
-              </a:rPr>
-              <a:t> </a:t>
-            </a:r>
-            <a:r>
-              <a:rPr lang="it-IT" sz="2000" i="1" dirty="0" err="1">
-                <a:latin typeface="+mj-lt"/>
-              </a:rPr>
-              <a:t>representations</a:t>
-            </a:r>
-            <a:r>
-              <a:rPr lang="it-IT" sz="2000" i="1" dirty="0">
-                <a:latin typeface="+mj-lt"/>
-              </a:rPr>
-              <a:t> </a:t>
-            </a:r>
-            <a:r>
-              <a:rPr lang="it-IT" sz="2000" dirty="0">
-                <a:latin typeface="+mj-lt"/>
-              </a:rPr>
-              <a:t>per l’identità strutturale dei nodi;</a:t>
-            </a:r>
-          </a:p>
-          <a:p>
-            <a:pPr algn="just"/>
-            <a:r>
-              <a:rPr lang="it-IT" sz="2000" dirty="0">
-                <a:latin typeface="+mj-lt"/>
-              </a:rPr>
-              <a:t>2) Utilizza un </a:t>
-            </a:r>
-            <a:r>
-              <a:rPr lang="it-IT" sz="2000" dirty="0">
-                <a:solidFill>
-                  <a:srgbClr val="C00000"/>
-                </a:solidFill>
-                <a:latin typeface="+mj-lt"/>
-              </a:rPr>
-              <a:t>grafo multi-livello</a:t>
-            </a:r>
-            <a:r>
-              <a:rPr lang="it-IT" sz="2000" dirty="0">
-                <a:latin typeface="+mj-lt"/>
-              </a:rPr>
-              <a:t>;</a:t>
-            </a:r>
-          </a:p>
-          <a:p>
-            <a:pPr algn="just"/>
-            <a:r>
-              <a:rPr lang="it-IT" sz="2000" dirty="0">
-                <a:latin typeface="+mj-lt"/>
-              </a:rPr>
-              <a:t>3) È molto performante.</a:t>
-            </a:r>
-          </a:p>
-          <a:p>
-            <a:pPr algn="just"/>
-            <a:endParaRPr lang="it-IT" sz="2000" dirty="0">
-              <a:latin typeface="+mj-lt"/>
-            </a:endParaRPr>
-          </a:p>
-        </p:txBody>
-      </p:sp>
-    </p:spTree>
-    <p:extLst>
-      <p:ext uri="{BB962C8B-B14F-4D97-AF65-F5344CB8AC3E}">
-        <p14:creationId xmlns:p14="http://schemas.microsoft.com/office/powerpoint/2010/main" val="4258454837"/>
-      </p:ext>
-    </p:extLst>
-  </p:cSld>
-  <p:clrMapOvr>
-    <a:masterClrMapping/>
-  </p:clrMapOvr>
-</p:sld>
-</file>
-
-<file path=ppt/slides/slide14.xml><?xml version="1.0" encoding="utf-8"?>
-<p:sld xmlns:a="http://schemas.openxmlformats.org/drawingml/2006/main" xmlns:r="http://schemas.openxmlformats.org/officeDocument/2006/relationships" xmlns:p="http://schemas.openxmlformats.org/presentationml/2006/main">
-  <p:cSld>
-    <p:spTree>
-      <p:nvGrpSpPr>
-        <p:cNvPr id="1" name=""/>
-        <p:cNvGrpSpPr/>
-        <p:nvPr/>
-      </p:nvGrpSpPr>
-      <p:grpSpPr>
-        <a:xfrm>
-          <a:off x="0" y="0"/>
-          <a:ext cx="0" cy="0"/>
-          <a:chOff x="0" y="0"/>
-          <a:chExt cx="0" cy="0"/>
-        </a:xfrm>
-      </p:grpSpPr>
-      <p:sp>
-        <p:nvSpPr>
-          <p:cNvPr id="6" name="Title 1">
-            <a:extLst>
-              <a:ext uri="{FF2B5EF4-FFF2-40B4-BE49-F238E27FC236}">
-                <a16:creationId xmlns:a16="http://schemas.microsoft.com/office/drawing/2014/main" id="{B6FD3924-BD2E-47EB-8DCD-3AD635AE70B8}"/>
-              </a:ext>
-            </a:extLst>
-          </p:cNvPr>
-          <p:cNvSpPr txBox="1">
-            <a:spLocks/>
-          </p:cNvSpPr>
-          <p:nvPr/>
-        </p:nvSpPr>
-        <p:spPr bwMode="auto">
-          <a:xfrm>
-            <a:off x="15875" y="165692"/>
-            <a:ext cx="8842375" cy="1016000"/>
-          </a:xfrm>
-          <a:prstGeom prst="rect">
-            <a:avLst/>
-          </a:prstGeom>
-          <a:noFill/>
-          <a:ln>
-            <a:noFill/>
-          </a:ln>
-          <a:extLst>
-            <a:ext uri="{909E8E84-426E-40DD-AFC4-6F175D3DCCD1}">
-              <a14:hiddenFill xmlns:a14="http://schemas.microsoft.com/office/drawing/2010/main">
-                <a:solidFill>
-                  <a:srgbClr val="FFFFFF"/>
-                </a:solidFill>
-              </a14:hiddenFill>
-            </a:ext>
-            <a:ext uri="{91240B29-F687-4F45-9708-019B960494DF}">
-              <a14:hiddenLine xmlns:a14="http://schemas.microsoft.com/office/drawing/2010/main" w="9525">
-                <a:solidFill>
-                  <a:srgbClr val="000000"/>
-                </a:solidFill>
-                <a:miter lim="800000"/>
-                <a:headEnd/>
-                <a:tailEnd/>
-              </a14:hiddenLine>
-            </a:ext>
-          </a:extLst>
-        </p:spPr>
-        <p:txBody>
-          <a:bodyPr/>
-          <a:lstStyle>
-            <a:lvl1pPr eaLnBrk="0" hangingPunct="0">
-              <a:defRPr sz="2400">
-                <a:solidFill>
-                  <a:schemeClr val="tx1"/>
-                </a:solidFill>
-                <a:latin typeface="Arial" panose="020B0604020202020204" pitchFamily="34" charset="0"/>
-                <a:ea typeface="MS PGothic" panose="020B0600070205080204" pitchFamily="34" charset="-128"/>
-              </a:defRPr>
-            </a:lvl1pPr>
-            <a:lvl2pPr marL="742950" indent="-285750" eaLnBrk="0" hangingPunct="0">
-              <a:defRPr sz="2400">
-                <a:solidFill>
-                  <a:schemeClr val="tx1"/>
-                </a:solidFill>
-                <a:latin typeface="Arial" panose="020B0604020202020204" pitchFamily="34" charset="0"/>
-                <a:ea typeface="MS PGothic" panose="020B0600070205080204" pitchFamily="34" charset="-128"/>
-              </a:defRPr>
-            </a:lvl2pPr>
-            <a:lvl3pPr marL="1143000" indent="-228600" eaLnBrk="0" hangingPunct="0">
-              <a:defRPr sz="2400">
-                <a:solidFill>
-                  <a:schemeClr val="tx1"/>
-                </a:solidFill>
-                <a:latin typeface="Arial" panose="020B0604020202020204" pitchFamily="34" charset="0"/>
-                <a:ea typeface="MS PGothic" panose="020B0600070205080204" pitchFamily="34" charset="-128"/>
-              </a:defRPr>
-            </a:lvl3pPr>
-            <a:lvl4pPr marL="1600200" indent="-228600" eaLnBrk="0" hangingPunct="0">
-              <a:defRPr sz="2400">
-                <a:solidFill>
-                  <a:schemeClr val="tx1"/>
-                </a:solidFill>
-                <a:latin typeface="Arial" panose="020B0604020202020204" pitchFamily="34" charset="0"/>
-                <a:ea typeface="MS PGothic" panose="020B0600070205080204" pitchFamily="34" charset="-128"/>
-              </a:defRPr>
-            </a:lvl4pPr>
-            <a:lvl5pPr marL="2057400" indent="-228600" eaLnBrk="0" hangingPunct="0">
-              <a:defRPr sz="2400">
-                <a:solidFill>
-                  <a:schemeClr val="tx1"/>
-                </a:solidFill>
-                <a:latin typeface="Arial" panose="020B0604020202020204" pitchFamily="34" charset="0"/>
-                <a:ea typeface="MS PGothic" panose="020B0600070205080204" pitchFamily="34" charset="-128"/>
-              </a:defRPr>
-            </a:lvl5pPr>
-            <a:lvl6pPr marL="2514600" indent="-228600" defTabSz="457200" eaLnBrk="0" fontAlgn="base" hangingPunct="0">
-              <a:spcBef>
-                <a:spcPct val="0"/>
-              </a:spcBef>
-              <a:spcAft>
-                <a:spcPct val="0"/>
-              </a:spcAft>
-              <a:defRPr sz="2400">
-                <a:solidFill>
-                  <a:schemeClr val="tx1"/>
-                </a:solidFill>
-                <a:latin typeface="Arial" panose="020B0604020202020204" pitchFamily="34" charset="0"/>
-                <a:ea typeface="MS PGothic" panose="020B0600070205080204" pitchFamily="34" charset="-128"/>
-              </a:defRPr>
-            </a:lvl6pPr>
-            <a:lvl7pPr marL="2971800" indent="-228600" defTabSz="457200" eaLnBrk="0" fontAlgn="base" hangingPunct="0">
-              <a:spcBef>
-                <a:spcPct val="0"/>
-              </a:spcBef>
-              <a:spcAft>
-                <a:spcPct val="0"/>
-              </a:spcAft>
-              <a:defRPr sz="2400">
-                <a:solidFill>
-                  <a:schemeClr val="tx1"/>
-                </a:solidFill>
-                <a:latin typeface="Arial" panose="020B0604020202020204" pitchFamily="34" charset="0"/>
-                <a:ea typeface="MS PGothic" panose="020B0600070205080204" pitchFamily="34" charset="-128"/>
-              </a:defRPr>
-            </a:lvl7pPr>
-            <a:lvl8pPr marL="3429000" indent="-228600" defTabSz="457200" eaLnBrk="0" fontAlgn="base" hangingPunct="0">
-              <a:spcBef>
-                <a:spcPct val="0"/>
-              </a:spcBef>
-              <a:spcAft>
-                <a:spcPct val="0"/>
-              </a:spcAft>
-              <a:defRPr sz="2400">
-                <a:solidFill>
-                  <a:schemeClr val="tx1"/>
-                </a:solidFill>
-                <a:latin typeface="Arial" panose="020B0604020202020204" pitchFamily="34" charset="0"/>
-                <a:ea typeface="MS PGothic" panose="020B0600070205080204" pitchFamily="34" charset="-128"/>
-              </a:defRPr>
-            </a:lvl8pPr>
-            <a:lvl9pPr marL="3886200" indent="-228600" defTabSz="457200" eaLnBrk="0" fontAlgn="base" hangingPunct="0">
-              <a:spcBef>
-                <a:spcPct val="0"/>
-              </a:spcBef>
-              <a:spcAft>
-                <a:spcPct val="0"/>
-              </a:spcAft>
-              <a:defRPr sz="2400">
-                <a:solidFill>
-                  <a:schemeClr val="tx1"/>
-                </a:solidFill>
-                <a:latin typeface="Arial" panose="020B0604020202020204" pitchFamily="34" charset="0"/>
-                <a:ea typeface="MS PGothic" panose="020B0600070205080204" pitchFamily="34" charset="-128"/>
-              </a:defRPr>
-            </a:lvl9pPr>
-          </a:lstStyle>
-          <a:p>
-            <a:r>
-              <a:rPr lang="en-US" altLang="it-IT" sz="3600" i="1" dirty="0">
-                <a:solidFill>
-                  <a:srgbClr val="FFFFFF"/>
-                </a:solidFill>
-                <a:latin typeface="Tw Cen MT" panose="020B0602020104020603" pitchFamily="34" charset="0"/>
-              </a:rPr>
-              <a:t>struc2vec</a:t>
-            </a:r>
-          </a:p>
-        </p:txBody>
-      </p:sp>
-      <p:pic>
-        <p:nvPicPr>
-          <p:cNvPr id="4" name="Immagine 3" descr="Immagine che contiene mappa, testo, cucina, bianco&#10;&#10;Descrizione generata automaticamente">
-            <a:extLst>
-              <a:ext uri="{FF2B5EF4-FFF2-40B4-BE49-F238E27FC236}">
-                <a16:creationId xmlns:a16="http://schemas.microsoft.com/office/drawing/2014/main" id="{F2EA2AC8-ECAD-4520-9585-BD486495FC14}"/>
-              </a:ext>
-            </a:extLst>
-          </p:cNvPr>
-          <p:cNvPicPr>
-            <a:picLocks noChangeAspect="1"/>
-          </p:cNvPicPr>
-          <p:nvPr/>
-        </p:nvPicPr>
-        <p:blipFill>
-          <a:blip r:embed="rId3"/>
-          <a:stretch>
-            <a:fillRect/>
-          </a:stretch>
-        </p:blipFill>
-        <p:spPr>
-          <a:xfrm>
-            <a:off x="-794" y="1181692"/>
-            <a:ext cx="9144000" cy="2473377"/>
-          </a:xfrm>
-          <a:prstGeom prst="rect">
-            <a:avLst/>
-          </a:prstGeom>
-        </p:spPr>
-      </p:pic>
-      <p:sp>
-        <p:nvSpPr>
-          <p:cNvPr id="7" name="Segnaposto piè di pagina 6">
-            <a:extLst>
-              <a:ext uri="{FF2B5EF4-FFF2-40B4-BE49-F238E27FC236}">
-                <a16:creationId xmlns:a16="http://schemas.microsoft.com/office/drawing/2014/main" id="{1E30BB50-53E0-409B-A716-3FC50725C97C}"/>
-              </a:ext>
-            </a:extLst>
-          </p:cNvPr>
-          <p:cNvSpPr>
-            <a:spLocks noGrp="1"/>
-          </p:cNvSpPr>
-          <p:nvPr>
-            <p:ph type="ftr" sz="quarter" idx="11"/>
-          </p:nvPr>
-        </p:nvSpPr>
-        <p:spPr/>
-        <p:txBody>
-          <a:bodyPr/>
-          <a:lstStyle/>
-          <a:p>
-            <a:pPr>
-              <a:defRPr/>
-            </a:pPr>
-            <a:r>
-              <a:rPr lang="it-IT"/>
-              <a:t>Masiero L. Ivancich S.</a:t>
-            </a:r>
-            <a:endParaRPr lang="en-US" dirty="0"/>
-          </a:p>
-        </p:txBody>
-      </p:sp>
-      <p:sp>
-        <p:nvSpPr>
-          <p:cNvPr id="8" name="Segnaposto numero diapositiva 7">
-            <a:extLst>
-              <a:ext uri="{FF2B5EF4-FFF2-40B4-BE49-F238E27FC236}">
-                <a16:creationId xmlns:a16="http://schemas.microsoft.com/office/drawing/2014/main" id="{8CA95954-2B0C-414E-8C0B-DC1637B6207C}"/>
-              </a:ext>
-            </a:extLst>
-          </p:cNvPr>
-          <p:cNvSpPr>
-            <a:spLocks noGrp="1"/>
-          </p:cNvSpPr>
-          <p:nvPr>
-            <p:ph type="sldNum" sz="quarter" idx="12"/>
-          </p:nvPr>
-        </p:nvSpPr>
-        <p:spPr/>
-        <p:txBody>
-          <a:bodyPr/>
-          <a:lstStyle/>
-          <a:p>
-            <a:fld id="{7A1D8CC2-AC32-48BF-A9F5-B79D7A95954F}" type="slidenum">
-              <a:rPr lang="en-US" altLang="it-IT" smtClean="0"/>
-              <a:pPr/>
-              <a:t>14</a:t>
-            </a:fld>
-            <a:endParaRPr lang="en-US" altLang="it-IT" dirty="0"/>
-          </a:p>
-        </p:txBody>
-      </p:sp>
-      <mc:AlternateContent xmlns:mc="http://schemas.openxmlformats.org/markup-compatibility/2006" xmlns:a14="http://schemas.microsoft.com/office/drawing/2010/main">
-        <mc:Choice Requires="a14">
+      <mc:AlternateContent xmlns:mc="http://schemas.openxmlformats.org/markup-compatibility/2006">
+        <mc:Choice xmlns:a14="http://schemas.microsoft.com/office/drawing/2010/main" Requires="a14">
           <p:sp>
             <p:nvSpPr>
               <p:cNvPr id="9" name="CasellaDiTesto 8">
@@ -8535,8 +8065,8 @@
             </p:nvSpPr>
             <p:spPr>
               <a:xfrm>
-                <a:off x="-59486" y="3793699"/>
-                <a:ext cx="8993096" cy="3046988"/>
+                <a:off x="292099" y="2304414"/>
+                <a:ext cx="8289925" cy="3046988"/>
               </a:xfrm>
               <a:prstGeom prst="rect">
                 <a:avLst/>
@@ -8788,7 +8318,7 @@
             </p:txBody>
           </p:sp>
         </mc:Choice>
-        <mc:Fallback xmlns="">
+        <mc:Fallback>
           <p:sp>
             <p:nvSpPr>
               <p:cNvPr id="9" name="CasellaDiTesto 8">
@@ -8805,16 +8335,16 @@
             </p:nvSpPr>
             <p:spPr>
               <a:xfrm>
-                <a:off x="-59486" y="3793699"/>
-                <a:ext cx="8993096" cy="3046988"/>
+                <a:off x="292099" y="2304414"/>
+                <a:ext cx="8289925" cy="3046988"/>
               </a:xfrm>
               <a:prstGeom prst="rect">
                 <a:avLst/>
               </a:prstGeom>
               <a:blipFill>
-                <a:blip r:embed="rId4"/>
+                <a:blip r:embed="rId3"/>
                 <a:stretch>
-                  <a:fillRect l="-1017" t="-1600" r="-1085"/>
+                  <a:fillRect l="-1176" t="-1600" r="-1103"/>
                 </a:stretch>
               </a:blipFill>
             </p:spPr>
@@ -8846,7 +8376,7 @@
 </p:sld>
 </file>
 
-<file path=ppt/slides/slide15.xml><?xml version="1.0" encoding="utf-8"?>
+<file path=ppt/slides/slide14.xml><?xml version="1.0" encoding="utf-8"?>
 <p:sld xmlns:a="http://schemas.openxmlformats.org/drawingml/2006/main" xmlns:r="http://schemas.openxmlformats.org/officeDocument/2006/relationships" xmlns:p="http://schemas.openxmlformats.org/presentationml/2006/main">
   <p:cSld>
     <p:spTree>
@@ -9020,13 +8550,13 @@
           </a:lstStyle>
           <a:p>
             <a:r>
-              <a:rPr lang="en-US" altLang="it-IT" sz="3600" dirty="0" err="1">
+              <a:rPr lang="en-US" altLang="it-IT" sz="3600" i="1" dirty="0">
                 <a:solidFill>
                   <a:srgbClr val="FFFFFF"/>
                 </a:solidFill>
                 <a:latin typeface="Tw Cen MT" panose="020B0602020104020603" pitchFamily="34" charset="0"/>
               </a:rPr>
-              <a:t>Confronti</a:t>
+              <a:t>struc2vec </a:t>
             </a:r>
             <a:r>
               <a:rPr lang="en-US" altLang="it-IT" sz="3600" dirty="0">
@@ -9035,7 +8565,34 @@
                 </a:solidFill>
                 <a:latin typeface="Tw Cen MT" panose="020B0602020104020603" pitchFamily="34" charset="0"/>
               </a:rPr>
-              <a:t> - ending</a:t>
+              <a:t>vs </a:t>
+            </a:r>
+            <a:r>
+              <a:rPr lang="en-US" altLang="it-IT" sz="3600" i="1" dirty="0" err="1">
+                <a:solidFill>
+                  <a:srgbClr val="FFFFFF"/>
+                </a:solidFill>
+                <a:latin typeface="Tw Cen MT" panose="020B0602020104020603" pitchFamily="34" charset="0"/>
+              </a:rPr>
+              <a:t>DeepWalk</a:t>
+            </a:r>
+            <a:r>
+              <a:rPr lang="en-US" altLang="it-IT" sz="3600" dirty="0">
+                <a:solidFill>
+                  <a:srgbClr val="FFFFFF"/>
+                </a:solidFill>
+                <a:latin typeface="Tw Cen MT" panose="020B0602020104020603" pitchFamily="34" charset="0"/>
+              </a:rPr>
+              <a:t> e </a:t>
+            </a:r>
+            <a:r>
+              <a:rPr lang="en-US" altLang="it-IT" sz="3600" i="1" dirty="0">
+                <a:solidFill>
+                  <a:srgbClr val="FFFFFF"/>
+                </a:solidFill>
+                <a:latin typeface="Tw Cen MT" panose="020B0602020104020603" pitchFamily="34" charset="0"/>
+              </a:rPr>
+              <a:t>node2vec</a:t>
             </a:r>
           </a:p>
         </p:txBody>
@@ -9104,9 +8661,133 @@
             <a:fld id="{7A1D8CC2-AC32-48BF-A9F5-B79D7A95954F}" type="slidenum">
               <a:rPr lang="en-US" altLang="it-IT" smtClean="0"/>
               <a:pPr/>
-              <a:t>15</a:t>
+              <a:t>14</a:t>
             </a:fld>
             <a:endParaRPr lang="en-US" altLang="it-IT" dirty="0"/>
+          </a:p>
+        </p:txBody>
+      </p:sp>
+      <p:pic>
+        <p:nvPicPr>
+          <p:cNvPr id="10" name="Immagine 9" descr="Immagine che contiene disegnando&#10;&#10;Descrizione generata automaticamente">
+            <a:extLst>
+              <a:ext uri="{FF2B5EF4-FFF2-40B4-BE49-F238E27FC236}">
+                <a16:creationId xmlns:a16="http://schemas.microsoft.com/office/drawing/2014/main" id="{7E65633A-BC63-436F-A0A0-EA2E0BAE6D1F}"/>
+              </a:ext>
+            </a:extLst>
+          </p:cNvPr>
+          <p:cNvPicPr>
+            <a:picLocks noChangeAspect="1"/>
+          </p:cNvPicPr>
+          <p:nvPr/>
+        </p:nvPicPr>
+        <p:blipFill>
+          <a:blip r:embed="rId2"/>
+          <a:stretch>
+            <a:fillRect/>
+          </a:stretch>
+        </p:blipFill>
+        <p:spPr>
+          <a:xfrm>
+            <a:off x="616688" y="1421587"/>
+            <a:ext cx="5181850" cy="2215473"/>
+          </a:xfrm>
+          <a:prstGeom prst="rect">
+            <a:avLst/>
+          </a:prstGeom>
+        </p:spPr>
+      </p:pic>
+      <p:pic>
+        <p:nvPicPr>
+          <p:cNvPr id="7" name="Immagine 6" descr="Immagine che contiene mappa, testo, cucina, bianco&#10;&#10;Descrizione generata automaticamente">
+            <a:extLst>
+              <a:ext uri="{FF2B5EF4-FFF2-40B4-BE49-F238E27FC236}">
+                <a16:creationId xmlns:a16="http://schemas.microsoft.com/office/drawing/2014/main" id="{B810496C-0A70-4552-8D07-4ED76E86A4DD}"/>
+              </a:ext>
+            </a:extLst>
+          </p:cNvPr>
+          <p:cNvPicPr>
+            <a:picLocks noChangeAspect="1"/>
+          </p:cNvPicPr>
+          <p:nvPr/>
+        </p:nvPicPr>
+        <p:blipFill>
+          <a:blip r:embed="rId3"/>
+          <a:stretch>
+            <a:fillRect/>
+          </a:stretch>
+        </p:blipFill>
+        <p:spPr>
+          <a:xfrm>
+            <a:off x="-794" y="4002185"/>
+            <a:ext cx="9144000" cy="2473377"/>
+          </a:xfrm>
+          <a:prstGeom prst="rect">
+            <a:avLst/>
+          </a:prstGeom>
+        </p:spPr>
+      </p:pic>
+      <p:sp>
+        <p:nvSpPr>
+          <p:cNvPr id="2" name="CasellaDiTesto 1">
+            <a:extLst>
+              <a:ext uri="{FF2B5EF4-FFF2-40B4-BE49-F238E27FC236}">
+                <a16:creationId xmlns:a16="http://schemas.microsoft.com/office/drawing/2014/main" id="{80793CA3-A00E-41F4-8EC5-92591F07FDBB}"/>
+              </a:ext>
+            </a:extLst>
+          </p:cNvPr>
+          <p:cNvSpPr txBox="1"/>
+          <p:nvPr/>
+        </p:nvSpPr>
+        <p:spPr>
+          <a:xfrm>
+            <a:off x="6475228" y="2390974"/>
+            <a:ext cx="2052084" cy="461665"/>
+          </a:xfrm>
+          <a:prstGeom prst="rect">
+            <a:avLst/>
+          </a:prstGeom>
+          <a:noFill/>
+        </p:spPr>
+        <p:txBody>
+          <a:bodyPr wrap="square" rtlCol="0">
+            <a:spAutoFit/>
+          </a:bodyPr>
+          <a:lstStyle/>
+          <a:p>
+            <a:r>
+              <a:rPr lang="it-IT" sz="2400" i="1" dirty="0" err="1">
+                <a:solidFill>
+                  <a:srgbClr val="002060"/>
+                </a:solidFill>
+                <a:latin typeface="+mj-lt"/>
+              </a:rPr>
+              <a:t>Barbell</a:t>
+            </a:r>
+            <a:r>
+              <a:rPr lang="it-IT" sz="2400" i="1" dirty="0">
+                <a:solidFill>
+                  <a:srgbClr val="002060"/>
+                </a:solidFill>
+                <a:latin typeface="+mj-lt"/>
+              </a:rPr>
+              <a:t> </a:t>
+            </a:r>
+            <a:r>
+              <a:rPr lang="it-IT" sz="2400" i="1" dirty="0" err="1">
+                <a:solidFill>
+                  <a:srgbClr val="002060"/>
+                </a:solidFill>
+                <a:latin typeface="+mj-lt"/>
+              </a:rPr>
+              <a:t>graph</a:t>
+            </a:r>
+            <a:endParaRPr lang="it-IT" sz="2400" i="1" dirty="0">
+              <a:solidFill>
+                <a:srgbClr val="002060"/>
+              </a:solidFill>
+              <a:latin typeface="+mj-lt"/>
+            </a:endParaRPr>
           </a:p>
         </p:txBody>
       </p:sp>
@@ -9114,6 +8795,478 @@
     <p:extLst>
       <p:ext uri="{BB962C8B-B14F-4D97-AF65-F5344CB8AC3E}">
         <p14:creationId xmlns:p14="http://schemas.microsoft.com/office/powerpoint/2010/main" val="1582319596"/>
+      </p:ext>
+    </p:extLst>
+  </p:cSld>
+  <p:clrMapOvr>
+    <a:masterClrMapping/>
+  </p:clrMapOvr>
+</p:sld>
+</file>
+
+<file path=ppt/slides/slide15.xml><?xml version="1.0" encoding="utf-8"?>
+<p:sld xmlns:a="http://schemas.openxmlformats.org/drawingml/2006/main" xmlns:r="http://schemas.openxmlformats.org/officeDocument/2006/relationships" xmlns:p="http://schemas.openxmlformats.org/presentationml/2006/main">
+  <p:cSld>
+    <p:spTree>
+      <p:nvGrpSpPr>
+        <p:cNvPr id="1" name=""/>
+        <p:cNvGrpSpPr/>
+        <p:nvPr/>
+      </p:nvGrpSpPr>
+      <p:grpSpPr>
+        <a:xfrm>
+          <a:off x="0" y="0"/>
+          <a:ext cx="0" cy="0"/>
+          <a:chOff x="0" y="0"/>
+          <a:chExt cx="0" cy="0"/>
+        </a:xfrm>
+      </p:grpSpPr>
+      <p:sp>
+        <p:nvSpPr>
+          <p:cNvPr id="6" name="Title 1">
+            <a:extLst>
+              <a:ext uri="{FF2B5EF4-FFF2-40B4-BE49-F238E27FC236}">
+                <a16:creationId xmlns:a16="http://schemas.microsoft.com/office/drawing/2014/main" id="{B6FD3924-BD2E-47EB-8DCD-3AD635AE70B8}"/>
+              </a:ext>
+            </a:extLst>
+          </p:cNvPr>
+          <p:cNvSpPr txBox="1">
+            <a:spLocks/>
+          </p:cNvSpPr>
+          <p:nvPr/>
+        </p:nvSpPr>
+        <p:spPr bwMode="auto">
+          <a:xfrm>
+            <a:off x="15875" y="165692"/>
+            <a:ext cx="8842375" cy="1016000"/>
+          </a:xfrm>
+          <a:prstGeom prst="rect">
+            <a:avLst/>
+          </a:prstGeom>
+          <a:noFill/>
+          <a:ln>
+            <a:noFill/>
+          </a:ln>
+          <a:extLst>
+            <a:ext uri="{909E8E84-426E-40DD-AFC4-6F175D3DCCD1}">
+              <a14:hiddenFill xmlns:a14="http://schemas.microsoft.com/office/drawing/2010/main">
+                <a:solidFill>
+                  <a:srgbClr val="FFFFFF"/>
+                </a:solidFill>
+              </a14:hiddenFill>
+            </a:ext>
+            <a:ext uri="{91240B29-F687-4F45-9708-019B960494DF}">
+              <a14:hiddenLine xmlns:a14="http://schemas.microsoft.com/office/drawing/2010/main" w="9525">
+                <a:solidFill>
+                  <a:srgbClr val="000000"/>
+                </a:solidFill>
+                <a:miter lim="800000"/>
+                <a:headEnd/>
+                <a:tailEnd/>
+              </a14:hiddenLine>
+            </a:ext>
+          </a:extLst>
+        </p:spPr>
+        <p:txBody>
+          <a:bodyPr/>
+          <a:lstStyle>
+            <a:lvl1pPr eaLnBrk="0" hangingPunct="0">
+              <a:defRPr sz="2400">
+                <a:solidFill>
+                  <a:schemeClr val="tx1"/>
+                </a:solidFill>
+                <a:latin typeface="Arial" panose="020B0604020202020204" pitchFamily="34" charset="0"/>
+                <a:ea typeface="MS PGothic" panose="020B0600070205080204" pitchFamily="34" charset="-128"/>
+              </a:defRPr>
+            </a:lvl1pPr>
+            <a:lvl2pPr marL="742950" indent="-285750" eaLnBrk="0" hangingPunct="0">
+              <a:defRPr sz="2400">
+                <a:solidFill>
+                  <a:schemeClr val="tx1"/>
+                </a:solidFill>
+                <a:latin typeface="Arial" panose="020B0604020202020204" pitchFamily="34" charset="0"/>
+                <a:ea typeface="MS PGothic" panose="020B0600070205080204" pitchFamily="34" charset="-128"/>
+              </a:defRPr>
+            </a:lvl2pPr>
+            <a:lvl3pPr marL="1143000" indent="-228600" eaLnBrk="0" hangingPunct="0">
+              <a:defRPr sz="2400">
+                <a:solidFill>
+                  <a:schemeClr val="tx1"/>
+                </a:solidFill>
+                <a:latin typeface="Arial" panose="020B0604020202020204" pitchFamily="34" charset="0"/>
+                <a:ea typeface="MS PGothic" panose="020B0600070205080204" pitchFamily="34" charset="-128"/>
+              </a:defRPr>
+            </a:lvl3pPr>
+            <a:lvl4pPr marL="1600200" indent="-228600" eaLnBrk="0" hangingPunct="0">
+              <a:defRPr sz="2400">
+                <a:solidFill>
+                  <a:schemeClr val="tx1"/>
+                </a:solidFill>
+                <a:latin typeface="Arial" panose="020B0604020202020204" pitchFamily="34" charset="0"/>
+                <a:ea typeface="MS PGothic" panose="020B0600070205080204" pitchFamily="34" charset="-128"/>
+              </a:defRPr>
+            </a:lvl4pPr>
+            <a:lvl5pPr marL="2057400" indent="-228600" eaLnBrk="0" hangingPunct="0">
+              <a:defRPr sz="2400">
+                <a:solidFill>
+                  <a:schemeClr val="tx1"/>
+                </a:solidFill>
+                <a:latin typeface="Arial" panose="020B0604020202020204" pitchFamily="34" charset="0"/>
+                <a:ea typeface="MS PGothic" panose="020B0600070205080204" pitchFamily="34" charset="-128"/>
+              </a:defRPr>
+            </a:lvl5pPr>
+            <a:lvl6pPr marL="2514600" indent="-228600" defTabSz="457200" eaLnBrk="0" fontAlgn="base" hangingPunct="0">
+              <a:spcBef>
+                <a:spcPct val="0"/>
+              </a:spcBef>
+              <a:spcAft>
+                <a:spcPct val="0"/>
+              </a:spcAft>
+              <a:defRPr sz="2400">
+                <a:solidFill>
+                  <a:schemeClr val="tx1"/>
+                </a:solidFill>
+                <a:latin typeface="Arial" panose="020B0604020202020204" pitchFamily="34" charset="0"/>
+                <a:ea typeface="MS PGothic" panose="020B0600070205080204" pitchFamily="34" charset="-128"/>
+              </a:defRPr>
+            </a:lvl6pPr>
+            <a:lvl7pPr marL="2971800" indent="-228600" defTabSz="457200" eaLnBrk="0" fontAlgn="base" hangingPunct="0">
+              <a:spcBef>
+                <a:spcPct val="0"/>
+              </a:spcBef>
+              <a:spcAft>
+                <a:spcPct val="0"/>
+              </a:spcAft>
+              <a:defRPr sz="2400">
+                <a:solidFill>
+                  <a:schemeClr val="tx1"/>
+                </a:solidFill>
+                <a:latin typeface="Arial" panose="020B0604020202020204" pitchFamily="34" charset="0"/>
+                <a:ea typeface="MS PGothic" panose="020B0600070205080204" pitchFamily="34" charset="-128"/>
+              </a:defRPr>
+            </a:lvl7pPr>
+            <a:lvl8pPr marL="3429000" indent="-228600" defTabSz="457200" eaLnBrk="0" fontAlgn="base" hangingPunct="0">
+              <a:spcBef>
+                <a:spcPct val="0"/>
+              </a:spcBef>
+              <a:spcAft>
+                <a:spcPct val="0"/>
+              </a:spcAft>
+              <a:defRPr sz="2400">
+                <a:solidFill>
+                  <a:schemeClr val="tx1"/>
+                </a:solidFill>
+                <a:latin typeface="Arial" panose="020B0604020202020204" pitchFamily="34" charset="0"/>
+                <a:ea typeface="MS PGothic" panose="020B0600070205080204" pitchFamily="34" charset="-128"/>
+              </a:defRPr>
+            </a:lvl8pPr>
+            <a:lvl9pPr marL="3886200" indent="-228600" defTabSz="457200" eaLnBrk="0" fontAlgn="base" hangingPunct="0">
+              <a:spcBef>
+                <a:spcPct val="0"/>
+              </a:spcBef>
+              <a:spcAft>
+                <a:spcPct val="0"/>
+              </a:spcAft>
+              <a:defRPr sz="2400">
+                <a:solidFill>
+                  <a:schemeClr val="tx1"/>
+                </a:solidFill>
+                <a:latin typeface="Arial" panose="020B0604020202020204" pitchFamily="34" charset="0"/>
+                <a:ea typeface="MS PGothic" panose="020B0600070205080204" pitchFamily="34" charset="-128"/>
+              </a:defRPr>
+            </a:lvl9pPr>
+          </a:lstStyle>
+          <a:p>
+            <a:r>
+              <a:rPr lang="en-US" altLang="it-IT" sz="3600" i="1" dirty="0">
+                <a:solidFill>
+                  <a:srgbClr val="FFFFFF"/>
+                </a:solidFill>
+                <a:latin typeface="Tw Cen MT" panose="020B0602020104020603" pitchFamily="34" charset="0"/>
+              </a:rPr>
+              <a:t>struc2vec </a:t>
+            </a:r>
+            <a:r>
+              <a:rPr lang="en-US" altLang="it-IT" sz="3600" dirty="0">
+                <a:solidFill>
+                  <a:srgbClr val="FFFFFF"/>
+                </a:solidFill>
+                <a:latin typeface="Tw Cen MT" panose="020B0602020104020603" pitchFamily="34" charset="0"/>
+              </a:rPr>
+              <a:t>vs </a:t>
+            </a:r>
+            <a:r>
+              <a:rPr lang="en-US" altLang="it-IT" sz="3600" i="1" dirty="0" err="1">
+                <a:solidFill>
+                  <a:srgbClr val="FFFFFF"/>
+                </a:solidFill>
+                <a:latin typeface="Tw Cen MT" panose="020B0602020104020603" pitchFamily="34" charset="0"/>
+              </a:rPr>
+              <a:t>DeepWalk</a:t>
+            </a:r>
+            <a:r>
+              <a:rPr lang="en-US" altLang="it-IT" sz="3600" dirty="0">
+                <a:solidFill>
+                  <a:srgbClr val="FFFFFF"/>
+                </a:solidFill>
+                <a:latin typeface="Tw Cen MT" panose="020B0602020104020603" pitchFamily="34" charset="0"/>
+              </a:rPr>
+              <a:t> e </a:t>
+            </a:r>
+            <a:r>
+              <a:rPr lang="en-US" altLang="it-IT" sz="3600" i="1" dirty="0">
+                <a:solidFill>
+                  <a:srgbClr val="FFFFFF"/>
+                </a:solidFill>
+                <a:latin typeface="Tw Cen MT" panose="020B0602020104020603" pitchFamily="34" charset="0"/>
+              </a:rPr>
+              <a:t>node2vec</a:t>
+            </a:r>
+          </a:p>
+        </p:txBody>
+      </p:sp>
+      <p:sp>
+        <p:nvSpPr>
+          <p:cNvPr id="3" name="Segnaposto piè di pagina 2">
+            <a:extLst>
+              <a:ext uri="{FF2B5EF4-FFF2-40B4-BE49-F238E27FC236}">
+                <a16:creationId xmlns:a16="http://schemas.microsoft.com/office/drawing/2014/main" id="{E250C3CF-1955-4896-A806-CE5DDC834974}"/>
+              </a:ext>
+            </a:extLst>
+          </p:cNvPr>
+          <p:cNvSpPr>
+            <a:spLocks noGrp="1"/>
+          </p:cNvSpPr>
+          <p:nvPr>
+            <p:ph type="ftr" sz="quarter" idx="11"/>
+          </p:nvPr>
+        </p:nvSpPr>
+        <p:spPr/>
+        <p:txBody>
+          <a:bodyPr/>
+          <a:lstStyle/>
+          <a:p>
+            <a:pPr>
+              <a:defRPr/>
+            </a:pPr>
+            <a:r>
+              <a:rPr lang="it-IT" dirty="0"/>
+              <a:t>Masiero L. </a:t>
+            </a:r>
+            <a:r>
+              <a:rPr lang="it-IT" dirty="0" err="1"/>
+              <a:t>Ivancich</a:t>
+            </a:r>
+            <a:r>
+              <a:rPr lang="it-IT" dirty="0"/>
+              <a:t> S.</a:t>
+            </a:r>
+            <a:endParaRPr lang="en-US" dirty="0"/>
+          </a:p>
+        </p:txBody>
+      </p:sp>
+      <p:sp>
+        <p:nvSpPr>
+          <p:cNvPr id="4" name="Segnaposto numero diapositiva 3">
+            <a:extLst>
+              <a:ext uri="{FF2B5EF4-FFF2-40B4-BE49-F238E27FC236}">
+                <a16:creationId xmlns:a16="http://schemas.microsoft.com/office/drawing/2014/main" id="{5C0935C8-2051-45CC-A755-E45239AABEA6}"/>
+              </a:ext>
+            </a:extLst>
+          </p:cNvPr>
+          <p:cNvSpPr>
+            <a:spLocks noGrp="1"/>
+          </p:cNvSpPr>
+          <p:nvPr>
+            <p:ph type="sldNum" sz="quarter" idx="12"/>
+          </p:nvPr>
+        </p:nvSpPr>
+        <p:spPr/>
+        <p:txBody>
+          <a:bodyPr/>
+          <a:lstStyle/>
+          <a:p>
+            <a:fld id="{7A1D8CC2-AC32-48BF-A9F5-B79D7A95954F}" type="slidenum">
+              <a:rPr lang="en-US" altLang="it-IT" smtClean="0"/>
+              <a:pPr/>
+              <a:t>15</a:t>
+            </a:fld>
+            <a:endParaRPr lang="en-US" altLang="it-IT" dirty="0"/>
+          </a:p>
+        </p:txBody>
+      </p:sp>
+      <p:sp>
+        <p:nvSpPr>
+          <p:cNvPr id="9" name="CasellaDiTesto 8">
+            <a:extLst>
+              <a:ext uri="{FF2B5EF4-FFF2-40B4-BE49-F238E27FC236}">
+                <a16:creationId xmlns:a16="http://schemas.microsoft.com/office/drawing/2014/main" id="{0587F647-104A-49C4-BF6E-EC158814792B}"/>
+              </a:ext>
+            </a:extLst>
+          </p:cNvPr>
+          <p:cNvSpPr txBox="1"/>
+          <p:nvPr/>
+        </p:nvSpPr>
+        <p:spPr>
+          <a:xfrm>
+            <a:off x="1621526" y="1288437"/>
+            <a:ext cx="3096557" cy="461665"/>
+          </a:xfrm>
+          <a:prstGeom prst="rect">
+            <a:avLst/>
+          </a:prstGeom>
+          <a:noFill/>
+        </p:spPr>
+        <p:txBody>
+          <a:bodyPr wrap="square" rtlCol="0">
+            <a:spAutoFit/>
+          </a:bodyPr>
+          <a:lstStyle/>
+          <a:p>
+            <a:r>
+              <a:rPr lang="it-IT" sz="2400" i="1" dirty="0" err="1">
+                <a:solidFill>
+                  <a:srgbClr val="002060"/>
+                </a:solidFill>
+                <a:latin typeface="+mj-lt"/>
+              </a:rPr>
+              <a:t>Zachary’s</a:t>
+            </a:r>
+            <a:r>
+              <a:rPr lang="it-IT" sz="2400" i="1" dirty="0">
+                <a:solidFill>
+                  <a:srgbClr val="002060"/>
+                </a:solidFill>
+                <a:latin typeface="+mj-lt"/>
+              </a:rPr>
+              <a:t> Karate Club</a:t>
+            </a:r>
+          </a:p>
+        </p:txBody>
+      </p:sp>
+      <p:pic>
+        <p:nvPicPr>
+          <p:cNvPr id="5" name="Immagine 4">
+            <a:extLst>
+              <a:ext uri="{FF2B5EF4-FFF2-40B4-BE49-F238E27FC236}">
+                <a16:creationId xmlns:a16="http://schemas.microsoft.com/office/drawing/2014/main" id="{B13BDB94-5DDC-486E-8C8D-269FFB629D3B}"/>
+              </a:ext>
+            </a:extLst>
+          </p:cNvPr>
+          <p:cNvPicPr>
+            <a:picLocks noChangeAspect="1"/>
+          </p:cNvPicPr>
+          <p:nvPr/>
+        </p:nvPicPr>
+        <p:blipFill>
+          <a:blip r:embed="rId2"/>
+          <a:stretch>
+            <a:fillRect/>
+          </a:stretch>
+        </p:blipFill>
+        <p:spPr>
+          <a:xfrm>
+            <a:off x="285750" y="1927066"/>
+            <a:ext cx="2670183" cy="2052085"/>
+          </a:xfrm>
+          <a:prstGeom prst="rect">
+            <a:avLst/>
+          </a:prstGeom>
+        </p:spPr>
+      </p:pic>
+      <p:pic>
+        <p:nvPicPr>
+          <p:cNvPr id="12" name="Immagine 11" descr="Immagine che contiene testo&#10;&#10;Descrizione generata automaticamente">
+            <a:extLst>
+              <a:ext uri="{FF2B5EF4-FFF2-40B4-BE49-F238E27FC236}">
+                <a16:creationId xmlns:a16="http://schemas.microsoft.com/office/drawing/2014/main" id="{7639A5B4-1DEA-4772-B22D-7CBC08D43426}"/>
+              </a:ext>
+            </a:extLst>
+          </p:cNvPr>
+          <p:cNvPicPr>
+            <a:picLocks noChangeAspect="1"/>
+          </p:cNvPicPr>
+          <p:nvPr/>
+        </p:nvPicPr>
+        <p:blipFill>
+          <a:blip r:embed="rId3"/>
+          <a:stretch>
+            <a:fillRect/>
+          </a:stretch>
+        </p:blipFill>
+        <p:spPr>
+          <a:xfrm>
+            <a:off x="271518" y="4156115"/>
+            <a:ext cx="2570839" cy="1996275"/>
+          </a:xfrm>
+          <a:prstGeom prst="rect">
+            <a:avLst/>
+          </a:prstGeom>
+        </p:spPr>
+      </p:pic>
+      <p:pic>
+        <p:nvPicPr>
+          <p:cNvPr id="14" name="Immagine 13">
+            <a:extLst>
+              <a:ext uri="{FF2B5EF4-FFF2-40B4-BE49-F238E27FC236}">
+                <a16:creationId xmlns:a16="http://schemas.microsoft.com/office/drawing/2014/main" id="{70F7A59F-175E-4A02-9756-3946E9E5C35C}"/>
+              </a:ext>
+            </a:extLst>
+          </p:cNvPr>
+          <p:cNvPicPr>
+            <a:picLocks noChangeAspect="1"/>
+          </p:cNvPicPr>
+          <p:nvPr/>
+        </p:nvPicPr>
+        <p:blipFill>
+          <a:blip r:embed="rId4"/>
+          <a:stretch>
+            <a:fillRect/>
+          </a:stretch>
+        </p:blipFill>
+        <p:spPr>
+          <a:xfrm>
+            <a:off x="3572644" y="3058527"/>
+            <a:ext cx="4733156" cy="3633781"/>
+          </a:xfrm>
+          <a:prstGeom prst="rect">
+            <a:avLst/>
+          </a:prstGeom>
+        </p:spPr>
+      </p:pic>
+      <p:pic>
+        <p:nvPicPr>
+          <p:cNvPr id="8" name="Immagine 7" descr="Immagine che contiene testo, mappa&#10;&#10;Descrizione generata automaticamente">
+            <a:extLst>
+              <a:ext uri="{FF2B5EF4-FFF2-40B4-BE49-F238E27FC236}">
+                <a16:creationId xmlns:a16="http://schemas.microsoft.com/office/drawing/2014/main" id="{4BFFE64F-978F-4642-92A3-3977648D5EC8}"/>
+              </a:ext>
+            </a:extLst>
+          </p:cNvPr>
+          <p:cNvPicPr>
+            <a:picLocks noChangeAspect="1"/>
+          </p:cNvPicPr>
+          <p:nvPr/>
+        </p:nvPicPr>
+        <p:blipFill rotWithShape="1">
+          <a:blip r:embed="rId5"/>
+          <a:srcRect b="44379"/>
+          <a:stretch/>
+        </p:blipFill>
+        <p:spPr>
+          <a:xfrm>
+            <a:off x="5145762" y="1181692"/>
+            <a:ext cx="3726720" cy="2296789"/>
+          </a:xfrm>
+          <a:prstGeom prst="rect">
+            <a:avLst/>
+          </a:prstGeom>
+        </p:spPr>
+      </p:pic>
+    </p:spTree>
+    <p:extLst>
+      <p:ext uri="{BB962C8B-B14F-4D97-AF65-F5344CB8AC3E}">
+        <p14:creationId xmlns:p14="http://schemas.microsoft.com/office/powerpoint/2010/main" val="3508289653"/>
       </p:ext>
     </p:extLst>
   </p:cSld>
@@ -10453,17 +10606,14 @@
                 </a:solidFill>
                 <a:latin typeface="Tw Cen MT" panose="020B0602020104020603" pitchFamily="34" charset="0"/>
               </a:rPr>
-              <a:t>Confronti</a:t>
-            </a:r>
-            <a:r>
-              <a:rPr lang="en-US" altLang="it-IT" sz="3600" dirty="0">
-                <a:solidFill>
-                  <a:srgbClr val="FFFFFF"/>
-                </a:solidFill>
-                <a:latin typeface="Tw Cen MT" panose="020B0602020104020603" pitchFamily="34" charset="0"/>
-              </a:rPr>
-              <a:t> - ending</a:t>
-            </a:r>
+              <a:t>Conclusioni</a:t>
+            </a:r>
+            <a:endParaRPr lang="en-US" altLang="it-IT" sz="3600" dirty="0">
+              <a:solidFill>
+                <a:srgbClr val="FFFFFF"/>
+              </a:solidFill>
+              <a:latin typeface="Tw Cen MT" panose="020B0602020104020603" pitchFamily="34" charset="0"/>
+            </a:endParaRPr>
           </a:p>
         </p:txBody>
       </p:sp>
@@ -10532,280 +10682,6 @@
               <a:rPr lang="en-US" altLang="it-IT" smtClean="0"/>
               <a:pPr/>
               <a:t>18</a:t>
-            </a:fld>
-            <a:endParaRPr lang="en-US" altLang="it-IT" dirty="0"/>
-          </a:p>
-        </p:txBody>
-      </p:sp>
-    </p:spTree>
-    <p:extLst>
-      <p:ext uri="{BB962C8B-B14F-4D97-AF65-F5344CB8AC3E}">
-        <p14:creationId xmlns:p14="http://schemas.microsoft.com/office/powerpoint/2010/main" val="544743387"/>
-      </p:ext>
-    </p:extLst>
-  </p:cSld>
-  <p:clrMapOvr>
-    <a:masterClrMapping/>
-  </p:clrMapOvr>
-</p:sld>
-</file>
-
-<file path=ppt/slides/slide19.xml><?xml version="1.0" encoding="utf-8"?>
-<p:sld xmlns:a="http://schemas.openxmlformats.org/drawingml/2006/main" xmlns:r="http://schemas.openxmlformats.org/officeDocument/2006/relationships" xmlns:p="http://schemas.openxmlformats.org/presentationml/2006/main">
-  <p:cSld>
-    <p:spTree>
-      <p:nvGrpSpPr>
-        <p:cNvPr id="1" name=""/>
-        <p:cNvGrpSpPr/>
-        <p:nvPr/>
-      </p:nvGrpSpPr>
-      <p:grpSpPr>
-        <a:xfrm>
-          <a:off x="0" y="0"/>
-          <a:ext cx="0" cy="0"/>
-          <a:chOff x="0" y="0"/>
-          <a:chExt cx="0" cy="0"/>
-        </a:xfrm>
-      </p:grpSpPr>
-      <p:sp>
-        <p:nvSpPr>
-          <p:cNvPr id="6" name="Title 1">
-            <a:extLst>
-              <a:ext uri="{FF2B5EF4-FFF2-40B4-BE49-F238E27FC236}">
-                <a16:creationId xmlns:a16="http://schemas.microsoft.com/office/drawing/2014/main" id="{B6FD3924-BD2E-47EB-8DCD-3AD635AE70B8}"/>
-              </a:ext>
-            </a:extLst>
-          </p:cNvPr>
-          <p:cNvSpPr txBox="1">
-            <a:spLocks/>
-          </p:cNvSpPr>
-          <p:nvPr/>
-        </p:nvSpPr>
-        <p:spPr bwMode="auto">
-          <a:xfrm>
-            <a:off x="15875" y="165692"/>
-            <a:ext cx="8842375" cy="1016000"/>
-          </a:xfrm>
-          <a:prstGeom prst="rect">
-            <a:avLst/>
-          </a:prstGeom>
-          <a:noFill/>
-          <a:ln>
-            <a:noFill/>
-          </a:ln>
-          <a:extLst>
-            <a:ext uri="{909E8E84-426E-40DD-AFC4-6F175D3DCCD1}">
-              <a14:hiddenFill xmlns:a14="http://schemas.microsoft.com/office/drawing/2010/main">
-                <a:solidFill>
-                  <a:srgbClr val="FFFFFF"/>
-                </a:solidFill>
-              </a14:hiddenFill>
-            </a:ext>
-            <a:ext uri="{91240B29-F687-4F45-9708-019B960494DF}">
-              <a14:hiddenLine xmlns:a14="http://schemas.microsoft.com/office/drawing/2010/main" w="9525">
-                <a:solidFill>
-                  <a:srgbClr val="000000"/>
-                </a:solidFill>
-                <a:miter lim="800000"/>
-                <a:headEnd/>
-                <a:tailEnd/>
-              </a14:hiddenLine>
-            </a:ext>
-          </a:extLst>
-        </p:spPr>
-        <p:txBody>
-          <a:bodyPr/>
-          <a:lstStyle>
-            <a:lvl1pPr eaLnBrk="0" hangingPunct="0">
-              <a:defRPr sz="2400">
-                <a:solidFill>
-                  <a:schemeClr val="tx1"/>
-                </a:solidFill>
-                <a:latin typeface="Arial" panose="020B0604020202020204" pitchFamily="34" charset="0"/>
-                <a:ea typeface="MS PGothic" panose="020B0600070205080204" pitchFamily="34" charset="-128"/>
-              </a:defRPr>
-            </a:lvl1pPr>
-            <a:lvl2pPr marL="742950" indent="-285750" eaLnBrk="0" hangingPunct="0">
-              <a:defRPr sz="2400">
-                <a:solidFill>
-                  <a:schemeClr val="tx1"/>
-                </a:solidFill>
-                <a:latin typeface="Arial" panose="020B0604020202020204" pitchFamily="34" charset="0"/>
-                <a:ea typeface="MS PGothic" panose="020B0600070205080204" pitchFamily="34" charset="-128"/>
-              </a:defRPr>
-            </a:lvl2pPr>
-            <a:lvl3pPr marL="1143000" indent="-228600" eaLnBrk="0" hangingPunct="0">
-              <a:defRPr sz="2400">
-                <a:solidFill>
-                  <a:schemeClr val="tx1"/>
-                </a:solidFill>
-                <a:latin typeface="Arial" panose="020B0604020202020204" pitchFamily="34" charset="0"/>
-                <a:ea typeface="MS PGothic" panose="020B0600070205080204" pitchFamily="34" charset="-128"/>
-              </a:defRPr>
-            </a:lvl3pPr>
-            <a:lvl4pPr marL="1600200" indent="-228600" eaLnBrk="0" hangingPunct="0">
-              <a:defRPr sz="2400">
-                <a:solidFill>
-                  <a:schemeClr val="tx1"/>
-                </a:solidFill>
-                <a:latin typeface="Arial" panose="020B0604020202020204" pitchFamily="34" charset="0"/>
-                <a:ea typeface="MS PGothic" panose="020B0600070205080204" pitchFamily="34" charset="-128"/>
-              </a:defRPr>
-            </a:lvl4pPr>
-            <a:lvl5pPr marL="2057400" indent="-228600" eaLnBrk="0" hangingPunct="0">
-              <a:defRPr sz="2400">
-                <a:solidFill>
-                  <a:schemeClr val="tx1"/>
-                </a:solidFill>
-                <a:latin typeface="Arial" panose="020B0604020202020204" pitchFamily="34" charset="0"/>
-                <a:ea typeface="MS PGothic" panose="020B0600070205080204" pitchFamily="34" charset="-128"/>
-              </a:defRPr>
-            </a:lvl5pPr>
-            <a:lvl6pPr marL="2514600" indent="-228600" defTabSz="457200" eaLnBrk="0" fontAlgn="base" hangingPunct="0">
-              <a:spcBef>
-                <a:spcPct val="0"/>
-              </a:spcBef>
-              <a:spcAft>
-                <a:spcPct val="0"/>
-              </a:spcAft>
-              <a:defRPr sz="2400">
-                <a:solidFill>
-                  <a:schemeClr val="tx1"/>
-                </a:solidFill>
-                <a:latin typeface="Arial" panose="020B0604020202020204" pitchFamily="34" charset="0"/>
-                <a:ea typeface="MS PGothic" panose="020B0600070205080204" pitchFamily="34" charset="-128"/>
-              </a:defRPr>
-            </a:lvl6pPr>
-            <a:lvl7pPr marL="2971800" indent="-228600" defTabSz="457200" eaLnBrk="0" fontAlgn="base" hangingPunct="0">
-              <a:spcBef>
-                <a:spcPct val="0"/>
-              </a:spcBef>
-              <a:spcAft>
-                <a:spcPct val="0"/>
-              </a:spcAft>
-              <a:defRPr sz="2400">
-                <a:solidFill>
-                  <a:schemeClr val="tx1"/>
-                </a:solidFill>
-                <a:latin typeface="Arial" panose="020B0604020202020204" pitchFamily="34" charset="0"/>
-                <a:ea typeface="MS PGothic" panose="020B0600070205080204" pitchFamily="34" charset="-128"/>
-              </a:defRPr>
-            </a:lvl7pPr>
-            <a:lvl8pPr marL="3429000" indent="-228600" defTabSz="457200" eaLnBrk="0" fontAlgn="base" hangingPunct="0">
-              <a:spcBef>
-                <a:spcPct val="0"/>
-              </a:spcBef>
-              <a:spcAft>
-                <a:spcPct val="0"/>
-              </a:spcAft>
-              <a:defRPr sz="2400">
-                <a:solidFill>
-                  <a:schemeClr val="tx1"/>
-                </a:solidFill>
-                <a:latin typeface="Arial" panose="020B0604020202020204" pitchFamily="34" charset="0"/>
-                <a:ea typeface="MS PGothic" panose="020B0600070205080204" pitchFamily="34" charset="-128"/>
-              </a:defRPr>
-            </a:lvl8pPr>
-            <a:lvl9pPr marL="3886200" indent="-228600" defTabSz="457200" eaLnBrk="0" fontAlgn="base" hangingPunct="0">
-              <a:spcBef>
-                <a:spcPct val="0"/>
-              </a:spcBef>
-              <a:spcAft>
-                <a:spcPct val="0"/>
-              </a:spcAft>
-              <a:defRPr sz="2400">
-                <a:solidFill>
-                  <a:schemeClr val="tx1"/>
-                </a:solidFill>
-                <a:latin typeface="Arial" panose="020B0604020202020204" pitchFamily="34" charset="0"/>
-                <a:ea typeface="MS PGothic" panose="020B0600070205080204" pitchFamily="34" charset="-128"/>
-              </a:defRPr>
-            </a:lvl9pPr>
-          </a:lstStyle>
-          <a:p>
-            <a:r>
-              <a:rPr lang="en-US" altLang="it-IT" sz="3600" dirty="0" err="1">
-                <a:solidFill>
-                  <a:srgbClr val="FFFFFF"/>
-                </a:solidFill>
-                <a:latin typeface="Tw Cen MT" panose="020B0602020104020603" pitchFamily="34" charset="0"/>
-              </a:rPr>
-              <a:t>Conclusioni</a:t>
-            </a:r>
-            <a:endParaRPr lang="en-US" altLang="it-IT" sz="3600" dirty="0">
-              <a:solidFill>
-                <a:srgbClr val="FFFFFF"/>
-              </a:solidFill>
-              <a:latin typeface="Tw Cen MT" panose="020B0602020104020603" pitchFamily="34" charset="0"/>
-            </a:endParaRPr>
-          </a:p>
-        </p:txBody>
-      </p:sp>
-      <p:sp>
-        <p:nvSpPr>
-          <p:cNvPr id="3" name="Segnaposto piè di pagina 2">
-            <a:extLst>
-              <a:ext uri="{FF2B5EF4-FFF2-40B4-BE49-F238E27FC236}">
-                <a16:creationId xmlns:a16="http://schemas.microsoft.com/office/drawing/2014/main" id="{E250C3CF-1955-4896-A806-CE5DDC834974}"/>
-              </a:ext>
-            </a:extLst>
-          </p:cNvPr>
-          <p:cNvSpPr>
-            <a:spLocks noGrp="1"/>
-          </p:cNvSpPr>
-          <p:nvPr>
-            <p:ph type="ftr" sz="quarter" idx="11"/>
-          </p:nvPr>
-        </p:nvSpPr>
-        <p:spPr/>
-        <p:txBody>
-          <a:bodyPr/>
-          <a:lstStyle/>
-          <a:p>
-            <a:pPr>
-              <a:defRPr/>
-            </a:pPr>
-            <a:r>
-              <a:rPr lang="it-IT" dirty="0"/>
-              <a:t>Masiero L. </a:t>
-            </a:r>
-            <a:r>
-              <a:rPr lang="it-IT" dirty="0" err="1"/>
-              <a:t>Ivancich</a:t>
-            </a:r>
-            <a:r>
-              <a:rPr lang="it-IT" dirty="0"/>
-              <a:t> S.</a:t>
-            </a:r>
-            <a:endParaRPr lang="en-US" dirty="0"/>
-          </a:p>
-        </p:txBody>
-      </p:sp>
-      <p:sp>
-        <p:nvSpPr>
-          <p:cNvPr id="4" name="Segnaposto numero diapositiva 3">
-            <a:extLst>
-              <a:ext uri="{FF2B5EF4-FFF2-40B4-BE49-F238E27FC236}">
-                <a16:creationId xmlns:a16="http://schemas.microsoft.com/office/drawing/2014/main" id="{5C0935C8-2051-45CC-A755-E45239AABEA6}"/>
-              </a:ext>
-            </a:extLst>
-          </p:cNvPr>
-          <p:cNvSpPr>
-            <a:spLocks noGrp="1"/>
-          </p:cNvSpPr>
-          <p:nvPr>
-            <p:ph type="sldNum" sz="quarter" idx="12"/>
-          </p:nvPr>
-        </p:nvSpPr>
-        <p:spPr/>
-        <p:txBody>
-          <a:bodyPr/>
-          <a:lstStyle/>
-          <a:p>
-            <a:fld id="{7A1D8CC2-AC32-48BF-A9F5-B79D7A95954F}" type="slidenum">
-              <a:rPr lang="en-US" altLang="it-IT" smtClean="0"/>
-              <a:pPr/>
-              <a:t>19</a:t>
             </a:fld>
             <a:endParaRPr lang="en-US" altLang="it-IT" dirty="0"/>
           </a:p>
@@ -11254,25 +11130,7 @@
                 </a:solidFill>
                 <a:latin typeface="Tw Cen MT" panose="020B0602020104020603" pitchFamily="34" charset="0"/>
               </a:rPr>
-              <a:t>Network </a:t>
-            </a:r>
-            <a:r>
-              <a:rPr lang="en-US" altLang="it-IT" sz="3600" i="1" dirty="0" err="1">
-                <a:solidFill>
-                  <a:srgbClr val="FFFFFF"/>
-                </a:solidFill>
-                <a:latin typeface="Tw Cen MT" panose="020B0602020104020603" pitchFamily="34" charset="0"/>
-              </a:rPr>
-              <a:t>Alignement</a:t>
-            </a:r>
-            <a:r>
-              <a:rPr lang="en-US" altLang="it-IT" sz="3600" i="1" dirty="0">
-                <a:solidFill>
-                  <a:srgbClr val="FFFFFF"/>
-                </a:solidFill>
-                <a:latin typeface="Tw Cen MT" panose="020B0602020104020603" pitchFamily="34" charset="0"/>
-              </a:rPr>
-              <a:t> </a:t>
+              <a:t>Network Alignment </a:t>
             </a:r>
             <a:r>
               <a:rPr lang="en-US" altLang="it-IT" sz="3600" dirty="0">
@@ -11641,25 +11499,7 @@
                 </a:solidFill>
                 <a:latin typeface="Tw Cen MT" panose="020B0602020104020603" pitchFamily="34" charset="0"/>
               </a:rPr>
-              <a:t>Network </a:t>
-            </a:r>
-            <a:r>
-              <a:rPr lang="en-US" altLang="it-IT" sz="3600" i="1" dirty="0" err="1">
-                <a:solidFill>
-                  <a:srgbClr val="FFFFFF"/>
-                </a:solidFill>
-                <a:latin typeface="Tw Cen MT" panose="020B0602020104020603" pitchFamily="34" charset="0"/>
-              </a:rPr>
-              <a:t>Alignement</a:t>
-            </a:r>
-            <a:r>
-              <a:rPr lang="en-US" altLang="it-IT" sz="3600" i="1" dirty="0">
-                <a:solidFill>
-                  <a:srgbClr val="FFFFFF"/>
-                </a:solidFill>
-                <a:latin typeface="Tw Cen MT" panose="020B0602020104020603" pitchFamily="34" charset="0"/>
-              </a:rPr>
-              <a:t> </a:t>
+              <a:t>Network Alignment </a:t>
             </a:r>
             <a:r>
               <a:rPr lang="en-US" altLang="it-IT" sz="3600" dirty="0">
@@ -11723,7 +11563,7 @@
                   <a:rPr lang="it-IT" dirty="0">
                     <a:latin typeface="+mn-lt"/>
                   </a:rPr>
-                  <a:t> di reti biologiche sono utili in molti contesti: avere molte informazioni su alcuni nodi di una determinata rete </a:t>
+                  <a:t> di reti biologiche sono utili in molti contesti: avendo molte informazioni su alcuni nodi di una determinata rete </a:t>
                 </a:r>
                 <a14:m>
                   <m:oMath xmlns:m="http://schemas.openxmlformats.org/officeDocument/2006/math">
@@ -11907,11 +11747,10 @@
                   <a:rPr lang="it-IT" dirty="0">
                     <a:latin typeface="+mn-lt"/>
                   </a:rPr>
-                  <a:t>.</a:t>
+                  <a:t> (insieme delle interazioni molecolari in una cellula).</a:t>
                 </a:r>
               </a:p>
               <a:p>
-                <a:pPr algn="just"/>
                 <a:endParaRPr lang="it-IT" dirty="0">
                   <a:latin typeface="+mn-lt"/>
                 </a:endParaRPr>
@@ -11950,7 +11789,7 @@
                 <a:r>
                   <a:rPr lang="it-IT" b="1" dirty="0">
                     <a:solidFill>
-                      <a:srgbClr val="FFC000"/>
+                      <a:srgbClr val="FF6600"/>
                     </a:solidFill>
                     <a:latin typeface="+mn-lt"/>
                   </a:rPr>
@@ -11964,7 +11803,6 @@
                 </a:r>
               </a:p>
               <a:p>
-                <a:pPr algn="just"/>
                 <a:endParaRPr lang="it-IT" dirty="0">
                   <a:latin typeface="+mn-lt"/>
                 </a:endParaRPr>
@@ -12396,9 +12234,7 @@
                 <a:r>
                   <a:rPr lang="it-IT" i="1" dirty="0">
                     <a:solidFill>
-                      <a:schemeClr val="accent1">
-                        <a:lumMod val="75000"/>
-                      </a:schemeClr>
+                      <a:srgbClr val="0000FF"/>
                     </a:solidFill>
                     <a:latin typeface="+mj-lt"/>
                   </a:rPr>
@@ -12441,9 +12277,18 @@
                 </a:r>
                 <a:r>
                   <a:rPr lang="it-IT" i="1" dirty="0">
+                    <a:solidFill>
+                      <a:srgbClr val="C00000"/>
+                    </a:solidFill>
                     <a:latin typeface="+mj-lt"/>
                   </a:rPr>
-                  <a:t>nodi </a:t>
+                  <a:t>nodi</a:t>
+                </a:r>
+                <a:r>
+                  <a:rPr lang="it-IT" i="1" dirty="0">
+                    <a:latin typeface="+mj-lt"/>
+                  </a:rPr>
+                  <a:t> </a:t>
                 </a:r>
                 <a:r>
                   <a:rPr lang="it-IT" dirty="0">
@@ -12470,9 +12315,18 @@
                 </a:r>
                 <a:r>
                   <a:rPr lang="it-IT" i="1" dirty="0">
+                    <a:solidFill>
+                      <a:srgbClr val="C00000"/>
+                    </a:solidFill>
                     <a:latin typeface="+mj-lt"/>
                   </a:rPr>
-                  <a:t>archi </a:t>
+                  <a:t>archi</a:t>
+                </a:r>
+                <a:r>
+                  <a:rPr lang="it-IT" i="1" dirty="0">
+                    <a:latin typeface="+mj-lt"/>
+                  </a:rPr>
+                  <a:t> </a:t>
                 </a:r>
                 <a:r>
                   <a:rPr lang="it-IT" dirty="0">
@@ -13099,8 +12953,8 @@
         </p:nvSpPr>
         <p:spPr>
           <a:xfrm>
-            <a:off x="3866348" y="3240173"/>
-            <a:ext cx="5277652" cy="923330"/>
+            <a:off x="3866348" y="3000856"/>
+            <a:ext cx="5277652" cy="1200329"/>
           </a:xfrm>
           <a:prstGeom prst="rect">
             <a:avLst/>
@@ -13113,7 +12967,7 @@
           </a:bodyPr>
           <a:lstStyle/>
           <a:p>
-            <a:pPr algn="just"/>
+            <a:pPr algn="r"/>
             <a:r>
               <a:rPr lang="it-IT" b="1" i="1" dirty="0">
                 <a:solidFill>
@@ -13155,7 +13009,13 @@
             </a:r>
           </a:p>
           <a:p>
-            <a:pPr algn="just"/>
+            <a:pPr algn="r"/>
+            <a:endParaRPr lang="it-IT" i="1" dirty="0">
+              <a:latin typeface="+mj-lt"/>
+            </a:endParaRPr>
+          </a:p>
+          <a:p>
+            <a:pPr algn="r"/>
             <a:r>
               <a:rPr lang="it-IT" sz="1400" b="1" dirty="0">
                 <a:latin typeface="+mj-lt"/>
@@ -13290,7 +13150,7 @@
         </p:nvSpPr>
         <p:spPr>
           <a:xfrm>
-            <a:off x="-62549" y="5358857"/>
+            <a:off x="15875" y="5209932"/>
             <a:ext cx="6471560" cy="923330"/>
           </a:xfrm>
           <a:prstGeom prst="rect">
@@ -13324,7 +13184,7 @@
               <a:rPr lang="it-IT" dirty="0">
                 <a:latin typeface="+mj-lt"/>
               </a:rPr>
-              <a:t>misura la tendenza dei nodi a raggrupparsi. Importante perché possono aiutare ad individuare </a:t>
+              <a:t>misura la tendenza dei nodi a raggrupparsi. Utile per individuare </a:t>
             </a:r>
             <a:r>
               <a:rPr lang="it-IT" i="1" dirty="0">
@@ -14418,7 +14278,7 @@
         </p:blipFill>
         <p:spPr>
           <a:xfrm>
-            <a:off x="5414838" y="2559464"/>
+            <a:off x="5317725" y="2559464"/>
             <a:ext cx="3416041" cy="1025921"/>
           </a:xfrm>
           <a:prstGeom prst="rect">
@@ -14733,7 +14593,7 @@
         </p:blipFill>
         <p:spPr>
           <a:xfrm>
-            <a:off x="2164759" y="1341788"/>
+            <a:off x="410387" y="1341788"/>
             <a:ext cx="4814481" cy="5516212"/>
           </a:xfrm>
           <a:prstGeom prst="rect">
@@ -14741,38 +14601,6 @@
           </a:prstGeom>
         </p:spPr>
       </p:pic>
-      <p:sp>
-        <p:nvSpPr>
-          <p:cNvPr id="3" name="Segnaposto piè di pagina 2">
-            <a:extLst>
-              <a:ext uri="{FF2B5EF4-FFF2-40B4-BE49-F238E27FC236}">
-                <a16:creationId xmlns:a16="http://schemas.microsoft.com/office/drawing/2014/main" id="{F8AB3DCD-E471-4B18-B244-9893F98C4AC0}"/>
-              </a:ext>
-            </a:extLst>
-          </p:cNvPr>
-          <p:cNvSpPr>
-            <a:spLocks noGrp="1"/>
-          </p:cNvSpPr>
-          <p:nvPr>
-            <p:ph type="ftr" sz="quarter" idx="11"/>
-          </p:nvPr>
-        </p:nvSpPr>
-        <p:spPr/>
-        <p:txBody>
-          <a:bodyPr/>
-          <a:lstStyle/>
-          <a:p>
-            <a:pPr>
-              <a:defRPr/>
-            </a:pPr>
-            <a:r>
-              <a:rPr lang="it-IT"/>
-              <a:t>Masiero L. Ivancich S.</a:t>
-            </a:r>
-            <a:endParaRPr lang="en-US" dirty="0"/>
-          </a:p>
-        </p:txBody>
-      </p:sp>
       <p:sp>
         <p:nvSpPr>
           <p:cNvPr id="5" name="Segnaposto numero diapositiva 4">
@@ -14858,6 +14686,106 @@
             <a:endParaRPr lang="it-IT" sz="2000" i="1" dirty="0">
               <a:latin typeface="+mj-lt"/>
             </a:endParaRPr>
+          </a:p>
+        </p:txBody>
+      </p:sp>
+      <p:sp>
+        <p:nvSpPr>
+          <p:cNvPr id="9" name="CasellaDiTesto 8">
+            <a:extLst>
+              <a:ext uri="{FF2B5EF4-FFF2-40B4-BE49-F238E27FC236}">
+                <a16:creationId xmlns:a16="http://schemas.microsoft.com/office/drawing/2014/main" id="{44D20F44-4D50-4BC0-AEB9-989003522628}"/>
+              </a:ext>
+            </a:extLst>
+          </p:cNvPr>
+          <p:cNvSpPr txBox="1"/>
+          <p:nvPr/>
+        </p:nvSpPr>
+        <p:spPr>
+          <a:xfrm>
+            <a:off x="5339316" y="2364106"/>
+            <a:ext cx="3604438" cy="2862322"/>
+          </a:xfrm>
+          <a:prstGeom prst="rect">
+            <a:avLst/>
+          </a:prstGeom>
+          <a:noFill/>
+        </p:spPr>
+        <p:txBody>
+          <a:bodyPr wrap="square" rtlCol="0">
+            <a:spAutoFit/>
+          </a:bodyPr>
+          <a:lstStyle/>
+          <a:p>
+            <a:pPr algn="just"/>
+            <a:r>
+              <a:rPr lang="it-IT" sz="2000" dirty="0">
+                <a:latin typeface="+mj-lt"/>
+              </a:rPr>
+              <a:t>MTGO possiede l’abilità di individuare un insieme di </a:t>
+            </a:r>
+            <a:r>
+              <a:rPr lang="it-IT" sz="2000" dirty="0">
+                <a:solidFill>
+                  <a:srgbClr val="00B050"/>
+                </a:solidFill>
+                <a:latin typeface="+mj-lt"/>
+              </a:rPr>
+              <a:t>termini GO</a:t>
+            </a:r>
+            <a:r>
+              <a:rPr lang="it-IT" sz="2000" dirty="0">
+                <a:latin typeface="+mj-lt"/>
+              </a:rPr>
+              <a:t> fornendo un’interpretazione biologica significativa della PPIN, proprietà assente negli altri algoritmi allo stato dell’arte.</a:t>
+            </a:r>
+          </a:p>
+          <a:p>
+            <a:pPr algn="just"/>
+            <a:endParaRPr lang="it-IT" sz="2000" dirty="0">
+              <a:latin typeface="+mj-lt"/>
+            </a:endParaRPr>
+          </a:p>
+          <a:p>
+            <a:r>
+              <a:rPr lang="it-IT" sz="1600" b="1" dirty="0">
+                <a:latin typeface="+mj-lt"/>
+              </a:rPr>
+              <a:t>NUMERO DI CITAZIONI </a:t>
+            </a:r>
+            <a:r>
+              <a:rPr lang="it-IT" sz="2000" dirty="0">
+                <a:latin typeface="+mj-lt"/>
+              </a:rPr>
+              <a:t>= </a:t>
+            </a:r>
+            <a:r>
+              <a:rPr lang="it-IT" sz="2000" b="1" dirty="0">
+                <a:solidFill>
+                  <a:srgbClr val="7030A0"/>
+                </a:solidFill>
+                <a:latin typeface="+mj-lt"/>
+              </a:rPr>
+              <a:t>13 </a:t>
+            </a:r>
+            <a:r>
+              <a:rPr lang="it-IT" sz="2000" dirty="0">
+                <a:latin typeface="+mj-lt"/>
+              </a:rPr>
+              <a:t>(Google </a:t>
+            </a:r>
+            <a:r>
+              <a:rPr lang="it-IT" sz="2000" dirty="0" err="1">
+                <a:latin typeface="+mj-lt"/>
+              </a:rPr>
+              <a:t>Scholar</a:t>
+            </a:r>
+            <a:r>
+              <a:rPr lang="it-IT" sz="2000" dirty="0">
+                <a:latin typeface="+mj-lt"/>
+              </a:rPr>
+              <a:t>)</a:t>
+            </a:r>
           </a:p>
         </p:txBody>
       </p:sp>
@@ -15054,26 +14982,23 @@
                 </a:solidFill>
                 <a:latin typeface="Tw Cen MT" panose="020B0602020104020603" pitchFamily="34" charset="0"/>
               </a:rPr>
-              <a:t>Confronti</a:t>
-            </a:r>
-            <a:r>
-              <a:rPr lang="en-US" altLang="it-IT" sz="3600" dirty="0">
-                <a:solidFill>
-                  <a:srgbClr val="FFFFFF"/>
-                </a:solidFill>
-                <a:latin typeface="Tw Cen MT" panose="020B0602020104020603" pitchFamily="34" charset="0"/>
-              </a:rPr>
-              <a:t> - ending</a:t>
-            </a:r>
+              <a:t>IsoRank</a:t>
+            </a:r>
+            <a:endParaRPr lang="en-US" altLang="it-IT" sz="3600" dirty="0">
+              <a:solidFill>
+                <a:srgbClr val="FFFFFF"/>
+              </a:solidFill>
+              <a:latin typeface="Tw Cen MT" panose="020B0602020104020603" pitchFamily="34" charset="0"/>
+            </a:endParaRPr>
           </a:p>
         </p:txBody>
       </p:sp>
       <p:sp>
         <p:nvSpPr>
-          <p:cNvPr id="3" name="Segnaposto piè di pagina 2">
+          <p:cNvPr id="5" name="Segnaposto piè di pagina 4">
             <a:extLst>
               <a:ext uri="{FF2B5EF4-FFF2-40B4-BE49-F238E27FC236}">
-                <a16:creationId xmlns:a16="http://schemas.microsoft.com/office/drawing/2014/main" id="{E250C3CF-1955-4896-A806-CE5DDC834974}"/>
+                <a16:creationId xmlns:a16="http://schemas.microsoft.com/office/drawing/2014/main" id="{4625584D-A3D3-46FC-938B-C0A8056095BB}"/>
               </a:ext>
             </a:extLst>
           </p:cNvPr>
@@ -15093,16 +15018,8 @@
               <a:defRPr/>
             </a:pPr>
             <a:r>
-              <a:rPr lang="it-IT" dirty="0"/>
-              <a:t>Masiero L. </a:t>
-            </a:r>
-            <a:r>
-              <a:rPr lang="it-IT" dirty="0" err="1"/>
-              <a:t>Ivancich</a:t>
-            </a:r>
-            <a:r>
-              <a:rPr lang="it-IT" dirty="0"/>
-              <a:t> S.</a:t>
+              <a:rPr lang="it-IT"/>
+              <a:t>Masiero L. Ivancich S.</a:t>
             </a:r>
             <a:endParaRPr lang="en-US" dirty="0"/>
           </a:p>
@@ -15110,10 +15027,10 @@
       </p:sp>
       <p:sp>
         <p:nvSpPr>
-          <p:cNvPr id="4" name="Segnaposto numero diapositiva 3">
+          <p:cNvPr id="7" name="Segnaposto numero diapositiva 6">
             <a:extLst>
               <a:ext uri="{FF2B5EF4-FFF2-40B4-BE49-F238E27FC236}">
-                <a16:creationId xmlns:a16="http://schemas.microsoft.com/office/drawing/2014/main" id="{5C0935C8-2051-45CC-A755-E45239AABEA6}"/>
+                <a16:creationId xmlns:a16="http://schemas.microsoft.com/office/drawing/2014/main" id="{33517E88-54CE-41A1-BAFC-F56EEBCC14E1}"/>
               </a:ext>
             </a:extLst>
           </p:cNvPr>
@@ -15138,10 +15055,332 @@
           </a:p>
         </p:txBody>
       </p:sp>
+      <mc:AlternateContent xmlns:mc="http://schemas.openxmlformats.org/markup-compatibility/2006" xmlns:a14="http://schemas.microsoft.com/office/drawing/2010/main">
+        <mc:Choice Requires="a14">
+          <p:sp>
+            <p:nvSpPr>
+              <p:cNvPr id="8" name="CasellaDiTesto 7">
+                <a:extLst>
+                  <a:ext uri="{FF2B5EF4-FFF2-40B4-BE49-F238E27FC236}">
+                    <a16:creationId xmlns:a16="http://schemas.microsoft.com/office/drawing/2014/main" id="{9599F956-0042-46C9-8CB4-82B2C82F45E9}"/>
+                  </a:ext>
+                </a:extLst>
+              </p:cNvPr>
+              <p:cNvSpPr txBox="1"/>
+              <p:nvPr/>
+            </p:nvSpPr>
+            <p:spPr>
+              <a:xfrm>
+                <a:off x="75452" y="1519584"/>
+                <a:ext cx="8993096" cy="4154984"/>
+              </a:xfrm>
+              <a:prstGeom prst="rect">
+                <a:avLst/>
+              </a:prstGeom>
+              <a:noFill/>
+            </p:spPr>
+            <p:txBody>
+              <a:bodyPr wrap="square" rtlCol="0">
+                <a:spAutoFit/>
+              </a:bodyPr>
+              <a:lstStyle/>
+              <a:p>
+                <a:r>
+                  <a:rPr lang="it-IT" sz="2400" dirty="0">
+                    <a:latin typeface="+mj-lt"/>
+                  </a:rPr>
+                  <a:t>Metodo per l’</a:t>
+                </a:r>
+                <a:r>
+                  <a:rPr lang="it-IT" sz="2400" dirty="0">
+                    <a:solidFill>
+                      <a:srgbClr val="FF0000"/>
+                    </a:solidFill>
+                    <a:latin typeface="+mj-lt"/>
+                  </a:rPr>
+                  <a:t>allineamento di più PPIN</a:t>
+                </a:r>
+                <a:r>
+                  <a:rPr lang="it-IT" sz="2400" dirty="0">
+                    <a:latin typeface="+mj-lt"/>
+                  </a:rPr>
+                  <a:t>. </a:t>
+                </a:r>
+              </a:p>
+              <a:p>
+                <a:endParaRPr lang="it-IT" sz="2400" dirty="0">
+                  <a:latin typeface="+mj-lt"/>
+                </a:endParaRPr>
+              </a:p>
+              <a:p>
+                <a:r>
+                  <a:rPr lang="it-IT" sz="2400" dirty="0">
+                    <a:latin typeface="+mj-lt"/>
+                  </a:rPr>
+                  <a:t>Intuizione = una proteina rappresenta una buona corrispondenza con una proteina in un’altra sequenza se le rispettive sequenze e i loro intorni topologici costituiscono, a loro volta, una buona corrispondenza.</a:t>
+                </a:r>
+              </a:p>
+              <a:p>
+                <a:endParaRPr lang="it-IT" sz="2400" dirty="0">
+                  <a:latin typeface="+mj-lt"/>
+                </a:endParaRPr>
+              </a:p>
+              <a:p>
+                <a:r>
+                  <a:rPr lang="it-IT" sz="2400" dirty="0">
+                    <a:latin typeface="+mj-lt"/>
+                  </a:rPr>
+                  <a:t>Rappresenta un approccio di analisi comparativa al GNA.</a:t>
+                </a:r>
+              </a:p>
+              <a:p>
+                <a:endParaRPr lang="it-IT" sz="2400" dirty="0">
+                  <a:latin typeface="+mj-lt"/>
+                </a:endParaRPr>
+              </a:p>
+              <a:p>
+                <a:r>
+                  <a:rPr lang="it-IT" sz="2400" dirty="0">
+                    <a:latin typeface="+mj-lt"/>
+                  </a:rPr>
+                  <a:t>Consideriamo il caso di GNA a coppie.</a:t>
+                </a:r>
+              </a:p>
+              <a:p>
+                <a:r>
+                  <a:rPr lang="it-IT" sz="2400" dirty="0">
+                    <a:solidFill>
+                      <a:srgbClr val="00B050"/>
+                    </a:solidFill>
+                    <a:latin typeface="+mj-lt"/>
+                  </a:rPr>
+                  <a:t>Input</a:t>
+                </a:r>
+                <a:r>
+                  <a:rPr lang="it-IT" sz="2400" dirty="0">
+                    <a:latin typeface="+mj-lt"/>
+                  </a:rPr>
+                  <a:t>: due PPIN </a:t>
+                </a:r>
+                <a14:m>
+                  <m:oMath xmlns:m="http://schemas.openxmlformats.org/officeDocument/2006/math">
+                    <m:sSub>
+                      <m:sSubPr>
+                        <m:ctrlPr>
+                          <a:rPr lang="it-IT" sz="2400" i="1" smtClean="0">
+                            <a:latin typeface="Cambria Math" panose="02040503050406030204" pitchFamily="18" charset="0"/>
+                          </a:rPr>
+                        </m:ctrlPr>
+                      </m:sSubPr>
+                      <m:e>
+                        <m:r>
+                          <a:rPr lang="it-IT" sz="2400" i="1" smtClean="0">
+                            <a:latin typeface="Cambria Math" panose="02040503050406030204" pitchFamily="18" charset="0"/>
+                          </a:rPr>
+                          <m:t>𝐺</m:t>
+                        </m:r>
+                      </m:e>
+                      <m:sub>
+                        <m:r>
+                          <a:rPr lang="it-IT" sz="2400" i="1" smtClean="0">
+                            <a:latin typeface="Cambria Math" panose="02040503050406030204" pitchFamily="18" charset="0"/>
+                          </a:rPr>
+                          <m:t>1</m:t>
+                        </m:r>
+                      </m:sub>
+                    </m:sSub>
+                  </m:oMath>
+                </a14:m>
+                <a:r>
+                  <a:rPr lang="it-IT" sz="2400" dirty="0">
+                    <a:latin typeface="+mj-lt"/>
+                  </a:rPr>
+                  <a:t> e </a:t>
+                </a:r>
+                <a14:m>
+                  <m:oMath xmlns:m="http://schemas.openxmlformats.org/officeDocument/2006/math">
+                    <m:sSub>
+                      <m:sSubPr>
+                        <m:ctrlPr>
+                          <a:rPr lang="it-IT" sz="2400" i="1" smtClean="0">
+                            <a:latin typeface="Cambria Math" panose="02040503050406030204" pitchFamily="18" charset="0"/>
+                          </a:rPr>
+                        </m:ctrlPr>
+                      </m:sSubPr>
+                      <m:e>
+                        <m:r>
+                          <a:rPr lang="it-IT" sz="2400" i="1" smtClean="0">
+                            <a:latin typeface="Cambria Math" panose="02040503050406030204" pitchFamily="18" charset="0"/>
+                          </a:rPr>
+                          <m:t>𝐺</m:t>
+                        </m:r>
+                      </m:e>
+                      <m:sub>
+                        <m:r>
+                          <a:rPr lang="it-IT" sz="2400" i="1" smtClean="0">
+                            <a:latin typeface="Cambria Math" panose="02040503050406030204" pitchFamily="18" charset="0"/>
+                          </a:rPr>
+                          <m:t>2</m:t>
+                        </m:r>
+                      </m:sub>
+                    </m:sSub>
+                  </m:oMath>
+                </a14:m>
+                <a:r>
+                  <a:rPr lang="it-IT" sz="2400" dirty="0">
+                    <a:latin typeface="+mj-lt"/>
+                  </a:rPr>
+                  <a:t> (ogni arco e può aver associato un peso </a:t>
+                </a:r>
+                <a14:m>
+                  <m:oMath xmlns:m="http://schemas.openxmlformats.org/officeDocument/2006/math">
+                    <m:r>
+                      <a:rPr lang="it-IT" sz="2400" i="1" smtClean="0">
+                        <a:latin typeface="Cambria Math" panose="02040503050406030204" pitchFamily="18" charset="0"/>
+                      </a:rPr>
+                      <m:t>𝑤</m:t>
+                    </m:r>
+                    <m:d>
+                      <m:dPr>
+                        <m:ctrlPr>
+                          <a:rPr lang="it-IT" sz="2400" i="1" smtClean="0">
+                            <a:latin typeface="Cambria Math" panose="02040503050406030204" pitchFamily="18" charset="0"/>
+                          </a:rPr>
+                        </m:ctrlPr>
+                      </m:dPr>
+                      <m:e>
+                        <m:r>
+                          <a:rPr lang="it-IT" sz="2400" i="1" smtClean="0">
+                            <a:latin typeface="Cambria Math" panose="02040503050406030204" pitchFamily="18" charset="0"/>
+                          </a:rPr>
+                          <m:t>ⅇ</m:t>
+                        </m:r>
+                      </m:e>
+                    </m:d>
+                  </m:oMath>
+                </a14:m>
+                <a:r>
+                  <a:rPr lang="it-IT" sz="2400" dirty="0">
+                    <a:latin typeface="+mj-lt"/>
+                  </a:rPr>
+                  <a:t>, con 0 ≤ </a:t>
+                </a:r>
+                <a14:m>
+                  <m:oMath xmlns:m="http://schemas.openxmlformats.org/officeDocument/2006/math">
+                    <m:r>
+                      <a:rPr lang="it-IT" sz="2400" i="1" smtClean="0">
+                        <a:latin typeface="Cambria Math" panose="02040503050406030204" pitchFamily="18" charset="0"/>
+                      </a:rPr>
+                      <m:t>𝑤</m:t>
+                    </m:r>
+                    <m:d>
+                      <m:dPr>
+                        <m:ctrlPr>
+                          <a:rPr lang="it-IT" sz="2400" i="1" smtClean="0">
+                            <a:latin typeface="Cambria Math" panose="02040503050406030204" pitchFamily="18" charset="0"/>
+                          </a:rPr>
+                        </m:ctrlPr>
+                      </m:dPr>
+                      <m:e>
+                        <m:r>
+                          <a:rPr lang="it-IT" sz="2400" i="1">
+                            <a:latin typeface="Cambria Math" panose="02040503050406030204" pitchFamily="18" charset="0"/>
+                          </a:rPr>
+                          <m:t>ⅇ</m:t>
+                        </m:r>
+                      </m:e>
+                    </m:d>
+                  </m:oMath>
+                </a14:m>
+                <a:r>
+                  <a:rPr lang="it-IT" sz="2400" dirty="0">
+                    <a:latin typeface="+mj-lt"/>
+                  </a:rPr>
+                  <a:t> ≤ 1) e </a:t>
+                </a:r>
+                <a:r>
+                  <a:rPr lang="it-IT" sz="2400" i="1" dirty="0" err="1">
+                    <a:latin typeface="+mj-lt"/>
+                  </a:rPr>
+                  <a:t>similarity</a:t>
+                </a:r>
+                <a:r>
+                  <a:rPr lang="it-IT" sz="2400" i="1" dirty="0">
+                    <a:latin typeface="+mj-lt"/>
+                  </a:rPr>
+                  <a:t> </a:t>
+                </a:r>
+                <a:r>
+                  <a:rPr lang="it-IT" sz="2400" i="1" dirty="0" err="1">
+                    <a:latin typeface="+mj-lt"/>
+                  </a:rPr>
+                  <a:t>measure</a:t>
+                </a:r>
+                <a:r>
+                  <a:rPr lang="it-IT" sz="2400" i="1" dirty="0">
+                    <a:latin typeface="+mj-lt"/>
+                  </a:rPr>
+                  <a:t> </a:t>
+                </a:r>
+                <a:r>
+                  <a:rPr lang="it-IT" sz="2400" dirty="0">
+                    <a:latin typeface="+mj-lt"/>
+                  </a:rPr>
+                  <a:t>tra i nodi delle due reti.</a:t>
+                </a:r>
+              </a:p>
+            </p:txBody>
+          </p:sp>
+        </mc:Choice>
+        <mc:Fallback xmlns="">
+          <p:sp>
+            <p:nvSpPr>
+              <p:cNvPr id="8" name="CasellaDiTesto 7">
+                <a:extLst>
+                  <a:ext uri="{FF2B5EF4-FFF2-40B4-BE49-F238E27FC236}">
+                    <a16:creationId xmlns:a16="http://schemas.microsoft.com/office/drawing/2014/main" id="{9599F956-0042-46C9-8CB4-82B2C82F45E9}"/>
+                  </a:ext>
+                </a:extLst>
+              </p:cNvPr>
+              <p:cNvSpPr txBox="1">
+                <a:spLocks noRot="1" noChangeAspect="1" noMove="1" noResize="1" noEditPoints="1" noAdjustHandles="1" noChangeArrowheads="1" noChangeShapeType="1" noTextEdit="1"/>
+              </p:cNvSpPr>
+              <p:nvPr/>
+            </p:nvSpPr>
+            <p:spPr>
+              <a:xfrm>
+                <a:off x="75452" y="1519584"/>
+                <a:ext cx="8993096" cy="4154984"/>
+              </a:xfrm>
+              <a:prstGeom prst="rect">
+                <a:avLst/>
+              </a:prstGeom>
+              <a:blipFill>
+                <a:blip r:embed="rId2"/>
+                <a:stretch>
+                  <a:fillRect l="-1016" t="-1173" b="-2346"/>
+                </a:stretch>
+              </a:blipFill>
+            </p:spPr>
+            <p:txBody>
+              <a:bodyPr/>
+              <a:lstStyle/>
+              <a:p>
+                <a:r>
+                  <a:rPr lang="it-IT">
+                    <a:noFill/>
+                  </a:rPr>
+                  <a:t> </a:t>
+                </a:r>
+              </a:p>
+            </p:txBody>
+          </p:sp>
+        </mc:Fallback>
+      </mc:AlternateContent>
     </p:spTree>
     <p:extLst>
       <p:ext uri="{BB962C8B-B14F-4D97-AF65-F5344CB8AC3E}">
-        <p14:creationId xmlns:p14="http://schemas.microsoft.com/office/powerpoint/2010/main" val="2015130487"/>
+        <p14:creationId xmlns:p14="http://schemas.microsoft.com/office/powerpoint/2010/main" val="2993886562"/>
       </p:ext>
     </p:extLst>
   </p:cSld>

--- a/Presentation/Presentation.pptx
+++ b/Presentation/Presentation.pptx
@@ -8049,8 +8049,8 @@
           </a:p>
         </p:txBody>
       </p:sp>
-      <mc:AlternateContent xmlns:mc="http://schemas.openxmlformats.org/markup-compatibility/2006">
-        <mc:Choice xmlns:a14="http://schemas.microsoft.com/office/drawing/2010/main" Requires="a14">
+      <mc:AlternateContent xmlns:mc="http://schemas.openxmlformats.org/markup-compatibility/2006" xmlns:a14="http://schemas.microsoft.com/office/drawing/2010/main">
+        <mc:Choice Requires="a14">
           <p:sp>
             <p:nvSpPr>
               <p:cNvPr id="9" name="CasellaDiTesto 8">
@@ -8318,7 +8318,7 @@
             </p:txBody>
           </p:sp>
         </mc:Choice>
-        <mc:Fallback>
+        <mc:Fallback xmlns="">
           <p:sp>
             <p:nvSpPr>
               <p:cNvPr id="9" name="CasellaDiTesto 8">
@@ -15055,8 +15055,8 @@
           </a:p>
         </p:txBody>
       </p:sp>
-      <mc:AlternateContent xmlns:mc="http://schemas.openxmlformats.org/markup-compatibility/2006" xmlns:a14="http://schemas.microsoft.com/office/drawing/2010/main">
-        <mc:Choice Requires="a14">
+      <mc:AlternateContent xmlns:mc="http://schemas.openxmlformats.org/markup-compatibility/2006">
+        <mc:Choice xmlns:a14="http://schemas.microsoft.com/office/drawing/2010/main" Requires="a14">
           <p:sp>
             <p:nvSpPr>
               <p:cNvPr id="8" name="CasellaDiTesto 7">
@@ -15114,10 +15114,16 @@
               </a:p>
               <a:p>
                 <a:r>
+                  <a:rPr lang="it-IT" sz="2400" b="1" dirty="0">
+                    <a:latin typeface="+mj-lt"/>
+                  </a:rPr>
+                  <a:t>Intuizione</a:t>
+                </a:r>
+                <a:r>
                   <a:rPr lang="it-IT" sz="2400" dirty="0">
                     <a:latin typeface="+mj-lt"/>
                   </a:rPr>
-                  <a:t>Intuizione = una proteina rappresenta una buona corrispondenza con una proteina in un’altra sequenza se le rispettive sequenze e i loro intorni topologici costituiscono, a loro volta, una buona corrispondenza.</a:t>
+                  <a:t> = una proteina rappresenta una buona corrispondenza con una proteina in un’altra sequenza se le rispettive sequenze e i loro intorni topologici costituiscono, a loro volta, una buona corrispondenza.</a:t>
                 </a:r>
               </a:p>
               <a:p>
@@ -15332,7 +15338,7 @@
             </p:txBody>
           </p:sp>
         </mc:Choice>
-        <mc:Fallback xmlns="">
+        <mc:Fallback>
           <p:sp>
             <p:nvSpPr>
               <p:cNvPr id="8" name="CasellaDiTesto 7">

--- a/Presentation/Presentation.pptx
+++ b/Presentation/Presentation.pptx
@@ -284,7 +284,7 @@
           <a:p>
             <a:fld id="{C8DBE15E-223F-41F1-9F94-2D73857FC7BA}" type="datetimeFigureOut">
               <a:rPr lang="it-IT" smtClean="0"/>
-              <a:t>17/04/2020</a:t>
+              <a:t>18/04/2020</a:t>
             </a:fld>
             <a:endParaRPr lang="it-IT"/>
           </a:p>
@@ -497,7 +497,7 @@
             <a:fld id="{2AD04753-9C7D-45A1-B290-034DCD5D3C5A}" type="datetimeFigureOut">
               <a:rPr lang="it-IT" altLang="it-IT"/>
               <a:pPr/>
-              <a:t>17/04/2020</a:t>
+              <a:t>18/04/2020</a:t>
             </a:fld>
             <a:endParaRPr lang="it-IT" altLang="it-IT"/>
           </a:p>
@@ -10015,38 +10015,8 @@
           </a:p>
         </p:txBody>
       </p:sp>
-      <p:pic>
-        <p:nvPicPr>
-          <p:cNvPr id="4" name="Immagine 3">
-            <a:extLst>
-              <a:ext uri="{FF2B5EF4-FFF2-40B4-BE49-F238E27FC236}">
-                <a16:creationId xmlns:a16="http://schemas.microsoft.com/office/drawing/2014/main" id="{59AD82BF-CA30-4F5F-A802-62BBA7A8C0C4}"/>
-              </a:ext>
-            </a:extLst>
-          </p:cNvPr>
-          <p:cNvPicPr>
-            <a:picLocks noChangeAspect="1"/>
-          </p:cNvPicPr>
-          <p:nvPr/>
-        </p:nvPicPr>
-        <p:blipFill>
-          <a:blip r:embed="rId2"/>
-          <a:stretch>
-            <a:fillRect/>
-          </a:stretch>
-        </p:blipFill>
-        <p:spPr>
-          <a:xfrm>
-            <a:off x="-794" y="2726317"/>
-            <a:ext cx="9144000" cy="877378"/>
-          </a:xfrm>
-          <a:prstGeom prst="rect">
-            <a:avLst/>
-          </a:prstGeom>
-        </p:spPr>
-      </p:pic>
-      <mc:AlternateContent xmlns:mc="http://schemas.openxmlformats.org/markup-compatibility/2006" xmlns:a14="http://schemas.microsoft.com/office/drawing/2010/main">
-        <mc:Choice Requires="a14">
+      <mc:AlternateContent xmlns:mc="http://schemas.openxmlformats.org/markup-compatibility/2006">
+        <mc:Choice xmlns:a14="http://schemas.microsoft.com/office/drawing/2010/main" Requires="a14">
           <p:sp>
             <p:nvSpPr>
               <p:cNvPr id="9" name="CasellaDiTesto 8">
@@ -10061,8 +10031,8 @@
             </p:nvSpPr>
             <p:spPr>
               <a:xfrm>
-                <a:off x="75452" y="3429000"/>
-                <a:ext cx="8993096" cy="1569660"/>
+                <a:off x="75452" y="2621521"/>
+                <a:ext cx="8993096" cy="2308324"/>
               </a:xfrm>
               <a:prstGeom prst="rect">
                 <a:avLst/>
@@ -10080,31 +10050,28 @@
                   <a:rPr lang="it-IT" sz="2400" dirty="0">
                     <a:latin typeface="+mj-lt"/>
                   </a:rPr>
-                  <a:t>2) Strategia del </a:t>
+                  <a:t>2) Risoluzione dell’equazione</a:t>
                 </a:r>
-                <a:r>
-                  <a:rPr lang="it-IT" sz="2400" i="1" dirty="0">
-                    <a:latin typeface="+mj-lt"/>
-                  </a:rPr>
-                  <a:t>two-step </a:t>
-                </a:r>
-                <a:r>
-                  <a:rPr lang="it-IT" sz="2400" i="1" dirty="0" err="1">
-                    <a:latin typeface="+mj-lt"/>
-                  </a:rPr>
-                  <a:t>alignment</a:t>
-                </a:r>
-                <a:r>
-                  <a:rPr lang="it-IT" sz="2400" i="1" dirty="0">
-                    <a:latin typeface="+mj-lt"/>
-                  </a:rPr>
-                  <a:t> </a:t>
-                </a:r>
+              </a:p>
+              <a:p>
+                <a:pPr algn="just"/>
+                <a:endParaRPr lang="it-IT" sz="2400" dirty="0">
+                  <a:latin typeface="+mj-lt"/>
+                </a:endParaRPr>
+              </a:p>
+              <a:p>
+                <a:pPr algn="just"/>
+                <a:endParaRPr lang="it-IT" sz="2400" dirty="0">
+                  <a:latin typeface="+mj-lt"/>
+                </a:endParaRPr>
+              </a:p>
+              <a:p>
+                <a:pPr algn="just"/>
                 <a:r>
                   <a:rPr lang="it-IT" sz="2400" dirty="0">
                     <a:latin typeface="+mj-lt"/>
                   </a:rPr>
-                  <a:t>per risolvere il problema in tempo </a:t>
+                  <a:t>in tempo </a:t>
                 </a:r>
                 <a14:m>
                   <m:oMath xmlns:m="http://schemas.openxmlformats.org/officeDocument/2006/math">
@@ -10289,24 +10256,36 @@
                     </m:d>
                   </m:oMath>
                 </a14:m>
-                <a:endParaRPr lang="it-IT" sz="2400" i="1" dirty="0">
-                  <a:latin typeface="+mj-lt"/>
-                </a:endParaRPr>
+                <a:r>
+                  <a:rPr lang="it-IT" sz="2400" i="1" dirty="0">
+                    <a:latin typeface="+mj-lt"/>
+                  </a:rPr>
+                  <a:t>.</a:t>
+                </a:r>
               </a:p>
               <a:p>
                 <a:pPr algn="just"/>
                 <a:r>
                   <a:rPr lang="it-IT" sz="2400" dirty="0">
+                    <a:solidFill>
+                      <a:srgbClr val="002060"/>
+                    </a:solidFill>
                     <a:latin typeface="+mj-lt"/>
                   </a:rPr>
-                  <a:t>Si tratta di un problema </a:t>
+                  <a:t>Problema</a:t>
+                </a:r>
+                <a:r>
+                  <a:rPr lang="it-IT" sz="2400" dirty="0">
+                    <a:latin typeface="+mj-lt"/>
+                  </a:rPr>
+                  <a:t> </a:t>
                 </a:r>
                 <a14:m>
                   <m:oMath xmlns:m="http://schemas.openxmlformats.org/officeDocument/2006/math">
                     <m:r>
                       <a:rPr lang="it-IT" sz="2400" b="0" i="1" smtClean="0">
                         <a:solidFill>
-                          <a:srgbClr val="0070C0"/>
+                          <a:srgbClr val="002060"/>
                         </a:solidFill>
                         <a:latin typeface="Cambria Math" panose="02040503050406030204" pitchFamily="18" charset="0"/>
                       </a:rPr>
@@ -10317,11 +10296,11 @@
                 <a:r>
                   <a:rPr lang="it-IT" sz="2400" dirty="0">
                     <a:solidFill>
-                      <a:srgbClr val="0070C0"/>
+                      <a:srgbClr val="002060"/>
                     </a:solidFill>
                     <a:latin typeface="+mj-lt"/>
                   </a:rPr>
-                  <a:t>–completo</a:t>
+                  <a:t>-completo</a:t>
                 </a:r>
                 <a:r>
                   <a:rPr lang="it-IT" sz="2400" dirty="0">
@@ -10339,7 +10318,7 @@
             </p:txBody>
           </p:sp>
         </mc:Choice>
-        <mc:Fallback xmlns="">
+        <mc:Fallback>
           <p:sp>
             <p:nvSpPr>
               <p:cNvPr id="9" name="CasellaDiTesto 8">
@@ -10356,16 +10335,16 @@
             </p:nvSpPr>
             <p:spPr>
               <a:xfrm>
-                <a:off x="75452" y="3429000"/>
-                <a:ext cx="8993096" cy="1569660"/>
+                <a:off x="75452" y="2621521"/>
+                <a:ext cx="8993096" cy="2308324"/>
               </a:xfrm>
               <a:prstGeom prst="rect">
                 <a:avLst/>
               </a:prstGeom>
               <a:blipFill>
-                <a:blip r:embed="rId3"/>
+                <a:blip r:embed="rId2"/>
                 <a:stretch>
-                  <a:fillRect l="-1016" t="-3113" r="-1016"/>
+                  <a:fillRect l="-1016" t="-2111"/>
                 </a:stretch>
               </a:blipFill>
             </p:spPr>
@@ -10399,7 +10378,7 @@
           <p:nvPr/>
         </p:nvPicPr>
         <p:blipFill rotWithShape="1">
-          <a:blip r:embed="rId4"/>
+          <a:blip r:embed="rId3"/>
           <a:srcRect b="3509"/>
           <a:stretch/>
         </p:blipFill>
@@ -10407,6 +10386,36 @@
           <a:xfrm>
             <a:off x="-2300" y="4665309"/>
             <a:ext cx="9144000" cy="2081448"/>
+          </a:xfrm>
+          <a:prstGeom prst="rect">
+            <a:avLst/>
+          </a:prstGeom>
+        </p:spPr>
+      </p:pic>
+      <p:pic>
+        <p:nvPicPr>
+          <p:cNvPr id="3" name="Immagine 2">
+            <a:extLst>
+              <a:ext uri="{FF2B5EF4-FFF2-40B4-BE49-F238E27FC236}">
+                <a16:creationId xmlns:a16="http://schemas.microsoft.com/office/drawing/2014/main" id="{708BC19C-3CF4-4FDC-98AD-7AAC22BBBE13}"/>
+              </a:ext>
+            </a:extLst>
+          </p:cNvPr>
+          <p:cNvPicPr>
+            <a:picLocks noChangeAspect="1"/>
+          </p:cNvPicPr>
+          <p:nvPr/>
+        </p:nvPicPr>
+        <p:blipFill>
+          <a:blip r:embed="rId4"/>
+          <a:stretch>
+            <a:fillRect/>
+          </a:stretch>
+        </p:blipFill>
+        <p:spPr>
+          <a:xfrm>
+            <a:off x="-2300" y="3096881"/>
+            <a:ext cx="9144000" cy="653560"/>
           </a:xfrm>
           <a:prstGeom prst="rect">
             <a:avLst/>
@@ -15055,8 +15064,8 @@
           </a:p>
         </p:txBody>
       </p:sp>
-      <mc:AlternateContent xmlns:mc="http://schemas.openxmlformats.org/markup-compatibility/2006">
-        <mc:Choice xmlns:a14="http://schemas.microsoft.com/office/drawing/2010/main" Requires="a14">
+      <mc:AlternateContent xmlns:mc="http://schemas.openxmlformats.org/markup-compatibility/2006" xmlns:a14="http://schemas.microsoft.com/office/drawing/2010/main">
+        <mc:Choice Requires="a14">
           <p:sp>
             <p:nvSpPr>
               <p:cNvPr id="8" name="CasellaDiTesto 7">
@@ -15338,7 +15347,7 @@
             </p:txBody>
           </p:sp>
         </mc:Choice>
-        <mc:Fallback>
+        <mc:Fallback xmlns="">
           <p:sp>
             <p:nvSpPr>
               <p:cNvPr id="8" name="CasellaDiTesto 7">

--- a/Presentation/Presentation.pptx
+++ b/Presentation/Presentation.pptx
@@ -284,7 +284,7 @@
           <a:p>
             <a:fld id="{C8DBE15E-223F-41F1-9F94-2D73857FC7BA}" type="datetimeFigureOut">
               <a:rPr lang="it-IT" smtClean="0"/>
-              <a:t>18/04/2020</a:t>
+              <a:t>19/04/2020</a:t>
             </a:fld>
             <a:endParaRPr lang="it-IT"/>
           </a:p>
@@ -497,7 +497,7 @@
             <a:fld id="{2AD04753-9C7D-45A1-B290-034DCD5D3C5A}" type="datetimeFigureOut">
               <a:rPr lang="it-IT" altLang="it-IT"/>
               <a:pPr/>
-              <a:t>18/04/2020</a:t>
+              <a:t>19/04/2020</a:t>
             </a:fld>
             <a:endParaRPr lang="it-IT" altLang="it-IT"/>
           </a:p>
@@ -6573,6 +6573,24 @@
               </a:rPr>
               <a:t>IsoRank</a:t>
             </a:r>
+            <a:r>
+              <a:rPr lang="en-US" altLang="it-IT" sz="3600" dirty="0">
+                <a:solidFill>
+                  <a:srgbClr val="FFFFFF"/>
+                </a:solidFill>
+                <a:latin typeface="Tw Cen MT" panose="020B0602020104020603" pitchFamily="34" charset="0"/>
+              </a:rPr>
+              <a:t>: </a:t>
+            </a:r>
+            <a:r>
+              <a:rPr lang="en-US" altLang="it-IT" sz="3600" dirty="0" err="1">
+                <a:solidFill>
+                  <a:srgbClr val="FFFFFF"/>
+                </a:solidFill>
+                <a:latin typeface="Tw Cen MT" panose="020B0602020104020603" pitchFamily="34" charset="0"/>
+              </a:rPr>
+              <a:t>Fasi</a:t>
+            </a:r>
             <a:endParaRPr lang="en-US" altLang="it-IT" sz="3600" dirty="0">
               <a:solidFill>
                 <a:srgbClr val="FFFFFF"/>
@@ -6688,8 +6706,8 @@
         </p:nvSpPr>
         <p:spPr>
           <a:xfrm>
-            <a:off x="0" y="3703484"/>
-            <a:ext cx="8993096" cy="1631216"/>
+            <a:off x="332727" y="3703484"/>
+            <a:ext cx="8392173" cy="1631216"/>
           </a:xfrm>
           <a:prstGeom prst="rect">
             <a:avLst/>
@@ -6704,6 +6722,9 @@
           <a:p>
             <a:r>
               <a:rPr lang="it-IT" sz="2000" b="1" dirty="0">
+                <a:solidFill>
+                  <a:srgbClr val="0070C0"/>
+                </a:solidFill>
                 <a:latin typeface="+mj-lt"/>
               </a:rPr>
               <a:t>Obiettivo</a:t>
@@ -6716,6 +6737,9 @@
             </a:r>
             <a:r>
               <a:rPr lang="it-IT" sz="2000" dirty="0" err="1">
+                <a:solidFill>
+                  <a:srgbClr val="0033CC"/>
+                </a:solidFill>
                 <a:latin typeface="+mj-lt"/>
               </a:rPr>
               <a:t>sottografo</a:t>
@@ -6811,44 +6835,73 @@
               <a:rPr lang="it-IT" sz="2000" dirty="0">
                 <a:latin typeface="+mj-lt"/>
               </a:rPr>
-              <a:t> per il GNA, considerando solo scores elevati, mantenendo la proprietà transitiva (</a:t>
-            </a:r>
-            <a:r>
-              <a:rPr lang="it-IT" sz="2000" b="1" dirty="0" err="1">
+              <a:t> per il GNA (solo </a:t>
+            </a:r>
+            <a:r>
+              <a:rPr lang="it-IT" sz="2000" i="1" dirty="0">
                 <a:latin typeface="+mj-lt"/>
               </a:rPr>
-              <a:t>one-to-one</a:t>
+              <a:t>scores</a:t>
             </a:r>
             <a:r>
               <a:rPr lang="it-IT" sz="2000" dirty="0">
                 <a:latin typeface="+mj-lt"/>
               </a:rPr>
-              <a:t> oppure </a:t>
-            </a:r>
-            <a:r>
-              <a:rPr lang="it-IT" sz="2000" b="1" dirty="0" err="1">
-                <a:latin typeface="+mj-lt"/>
-              </a:rPr>
-              <a:t>many</a:t>
-            </a:r>
-            <a:r>
-              <a:rPr lang="it-IT" sz="2000" b="1" dirty="0">
-                <a:latin typeface="+mj-lt"/>
-              </a:rPr>
-              <a:t>-to-</a:t>
-            </a:r>
-            <a:r>
-              <a:rPr lang="it-IT" sz="2000" b="1" dirty="0" err="1">
-                <a:latin typeface="+mj-lt"/>
-              </a:rPr>
-              <a:t>many</a:t>
-            </a:r>
+              <a:t> elevati) mantenendo la proprietà transitiva </a:t>
+            </a:r>
+          </a:p>
+          <a:p>
             <a:r>
               <a:rPr lang="it-IT" sz="2000" dirty="0">
                 <a:latin typeface="+mj-lt"/>
               </a:rPr>
+              <a:t>   </a:t>
+            </a:r>
+            <a:r>
+              <a:rPr lang="it-IT" dirty="0">
+                <a:latin typeface="+mj-lt"/>
+              </a:rPr>
+              <a:t>(</a:t>
+            </a:r>
+            <a:r>
+              <a:rPr lang="it-IT" b="1" dirty="0" err="1">
+                <a:latin typeface="+mj-lt"/>
+              </a:rPr>
+              <a:t>one-to-one</a:t>
+            </a:r>
+            <a:r>
+              <a:rPr lang="it-IT" dirty="0">
+                <a:latin typeface="+mj-lt"/>
+              </a:rPr>
+              <a:t> o </a:t>
+            </a:r>
+            <a:r>
+              <a:rPr lang="it-IT" b="1" dirty="0" err="1">
+                <a:latin typeface="+mj-lt"/>
+              </a:rPr>
+              <a:t>many</a:t>
+            </a:r>
+            <a:r>
+              <a:rPr lang="it-IT" b="1" dirty="0">
+                <a:latin typeface="+mj-lt"/>
+              </a:rPr>
+              <a:t>-to-</a:t>
+            </a:r>
+            <a:r>
+              <a:rPr lang="it-IT" b="1" dirty="0" err="1">
+                <a:latin typeface="+mj-lt"/>
+              </a:rPr>
+              <a:t>many</a:t>
+            </a:r>
+            <a:r>
+              <a:rPr lang="it-IT" dirty="0">
+                <a:latin typeface="+mj-lt"/>
+              </a:rPr>
               <a:t>)</a:t>
             </a:r>
+            <a:endParaRPr lang="it-IT" sz="2000" dirty="0">
+              <a:latin typeface="+mj-lt"/>
+            </a:endParaRPr>
           </a:p>
         </p:txBody>
       </p:sp>
@@ -7084,7 +7137,7 @@
                 </a:solidFill>
                 <a:latin typeface="Tw Cen MT" panose="020B0602020104020603" pitchFamily="34" charset="0"/>
               </a:rPr>
-              <a:t> - </a:t>
+              <a:t>: </a:t>
             </a:r>
             <a:r>
               <a:rPr lang="en-US" altLang="it-IT" sz="3600" dirty="0" err="1">
@@ -7093,7 +7146,7 @@
                 </a:solidFill>
                 <a:latin typeface="Tw Cen MT" panose="020B0602020104020603" pitchFamily="34" charset="0"/>
               </a:rPr>
-              <a:t>Conclusioni</a:t>
+              <a:t>Conclusione</a:t>
             </a:r>
             <a:endParaRPr lang="en-US" altLang="it-IT" sz="3600" dirty="0">
               <a:solidFill>
@@ -7308,6 +7361,35 @@
           </a:p>
         </p:txBody>
       </p:sp>
+      <p:pic>
+        <p:nvPicPr>
+          <p:cNvPr id="7" name="Immagine 6" descr="Immagine che contiene screenshot&#10;&#10;Descrizione generata automaticamente">
+            <a:extLst>
+              <a:ext uri="{FF2B5EF4-FFF2-40B4-BE49-F238E27FC236}">
+                <a16:creationId xmlns:a16="http://schemas.microsoft.com/office/drawing/2014/main" id="{31BDDEE1-287D-49BF-92BC-D84546BB574A}"/>
+              </a:ext>
+            </a:extLst>
+          </p:cNvPr>
+          <p:cNvPicPr>
+            <a:picLocks noChangeAspect="1"/>
+          </p:cNvPicPr>
+          <p:nvPr/>
+        </p:nvPicPr>
+        <p:blipFill rotWithShape="1">
+          <a:blip r:embed="rId2"/>
+          <a:srcRect l="15793" t="5448" r="16847" b="54855"/>
+          <a:stretch/>
+        </p:blipFill>
+        <p:spPr>
+          <a:xfrm>
+            <a:off x="690611" y="6142384"/>
+            <a:ext cx="1361978" cy="264696"/>
+          </a:xfrm>
+          <a:prstGeom prst="rect">
+            <a:avLst/>
+          </a:prstGeom>
+        </p:spPr>
+      </p:pic>
     </p:spTree>
     <p:extLst>
       <p:ext uri="{BB962C8B-B14F-4D97-AF65-F5344CB8AC3E}">
@@ -7697,17 +7779,17 @@
           <a:p>
             <a:pPr algn="just"/>
             <a:r>
-              <a:rPr lang="it-IT" sz="2000" i="1" dirty="0">
+              <a:rPr lang="it-IT" sz="2000" b="1" i="1" dirty="0">
+                <a:solidFill>
+                  <a:srgbClr val="0033CC"/>
+                </a:solidFill>
                 <a:latin typeface="+mj-lt"/>
               </a:rPr>
               <a:t>struc2vec</a:t>
             </a:r>
-            <a:r>
-              <a:rPr lang="it-IT" sz="2000" dirty="0">
-                <a:latin typeface="+mj-lt"/>
-              </a:rPr>
-              <a:t>:</a:t>
-            </a:r>
+            <a:endParaRPr lang="it-IT" sz="2000" dirty="0">
+              <a:latin typeface="+mj-lt"/>
+            </a:endParaRPr>
           </a:p>
           <a:p>
             <a:pPr algn="just"/>
@@ -8049,8 +8131,8 @@
           </a:p>
         </p:txBody>
       </p:sp>
-      <mc:AlternateContent xmlns:mc="http://schemas.openxmlformats.org/markup-compatibility/2006" xmlns:a14="http://schemas.microsoft.com/office/drawing/2010/main">
-        <mc:Choice Requires="a14">
+      <mc:AlternateContent xmlns:mc="http://schemas.openxmlformats.org/markup-compatibility/2006">
+        <mc:Choice xmlns:a14="http://schemas.microsoft.com/office/drawing/2010/main" Requires="a14">
           <p:sp>
             <p:nvSpPr>
               <p:cNvPr id="9" name="CasellaDiTesto 8">
@@ -8065,7 +8147,7 @@
             </p:nvSpPr>
             <p:spPr>
               <a:xfrm>
-                <a:off x="292099" y="2304414"/>
+                <a:off x="434975" y="2304414"/>
                 <a:ext cx="8289925" cy="3046988"/>
               </a:xfrm>
               <a:prstGeom prst="rect">
@@ -8318,7 +8400,7 @@
             </p:txBody>
           </p:sp>
         </mc:Choice>
-        <mc:Fallback xmlns="">
+        <mc:Fallback>
           <p:sp>
             <p:nvSpPr>
               <p:cNvPr id="9" name="CasellaDiTesto 8">
@@ -8335,7 +8417,7 @@
             </p:nvSpPr>
             <p:spPr>
               <a:xfrm>
-                <a:off x="292099" y="2304414"/>
+                <a:off x="434975" y="2304414"/>
                 <a:ext cx="8289925" cy="3046988"/>
               </a:xfrm>
               <a:prstGeom prst="rect">
@@ -8344,7 +8426,7 @@
               <a:blipFill>
                 <a:blip r:embed="rId3"/>
                 <a:stretch>
-                  <a:fillRect l="-1176" t="-1600" r="-1103"/>
+                  <a:fillRect l="-1103" t="-1600" r="-1176"/>
                 </a:stretch>
               </a:blipFill>
             </p:spPr>
@@ -8741,7 +8823,7 @@
         </p:nvSpPr>
         <p:spPr>
           <a:xfrm>
-            <a:off x="6475228" y="2390974"/>
+            <a:off x="6475228" y="2298490"/>
             <a:ext cx="2052084" cy="461665"/>
           </a:xfrm>
           <a:prstGeom prst="rect">
@@ -9109,7 +9191,7 @@
         </p:nvSpPr>
         <p:spPr>
           <a:xfrm>
-            <a:off x="1621526" y="1288437"/>
+            <a:off x="1621526" y="1323546"/>
             <a:ext cx="3096557" cy="461665"/>
           </a:xfrm>
           <a:prstGeom prst="rect">
@@ -9554,9 +9636,18 @@
             <a:pPr algn="just"/>
             <a:r>
               <a:rPr lang="it-IT" sz="2400" b="1" dirty="0">
+                <a:solidFill>
+                  <a:srgbClr val="00B050"/>
+                </a:solidFill>
                 <a:latin typeface="+mj-lt"/>
               </a:rPr>
-              <a:t>Idea: </a:t>
+              <a:t>Idea</a:t>
+            </a:r>
+            <a:r>
+              <a:rPr lang="it-IT" sz="2400" b="1" dirty="0">
+                <a:latin typeface="+mj-lt"/>
+              </a:rPr>
+              <a:t>: </a:t>
             </a:r>
             <a:r>
               <a:rPr lang="it-IT" sz="2400" dirty="0">
@@ -10015,8 +10106,8 @@
           </a:p>
         </p:txBody>
       </p:sp>
-      <mc:AlternateContent xmlns:mc="http://schemas.openxmlformats.org/markup-compatibility/2006">
-        <mc:Choice xmlns:a14="http://schemas.microsoft.com/office/drawing/2010/main" Requires="a14">
+      <mc:AlternateContent xmlns:mc="http://schemas.openxmlformats.org/markup-compatibility/2006" xmlns:a14="http://schemas.microsoft.com/office/drawing/2010/main">
+        <mc:Choice Requires="a14">
           <p:sp>
             <p:nvSpPr>
               <p:cNvPr id="9" name="CasellaDiTesto 8">
@@ -10318,7 +10409,7 @@
             </p:txBody>
           </p:sp>
         </mc:Choice>
-        <mc:Fallback>
+        <mc:Fallback xmlns="">
           <p:sp>
             <p:nvSpPr>
               <p:cNvPr id="9" name="CasellaDiTesto 8">
@@ -10712,8 +10803,8 @@
         </p:nvSpPr>
         <p:spPr bwMode="auto">
           <a:xfrm>
-            <a:off x="150812" y="1639994"/>
-            <a:ext cx="8842375" cy="4375828"/>
+            <a:off x="292778" y="1619864"/>
+            <a:ext cx="8432122" cy="4375828"/>
           </a:xfrm>
           <a:prstGeom prst="rect">
             <a:avLst/>
@@ -10857,7 +10948,7 @@
               <a:rPr lang="it-IT" altLang="it-IT" dirty="0">
                 <a:latin typeface="Tw Cen MT" panose="020B0602020104020603" pitchFamily="34" charset="0"/>
               </a:rPr>
-              <a:t>Negli ultimi anni, il corpus di dati PPI è cresciuto esponenzialmente. </a:t>
+              <a:t>Il corpus di dati PPI è cresciuto esponenzialmente. </a:t>
             </a:r>
           </a:p>
           <a:p>
@@ -10881,19 +10972,7 @@
               <a:rPr lang="it-IT" altLang="it-IT" dirty="0">
                 <a:latin typeface="Tw Cen MT" panose="020B0602020104020603" pitchFamily="34" charset="0"/>
               </a:rPr>
-              <a:t>Gli allineamenti tra queste reti permettono di scoprire informazioni su complessi proteici che </a:t>
-            </a:r>
-            <a:r>
-              <a:rPr lang="it-IT" altLang="it-IT" dirty="0" err="1">
-                <a:latin typeface="Tw Cen MT" panose="020B0602020104020603" pitchFamily="34" charset="0"/>
-              </a:rPr>
-              <a:t>ﬁno</a:t>
-            </a:r>
-            <a:r>
-              <a:rPr lang="it-IT" altLang="it-IT" dirty="0">
-                <a:latin typeface="Tw Cen MT" panose="020B0602020104020603" pitchFamily="34" charset="0"/>
-              </a:rPr>
-              <a:t> a pochi anni fa non erano note. </a:t>
+              <a:t>Gli allineamenti tra le reti permettono di scoprire informazioni su complessi proteici che fino a pochi anni fa erano sconosciute. </a:t>
             </a:r>
           </a:p>
           <a:p>
@@ -10911,19 +10990,49 @@
               <a:t>Molte </a:t>
             </a:r>
             <a:r>
-              <a:rPr lang="it-IT" altLang="it-IT" dirty="0" err="1">
+              <a:rPr lang="it-IT" altLang="it-IT" dirty="0">
                 <a:solidFill>
                   <a:srgbClr val="C00000"/>
                 </a:solidFill>
                 <a:latin typeface="Tw Cen MT" panose="020B0602020104020603" pitchFamily="34" charset="0"/>
               </a:rPr>
-              <a:t>sﬁde</a:t>
+              <a:t>sfide</a:t>
             </a:r>
             <a:r>
               <a:rPr lang="it-IT" altLang="it-IT" dirty="0">
                 <a:latin typeface="Tw Cen MT" panose="020B0602020104020603" pitchFamily="34" charset="0"/>
               </a:rPr>
-              <a:t> sono ancora aperte e molte frontiere devono ancora essere esplorate; con questo progetto abbiamo dato solamente una vaga idea della vastità dell’argomento, di cui si è appena iniziato a parlare.</a:t>
+              <a:t> sono ancora aperte e molte </a:t>
+            </a:r>
+            <a:r>
+              <a:rPr lang="it-IT" altLang="it-IT" dirty="0">
+                <a:solidFill>
+                  <a:srgbClr val="C00000"/>
+                </a:solidFill>
+                <a:latin typeface="Tw Cen MT" panose="020B0602020104020603" pitchFamily="34" charset="0"/>
+              </a:rPr>
+              <a:t>frontiere</a:t>
+            </a:r>
+            <a:r>
+              <a:rPr lang="it-IT" altLang="it-IT" dirty="0">
+                <a:latin typeface="Tw Cen MT" panose="020B0602020104020603" pitchFamily="34" charset="0"/>
+              </a:rPr>
+              <a:t> devono ancora essere esplorate.</a:t>
+            </a:r>
+          </a:p>
+          <a:p>
+            <a:pPr algn="just"/>
+            <a:endParaRPr lang="it-IT" altLang="it-IT" dirty="0">
+              <a:latin typeface="Tw Cen MT" panose="020B0602020104020603" pitchFamily="34" charset="0"/>
+            </a:endParaRPr>
+          </a:p>
+          <a:p>
+            <a:pPr algn="just"/>
+            <a:r>
+              <a:rPr lang="it-IT" altLang="it-IT" dirty="0">
+                <a:latin typeface="Tw Cen MT" panose="020B0602020104020603" pitchFamily="34" charset="0"/>
+              </a:rPr>
+              <a:t>Grazie per l’attenzione!</a:t>
             </a:r>
           </a:p>
         </p:txBody>
@@ -11214,6 +11323,9 @@
             <a:pPr algn="ctr"/>
             <a:r>
               <a:rPr lang="it-IT" sz="2000" b="1" dirty="0">
+                <a:solidFill>
+                  <a:srgbClr val="0070C0"/>
+                </a:solidFill>
                 <a:latin typeface="+mn-lt"/>
               </a:rPr>
               <a:t>Obiettivo</a:t>
@@ -11522,388 +11634,295 @@
           </a:p>
         </p:txBody>
       </p:sp>
-      <mc:AlternateContent xmlns:mc="http://schemas.openxmlformats.org/markup-compatibility/2006" xmlns:a14="http://schemas.microsoft.com/office/drawing/2010/main">
-        <mc:Choice Requires="a14">
-          <p:sp>
-            <p:nvSpPr>
-              <p:cNvPr id="3" name="CasellaDiTesto 2">
-                <a:extLst>
-                  <a:ext uri="{FF2B5EF4-FFF2-40B4-BE49-F238E27FC236}">
-                    <a16:creationId xmlns:a16="http://schemas.microsoft.com/office/drawing/2014/main" id="{EE7E2448-7A6E-4297-BD08-38BFBB5E0C9E}"/>
-                  </a:ext>
-                </a:extLst>
-              </p:cNvPr>
-              <p:cNvSpPr txBox="1"/>
-              <p:nvPr/>
-            </p:nvSpPr>
-            <p:spPr>
-              <a:xfrm>
-                <a:off x="15875" y="1566713"/>
-                <a:ext cx="9112250" cy="4524315"/>
-              </a:xfrm>
-              <a:prstGeom prst="rect">
-                <a:avLst/>
-              </a:prstGeom>
-              <a:noFill/>
-            </p:spPr>
-            <p:txBody>
-              <a:bodyPr wrap="square" rtlCol="0">
-                <a:spAutoFit/>
-              </a:bodyPr>
-              <a:lstStyle/>
-              <a:p>
-                <a:pPr algn="just"/>
-                <a:r>
-                  <a:rPr lang="it-IT" dirty="0">
-                    <a:latin typeface="+mn-lt"/>
-                  </a:rPr>
-                  <a:t>Gli </a:t>
-                </a:r>
-                <a:r>
-                  <a:rPr lang="it-IT" i="1" dirty="0">
-                    <a:solidFill>
-                      <a:srgbClr val="C00000"/>
-                    </a:solidFill>
-                    <a:latin typeface="+mn-lt"/>
-                  </a:rPr>
-                  <a:t>allineamenti</a:t>
-                </a:r>
-                <a:r>
-                  <a:rPr lang="it-IT" dirty="0">
-                    <a:latin typeface="+mn-lt"/>
-                  </a:rPr>
-                  <a:t> di reti biologiche sono utili in molti contesti: avendo molte informazioni su alcuni nodi di una determinata rete </a:t>
-                </a:r>
-                <a14:m>
-                  <m:oMath xmlns:m="http://schemas.openxmlformats.org/officeDocument/2006/math">
-                    <m:sSub>
-                      <m:sSubPr>
-                        <m:ctrlPr>
-                          <a:rPr lang="it-IT" i="1" smtClean="0">
-                            <a:latin typeface="Cambria Math" panose="02040503050406030204" pitchFamily="18" charset="0"/>
-                          </a:rPr>
-                        </m:ctrlPr>
-                      </m:sSubPr>
-                      <m:e>
-                        <m:r>
-                          <a:rPr lang="it-IT" i="1" smtClean="0">
-                            <a:latin typeface="Cambria Math" panose="02040503050406030204" pitchFamily="18" charset="0"/>
-                          </a:rPr>
-                          <m:t>𝐺</m:t>
-                        </m:r>
-                      </m:e>
-                      <m:sub>
-                        <m:r>
-                          <a:rPr lang="it-IT" i="1" smtClean="0">
-                            <a:latin typeface="Cambria Math" panose="02040503050406030204" pitchFamily="18" charset="0"/>
-                          </a:rPr>
-                          <m:t>1</m:t>
-                        </m:r>
-                      </m:sub>
-                    </m:sSub>
-                  </m:oMath>
-                </a14:m>
-                <a:r>
-                  <a:rPr lang="it-IT" dirty="0">
-                    <a:latin typeface="+mn-lt"/>
-                  </a:rPr>
-                  <a:t>e quasi nulla su nodi topologicamente simili in un’altra </a:t>
-                </a:r>
-                <a14:m>
-                  <m:oMath xmlns:m="http://schemas.openxmlformats.org/officeDocument/2006/math">
-                    <m:sSub>
-                      <m:sSubPr>
-                        <m:ctrlPr>
-                          <a:rPr lang="it-IT" i="1" smtClean="0">
-                            <a:latin typeface="Cambria Math" panose="02040503050406030204" pitchFamily="18" charset="0"/>
-                          </a:rPr>
-                        </m:ctrlPr>
-                      </m:sSubPr>
-                      <m:e>
-                        <m:r>
-                          <a:rPr lang="it-IT" i="1" smtClean="0">
-                            <a:latin typeface="Cambria Math" panose="02040503050406030204" pitchFamily="18" charset="0"/>
-                          </a:rPr>
-                          <m:t>𝐺</m:t>
-                        </m:r>
-                      </m:e>
-                      <m:sub>
-                        <m:r>
-                          <a:rPr lang="it-IT" i="1" smtClean="0">
-                            <a:latin typeface="Cambria Math" panose="02040503050406030204" pitchFamily="18" charset="0"/>
-                          </a:rPr>
-                          <m:t>2</m:t>
-                        </m:r>
-                      </m:sub>
-                    </m:sSub>
-                  </m:oMath>
-                </a14:m>
-                <a:r>
-                  <a:rPr lang="it-IT" dirty="0">
-                    <a:latin typeface="+mn-lt"/>
-                  </a:rPr>
-                  <a:t>, la conoscenza specialistica di uno di quei nodi può dirci qualcosa di nuovo sul corrispettivo. </a:t>
-                </a:r>
-              </a:p>
-              <a:p>
-                <a:pPr algn="just"/>
-                <a:endParaRPr lang="it-IT" dirty="0">
-                  <a:latin typeface="+mn-lt"/>
-                </a:endParaRPr>
-              </a:p>
-              <a:p>
-                <a:pPr algn="just"/>
-                <a:r>
-                  <a:rPr lang="it-IT" dirty="0">
-                    <a:latin typeface="+mn-lt"/>
-                  </a:rPr>
-                  <a:t>Le </a:t>
-                </a:r>
-                <a:r>
-                  <a:rPr lang="it-IT" i="1" dirty="0" err="1">
-                    <a:solidFill>
-                      <a:srgbClr val="002060"/>
-                    </a:solidFill>
-                    <a:latin typeface="+mn-lt"/>
-                  </a:rPr>
-                  <a:t>Protein-Protein</a:t>
-                </a:r>
-                <a:r>
-                  <a:rPr lang="it-IT" i="1" dirty="0">
-                    <a:solidFill>
-                      <a:srgbClr val="002060"/>
-                    </a:solidFill>
-                    <a:latin typeface="+mn-lt"/>
-                  </a:rPr>
-                  <a:t> Interaction Networks</a:t>
-                </a:r>
-                <a:r>
-                  <a:rPr lang="it-IT" i="1" dirty="0">
-                    <a:latin typeface="+mn-lt"/>
-                  </a:rPr>
-                  <a:t> </a:t>
-                </a:r>
-                <a:r>
-                  <a:rPr lang="it-IT" dirty="0">
-                    <a:latin typeface="+mn-lt"/>
-                  </a:rPr>
-                  <a:t>(</a:t>
-                </a:r>
-                <a:r>
-                  <a:rPr lang="it-IT" dirty="0">
-                    <a:solidFill>
-                      <a:srgbClr val="002060"/>
-                    </a:solidFill>
-                    <a:latin typeface="+mn-lt"/>
-                  </a:rPr>
-                  <a:t>PPIN</a:t>
-                </a:r>
-                <a:r>
-                  <a:rPr lang="it-IT" dirty="0">
-                    <a:latin typeface="+mn-lt"/>
-                  </a:rPr>
-                  <a:t>) sono strumenti validi per comprendere:</a:t>
-                </a:r>
-              </a:p>
-              <a:p>
-                <a:pPr marL="285750" indent="-285750" algn="just">
-                  <a:buFont typeface="Arial" panose="020B0604020202020204" pitchFamily="34" charset="0"/>
-                  <a:buChar char="•"/>
-                </a:pPr>
-                <a:r>
-                  <a:rPr lang="it-IT" dirty="0">
-                    <a:latin typeface="+mn-lt"/>
-                  </a:rPr>
-                  <a:t>funzioni delle cellule;</a:t>
-                </a:r>
-              </a:p>
-              <a:p>
-                <a:pPr marL="285750" indent="-285750" algn="just">
-                  <a:buFont typeface="Arial" panose="020B0604020202020204" pitchFamily="34" charset="0"/>
-                  <a:buChar char="•"/>
-                </a:pPr>
-                <a:r>
-                  <a:rPr lang="it-IT" dirty="0">
-                    <a:latin typeface="+mn-lt"/>
-                  </a:rPr>
-                  <a:t>malattie umane;</a:t>
-                </a:r>
-              </a:p>
-              <a:p>
-                <a:pPr marL="285750" indent="-285750" algn="just">
-                  <a:buFont typeface="Arial" panose="020B0604020202020204" pitchFamily="34" charset="0"/>
-                  <a:buChar char="•"/>
-                </a:pPr>
-                <a:r>
-                  <a:rPr lang="it-IT" dirty="0">
-                    <a:latin typeface="+mn-lt"/>
-                  </a:rPr>
-                  <a:t>design e riposizionamento dei farmaci;</a:t>
-                </a:r>
-              </a:p>
-              <a:p>
-                <a:pPr marL="285750" indent="-285750" algn="just">
-                  <a:buFont typeface="Arial" panose="020B0604020202020204" pitchFamily="34" charset="0"/>
-                  <a:buChar char="•"/>
-                </a:pPr>
-                <a:r>
-                  <a:rPr lang="it-IT" dirty="0" err="1">
-                    <a:latin typeface="+mn-lt"/>
-                  </a:rPr>
-                  <a:t>interattomi</a:t>
-                </a:r>
-                <a:r>
-                  <a:rPr lang="it-IT" dirty="0">
-                    <a:latin typeface="+mn-lt"/>
-                  </a:rPr>
-                  <a:t> (insieme delle interazioni molecolari in una cellula).</a:t>
-                </a:r>
-              </a:p>
-              <a:p>
-                <a:endParaRPr lang="it-IT" dirty="0">
-                  <a:latin typeface="+mn-lt"/>
-                </a:endParaRPr>
-              </a:p>
-              <a:p>
-                <a:r>
-                  <a:rPr lang="it-IT" dirty="0">
-                    <a:latin typeface="+mn-lt"/>
-                  </a:rPr>
-                  <a:t>Date le grandi dimensioni (migliaia di elementi), le reti PPI sono analizzate tramite l’</a:t>
-                </a:r>
-                <a:r>
-                  <a:rPr lang="it-IT" dirty="0" err="1">
-                    <a:latin typeface="+mn-lt"/>
-                  </a:rPr>
-                  <a:t>identiﬁcazione</a:t>
-                </a:r>
-                <a:r>
-                  <a:rPr lang="it-IT" dirty="0">
-                    <a:latin typeface="+mn-lt"/>
-                  </a:rPr>
-                  <a:t> di </a:t>
-                </a:r>
-                <a:r>
-                  <a:rPr lang="it-IT" i="1" dirty="0">
-                    <a:latin typeface="+mn-lt"/>
-                  </a:rPr>
-                  <a:t>sottoreti</a:t>
-                </a:r>
-                <a:r>
-                  <a:rPr lang="it-IT" dirty="0">
-                    <a:latin typeface="+mn-lt"/>
-                  </a:rPr>
-                  <a:t>, o </a:t>
-                </a:r>
-                <a:r>
-                  <a:rPr lang="it-IT" b="1" dirty="0">
-                    <a:solidFill>
-                      <a:srgbClr val="FF6600"/>
-                    </a:solidFill>
-                    <a:latin typeface="+mn-lt"/>
-                  </a:rPr>
-                  <a:t>moduli</a:t>
-                </a:r>
-                <a:r>
-                  <a:rPr lang="it-IT" dirty="0">
-                    <a:latin typeface="+mn-lt"/>
-                  </a:rPr>
-                  <a:t>. </a:t>
-                </a:r>
-              </a:p>
-              <a:p>
-                <a:endParaRPr lang="it-IT" dirty="0">
-                  <a:latin typeface="+mn-lt"/>
-                </a:endParaRPr>
-              </a:p>
-              <a:p>
-                <a:pPr algn="just"/>
-                <a:r>
-                  <a:rPr lang="it-IT" i="1" dirty="0">
-                    <a:solidFill>
-                      <a:schemeClr val="accent5">
-                        <a:lumMod val="75000"/>
-                      </a:schemeClr>
-                    </a:solidFill>
-                    <a:latin typeface="+mn-lt"/>
-                  </a:rPr>
-                  <a:t>Modulo topologico </a:t>
-                </a:r>
-                <a:r>
-                  <a:rPr lang="it-IT" dirty="0">
-                    <a:latin typeface="+mn-lt"/>
-                  </a:rPr>
-                  <a:t>= gruppo di nodi che hanno molte più connessioni con i nodi del gruppo piuttosto che con quelli esterni. </a:t>
-                </a:r>
-              </a:p>
-              <a:p>
-                <a:pPr algn="just"/>
-                <a:r>
-                  <a:rPr lang="it-IT" i="1" dirty="0">
-                    <a:solidFill>
-                      <a:schemeClr val="accent5">
-                        <a:lumMod val="75000"/>
-                      </a:schemeClr>
-                    </a:solidFill>
-                    <a:latin typeface="+mn-lt"/>
-                  </a:rPr>
-                  <a:t>Modulo funzionale </a:t>
-                </a:r>
-                <a:r>
-                  <a:rPr lang="it-IT" dirty="0">
-                    <a:latin typeface="+mn-lt"/>
-                  </a:rPr>
-                  <a:t>= gruppo di nodi che condividono una funzione biologica. </a:t>
-                </a:r>
-              </a:p>
-            </p:txBody>
-          </p:sp>
-        </mc:Choice>
-        <mc:Fallback xmlns="">
-          <p:sp>
-            <p:nvSpPr>
-              <p:cNvPr id="3" name="CasellaDiTesto 2">
-                <a:extLst>
-                  <a:ext uri="{FF2B5EF4-FFF2-40B4-BE49-F238E27FC236}">
-                    <a16:creationId xmlns:a16="http://schemas.microsoft.com/office/drawing/2014/main" id="{EE7E2448-7A6E-4297-BD08-38BFBB5E0C9E}"/>
-                  </a:ext>
-                </a:extLst>
-              </p:cNvPr>
-              <p:cNvSpPr txBox="1">
-                <a:spLocks noRot="1" noChangeAspect="1" noMove="1" noResize="1" noEditPoints="1" noAdjustHandles="1" noChangeArrowheads="1" noChangeShapeType="1" noTextEdit="1"/>
-              </p:cNvSpPr>
-              <p:nvPr/>
-            </p:nvSpPr>
-            <p:spPr>
-              <a:xfrm>
-                <a:off x="15875" y="1566713"/>
-                <a:ext cx="9112250" cy="4524315"/>
-              </a:xfrm>
-              <a:prstGeom prst="rect">
-                <a:avLst/>
-              </a:prstGeom>
-              <a:blipFill>
-                <a:blip r:embed="rId2"/>
-                <a:stretch>
-                  <a:fillRect l="-602" t="-674" r="-602" b="-1213"/>
-                </a:stretch>
-              </a:blipFill>
-            </p:spPr>
-            <p:txBody>
-              <a:bodyPr/>
-              <a:lstStyle/>
-              <a:p>
-                <a:r>
-                  <a:rPr lang="it-IT">
-                    <a:noFill/>
-                  </a:rPr>
-                  <a:t> </a:t>
-                </a:r>
-              </a:p>
-            </p:txBody>
-          </p:sp>
-        </mc:Fallback>
-      </mc:AlternateContent>
+      <p:sp>
+        <p:nvSpPr>
+          <p:cNvPr id="3" name="CasellaDiTesto 2">
+            <a:extLst>
+              <a:ext uri="{FF2B5EF4-FFF2-40B4-BE49-F238E27FC236}">
+                <a16:creationId xmlns:a16="http://schemas.microsoft.com/office/drawing/2014/main" id="{EE7E2448-7A6E-4297-BD08-38BFBB5E0C9E}"/>
+              </a:ext>
+            </a:extLst>
+          </p:cNvPr>
+          <p:cNvSpPr txBox="1"/>
+          <p:nvPr/>
+        </p:nvSpPr>
+        <p:spPr>
+          <a:xfrm>
+            <a:off x="31750" y="862744"/>
+            <a:ext cx="9112250" cy="5632311"/>
+          </a:xfrm>
+          <a:prstGeom prst="rect">
+            <a:avLst/>
+          </a:prstGeom>
+          <a:noFill/>
+        </p:spPr>
+        <p:txBody>
+          <a:bodyPr wrap="square" rtlCol="0">
+            <a:spAutoFit/>
+          </a:bodyPr>
+          <a:lstStyle/>
+          <a:p>
+            <a:pPr algn="just"/>
+            <a:endParaRPr lang="it-IT" sz="2400" dirty="0">
+              <a:latin typeface="+mn-lt"/>
+            </a:endParaRPr>
+          </a:p>
+          <a:p>
+            <a:pPr algn="just"/>
+            <a:r>
+              <a:rPr lang="it-IT" sz="2400" dirty="0">
+                <a:latin typeface="+mn-lt"/>
+              </a:rPr>
+              <a:t>Le </a:t>
+            </a:r>
+            <a:r>
+              <a:rPr lang="it-IT" sz="2400" i="1" dirty="0" err="1">
+                <a:solidFill>
+                  <a:srgbClr val="0000FF"/>
+                </a:solidFill>
+                <a:latin typeface="+mn-lt"/>
+              </a:rPr>
+              <a:t>Protein-Protein</a:t>
+            </a:r>
+            <a:r>
+              <a:rPr lang="it-IT" sz="2400" i="1" dirty="0">
+                <a:solidFill>
+                  <a:srgbClr val="0000FF"/>
+                </a:solidFill>
+                <a:latin typeface="+mn-lt"/>
+              </a:rPr>
+              <a:t> Interaction Networks </a:t>
+            </a:r>
+            <a:r>
+              <a:rPr lang="it-IT" sz="2400" dirty="0">
+                <a:latin typeface="+mn-lt"/>
+              </a:rPr>
+              <a:t>(</a:t>
+            </a:r>
+            <a:r>
+              <a:rPr lang="it-IT" sz="2400" dirty="0">
+                <a:solidFill>
+                  <a:srgbClr val="0000FF"/>
+                </a:solidFill>
+                <a:latin typeface="+mn-lt"/>
+              </a:rPr>
+              <a:t>PPIN</a:t>
+            </a:r>
+            <a:r>
+              <a:rPr lang="it-IT" sz="2400" dirty="0">
+                <a:latin typeface="+mn-lt"/>
+              </a:rPr>
+              <a:t>) sono strumenti validi per comprendere:</a:t>
+            </a:r>
+          </a:p>
+          <a:p>
+            <a:pPr marL="285750" indent="-285750" algn="just">
+              <a:buFont typeface="Arial" panose="020B0604020202020204" pitchFamily="34" charset="0"/>
+              <a:buChar char="•"/>
+            </a:pPr>
+            <a:r>
+              <a:rPr lang="it-IT" sz="2400" i="1" dirty="0">
+                <a:latin typeface="+mn-lt"/>
+              </a:rPr>
+              <a:t>funzioni</a:t>
+            </a:r>
+            <a:r>
+              <a:rPr lang="it-IT" sz="2400" dirty="0">
+                <a:latin typeface="+mn-lt"/>
+              </a:rPr>
+              <a:t> delle cellule;</a:t>
+            </a:r>
+          </a:p>
+          <a:p>
+            <a:pPr marL="285750" indent="-285750" algn="just">
+              <a:buFont typeface="Arial" panose="020B0604020202020204" pitchFamily="34" charset="0"/>
+              <a:buChar char="•"/>
+            </a:pPr>
+            <a:r>
+              <a:rPr lang="it-IT" sz="2400" i="1" dirty="0">
+                <a:latin typeface="+mn-lt"/>
+              </a:rPr>
+              <a:t>malattie umane</a:t>
+            </a:r>
+            <a:r>
+              <a:rPr lang="it-IT" sz="2400" dirty="0">
+                <a:latin typeface="+mn-lt"/>
+              </a:rPr>
+              <a:t>;</a:t>
+            </a:r>
+          </a:p>
+          <a:p>
+            <a:pPr marL="285750" indent="-285750" algn="just">
+              <a:buFont typeface="Arial" panose="020B0604020202020204" pitchFamily="34" charset="0"/>
+              <a:buChar char="•"/>
+            </a:pPr>
+            <a:r>
+              <a:rPr lang="it-IT" sz="2400" dirty="0">
+                <a:latin typeface="+mn-lt"/>
+              </a:rPr>
+              <a:t>design e riposizionamento dei </a:t>
+            </a:r>
+            <a:r>
+              <a:rPr lang="it-IT" sz="2400" i="1" dirty="0">
+                <a:latin typeface="+mn-lt"/>
+              </a:rPr>
+              <a:t>farmaci</a:t>
+            </a:r>
+            <a:r>
+              <a:rPr lang="it-IT" sz="2400" dirty="0">
+                <a:latin typeface="+mn-lt"/>
+              </a:rPr>
+              <a:t>;</a:t>
+            </a:r>
+          </a:p>
+          <a:p>
+            <a:pPr marL="285750" indent="-285750" algn="just">
+              <a:buFont typeface="Arial" panose="020B0604020202020204" pitchFamily="34" charset="0"/>
+              <a:buChar char="•"/>
+            </a:pPr>
+            <a:r>
+              <a:rPr lang="it-IT" sz="2400" i="1" dirty="0" err="1">
+                <a:latin typeface="+mn-lt"/>
+              </a:rPr>
+              <a:t>interattomi</a:t>
+            </a:r>
+            <a:r>
+              <a:rPr lang="it-IT" sz="2400" dirty="0">
+                <a:latin typeface="+mn-lt"/>
+              </a:rPr>
+              <a:t> (insieme delle interazioni molecolari in una cellula).</a:t>
+            </a:r>
+          </a:p>
+          <a:p>
+            <a:pPr algn="just"/>
+            <a:endParaRPr lang="it-IT" sz="2400" dirty="0">
+              <a:latin typeface="+mn-lt"/>
+            </a:endParaRPr>
+          </a:p>
+          <a:p>
+            <a:pPr algn="just"/>
+            <a:r>
+              <a:rPr lang="it-IT" sz="2400" dirty="0">
+                <a:latin typeface="+mn-lt"/>
+              </a:rPr>
+              <a:t>Date le grandi dimensioni (migliaia di elementi), le reti PPI sono analizzate tramite l’</a:t>
+            </a:r>
+            <a:r>
+              <a:rPr lang="it-IT" sz="2400" dirty="0" err="1">
+                <a:latin typeface="+mn-lt"/>
+              </a:rPr>
+              <a:t>identiﬁcazione</a:t>
+            </a:r>
+            <a:r>
+              <a:rPr lang="it-IT" sz="2400" dirty="0">
+                <a:latin typeface="+mn-lt"/>
+              </a:rPr>
+              <a:t> di </a:t>
+            </a:r>
+            <a:r>
+              <a:rPr lang="it-IT" sz="2400" b="1" dirty="0">
+                <a:solidFill>
+                  <a:srgbClr val="FF6600"/>
+                </a:solidFill>
+                <a:latin typeface="+mn-lt"/>
+              </a:rPr>
+              <a:t>moduli</a:t>
+            </a:r>
+            <a:r>
+              <a:rPr lang="it-IT" sz="2400" dirty="0">
+                <a:latin typeface="+mn-lt"/>
+              </a:rPr>
+              <a:t>. </a:t>
+            </a:r>
+          </a:p>
+          <a:p>
+            <a:pPr algn="just"/>
+            <a:endParaRPr lang="it-IT" sz="2400" dirty="0">
+              <a:latin typeface="+mn-lt"/>
+            </a:endParaRPr>
+          </a:p>
+          <a:p>
+            <a:pPr algn="just"/>
+            <a:r>
+              <a:rPr lang="it-IT" sz="2400" i="1" dirty="0">
+                <a:solidFill>
+                  <a:schemeClr val="accent5">
+                    <a:lumMod val="75000"/>
+                  </a:schemeClr>
+                </a:solidFill>
+                <a:latin typeface="+mn-lt"/>
+              </a:rPr>
+              <a:t>Modulo </a:t>
+            </a:r>
+            <a:r>
+              <a:rPr lang="it-IT" sz="2400" i="1" dirty="0">
+                <a:solidFill>
+                  <a:srgbClr val="FF0000"/>
+                </a:solidFill>
+                <a:latin typeface="+mn-lt"/>
+              </a:rPr>
+              <a:t>topologico</a:t>
+            </a:r>
+            <a:r>
+              <a:rPr lang="it-IT" sz="2400" i="1" dirty="0">
+                <a:solidFill>
+                  <a:schemeClr val="accent5">
+                    <a:lumMod val="75000"/>
+                  </a:schemeClr>
+                </a:solidFill>
+                <a:latin typeface="+mn-lt"/>
+              </a:rPr>
+              <a:t> </a:t>
+            </a:r>
+            <a:r>
+              <a:rPr lang="it-IT" sz="2400" dirty="0">
+                <a:latin typeface="+mn-lt"/>
+              </a:rPr>
+              <a:t>= gruppo di nodi che hanno molte più connessioni con i nodi del gruppo piuttosto che con quelli esterni. </a:t>
+            </a:r>
+          </a:p>
+          <a:p>
+            <a:pPr algn="just"/>
+            <a:r>
+              <a:rPr lang="it-IT" sz="2400" i="1" dirty="0">
+                <a:solidFill>
+                  <a:schemeClr val="accent5">
+                    <a:lumMod val="75000"/>
+                  </a:schemeClr>
+                </a:solidFill>
+                <a:latin typeface="+mn-lt"/>
+              </a:rPr>
+              <a:t>Modulo </a:t>
+            </a:r>
+            <a:r>
+              <a:rPr lang="it-IT" sz="2400" i="1" dirty="0">
+                <a:solidFill>
+                  <a:srgbClr val="FF0000"/>
+                </a:solidFill>
+                <a:latin typeface="+mn-lt"/>
+              </a:rPr>
+              <a:t>funzionale</a:t>
+            </a:r>
+            <a:r>
+              <a:rPr lang="it-IT" sz="2400" i="1" dirty="0">
+                <a:solidFill>
+                  <a:schemeClr val="accent5">
+                    <a:lumMod val="75000"/>
+                  </a:schemeClr>
+                </a:solidFill>
+                <a:latin typeface="+mn-lt"/>
+              </a:rPr>
+              <a:t> </a:t>
+            </a:r>
+            <a:r>
+              <a:rPr lang="it-IT" sz="2400" dirty="0">
+                <a:latin typeface="+mn-lt"/>
+              </a:rPr>
+              <a:t>= gruppo di nodi che condividono una funzione biologica. </a:t>
+            </a:r>
+          </a:p>
+        </p:txBody>
+      </p:sp>
       <p:sp>
         <p:nvSpPr>
           <p:cNvPr id="10" name="Segnaposto piè di pagina 9">
@@ -12191,8 +12210,8 @@
           </a:p>
         </p:txBody>
       </p:sp>
-      <mc:AlternateContent xmlns:mc="http://schemas.openxmlformats.org/markup-compatibility/2006" xmlns:a14="http://schemas.microsoft.com/office/drawing/2010/main">
-        <mc:Choice Requires="a14">
+      <mc:AlternateContent xmlns:mc="http://schemas.openxmlformats.org/markup-compatibility/2006">
+        <mc:Choice xmlns:a14="http://schemas.microsoft.com/office/drawing/2010/main" Requires="a14">
           <p:sp>
             <p:nvSpPr>
               <p:cNvPr id="8" name="CasellaDiTesto 7">
@@ -12207,8 +12226,8 @@
             </p:nvSpPr>
             <p:spPr>
               <a:xfrm>
-                <a:off x="1" y="1204190"/>
-                <a:ext cx="9144000" cy="2585323"/>
+                <a:off x="1" y="1084760"/>
+                <a:ext cx="9144000" cy="2554545"/>
               </a:xfrm>
               <a:prstGeom prst="rect">
                 <a:avLst/>
@@ -12223,25 +12242,25 @@
               <a:p>
                 <a:pPr algn="just"/>
                 <a:r>
-                  <a:rPr lang="it-IT" dirty="0">
+                  <a:rPr lang="it-IT" sz="2000" dirty="0">
                     <a:latin typeface="+mj-lt"/>
                   </a:rPr>
                   <a:t>Date due reti, </a:t>
                 </a:r>
                 <a:r>
-                  <a:rPr lang="it-IT" b="1" dirty="0">
+                  <a:rPr lang="it-IT" sz="2000" b="1" dirty="0">
                     <a:latin typeface="+mj-lt"/>
                   </a:rPr>
                   <a:t>allinearle</a:t>
                 </a:r>
                 <a:r>
-                  <a:rPr lang="it-IT" dirty="0">
+                  <a:rPr lang="it-IT" sz="2000" dirty="0">
                     <a:latin typeface="+mj-lt"/>
                   </a:rPr>
                   <a:t> significa trovare un </a:t>
                 </a:r>
                 <a:r>
-                  <a:rPr lang="it-IT" i="1" dirty="0">
+                  <a:rPr lang="it-IT" sz="2000" i="1" dirty="0">
                     <a:solidFill>
                       <a:srgbClr val="0000FF"/>
                     </a:solidFill>
@@ -12250,22 +12269,10 @@
                   <a:t>mapping</a:t>
                 </a:r>
                 <a:r>
-                  <a:rPr lang="it-IT" dirty="0">
+                  <a:rPr lang="it-IT" sz="2000" dirty="0">
                     <a:latin typeface="+mj-lt"/>
                   </a:rPr>
-                  <a:t> nodo-a-nodo (= </a:t>
-                </a:r>
-                <a:r>
-                  <a:rPr lang="it-IT" i="1" dirty="0" err="1">
-                    <a:latin typeface="+mj-lt"/>
-                  </a:rPr>
-                  <a:t>alignment</a:t>
-                </a:r>
-                <a:r>
-                  <a:rPr lang="it-IT" dirty="0">
-                    <a:latin typeface="+mj-lt"/>
-                  </a:rPr>
-                  <a:t>) tra le stesse in grado di ottimizzare due obiettivi: </a:t>
+                  <a:t> nodo-a-nodo in grado di: </a:t>
                 </a:r>
               </a:p>
               <a:p>
@@ -12273,19 +12280,19 @@
                   <a:buAutoNum type="arabicParenBoth"/>
                 </a:pPr>
                 <a:r>
-                  <a:rPr lang="it-IT" i="1" dirty="0">
+                  <a:rPr lang="it-IT" sz="2000" i="1" dirty="0">
                     <a:latin typeface="+mj-lt"/>
                   </a:rPr>
                   <a:t>massimizzare il numero di proteine mappate</a:t>
                 </a:r>
                 <a:r>
-                  <a:rPr lang="it-IT" dirty="0">
+                  <a:rPr lang="it-IT" sz="2000" dirty="0">
                     <a:latin typeface="+mj-lt"/>
                   </a:rPr>
                   <a:t> (</a:t>
                 </a:r>
                 <a:r>
-                  <a:rPr lang="it-IT" i="1" dirty="0">
+                  <a:rPr lang="it-IT" sz="2000" i="1" dirty="0">
                     <a:solidFill>
                       <a:srgbClr val="C00000"/>
                     </a:solidFill>
@@ -12294,16 +12301,10 @@
                   <a:t>nodi</a:t>
                 </a:r>
                 <a:r>
-                  <a:rPr lang="it-IT" i="1" dirty="0">
+                  <a:rPr lang="it-IT" sz="2000" dirty="0">
                     <a:latin typeface="+mj-lt"/>
                   </a:rPr>
-                  <a:t> </a:t>
-                </a:r>
-                <a:r>
-                  <a:rPr lang="it-IT" dirty="0">
-                    <a:latin typeface="+mj-lt"/>
-                  </a:rPr>
-                  <a:t>del grafo) che sono correlate da un punto di vista funzionale;</a:t>
+                  <a:t>) che sono correlate da un punto di vista funzionale;</a:t>
                 </a:r>
               </a:p>
               <a:p>
@@ -12311,19 +12312,19 @@
                   <a:buAutoNum type="arabicParenBoth"/>
                 </a:pPr>
                 <a:r>
-                  <a:rPr lang="it-IT" i="1" dirty="0">
+                  <a:rPr lang="it-IT" sz="2000" i="1" dirty="0">
                     <a:latin typeface="+mj-lt"/>
                   </a:rPr>
                   <a:t>massimizzare il numero di interazioni comuni </a:t>
                 </a:r>
                 <a:r>
-                  <a:rPr lang="it-IT" dirty="0">
+                  <a:rPr lang="it-IT" sz="2000" dirty="0">
                     <a:latin typeface="+mj-lt"/>
                   </a:rPr>
                   <a:t>(</a:t>
                 </a:r>
                 <a:r>
-                  <a:rPr lang="it-IT" i="1" dirty="0">
+                  <a:rPr lang="it-IT" sz="2000" i="1" dirty="0">
                     <a:solidFill>
                       <a:srgbClr val="C00000"/>
                     </a:solidFill>
@@ -12332,30 +12333,24 @@
                   <a:t>archi</a:t>
                 </a:r>
                 <a:r>
-                  <a:rPr lang="it-IT" i="1" dirty="0">
+                  <a:rPr lang="it-IT" sz="2000" dirty="0">
                     <a:latin typeface="+mj-lt"/>
                   </a:rPr>
-                  <a:t> </a:t>
-                </a:r>
-                <a:r>
-                  <a:rPr lang="it-IT" dirty="0">
-                    <a:latin typeface="+mj-lt"/>
-                  </a:rPr>
-                  <a:t>del grafo) tra le reti. </a:t>
+                  <a:t>) tra le reti. </a:t>
                 </a:r>
               </a:p>
               <a:p>
                 <a:pPr marL="342900" indent="-342900" algn="just">
                   <a:buAutoNum type="arabicParenBoth"/>
                 </a:pPr>
-                <a:endParaRPr lang="it-IT" dirty="0">
+                <a:endParaRPr lang="it-IT" sz="2000" dirty="0">
                   <a:latin typeface="+mj-lt"/>
                 </a:endParaRPr>
               </a:p>
               <a:p>
                 <a:pPr algn="just"/>
                 <a:r>
-                  <a:rPr lang="it-IT" dirty="0">
+                  <a:rPr lang="it-IT" sz="2000" dirty="0">
                     <a:latin typeface="+mj-lt"/>
                   </a:rPr>
                   <a:t>Problema intrattabile dovuto all’</a:t>
@@ -12363,7 +12358,7 @@
                 <a14:m>
                   <m:oMath xmlns:m="http://schemas.openxmlformats.org/officeDocument/2006/math">
                     <m:r>
-                      <a:rPr lang="it-IT" i="1" smtClean="0">
+                      <a:rPr lang="it-IT" sz="2000" i="1" smtClean="0">
                         <a:solidFill>
                           <a:srgbClr val="00B050"/>
                         </a:solidFill>
@@ -12374,7 +12369,7 @@
                   </m:oMath>
                 </a14:m>
                 <a:r>
-                  <a:rPr lang="it-IT" dirty="0">
+                  <a:rPr lang="it-IT" sz="2000" dirty="0">
                     <a:solidFill>
                       <a:srgbClr val="00B050"/>
                     </a:solidFill>
@@ -12383,49 +12378,49 @@
                   <a:t>-completezza </a:t>
                 </a:r>
                 <a:r>
-                  <a:rPr lang="it-IT" dirty="0">
+                  <a:rPr lang="it-IT" sz="2000" dirty="0">
                     <a:latin typeface="+mj-lt"/>
                   </a:rPr>
-                  <a:t>sottostante al </a:t>
+                  <a:t>del </a:t>
                 </a:r>
                 <a:r>
-                  <a:rPr lang="it-IT" i="1" dirty="0">
+                  <a:rPr lang="it-IT" sz="2000" i="1" dirty="0">
                     <a:latin typeface="+mj-lt"/>
                   </a:rPr>
                   <a:t>sub-</a:t>
                 </a:r>
                 <a:r>
-                  <a:rPr lang="it-IT" i="1" dirty="0" err="1">
+                  <a:rPr lang="it-IT" sz="2000" i="1" dirty="0" err="1">
                     <a:latin typeface="+mj-lt"/>
                   </a:rPr>
                   <a:t>graph</a:t>
                 </a:r>
                 <a:r>
-                  <a:rPr lang="it-IT" i="1" dirty="0">
+                  <a:rPr lang="it-IT" sz="2000" i="1" dirty="0">
                     <a:latin typeface="+mj-lt"/>
                   </a:rPr>
                   <a:t> </a:t>
                 </a:r>
                 <a:r>
-                  <a:rPr lang="it-IT" i="1" dirty="0" err="1">
+                  <a:rPr lang="it-IT" sz="2000" i="1" dirty="0" err="1">
                     <a:latin typeface="+mj-lt"/>
                   </a:rPr>
                   <a:t>isomorphism</a:t>
                 </a:r>
                 <a:r>
-                  <a:rPr lang="it-IT" i="1" dirty="0">
+                  <a:rPr lang="it-IT" sz="2000" i="1" dirty="0">
                     <a:latin typeface="+mj-lt"/>
                   </a:rPr>
                   <a:t> </a:t>
                 </a:r>
                 <a:r>
-                  <a:rPr lang="it-IT" i="1" dirty="0" err="1">
+                  <a:rPr lang="it-IT" sz="2000" i="1" dirty="0" err="1">
                     <a:latin typeface="+mj-lt"/>
                   </a:rPr>
                   <a:t>problem</a:t>
                 </a:r>
                 <a:r>
-                  <a:rPr lang="it-IT" dirty="0">
+                  <a:rPr lang="it-IT" sz="2000" dirty="0">
                     <a:latin typeface="+mj-lt"/>
                   </a:rPr>
                   <a:t> (Cook,1971).</a:t>
@@ -12433,14 +12428,14 @@
               </a:p>
               <a:p>
                 <a:pPr algn="just"/>
-                <a:endParaRPr lang="it-IT" dirty="0">
+                <a:endParaRPr lang="it-IT" sz="2000" dirty="0">
                   <a:latin typeface="+mj-lt"/>
                 </a:endParaRPr>
               </a:p>
             </p:txBody>
           </p:sp>
         </mc:Choice>
-        <mc:Fallback xmlns="">
+        <mc:Fallback>
           <p:sp>
             <p:nvSpPr>
               <p:cNvPr id="8" name="CasellaDiTesto 7">
@@ -12457,8 +12452,8 @@
             </p:nvSpPr>
             <p:spPr>
               <a:xfrm>
-                <a:off x="1" y="1204190"/>
-                <a:ext cx="9144000" cy="2585323"/>
+                <a:off x="1" y="1084760"/>
+                <a:ext cx="9144000" cy="2554545"/>
               </a:xfrm>
               <a:prstGeom prst="rect">
                 <a:avLst/>
@@ -12466,7 +12461,7 @@
               <a:blipFill>
                 <a:blip r:embed="rId2"/>
                 <a:stretch>
-                  <a:fillRect l="-533" t="-1415" r="-533"/>
+                  <a:fillRect l="-667" t="-1432" r="-667"/>
                 </a:stretch>
               </a:blipFill>
             </p:spPr>
@@ -12507,8 +12502,8 @@
         </p:blipFill>
         <p:spPr>
           <a:xfrm>
-            <a:off x="1700073" y="3357593"/>
-            <a:ext cx="5743853" cy="3119407"/>
+            <a:off x="1528433" y="3169724"/>
+            <a:ext cx="6087134" cy="3305838"/>
           </a:xfrm>
           <a:prstGeom prst="rect">
             <a:avLst/>
@@ -12830,7 +12825,7 @@
         </p:blipFill>
         <p:spPr>
           <a:xfrm>
-            <a:off x="6620206" y="4457965"/>
+            <a:off x="6334456" y="4456527"/>
             <a:ext cx="2523794" cy="2019035"/>
           </a:xfrm>
           <a:prstGeom prst="rect">
@@ -12890,7 +12885,7 @@
         </p:blipFill>
         <p:spPr>
           <a:xfrm>
-            <a:off x="6409011" y="1037478"/>
+            <a:off x="6475667" y="1037478"/>
             <a:ext cx="1830133" cy="1706599"/>
           </a:xfrm>
           <a:prstGeom prst="rect">
@@ -12940,7 +12935,7 @@
               <a:rPr lang="it-IT" dirty="0">
                 <a:latin typeface="+mj-lt"/>
               </a:rPr>
-              <a:t>: tutte le reti complesse presenti in natura sono tali che due nodi qualsiasi possono essere collegati da un percorso costituito da un numero relativamente piccolo di collegamenti.</a:t>
+              <a:t>: tutte le reti complesse sono tali che due nodi qualsiasi possono essere collegati da un percorso costituito da un numero relativamente piccolo di collegamenti.</a:t>
             </a:r>
             <a:endParaRPr lang="it-IT" i="1" dirty="0">
               <a:latin typeface="+mj-lt"/>
@@ -13159,7 +13154,7 @@
         </p:nvSpPr>
         <p:spPr>
           <a:xfrm>
-            <a:off x="15875" y="5209932"/>
+            <a:off x="33614" y="5287561"/>
             <a:ext cx="6471560" cy="923330"/>
           </a:xfrm>
           <a:prstGeom prst="rect">
@@ -13193,7 +13188,16 @@
               <a:rPr lang="it-IT" dirty="0">
                 <a:latin typeface="+mj-lt"/>
               </a:rPr>
-              <a:t>misura la tendenza dei nodi a raggrupparsi. Utile per individuare </a:t>
+              <a:t>misura la tendenza dei nodi a raggrupparsi. </a:t>
+            </a:r>
+          </a:p>
+          <a:p>
+            <a:pPr algn="just"/>
+            <a:r>
+              <a:rPr lang="it-IT" dirty="0">
+                <a:latin typeface="+mj-lt"/>
+              </a:rPr>
+              <a:t>Utile per individuare </a:t>
             </a:r>
             <a:r>
               <a:rPr lang="it-IT" i="1" dirty="0">
@@ -13603,7 +13607,7 @@
         </p:nvSpPr>
         <p:spPr>
           <a:xfrm>
-            <a:off x="5412475" y="1610721"/>
+            <a:off x="5189587" y="1610721"/>
             <a:ext cx="3731525" cy="4154984"/>
           </a:xfrm>
           <a:prstGeom prst="rect">
@@ -13617,6 +13621,7 @@
           </a:bodyPr>
           <a:lstStyle/>
           <a:p>
+            <a:pPr algn="r"/>
             <a:r>
               <a:rPr lang="it-IT" sz="2400" dirty="0">
                 <a:latin typeface="+mj-lt"/>
@@ -13624,13 +13629,22 @@
               <a:t>Metodo </a:t>
             </a:r>
             <a:r>
+              <a:rPr lang="it-IT" sz="2400" dirty="0">
+                <a:solidFill>
+                  <a:srgbClr val="FF6600"/>
+                </a:solidFill>
+                <a:latin typeface="+mj-lt"/>
+              </a:rPr>
+              <a:t>GO</a:t>
+            </a:r>
+            <a:r>
               <a:rPr lang="it-IT" sz="2400" i="1" dirty="0">
                 <a:solidFill>
                   <a:srgbClr val="FF6600"/>
                 </a:solidFill>
                 <a:latin typeface="+mj-lt"/>
               </a:rPr>
-              <a:t>GO-</a:t>
+              <a:t>-</a:t>
             </a:r>
             <a:r>
               <a:rPr lang="it-IT" sz="2400" i="1" dirty="0" err="1">
@@ -13649,24 +13663,58 @@
             </a:r>
           </a:p>
           <a:p>
+            <a:pPr algn="r"/>
             <a:endParaRPr lang="it-IT" sz="2400" dirty="0">
               <a:latin typeface="+mj-lt"/>
             </a:endParaRPr>
           </a:p>
           <a:p>
+            <a:pPr algn="r"/>
             <a:r>
               <a:rPr lang="it-IT" sz="2400" dirty="0">
                 <a:latin typeface="+mj-lt"/>
               </a:rPr>
-              <a:t>Combinazione di informazioni provenienti dalla topologia delle reti con conoscenza biologica.</a:t>
-            </a:r>
-          </a:p>
-          <a:p>
+              <a:t>Combinazione di informazioni provenienti dalla </a:t>
+            </a:r>
+            <a:r>
+              <a:rPr lang="it-IT" sz="2400" i="1" dirty="0">
+                <a:solidFill>
+                  <a:srgbClr val="FF0066"/>
+                </a:solidFill>
+                <a:latin typeface="+mj-lt"/>
+              </a:rPr>
+              <a:t>topologia </a:t>
+            </a:r>
+            <a:r>
+              <a:rPr lang="it-IT" sz="2400" dirty="0">
+                <a:latin typeface="+mj-lt"/>
+              </a:rPr>
+              <a:t>delle reti con </a:t>
+            </a:r>
+            <a:r>
+              <a:rPr lang="it-IT" sz="2400" i="1" dirty="0">
+                <a:solidFill>
+                  <a:srgbClr val="FF0066"/>
+                </a:solidFill>
+                <a:latin typeface="+mj-lt"/>
+              </a:rPr>
+              <a:t>conoscenza biologica</a:t>
+            </a:r>
+            <a:r>
+              <a:rPr lang="it-IT" sz="2400" dirty="0">
+                <a:latin typeface="+mj-lt"/>
+              </a:rPr>
+              <a:t>.</a:t>
+            </a:r>
+          </a:p>
+          <a:p>
+            <a:pPr algn="r"/>
             <a:endParaRPr lang="it-IT" sz="2400" dirty="0">
               <a:latin typeface="+mj-lt"/>
             </a:endParaRPr>
           </a:p>
           <a:p>
+            <a:pPr algn="r"/>
             <a:r>
               <a:rPr lang="it-IT" sz="2400" i="1" dirty="0" err="1">
                 <a:solidFill>
@@ -13729,7 +13777,7 @@
         </p:nvSpPr>
         <p:spPr>
           <a:xfrm>
-            <a:off x="1371600" y="304360"/>
+            <a:off x="1353840" y="322116"/>
             <a:ext cx="6480699" cy="369332"/>
           </a:xfrm>
           <a:prstGeom prst="rect">
@@ -13744,22 +13792,13 @@
           <a:lstStyle/>
           <a:p>
             <a:r>
-              <a:rPr lang="en-US" altLang="it-IT" i="1" dirty="0">
+              <a:rPr lang="en-US" i="1" dirty="0">
                 <a:solidFill>
                   <a:schemeClr val="bg1"/>
                 </a:solidFill>
                 <a:latin typeface="+mj-lt"/>
               </a:rPr>
-              <a:t>- </a:t>
-            </a:r>
-            <a:r>
-              <a:rPr lang="en-US" i="1" dirty="0">
-                <a:solidFill>
-                  <a:schemeClr val="bg1"/>
-                </a:solidFill>
-                <a:latin typeface="+mj-lt"/>
-              </a:rPr>
-              <a:t>Module detection via Topological information and GO knowledge -</a:t>
+              <a:t>- Module detection via Topological information and GO knowledge -</a:t>
             </a:r>
             <a:endParaRPr lang="it-IT" i="1" dirty="0">
               <a:solidFill>
@@ -13972,7 +14011,7 @@
                 </a:solidFill>
                 <a:latin typeface="Tw Cen MT" panose="020B0602020104020603" pitchFamily="34" charset="0"/>
               </a:rPr>
-              <a:t>struttura</a:t>
+              <a:t>Fasi</a:t>
             </a:r>
             <a:endParaRPr lang="en-US" altLang="it-IT" sz="3600" dirty="0">
               <a:solidFill>
@@ -14197,7 +14236,7 @@
         </p:blipFill>
         <p:spPr>
           <a:xfrm>
-            <a:off x="216009" y="1982900"/>
+            <a:off x="328076" y="1996073"/>
             <a:ext cx="3610268" cy="506826"/>
           </a:xfrm>
           <a:prstGeom prst="rect">
@@ -14227,7 +14266,7 @@
         </p:blipFill>
         <p:spPr>
           <a:xfrm>
-            <a:off x="340548" y="2559463"/>
+            <a:off x="440143" y="2552511"/>
             <a:ext cx="3386134" cy="1025921"/>
           </a:xfrm>
           <a:prstGeom prst="rect">
@@ -14257,7 +14296,7 @@
         </p:blipFill>
         <p:spPr>
           <a:xfrm>
-            <a:off x="5317725" y="2009247"/>
+            <a:off x="5190702" y="2002883"/>
             <a:ext cx="3610268" cy="480479"/>
           </a:xfrm>
           <a:prstGeom prst="rect">
@@ -14287,7 +14326,7 @@
         </p:blipFill>
         <p:spPr>
           <a:xfrm>
-            <a:off x="5317725" y="2559464"/>
+            <a:off x="5287816" y="2559464"/>
             <a:ext cx="3416041" cy="1025921"/>
           </a:xfrm>
           <a:prstGeom prst="rect">
@@ -14317,8 +14356,8 @@
         </p:blipFill>
         <p:spPr>
           <a:xfrm>
-            <a:off x="1171786" y="4202168"/>
-            <a:ext cx="6530552" cy="2197706"/>
+            <a:off x="1107902" y="4198708"/>
+            <a:ext cx="6658319" cy="2240703"/>
           </a:xfrm>
           <a:prstGeom prst="rect">
             <a:avLst/>
@@ -14569,7 +14608,7 @@
                 </a:solidFill>
                 <a:latin typeface="Tw Cen MT" panose="020B0602020104020603" pitchFamily="34" charset="0"/>
               </a:rPr>
-              <a:t>struttura</a:t>
+              <a:t>Conclusione</a:t>
             </a:r>
             <a:endParaRPr lang="en-US" altLang="it-IT" sz="3600" dirty="0">
               <a:solidFill>
@@ -14713,7 +14752,7 @@
         <p:spPr>
           <a:xfrm>
             <a:off x="5339316" y="2364106"/>
-            <a:ext cx="3604438" cy="2862322"/>
+            <a:ext cx="3604438" cy="2800767"/>
           </a:xfrm>
           <a:prstGeom prst="rect">
             <a:avLst/>
@@ -14746,7 +14785,7 @@
               <a:rPr lang="it-IT" sz="2000" dirty="0">
                 <a:latin typeface="+mj-lt"/>
               </a:rPr>
-              <a:t> fornendo un’interpretazione biologica significativa della PPIN, proprietà assente negli altri algoritmi allo stato dell’arte.</a:t>
+              <a:t> fornendo un’interpretazione biologica significativa della PPIN (proprietà assente negli altri algoritmi allo stato dell’arte).</a:t>
             </a:r>
           </a:p>
           <a:p>
@@ -14777,27 +14816,49 @@
               </a:rPr>
               <a:t>13 </a:t>
             </a:r>
-            <a:r>
-              <a:rPr lang="it-IT" sz="2000" dirty="0">
+          </a:p>
+          <a:p>
+            <a:r>
+              <a:rPr lang="it-IT" sz="1600" dirty="0">
                 <a:latin typeface="+mj-lt"/>
               </a:rPr>
-              <a:t>(Google </a:t>
-            </a:r>
-            <a:r>
-              <a:rPr lang="it-IT" sz="2000" dirty="0" err="1">
-                <a:latin typeface="+mj-lt"/>
-              </a:rPr>
-              <a:t>Scholar</a:t>
-            </a:r>
-            <a:r>
-              <a:rPr lang="it-IT" sz="2000" dirty="0">
-                <a:latin typeface="+mj-lt"/>
-              </a:rPr>
-              <a:t>)</a:t>
-            </a:r>
+              <a:t>                                </a:t>
+            </a:r>
+            <a:endParaRPr lang="it-IT" sz="2000" dirty="0">
+              <a:latin typeface="+mj-lt"/>
+            </a:endParaRPr>
           </a:p>
         </p:txBody>
       </p:sp>
+      <p:pic>
+        <p:nvPicPr>
+          <p:cNvPr id="3" name="Immagine 2" descr="Immagine che contiene screenshot&#10;&#10;Descrizione generata automaticamente">
+            <a:extLst>
+              <a:ext uri="{FF2B5EF4-FFF2-40B4-BE49-F238E27FC236}">
+                <a16:creationId xmlns:a16="http://schemas.microsoft.com/office/drawing/2014/main" id="{42495EAB-F2F8-4385-BA56-9279CD49DD37}"/>
+              </a:ext>
+            </a:extLst>
+          </p:cNvPr>
+          <p:cNvPicPr>
+            <a:picLocks noChangeAspect="1"/>
+          </p:cNvPicPr>
+          <p:nvPr/>
+        </p:nvPicPr>
+        <p:blipFill rotWithShape="1">
+          <a:blip r:embed="rId3"/>
+          <a:srcRect l="15793" t="5448" r="16847" b="54855"/>
+          <a:stretch/>
+        </p:blipFill>
+        <p:spPr>
+          <a:xfrm>
+            <a:off x="7362922" y="4829452"/>
+            <a:ext cx="1361978" cy="264696"/>
+          </a:xfrm>
+          <a:prstGeom prst="rect">
+            <a:avLst/>
+          </a:prstGeom>
+        </p:spPr>
+      </p:pic>
     </p:spTree>
     <p:extLst>
       <p:ext uri="{BB962C8B-B14F-4D97-AF65-F5344CB8AC3E}">
@@ -15064,8 +15125,8 @@
           </a:p>
         </p:txBody>
       </p:sp>
-      <mc:AlternateContent xmlns:mc="http://schemas.openxmlformats.org/markup-compatibility/2006" xmlns:a14="http://schemas.microsoft.com/office/drawing/2010/main">
-        <mc:Choice Requires="a14">
+      <mc:AlternateContent xmlns:mc="http://schemas.openxmlformats.org/markup-compatibility/2006">
+        <mc:Choice xmlns:a14="http://schemas.microsoft.com/office/drawing/2010/main" Requires="a14">
           <p:sp>
             <p:nvSpPr>
               <p:cNvPr id="8" name="CasellaDiTesto 7">
@@ -15080,7 +15141,7 @@
             </p:nvSpPr>
             <p:spPr>
               <a:xfrm>
-                <a:off x="75452" y="1519584"/>
+                <a:off x="75452" y="1750416"/>
                 <a:ext cx="8993096" cy="4154984"/>
               </a:xfrm>
               <a:prstGeom prst="rect">
@@ -15094,6 +15155,7 @@
               </a:bodyPr>
               <a:lstStyle/>
               <a:p>
+                <a:pPr algn="just"/>
                 <a:r>
                   <a:rPr lang="it-IT" sz="2400" dirty="0">
                     <a:latin typeface="+mj-lt"/>
@@ -15117,13 +15179,18 @@
                 </a:r>
               </a:p>
               <a:p>
+                <a:pPr algn="just"/>
                 <a:endParaRPr lang="it-IT" sz="2400" dirty="0">
                   <a:latin typeface="+mj-lt"/>
                 </a:endParaRPr>
               </a:p>
               <a:p>
+                <a:pPr algn="just"/>
                 <a:r>
                   <a:rPr lang="it-IT" sz="2400" b="1" dirty="0">
+                    <a:solidFill>
+                      <a:srgbClr val="FF6600"/>
+                    </a:solidFill>
                     <a:latin typeface="+mj-lt"/>
                   </a:rPr>
                   <a:t>Intuizione</a:t>
@@ -15132,36 +15199,56 @@
                   <a:rPr lang="it-IT" sz="2400" dirty="0">
                     <a:latin typeface="+mj-lt"/>
                   </a:rPr>
-                  <a:t> = una proteina rappresenta una buona corrispondenza con una proteina in un’altra sequenza se le rispettive sequenze e i loro intorni topologici costituiscono, a loro volta, una buona corrispondenza.</a:t>
+                  <a:t> = una proteina rappresenta una buona corrispondenza con una proteina in un’altra sequenza se le rispettive sequenze e i loro intorni topologici costituiscono una buona corrispondenza.</a:t>
                 </a:r>
               </a:p>
               <a:p>
+                <a:pPr algn="just"/>
                 <a:endParaRPr lang="it-IT" sz="2400" dirty="0">
                   <a:latin typeface="+mj-lt"/>
                 </a:endParaRPr>
               </a:p>
               <a:p>
+                <a:pPr algn="just"/>
                 <a:r>
                   <a:rPr lang="it-IT" sz="2400" dirty="0">
                     <a:latin typeface="+mj-lt"/>
                   </a:rPr>
-                  <a:t>Rappresenta un approccio di analisi comparativa al GNA.</a:t>
+                  <a:t>Rappresenta un </a:t>
+                </a:r>
+                <a:r>
+                  <a:rPr lang="it-IT" sz="2400" i="1" dirty="0">
+                    <a:latin typeface="+mj-lt"/>
+                  </a:rPr>
+                  <a:t>approccio di analisi comparativa </a:t>
+                </a:r>
+                <a:r>
+                  <a:rPr lang="it-IT" sz="2400" dirty="0">
+                    <a:latin typeface="+mj-lt"/>
+                  </a:rPr>
+                  <a:t>al GNA.</a:t>
                 </a:r>
               </a:p>
               <a:p>
+                <a:pPr algn="just"/>
                 <a:endParaRPr lang="it-IT" sz="2400" dirty="0">
                   <a:latin typeface="+mj-lt"/>
                 </a:endParaRPr>
               </a:p>
               <a:p>
+                <a:pPr algn="just"/>
                 <a:r>
-                  <a:rPr lang="it-IT" sz="2400" dirty="0">
+                  <a:rPr lang="it-IT" sz="2000" dirty="0">
+                    <a:solidFill>
+                      <a:srgbClr val="00B050"/>
+                    </a:solidFill>
                     <a:latin typeface="+mj-lt"/>
                   </a:rPr>
-                  <a:t>Consideriamo il caso di GNA a coppie.</a:t>
+                  <a:t>Caso di GNA a coppie</a:t>
                 </a:r>
               </a:p>
               <a:p>
+                <a:pPr algn="just"/>
                 <a:r>
                   <a:rPr lang="it-IT" sz="2400" dirty="0">
                     <a:solidFill>
@@ -15245,7 +15332,23 @@
                   <a:rPr lang="it-IT" sz="2400" dirty="0">
                     <a:latin typeface="+mj-lt"/>
                   </a:rPr>
-                  <a:t> (ogni arco e può aver associato un peso </a:t>
+                  <a:t>, ogni arco </a:t>
+                </a:r>
+                <a14:m>
+                  <m:oMath xmlns:m="http://schemas.openxmlformats.org/officeDocument/2006/math">
+                    <m:r>
+                      <a:rPr lang="it-IT" sz="2400" i="1">
+                        <a:latin typeface="Cambria Math" panose="02040503050406030204" pitchFamily="18" charset="0"/>
+                      </a:rPr>
+                      <m:t>ⅇ</m:t>
+                    </m:r>
+                  </m:oMath>
+                </a14:m>
+                <a:r>
+                  <a:rPr lang="it-IT" sz="2400" dirty="0">
+                    <a:latin typeface="+mj-lt"/>
+                  </a:rPr>
+                  <a:t> può aver associato un peso </a:t>
                 </a:r>
                 <a14:m>
                   <m:oMath xmlns:m="http://schemas.openxmlformats.org/officeDocument/2006/math">
@@ -15272,13 +15375,19 @@
                         </m:r>
                       </m:e>
                     </m:d>
+                    <m:r>
+                      <a:rPr lang="it-IT" sz="2400" b="0" i="0" smtClean="0">
+                        <a:latin typeface="Cambria Math" panose="02040503050406030204" pitchFamily="18" charset="0"/>
+                      </a:rPr>
+                      <m:t> </m:t>
+                    </m:r>
                   </m:oMath>
                 </a14:m>
                 <a:r>
                   <a:rPr lang="it-IT" sz="2400" dirty="0">
                     <a:latin typeface="+mj-lt"/>
                   </a:rPr>
-                  <a:t>, con 0 ≤ </a:t>
+                  <a:t>(0 ≤ </a:t>
                 </a:r>
                 <a14:m>
                   <m:oMath xmlns:m="http://schemas.openxmlformats.org/officeDocument/2006/math">
@@ -15347,7 +15456,7 @@
             </p:txBody>
           </p:sp>
         </mc:Choice>
-        <mc:Fallback xmlns="">
+        <mc:Fallback>
           <p:sp>
             <p:nvSpPr>
               <p:cNvPr id="8" name="CasellaDiTesto 7">
@@ -15364,7 +15473,7 @@
             </p:nvSpPr>
             <p:spPr>
               <a:xfrm>
-                <a:off x="75452" y="1519584"/>
+                <a:off x="75452" y="1750416"/>
                 <a:ext cx="8993096" cy="4154984"/>
               </a:xfrm>
               <a:prstGeom prst="rect">
@@ -15373,7 +15482,7 @@
               <a:blipFill>
                 <a:blip r:embed="rId2"/>
                 <a:stretch>
-                  <a:fillRect l="-1016" t="-1173" b="-2346"/>
+                  <a:fillRect l="-1016" t="-1173" r="-1016" b="-880"/>
                 </a:stretch>
               </a:blipFill>
             </p:spPr>

--- a/Presentation/Presentation.pptx
+++ b/Presentation/Presentation.pptx
@@ -22,12 +22,12 @@
     <p:sldId id="412" r:id="rId10"/>
     <p:sldId id="402" r:id="rId11"/>
     <p:sldId id="416" r:id="rId12"/>
-    <p:sldId id="403" r:id="rId13"/>
-    <p:sldId id="406" r:id="rId14"/>
-    <p:sldId id="415" r:id="rId15"/>
-    <p:sldId id="417" r:id="rId16"/>
-    <p:sldId id="408" r:id="rId17"/>
-    <p:sldId id="404" r:id="rId18"/>
+    <p:sldId id="408" r:id="rId13"/>
+    <p:sldId id="404" r:id="rId14"/>
+    <p:sldId id="403" r:id="rId15"/>
+    <p:sldId id="406" r:id="rId16"/>
+    <p:sldId id="415" r:id="rId17"/>
+    <p:sldId id="417" r:id="rId18"/>
     <p:sldId id="409" r:id="rId19"/>
   </p:sldIdLst>
   <p:sldSz cx="9144000" cy="6858000" type="screen4x3"/>
@@ -284,7 +284,7 @@
           <a:p>
             <a:fld id="{C8DBE15E-223F-41F1-9F94-2D73857FC7BA}" type="datetimeFigureOut">
               <a:rPr lang="it-IT" smtClean="0"/>
-              <a:t>19/04/2020</a:t>
+              <a:t>22/04/2020</a:t>
             </a:fld>
             <a:endParaRPr lang="it-IT"/>
           </a:p>
@@ -497,7 +497,7 @@
             <a:fld id="{2AD04753-9C7D-45A1-B290-034DCD5D3C5A}" type="datetimeFigureOut">
               <a:rPr lang="it-IT" altLang="it-IT"/>
               <a:pPr/>
-              <a:t>19/04/2020</a:t>
+              <a:t>22/04/2020</a:t>
             </a:fld>
             <a:endParaRPr lang="it-IT" altLang="it-IT"/>
           </a:p>
@@ -904,7 +904,7 @@
             <a:fld id="{00664C11-2C8B-4B5A-ACDF-DD795DDB2557}" type="slidenum">
               <a:rPr lang="it-IT" altLang="it-IT" smtClean="0"/>
               <a:pPr/>
-              <a:t>13</a:t>
+              <a:t>15</a:t>
             </a:fld>
             <a:endParaRPr lang="it-IT" altLang="it-IT"/>
           </a:p>
@@ -7577,53 +7577,23 @@
           </a:lstStyle>
           <a:p>
             <a:r>
-              <a:rPr lang="en-US" altLang="it-IT" sz="3600" i="1" dirty="0">
+              <a:rPr lang="en-US" altLang="it-IT" sz="3600" dirty="0">
                 <a:solidFill>
                   <a:srgbClr val="FFFFFF"/>
                 </a:solidFill>
                 <a:latin typeface="Tw Cen MT" panose="020B0602020104020603" pitchFamily="34" charset="0"/>
               </a:rPr>
-              <a:t>struc2vec</a:t>
+              <a:t>L-GRAAL</a:t>
             </a:r>
           </a:p>
         </p:txBody>
       </p:sp>
-      <p:pic>
-        <p:nvPicPr>
-          <p:cNvPr id="3" name="Immagine 2" descr="Immagine che contiene orologio&#10;&#10;Descrizione generata automaticamente">
-            <a:extLst>
-              <a:ext uri="{FF2B5EF4-FFF2-40B4-BE49-F238E27FC236}">
-                <a16:creationId xmlns:a16="http://schemas.microsoft.com/office/drawing/2014/main" id="{CCEE24A8-EA82-405C-841A-BA40A82A649B}"/>
-              </a:ext>
-            </a:extLst>
-          </p:cNvPr>
-          <p:cNvPicPr>
-            <a:picLocks noChangeAspect="1"/>
-          </p:cNvPicPr>
-          <p:nvPr/>
-        </p:nvPicPr>
-        <p:blipFill>
-          <a:blip r:embed="rId2"/>
-          <a:stretch>
-            <a:fillRect/>
-          </a:stretch>
-        </p:blipFill>
-        <p:spPr>
-          <a:xfrm>
-            <a:off x="-794" y="3898626"/>
-            <a:ext cx="9144000" cy="2424310"/>
-          </a:xfrm>
-          <a:prstGeom prst="rect">
-            <a:avLst/>
-          </a:prstGeom>
-        </p:spPr>
-      </p:pic>
       <p:sp>
         <p:nvSpPr>
-          <p:cNvPr id="5" name="Segnaposto piè di pagina 4">
+          <p:cNvPr id="4" name="Segnaposto piè di pagina 3">
             <a:extLst>
               <a:ext uri="{FF2B5EF4-FFF2-40B4-BE49-F238E27FC236}">
-                <a16:creationId xmlns:a16="http://schemas.microsoft.com/office/drawing/2014/main" id="{51FB397C-A6EF-4B7F-8AC5-6ED242812BC1}"/>
+                <a16:creationId xmlns:a16="http://schemas.microsoft.com/office/drawing/2014/main" id="{132569EC-B884-40D8-85E2-57BADE786F10}"/>
               </a:ext>
             </a:extLst>
           </p:cNvPr>
@@ -7652,10 +7622,10 @@
       </p:sp>
       <p:sp>
         <p:nvSpPr>
-          <p:cNvPr id="7" name="Segnaposto numero diapositiva 6">
+          <p:cNvPr id="5" name="Segnaposto numero diapositiva 4">
             <a:extLst>
               <a:ext uri="{FF2B5EF4-FFF2-40B4-BE49-F238E27FC236}">
-                <a16:creationId xmlns:a16="http://schemas.microsoft.com/office/drawing/2014/main" id="{0A645CE8-62F6-4437-909C-A31BC37AEFDA}"/>
+                <a16:creationId xmlns:a16="http://schemas.microsoft.com/office/drawing/2014/main" id="{2E9CF88A-2116-4A80-B0ED-1262563C9595}"/>
               </a:ext>
             </a:extLst>
           </p:cNvPr>
@@ -7675,1931 +7645,6 @@
               <a:rPr lang="en-US" altLang="it-IT" smtClean="0"/>
               <a:pPr/>
               <a:t>12</a:t>
-            </a:fld>
-            <a:endParaRPr lang="en-US" altLang="it-IT" dirty="0"/>
-          </a:p>
-        </p:txBody>
-      </p:sp>
-      <p:sp>
-        <p:nvSpPr>
-          <p:cNvPr id="8" name="CasellaDiTesto 7">
-            <a:extLst>
-              <a:ext uri="{FF2B5EF4-FFF2-40B4-BE49-F238E27FC236}">
-                <a16:creationId xmlns:a16="http://schemas.microsoft.com/office/drawing/2014/main" id="{A71E20D8-E1E9-4E76-A56C-54CDB617BD00}"/>
-              </a:ext>
-            </a:extLst>
-          </p:cNvPr>
-          <p:cNvSpPr txBox="1"/>
-          <p:nvPr/>
-        </p:nvSpPr>
-        <p:spPr>
-          <a:xfrm>
-            <a:off x="15875" y="1053187"/>
-            <a:ext cx="8993096" cy="3170099"/>
-          </a:xfrm>
-          <a:prstGeom prst="rect">
-            <a:avLst/>
-          </a:prstGeom>
-          <a:noFill/>
-        </p:spPr>
-        <p:txBody>
-          <a:bodyPr wrap="square" rtlCol="0">
-            <a:spAutoFit/>
-          </a:bodyPr>
-          <a:lstStyle/>
-          <a:p>
-            <a:pPr algn="just"/>
-            <a:r>
-              <a:rPr lang="it-IT" sz="2000" dirty="0">
-                <a:latin typeface="+mj-lt"/>
-              </a:rPr>
-              <a:t>La </a:t>
-            </a:r>
-            <a:r>
-              <a:rPr lang="it-IT" sz="2000" i="1" dirty="0" err="1">
-                <a:solidFill>
-                  <a:srgbClr val="0070C0"/>
-                </a:solidFill>
-                <a:latin typeface="+mj-lt"/>
-              </a:rPr>
-              <a:t>structural</a:t>
-            </a:r>
-            <a:r>
-              <a:rPr lang="it-IT" sz="2000" dirty="0">
-                <a:solidFill>
-                  <a:srgbClr val="0070C0"/>
-                </a:solidFill>
-                <a:latin typeface="+mj-lt"/>
-              </a:rPr>
-              <a:t> </a:t>
-            </a:r>
-            <a:r>
-              <a:rPr lang="it-IT" sz="2000" i="1" dirty="0" err="1">
-                <a:solidFill>
-                  <a:srgbClr val="0070C0"/>
-                </a:solidFill>
-                <a:latin typeface="+mj-lt"/>
-              </a:rPr>
-              <a:t>identity</a:t>
-            </a:r>
-            <a:r>
-              <a:rPr lang="it-IT" sz="2000" dirty="0">
-                <a:solidFill>
-                  <a:srgbClr val="0070C0"/>
-                </a:solidFill>
-                <a:latin typeface="+mj-lt"/>
-              </a:rPr>
-              <a:t> </a:t>
-            </a:r>
-            <a:r>
-              <a:rPr lang="it-IT" sz="2000" dirty="0">
-                <a:latin typeface="+mj-lt"/>
-              </a:rPr>
-              <a:t>corrisponde ad un concetto di </a:t>
-            </a:r>
-            <a:r>
-              <a:rPr lang="it-IT" sz="2000" i="1" dirty="0">
-                <a:latin typeface="+mj-lt"/>
-              </a:rPr>
-              <a:t>simmetria</a:t>
-            </a:r>
-            <a:r>
-              <a:rPr lang="it-IT" sz="2000" dirty="0">
-                <a:latin typeface="+mj-lt"/>
-              </a:rPr>
-              <a:t> nel quale i nodi di una rete vengono identificati in base alla struttura della rete stessa e tramite relazioni con altri nodi.</a:t>
-            </a:r>
-          </a:p>
-          <a:p>
-            <a:pPr algn="just"/>
-            <a:endParaRPr lang="it-IT" sz="2000" dirty="0">
-              <a:latin typeface="+mj-lt"/>
-            </a:endParaRPr>
-          </a:p>
-          <a:p>
-            <a:pPr algn="just"/>
-            <a:r>
-              <a:rPr lang="it-IT" sz="2000" b="1" i="1" dirty="0">
-                <a:solidFill>
-                  <a:srgbClr val="0033CC"/>
-                </a:solidFill>
-                <a:latin typeface="+mj-lt"/>
-              </a:rPr>
-              <a:t>struc2vec</a:t>
-            </a:r>
-            <a:endParaRPr lang="it-IT" sz="2000" dirty="0">
-              <a:latin typeface="+mj-lt"/>
-            </a:endParaRPr>
-          </a:p>
-          <a:p>
-            <a:pPr algn="just"/>
-            <a:r>
-              <a:rPr lang="it-IT" sz="2000" dirty="0">
-                <a:latin typeface="+mj-lt"/>
-              </a:rPr>
-              <a:t>1) è un framework flessibile per l’apprendimento di </a:t>
-            </a:r>
-            <a:r>
-              <a:rPr lang="it-IT" sz="2000" i="1" dirty="0" err="1">
-                <a:latin typeface="+mj-lt"/>
-              </a:rPr>
-              <a:t>latent</a:t>
-            </a:r>
-            <a:r>
-              <a:rPr lang="it-IT" sz="2000" i="1" dirty="0">
-                <a:latin typeface="+mj-lt"/>
-              </a:rPr>
-              <a:t> </a:t>
-            </a:r>
-            <a:r>
-              <a:rPr lang="it-IT" sz="2000" i="1" dirty="0" err="1">
-                <a:latin typeface="+mj-lt"/>
-              </a:rPr>
-              <a:t>representations</a:t>
-            </a:r>
-            <a:r>
-              <a:rPr lang="it-IT" sz="2000" i="1" dirty="0">
-                <a:latin typeface="+mj-lt"/>
-              </a:rPr>
-              <a:t> </a:t>
-            </a:r>
-            <a:r>
-              <a:rPr lang="it-IT" sz="2000" dirty="0">
-                <a:latin typeface="+mj-lt"/>
-              </a:rPr>
-              <a:t>per l’identità strutturale dei nodi;</a:t>
-            </a:r>
-          </a:p>
-          <a:p>
-            <a:pPr algn="just"/>
-            <a:r>
-              <a:rPr lang="it-IT" sz="2000" dirty="0">
-                <a:latin typeface="+mj-lt"/>
-              </a:rPr>
-              <a:t>2) Utilizza un </a:t>
-            </a:r>
-            <a:r>
-              <a:rPr lang="it-IT" sz="2000" dirty="0">
-                <a:solidFill>
-                  <a:srgbClr val="C00000"/>
-                </a:solidFill>
-                <a:latin typeface="+mj-lt"/>
-              </a:rPr>
-              <a:t>grafo multi-livello</a:t>
-            </a:r>
-            <a:r>
-              <a:rPr lang="it-IT" sz="2000" dirty="0">
-                <a:latin typeface="+mj-lt"/>
-              </a:rPr>
-              <a:t>;</a:t>
-            </a:r>
-          </a:p>
-          <a:p>
-            <a:pPr algn="just"/>
-            <a:r>
-              <a:rPr lang="it-IT" sz="2000" dirty="0">
-                <a:latin typeface="+mj-lt"/>
-              </a:rPr>
-              <a:t>3) È molto performante.</a:t>
-            </a:r>
-          </a:p>
-          <a:p>
-            <a:pPr algn="just"/>
-            <a:endParaRPr lang="it-IT" sz="2000" dirty="0">
-              <a:latin typeface="+mj-lt"/>
-            </a:endParaRPr>
-          </a:p>
-        </p:txBody>
-      </p:sp>
-    </p:spTree>
-    <p:extLst>
-      <p:ext uri="{BB962C8B-B14F-4D97-AF65-F5344CB8AC3E}">
-        <p14:creationId xmlns:p14="http://schemas.microsoft.com/office/powerpoint/2010/main" val="4258454837"/>
-      </p:ext>
-    </p:extLst>
-  </p:cSld>
-  <p:clrMapOvr>
-    <a:masterClrMapping/>
-  </p:clrMapOvr>
-</p:sld>
-</file>
-
-<file path=ppt/slides/slide13.xml><?xml version="1.0" encoding="utf-8"?>
-<p:sld xmlns:a="http://schemas.openxmlformats.org/drawingml/2006/main" xmlns:r="http://schemas.openxmlformats.org/officeDocument/2006/relationships" xmlns:p="http://schemas.openxmlformats.org/presentationml/2006/main">
-  <p:cSld>
-    <p:spTree>
-      <p:nvGrpSpPr>
-        <p:cNvPr id="1" name=""/>
-        <p:cNvGrpSpPr/>
-        <p:nvPr/>
-      </p:nvGrpSpPr>
-      <p:grpSpPr>
-        <a:xfrm>
-          <a:off x="0" y="0"/>
-          <a:ext cx="0" cy="0"/>
-          <a:chOff x="0" y="0"/>
-          <a:chExt cx="0" cy="0"/>
-        </a:xfrm>
-      </p:grpSpPr>
-      <p:sp>
-        <p:nvSpPr>
-          <p:cNvPr id="6" name="Title 1">
-            <a:extLst>
-              <a:ext uri="{FF2B5EF4-FFF2-40B4-BE49-F238E27FC236}">
-                <a16:creationId xmlns:a16="http://schemas.microsoft.com/office/drawing/2014/main" id="{B6FD3924-BD2E-47EB-8DCD-3AD635AE70B8}"/>
-              </a:ext>
-            </a:extLst>
-          </p:cNvPr>
-          <p:cNvSpPr txBox="1">
-            <a:spLocks/>
-          </p:cNvSpPr>
-          <p:nvPr/>
-        </p:nvSpPr>
-        <p:spPr bwMode="auto">
-          <a:xfrm>
-            <a:off x="15875" y="165692"/>
-            <a:ext cx="8842375" cy="1016000"/>
-          </a:xfrm>
-          <a:prstGeom prst="rect">
-            <a:avLst/>
-          </a:prstGeom>
-          <a:noFill/>
-          <a:ln>
-            <a:noFill/>
-          </a:ln>
-          <a:extLst>
-            <a:ext uri="{909E8E84-426E-40DD-AFC4-6F175D3DCCD1}">
-              <a14:hiddenFill xmlns:a14="http://schemas.microsoft.com/office/drawing/2010/main">
-                <a:solidFill>
-                  <a:srgbClr val="FFFFFF"/>
-                </a:solidFill>
-              </a14:hiddenFill>
-            </a:ext>
-            <a:ext uri="{91240B29-F687-4F45-9708-019B960494DF}">
-              <a14:hiddenLine xmlns:a14="http://schemas.microsoft.com/office/drawing/2010/main" w="9525">
-                <a:solidFill>
-                  <a:srgbClr val="000000"/>
-                </a:solidFill>
-                <a:miter lim="800000"/>
-                <a:headEnd/>
-                <a:tailEnd/>
-              </a14:hiddenLine>
-            </a:ext>
-          </a:extLst>
-        </p:spPr>
-        <p:txBody>
-          <a:bodyPr/>
-          <a:lstStyle>
-            <a:lvl1pPr eaLnBrk="0" hangingPunct="0">
-              <a:defRPr sz="2400">
-                <a:solidFill>
-                  <a:schemeClr val="tx1"/>
-                </a:solidFill>
-                <a:latin typeface="Arial" panose="020B0604020202020204" pitchFamily="34" charset="0"/>
-                <a:ea typeface="MS PGothic" panose="020B0600070205080204" pitchFamily="34" charset="-128"/>
-              </a:defRPr>
-            </a:lvl1pPr>
-            <a:lvl2pPr marL="742950" indent="-285750" eaLnBrk="0" hangingPunct="0">
-              <a:defRPr sz="2400">
-                <a:solidFill>
-                  <a:schemeClr val="tx1"/>
-                </a:solidFill>
-                <a:latin typeface="Arial" panose="020B0604020202020204" pitchFamily="34" charset="0"/>
-                <a:ea typeface="MS PGothic" panose="020B0600070205080204" pitchFamily="34" charset="-128"/>
-              </a:defRPr>
-            </a:lvl2pPr>
-            <a:lvl3pPr marL="1143000" indent="-228600" eaLnBrk="0" hangingPunct="0">
-              <a:defRPr sz="2400">
-                <a:solidFill>
-                  <a:schemeClr val="tx1"/>
-                </a:solidFill>
-                <a:latin typeface="Arial" panose="020B0604020202020204" pitchFamily="34" charset="0"/>
-                <a:ea typeface="MS PGothic" panose="020B0600070205080204" pitchFamily="34" charset="-128"/>
-              </a:defRPr>
-            </a:lvl3pPr>
-            <a:lvl4pPr marL="1600200" indent="-228600" eaLnBrk="0" hangingPunct="0">
-              <a:defRPr sz="2400">
-                <a:solidFill>
-                  <a:schemeClr val="tx1"/>
-                </a:solidFill>
-                <a:latin typeface="Arial" panose="020B0604020202020204" pitchFamily="34" charset="0"/>
-                <a:ea typeface="MS PGothic" panose="020B0600070205080204" pitchFamily="34" charset="-128"/>
-              </a:defRPr>
-            </a:lvl4pPr>
-            <a:lvl5pPr marL="2057400" indent="-228600" eaLnBrk="0" hangingPunct="0">
-              <a:defRPr sz="2400">
-                <a:solidFill>
-                  <a:schemeClr val="tx1"/>
-                </a:solidFill>
-                <a:latin typeface="Arial" panose="020B0604020202020204" pitchFamily="34" charset="0"/>
-                <a:ea typeface="MS PGothic" panose="020B0600070205080204" pitchFamily="34" charset="-128"/>
-              </a:defRPr>
-            </a:lvl5pPr>
-            <a:lvl6pPr marL="2514600" indent="-228600" defTabSz="457200" eaLnBrk="0" fontAlgn="base" hangingPunct="0">
-              <a:spcBef>
-                <a:spcPct val="0"/>
-              </a:spcBef>
-              <a:spcAft>
-                <a:spcPct val="0"/>
-              </a:spcAft>
-              <a:defRPr sz="2400">
-                <a:solidFill>
-                  <a:schemeClr val="tx1"/>
-                </a:solidFill>
-                <a:latin typeface="Arial" panose="020B0604020202020204" pitchFamily="34" charset="0"/>
-                <a:ea typeface="MS PGothic" panose="020B0600070205080204" pitchFamily="34" charset="-128"/>
-              </a:defRPr>
-            </a:lvl6pPr>
-            <a:lvl7pPr marL="2971800" indent="-228600" defTabSz="457200" eaLnBrk="0" fontAlgn="base" hangingPunct="0">
-              <a:spcBef>
-                <a:spcPct val="0"/>
-              </a:spcBef>
-              <a:spcAft>
-                <a:spcPct val="0"/>
-              </a:spcAft>
-              <a:defRPr sz="2400">
-                <a:solidFill>
-                  <a:schemeClr val="tx1"/>
-                </a:solidFill>
-                <a:latin typeface="Arial" panose="020B0604020202020204" pitchFamily="34" charset="0"/>
-                <a:ea typeface="MS PGothic" panose="020B0600070205080204" pitchFamily="34" charset="-128"/>
-              </a:defRPr>
-            </a:lvl7pPr>
-            <a:lvl8pPr marL="3429000" indent="-228600" defTabSz="457200" eaLnBrk="0" fontAlgn="base" hangingPunct="0">
-              <a:spcBef>
-                <a:spcPct val="0"/>
-              </a:spcBef>
-              <a:spcAft>
-                <a:spcPct val="0"/>
-              </a:spcAft>
-              <a:defRPr sz="2400">
-                <a:solidFill>
-                  <a:schemeClr val="tx1"/>
-                </a:solidFill>
-                <a:latin typeface="Arial" panose="020B0604020202020204" pitchFamily="34" charset="0"/>
-                <a:ea typeface="MS PGothic" panose="020B0600070205080204" pitchFamily="34" charset="-128"/>
-              </a:defRPr>
-            </a:lvl8pPr>
-            <a:lvl9pPr marL="3886200" indent="-228600" defTabSz="457200" eaLnBrk="0" fontAlgn="base" hangingPunct="0">
-              <a:spcBef>
-                <a:spcPct val="0"/>
-              </a:spcBef>
-              <a:spcAft>
-                <a:spcPct val="0"/>
-              </a:spcAft>
-              <a:defRPr sz="2400">
-                <a:solidFill>
-                  <a:schemeClr val="tx1"/>
-                </a:solidFill>
-                <a:latin typeface="Arial" panose="020B0604020202020204" pitchFamily="34" charset="0"/>
-                <a:ea typeface="MS PGothic" panose="020B0600070205080204" pitchFamily="34" charset="-128"/>
-              </a:defRPr>
-            </a:lvl9pPr>
-          </a:lstStyle>
-          <a:p>
-            <a:r>
-              <a:rPr lang="en-US" altLang="it-IT" sz="3600" i="1" dirty="0">
-                <a:solidFill>
-                  <a:srgbClr val="FFFFFF"/>
-                </a:solidFill>
-                <a:latin typeface="Tw Cen MT" panose="020B0602020104020603" pitchFamily="34" charset="0"/>
-              </a:rPr>
-              <a:t>struc2vec</a:t>
-            </a:r>
-          </a:p>
-        </p:txBody>
-      </p:sp>
-      <p:sp>
-        <p:nvSpPr>
-          <p:cNvPr id="7" name="Segnaposto piè di pagina 6">
-            <a:extLst>
-              <a:ext uri="{FF2B5EF4-FFF2-40B4-BE49-F238E27FC236}">
-                <a16:creationId xmlns:a16="http://schemas.microsoft.com/office/drawing/2014/main" id="{1E30BB50-53E0-409B-A716-3FC50725C97C}"/>
-              </a:ext>
-            </a:extLst>
-          </p:cNvPr>
-          <p:cNvSpPr>
-            <a:spLocks noGrp="1"/>
-          </p:cNvSpPr>
-          <p:nvPr>
-            <p:ph type="ftr" sz="quarter" idx="11"/>
-          </p:nvPr>
-        </p:nvSpPr>
-        <p:spPr/>
-        <p:txBody>
-          <a:bodyPr/>
-          <a:lstStyle/>
-          <a:p>
-            <a:pPr>
-              <a:defRPr/>
-            </a:pPr>
-            <a:r>
-              <a:rPr lang="it-IT"/>
-              <a:t>Masiero L. Ivancich S.</a:t>
-            </a:r>
-            <a:endParaRPr lang="en-US" dirty="0"/>
-          </a:p>
-        </p:txBody>
-      </p:sp>
-      <p:sp>
-        <p:nvSpPr>
-          <p:cNvPr id="8" name="Segnaposto numero diapositiva 7">
-            <a:extLst>
-              <a:ext uri="{FF2B5EF4-FFF2-40B4-BE49-F238E27FC236}">
-                <a16:creationId xmlns:a16="http://schemas.microsoft.com/office/drawing/2014/main" id="{8CA95954-2B0C-414E-8C0B-DC1637B6207C}"/>
-              </a:ext>
-            </a:extLst>
-          </p:cNvPr>
-          <p:cNvSpPr>
-            <a:spLocks noGrp="1"/>
-          </p:cNvSpPr>
-          <p:nvPr>
-            <p:ph type="sldNum" sz="quarter" idx="12"/>
-          </p:nvPr>
-        </p:nvSpPr>
-        <p:spPr/>
-        <p:txBody>
-          <a:bodyPr/>
-          <a:lstStyle/>
-          <a:p>
-            <a:fld id="{7A1D8CC2-AC32-48BF-A9F5-B79D7A95954F}" type="slidenum">
-              <a:rPr lang="en-US" altLang="it-IT" smtClean="0"/>
-              <a:pPr/>
-              <a:t>13</a:t>
-            </a:fld>
-            <a:endParaRPr lang="en-US" altLang="it-IT" dirty="0"/>
-          </a:p>
-        </p:txBody>
-      </p:sp>
-      <mc:AlternateContent xmlns:mc="http://schemas.openxmlformats.org/markup-compatibility/2006">
-        <mc:Choice xmlns:a14="http://schemas.microsoft.com/office/drawing/2010/main" Requires="a14">
-          <p:sp>
-            <p:nvSpPr>
-              <p:cNvPr id="9" name="CasellaDiTesto 8">
-                <a:extLst>
-                  <a:ext uri="{FF2B5EF4-FFF2-40B4-BE49-F238E27FC236}">
-                    <a16:creationId xmlns:a16="http://schemas.microsoft.com/office/drawing/2014/main" id="{88AA56FF-90C2-4507-A628-A91372D584C0}"/>
-                  </a:ext>
-                </a:extLst>
-              </p:cNvPr>
-              <p:cNvSpPr txBox="1"/>
-              <p:nvPr/>
-            </p:nvSpPr>
-            <p:spPr>
-              <a:xfrm>
-                <a:off x="434975" y="2304414"/>
-                <a:ext cx="8289925" cy="3046988"/>
-              </a:xfrm>
-              <a:prstGeom prst="rect">
-                <a:avLst/>
-              </a:prstGeom>
-              <a:noFill/>
-            </p:spPr>
-            <p:txBody>
-              <a:bodyPr wrap="square" rtlCol="0">
-                <a:spAutoFit/>
-              </a:bodyPr>
-              <a:lstStyle/>
-              <a:p>
-                <a:pPr algn="just"/>
-                <a:r>
-                  <a:rPr lang="it-IT" sz="2400" b="1" dirty="0">
-                    <a:solidFill>
-                      <a:srgbClr val="0000FF"/>
-                    </a:solidFill>
-                    <a:latin typeface="+mj-lt"/>
-                  </a:rPr>
-                  <a:t>4 FASI</a:t>
-                </a:r>
-              </a:p>
-              <a:p>
-                <a:pPr algn="just"/>
-                <a:r>
-                  <a:rPr lang="it-IT" sz="2400" dirty="0">
-                    <a:latin typeface="+mj-lt"/>
-                  </a:rPr>
-                  <a:t>1) Determinazione dell’</a:t>
-                </a:r>
-                <a:r>
-                  <a:rPr lang="it-IT" sz="2400" i="1" dirty="0">
-                    <a:latin typeface="+mj-lt"/>
-                  </a:rPr>
-                  <a:t>identità strutturale </a:t>
-                </a:r>
-                <a:r>
-                  <a:rPr lang="it-IT" sz="2400" dirty="0">
-                    <a:latin typeface="+mj-lt"/>
-                  </a:rPr>
-                  <a:t>tra due nodi;</a:t>
-                </a:r>
-              </a:p>
-              <a:p>
-                <a:pPr algn="just"/>
-                <a:r>
-                  <a:rPr lang="it-IT" sz="2400" dirty="0">
-                    <a:latin typeface="+mj-lt"/>
-                  </a:rPr>
-                  <a:t>2) Calcola </a:t>
-                </a:r>
-                <a14:m>
-                  <m:oMath xmlns:m="http://schemas.openxmlformats.org/officeDocument/2006/math">
-                    <m:sSub>
-                      <m:sSubPr>
-                        <m:ctrlPr>
-                          <a:rPr lang="it-IT" sz="2400" i="1" smtClean="0">
-                            <a:latin typeface="Cambria Math" panose="02040503050406030204" pitchFamily="18" charset="0"/>
-                          </a:rPr>
-                        </m:ctrlPr>
-                      </m:sSubPr>
-                      <m:e>
-                        <m:r>
-                          <a:rPr lang="it-IT" sz="2400" i="1" smtClean="0">
-                            <a:latin typeface="Cambria Math" panose="02040503050406030204" pitchFamily="18" charset="0"/>
-                          </a:rPr>
-                          <m:t>𝑅</m:t>
-                        </m:r>
-                      </m:e>
-                      <m:sub>
-                        <m:r>
-                          <a:rPr lang="it-IT" sz="2400" i="1" smtClean="0">
-                            <a:latin typeface="Cambria Math" panose="02040503050406030204" pitchFamily="18" charset="0"/>
-                          </a:rPr>
-                          <m:t>𝑘</m:t>
-                        </m:r>
-                      </m:sub>
-                    </m:sSub>
-                    <m:d>
-                      <m:dPr>
-                        <m:ctrlPr>
-                          <a:rPr lang="it-IT" sz="2400" i="1" smtClean="0">
-                            <a:latin typeface="Cambria Math" panose="02040503050406030204" pitchFamily="18" charset="0"/>
-                          </a:rPr>
-                        </m:ctrlPr>
-                      </m:dPr>
-                      <m:e>
-                        <m:r>
-                          <a:rPr lang="it-IT" sz="2400" i="1" smtClean="0">
-                            <a:latin typeface="Cambria Math" panose="02040503050406030204" pitchFamily="18" charset="0"/>
-                          </a:rPr>
-                          <m:t>𝑢</m:t>
-                        </m:r>
-                      </m:e>
-                    </m:d>
-                  </m:oMath>
-                </a14:m>
-                <a:r>
-                  <a:rPr lang="it-IT" sz="2400" dirty="0">
-                    <a:latin typeface="+mj-lt"/>
-                  </a:rPr>
-                  <a:t>: insiemi dei nodi a distanza </a:t>
-                </a:r>
-                <a14:m>
-                  <m:oMath xmlns:m="http://schemas.openxmlformats.org/officeDocument/2006/math">
-                    <m:r>
-                      <a:rPr lang="it-IT" sz="2400" b="0" i="1" smtClean="0">
-                        <a:latin typeface="Cambria Math" panose="02040503050406030204" pitchFamily="18" charset="0"/>
-                      </a:rPr>
-                      <m:t>𝑘</m:t>
-                    </m:r>
-                    <m:r>
-                      <a:rPr lang="it-IT" sz="2400" b="0" i="1" smtClean="0">
-                        <a:latin typeface="Cambria Math" panose="02040503050406030204" pitchFamily="18" charset="0"/>
-                      </a:rPr>
-                      <m:t>≥0</m:t>
-                    </m:r>
-                  </m:oMath>
-                </a14:m>
-                <a:r>
-                  <a:rPr lang="it-IT" sz="2400" dirty="0">
-                    <a:latin typeface="+mj-lt"/>
-                  </a:rPr>
-                  <a:t> da </a:t>
-                </a:r>
-                <a14:m>
-                  <m:oMath xmlns:m="http://schemas.openxmlformats.org/officeDocument/2006/math">
-                    <m:r>
-                      <a:rPr lang="it-IT" sz="2400" i="1" smtClean="0">
-                        <a:latin typeface="Cambria Math" panose="02040503050406030204" pitchFamily="18" charset="0"/>
-                      </a:rPr>
-                      <m:t>𝑢</m:t>
-                    </m:r>
-                    <m:r>
-                      <a:rPr lang="it-IT" sz="2400" i="1" smtClean="0">
-                        <a:latin typeface="Cambria Math" panose="02040503050406030204" pitchFamily="18" charset="0"/>
-                      </a:rPr>
-                      <m:t>∈</m:t>
-                    </m:r>
-                    <m:r>
-                      <a:rPr lang="it-IT" sz="2400" i="1" smtClean="0">
-                        <a:latin typeface="Cambria Math" panose="02040503050406030204" pitchFamily="18" charset="0"/>
-                      </a:rPr>
-                      <m:t>𝐺</m:t>
-                    </m:r>
-                    <m:r>
-                      <a:rPr lang="it-IT" sz="2400" b="0" i="1" smtClean="0">
-                        <a:latin typeface="Cambria Math" panose="02040503050406030204" pitchFamily="18" charset="0"/>
-                      </a:rPr>
-                      <m:t>;</m:t>
-                    </m:r>
-                  </m:oMath>
-                </a14:m>
-                <a:endParaRPr lang="it-IT" sz="2400" b="0" dirty="0">
-                  <a:latin typeface="+mj-lt"/>
-                </a:endParaRPr>
-              </a:p>
-              <a:p>
-                <a:pPr algn="just"/>
-                <a:r>
-                  <a:rPr lang="it-IT" sz="2400" dirty="0">
-                    <a:latin typeface="+mj-lt"/>
-                  </a:rPr>
-                  <a:t>3) Compara sequenze con DTW e costruisce un grafo multi-livello pesato;</a:t>
-                </a:r>
-              </a:p>
-              <a:p>
-                <a:pPr algn="just"/>
-                <a:r>
-                  <a:rPr lang="it-IT" sz="2400" dirty="0">
-                    <a:latin typeface="+mj-lt"/>
-                  </a:rPr>
-                  <a:t>4) Utilizza una tecnica di </a:t>
-                </a:r>
-                <a:r>
-                  <a:rPr lang="it-IT" sz="2400" i="1" dirty="0" err="1">
-                    <a:solidFill>
-                      <a:srgbClr val="7030A0"/>
-                    </a:solidFill>
-                    <a:latin typeface="+mj-lt"/>
-                  </a:rPr>
-                  <a:t>unsupervised</a:t>
-                </a:r>
-                <a:r>
-                  <a:rPr lang="it-IT" sz="2400" dirty="0">
-                    <a:solidFill>
-                      <a:srgbClr val="7030A0"/>
-                    </a:solidFill>
-                    <a:latin typeface="+mj-lt"/>
-                  </a:rPr>
-                  <a:t> </a:t>
-                </a:r>
-                <a:r>
-                  <a:rPr lang="it-IT" sz="2400" i="1" dirty="0">
-                    <a:solidFill>
-                      <a:srgbClr val="7030A0"/>
-                    </a:solidFill>
-                    <a:latin typeface="+mj-lt"/>
-                  </a:rPr>
-                  <a:t>learning</a:t>
-                </a:r>
-                <a:r>
-                  <a:rPr lang="it-IT" sz="2400" dirty="0">
-                    <a:solidFill>
-                      <a:srgbClr val="7030A0"/>
-                    </a:solidFill>
-                    <a:latin typeface="+mj-lt"/>
-                  </a:rPr>
-                  <a:t> </a:t>
-                </a:r>
-                <a:r>
-                  <a:rPr lang="it-IT" sz="2400" dirty="0">
-                    <a:latin typeface="+mj-lt"/>
-                  </a:rPr>
-                  <a:t>per imparare le </a:t>
-                </a:r>
-                <a:r>
-                  <a:rPr lang="it-IT" sz="2400" i="1" dirty="0" err="1">
-                    <a:latin typeface="+mj-lt"/>
-                  </a:rPr>
-                  <a:t>latent</a:t>
-                </a:r>
-                <a:r>
-                  <a:rPr lang="it-IT" sz="2400" dirty="0">
-                    <a:latin typeface="+mj-lt"/>
-                  </a:rPr>
-                  <a:t> </a:t>
-                </a:r>
-                <a:r>
-                  <a:rPr lang="it-IT" sz="2400" i="1" dirty="0" err="1">
-                    <a:latin typeface="+mj-lt"/>
-                  </a:rPr>
-                  <a:t>representations</a:t>
-                </a:r>
-                <a:r>
-                  <a:rPr lang="it-IT" sz="2400" dirty="0">
-                    <a:latin typeface="+mj-lt"/>
-                  </a:rPr>
-                  <a:t>.</a:t>
-                </a:r>
-              </a:p>
-              <a:p>
-                <a:pPr algn="just"/>
-                <a:endParaRPr lang="it-IT" sz="2400" dirty="0">
-                  <a:latin typeface="+mj-lt"/>
-                </a:endParaRPr>
-              </a:p>
-            </p:txBody>
-          </p:sp>
-        </mc:Choice>
-        <mc:Fallback>
-          <p:sp>
-            <p:nvSpPr>
-              <p:cNvPr id="9" name="CasellaDiTesto 8">
-                <a:extLst>
-                  <a:ext uri="{FF2B5EF4-FFF2-40B4-BE49-F238E27FC236}">
-                    <a16:creationId xmlns:a16="http://schemas.microsoft.com/office/drawing/2014/main" id="{88AA56FF-90C2-4507-A628-A91372D584C0}"/>
-                  </a:ext>
-                </a:extLst>
-              </p:cNvPr>
-              <p:cNvSpPr txBox="1">
-                <a:spLocks noRot="1" noChangeAspect="1" noMove="1" noResize="1" noEditPoints="1" noAdjustHandles="1" noChangeArrowheads="1" noChangeShapeType="1" noTextEdit="1"/>
-              </p:cNvSpPr>
-              <p:nvPr/>
-            </p:nvSpPr>
-            <p:spPr>
-              <a:xfrm>
-                <a:off x="434975" y="2304414"/>
-                <a:ext cx="8289925" cy="3046988"/>
-              </a:xfrm>
-              <a:prstGeom prst="rect">
-                <a:avLst/>
-              </a:prstGeom>
-              <a:blipFill>
-                <a:blip r:embed="rId3"/>
-                <a:stretch>
-                  <a:fillRect l="-1103" t="-1600" r="-1176"/>
-                </a:stretch>
-              </a:blipFill>
-            </p:spPr>
-            <p:txBody>
-              <a:bodyPr/>
-              <a:lstStyle/>
-              <a:p>
-                <a:r>
-                  <a:rPr lang="it-IT">
-                    <a:noFill/>
-                  </a:rPr>
-                  <a:t> </a:t>
-                </a:r>
-              </a:p>
-            </p:txBody>
-          </p:sp>
-        </mc:Fallback>
-      </mc:AlternateContent>
-    </p:spTree>
-    <p:extLst>
-      <p:ext uri="{BB962C8B-B14F-4D97-AF65-F5344CB8AC3E}">
-        <p14:creationId xmlns:p14="http://schemas.microsoft.com/office/powerpoint/2010/main" val="3925322485"/>
-      </p:ext>
-    </p:extLst>
-  </p:cSld>
-  <p:clrMapOvr>
-    <a:masterClrMapping/>
-  </p:clrMapOvr>
-</p:sld>
-</file>
-
-<file path=ppt/slides/slide14.xml><?xml version="1.0" encoding="utf-8"?>
-<p:sld xmlns:a="http://schemas.openxmlformats.org/drawingml/2006/main" xmlns:r="http://schemas.openxmlformats.org/officeDocument/2006/relationships" xmlns:p="http://schemas.openxmlformats.org/presentationml/2006/main">
-  <p:cSld>
-    <p:spTree>
-      <p:nvGrpSpPr>
-        <p:cNvPr id="1" name=""/>
-        <p:cNvGrpSpPr/>
-        <p:nvPr/>
-      </p:nvGrpSpPr>
-      <p:grpSpPr>
-        <a:xfrm>
-          <a:off x="0" y="0"/>
-          <a:ext cx="0" cy="0"/>
-          <a:chOff x="0" y="0"/>
-          <a:chExt cx="0" cy="0"/>
-        </a:xfrm>
-      </p:grpSpPr>
-      <p:sp>
-        <p:nvSpPr>
-          <p:cNvPr id="6" name="Title 1">
-            <a:extLst>
-              <a:ext uri="{FF2B5EF4-FFF2-40B4-BE49-F238E27FC236}">
-                <a16:creationId xmlns:a16="http://schemas.microsoft.com/office/drawing/2014/main" id="{B6FD3924-BD2E-47EB-8DCD-3AD635AE70B8}"/>
-              </a:ext>
-            </a:extLst>
-          </p:cNvPr>
-          <p:cNvSpPr txBox="1">
-            <a:spLocks/>
-          </p:cNvSpPr>
-          <p:nvPr/>
-        </p:nvSpPr>
-        <p:spPr bwMode="auto">
-          <a:xfrm>
-            <a:off x="15875" y="165692"/>
-            <a:ext cx="8842375" cy="1016000"/>
-          </a:xfrm>
-          <a:prstGeom prst="rect">
-            <a:avLst/>
-          </a:prstGeom>
-          <a:noFill/>
-          <a:ln>
-            <a:noFill/>
-          </a:ln>
-          <a:extLst>
-            <a:ext uri="{909E8E84-426E-40DD-AFC4-6F175D3DCCD1}">
-              <a14:hiddenFill xmlns:a14="http://schemas.microsoft.com/office/drawing/2010/main">
-                <a:solidFill>
-                  <a:srgbClr val="FFFFFF"/>
-                </a:solidFill>
-              </a14:hiddenFill>
-            </a:ext>
-            <a:ext uri="{91240B29-F687-4F45-9708-019B960494DF}">
-              <a14:hiddenLine xmlns:a14="http://schemas.microsoft.com/office/drawing/2010/main" w="9525">
-                <a:solidFill>
-                  <a:srgbClr val="000000"/>
-                </a:solidFill>
-                <a:miter lim="800000"/>
-                <a:headEnd/>
-                <a:tailEnd/>
-              </a14:hiddenLine>
-            </a:ext>
-          </a:extLst>
-        </p:spPr>
-        <p:txBody>
-          <a:bodyPr/>
-          <a:lstStyle>
-            <a:lvl1pPr eaLnBrk="0" hangingPunct="0">
-              <a:defRPr sz="2400">
-                <a:solidFill>
-                  <a:schemeClr val="tx1"/>
-                </a:solidFill>
-                <a:latin typeface="Arial" panose="020B0604020202020204" pitchFamily="34" charset="0"/>
-                <a:ea typeface="MS PGothic" panose="020B0600070205080204" pitchFamily="34" charset="-128"/>
-              </a:defRPr>
-            </a:lvl1pPr>
-            <a:lvl2pPr marL="742950" indent="-285750" eaLnBrk="0" hangingPunct="0">
-              <a:defRPr sz="2400">
-                <a:solidFill>
-                  <a:schemeClr val="tx1"/>
-                </a:solidFill>
-                <a:latin typeface="Arial" panose="020B0604020202020204" pitchFamily="34" charset="0"/>
-                <a:ea typeface="MS PGothic" panose="020B0600070205080204" pitchFamily="34" charset="-128"/>
-              </a:defRPr>
-            </a:lvl2pPr>
-            <a:lvl3pPr marL="1143000" indent="-228600" eaLnBrk="0" hangingPunct="0">
-              <a:defRPr sz="2400">
-                <a:solidFill>
-                  <a:schemeClr val="tx1"/>
-                </a:solidFill>
-                <a:latin typeface="Arial" panose="020B0604020202020204" pitchFamily="34" charset="0"/>
-                <a:ea typeface="MS PGothic" panose="020B0600070205080204" pitchFamily="34" charset="-128"/>
-              </a:defRPr>
-            </a:lvl3pPr>
-            <a:lvl4pPr marL="1600200" indent="-228600" eaLnBrk="0" hangingPunct="0">
-              <a:defRPr sz="2400">
-                <a:solidFill>
-                  <a:schemeClr val="tx1"/>
-                </a:solidFill>
-                <a:latin typeface="Arial" panose="020B0604020202020204" pitchFamily="34" charset="0"/>
-                <a:ea typeface="MS PGothic" panose="020B0600070205080204" pitchFamily="34" charset="-128"/>
-              </a:defRPr>
-            </a:lvl4pPr>
-            <a:lvl5pPr marL="2057400" indent="-228600" eaLnBrk="0" hangingPunct="0">
-              <a:defRPr sz="2400">
-                <a:solidFill>
-                  <a:schemeClr val="tx1"/>
-                </a:solidFill>
-                <a:latin typeface="Arial" panose="020B0604020202020204" pitchFamily="34" charset="0"/>
-                <a:ea typeface="MS PGothic" panose="020B0600070205080204" pitchFamily="34" charset="-128"/>
-              </a:defRPr>
-            </a:lvl5pPr>
-            <a:lvl6pPr marL="2514600" indent="-228600" defTabSz="457200" eaLnBrk="0" fontAlgn="base" hangingPunct="0">
-              <a:spcBef>
-                <a:spcPct val="0"/>
-              </a:spcBef>
-              <a:spcAft>
-                <a:spcPct val="0"/>
-              </a:spcAft>
-              <a:defRPr sz="2400">
-                <a:solidFill>
-                  <a:schemeClr val="tx1"/>
-                </a:solidFill>
-                <a:latin typeface="Arial" panose="020B0604020202020204" pitchFamily="34" charset="0"/>
-                <a:ea typeface="MS PGothic" panose="020B0600070205080204" pitchFamily="34" charset="-128"/>
-              </a:defRPr>
-            </a:lvl6pPr>
-            <a:lvl7pPr marL="2971800" indent="-228600" defTabSz="457200" eaLnBrk="0" fontAlgn="base" hangingPunct="0">
-              <a:spcBef>
-                <a:spcPct val="0"/>
-              </a:spcBef>
-              <a:spcAft>
-                <a:spcPct val="0"/>
-              </a:spcAft>
-              <a:defRPr sz="2400">
-                <a:solidFill>
-                  <a:schemeClr val="tx1"/>
-                </a:solidFill>
-                <a:latin typeface="Arial" panose="020B0604020202020204" pitchFamily="34" charset="0"/>
-                <a:ea typeface="MS PGothic" panose="020B0600070205080204" pitchFamily="34" charset="-128"/>
-              </a:defRPr>
-            </a:lvl7pPr>
-            <a:lvl8pPr marL="3429000" indent="-228600" defTabSz="457200" eaLnBrk="0" fontAlgn="base" hangingPunct="0">
-              <a:spcBef>
-                <a:spcPct val="0"/>
-              </a:spcBef>
-              <a:spcAft>
-                <a:spcPct val="0"/>
-              </a:spcAft>
-              <a:defRPr sz="2400">
-                <a:solidFill>
-                  <a:schemeClr val="tx1"/>
-                </a:solidFill>
-                <a:latin typeface="Arial" panose="020B0604020202020204" pitchFamily="34" charset="0"/>
-                <a:ea typeface="MS PGothic" panose="020B0600070205080204" pitchFamily="34" charset="-128"/>
-              </a:defRPr>
-            </a:lvl8pPr>
-            <a:lvl9pPr marL="3886200" indent="-228600" defTabSz="457200" eaLnBrk="0" fontAlgn="base" hangingPunct="0">
-              <a:spcBef>
-                <a:spcPct val="0"/>
-              </a:spcBef>
-              <a:spcAft>
-                <a:spcPct val="0"/>
-              </a:spcAft>
-              <a:defRPr sz="2400">
-                <a:solidFill>
-                  <a:schemeClr val="tx1"/>
-                </a:solidFill>
-                <a:latin typeface="Arial" panose="020B0604020202020204" pitchFamily="34" charset="0"/>
-                <a:ea typeface="MS PGothic" panose="020B0600070205080204" pitchFamily="34" charset="-128"/>
-              </a:defRPr>
-            </a:lvl9pPr>
-          </a:lstStyle>
-          <a:p>
-            <a:r>
-              <a:rPr lang="en-US" altLang="it-IT" sz="3600" i="1" dirty="0">
-                <a:solidFill>
-                  <a:srgbClr val="FFFFFF"/>
-                </a:solidFill>
-                <a:latin typeface="Tw Cen MT" panose="020B0602020104020603" pitchFamily="34" charset="0"/>
-              </a:rPr>
-              <a:t>struc2vec </a:t>
-            </a:r>
-            <a:r>
-              <a:rPr lang="en-US" altLang="it-IT" sz="3600" dirty="0">
-                <a:solidFill>
-                  <a:srgbClr val="FFFFFF"/>
-                </a:solidFill>
-                <a:latin typeface="Tw Cen MT" panose="020B0602020104020603" pitchFamily="34" charset="0"/>
-              </a:rPr>
-              <a:t>vs </a:t>
-            </a:r>
-            <a:r>
-              <a:rPr lang="en-US" altLang="it-IT" sz="3600" i="1" dirty="0" err="1">
-                <a:solidFill>
-                  <a:srgbClr val="FFFFFF"/>
-                </a:solidFill>
-                <a:latin typeface="Tw Cen MT" panose="020B0602020104020603" pitchFamily="34" charset="0"/>
-              </a:rPr>
-              <a:t>DeepWalk</a:t>
-            </a:r>
-            <a:r>
-              <a:rPr lang="en-US" altLang="it-IT" sz="3600" dirty="0">
-                <a:solidFill>
-                  <a:srgbClr val="FFFFFF"/>
-                </a:solidFill>
-                <a:latin typeface="Tw Cen MT" panose="020B0602020104020603" pitchFamily="34" charset="0"/>
-              </a:rPr>
-              <a:t> e </a:t>
-            </a:r>
-            <a:r>
-              <a:rPr lang="en-US" altLang="it-IT" sz="3600" i="1" dirty="0">
-                <a:solidFill>
-                  <a:srgbClr val="FFFFFF"/>
-                </a:solidFill>
-                <a:latin typeface="Tw Cen MT" panose="020B0602020104020603" pitchFamily="34" charset="0"/>
-              </a:rPr>
-              <a:t>node2vec</a:t>
-            </a:r>
-          </a:p>
-        </p:txBody>
-      </p:sp>
-      <p:sp>
-        <p:nvSpPr>
-          <p:cNvPr id="3" name="Segnaposto piè di pagina 2">
-            <a:extLst>
-              <a:ext uri="{FF2B5EF4-FFF2-40B4-BE49-F238E27FC236}">
-                <a16:creationId xmlns:a16="http://schemas.microsoft.com/office/drawing/2014/main" id="{E250C3CF-1955-4896-A806-CE5DDC834974}"/>
-              </a:ext>
-            </a:extLst>
-          </p:cNvPr>
-          <p:cNvSpPr>
-            <a:spLocks noGrp="1"/>
-          </p:cNvSpPr>
-          <p:nvPr>
-            <p:ph type="ftr" sz="quarter" idx="11"/>
-          </p:nvPr>
-        </p:nvSpPr>
-        <p:spPr/>
-        <p:txBody>
-          <a:bodyPr/>
-          <a:lstStyle/>
-          <a:p>
-            <a:pPr>
-              <a:defRPr/>
-            </a:pPr>
-            <a:r>
-              <a:rPr lang="it-IT" dirty="0"/>
-              <a:t>Masiero L. </a:t>
-            </a:r>
-            <a:r>
-              <a:rPr lang="it-IT" dirty="0" err="1"/>
-              <a:t>Ivancich</a:t>
-            </a:r>
-            <a:r>
-              <a:rPr lang="it-IT" dirty="0"/>
-              <a:t> S.</a:t>
-            </a:r>
-            <a:endParaRPr lang="en-US" dirty="0"/>
-          </a:p>
-        </p:txBody>
-      </p:sp>
-      <p:sp>
-        <p:nvSpPr>
-          <p:cNvPr id="4" name="Segnaposto numero diapositiva 3">
-            <a:extLst>
-              <a:ext uri="{FF2B5EF4-FFF2-40B4-BE49-F238E27FC236}">
-                <a16:creationId xmlns:a16="http://schemas.microsoft.com/office/drawing/2014/main" id="{5C0935C8-2051-45CC-A755-E45239AABEA6}"/>
-              </a:ext>
-            </a:extLst>
-          </p:cNvPr>
-          <p:cNvSpPr>
-            <a:spLocks noGrp="1"/>
-          </p:cNvSpPr>
-          <p:nvPr>
-            <p:ph type="sldNum" sz="quarter" idx="12"/>
-          </p:nvPr>
-        </p:nvSpPr>
-        <p:spPr/>
-        <p:txBody>
-          <a:bodyPr/>
-          <a:lstStyle/>
-          <a:p>
-            <a:fld id="{7A1D8CC2-AC32-48BF-A9F5-B79D7A95954F}" type="slidenum">
-              <a:rPr lang="en-US" altLang="it-IT" smtClean="0"/>
-              <a:pPr/>
-              <a:t>14</a:t>
-            </a:fld>
-            <a:endParaRPr lang="en-US" altLang="it-IT" dirty="0"/>
-          </a:p>
-        </p:txBody>
-      </p:sp>
-      <p:pic>
-        <p:nvPicPr>
-          <p:cNvPr id="10" name="Immagine 9" descr="Immagine che contiene disegnando&#10;&#10;Descrizione generata automaticamente">
-            <a:extLst>
-              <a:ext uri="{FF2B5EF4-FFF2-40B4-BE49-F238E27FC236}">
-                <a16:creationId xmlns:a16="http://schemas.microsoft.com/office/drawing/2014/main" id="{7E65633A-BC63-436F-A0A0-EA2E0BAE6D1F}"/>
-              </a:ext>
-            </a:extLst>
-          </p:cNvPr>
-          <p:cNvPicPr>
-            <a:picLocks noChangeAspect="1"/>
-          </p:cNvPicPr>
-          <p:nvPr/>
-        </p:nvPicPr>
-        <p:blipFill>
-          <a:blip r:embed="rId2"/>
-          <a:stretch>
-            <a:fillRect/>
-          </a:stretch>
-        </p:blipFill>
-        <p:spPr>
-          <a:xfrm>
-            <a:off x="616688" y="1421587"/>
-            <a:ext cx="5181850" cy="2215473"/>
-          </a:xfrm>
-          <a:prstGeom prst="rect">
-            <a:avLst/>
-          </a:prstGeom>
-        </p:spPr>
-      </p:pic>
-      <p:pic>
-        <p:nvPicPr>
-          <p:cNvPr id="7" name="Immagine 6" descr="Immagine che contiene mappa, testo, cucina, bianco&#10;&#10;Descrizione generata automaticamente">
-            <a:extLst>
-              <a:ext uri="{FF2B5EF4-FFF2-40B4-BE49-F238E27FC236}">
-                <a16:creationId xmlns:a16="http://schemas.microsoft.com/office/drawing/2014/main" id="{B810496C-0A70-4552-8D07-4ED76E86A4DD}"/>
-              </a:ext>
-            </a:extLst>
-          </p:cNvPr>
-          <p:cNvPicPr>
-            <a:picLocks noChangeAspect="1"/>
-          </p:cNvPicPr>
-          <p:nvPr/>
-        </p:nvPicPr>
-        <p:blipFill>
-          <a:blip r:embed="rId3"/>
-          <a:stretch>
-            <a:fillRect/>
-          </a:stretch>
-        </p:blipFill>
-        <p:spPr>
-          <a:xfrm>
-            <a:off x="-794" y="4002185"/>
-            <a:ext cx="9144000" cy="2473377"/>
-          </a:xfrm>
-          <a:prstGeom prst="rect">
-            <a:avLst/>
-          </a:prstGeom>
-        </p:spPr>
-      </p:pic>
-      <p:sp>
-        <p:nvSpPr>
-          <p:cNvPr id="2" name="CasellaDiTesto 1">
-            <a:extLst>
-              <a:ext uri="{FF2B5EF4-FFF2-40B4-BE49-F238E27FC236}">
-                <a16:creationId xmlns:a16="http://schemas.microsoft.com/office/drawing/2014/main" id="{80793CA3-A00E-41F4-8EC5-92591F07FDBB}"/>
-              </a:ext>
-            </a:extLst>
-          </p:cNvPr>
-          <p:cNvSpPr txBox="1"/>
-          <p:nvPr/>
-        </p:nvSpPr>
-        <p:spPr>
-          <a:xfrm>
-            <a:off x="6475228" y="2298490"/>
-            <a:ext cx="2052084" cy="461665"/>
-          </a:xfrm>
-          <a:prstGeom prst="rect">
-            <a:avLst/>
-          </a:prstGeom>
-          <a:noFill/>
-        </p:spPr>
-        <p:txBody>
-          <a:bodyPr wrap="square" rtlCol="0">
-            <a:spAutoFit/>
-          </a:bodyPr>
-          <a:lstStyle/>
-          <a:p>
-            <a:r>
-              <a:rPr lang="it-IT" sz="2400" i="1" dirty="0" err="1">
-                <a:solidFill>
-                  <a:srgbClr val="002060"/>
-                </a:solidFill>
-                <a:latin typeface="+mj-lt"/>
-              </a:rPr>
-              <a:t>Barbell</a:t>
-            </a:r>
-            <a:r>
-              <a:rPr lang="it-IT" sz="2400" i="1" dirty="0">
-                <a:solidFill>
-                  <a:srgbClr val="002060"/>
-                </a:solidFill>
-                <a:latin typeface="+mj-lt"/>
-              </a:rPr>
-              <a:t> </a:t>
-            </a:r>
-            <a:r>
-              <a:rPr lang="it-IT" sz="2400" i="1" dirty="0" err="1">
-                <a:solidFill>
-                  <a:srgbClr val="002060"/>
-                </a:solidFill>
-                <a:latin typeface="+mj-lt"/>
-              </a:rPr>
-              <a:t>graph</a:t>
-            </a:r>
-            <a:endParaRPr lang="it-IT" sz="2400" i="1" dirty="0">
-              <a:solidFill>
-                <a:srgbClr val="002060"/>
-              </a:solidFill>
-              <a:latin typeface="+mj-lt"/>
-            </a:endParaRPr>
-          </a:p>
-        </p:txBody>
-      </p:sp>
-    </p:spTree>
-    <p:extLst>
-      <p:ext uri="{BB962C8B-B14F-4D97-AF65-F5344CB8AC3E}">
-        <p14:creationId xmlns:p14="http://schemas.microsoft.com/office/powerpoint/2010/main" val="1582319596"/>
-      </p:ext>
-    </p:extLst>
-  </p:cSld>
-  <p:clrMapOvr>
-    <a:masterClrMapping/>
-  </p:clrMapOvr>
-</p:sld>
-</file>
-
-<file path=ppt/slides/slide15.xml><?xml version="1.0" encoding="utf-8"?>
-<p:sld xmlns:a="http://schemas.openxmlformats.org/drawingml/2006/main" xmlns:r="http://schemas.openxmlformats.org/officeDocument/2006/relationships" xmlns:p="http://schemas.openxmlformats.org/presentationml/2006/main">
-  <p:cSld>
-    <p:spTree>
-      <p:nvGrpSpPr>
-        <p:cNvPr id="1" name=""/>
-        <p:cNvGrpSpPr/>
-        <p:nvPr/>
-      </p:nvGrpSpPr>
-      <p:grpSpPr>
-        <a:xfrm>
-          <a:off x="0" y="0"/>
-          <a:ext cx="0" cy="0"/>
-          <a:chOff x="0" y="0"/>
-          <a:chExt cx="0" cy="0"/>
-        </a:xfrm>
-      </p:grpSpPr>
-      <p:sp>
-        <p:nvSpPr>
-          <p:cNvPr id="6" name="Title 1">
-            <a:extLst>
-              <a:ext uri="{FF2B5EF4-FFF2-40B4-BE49-F238E27FC236}">
-                <a16:creationId xmlns:a16="http://schemas.microsoft.com/office/drawing/2014/main" id="{B6FD3924-BD2E-47EB-8DCD-3AD635AE70B8}"/>
-              </a:ext>
-            </a:extLst>
-          </p:cNvPr>
-          <p:cNvSpPr txBox="1">
-            <a:spLocks/>
-          </p:cNvSpPr>
-          <p:nvPr/>
-        </p:nvSpPr>
-        <p:spPr bwMode="auto">
-          <a:xfrm>
-            <a:off x="15875" y="165692"/>
-            <a:ext cx="8842375" cy="1016000"/>
-          </a:xfrm>
-          <a:prstGeom prst="rect">
-            <a:avLst/>
-          </a:prstGeom>
-          <a:noFill/>
-          <a:ln>
-            <a:noFill/>
-          </a:ln>
-          <a:extLst>
-            <a:ext uri="{909E8E84-426E-40DD-AFC4-6F175D3DCCD1}">
-              <a14:hiddenFill xmlns:a14="http://schemas.microsoft.com/office/drawing/2010/main">
-                <a:solidFill>
-                  <a:srgbClr val="FFFFFF"/>
-                </a:solidFill>
-              </a14:hiddenFill>
-            </a:ext>
-            <a:ext uri="{91240B29-F687-4F45-9708-019B960494DF}">
-              <a14:hiddenLine xmlns:a14="http://schemas.microsoft.com/office/drawing/2010/main" w="9525">
-                <a:solidFill>
-                  <a:srgbClr val="000000"/>
-                </a:solidFill>
-                <a:miter lim="800000"/>
-                <a:headEnd/>
-                <a:tailEnd/>
-              </a14:hiddenLine>
-            </a:ext>
-          </a:extLst>
-        </p:spPr>
-        <p:txBody>
-          <a:bodyPr/>
-          <a:lstStyle>
-            <a:lvl1pPr eaLnBrk="0" hangingPunct="0">
-              <a:defRPr sz="2400">
-                <a:solidFill>
-                  <a:schemeClr val="tx1"/>
-                </a:solidFill>
-                <a:latin typeface="Arial" panose="020B0604020202020204" pitchFamily="34" charset="0"/>
-                <a:ea typeface="MS PGothic" panose="020B0600070205080204" pitchFamily="34" charset="-128"/>
-              </a:defRPr>
-            </a:lvl1pPr>
-            <a:lvl2pPr marL="742950" indent="-285750" eaLnBrk="0" hangingPunct="0">
-              <a:defRPr sz="2400">
-                <a:solidFill>
-                  <a:schemeClr val="tx1"/>
-                </a:solidFill>
-                <a:latin typeface="Arial" panose="020B0604020202020204" pitchFamily="34" charset="0"/>
-                <a:ea typeface="MS PGothic" panose="020B0600070205080204" pitchFamily="34" charset="-128"/>
-              </a:defRPr>
-            </a:lvl2pPr>
-            <a:lvl3pPr marL="1143000" indent="-228600" eaLnBrk="0" hangingPunct="0">
-              <a:defRPr sz="2400">
-                <a:solidFill>
-                  <a:schemeClr val="tx1"/>
-                </a:solidFill>
-                <a:latin typeface="Arial" panose="020B0604020202020204" pitchFamily="34" charset="0"/>
-                <a:ea typeface="MS PGothic" panose="020B0600070205080204" pitchFamily="34" charset="-128"/>
-              </a:defRPr>
-            </a:lvl3pPr>
-            <a:lvl4pPr marL="1600200" indent="-228600" eaLnBrk="0" hangingPunct="0">
-              <a:defRPr sz="2400">
-                <a:solidFill>
-                  <a:schemeClr val="tx1"/>
-                </a:solidFill>
-                <a:latin typeface="Arial" panose="020B0604020202020204" pitchFamily="34" charset="0"/>
-                <a:ea typeface="MS PGothic" panose="020B0600070205080204" pitchFamily="34" charset="-128"/>
-              </a:defRPr>
-            </a:lvl4pPr>
-            <a:lvl5pPr marL="2057400" indent="-228600" eaLnBrk="0" hangingPunct="0">
-              <a:defRPr sz="2400">
-                <a:solidFill>
-                  <a:schemeClr val="tx1"/>
-                </a:solidFill>
-                <a:latin typeface="Arial" panose="020B0604020202020204" pitchFamily="34" charset="0"/>
-                <a:ea typeface="MS PGothic" panose="020B0600070205080204" pitchFamily="34" charset="-128"/>
-              </a:defRPr>
-            </a:lvl5pPr>
-            <a:lvl6pPr marL="2514600" indent="-228600" defTabSz="457200" eaLnBrk="0" fontAlgn="base" hangingPunct="0">
-              <a:spcBef>
-                <a:spcPct val="0"/>
-              </a:spcBef>
-              <a:spcAft>
-                <a:spcPct val="0"/>
-              </a:spcAft>
-              <a:defRPr sz="2400">
-                <a:solidFill>
-                  <a:schemeClr val="tx1"/>
-                </a:solidFill>
-                <a:latin typeface="Arial" panose="020B0604020202020204" pitchFamily="34" charset="0"/>
-                <a:ea typeface="MS PGothic" panose="020B0600070205080204" pitchFamily="34" charset="-128"/>
-              </a:defRPr>
-            </a:lvl6pPr>
-            <a:lvl7pPr marL="2971800" indent="-228600" defTabSz="457200" eaLnBrk="0" fontAlgn="base" hangingPunct="0">
-              <a:spcBef>
-                <a:spcPct val="0"/>
-              </a:spcBef>
-              <a:spcAft>
-                <a:spcPct val="0"/>
-              </a:spcAft>
-              <a:defRPr sz="2400">
-                <a:solidFill>
-                  <a:schemeClr val="tx1"/>
-                </a:solidFill>
-                <a:latin typeface="Arial" panose="020B0604020202020204" pitchFamily="34" charset="0"/>
-                <a:ea typeface="MS PGothic" panose="020B0600070205080204" pitchFamily="34" charset="-128"/>
-              </a:defRPr>
-            </a:lvl7pPr>
-            <a:lvl8pPr marL="3429000" indent="-228600" defTabSz="457200" eaLnBrk="0" fontAlgn="base" hangingPunct="0">
-              <a:spcBef>
-                <a:spcPct val="0"/>
-              </a:spcBef>
-              <a:spcAft>
-                <a:spcPct val="0"/>
-              </a:spcAft>
-              <a:defRPr sz="2400">
-                <a:solidFill>
-                  <a:schemeClr val="tx1"/>
-                </a:solidFill>
-                <a:latin typeface="Arial" panose="020B0604020202020204" pitchFamily="34" charset="0"/>
-                <a:ea typeface="MS PGothic" panose="020B0600070205080204" pitchFamily="34" charset="-128"/>
-              </a:defRPr>
-            </a:lvl8pPr>
-            <a:lvl9pPr marL="3886200" indent="-228600" defTabSz="457200" eaLnBrk="0" fontAlgn="base" hangingPunct="0">
-              <a:spcBef>
-                <a:spcPct val="0"/>
-              </a:spcBef>
-              <a:spcAft>
-                <a:spcPct val="0"/>
-              </a:spcAft>
-              <a:defRPr sz="2400">
-                <a:solidFill>
-                  <a:schemeClr val="tx1"/>
-                </a:solidFill>
-                <a:latin typeface="Arial" panose="020B0604020202020204" pitchFamily="34" charset="0"/>
-                <a:ea typeface="MS PGothic" panose="020B0600070205080204" pitchFamily="34" charset="-128"/>
-              </a:defRPr>
-            </a:lvl9pPr>
-          </a:lstStyle>
-          <a:p>
-            <a:r>
-              <a:rPr lang="en-US" altLang="it-IT" sz="3600" i="1" dirty="0">
-                <a:solidFill>
-                  <a:srgbClr val="FFFFFF"/>
-                </a:solidFill>
-                <a:latin typeface="Tw Cen MT" panose="020B0602020104020603" pitchFamily="34" charset="0"/>
-              </a:rPr>
-              <a:t>struc2vec </a:t>
-            </a:r>
-            <a:r>
-              <a:rPr lang="en-US" altLang="it-IT" sz="3600" dirty="0">
-                <a:solidFill>
-                  <a:srgbClr val="FFFFFF"/>
-                </a:solidFill>
-                <a:latin typeface="Tw Cen MT" panose="020B0602020104020603" pitchFamily="34" charset="0"/>
-              </a:rPr>
-              <a:t>vs </a:t>
-            </a:r>
-            <a:r>
-              <a:rPr lang="en-US" altLang="it-IT" sz="3600" i="1" dirty="0" err="1">
-                <a:solidFill>
-                  <a:srgbClr val="FFFFFF"/>
-                </a:solidFill>
-                <a:latin typeface="Tw Cen MT" panose="020B0602020104020603" pitchFamily="34" charset="0"/>
-              </a:rPr>
-              <a:t>DeepWalk</a:t>
-            </a:r>
-            <a:r>
-              <a:rPr lang="en-US" altLang="it-IT" sz="3600" dirty="0">
-                <a:solidFill>
-                  <a:srgbClr val="FFFFFF"/>
-                </a:solidFill>
-                <a:latin typeface="Tw Cen MT" panose="020B0602020104020603" pitchFamily="34" charset="0"/>
-              </a:rPr>
-              <a:t> e </a:t>
-            </a:r>
-            <a:r>
-              <a:rPr lang="en-US" altLang="it-IT" sz="3600" i="1" dirty="0">
-                <a:solidFill>
-                  <a:srgbClr val="FFFFFF"/>
-                </a:solidFill>
-                <a:latin typeface="Tw Cen MT" panose="020B0602020104020603" pitchFamily="34" charset="0"/>
-              </a:rPr>
-              <a:t>node2vec</a:t>
-            </a:r>
-          </a:p>
-        </p:txBody>
-      </p:sp>
-      <p:sp>
-        <p:nvSpPr>
-          <p:cNvPr id="3" name="Segnaposto piè di pagina 2">
-            <a:extLst>
-              <a:ext uri="{FF2B5EF4-FFF2-40B4-BE49-F238E27FC236}">
-                <a16:creationId xmlns:a16="http://schemas.microsoft.com/office/drawing/2014/main" id="{E250C3CF-1955-4896-A806-CE5DDC834974}"/>
-              </a:ext>
-            </a:extLst>
-          </p:cNvPr>
-          <p:cNvSpPr>
-            <a:spLocks noGrp="1"/>
-          </p:cNvSpPr>
-          <p:nvPr>
-            <p:ph type="ftr" sz="quarter" idx="11"/>
-          </p:nvPr>
-        </p:nvSpPr>
-        <p:spPr/>
-        <p:txBody>
-          <a:bodyPr/>
-          <a:lstStyle/>
-          <a:p>
-            <a:pPr>
-              <a:defRPr/>
-            </a:pPr>
-            <a:r>
-              <a:rPr lang="it-IT" dirty="0"/>
-              <a:t>Masiero L. </a:t>
-            </a:r>
-            <a:r>
-              <a:rPr lang="it-IT" dirty="0" err="1"/>
-              <a:t>Ivancich</a:t>
-            </a:r>
-            <a:r>
-              <a:rPr lang="it-IT" dirty="0"/>
-              <a:t> S.</a:t>
-            </a:r>
-            <a:endParaRPr lang="en-US" dirty="0"/>
-          </a:p>
-        </p:txBody>
-      </p:sp>
-      <p:sp>
-        <p:nvSpPr>
-          <p:cNvPr id="4" name="Segnaposto numero diapositiva 3">
-            <a:extLst>
-              <a:ext uri="{FF2B5EF4-FFF2-40B4-BE49-F238E27FC236}">
-                <a16:creationId xmlns:a16="http://schemas.microsoft.com/office/drawing/2014/main" id="{5C0935C8-2051-45CC-A755-E45239AABEA6}"/>
-              </a:ext>
-            </a:extLst>
-          </p:cNvPr>
-          <p:cNvSpPr>
-            <a:spLocks noGrp="1"/>
-          </p:cNvSpPr>
-          <p:nvPr>
-            <p:ph type="sldNum" sz="quarter" idx="12"/>
-          </p:nvPr>
-        </p:nvSpPr>
-        <p:spPr/>
-        <p:txBody>
-          <a:bodyPr/>
-          <a:lstStyle/>
-          <a:p>
-            <a:fld id="{7A1D8CC2-AC32-48BF-A9F5-B79D7A95954F}" type="slidenum">
-              <a:rPr lang="en-US" altLang="it-IT" smtClean="0"/>
-              <a:pPr/>
-              <a:t>15</a:t>
-            </a:fld>
-            <a:endParaRPr lang="en-US" altLang="it-IT" dirty="0"/>
-          </a:p>
-        </p:txBody>
-      </p:sp>
-      <p:sp>
-        <p:nvSpPr>
-          <p:cNvPr id="9" name="CasellaDiTesto 8">
-            <a:extLst>
-              <a:ext uri="{FF2B5EF4-FFF2-40B4-BE49-F238E27FC236}">
-                <a16:creationId xmlns:a16="http://schemas.microsoft.com/office/drawing/2014/main" id="{0587F647-104A-49C4-BF6E-EC158814792B}"/>
-              </a:ext>
-            </a:extLst>
-          </p:cNvPr>
-          <p:cNvSpPr txBox="1"/>
-          <p:nvPr/>
-        </p:nvSpPr>
-        <p:spPr>
-          <a:xfrm>
-            <a:off x="1621526" y="1323546"/>
-            <a:ext cx="3096557" cy="461665"/>
-          </a:xfrm>
-          <a:prstGeom prst="rect">
-            <a:avLst/>
-          </a:prstGeom>
-          <a:noFill/>
-        </p:spPr>
-        <p:txBody>
-          <a:bodyPr wrap="square" rtlCol="0">
-            <a:spAutoFit/>
-          </a:bodyPr>
-          <a:lstStyle/>
-          <a:p>
-            <a:r>
-              <a:rPr lang="it-IT" sz="2400" i="1" dirty="0" err="1">
-                <a:solidFill>
-                  <a:srgbClr val="002060"/>
-                </a:solidFill>
-                <a:latin typeface="+mj-lt"/>
-              </a:rPr>
-              <a:t>Zachary’s</a:t>
-            </a:r>
-            <a:r>
-              <a:rPr lang="it-IT" sz="2400" i="1" dirty="0">
-                <a:solidFill>
-                  <a:srgbClr val="002060"/>
-                </a:solidFill>
-                <a:latin typeface="+mj-lt"/>
-              </a:rPr>
-              <a:t> Karate Club</a:t>
-            </a:r>
-          </a:p>
-        </p:txBody>
-      </p:sp>
-      <p:pic>
-        <p:nvPicPr>
-          <p:cNvPr id="5" name="Immagine 4">
-            <a:extLst>
-              <a:ext uri="{FF2B5EF4-FFF2-40B4-BE49-F238E27FC236}">
-                <a16:creationId xmlns:a16="http://schemas.microsoft.com/office/drawing/2014/main" id="{B13BDB94-5DDC-486E-8C8D-269FFB629D3B}"/>
-              </a:ext>
-            </a:extLst>
-          </p:cNvPr>
-          <p:cNvPicPr>
-            <a:picLocks noChangeAspect="1"/>
-          </p:cNvPicPr>
-          <p:nvPr/>
-        </p:nvPicPr>
-        <p:blipFill>
-          <a:blip r:embed="rId2"/>
-          <a:stretch>
-            <a:fillRect/>
-          </a:stretch>
-        </p:blipFill>
-        <p:spPr>
-          <a:xfrm>
-            <a:off x="285750" y="1927066"/>
-            <a:ext cx="2670183" cy="2052085"/>
-          </a:xfrm>
-          <a:prstGeom prst="rect">
-            <a:avLst/>
-          </a:prstGeom>
-        </p:spPr>
-      </p:pic>
-      <p:pic>
-        <p:nvPicPr>
-          <p:cNvPr id="12" name="Immagine 11" descr="Immagine che contiene testo&#10;&#10;Descrizione generata automaticamente">
-            <a:extLst>
-              <a:ext uri="{FF2B5EF4-FFF2-40B4-BE49-F238E27FC236}">
-                <a16:creationId xmlns:a16="http://schemas.microsoft.com/office/drawing/2014/main" id="{7639A5B4-1DEA-4772-B22D-7CBC08D43426}"/>
-              </a:ext>
-            </a:extLst>
-          </p:cNvPr>
-          <p:cNvPicPr>
-            <a:picLocks noChangeAspect="1"/>
-          </p:cNvPicPr>
-          <p:nvPr/>
-        </p:nvPicPr>
-        <p:blipFill>
-          <a:blip r:embed="rId3"/>
-          <a:stretch>
-            <a:fillRect/>
-          </a:stretch>
-        </p:blipFill>
-        <p:spPr>
-          <a:xfrm>
-            <a:off x="271518" y="4156115"/>
-            <a:ext cx="2570839" cy="1996275"/>
-          </a:xfrm>
-          <a:prstGeom prst="rect">
-            <a:avLst/>
-          </a:prstGeom>
-        </p:spPr>
-      </p:pic>
-      <p:pic>
-        <p:nvPicPr>
-          <p:cNvPr id="14" name="Immagine 13">
-            <a:extLst>
-              <a:ext uri="{FF2B5EF4-FFF2-40B4-BE49-F238E27FC236}">
-                <a16:creationId xmlns:a16="http://schemas.microsoft.com/office/drawing/2014/main" id="{70F7A59F-175E-4A02-9756-3946E9E5C35C}"/>
-              </a:ext>
-            </a:extLst>
-          </p:cNvPr>
-          <p:cNvPicPr>
-            <a:picLocks noChangeAspect="1"/>
-          </p:cNvPicPr>
-          <p:nvPr/>
-        </p:nvPicPr>
-        <p:blipFill>
-          <a:blip r:embed="rId4"/>
-          <a:stretch>
-            <a:fillRect/>
-          </a:stretch>
-        </p:blipFill>
-        <p:spPr>
-          <a:xfrm>
-            <a:off x="3572644" y="3058527"/>
-            <a:ext cx="4733156" cy="3633781"/>
-          </a:xfrm>
-          <a:prstGeom prst="rect">
-            <a:avLst/>
-          </a:prstGeom>
-        </p:spPr>
-      </p:pic>
-      <p:pic>
-        <p:nvPicPr>
-          <p:cNvPr id="8" name="Immagine 7" descr="Immagine che contiene testo, mappa&#10;&#10;Descrizione generata automaticamente">
-            <a:extLst>
-              <a:ext uri="{FF2B5EF4-FFF2-40B4-BE49-F238E27FC236}">
-                <a16:creationId xmlns:a16="http://schemas.microsoft.com/office/drawing/2014/main" id="{4BFFE64F-978F-4642-92A3-3977648D5EC8}"/>
-              </a:ext>
-            </a:extLst>
-          </p:cNvPr>
-          <p:cNvPicPr>
-            <a:picLocks noChangeAspect="1"/>
-          </p:cNvPicPr>
-          <p:nvPr/>
-        </p:nvPicPr>
-        <p:blipFill rotWithShape="1">
-          <a:blip r:embed="rId5"/>
-          <a:srcRect b="44379"/>
-          <a:stretch/>
-        </p:blipFill>
-        <p:spPr>
-          <a:xfrm>
-            <a:off x="5145762" y="1181692"/>
-            <a:ext cx="3726720" cy="2296789"/>
-          </a:xfrm>
-          <a:prstGeom prst="rect">
-            <a:avLst/>
-          </a:prstGeom>
-        </p:spPr>
-      </p:pic>
-    </p:spTree>
-    <p:extLst>
-      <p:ext uri="{BB962C8B-B14F-4D97-AF65-F5344CB8AC3E}">
-        <p14:creationId xmlns:p14="http://schemas.microsoft.com/office/powerpoint/2010/main" val="3508289653"/>
-      </p:ext>
-    </p:extLst>
-  </p:cSld>
-  <p:clrMapOvr>
-    <a:masterClrMapping/>
-  </p:clrMapOvr>
-</p:sld>
-</file>
-
-<file path=ppt/slides/slide16.xml><?xml version="1.0" encoding="utf-8"?>
-<p:sld xmlns:a="http://schemas.openxmlformats.org/drawingml/2006/main" xmlns:r="http://schemas.openxmlformats.org/officeDocument/2006/relationships" xmlns:p="http://schemas.openxmlformats.org/presentationml/2006/main">
-  <p:cSld>
-    <p:spTree>
-      <p:nvGrpSpPr>
-        <p:cNvPr id="1" name=""/>
-        <p:cNvGrpSpPr/>
-        <p:nvPr/>
-      </p:nvGrpSpPr>
-      <p:grpSpPr>
-        <a:xfrm>
-          <a:off x="0" y="0"/>
-          <a:ext cx="0" cy="0"/>
-          <a:chOff x="0" y="0"/>
-          <a:chExt cx="0" cy="0"/>
-        </a:xfrm>
-      </p:grpSpPr>
-      <p:sp>
-        <p:nvSpPr>
-          <p:cNvPr id="6" name="Title 1">
-            <a:extLst>
-              <a:ext uri="{FF2B5EF4-FFF2-40B4-BE49-F238E27FC236}">
-                <a16:creationId xmlns:a16="http://schemas.microsoft.com/office/drawing/2014/main" id="{B6FD3924-BD2E-47EB-8DCD-3AD635AE70B8}"/>
-              </a:ext>
-            </a:extLst>
-          </p:cNvPr>
-          <p:cNvSpPr txBox="1">
-            <a:spLocks/>
-          </p:cNvSpPr>
-          <p:nvPr/>
-        </p:nvSpPr>
-        <p:spPr bwMode="auto">
-          <a:xfrm>
-            <a:off x="15875" y="165692"/>
-            <a:ext cx="8842375" cy="1016000"/>
-          </a:xfrm>
-          <a:prstGeom prst="rect">
-            <a:avLst/>
-          </a:prstGeom>
-          <a:noFill/>
-          <a:ln>
-            <a:noFill/>
-          </a:ln>
-          <a:extLst>
-            <a:ext uri="{909E8E84-426E-40DD-AFC4-6F175D3DCCD1}">
-              <a14:hiddenFill xmlns:a14="http://schemas.microsoft.com/office/drawing/2010/main">
-                <a:solidFill>
-                  <a:srgbClr val="FFFFFF"/>
-                </a:solidFill>
-              </a14:hiddenFill>
-            </a:ext>
-            <a:ext uri="{91240B29-F687-4F45-9708-019B960494DF}">
-              <a14:hiddenLine xmlns:a14="http://schemas.microsoft.com/office/drawing/2010/main" w="9525">
-                <a:solidFill>
-                  <a:srgbClr val="000000"/>
-                </a:solidFill>
-                <a:miter lim="800000"/>
-                <a:headEnd/>
-                <a:tailEnd/>
-              </a14:hiddenLine>
-            </a:ext>
-          </a:extLst>
-        </p:spPr>
-        <p:txBody>
-          <a:bodyPr/>
-          <a:lstStyle>
-            <a:lvl1pPr eaLnBrk="0" hangingPunct="0">
-              <a:defRPr sz="2400">
-                <a:solidFill>
-                  <a:schemeClr val="tx1"/>
-                </a:solidFill>
-                <a:latin typeface="Arial" panose="020B0604020202020204" pitchFamily="34" charset="0"/>
-                <a:ea typeface="MS PGothic" panose="020B0600070205080204" pitchFamily="34" charset="-128"/>
-              </a:defRPr>
-            </a:lvl1pPr>
-            <a:lvl2pPr marL="742950" indent="-285750" eaLnBrk="0" hangingPunct="0">
-              <a:defRPr sz="2400">
-                <a:solidFill>
-                  <a:schemeClr val="tx1"/>
-                </a:solidFill>
-                <a:latin typeface="Arial" panose="020B0604020202020204" pitchFamily="34" charset="0"/>
-                <a:ea typeface="MS PGothic" panose="020B0600070205080204" pitchFamily="34" charset="-128"/>
-              </a:defRPr>
-            </a:lvl2pPr>
-            <a:lvl3pPr marL="1143000" indent="-228600" eaLnBrk="0" hangingPunct="0">
-              <a:defRPr sz="2400">
-                <a:solidFill>
-                  <a:schemeClr val="tx1"/>
-                </a:solidFill>
-                <a:latin typeface="Arial" panose="020B0604020202020204" pitchFamily="34" charset="0"/>
-                <a:ea typeface="MS PGothic" panose="020B0600070205080204" pitchFamily="34" charset="-128"/>
-              </a:defRPr>
-            </a:lvl3pPr>
-            <a:lvl4pPr marL="1600200" indent="-228600" eaLnBrk="0" hangingPunct="0">
-              <a:defRPr sz="2400">
-                <a:solidFill>
-                  <a:schemeClr val="tx1"/>
-                </a:solidFill>
-                <a:latin typeface="Arial" panose="020B0604020202020204" pitchFamily="34" charset="0"/>
-                <a:ea typeface="MS PGothic" panose="020B0600070205080204" pitchFamily="34" charset="-128"/>
-              </a:defRPr>
-            </a:lvl4pPr>
-            <a:lvl5pPr marL="2057400" indent="-228600" eaLnBrk="0" hangingPunct="0">
-              <a:defRPr sz="2400">
-                <a:solidFill>
-                  <a:schemeClr val="tx1"/>
-                </a:solidFill>
-                <a:latin typeface="Arial" panose="020B0604020202020204" pitchFamily="34" charset="0"/>
-                <a:ea typeface="MS PGothic" panose="020B0600070205080204" pitchFamily="34" charset="-128"/>
-              </a:defRPr>
-            </a:lvl5pPr>
-            <a:lvl6pPr marL="2514600" indent="-228600" defTabSz="457200" eaLnBrk="0" fontAlgn="base" hangingPunct="0">
-              <a:spcBef>
-                <a:spcPct val="0"/>
-              </a:spcBef>
-              <a:spcAft>
-                <a:spcPct val="0"/>
-              </a:spcAft>
-              <a:defRPr sz="2400">
-                <a:solidFill>
-                  <a:schemeClr val="tx1"/>
-                </a:solidFill>
-                <a:latin typeface="Arial" panose="020B0604020202020204" pitchFamily="34" charset="0"/>
-                <a:ea typeface="MS PGothic" panose="020B0600070205080204" pitchFamily="34" charset="-128"/>
-              </a:defRPr>
-            </a:lvl6pPr>
-            <a:lvl7pPr marL="2971800" indent="-228600" defTabSz="457200" eaLnBrk="0" fontAlgn="base" hangingPunct="0">
-              <a:spcBef>
-                <a:spcPct val="0"/>
-              </a:spcBef>
-              <a:spcAft>
-                <a:spcPct val="0"/>
-              </a:spcAft>
-              <a:defRPr sz="2400">
-                <a:solidFill>
-                  <a:schemeClr val="tx1"/>
-                </a:solidFill>
-                <a:latin typeface="Arial" panose="020B0604020202020204" pitchFamily="34" charset="0"/>
-                <a:ea typeface="MS PGothic" panose="020B0600070205080204" pitchFamily="34" charset="-128"/>
-              </a:defRPr>
-            </a:lvl7pPr>
-            <a:lvl8pPr marL="3429000" indent="-228600" defTabSz="457200" eaLnBrk="0" fontAlgn="base" hangingPunct="0">
-              <a:spcBef>
-                <a:spcPct val="0"/>
-              </a:spcBef>
-              <a:spcAft>
-                <a:spcPct val="0"/>
-              </a:spcAft>
-              <a:defRPr sz="2400">
-                <a:solidFill>
-                  <a:schemeClr val="tx1"/>
-                </a:solidFill>
-                <a:latin typeface="Arial" panose="020B0604020202020204" pitchFamily="34" charset="0"/>
-                <a:ea typeface="MS PGothic" panose="020B0600070205080204" pitchFamily="34" charset="-128"/>
-              </a:defRPr>
-            </a:lvl8pPr>
-            <a:lvl9pPr marL="3886200" indent="-228600" defTabSz="457200" eaLnBrk="0" fontAlgn="base" hangingPunct="0">
-              <a:spcBef>
-                <a:spcPct val="0"/>
-              </a:spcBef>
-              <a:spcAft>
-                <a:spcPct val="0"/>
-              </a:spcAft>
-              <a:defRPr sz="2400">
-                <a:solidFill>
-                  <a:schemeClr val="tx1"/>
-                </a:solidFill>
-                <a:latin typeface="Arial" panose="020B0604020202020204" pitchFamily="34" charset="0"/>
-                <a:ea typeface="MS PGothic" panose="020B0600070205080204" pitchFamily="34" charset="-128"/>
-              </a:defRPr>
-            </a:lvl9pPr>
-          </a:lstStyle>
-          <a:p>
-            <a:r>
-              <a:rPr lang="en-US" altLang="it-IT" sz="3600" dirty="0">
-                <a:solidFill>
-                  <a:srgbClr val="FFFFFF"/>
-                </a:solidFill>
-                <a:latin typeface="Tw Cen MT" panose="020B0602020104020603" pitchFamily="34" charset="0"/>
-              </a:rPr>
-              <a:t>L-GRAAL</a:t>
-            </a:r>
-          </a:p>
-        </p:txBody>
-      </p:sp>
-      <p:sp>
-        <p:nvSpPr>
-          <p:cNvPr id="4" name="Segnaposto piè di pagina 3">
-            <a:extLst>
-              <a:ext uri="{FF2B5EF4-FFF2-40B4-BE49-F238E27FC236}">
-                <a16:creationId xmlns:a16="http://schemas.microsoft.com/office/drawing/2014/main" id="{132569EC-B884-40D8-85E2-57BADE786F10}"/>
-              </a:ext>
-            </a:extLst>
-          </p:cNvPr>
-          <p:cNvSpPr>
-            <a:spLocks noGrp="1"/>
-          </p:cNvSpPr>
-          <p:nvPr>
-            <p:ph type="ftr" sz="quarter" idx="11"/>
-          </p:nvPr>
-        </p:nvSpPr>
-        <p:spPr/>
-        <p:txBody>
-          <a:bodyPr/>
-          <a:lstStyle/>
-          <a:p>
-            <a:pPr>
-              <a:defRPr/>
-            </a:pPr>
-            <a:r>
-              <a:rPr lang="it-IT"/>
-              <a:t>Masiero L. Ivancich S.</a:t>
-            </a:r>
-            <a:endParaRPr lang="en-US" dirty="0"/>
-          </a:p>
-        </p:txBody>
-      </p:sp>
-      <p:sp>
-        <p:nvSpPr>
-          <p:cNvPr id="5" name="Segnaposto numero diapositiva 4">
-            <a:extLst>
-              <a:ext uri="{FF2B5EF4-FFF2-40B4-BE49-F238E27FC236}">
-                <a16:creationId xmlns:a16="http://schemas.microsoft.com/office/drawing/2014/main" id="{2E9CF88A-2116-4A80-B0ED-1262563C9595}"/>
-              </a:ext>
-            </a:extLst>
-          </p:cNvPr>
-          <p:cNvSpPr>
-            <a:spLocks noGrp="1"/>
-          </p:cNvSpPr>
-          <p:nvPr>
-            <p:ph type="sldNum" sz="quarter" idx="12"/>
-          </p:nvPr>
-        </p:nvSpPr>
-        <p:spPr/>
-        <p:txBody>
-          <a:bodyPr/>
-          <a:lstStyle/>
-          <a:p>
-            <a:fld id="{7A1D8CC2-AC32-48BF-A9F5-B79D7A95954F}" type="slidenum">
-              <a:rPr lang="en-US" altLang="it-IT" smtClean="0"/>
-              <a:pPr/>
-              <a:t>16</a:t>
             </a:fld>
             <a:endParaRPr lang="en-US" altLang="it-IT" dirty="0"/>
           </a:p>
@@ -9716,7 +7761,7 @@
 </p:sld>
 </file>
 
-<file path=ppt/slides/slide17.xml><?xml version="1.0" encoding="utf-8"?>
+<file path=ppt/slides/slide13.xml><?xml version="1.0" encoding="utf-8"?>
 <p:sld xmlns:a="http://schemas.openxmlformats.org/drawingml/2006/main" xmlns:r="http://schemas.openxmlformats.org/officeDocument/2006/relationships" xmlns:p="http://schemas.openxmlformats.org/presentationml/2006/main">
   <p:cSld>
     <p:spTree>
@@ -9957,7 +8002,7 @@
             <a:fld id="{7A1D8CC2-AC32-48BF-A9F5-B79D7A95954F}" type="slidenum">
               <a:rPr lang="en-US" altLang="it-IT" smtClean="0"/>
               <a:pPr/>
-              <a:t>17</a:t>
+              <a:t>13</a:t>
             </a:fld>
             <a:endParaRPr lang="en-US" altLang="it-IT" dirty="0"/>
           </a:p>
@@ -10526,6 +8571,1961 @@
 </p:sld>
 </file>
 
+<file path=ppt/slides/slide14.xml><?xml version="1.0" encoding="utf-8"?>
+<p:sld xmlns:a="http://schemas.openxmlformats.org/drawingml/2006/main" xmlns:r="http://schemas.openxmlformats.org/officeDocument/2006/relationships" xmlns:p="http://schemas.openxmlformats.org/presentationml/2006/main">
+  <p:cSld>
+    <p:spTree>
+      <p:nvGrpSpPr>
+        <p:cNvPr id="1" name=""/>
+        <p:cNvGrpSpPr/>
+        <p:nvPr/>
+      </p:nvGrpSpPr>
+      <p:grpSpPr>
+        <a:xfrm>
+          <a:off x="0" y="0"/>
+          <a:ext cx="0" cy="0"/>
+          <a:chOff x="0" y="0"/>
+          <a:chExt cx="0" cy="0"/>
+        </a:xfrm>
+      </p:grpSpPr>
+      <p:sp>
+        <p:nvSpPr>
+          <p:cNvPr id="6" name="Title 1">
+            <a:extLst>
+              <a:ext uri="{FF2B5EF4-FFF2-40B4-BE49-F238E27FC236}">
+                <a16:creationId xmlns:a16="http://schemas.microsoft.com/office/drawing/2014/main" id="{B6FD3924-BD2E-47EB-8DCD-3AD635AE70B8}"/>
+              </a:ext>
+            </a:extLst>
+          </p:cNvPr>
+          <p:cNvSpPr txBox="1">
+            <a:spLocks/>
+          </p:cNvSpPr>
+          <p:nvPr/>
+        </p:nvSpPr>
+        <p:spPr bwMode="auto">
+          <a:xfrm>
+            <a:off x="15875" y="165692"/>
+            <a:ext cx="8842375" cy="1016000"/>
+          </a:xfrm>
+          <a:prstGeom prst="rect">
+            <a:avLst/>
+          </a:prstGeom>
+          <a:noFill/>
+          <a:ln>
+            <a:noFill/>
+          </a:ln>
+          <a:extLst>
+            <a:ext uri="{909E8E84-426E-40DD-AFC4-6F175D3DCCD1}">
+              <a14:hiddenFill xmlns:a14="http://schemas.microsoft.com/office/drawing/2010/main">
+                <a:solidFill>
+                  <a:srgbClr val="FFFFFF"/>
+                </a:solidFill>
+              </a14:hiddenFill>
+            </a:ext>
+            <a:ext uri="{91240B29-F687-4F45-9708-019B960494DF}">
+              <a14:hiddenLine xmlns:a14="http://schemas.microsoft.com/office/drawing/2010/main" w="9525">
+                <a:solidFill>
+                  <a:srgbClr val="000000"/>
+                </a:solidFill>
+                <a:miter lim="800000"/>
+                <a:headEnd/>
+                <a:tailEnd/>
+              </a14:hiddenLine>
+            </a:ext>
+          </a:extLst>
+        </p:spPr>
+        <p:txBody>
+          <a:bodyPr/>
+          <a:lstStyle>
+            <a:lvl1pPr eaLnBrk="0" hangingPunct="0">
+              <a:defRPr sz="2400">
+                <a:solidFill>
+                  <a:schemeClr val="tx1"/>
+                </a:solidFill>
+                <a:latin typeface="Arial" panose="020B0604020202020204" pitchFamily="34" charset="0"/>
+                <a:ea typeface="MS PGothic" panose="020B0600070205080204" pitchFamily="34" charset="-128"/>
+              </a:defRPr>
+            </a:lvl1pPr>
+            <a:lvl2pPr marL="742950" indent="-285750" eaLnBrk="0" hangingPunct="0">
+              <a:defRPr sz="2400">
+                <a:solidFill>
+                  <a:schemeClr val="tx1"/>
+                </a:solidFill>
+                <a:latin typeface="Arial" panose="020B0604020202020204" pitchFamily="34" charset="0"/>
+                <a:ea typeface="MS PGothic" panose="020B0600070205080204" pitchFamily="34" charset="-128"/>
+              </a:defRPr>
+            </a:lvl2pPr>
+            <a:lvl3pPr marL="1143000" indent="-228600" eaLnBrk="0" hangingPunct="0">
+              <a:defRPr sz="2400">
+                <a:solidFill>
+                  <a:schemeClr val="tx1"/>
+                </a:solidFill>
+                <a:latin typeface="Arial" panose="020B0604020202020204" pitchFamily="34" charset="0"/>
+                <a:ea typeface="MS PGothic" panose="020B0600070205080204" pitchFamily="34" charset="-128"/>
+              </a:defRPr>
+            </a:lvl3pPr>
+            <a:lvl4pPr marL="1600200" indent="-228600" eaLnBrk="0" hangingPunct="0">
+              <a:defRPr sz="2400">
+                <a:solidFill>
+                  <a:schemeClr val="tx1"/>
+                </a:solidFill>
+                <a:latin typeface="Arial" panose="020B0604020202020204" pitchFamily="34" charset="0"/>
+                <a:ea typeface="MS PGothic" panose="020B0600070205080204" pitchFamily="34" charset="-128"/>
+              </a:defRPr>
+            </a:lvl4pPr>
+            <a:lvl5pPr marL="2057400" indent="-228600" eaLnBrk="0" hangingPunct="0">
+              <a:defRPr sz="2400">
+                <a:solidFill>
+                  <a:schemeClr val="tx1"/>
+                </a:solidFill>
+                <a:latin typeface="Arial" panose="020B0604020202020204" pitchFamily="34" charset="0"/>
+                <a:ea typeface="MS PGothic" panose="020B0600070205080204" pitchFamily="34" charset="-128"/>
+              </a:defRPr>
+            </a:lvl5pPr>
+            <a:lvl6pPr marL="2514600" indent="-228600" defTabSz="457200" eaLnBrk="0" fontAlgn="base" hangingPunct="0">
+              <a:spcBef>
+                <a:spcPct val="0"/>
+              </a:spcBef>
+              <a:spcAft>
+                <a:spcPct val="0"/>
+              </a:spcAft>
+              <a:defRPr sz="2400">
+                <a:solidFill>
+                  <a:schemeClr val="tx1"/>
+                </a:solidFill>
+                <a:latin typeface="Arial" panose="020B0604020202020204" pitchFamily="34" charset="0"/>
+                <a:ea typeface="MS PGothic" panose="020B0600070205080204" pitchFamily="34" charset="-128"/>
+              </a:defRPr>
+            </a:lvl6pPr>
+            <a:lvl7pPr marL="2971800" indent="-228600" defTabSz="457200" eaLnBrk="0" fontAlgn="base" hangingPunct="0">
+              <a:spcBef>
+                <a:spcPct val="0"/>
+              </a:spcBef>
+              <a:spcAft>
+                <a:spcPct val="0"/>
+              </a:spcAft>
+              <a:defRPr sz="2400">
+                <a:solidFill>
+                  <a:schemeClr val="tx1"/>
+                </a:solidFill>
+                <a:latin typeface="Arial" panose="020B0604020202020204" pitchFamily="34" charset="0"/>
+                <a:ea typeface="MS PGothic" panose="020B0600070205080204" pitchFamily="34" charset="-128"/>
+              </a:defRPr>
+            </a:lvl7pPr>
+            <a:lvl8pPr marL="3429000" indent="-228600" defTabSz="457200" eaLnBrk="0" fontAlgn="base" hangingPunct="0">
+              <a:spcBef>
+                <a:spcPct val="0"/>
+              </a:spcBef>
+              <a:spcAft>
+                <a:spcPct val="0"/>
+              </a:spcAft>
+              <a:defRPr sz="2400">
+                <a:solidFill>
+                  <a:schemeClr val="tx1"/>
+                </a:solidFill>
+                <a:latin typeface="Arial" panose="020B0604020202020204" pitchFamily="34" charset="0"/>
+                <a:ea typeface="MS PGothic" panose="020B0600070205080204" pitchFamily="34" charset="-128"/>
+              </a:defRPr>
+            </a:lvl8pPr>
+            <a:lvl9pPr marL="3886200" indent="-228600" defTabSz="457200" eaLnBrk="0" fontAlgn="base" hangingPunct="0">
+              <a:spcBef>
+                <a:spcPct val="0"/>
+              </a:spcBef>
+              <a:spcAft>
+                <a:spcPct val="0"/>
+              </a:spcAft>
+              <a:defRPr sz="2400">
+                <a:solidFill>
+                  <a:schemeClr val="tx1"/>
+                </a:solidFill>
+                <a:latin typeface="Arial" panose="020B0604020202020204" pitchFamily="34" charset="0"/>
+                <a:ea typeface="MS PGothic" panose="020B0600070205080204" pitchFamily="34" charset="-128"/>
+              </a:defRPr>
+            </a:lvl9pPr>
+          </a:lstStyle>
+          <a:p>
+            <a:r>
+              <a:rPr lang="en-US" altLang="it-IT" sz="3600" i="1" dirty="0">
+                <a:solidFill>
+                  <a:srgbClr val="FFFFFF"/>
+                </a:solidFill>
+                <a:latin typeface="Tw Cen MT" panose="020B0602020104020603" pitchFamily="34" charset="0"/>
+              </a:rPr>
+              <a:t>struc2vec</a:t>
+            </a:r>
+          </a:p>
+        </p:txBody>
+      </p:sp>
+      <p:pic>
+        <p:nvPicPr>
+          <p:cNvPr id="3" name="Immagine 2" descr="Immagine che contiene orologio&#10;&#10;Descrizione generata automaticamente">
+            <a:extLst>
+              <a:ext uri="{FF2B5EF4-FFF2-40B4-BE49-F238E27FC236}">
+                <a16:creationId xmlns:a16="http://schemas.microsoft.com/office/drawing/2014/main" id="{CCEE24A8-EA82-405C-841A-BA40A82A649B}"/>
+              </a:ext>
+            </a:extLst>
+          </p:cNvPr>
+          <p:cNvPicPr>
+            <a:picLocks noChangeAspect="1"/>
+          </p:cNvPicPr>
+          <p:nvPr/>
+        </p:nvPicPr>
+        <p:blipFill>
+          <a:blip r:embed="rId2"/>
+          <a:stretch>
+            <a:fillRect/>
+          </a:stretch>
+        </p:blipFill>
+        <p:spPr>
+          <a:xfrm>
+            <a:off x="-794" y="3898626"/>
+            <a:ext cx="9144000" cy="2424310"/>
+          </a:xfrm>
+          <a:prstGeom prst="rect">
+            <a:avLst/>
+          </a:prstGeom>
+        </p:spPr>
+      </p:pic>
+      <p:sp>
+        <p:nvSpPr>
+          <p:cNvPr id="5" name="Segnaposto piè di pagina 4">
+            <a:extLst>
+              <a:ext uri="{FF2B5EF4-FFF2-40B4-BE49-F238E27FC236}">
+                <a16:creationId xmlns:a16="http://schemas.microsoft.com/office/drawing/2014/main" id="{51FB397C-A6EF-4B7F-8AC5-6ED242812BC1}"/>
+              </a:ext>
+            </a:extLst>
+          </p:cNvPr>
+          <p:cNvSpPr>
+            <a:spLocks noGrp="1"/>
+          </p:cNvSpPr>
+          <p:nvPr>
+            <p:ph type="ftr" sz="quarter" idx="11"/>
+          </p:nvPr>
+        </p:nvSpPr>
+        <p:spPr/>
+        <p:txBody>
+          <a:bodyPr/>
+          <a:lstStyle/>
+          <a:p>
+            <a:pPr>
+              <a:defRPr/>
+            </a:pPr>
+            <a:r>
+              <a:rPr lang="it-IT"/>
+              <a:t>Masiero L. Ivancich S.</a:t>
+            </a:r>
+            <a:endParaRPr lang="en-US" dirty="0"/>
+          </a:p>
+        </p:txBody>
+      </p:sp>
+      <p:sp>
+        <p:nvSpPr>
+          <p:cNvPr id="7" name="Segnaposto numero diapositiva 6">
+            <a:extLst>
+              <a:ext uri="{FF2B5EF4-FFF2-40B4-BE49-F238E27FC236}">
+                <a16:creationId xmlns:a16="http://schemas.microsoft.com/office/drawing/2014/main" id="{0A645CE8-62F6-4437-909C-A31BC37AEFDA}"/>
+              </a:ext>
+            </a:extLst>
+          </p:cNvPr>
+          <p:cNvSpPr>
+            <a:spLocks noGrp="1"/>
+          </p:cNvSpPr>
+          <p:nvPr>
+            <p:ph type="sldNum" sz="quarter" idx="12"/>
+          </p:nvPr>
+        </p:nvSpPr>
+        <p:spPr/>
+        <p:txBody>
+          <a:bodyPr/>
+          <a:lstStyle/>
+          <a:p>
+            <a:fld id="{7A1D8CC2-AC32-48BF-A9F5-B79D7A95954F}" type="slidenum">
+              <a:rPr lang="en-US" altLang="it-IT" smtClean="0"/>
+              <a:pPr/>
+              <a:t>14</a:t>
+            </a:fld>
+            <a:endParaRPr lang="en-US" altLang="it-IT" dirty="0"/>
+          </a:p>
+        </p:txBody>
+      </p:sp>
+      <p:sp>
+        <p:nvSpPr>
+          <p:cNvPr id="8" name="CasellaDiTesto 7">
+            <a:extLst>
+              <a:ext uri="{FF2B5EF4-FFF2-40B4-BE49-F238E27FC236}">
+                <a16:creationId xmlns:a16="http://schemas.microsoft.com/office/drawing/2014/main" id="{A71E20D8-E1E9-4E76-A56C-54CDB617BD00}"/>
+              </a:ext>
+            </a:extLst>
+          </p:cNvPr>
+          <p:cNvSpPr txBox="1"/>
+          <p:nvPr/>
+        </p:nvSpPr>
+        <p:spPr>
+          <a:xfrm>
+            <a:off x="15875" y="1053187"/>
+            <a:ext cx="8993096" cy="3170099"/>
+          </a:xfrm>
+          <a:prstGeom prst="rect">
+            <a:avLst/>
+          </a:prstGeom>
+          <a:noFill/>
+        </p:spPr>
+        <p:txBody>
+          <a:bodyPr wrap="square" rtlCol="0">
+            <a:spAutoFit/>
+          </a:bodyPr>
+          <a:lstStyle/>
+          <a:p>
+            <a:pPr algn="just"/>
+            <a:r>
+              <a:rPr lang="it-IT" sz="2000" dirty="0">
+                <a:latin typeface="+mj-lt"/>
+              </a:rPr>
+              <a:t>La </a:t>
+            </a:r>
+            <a:r>
+              <a:rPr lang="it-IT" sz="2000" i="1" dirty="0" err="1">
+                <a:solidFill>
+                  <a:srgbClr val="0070C0"/>
+                </a:solidFill>
+                <a:latin typeface="+mj-lt"/>
+              </a:rPr>
+              <a:t>structural</a:t>
+            </a:r>
+            <a:r>
+              <a:rPr lang="it-IT" sz="2000" dirty="0">
+                <a:solidFill>
+                  <a:srgbClr val="0070C0"/>
+                </a:solidFill>
+                <a:latin typeface="+mj-lt"/>
+              </a:rPr>
+              <a:t> </a:t>
+            </a:r>
+            <a:r>
+              <a:rPr lang="it-IT" sz="2000" i="1" dirty="0" err="1">
+                <a:solidFill>
+                  <a:srgbClr val="0070C0"/>
+                </a:solidFill>
+                <a:latin typeface="+mj-lt"/>
+              </a:rPr>
+              <a:t>identity</a:t>
+            </a:r>
+            <a:r>
+              <a:rPr lang="it-IT" sz="2000" dirty="0">
+                <a:solidFill>
+                  <a:srgbClr val="0070C0"/>
+                </a:solidFill>
+                <a:latin typeface="+mj-lt"/>
+              </a:rPr>
+              <a:t> </a:t>
+            </a:r>
+            <a:r>
+              <a:rPr lang="it-IT" sz="2000" dirty="0">
+                <a:latin typeface="+mj-lt"/>
+              </a:rPr>
+              <a:t>corrisponde ad un concetto di </a:t>
+            </a:r>
+            <a:r>
+              <a:rPr lang="it-IT" sz="2000" i="1" dirty="0">
+                <a:latin typeface="+mj-lt"/>
+              </a:rPr>
+              <a:t>simmetria</a:t>
+            </a:r>
+            <a:r>
+              <a:rPr lang="it-IT" sz="2000" dirty="0">
+                <a:latin typeface="+mj-lt"/>
+              </a:rPr>
+              <a:t> nel quale i nodi di una rete vengono identificati in base alla struttura della rete stessa e tramite relazioni con altri nodi.</a:t>
+            </a:r>
+          </a:p>
+          <a:p>
+            <a:pPr algn="just"/>
+            <a:endParaRPr lang="it-IT" sz="2000" dirty="0">
+              <a:latin typeface="+mj-lt"/>
+            </a:endParaRPr>
+          </a:p>
+          <a:p>
+            <a:pPr algn="just"/>
+            <a:r>
+              <a:rPr lang="it-IT" sz="2000" b="1" i="1" dirty="0">
+                <a:solidFill>
+                  <a:srgbClr val="0033CC"/>
+                </a:solidFill>
+                <a:latin typeface="+mj-lt"/>
+              </a:rPr>
+              <a:t>struc2vec</a:t>
+            </a:r>
+            <a:endParaRPr lang="it-IT" sz="2000" dirty="0">
+              <a:latin typeface="+mj-lt"/>
+            </a:endParaRPr>
+          </a:p>
+          <a:p>
+            <a:pPr algn="just"/>
+            <a:r>
+              <a:rPr lang="it-IT" sz="2000" dirty="0">
+                <a:latin typeface="+mj-lt"/>
+              </a:rPr>
+              <a:t>1) è un framework flessibile per l’apprendimento di </a:t>
+            </a:r>
+            <a:r>
+              <a:rPr lang="it-IT" sz="2000" i="1" dirty="0" err="1">
+                <a:latin typeface="+mj-lt"/>
+              </a:rPr>
+              <a:t>latent</a:t>
+            </a:r>
+            <a:r>
+              <a:rPr lang="it-IT" sz="2000" i="1" dirty="0">
+                <a:latin typeface="+mj-lt"/>
+              </a:rPr>
+              <a:t> </a:t>
+            </a:r>
+            <a:r>
+              <a:rPr lang="it-IT" sz="2000" i="1" dirty="0" err="1">
+                <a:latin typeface="+mj-lt"/>
+              </a:rPr>
+              <a:t>representations</a:t>
+            </a:r>
+            <a:r>
+              <a:rPr lang="it-IT" sz="2000" i="1" dirty="0">
+                <a:latin typeface="+mj-lt"/>
+              </a:rPr>
+              <a:t> </a:t>
+            </a:r>
+            <a:r>
+              <a:rPr lang="it-IT" sz="2000" dirty="0">
+                <a:latin typeface="+mj-lt"/>
+              </a:rPr>
+              <a:t>per l’identità strutturale dei nodi;</a:t>
+            </a:r>
+          </a:p>
+          <a:p>
+            <a:pPr algn="just"/>
+            <a:r>
+              <a:rPr lang="it-IT" sz="2000" dirty="0">
+                <a:latin typeface="+mj-lt"/>
+              </a:rPr>
+              <a:t>2) Utilizza un </a:t>
+            </a:r>
+            <a:r>
+              <a:rPr lang="it-IT" sz="2000" dirty="0">
+                <a:solidFill>
+                  <a:srgbClr val="C00000"/>
+                </a:solidFill>
+                <a:latin typeface="+mj-lt"/>
+              </a:rPr>
+              <a:t>grafo multi-livello</a:t>
+            </a:r>
+            <a:r>
+              <a:rPr lang="it-IT" sz="2000" dirty="0">
+                <a:latin typeface="+mj-lt"/>
+              </a:rPr>
+              <a:t>;</a:t>
+            </a:r>
+          </a:p>
+          <a:p>
+            <a:pPr algn="just"/>
+            <a:r>
+              <a:rPr lang="it-IT" sz="2000" dirty="0">
+                <a:latin typeface="+mj-lt"/>
+              </a:rPr>
+              <a:t>3) È molto performante.</a:t>
+            </a:r>
+          </a:p>
+          <a:p>
+            <a:pPr algn="just"/>
+            <a:endParaRPr lang="it-IT" sz="2000" dirty="0">
+              <a:latin typeface="+mj-lt"/>
+            </a:endParaRPr>
+          </a:p>
+        </p:txBody>
+      </p:sp>
+    </p:spTree>
+    <p:extLst>
+      <p:ext uri="{BB962C8B-B14F-4D97-AF65-F5344CB8AC3E}">
+        <p14:creationId xmlns:p14="http://schemas.microsoft.com/office/powerpoint/2010/main" val="4258454837"/>
+      </p:ext>
+    </p:extLst>
+  </p:cSld>
+  <p:clrMapOvr>
+    <a:masterClrMapping/>
+  </p:clrMapOvr>
+</p:sld>
+</file>
+
+<file path=ppt/slides/slide15.xml><?xml version="1.0" encoding="utf-8"?>
+<p:sld xmlns:a="http://schemas.openxmlformats.org/drawingml/2006/main" xmlns:r="http://schemas.openxmlformats.org/officeDocument/2006/relationships" xmlns:p="http://schemas.openxmlformats.org/presentationml/2006/main">
+  <p:cSld>
+    <p:spTree>
+      <p:nvGrpSpPr>
+        <p:cNvPr id="1" name=""/>
+        <p:cNvGrpSpPr/>
+        <p:nvPr/>
+      </p:nvGrpSpPr>
+      <p:grpSpPr>
+        <a:xfrm>
+          <a:off x="0" y="0"/>
+          <a:ext cx="0" cy="0"/>
+          <a:chOff x="0" y="0"/>
+          <a:chExt cx="0" cy="0"/>
+        </a:xfrm>
+      </p:grpSpPr>
+      <p:sp>
+        <p:nvSpPr>
+          <p:cNvPr id="6" name="Title 1">
+            <a:extLst>
+              <a:ext uri="{FF2B5EF4-FFF2-40B4-BE49-F238E27FC236}">
+                <a16:creationId xmlns:a16="http://schemas.microsoft.com/office/drawing/2014/main" id="{B6FD3924-BD2E-47EB-8DCD-3AD635AE70B8}"/>
+              </a:ext>
+            </a:extLst>
+          </p:cNvPr>
+          <p:cNvSpPr txBox="1">
+            <a:spLocks/>
+          </p:cNvSpPr>
+          <p:nvPr/>
+        </p:nvSpPr>
+        <p:spPr bwMode="auto">
+          <a:xfrm>
+            <a:off x="15875" y="165692"/>
+            <a:ext cx="8842375" cy="1016000"/>
+          </a:xfrm>
+          <a:prstGeom prst="rect">
+            <a:avLst/>
+          </a:prstGeom>
+          <a:noFill/>
+          <a:ln>
+            <a:noFill/>
+          </a:ln>
+          <a:extLst>
+            <a:ext uri="{909E8E84-426E-40DD-AFC4-6F175D3DCCD1}">
+              <a14:hiddenFill xmlns:a14="http://schemas.microsoft.com/office/drawing/2010/main">
+                <a:solidFill>
+                  <a:srgbClr val="FFFFFF"/>
+                </a:solidFill>
+              </a14:hiddenFill>
+            </a:ext>
+            <a:ext uri="{91240B29-F687-4F45-9708-019B960494DF}">
+              <a14:hiddenLine xmlns:a14="http://schemas.microsoft.com/office/drawing/2010/main" w="9525">
+                <a:solidFill>
+                  <a:srgbClr val="000000"/>
+                </a:solidFill>
+                <a:miter lim="800000"/>
+                <a:headEnd/>
+                <a:tailEnd/>
+              </a14:hiddenLine>
+            </a:ext>
+          </a:extLst>
+        </p:spPr>
+        <p:txBody>
+          <a:bodyPr/>
+          <a:lstStyle>
+            <a:lvl1pPr eaLnBrk="0" hangingPunct="0">
+              <a:defRPr sz="2400">
+                <a:solidFill>
+                  <a:schemeClr val="tx1"/>
+                </a:solidFill>
+                <a:latin typeface="Arial" panose="020B0604020202020204" pitchFamily="34" charset="0"/>
+                <a:ea typeface="MS PGothic" panose="020B0600070205080204" pitchFamily="34" charset="-128"/>
+              </a:defRPr>
+            </a:lvl1pPr>
+            <a:lvl2pPr marL="742950" indent="-285750" eaLnBrk="0" hangingPunct="0">
+              <a:defRPr sz="2400">
+                <a:solidFill>
+                  <a:schemeClr val="tx1"/>
+                </a:solidFill>
+                <a:latin typeface="Arial" panose="020B0604020202020204" pitchFamily="34" charset="0"/>
+                <a:ea typeface="MS PGothic" panose="020B0600070205080204" pitchFamily="34" charset="-128"/>
+              </a:defRPr>
+            </a:lvl2pPr>
+            <a:lvl3pPr marL="1143000" indent="-228600" eaLnBrk="0" hangingPunct="0">
+              <a:defRPr sz="2400">
+                <a:solidFill>
+                  <a:schemeClr val="tx1"/>
+                </a:solidFill>
+                <a:latin typeface="Arial" panose="020B0604020202020204" pitchFamily="34" charset="0"/>
+                <a:ea typeface="MS PGothic" panose="020B0600070205080204" pitchFamily="34" charset="-128"/>
+              </a:defRPr>
+            </a:lvl3pPr>
+            <a:lvl4pPr marL="1600200" indent="-228600" eaLnBrk="0" hangingPunct="0">
+              <a:defRPr sz="2400">
+                <a:solidFill>
+                  <a:schemeClr val="tx1"/>
+                </a:solidFill>
+                <a:latin typeface="Arial" panose="020B0604020202020204" pitchFamily="34" charset="0"/>
+                <a:ea typeface="MS PGothic" panose="020B0600070205080204" pitchFamily="34" charset="-128"/>
+              </a:defRPr>
+            </a:lvl4pPr>
+            <a:lvl5pPr marL="2057400" indent="-228600" eaLnBrk="0" hangingPunct="0">
+              <a:defRPr sz="2400">
+                <a:solidFill>
+                  <a:schemeClr val="tx1"/>
+                </a:solidFill>
+                <a:latin typeface="Arial" panose="020B0604020202020204" pitchFamily="34" charset="0"/>
+                <a:ea typeface="MS PGothic" panose="020B0600070205080204" pitchFamily="34" charset="-128"/>
+              </a:defRPr>
+            </a:lvl5pPr>
+            <a:lvl6pPr marL="2514600" indent="-228600" defTabSz="457200" eaLnBrk="0" fontAlgn="base" hangingPunct="0">
+              <a:spcBef>
+                <a:spcPct val="0"/>
+              </a:spcBef>
+              <a:spcAft>
+                <a:spcPct val="0"/>
+              </a:spcAft>
+              <a:defRPr sz="2400">
+                <a:solidFill>
+                  <a:schemeClr val="tx1"/>
+                </a:solidFill>
+                <a:latin typeface="Arial" panose="020B0604020202020204" pitchFamily="34" charset="0"/>
+                <a:ea typeface="MS PGothic" panose="020B0600070205080204" pitchFamily="34" charset="-128"/>
+              </a:defRPr>
+            </a:lvl6pPr>
+            <a:lvl7pPr marL="2971800" indent="-228600" defTabSz="457200" eaLnBrk="0" fontAlgn="base" hangingPunct="0">
+              <a:spcBef>
+                <a:spcPct val="0"/>
+              </a:spcBef>
+              <a:spcAft>
+                <a:spcPct val="0"/>
+              </a:spcAft>
+              <a:defRPr sz="2400">
+                <a:solidFill>
+                  <a:schemeClr val="tx1"/>
+                </a:solidFill>
+                <a:latin typeface="Arial" panose="020B0604020202020204" pitchFamily="34" charset="0"/>
+                <a:ea typeface="MS PGothic" panose="020B0600070205080204" pitchFamily="34" charset="-128"/>
+              </a:defRPr>
+            </a:lvl7pPr>
+            <a:lvl8pPr marL="3429000" indent="-228600" defTabSz="457200" eaLnBrk="0" fontAlgn="base" hangingPunct="0">
+              <a:spcBef>
+                <a:spcPct val="0"/>
+              </a:spcBef>
+              <a:spcAft>
+                <a:spcPct val="0"/>
+              </a:spcAft>
+              <a:defRPr sz="2400">
+                <a:solidFill>
+                  <a:schemeClr val="tx1"/>
+                </a:solidFill>
+                <a:latin typeface="Arial" panose="020B0604020202020204" pitchFamily="34" charset="0"/>
+                <a:ea typeface="MS PGothic" panose="020B0600070205080204" pitchFamily="34" charset="-128"/>
+              </a:defRPr>
+            </a:lvl8pPr>
+            <a:lvl9pPr marL="3886200" indent="-228600" defTabSz="457200" eaLnBrk="0" fontAlgn="base" hangingPunct="0">
+              <a:spcBef>
+                <a:spcPct val="0"/>
+              </a:spcBef>
+              <a:spcAft>
+                <a:spcPct val="0"/>
+              </a:spcAft>
+              <a:defRPr sz="2400">
+                <a:solidFill>
+                  <a:schemeClr val="tx1"/>
+                </a:solidFill>
+                <a:latin typeface="Arial" panose="020B0604020202020204" pitchFamily="34" charset="0"/>
+                <a:ea typeface="MS PGothic" panose="020B0600070205080204" pitchFamily="34" charset="-128"/>
+              </a:defRPr>
+            </a:lvl9pPr>
+          </a:lstStyle>
+          <a:p>
+            <a:r>
+              <a:rPr lang="en-US" altLang="it-IT" sz="3600" i="1" dirty="0">
+                <a:solidFill>
+                  <a:srgbClr val="FFFFFF"/>
+                </a:solidFill>
+                <a:latin typeface="Tw Cen MT" panose="020B0602020104020603" pitchFamily="34" charset="0"/>
+              </a:rPr>
+              <a:t>struc2vec</a:t>
+            </a:r>
+          </a:p>
+        </p:txBody>
+      </p:sp>
+      <p:sp>
+        <p:nvSpPr>
+          <p:cNvPr id="7" name="Segnaposto piè di pagina 6">
+            <a:extLst>
+              <a:ext uri="{FF2B5EF4-FFF2-40B4-BE49-F238E27FC236}">
+                <a16:creationId xmlns:a16="http://schemas.microsoft.com/office/drawing/2014/main" id="{1E30BB50-53E0-409B-A716-3FC50725C97C}"/>
+              </a:ext>
+            </a:extLst>
+          </p:cNvPr>
+          <p:cNvSpPr>
+            <a:spLocks noGrp="1"/>
+          </p:cNvSpPr>
+          <p:nvPr>
+            <p:ph type="ftr" sz="quarter" idx="11"/>
+          </p:nvPr>
+        </p:nvSpPr>
+        <p:spPr/>
+        <p:txBody>
+          <a:bodyPr/>
+          <a:lstStyle/>
+          <a:p>
+            <a:pPr>
+              <a:defRPr/>
+            </a:pPr>
+            <a:r>
+              <a:rPr lang="it-IT"/>
+              <a:t>Masiero L. Ivancich S.</a:t>
+            </a:r>
+            <a:endParaRPr lang="en-US" dirty="0"/>
+          </a:p>
+        </p:txBody>
+      </p:sp>
+      <p:sp>
+        <p:nvSpPr>
+          <p:cNvPr id="8" name="Segnaposto numero diapositiva 7">
+            <a:extLst>
+              <a:ext uri="{FF2B5EF4-FFF2-40B4-BE49-F238E27FC236}">
+                <a16:creationId xmlns:a16="http://schemas.microsoft.com/office/drawing/2014/main" id="{8CA95954-2B0C-414E-8C0B-DC1637B6207C}"/>
+              </a:ext>
+            </a:extLst>
+          </p:cNvPr>
+          <p:cNvSpPr>
+            <a:spLocks noGrp="1"/>
+          </p:cNvSpPr>
+          <p:nvPr>
+            <p:ph type="sldNum" sz="quarter" idx="12"/>
+          </p:nvPr>
+        </p:nvSpPr>
+        <p:spPr/>
+        <p:txBody>
+          <a:bodyPr/>
+          <a:lstStyle/>
+          <a:p>
+            <a:fld id="{7A1D8CC2-AC32-48BF-A9F5-B79D7A95954F}" type="slidenum">
+              <a:rPr lang="en-US" altLang="it-IT" smtClean="0"/>
+              <a:pPr/>
+              <a:t>15</a:t>
+            </a:fld>
+            <a:endParaRPr lang="en-US" altLang="it-IT" dirty="0"/>
+          </a:p>
+        </p:txBody>
+      </p:sp>
+      <mc:AlternateContent xmlns:mc="http://schemas.openxmlformats.org/markup-compatibility/2006" xmlns:a14="http://schemas.microsoft.com/office/drawing/2010/main">
+        <mc:Choice Requires="a14">
+          <p:sp>
+            <p:nvSpPr>
+              <p:cNvPr id="9" name="CasellaDiTesto 8">
+                <a:extLst>
+                  <a:ext uri="{FF2B5EF4-FFF2-40B4-BE49-F238E27FC236}">
+                    <a16:creationId xmlns:a16="http://schemas.microsoft.com/office/drawing/2014/main" id="{88AA56FF-90C2-4507-A628-A91372D584C0}"/>
+                  </a:ext>
+                </a:extLst>
+              </p:cNvPr>
+              <p:cNvSpPr txBox="1"/>
+              <p:nvPr/>
+            </p:nvSpPr>
+            <p:spPr>
+              <a:xfrm>
+                <a:off x="434975" y="2304414"/>
+                <a:ext cx="8289925" cy="3046988"/>
+              </a:xfrm>
+              <a:prstGeom prst="rect">
+                <a:avLst/>
+              </a:prstGeom>
+              <a:noFill/>
+            </p:spPr>
+            <p:txBody>
+              <a:bodyPr wrap="square" rtlCol="0">
+                <a:spAutoFit/>
+              </a:bodyPr>
+              <a:lstStyle/>
+              <a:p>
+                <a:pPr algn="just"/>
+                <a:r>
+                  <a:rPr lang="it-IT" sz="2400" b="1" dirty="0">
+                    <a:solidFill>
+                      <a:srgbClr val="0000FF"/>
+                    </a:solidFill>
+                    <a:latin typeface="+mj-lt"/>
+                  </a:rPr>
+                  <a:t>4 FASI</a:t>
+                </a:r>
+              </a:p>
+              <a:p>
+                <a:pPr algn="just"/>
+                <a:r>
+                  <a:rPr lang="it-IT" sz="2400" dirty="0">
+                    <a:latin typeface="+mj-lt"/>
+                  </a:rPr>
+                  <a:t>1) Determinazione dell’</a:t>
+                </a:r>
+                <a:r>
+                  <a:rPr lang="it-IT" sz="2400" i="1" dirty="0">
+                    <a:latin typeface="+mj-lt"/>
+                  </a:rPr>
+                  <a:t>identità strutturale </a:t>
+                </a:r>
+                <a:r>
+                  <a:rPr lang="it-IT" sz="2400" dirty="0">
+                    <a:latin typeface="+mj-lt"/>
+                  </a:rPr>
+                  <a:t>tra due nodi;</a:t>
+                </a:r>
+              </a:p>
+              <a:p>
+                <a:pPr algn="just"/>
+                <a:r>
+                  <a:rPr lang="it-IT" sz="2400" dirty="0">
+                    <a:latin typeface="+mj-lt"/>
+                  </a:rPr>
+                  <a:t>2) Calcola </a:t>
+                </a:r>
+                <a14:m>
+                  <m:oMath xmlns:m="http://schemas.openxmlformats.org/officeDocument/2006/math">
+                    <m:sSub>
+                      <m:sSubPr>
+                        <m:ctrlPr>
+                          <a:rPr lang="it-IT" sz="2400" i="1" smtClean="0">
+                            <a:latin typeface="Cambria Math" panose="02040503050406030204" pitchFamily="18" charset="0"/>
+                          </a:rPr>
+                        </m:ctrlPr>
+                      </m:sSubPr>
+                      <m:e>
+                        <m:r>
+                          <a:rPr lang="it-IT" sz="2400" i="1" smtClean="0">
+                            <a:latin typeface="Cambria Math" panose="02040503050406030204" pitchFamily="18" charset="0"/>
+                          </a:rPr>
+                          <m:t>𝑅</m:t>
+                        </m:r>
+                      </m:e>
+                      <m:sub>
+                        <m:r>
+                          <a:rPr lang="it-IT" sz="2400" i="1" smtClean="0">
+                            <a:latin typeface="Cambria Math" panose="02040503050406030204" pitchFamily="18" charset="0"/>
+                          </a:rPr>
+                          <m:t>𝑘</m:t>
+                        </m:r>
+                      </m:sub>
+                    </m:sSub>
+                    <m:d>
+                      <m:dPr>
+                        <m:ctrlPr>
+                          <a:rPr lang="it-IT" sz="2400" i="1" smtClean="0">
+                            <a:latin typeface="Cambria Math" panose="02040503050406030204" pitchFamily="18" charset="0"/>
+                          </a:rPr>
+                        </m:ctrlPr>
+                      </m:dPr>
+                      <m:e>
+                        <m:r>
+                          <a:rPr lang="it-IT" sz="2400" i="1" smtClean="0">
+                            <a:latin typeface="Cambria Math" panose="02040503050406030204" pitchFamily="18" charset="0"/>
+                          </a:rPr>
+                          <m:t>𝑢</m:t>
+                        </m:r>
+                      </m:e>
+                    </m:d>
+                  </m:oMath>
+                </a14:m>
+                <a:r>
+                  <a:rPr lang="it-IT" sz="2400" dirty="0">
+                    <a:latin typeface="+mj-lt"/>
+                  </a:rPr>
+                  <a:t>: insiemi dei nodi a distanza </a:t>
+                </a:r>
+                <a14:m>
+                  <m:oMath xmlns:m="http://schemas.openxmlformats.org/officeDocument/2006/math">
+                    <m:r>
+                      <a:rPr lang="it-IT" sz="2400" b="0" i="1" smtClean="0">
+                        <a:latin typeface="Cambria Math" panose="02040503050406030204" pitchFamily="18" charset="0"/>
+                      </a:rPr>
+                      <m:t>𝑘</m:t>
+                    </m:r>
+                    <m:r>
+                      <a:rPr lang="it-IT" sz="2400" b="0" i="1" smtClean="0">
+                        <a:latin typeface="Cambria Math" panose="02040503050406030204" pitchFamily="18" charset="0"/>
+                      </a:rPr>
+                      <m:t>≥0</m:t>
+                    </m:r>
+                  </m:oMath>
+                </a14:m>
+                <a:r>
+                  <a:rPr lang="it-IT" sz="2400" dirty="0">
+                    <a:latin typeface="+mj-lt"/>
+                  </a:rPr>
+                  <a:t> da </a:t>
+                </a:r>
+                <a14:m>
+                  <m:oMath xmlns:m="http://schemas.openxmlformats.org/officeDocument/2006/math">
+                    <m:r>
+                      <a:rPr lang="it-IT" sz="2400" i="1" smtClean="0">
+                        <a:latin typeface="Cambria Math" panose="02040503050406030204" pitchFamily="18" charset="0"/>
+                      </a:rPr>
+                      <m:t>𝑢</m:t>
+                    </m:r>
+                    <m:r>
+                      <a:rPr lang="it-IT" sz="2400" i="1" smtClean="0">
+                        <a:latin typeface="Cambria Math" panose="02040503050406030204" pitchFamily="18" charset="0"/>
+                      </a:rPr>
+                      <m:t>∈</m:t>
+                    </m:r>
+                    <m:r>
+                      <a:rPr lang="it-IT" sz="2400" i="1" smtClean="0">
+                        <a:latin typeface="Cambria Math" panose="02040503050406030204" pitchFamily="18" charset="0"/>
+                      </a:rPr>
+                      <m:t>𝐺</m:t>
+                    </m:r>
+                    <m:r>
+                      <a:rPr lang="it-IT" sz="2400" b="0" i="1" smtClean="0">
+                        <a:latin typeface="Cambria Math" panose="02040503050406030204" pitchFamily="18" charset="0"/>
+                      </a:rPr>
+                      <m:t>;</m:t>
+                    </m:r>
+                  </m:oMath>
+                </a14:m>
+                <a:endParaRPr lang="it-IT" sz="2400" b="0" dirty="0">
+                  <a:latin typeface="+mj-lt"/>
+                </a:endParaRPr>
+              </a:p>
+              <a:p>
+                <a:pPr algn="just"/>
+                <a:r>
+                  <a:rPr lang="it-IT" sz="2400" dirty="0">
+                    <a:latin typeface="+mj-lt"/>
+                  </a:rPr>
+                  <a:t>3) Compara sequenze con DTW e costruisce un grafo multi-livello pesato;</a:t>
+                </a:r>
+              </a:p>
+              <a:p>
+                <a:pPr algn="just"/>
+                <a:r>
+                  <a:rPr lang="it-IT" sz="2400" dirty="0">
+                    <a:latin typeface="+mj-lt"/>
+                  </a:rPr>
+                  <a:t>4) Utilizza una tecnica di </a:t>
+                </a:r>
+                <a:r>
+                  <a:rPr lang="it-IT" sz="2400" i="1" dirty="0" err="1">
+                    <a:solidFill>
+                      <a:srgbClr val="7030A0"/>
+                    </a:solidFill>
+                    <a:latin typeface="+mj-lt"/>
+                  </a:rPr>
+                  <a:t>unsupervised</a:t>
+                </a:r>
+                <a:r>
+                  <a:rPr lang="it-IT" sz="2400" dirty="0">
+                    <a:solidFill>
+                      <a:srgbClr val="7030A0"/>
+                    </a:solidFill>
+                    <a:latin typeface="+mj-lt"/>
+                  </a:rPr>
+                  <a:t> </a:t>
+                </a:r>
+                <a:r>
+                  <a:rPr lang="it-IT" sz="2400" i="1" dirty="0">
+                    <a:solidFill>
+                      <a:srgbClr val="7030A0"/>
+                    </a:solidFill>
+                    <a:latin typeface="+mj-lt"/>
+                  </a:rPr>
+                  <a:t>learning</a:t>
+                </a:r>
+                <a:r>
+                  <a:rPr lang="it-IT" sz="2400" dirty="0">
+                    <a:solidFill>
+                      <a:srgbClr val="7030A0"/>
+                    </a:solidFill>
+                    <a:latin typeface="+mj-lt"/>
+                  </a:rPr>
+                  <a:t> </a:t>
+                </a:r>
+                <a:r>
+                  <a:rPr lang="it-IT" sz="2400" dirty="0">
+                    <a:latin typeface="+mj-lt"/>
+                  </a:rPr>
+                  <a:t>per imparare le </a:t>
+                </a:r>
+                <a:r>
+                  <a:rPr lang="it-IT" sz="2400" i="1" dirty="0" err="1">
+                    <a:latin typeface="+mj-lt"/>
+                  </a:rPr>
+                  <a:t>latent</a:t>
+                </a:r>
+                <a:r>
+                  <a:rPr lang="it-IT" sz="2400" dirty="0">
+                    <a:latin typeface="+mj-lt"/>
+                  </a:rPr>
+                  <a:t> </a:t>
+                </a:r>
+                <a:r>
+                  <a:rPr lang="it-IT" sz="2400" i="1" dirty="0" err="1">
+                    <a:latin typeface="+mj-lt"/>
+                  </a:rPr>
+                  <a:t>representations</a:t>
+                </a:r>
+                <a:r>
+                  <a:rPr lang="it-IT" sz="2400" dirty="0">
+                    <a:latin typeface="+mj-lt"/>
+                  </a:rPr>
+                  <a:t>.</a:t>
+                </a:r>
+              </a:p>
+              <a:p>
+                <a:pPr algn="just"/>
+                <a:endParaRPr lang="it-IT" sz="2400" dirty="0">
+                  <a:latin typeface="+mj-lt"/>
+                </a:endParaRPr>
+              </a:p>
+            </p:txBody>
+          </p:sp>
+        </mc:Choice>
+        <mc:Fallback xmlns="">
+          <p:sp>
+            <p:nvSpPr>
+              <p:cNvPr id="9" name="CasellaDiTesto 8">
+                <a:extLst>
+                  <a:ext uri="{FF2B5EF4-FFF2-40B4-BE49-F238E27FC236}">
+                    <a16:creationId xmlns:a16="http://schemas.microsoft.com/office/drawing/2014/main" id="{88AA56FF-90C2-4507-A628-A91372D584C0}"/>
+                  </a:ext>
+                </a:extLst>
+              </p:cNvPr>
+              <p:cNvSpPr txBox="1">
+                <a:spLocks noRot="1" noChangeAspect="1" noMove="1" noResize="1" noEditPoints="1" noAdjustHandles="1" noChangeArrowheads="1" noChangeShapeType="1" noTextEdit="1"/>
+              </p:cNvSpPr>
+              <p:nvPr/>
+            </p:nvSpPr>
+            <p:spPr>
+              <a:xfrm>
+                <a:off x="434975" y="2304414"/>
+                <a:ext cx="8289925" cy="3046988"/>
+              </a:xfrm>
+              <a:prstGeom prst="rect">
+                <a:avLst/>
+              </a:prstGeom>
+              <a:blipFill>
+                <a:blip r:embed="rId3"/>
+                <a:stretch>
+                  <a:fillRect l="-1103" t="-1600" r="-1176"/>
+                </a:stretch>
+              </a:blipFill>
+            </p:spPr>
+            <p:txBody>
+              <a:bodyPr/>
+              <a:lstStyle/>
+              <a:p>
+                <a:r>
+                  <a:rPr lang="it-IT">
+                    <a:noFill/>
+                  </a:rPr>
+                  <a:t> </a:t>
+                </a:r>
+              </a:p>
+            </p:txBody>
+          </p:sp>
+        </mc:Fallback>
+      </mc:AlternateContent>
+    </p:spTree>
+    <p:extLst>
+      <p:ext uri="{BB962C8B-B14F-4D97-AF65-F5344CB8AC3E}">
+        <p14:creationId xmlns:p14="http://schemas.microsoft.com/office/powerpoint/2010/main" val="3925322485"/>
+      </p:ext>
+    </p:extLst>
+  </p:cSld>
+  <p:clrMapOvr>
+    <a:masterClrMapping/>
+  </p:clrMapOvr>
+</p:sld>
+</file>
+
+<file path=ppt/slides/slide16.xml><?xml version="1.0" encoding="utf-8"?>
+<p:sld xmlns:a="http://schemas.openxmlformats.org/drawingml/2006/main" xmlns:r="http://schemas.openxmlformats.org/officeDocument/2006/relationships" xmlns:p="http://schemas.openxmlformats.org/presentationml/2006/main">
+  <p:cSld>
+    <p:spTree>
+      <p:nvGrpSpPr>
+        <p:cNvPr id="1" name=""/>
+        <p:cNvGrpSpPr/>
+        <p:nvPr/>
+      </p:nvGrpSpPr>
+      <p:grpSpPr>
+        <a:xfrm>
+          <a:off x="0" y="0"/>
+          <a:ext cx="0" cy="0"/>
+          <a:chOff x="0" y="0"/>
+          <a:chExt cx="0" cy="0"/>
+        </a:xfrm>
+      </p:grpSpPr>
+      <p:sp>
+        <p:nvSpPr>
+          <p:cNvPr id="6" name="Title 1">
+            <a:extLst>
+              <a:ext uri="{FF2B5EF4-FFF2-40B4-BE49-F238E27FC236}">
+                <a16:creationId xmlns:a16="http://schemas.microsoft.com/office/drawing/2014/main" id="{B6FD3924-BD2E-47EB-8DCD-3AD635AE70B8}"/>
+              </a:ext>
+            </a:extLst>
+          </p:cNvPr>
+          <p:cNvSpPr txBox="1">
+            <a:spLocks/>
+          </p:cNvSpPr>
+          <p:nvPr/>
+        </p:nvSpPr>
+        <p:spPr bwMode="auto">
+          <a:xfrm>
+            <a:off x="15875" y="165692"/>
+            <a:ext cx="8842375" cy="1016000"/>
+          </a:xfrm>
+          <a:prstGeom prst="rect">
+            <a:avLst/>
+          </a:prstGeom>
+          <a:noFill/>
+          <a:ln>
+            <a:noFill/>
+          </a:ln>
+          <a:extLst>
+            <a:ext uri="{909E8E84-426E-40DD-AFC4-6F175D3DCCD1}">
+              <a14:hiddenFill xmlns:a14="http://schemas.microsoft.com/office/drawing/2010/main">
+                <a:solidFill>
+                  <a:srgbClr val="FFFFFF"/>
+                </a:solidFill>
+              </a14:hiddenFill>
+            </a:ext>
+            <a:ext uri="{91240B29-F687-4F45-9708-019B960494DF}">
+              <a14:hiddenLine xmlns:a14="http://schemas.microsoft.com/office/drawing/2010/main" w="9525">
+                <a:solidFill>
+                  <a:srgbClr val="000000"/>
+                </a:solidFill>
+                <a:miter lim="800000"/>
+                <a:headEnd/>
+                <a:tailEnd/>
+              </a14:hiddenLine>
+            </a:ext>
+          </a:extLst>
+        </p:spPr>
+        <p:txBody>
+          <a:bodyPr/>
+          <a:lstStyle>
+            <a:lvl1pPr eaLnBrk="0" hangingPunct="0">
+              <a:defRPr sz="2400">
+                <a:solidFill>
+                  <a:schemeClr val="tx1"/>
+                </a:solidFill>
+                <a:latin typeface="Arial" panose="020B0604020202020204" pitchFamily="34" charset="0"/>
+                <a:ea typeface="MS PGothic" panose="020B0600070205080204" pitchFamily="34" charset="-128"/>
+              </a:defRPr>
+            </a:lvl1pPr>
+            <a:lvl2pPr marL="742950" indent="-285750" eaLnBrk="0" hangingPunct="0">
+              <a:defRPr sz="2400">
+                <a:solidFill>
+                  <a:schemeClr val="tx1"/>
+                </a:solidFill>
+                <a:latin typeface="Arial" panose="020B0604020202020204" pitchFamily="34" charset="0"/>
+                <a:ea typeface="MS PGothic" panose="020B0600070205080204" pitchFamily="34" charset="-128"/>
+              </a:defRPr>
+            </a:lvl2pPr>
+            <a:lvl3pPr marL="1143000" indent="-228600" eaLnBrk="0" hangingPunct="0">
+              <a:defRPr sz="2400">
+                <a:solidFill>
+                  <a:schemeClr val="tx1"/>
+                </a:solidFill>
+                <a:latin typeface="Arial" panose="020B0604020202020204" pitchFamily="34" charset="0"/>
+                <a:ea typeface="MS PGothic" panose="020B0600070205080204" pitchFamily="34" charset="-128"/>
+              </a:defRPr>
+            </a:lvl3pPr>
+            <a:lvl4pPr marL="1600200" indent="-228600" eaLnBrk="0" hangingPunct="0">
+              <a:defRPr sz="2400">
+                <a:solidFill>
+                  <a:schemeClr val="tx1"/>
+                </a:solidFill>
+                <a:latin typeface="Arial" panose="020B0604020202020204" pitchFamily="34" charset="0"/>
+                <a:ea typeface="MS PGothic" panose="020B0600070205080204" pitchFamily="34" charset="-128"/>
+              </a:defRPr>
+            </a:lvl4pPr>
+            <a:lvl5pPr marL="2057400" indent="-228600" eaLnBrk="0" hangingPunct="0">
+              <a:defRPr sz="2400">
+                <a:solidFill>
+                  <a:schemeClr val="tx1"/>
+                </a:solidFill>
+                <a:latin typeface="Arial" panose="020B0604020202020204" pitchFamily="34" charset="0"/>
+                <a:ea typeface="MS PGothic" panose="020B0600070205080204" pitchFamily="34" charset="-128"/>
+              </a:defRPr>
+            </a:lvl5pPr>
+            <a:lvl6pPr marL="2514600" indent="-228600" defTabSz="457200" eaLnBrk="0" fontAlgn="base" hangingPunct="0">
+              <a:spcBef>
+                <a:spcPct val="0"/>
+              </a:spcBef>
+              <a:spcAft>
+                <a:spcPct val="0"/>
+              </a:spcAft>
+              <a:defRPr sz="2400">
+                <a:solidFill>
+                  <a:schemeClr val="tx1"/>
+                </a:solidFill>
+                <a:latin typeface="Arial" panose="020B0604020202020204" pitchFamily="34" charset="0"/>
+                <a:ea typeface="MS PGothic" panose="020B0600070205080204" pitchFamily="34" charset="-128"/>
+              </a:defRPr>
+            </a:lvl6pPr>
+            <a:lvl7pPr marL="2971800" indent="-228600" defTabSz="457200" eaLnBrk="0" fontAlgn="base" hangingPunct="0">
+              <a:spcBef>
+                <a:spcPct val="0"/>
+              </a:spcBef>
+              <a:spcAft>
+                <a:spcPct val="0"/>
+              </a:spcAft>
+              <a:defRPr sz="2400">
+                <a:solidFill>
+                  <a:schemeClr val="tx1"/>
+                </a:solidFill>
+                <a:latin typeface="Arial" panose="020B0604020202020204" pitchFamily="34" charset="0"/>
+                <a:ea typeface="MS PGothic" panose="020B0600070205080204" pitchFamily="34" charset="-128"/>
+              </a:defRPr>
+            </a:lvl7pPr>
+            <a:lvl8pPr marL="3429000" indent="-228600" defTabSz="457200" eaLnBrk="0" fontAlgn="base" hangingPunct="0">
+              <a:spcBef>
+                <a:spcPct val="0"/>
+              </a:spcBef>
+              <a:spcAft>
+                <a:spcPct val="0"/>
+              </a:spcAft>
+              <a:defRPr sz="2400">
+                <a:solidFill>
+                  <a:schemeClr val="tx1"/>
+                </a:solidFill>
+                <a:latin typeface="Arial" panose="020B0604020202020204" pitchFamily="34" charset="0"/>
+                <a:ea typeface="MS PGothic" panose="020B0600070205080204" pitchFamily="34" charset="-128"/>
+              </a:defRPr>
+            </a:lvl8pPr>
+            <a:lvl9pPr marL="3886200" indent="-228600" defTabSz="457200" eaLnBrk="0" fontAlgn="base" hangingPunct="0">
+              <a:spcBef>
+                <a:spcPct val="0"/>
+              </a:spcBef>
+              <a:spcAft>
+                <a:spcPct val="0"/>
+              </a:spcAft>
+              <a:defRPr sz="2400">
+                <a:solidFill>
+                  <a:schemeClr val="tx1"/>
+                </a:solidFill>
+                <a:latin typeface="Arial" panose="020B0604020202020204" pitchFamily="34" charset="0"/>
+                <a:ea typeface="MS PGothic" panose="020B0600070205080204" pitchFamily="34" charset="-128"/>
+              </a:defRPr>
+            </a:lvl9pPr>
+          </a:lstStyle>
+          <a:p>
+            <a:r>
+              <a:rPr lang="en-US" altLang="it-IT" sz="3600" i="1" dirty="0">
+                <a:solidFill>
+                  <a:srgbClr val="FFFFFF"/>
+                </a:solidFill>
+                <a:latin typeface="Tw Cen MT" panose="020B0602020104020603" pitchFamily="34" charset="0"/>
+              </a:rPr>
+              <a:t>struc2vec </a:t>
+            </a:r>
+            <a:r>
+              <a:rPr lang="en-US" altLang="it-IT" sz="3600" dirty="0">
+                <a:solidFill>
+                  <a:srgbClr val="FFFFFF"/>
+                </a:solidFill>
+                <a:latin typeface="Tw Cen MT" panose="020B0602020104020603" pitchFamily="34" charset="0"/>
+              </a:rPr>
+              <a:t>vs </a:t>
+            </a:r>
+            <a:r>
+              <a:rPr lang="en-US" altLang="it-IT" sz="3600" i="1" dirty="0" err="1">
+                <a:solidFill>
+                  <a:srgbClr val="FFFFFF"/>
+                </a:solidFill>
+                <a:latin typeface="Tw Cen MT" panose="020B0602020104020603" pitchFamily="34" charset="0"/>
+              </a:rPr>
+              <a:t>DeepWalk</a:t>
+            </a:r>
+            <a:r>
+              <a:rPr lang="en-US" altLang="it-IT" sz="3600" dirty="0">
+                <a:solidFill>
+                  <a:srgbClr val="FFFFFF"/>
+                </a:solidFill>
+                <a:latin typeface="Tw Cen MT" panose="020B0602020104020603" pitchFamily="34" charset="0"/>
+              </a:rPr>
+              <a:t> e </a:t>
+            </a:r>
+            <a:r>
+              <a:rPr lang="en-US" altLang="it-IT" sz="3600" i="1" dirty="0">
+                <a:solidFill>
+                  <a:srgbClr val="FFFFFF"/>
+                </a:solidFill>
+                <a:latin typeface="Tw Cen MT" panose="020B0602020104020603" pitchFamily="34" charset="0"/>
+              </a:rPr>
+              <a:t>node2vec</a:t>
+            </a:r>
+          </a:p>
+        </p:txBody>
+      </p:sp>
+      <p:sp>
+        <p:nvSpPr>
+          <p:cNvPr id="3" name="Segnaposto piè di pagina 2">
+            <a:extLst>
+              <a:ext uri="{FF2B5EF4-FFF2-40B4-BE49-F238E27FC236}">
+                <a16:creationId xmlns:a16="http://schemas.microsoft.com/office/drawing/2014/main" id="{E250C3CF-1955-4896-A806-CE5DDC834974}"/>
+              </a:ext>
+            </a:extLst>
+          </p:cNvPr>
+          <p:cNvSpPr>
+            <a:spLocks noGrp="1"/>
+          </p:cNvSpPr>
+          <p:nvPr>
+            <p:ph type="ftr" sz="quarter" idx="11"/>
+          </p:nvPr>
+        </p:nvSpPr>
+        <p:spPr/>
+        <p:txBody>
+          <a:bodyPr/>
+          <a:lstStyle/>
+          <a:p>
+            <a:pPr>
+              <a:defRPr/>
+            </a:pPr>
+            <a:r>
+              <a:rPr lang="it-IT" dirty="0"/>
+              <a:t>Masiero L. </a:t>
+            </a:r>
+            <a:r>
+              <a:rPr lang="it-IT" dirty="0" err="1"/>
+              <a:t>Ivancich</a:t>
+            </a:r>
+            <a:r>
+              <a:rPr lang="it-IT" dirty="0"/>
+              <a:t> S.</a:t>
+            </a:r>
+            <a:endParaRPr lang="en-US" dirty="0"/>
+          </a:p>
+        </p:txBody>
+      </p:sp>
+      <p:sp>
+        <p:nvSpPr>
+          <p:cNvPr id="4" name="Segnaposto numero diapositiva 3">
+            <a:extLst>
+              <a:ext uri="{FF2B5EF4-FFF2-40B4-BE49-F238E27FC236}">
+                <a16:creationId xmlns:a16="http://schemas.microsoft.com/office/drawing/2014/main" id="{5C0935C8-2051-45CC-A755-E45239AABEA6}"/>
+              </a:ext>
+            </a:extLst>
+          </p:cNvPr>
+          <p:cNvSpPr>
+            <a:spLocks noGrp="1"/>
+          </p:cNvSpPr>
+          <p:nvPr>
+            <p:ph type="sldNum" sz="quarter" idx="12"/>
+          </p:nvPr>
+        </p:nvSpPr>
+        <p:spPr/>
+        <p:txBody>
+          <a:bodyPr/>
+          <a:lstStyle/>
+          <a:p>
+            <a:fld id="{7A1D8CC2-AC32-48BF-A9F5-B79D7A95954F}" type="slidenum">
+              <a:rPr lang="en-US" altLang="it-IT" smtClean="0"/>
+              <a:pPr/>
+              <a:t>16</a:t>
+            </a:fld>
+            <a:endParaRPr lang="en-US" altLang="it-IT" dirty="0"/>
+          </a:p>
+        </p:txBody>
+      </p:sp>
+      <p:pic>
+        <p:nvPicPr>
+          <p:cNvPr id="10" name="Immagine 9" descr="Immagine che contiene disegnando&#10;&#10;Descrizione generata automaticamente">
+            <a:extLst>
+              <a:ext uri="{FF2B5EF4-FFF2-40B4-BE49-F238E27FC236}">
+                <a16:creationId xmlns:a16="http://schemas.microsoft.com/office/drawing/2014/main" id="{7E65633A-BC63-436F-A0A0-EA2E0BAE6D1F}"/>
+              </a:ext>
+            </a:extLst>
+          </p:cNvPr>
+          <p:cNvPicPr>
+            <a:picLocks noChangeAspect="1"/>
+          </p:cNvPicPr>
+          <p:nvPr/>
+        </p:nvPicPr>
+        <p:blipFill>
+          <a:blip r:embed="rId2"/>
+          <a:stretch>
+            <a:fillRect/>
+          </a:stretch>
+        </p:blipFill>
+        <p:spPr>
+          <a:xfrm>
+            <a:off x="616688" y="1421587"/>
+            <a:ext cx="5181850" cy="2215473"/>
+          </a:xfrm>
+          <a:prstGeom prst="rect">
+            <a:avLst/>
+          </a:prstGeom>
+        </p:spPr>
+      </p:pic>
+      <p:pic>
+        <p:nvPicPr>
+          <p:cNvPr id="7" name="Immagine 6" descr="Immagine che contiene mappa, testo, cucina, bianco&#10;&#10;Descrizione generata automaticamente">
+            <a:extLst>
+              <a:ext uri="{FF2B5EF4-FFF2-40B4-BE49-F238E27FC236}">
+                <a16:creationId xmlns:a16="http://schemas.microsoft.com/office/drawing/2014/main" id="{B810496C-0A70-4552-8D07-4ED76E86A4DD}"/>
+              </a:ext>
+            </a:extLst>
+          </p:cNvPr>
+          <p:cNvPicPr>
+            <a:picLocks noChangeAspect="1"/>
+          </p:cNvPicPr>
+          <p:nvPr/>
+        </p:nvPicPr>
+        <p:blipFill>
+          <a:blip r:embed="rId3"/>
+          <a:stretch>
+            <a:fillRect/>
+          </a:stretch>
+        </p:blipFill>
+        <p:spPr>
+          <a:xfrm>
+            <a:off x="-794" y="4002185"/>
+            <a:ext cx="9144000" cy="2473377"/>
+          </a:xfrm>
+          <a:prstGeom prst="rect">
+            <a:avLst/>
+          </a:prstGeom>
+        </p:spPr>
+      </p:pic>
+      <p:sp>
+        <p:nvSpPr>
+          <p:cNvPr id="2" name="CasellaDiTesto 1">
+            <a:extLst>
+              <a:ext uri="{FF2B5EF4-FFF2-40B4-BE49-F238E27FC236}">
+                <a16:creationId xmlns:a16="http://schemas.microsoft.com/office/drawing/2014/main" id="{80793CA3-A00E-41F4-8EC5-92591F07FDBB}"/>
+              </a:ext>
+            </a:extLst>
+          </p:cNvPr>
+          <p:cNvSpPr txBox="1"/>
+          <p:nvPr/>
+        </p:nvSpPr>
+        <p:spPr>
+          <a:xfrm>
+            <a:off x="6475228" y="2298490"/>
+            <a:ext cx="2052084" cy="461665"/>
+          </a:xfrm>
+          <a:prstGeom prst="rect">
+            <a:avLst/>
+          </a:prstGeom>
+          <a:noFill/>
+        </p:spPr>
+        <p:txBody>
+          <a:bodyPr wrap="square" rtlCol="0">
+            <a:spAutoFit/>
+          </a:bodyPr>
+          <a:lstStyle/>
+          <a:p>
+            <a:r>
+              <a:rPr lang="it-IT" sz="2400" i="1" dirty="0" err="1">
+                <a:solidFill>
+                  <a:srgbClr val="002060"/>
+                </a:solidFill>
+                <a:latin typeface="+mj-lt"/>
+              </a:rPr>
+              <a:t>Barbell</a:t>
+            </a:r>
+            <a:r>
+              <a:rPr lang="it-IT" sz="2400" i="1" dirty="0">
+                <a:solidFill>
+                  <a:srgbClr val="002060"/>
+                </a:solidFill>
+                <a:latin typeface="+mj-lt"/>
+              </a:rPr>
+              <a:t> </a:t>
+            </a:r>
+            <a:r>
+              <a:rPr lang="it-IT" sz="2400" i="1" dirty="0" err="1">
+                <a:solidFill>
+                  <a:srgbClr val="002060"/>
+                </a:solidFill>
+                <a:latin typeface="+mj-lt"/>
+              </a:rPr>
+              <a:t>graph</a:t>
+            </a:r>
+            <a:endParaRPr lang="it-IT" sz="2400" i="1" dirty="0">
+              <a:solidFill>
+                <a:srgbClr val="002060"/>
+              </a:solidFill>
+              <a:latin typeface="+mj-lt"/>
+            </a:endParaRPr>
+          </a:p>
+        </p:txBody>
+      </p:sp>
+    </p:spTree>
+    <p:extLst>
+      <p:ext uri="{BB962C8B-B14F-4D97-AF65-F5344CB8AC3E}">
+        <p14:creationId xmlns:p14="http://schemas.microsoft.com/office/powerpoint/2010/main" val="1582319596"/>
+      </p:ext>
+    </p:extLst>
+  </p:cSld>
+  <p:clrMapOvr>
+    <a:masterClrMapping/>
+  </p:clrMapOvr>
+</p:sld>
+</file>
+
+<file path=ppt/slides/slide17.xml><?xml version="1.0" encoding="utf-8"?>
+<p:sld xmlns:a="http://schemas.openxmlformats.org/drawingml/2006/main" xmlns:r="http://schemas.openxmlformats.org/officeDocument/2006/relationships" xmlns:p="http://schemas.openxmlformats.org/presentationml/2006/main">
+  <p:cSld>
+    <p:spTree>
+      <p:nvGrpSpPr>
+        <p:cNvPr id="1" name=""/>
+        <p:cNvGrpSpPr/>
+        <p:nvPr/>
+      </p:nvGrpSpPr>
+      <p:grpSpPr>
+        <a:xfrm>
+          <a:off x="0" y="0"/>
+          <a:ext cx="0" cy="0"/>
+          <a:chOff x="0" y="0"/>
+          <a:chExt cx="0" cy="0"/>
+        </a:xfrm>
+      </p:grpSpPr>
+      <p:sp>
+        <p:nvSpPr>
+          <p:cNvPr id="6" name="Title 1">
+            <a:extLst>
+              <a:ext uri="{FF2B5EF4-FFF2-40B4-BE49-F238E27FC236}">
+                <a16:creationId xmlns:a16="http://schemas.microsoft.com/office/drawing/2014/main" id="{B6FD3924-BD2E-47EB-8DCD-3AD635AE70B8}"/>
+              </a:ext>
+            </a:extLst>
+          </p:cNvPr>
+          <p:cNvSpPr txBox="1">
+            <a:spLocks/>
+          </p:cNvSpPr>
+          <p:nvPr/>
+        </p:nvSpPr>
+        <p:spPr bwMode="auto">
+          <a:xfrm>
+            <a:off x="15875" y="165692"/>
+            <a:ext cx="8842375" cy="1016000"/>
+          </a:xfrm>
+          <a:prstGeom prst="rect">
+            <a:avLst/>
+          </a:prstGeom>
+          <a:noFill/>
+          <a:ln>
+            <a:noFill/>
+          </a:ln>
+          <a:extLst>
+            <a:ext uri="{909E8E84-426E-40DD-AFC4-6F175D3DCCD1}">
+              <a14:hiddenFill xmlns:a14="http://schemas.microsoft.com/office/drawing/2010/main">
+                <a:solidFill>
+                  <a:srgbClr val="FFFFFF"/>
+                </a:solidFill>
+              </a14:hiddenFill>
+            </a:ext>
+            <a:ext uri="{91240B29-F687-4F45-9708-019B960494DF}">
+              <a14:hiddenLine xmlns:a14="http://schemas.microsoft.com/office/drawing/2010/main" w="9525">
+                <a:solidFill>
+                  <a:srgbClr val="000000"/>
+                </a:solidFill>
+                <a:miter lim="800000"/>
+                <a:headEnd/>
+                <a:tailEnd/>
+              </a14:hiddenLine>
+            </a:ext>
+          </a:extLst>
+        </p:spPr>
+        <p:txBody>
+          <a:bodyPr/>
+          <a:lstStyle>
+            <a:lvl1pPr eaLnBrk="0" hangingPunct="0">
+              <a:defRPr sz="2400">
+                <a:solidFill>
+                  <a:schemeClr val="tx1"/>
+                </a:solidFill>
+                <a:latin typeface="Arial" panose="020B0604020202020204" pitchFamily="34" charset="0"/>
+                <a:ea typeface="MS PGothic" panose="020B0600070205080204" pitchFamily="34" charset="-128"/>
+              </a:defRPr>
+            </a:lvl1pPr>
+            <a:lvl2pPr marL="742950" indent="-285750" eaLnBrk="0" hangingPunct="0">
+              <a:defRPr sz="2400">
+                <a:solidFill>
+                  <a:schemeClr val="tx1"/>
+                </a:solidFill>
+                <a:latin typeface="Arial" panose="020B0604020202020204" pitchFamily="34" charset="0"/>
+                <a:ea typeface="MS PGothic" panose="020B0600070205080204" pitchFamily="34" charset="-128"/>
+              </a:defRPr>
+            </a:lvl2pPr>
+            <a:lvl3pPr marL="1143000" indent="-228600" eaLnBrk="0" hangingPunct="0">
+              <a:defRPr sz="2400">
+                <a:solidFill>
+                  <a:schemeClr val="tx1"/>
+                </a:solidFill>
+                <a:latin typeface="Arial" panose="020B0604020202020204" pitchFamily="34" charset="0"/>
+                <a:ea typeface="MS PGothic" panose="020B0600070205080204" pitchFamily="34" charset="-128"/>
+              </a:defRPr>
+            </a:lvl3pPr>
+            <a:lvl4pPr marL="1600200" indent="-228600" eaLnBrk="0" hangingPunct="0">
+              <a:defRPr sz="2400">
+                <a:solidFill>
+                  <a:schemeClr val="tx1"/>
+                </a:solidFill>
+                <a:latin typeface="Arial" panose="020B0604020202020204" pitchFamily="34" charset="0"/>
+                <a:ea typeface="MS PGothic" panose="020B0600070205080204" pitchFamily="34" charset="-128"/>
+              </a:defRPr>
+            </a:lvl4pPr>
+            <a:lvl5pPr marL="2057400" indent="-228600" eaLnBrk="0" hangingPunct="0">
+              <a:defRPr sz="2400">
+                <a:solidFill>
+                  <a:schemeClr val="tx1"/>
+                </a:solidFill>
+                <a:latin typeface="Arial" panose="020B0604020202020204" pitchFamily="34" charset="0"/>
+                <a:ea typeface="MS PGothic" panose="020B0600070205080204" pitchFamily="34" charset="-128"/>
+              </a:defRPr>
+            </a:lvl5pPr>
+            <a:lvl6pPr marL="2514600" indent="-228600" defTabSz="457200" eaLnBrk="0" fontAlgn="base" hangingPunct="0">
+              <a:spcBef>
+                <a:spcPct val="0"/>
+              </a:spcBef>
+              <a:spcAft>
+                <a:spcPct val="0"/>
+              </a:spcAft>
+              <a:defRPr sz="2400">
+                <a:solidFill>
+                  <a:schemeClr val="tx1"/>
+                </a:solidFill>
+                <a:latin typeface="Arial" panose="020B0604020202020204" pitchFamily="34" charset="0"/>
+                <a:ea typeface="MS PGothic" panose="020B0600070205080204" pitchFamily="34" charset="-128"/>
+              </a:defRPr>
+            </a:lvl6pPr>
+            <a:lvl7pPr marL="2971800" indent="-228600" defTabSz="457200" eaLnBrk="0" fontAlgn="base" hangingPunct="0">
+              <a:spcBef>
+                <a:spcPct val="0"/>
+              </a:spcBef>
+              <a:spcAft>
+                <a:spcPct val="0"/>
+              </a:spcAft>
+              <a:defRPr sz="2400">
+                <a:solidFill>
+                  <a:schemeClr val="tx1"/>
+                </a:solidFill>
+                <a:latin typeface="Arial" panose="020B0604020202020204" pitchFamily="34" charset="0"/>
+                <a:ea typeface="MS PGothic" panose="020B0600070205080204" pitchFamily="34" charset="-128"/>
+              </a:defRPr>
+            </a:lvl7pPr>
+            <a:lvl8pPr marL="3429000" indent="-228600" defTabSz="457200" eaLnBrk="0" fontAlgn="base" hangingPunct="0">
+              <a:spcBef>
+                <a:spcPct val="0"/>
+              </a:spcBef>
+              <a:spcAft>
+                <a:spcPct val="0"/>
+              </a:spcAft>
+              <a:defRPr sz="2400">
+                <a:solidFill>
+                  <a:schemeClr val="tx1"/>
+                </a:solidFill>
+                <a:latin typeface="Arial" panose="020B0604020202020204" pitchFamily="34" charset="0"/>
+                <a:ea typeface="MS PGothic" panose="020B0600070205080204" pitchFamily="34" charset="-128"/>
+              </a:defRPr>
+            </a:lvl8pPr>
+            <a:lvl9pPr marL="3886200" indent="-228600" defTabSz="457200" eaLnBrk="0" fontAlgn="base" hangingPunct="0">
+              <a:spcBef>
+                <a:spcPct val="0"/>
+              </a:spcBef>
+              <a:spcAft>
+                <a:spcPct val="0"/>
+              </a:spcAft>
+              <a:defRPr sz="2400">
+                <a:solidFill>
+                  <a:schemeClr val="tx1"/>
+                </a:solidFill>
+                <a:latin typeface="Arial" panose="020B0604020202020204" pitchFamily="34" charset="0"/>
+                <a:ea typeface="MS PGothic" panose="020B0600070205080204" pitchFamily="34" charset="-128"/>
+              </a:defRPr>
+            </a:lvl9pPr>
+          </a:lstStyle>
+          <a:p>
+            <a:r>
+              <a:rPr lang="en-US" altLang="it-IT" sz="3600" i="1" dirty="0">
+                <a:solidFill>
+                  <a:srgbClr val="FFFFFF"/>
+                </a:solidFill>
+                <a:latin typeface="Tw Cen MT" panose="020B0602020104020603" pitchFamily="34" charset="0"/>
+              </a:rPr>
+              <a:t>struc2vec </a:t>
+            </a:r>
+            <a:r>
+              <a:rPr lang="en-US" altLang="it-IT" sz="3600" dirty="0">
+                <a:solidFill>
+                  <a:srgbClr val="FFFFFF"/>
+                </a:solidFill>
+                <a:latin typeface="Tw Cen MT" panose="020B0602020104020603" pitchFamily="34" charset="0"/>
+              </a:rPr>
+              <a:t>vs </a:t>
+            </a:r>
+            <a:r>
+              <a:rPr lang="en-US" altLang="it-IT" sz="3600" i="1" dirty="0" err="1">
+                <a:solidFill>
+                  <a:srgbClr val="FFFFFF"/>
+                </a:solidFill>
+                <a:latin typeface="Tw Cen MT" panose="020B0602020104020603" pitchFamily="34" charset="0"/>
+              </a:rPr>
+              <a:t>DeepWalk</a:t>
+            </a:r>
+            <a:r>
+              <a:rPr lang="en-US" altLang="it-IT" sz="3600" dirty="0">
+                <a:solidFill>
+                  <a:srgbClr val="FFFFFF"/>
+                </a:solidFill>
+                <a:latin typeface="Tw Cen MT" panose="020B0602020104020603" pitchFamily="34" charset="0"/>
+              </a:rPr>
+              <a:t> e </a:t>
+            </a:r>
+            <a:r>
+              <a:rPr lang="en-US" altLang="it-IT" sz="3600" i="1" dirty="0">
+                <a:solidFill>
+                  <a:srgbClr val="FFFFFF"/>
+                </a:solidFill>
+                <a:latin typeface="Tw Cen MT" panose="020B0602020104020603" pitchFamily="34" charset="0"/>
+              </a:rPr>
+              <a:t>node2vec</a:t>
+            </a:r>
+          </a:p>
+        </p:txBody>
+      </p:sp>
+      <p:sp>
+        <p:nvSpPr>
+          <p:cNvPr id="3" name="Segnaposto piè di pagina 2">
+            <a:extLst>
+              <a:ext uri="{FF2B5EF4-FFF2-40B4-BE49-F238E27FC236}">
+                <a16:creationId xmlns:a16="http://schemas.microsoft.com/office/drawing/2014/main" id="{E250C3CF-1955-4896-A806-CE5DDC834974}"/>
+              </a:ext>
+            </a:extLst>
+          </p:cNvPr>
+          <p:cNvSpPr>
+            <a:spLocks noGrp="1"/>
+          </p:cNvSpPr>
+          <p:nvPr>
+            <p:ph type="ftr" sz="quarter" idx="11"/>
+          </p:nvPr>
+        </p:nvSpPr>
+        <p:spPr/>
+        <p:txBody>
+          <a:bodyPr/>
+          <a:lstStyle/>
+          <a:p>
+            <a:pPr>
+              <a:defRPr/>
+            </a:pPr>
+            <a:r>
+              <a:rPr lang="it-IT" dirty="0"/>
+              <a:t>Masiero L. </a:t>
+            </a:r>
+            <a:r>
+              <a:rPr lang="it-IT" dirty="0" err="1"/>
+              <a:t>Ivancich</a:t>
+            </a:r>
+            <a:r>
+              <a:rPr lang="it-IT" dirty="0"/>
+              <a:t> S.</a:t>
+            </a:r>
+            <a:endParaRPr lang="en-US" dirty="0"/>
+          </a:p>
+        </p:txBody>
+      </p:sp>
+      <p:sp>
+        <p:nvSpPr>
+          <p:cNvPr id="4" name="Segnaposto numero diapositiva 3">
+            <a:extLst>
+              <a:ext uri="{FF2B5EF4-FFF2-40B4-BE49-F238E27FC236}">
+                <a16:creationId xmlns:a16="http://schemas.microsoft.com/office/drawing/2014/main" id="{5C0935C8-2051-45CC-A755-E45239AABEA6}"/>
+              </a:ext>
+            </a:extLst>
+          </p:cNvPr>
+          <p:cNvSpPr>
+            <a:spLocks noGrp="1"/>
+          </p:cNvSpPr>
+          <p:nvPr>
+            <p:ph type="sldNum" sz="quarter" idx="12"/>
+          </p:nvPr>
+        </p:nvSpPr>
+        <p:spPr/>
+        <p:txBody>
+          <a:bodyPr/>
+          <a:lstStyle/>
+          <a:p>
+            <a:fld id="{7A1D8CC2-AC32-48BF-A9F5-B79D7A95954F}" type="slidenum">
+              <a:rPr lang="en-US" altLang="it-IT" smtClean="0"/>
+              <a:pPr/>
+              <a:t>17</a:t>
+            </a:fld>
+            <a:endParaRPr lang="en-US" altLang="it-IT" dirty="0"/>
+          </a:p>
+        </p:txBody>
+      </p:sp>
+      <p:sp>
+        <p:nvSpPr>
+          <p:cNvPr id="9" name="CasellaDiTesto 8">
+            <a:extLst>
+              <a:ext uri="{FF2B5EF4-FFF2-40B4-BE49-F238E27FC236}">
+                <a16:creationId xmlns:a16="http://schemas.microsoft.com/office/drawing/2014/main" id="{0587F647-104A-49C4-BF6E-EC158814792B}"/>
+              </a:ext>
+            </a:extLst>
+          </p:cNvPr>
+          <p:cNvSpPr txBox="1"/>
+          <p:nvPr/>
+        </p:nvSpPr>
+        <p:spPr>
+          <a:xfrm>
+            <a:off x="1621526" y="1323546"/>
+            <a:ext cx="3096557" cy="461665"/>
+          </a:xfrm>
+          <a:prstGeom prst="rect">
+            <a:avLst/>
+          </a:prstGeom>
+          <a:noFill/>
+        </p:spPr>
+        <p:txBody>
+          <a:bodyPr wrap="square" rtlCol="0">
+            <a:spAutoFit/>
+          </a:bodyPr>
+          <a:lstStyle/>
+          <a:p>
+            <a:r>
+              <a:rPr lang="it-IT" sz="2400" i="1" dirty="0" err="1">
+                <a:solidFill>
+                  <a:srgbClr val="002060"/>
+                </a:solidFill>
+                <a:latin typeface="+mj-lt"/>
+              </a:rPr>
+              <a:t>Zachary’s</a:t>
+            </a:r>
+            <a:r>
+              <a:rPr lang="it-IT" sz="2400" i="1" dirty="0">
+                <a:solidFill>
+                  <a:srgbClr val="002060"/>
+                </a:solidFill>
+                <a:latin typeface="+mj-lt"/>
+              </a:rPr>
+              <a:t> Karate Club</a:t>
+            </a:r>
+          </a:p>
+        </p:txBody>
+      </p:sp>
+      <p:pic>
+        <p:nvPicPr>
+          <p:cNvPr id="5" name="Immagine 4">
+            <a:extLst>
+              <a:ext uri="{FF2B5EF4-FFF2-40B4-BE49-F238E27FC236}">
+                <a16:creationId xmlns:a16="http://schemas.microsoft.com/office/drawing/2014/main" id="{B13BDB94-5DDC-486E-8C8D-269FFB629D3B}"/>
+              </a:ext>
+            </a:extLst>
+          </p:cNvPr>
+          <p:cNvPicPr>
+            <a:picLocks noChangeAspect="1"/>
+          </p:cNvPicPr>
+          <p:nvPr/>
+        </p:nvPicPr>
+        <p:blipFill>
+          <a:blip r:embed="rId2"/>
+          <a:stretch>
+            <a:fillRect/>
+          </a:stretch>
+        </p:blipFill>
+        <p:spPr>
+          <a:xfrm>
+            <a:off x="285750" y="1927066"/>
+            <a:ext cx="2670183" cy="2052085"/>
+          </a:xfrm>
+          <a:prstGeom prst="rect">
+            <a:avLst/>
+          </a:prstGeom>
+        </p:spPr>
+      </p:pic>
+      <p:pic>
+        <p:nvPicPr>
+          <p:cNvPr id="12" name="Immagine 11" descr="Immagine che contiene testo&#10;&#10;Descrizione generata automaticamente">
+            <a:extLst>
+              <a:ext uri="{FF2B5EF4-FFF2-40B4-BE49-F238E27FC236}">
+                <a16:creationId xmlns:a16="http://schemas.microsoft.com/office/drawing/2014/main" id="{7639A5B4-1DEA-4772-B22D-7CBC08D43426}"/>
+              </a:ext>
+            </a:extLst>
+          </p:cNvPr>
+          <p:cNvPicPr>
+            <a:picLocks noChangeAspect="1"/>
+          </p:cNvPicPr>
+          <p:nvPr/>
+        </p:nvPicPr>
+        <p:blipFill>
+          <a:blip r:embed="rId3"/>
+          <a:stretch>
+            <a:fillRect/>
+          </a:stretch>
+        </p:blipFill>
+        <p:spPr>
+          <a:xfrm>
+            <a:off x="271518" y="4156115"/>
+            <a:ext cx="2570839" cy="1996275"/>
+          </a:xfrm>
+          <a:prstGeom prst="rect">
+            <a:avLst/>
+          </a:prstGeom>
+        </p:spPr>
+      </p:pic>
+      <p:pic>
+        <p:nvPicPr>
+          <p:cNvPr id="14" name="Immagine 13">
+            <a:extLst>
+              <a:ext uri="{FF2B5EF4-FFF2-40B4-BE49-F238E27FC236}">
+                <a16:creationId xmlns:a16="http://schemas.microsoft.com/office/drawing/2014/main" id="{70F7A59F-175E-4A02-9756-3946E9E5C35C}"/>
+              </a:ext>
+            </a:extLst>
+          </p:cNvPr>
+          <p:cNvPicPr>
+            <a:picLocks noChangeAspect="1"/>
+          </p:cNvPicPr>
+          <p:nvPr/>
+        </p:nvPicPr>
+        <p:blipFill>
+          <a:blip r:embed="rId4"/>
+          <a:stretch>
+            <a:fillRect/>
+          </a:stretch>
+        </p:blipFill>
+        <p:spPr>
+          <a:xfrm>
+            <a:off x="3572644" y="3058527"/>
+            <a:ext cx="4733156" cy="3633781"/>
+          </a:xfrm>
+          <a:prstGeom prst="rect">
+            <a:avLst/>
+          </a:prstGeom>
+        </p:spPr>
+      </p:pic>
+      <p:pic>
+        <p:nvPicPr>
+          <p:cNvPr id="8" name="Immagine 7" descr="Immagine che contiene testo, mappa&#10;&#10;Descrizione generata automaticamente">
+            <a:extLst>
+              <a:ext uri="{FF2B5EF4-FFF2-40B4-BE49-F238E27FC236}">
+                <a16:creationId xmlns:a16="http://schemas.microsoft.com/office/drawing/2014/main" id="{4BFFE64F-978F-4642-92A3-3977648D5EC8}"/>
+              </a:ext>
+            </a:extLst>
+          </p:cNvPr>
+          <p:cNvPicPr>
+            <a:picLocks noChangeAspect="1"/>
+          </p:cNvPicPr>
+          <p:nvPr/>
+        </p:nvPicPr>
+        <p:blipFill rotWithShape="1">
+          <a:blip r:embed="rId5"/>
+          <a:srcRect b="44379"/>
+          <a:stretch/>
+        </p:blipFill>
+        <p:spPr>
+          <a:xfrm>
+            <a:off x="5145762" y="1181692"/>
+            <a:ext cx="3726720" cy="2296789"/>
+          </a:xfrm>
+          <a:prstGeom prst="rect">
+            <a:avLst/>
+          </a:prstGeom>
+        </p:spPr>
+      </p:pic>
+    </p:spTree>
+    <p:extLst>
+      <p:ext uri="{BB962C8B-B14F-4D97-AF65-F5344CB8AC3E}">
+        <p14:creationId xmlns:p14="http://schemas.microsoft.com/office/powerpoint/2010/main" val="3508289653"/>
+      </p:ext>
+    </p:extLst>
+  </p:cSld>
+  <p:clrMapOvr>
+    <a:masterClrMapping/>
+  </p:clrMapOvr>
+</p:sld>
+</file>
+
 <file path=ppt/slides/slide18.xml><?xml version="1.0" encoding="utf-8"?>
 <p:sld xmlns:a="http://schemas.openxmlformats.org/drawingml/2006/main" xmlns:r="http://schemas.openxmlformats.org/officeDocument/2006/relationships" xmlns:p="http://schemas.openxmlformats.org/presentationml/2006/main">
   <p:cSld>
@@ -12210,8 +12210,8 @@
           </a:p>
         </p:txBody>
       </p:sp>
-      <mc:AlternateContent xmlns:mc="http://schemas.openxmlformats.org/markup-compatibility/2006">
-        <mc:Choice xmlns:a14="http://schemas.microsoft.com/office/drawing/2010/main" Requires="a14">
+      <mc:AlternateContent xmlns:mc="http://schemas.openxmlformats.org/markup-compatibility/2006" xmlns:a14="http://schemas.microsoft.com/office/drawing/2010/main">
+        <mc:Choice Requires="a14">
           <p:sp>
             <p:nvSpPr>
               <p:cNvPr id="8" name="CasellaDiTesto 7">
@@ -12435,7 +12435,7 @@
             </p:txBody>
           </p:sp>
         </mc:Choice>
-        <mc:Fallback>
+        <mc:Fallback xmlns="">
           <p:sp>
             <p:nvSpPr>
               <p:cNvPr id="8" name="CasellaDiTesto 7">
@@ -15125,8 +15125,8 @@
           </a:p>
         </p:txBody>
       </p:sp>
-      <mc:AlternateContent xmlns:mc="http://schemas.openxmlformats.org/markup-compatibility/2006">
-        <mc:Choice xmlns:a14="http://schemas.microsoft.com/office/drawing/2010/main" Requires="a14">
+      <mc:AlternateContent xmlns:mc="http://schemas.openxmlformats.org/markup-compatibility/2006" xmlns:a14="http://schemas.microsoft.com/office/drawing/2010/main">
+        <mc:Choice Requires="a14">
           <p:sp>
             <p:nvSpPr>
               <p:cNvPr id="8" name="CasellaDiTesto 7">
@@ -15456,7 +15456,7 @@
             </p:txBody>
           </p:sp>
         </mc:Choice>
-        <mc:Fallback>
+        <mc:Fallback xmlns="">
           <p:sp>
             <p:nvSpPr>
               <p:cNvPr id="8" name="CasellaDiTesto 7">

--- a/Presentation/Presentation.pptx
+++ b/Presentation/Presentation.pptx
@@ -284,7 +284,7 @@
           <a:p>
             <a:fld id="{C8DBE15E-223F-41F1-9F94-2D73857FC7BA}" type="datetimeFigureOut">
               <a:rPr lang="it-IT" smtClean="0"/>
-              <a:t>22/04/2020</a:t>
+              <a:t>29/05/2020</a:t>
             </a:fld>
             <a:endParaRPr lang="it-IT"/>
           </a:p>
@@ -497,7 +497,7 @@
             <a:fld id="{2AD04753-9C7D-45A1-B290-034DCD5D3C5A}" type="datetimeFigureOut">
               <a:rPr lang="it-IT" altLang="it-IT"/>
               <a:pPr/>
-              <a:t>22/04/2020</a:t>
+              <a:t>29/05/2020</a:t>
             </a:fld>
             <a:endParaRPr lang="it-IT" altLang="it-IT"/>
           </a:p>
@@ -8908,7 +8908,7 @@
                 </a:solidFill>
                 <a:latin typeface="+mj-lt"/>
               </a:rPr>
-              <a:t>identity</a:t>
+              <a:t>similarity</a:t>
             </a:r>
             <a:r>
               <a:rPr lang="it-IT" sz="2000" dirty="0">
@@ -8995,7 +8995,7 @@
               <a:rPr lang="it-IT" sz="2000" dirty="0">
                 <a:latin typeface="+mj-lt"/>
               </a:rPr>
-              <a:t>per l’identità strutturale dei nodi;</a:t>
+              <a:t>per la somiglianza strutturale dei nodi;</a:t>
             </a:r>
           </a:p>
           <a:p>
@@ -9299,320 +9299,227 @@
           </a:p>
         </p:txBody>
       </p:sp>
-      <mc:AlternateContent xmlns:mc="http://schemas.openxmlformats.org/markup-compatibility/2006" xmlns:a14="http://schemas.microsoft.com/office/drawing/2010/main">
-        <mc:Choice Requires="a14">
-          <p:sp>
-            <p:nvSpPr>
-              <p:cNvPr id="9" name="CasellaDiTesto 8">
-                <a:extLst>
-                  <a:ext uri="{FF2B5EF4-FFF2-40B4-BE49-F238E27FC236}">
-                    <a16:creationId xmlns:a16="http://schemas.microsoft.com/office/drawing/2014/main" id="{88AA56FF-90C2-4507-A628-A91372D584C0}"/>
-                  </a:ext>
-                </a:extLst>
-              </p:cNvPr>
-              <p:cNvSpPr txBox="1"/>
-              <p:nvPr/>
-            </p:nvSpPr>
-            <p:spPr>
-              <a:xfrm>
-                <a:off x="434975" y="2304414"/>
-                <a:ext cx="8289925" cy="3046988"/>
-              </a:xfrm>
-              <a:prstGeom prst="rect">
-                <a:avLst/>
-              </a:prstGeom>
-              <a:noFill/>
-            </p:spPr>
-            <p:txBody>
-              <a:bodyPr wrap="square" rtlCol="0">
-                <a:spAutoFit/>
-              </a:bodyPr>
-              <a:lstStyle/>
-              <a:p>
-                <a:pPr algn="just"/>
-                <a:r>
-                  <a:rPr lang="it-IT" sz="2400" b="1" dirty="0">
-                    <a:solidFill>
-                      <a:srgbClr val="0000FF"/>
-                    </a:solidFill>
-                    <a:latin typeface="+mj-lt"/>
-                  </a:rPr>
-                  <a:t>4 FASI</a:t>
-                </a:r>
-              </a:p>
-              <a:p>
-                <a:pPr algn="just"/>
-                <a:r>
-                  <a:rPr lang="it-IT" sz="2400" dirty="0">
-                    <a:latin typeface="+mj-lt"/>
-                  </a:rPr>
-                  <a:t>1) Determinazione dell’</a:t>
-                </a:r>
-                <a:r>
-                  <a:rPr lang="it-IT" sz="2400" i="1" dirty="0">
-                    <a:latin typeface="+mj-lt"/>
-                  </a:rPr>
-                  <a:t>identità strutturale </a:t>
-                </a:r>
-                <a:r>
-                  <a:rPr lang="it-IT" sz="2400" dirty="0">
-                    <a:latin typeface="+mj-lt"/>
-                  </a:rPr>
-                  <a:t>tra due nodi;</a:t>
-                </a:r>
-              </a:p>
-              <a:p>
-                <a:pPr algn="just"/>
-                <a:r>
-                  <a:rPr lang="it-IT" sz="2400" dirty="0">
-                    <a:latin typeface="+mj-lt"/>
-                  </a:rPr>
-                  <a:t>2) Calcola </a:t>
-                </a:r>
-                <a14:m>
-                  <m:oMath xmlns:m="http://schemas.openxmlformats.org/officeDocument/2006/math">
-                    <m:sSub>
-                      <m:sSubPr>
-                        <m:ctrlPr>
-                          <a:rPr lang="it-IT" sz="2400" i="1" smtClean="0">
-                            <a:latin typeface="Cambria Math" panose="02040503050406030204" pitchFamily="18" charset="0"/>
-                          </a:rPr>
-                        </m:ctrlPr>
-                      </m:sSubPr>
-                      <m:e>
-                        <m:r>
-                          <a:rPr lang="it-IT" sz="2400" i="1" smtClean="0">
-                            <a:latin typeface="Cambria Math" panose="02040503050406030204" pitchFamily="18" charset="0"/>
-                          </a:rPr>
-                          <m:t>𝑅</m:t>
-                        </m:r>
-                      </m:e>
-                      <m:sub>
-                        <m:r>
-                          <a:rPr lang="it-IT" sz="2400" i="1" smtClean="0">
-                            <a:latin typeface="Cambria Math" panose="02040503050406030204" pitchFamily="18" charset="0"/>
-                          </a:rPr>
-                          <m:t>𝑘</m:t>
-                        </m:r>
-                      </m:sub>
-                    </m:sSub>
-                    <m:d>
-                      <m:dPr>
-                        <m:ctrlPr>
-                          <a:rPr lang="it-IT" sz="2400" i="1" smtClean="0">
-                            <a:latin typeface="Cambria Math" panose="02040503050406030204" pitchFamily="18" charset="0"/>
-                          </a:rPr>
-                        </m:ctrlPr>
-                      </m:dPr>
-                      <m:e>
-                        <m:r>
-                          <a:rPr lang="it-IT" sz="2400" i="1" smtClean="0">
-                            <a:latin typeface="Cambria Math" panose="02040503050406030204" pitchFamily="18" charset="0"/>
-                          </a:rPr>
-                          <m:t>𝑢</m:t>
-                        </m:r>
-                      </m:e>
-                    </m:d>
-                  </m:oMath>
-                </a14:m>
-                <a:r>
-                  <a:rPr lang="it-IT" sz="2400" dirty="0">
-                    <a:latin typeface="+mj-lt"/>
-                  </a:rPr>
-                  <a:t>: insiemi dei nodi a distanza </a:t>
-                </a:r>
-                <a14:m>
-                  <m:oMath xmlns:m="http://schemas.openxmlformats.org/officeDocument/2006/math">
-                    <m:r>
-                      <a:rPr lang="it-IT" sz="2400" b="0" i="1" smtClean="0">
-                        <a:latin typeface="Cambria Math" panose="02040503050406030204" pitchFamily="18" charset="0"/>
-                      </a:rPr>
-                      <m:t>𝑘</m:t>
-                    </m:r>
-                    <m:r>
-                      <a:rPr lang="it-IT" sz="2400" b="0" i="1" smtClean="0">
-                        <a:latin typeface="Cambria Math" panose="02040503050406030204" pitchFamily="18" charset="0"/>
-                      </a:rPr>
-                      <m:t>≥0</m:t>
-                    </m:r>
-                  </m:oMath>
-                </a14:m>
-                <a:r>
-                  <a:rPr lang="it-IT" sz="2400" dirty="0">
-                    <a:latin typeface="+mj-lt"/>
-                  </a:rPr>
-                  <a:t> da </a:t>
-                </a:r>
-                <a14:m>
-                  <m:oMath xmlns:m="http://schemas.openxmlformats.org/officeDocument/2006/math">
-                    <m:r>
-                      <a:rPr lang="it-IT" sz="2400" i="1" smtClean="0">
-                        <a:latin typeface="Cambria Math" panose="02040503050406030204" pitchFamily="18" charset="0"/>
-                      </a:rPr>
-                      <m:t>𝑢</m:t>
-                    </m:r>
-                    <m:r>
-                      <a:rPr lang="it-IT" sz="2400" i="1" smtClean="0">
-                        <a:latin typeface="Cambria Math" panose="02040503050406030204" pitchFamily="18" charset="0"/>
-                      </a:rPr>
-                      <m:t>∈</m:t>
-                    </m:r>
-                    <m:r>
-                      <a:rPr lang="it-IT" sz="2400" i="1" smtClean="0">
-                        <a:latin typeface="Cambria Math" panose="02040503050406030204" pitchFamily="18" charset="0"/>
-                      </a:rPr>
-                      <m:t>𝐺</m:t>
-                    </m:r>
-                    <m:r>
-                      <a:rPr lang="it-IT" sz="2400" b="0" i="1" smtClean="0">
-                        <a:latin typeface="Cambria Math" panose="02040503050406030204" pitchFamily="18" charset="0"/>
-                      </a:rPr>
-                      <m:t>;</m:t>
-                    </m:r>
-                  </m:oMath>
-                </a14:m>
-                <a:endParaRPr lang="it-IT" sz="2400" b="0" dirty="0">
-                  <a:latin typeface="+mj-lt"/>
-                </a:endParaRPr>
-              </a:p>
-              <a:p>
-                <a:pPr algn="just"/>
-                <a:r>
-                  <a:rPr lang="it-IT" sz="2400" dirty="0">
-                    <a:latin typeface="+mj-lt"/>
-                  </a:rPr>
-                  <a:t>3) Compara sequenze con DTW e costruisce un grafo multi-livello pesato;</a:t>
-                </a:r>
-              </a:p>
-              <a:p>
-                <a:pPr algn="just"/>
-                <a:r>
-                  <a:rPr lang="it-IT" sz="2400" dirty="0">
-                    <a:latin typeface="+mj-lt"/>
-                  </a:rPr>
-                  <a:t>4) Utilizza una tecnica di </a:t>
-                </a:r>
-                <a:r>
-                  <a:rPr lang="it-IT" sz="2400" i="1" dirty="0" err="1">
-                    <a:solidFill>
-                      <a:srgbClr val="7030A0"/>
-                    </a:solidFill>
-                    <a:latin typeface="+mj-lt"/>
-                  </a:rPr>
-                  <a:t>unsupervised</a:t>
-                </a:r>
-                <a:r>
-                  <a:rPr lang="it-IT" sz="2400" dirty="0">
-                    <a:solidFill>
-                      <a:srgbClr val="7030A0"/>
-                    </a:solidFill>
-                    <a:latin typeface="+mj-lt"/>
-                  </a:rPr>
-                  <a:t> </a:t>
-                </a:r>
-                <a:r>
-                  <a:rPr lang="it-IT" sz="2400" i="1" dirty="0">
-                    <a:solidFill>
-                      <a:srgbClr val="7030A0"/>
-                    </a:solidFill>
-                    <a:latin typeface="+mj-lt"/>
-                  </a:rPr>
-                  <a:t>learning</a:t>
-                </a:r>
-                <a:r>
-                  <a:rPr lang="it-IT" sz="2400" dirty="0">
-                    <a:solidFill>
-                      <a:srgbClr val="7030A0"/>
-                    </a:solidFill>
-                    <a:latin typeface="+mj-lt"/>
-                  </a:rPr>
-                  <a:t> </a:t>
-                </a:r>
-                <a:r>
-                  <a:rPr lang="it-IT" sz="2400" dirty="0">
-                    <a:latin typeface="+mj-lt"/>
-                  </a:rPr>
-                  <a:t>per imparare le </a:t>
-                </a:r>
-                <a:r>
-                  <a:rPr lang="it-IT" sz="2400" i="1" dirty="0" err="1">
-                    <a:latin typeface="+mj-lt"/>
-                  </a:rPr>
-                  <a:t>latent</a:t>
-                </a:r>
-                <a:r>
-                  <a:rPr lang="it-IT" sz="2400" dirty="0">
-                    <a:latin typeface="+mj-lt"/>
-                  </a:rPr>
-                  <a:t> </a:t>
-                </a:r>
-                <a:r>
-                  <a:rPr lang="it-IT" sz="2400" i="1" dirty="0" err="1">
-                    <a:latin typeface="+mj-lt"/>
-                  </a:rPr>
-                  <a:t>representations</a:t>
-                </a:r>
-                <a:r>
-                  <a:rPr lang="it-IT" sz="2400" dirty="0">
-                    <a:latin typeface="+mj-lt"/>
-                  </a:rPr>
-                  <a:t>.</a:t>
-                </a:r>
-              </a:p>
-              <a:p>
-                <a:pPr algn="just"/>
-                <a:endParaRPr lang="it-IT" sz="2400" dirty="0">
-                  <a:latin typeface="+mj-lt"/>
-                </a:endParaRPr>
-              </a:p>
-            </p:txBody>
-          </p:sp>
-        </mc:Choice>
-        <mc:Fallback xmlns="">
-          <p:sp>
-            <p:nvSpPr>
-              <p:cNvPr id="9" name="CasellaDiTesto 8">
-                <a:extLst>
-                  <a:ext uri="{FF2B5EF4-FFF2-40B4-BE49-F238E27FC236}">
-                    <a16:creationId xmlns:a16="http://schemas.microsoft.com/office/drawing/2014/main" id="{88AA56FF-90C2-4507-A628-A91372D584C0}"/>
-                  </a:ext>
-                </a:extLst>
-              </p:cNvPr>
-              <p:cNvSpPr txBox="1">
-                <a:spLocks noRot="1" noChangeAspect="1" noMove="1" noResize="1" noEditPoints="1" noAdjustHandles="1" noChangeArrowheads="1" noChangeShapeType="1" noTextEdit="1"/>
-              </p:cNvSpPr>
-              <p:nvPr/>
-            </p:nvSpPr>
-            <p:spPr>
-              <a:xfrm>
-                <a:off x="434975" y="2304414"/>
-                <a:ext cx="8289925" cy="3046988"/>
-              </a:xfrm>
-              <a:prstGeom prst="rect">
-                <a:avLst/>
-              </a:prstGeom>
-              <a:blipFill>
-                <a:blip r:embed="rId3"/>
-                <a:stretch>
-                  <a:fillRect l="-1103" t="-1600" r="-1176"/>
-                </a:stretch>
-              </a:blipFill>
-            </p:spPr>
-            <p:txBody>
-              <a:bodyPr/>
-              <a:lstStyle/>
-              <a:p>
-                <a:r>
-                  <a:rPr lang="it-IT">
-                    <a:noFill/>
-                  </a:rPr>
-                  <a:t> </a:t>
-                </a:r>
-              </a:p>
-            </p:txBody>
-          </p:sp>
-        </mc:Fallback>
-      </mc:AlternateContent>
+      <p:sp>
+        <p:nvSpPr>
+          <p:cNvPr id="9" name="CasellaDiTesto 8">
+            <a:extLst>
+              <a:ext uri="{FF2B5EF4-FFF2-40B4-BE49-F238E27FC236}">
+                <a16:creationId xmlns:a16="http://schemas.microsoft.com/office/drawing/2014/main" id="{88AA56FF-90C2-4507-A628-A91372D584C0}"/>
+              </a:ext>
+            </a:extLst>
+          </p:cNvPr>
+          <p:cNvSpPr txBox="1"/>
+          <p:nvPr/>
+        </p:nvSpPr>
+        <p:spPr>
+          <a:xfrm>
+            <a:off x="434975" y="1181692"/>
+            <a:ext cx="8289925" cy="4524315"/>
+          </a:xfrm>
+          <a:prstGeom prst="rect">
+            <a:avLst/>
+          </a:prstGeom>
+          <a:noFill/>
+        </p:spPr>
+        <p:txBody>
+          <a:bodyPr wrap="square" rtlCol="0">
+            <a:spAutoFit/>
+          </a:bodyPr>
+          <a:lstStyle/>
+          <a:p>
+            <a:pPr algn="just"/>
+            <a:r>
+              <a:rPr lang="it-IT" sz="2400" b="1" dirty="0">
+                <a:solidFill>
+                  <a:srgbClr val="0000FF"/>
+                </a:solidFill>
+                <a:latin typeface="+mj-lt"/>
+              </a:rPr>
+              <a:t>4 FASI</a:t>
+            </a:r>
+          </a:p>
+          <a:p>
+            <a:pPr marL="457200" indent="-457200" algn="just">
+              <a:buFont typeface="+mj-lt"/>
+              <a:buAutoNum type="arabicParenR"/>
+            </a:pPr>
+            <a:r>
+              <a:rPr lang="it-IT" sz="2400" dirty="0">
+                <a:latin typeface="+mj-lt"/>
+              </a:rPr>
+              <a:t>Determina la </a:t>
+            </a:r>
+            <a:r>
+              <a:rPr lang="it-IT" sz="2400" i="1" dirty="0">
+                <a:latin typeface="+mj-lt"/>
+              </a:rPr>
+              <a:t>somiglianza strutturale </a:t>
+            </a:r>
+            <a:r>
+              <a:rPr lang="it-IT" sz="2400" dirty="0">
+                <a:latin typeface="+mj-lt"/>
+              </a:rPr>
+              <a:t>tra ogni coppia di nodi per dimensioni di </a:t>
+            </a:r>
+            <a:r>
+              <a:rPr lang="it-IT" sz="2400" dirty="0" err="1">
+                <a:latin typeface="+mj-lt"/>
+              </a:rPr>
+              <a:t>neighborhood</a:t>
+            </a:r>
+            <a:r>
+              <a:rPr lang="it-IT" sz="2400" dirty="0">
+                <a:latin typeface="+mj-lt"/>
+              </a:rPr>
+              <a:t> crescenti;</a:t>
+            </a:r>
+          </a:p>
+          <a:p>
+            <a:pPr marL="457200" indent="-457200" algn="just">
+              <a:buFont typeface="+mj-lt"/>
+              <a:buAutoNum type="arabicParenR"/>
+            </a:pPr>
+            <a:r>
+              <a:rPr lang="it-IT" sz="2400" dirty="0">
+                <a:latin typeface="+mj-lt"/>
+              </a:rPr>
+              <a:t>Costruisce un grafo multilivello pesato in cui tutti i nodi della rete compaiono ad ogni livello. Ogni livello corrisponde ad un livello della gerarchia calcolata al punto 1.</a:t>
+            </a:r>
+            <a:endParaRPr lang="it-IT" sz="2400" b="0" dirty="0">
+              <a:latin typeface="+mj-lt"/>
+            </a:endParaRPr>
+          </a:p>
+          <a:p>
+            <a:pPr marL="457200" indent="-457200" algn="just">
+              <a:buFont typeface="+mj-lt"/>
+              <a:buAutoNum type="arabicParenR"/>
+            </a:pPr>
+            <a:r>
+              <a:rPr lang="it-IT" sz="2400" dirty="0">
+                <a:latin typeface="+mj-lt"/>
+              </a:rPr>
+              <a:t>Genera diverse sequenze di nodi attraversando più volte il grafo multilivello con un algoritmo semi-randomico.</a:t>
+            </a:r>
+          </a:p>
+          <a:p>
+            <a:pPr marL="457200" indent="-457200" algn="just">
+              <a:buFont typeface="+mj-lt"/>
+              <a:buAutoNum type="arabicParenR"/>
+            </a:pPr>
+            <a:r>
+              <a:rPr lang="it-IT" sz="2400" dirty="0">
+                <a:latin typeface="+mj-lt"/>
+              </a:rPr>
+              <a:t>Utilizza una tecnica di </a:t>
+            </a:r>
+            <a:r>
+              <a:rPr lang="it-IT" sz="2400" i="1" dirty="0" err="1">
+                <a:solidFill>
+                  <a:srgbClr val="7030A0"/>
+                </a:solidFill>
+                <a:latin typeface="+mj-lt"/>
+              </a:rPr>
+              <a:t>unsupervised</a:t>
+            </a:r>
+            <a:r>
+              <a:rPr lang="it-IT" sz="2400" dirty="0">
+                <a:solidFill>
+                  <a:srgbClr val="7030A0"/>
+                </a:solidFill>
+                <a:latin typeface="+mj-lt"/>
+              </a:rPr>
+              <a:t> </a:t>
+            </a:r>
+            <a:r>
+              <a:rPr lang="it-IT" sz="2400" i="1" dirty="0">
+                <a:solidFill>
+                  <a:srgbClr val="7030A0"/>
+                </a:solidFill>
+                <a:latin typeface="+mj-lt"/>
+              </a:rPr>
+              <a:t>learning</a:t>
+            </a:r>
+            <a:r>
+              <a:rPr lang="it-IT" sz="2400" dirty="0">
+                <a:solidFill>
+                  <a:srgbClr val="7030A0"/>
+                </a:solidFill>
+                <a:latin typeface="+mj-lt"/>
+              </a:rPr>
+              <a:t> </a:t>
+            </a:r>
+            <a:r>
+              <a:rPr lang="it-IT" sz="2400" dirty="0">
+                <a:latin typeface="+mj-lt"/>
+              </a:rPr>
+              <a:t>per generare la </a:t>
+            </a:r>
+            <a:r>
+              <a:rPr lang="it-IT" sz="2400" i="1" dirty="0" err="1">
+                <a:latin typeface="+mj-lt"/>
+              </a:rPr>
+              <a:t>latent</a:t>
+            </a:r>
+            <a:r>
+              <a:rPr lang="it-IT" sz="2400" dirty="0">
+                <a:latin typeface="+mj-lt"/>
+              </a:rPr>
+              <a:t> </a:t>
+            </a:r>
+            <a:r>
+              <a:rPr lang="it-IT" sz="2400" i="1" dirty="0" err="1">
+                <a:latin typeface="+mj-lt"/>
+              </a:rPr>
+              <a:t>representations</a:t>
+            </a:r>
+            <a:r>
+              <a:rPr lang="it-IT" sz="2400" i="1" dirty="0">
+                <a:latin typeface="+mj-lt"/>
+              </a:rPr>
+              <a:t> (un vettore) di ogni nodo</a:t>
+            </a:r>
+            <a:r>
+              <a:rPr lang="it-IT" sz="2400" dirty="0">
+                <a:latin typeface="+mj-lt"/>
+              </a:rPr>
+              <a:t>.</a:t>
+            </a:r>
+          </a:p>
+          <a:p>
+            <a:pPr algn="just"/>
+            <a:r>
+              <a:rPr lang="it-IT" sz="2400" dirty="0">
+                <a:latin typeface="+mj-lt"/>
+              </a:rPr>
+              <a:t>2 nodi strutturalmente simili hanno </a:t>
+            </a:r>
+            <a:r>
+              <a:rPr lang="it-IT" sz="2400" dirty="0" err="1">
+                <a:latin typeface="+mj-lt"/>
+              </a:rPr>
+              <a:t>latent</a:t>
+            </a:r>
+            <a:r>
+              <a:rPr lang="it-IT" sz="2400" dirty="0">
+                <a:latin typeface="+mj-lt"/>
+              </a:rPr>
+              <a:t> </a:t>
+            </a:r>
+            <a:r>
+              <a:rPr lang="it-IT" sz="2400" dirty="0" err="1">
+                <a:latin typeface="+mj-lt"/>
+              </a:rPr>
+              <a:t>rappresentations</a:t>
+            </a:r>
+            <a:r>
+              <a:rPr lang="it-IT" sz="2400" dirty="0">
+                <a:latin typeface="+mj-lt"/>
+              </a:rPr>
+              <a:t> vicine se non uguali.</a:t>
+            </a:r>
+          </a:p>
+        </p:txBody>
+      </p:sp>
     </p:spTree>
     <p:extLst>
       <p:ext uri="{BB962C8B-B14F-4D97-AF65-F5344CB8AC3E}">

--- a/Presentation/Presentation.pptx
+++ b/Presentation/Presentation.pptx
@@ -284,7 +284,7 @@
           <a:p>
             <a:fld id="{C8DBE15E-223F-41F1-9F94-2D73857FC7BA}" type="datetimeFigureOut">
               <a:rPr lang="it-IT" smtClean="0"/>
-              <a:t>29/05/2020</a:t>
+              <a:t>30/05/2020</a:t>
             </a:fld>
             <a:endParaRPr lang="it-IT"/>
           </a:p>
@@ -497,7 +497,7 @@
             <a:fld id="{2AD04753-9C7D-45A1-B290-034DCD5D3C5A}" type="datetimeFigureOut">
               <a:rPr lang="it-IT" altLang="it-IT"/>
               <a:pPr/>
-              <a:t>29/05/2020</a:t>
+              <a:t>30/05/2020</a:t>
             </a:fld>
             <a:endParaRPr lang="it-IT" altLang="it-IT"/>
           </a:p>
@@ -6360,7 +6360,7 @@
                 </a:solidFill>
                 <a:latin typeface="+mn-lt"/>
               </a:rPr>
-              <a:t>10 </a:t>
+              <a:t>11 </a:t>
             </a:r>
             <a:r>
               <a:rPr lang="en-US" altLang="it-IT" sz="2800" dirty="0" err="1">
@@ -8778,7 +8778,7 @@
         </p:blipFill>
         <p:spPr>
           <a:xfrm>
-            <a:off x="-794" y="3898626"/>
+            <a:off x="-794" y="4120299"/>
             <a:ext cx="9144000" cy="2424310"/>
           </a:xfrm>
           <a:prstGeom prst="rect">
@@ -8881,6 +8881,39 @@
               <a:rPr lang="it-IT" sz="2000" dirty="0">
                 <a:latin typeface="+mj-lt"/>
               </a:rPr>
+              <a:t>Approcci che usano il ML: </a:t>
+            </a:r>
+            <a:r>
+              <a:rPr lang="it-IT" sz="2000" dirty="0" err="1">
+                <a:latin typeface="+mj-lt"/>
+              </a:rPr>
+              <a:t>DeepWalk</a:t>
+            </a:r>
+            <a:r>
+              <a:rPr lang="it-IT" sz="2000" dirty="0">
+                <a:latin typeface="+mj-lt"/>
+              </a:rPr>
+              <a:t>, node2vec e </a:t>
+            </a:r>
+            <a:r>
+              <a:rPr lang="it-IT" sz="2000" b="1" dirty="0">
+                <a:latin typeface="+mj-lt"/>
+              </a:rPr>
+              <a:t>struct2vec</a:t>
+            </a:r>
+          </a:p>
+          <a:p>
+            <a:pPr algn="just"/>
+            <a:endParaRPr lang="it-IT" sz="2000" b="1" dirty="0">
+              <a:latin typeface="+mj-lt"/>
+            </a:endParaRPr>
+          </a:p>
+          <a:p>
+            <a:pPr algn="just"/>
+            <a:r>
+              <a:rPr lang="it-IT" sz="2000" dirty="0">
+                <a:latin typeface="+mn-lt"/>
+              </a:rPr>
               <a:t>La </a:t>
             </a:r>
             <a:r>
@@ -8888,7 +8921,7 @@
                 <a:solidFill>
                   <a:srgbClr val="0070C0"/>
                 </a:solidFill>
-                <a:latin typeface="+mj-lt"/>
+                <a:latin typeface="+mn-lt"/>
               </a:rPr>
               <a:t>structural</a:t>
             </a:r>
@@ -8897,7 +8930,7 @@
                 <a:solidFill>
                   <a:srgbClr val="0070C0"/>
                 </a:solidFill>
-                <a:latin typeface="+mj-lt"/>
+                <a:latin typeface="+mn-lt"/>
               </a:rPr>
               <a:t> </a:t>
             </a:r>
@@ -8906,7 +8939,7 @@
                 <a:solidFill>
                   <a:srgbClr val="0070C0"/>
                 </a:solidFill>
-                <a:latin typeface="+mj-lt"/>
+                <a:latin typeface="+mn-lt"/>
               </a:rPr>
               <a:t>similarity</a:t>
             </a:r>
@@ -8915,57 +8948,70 @@
                 <a:solidFill>
                   <a:srgbClr val="0070C0"/>
                 </a:solidFill>
-                <a:latin typeface="+mj-lt"/>
+                <a:latin typeface="+mn-lt"/>
               </a:rPr>
               <a:t> </a:t>
             </a:r>
             <a:r>
               <a:rPr lang="it-IT" sz="2000" dirty="0">
-                <a:latin typeface="+mj-lt"/>
+                <a:latin typeface="+mn-lt"/>
               </a:rPr>
               <a:t>corrisponde ad un concetto di </a:t>
             </a:r>
             <a:r>
               <a:rPr lang="it-IT" sz="2000" i="1" dirty="0">
-                <a:latin typeface="+mj-lt"/>
+                <a:latin typeface="+mn-lt"/>
               </a:rPr>
               <a:t>simmetria</a:t>
             </a:r>
             <a:r>
               <a:rPr lang="it-IT" sz="2000" dirty="0">
-                <a:latin typeface="+mj-lt"/>
+                <a:latin typeface="+mn-lt"/>
               </a:rPr>
               <a:t> nel quale i nodi di una rete vengono identificati in base alla struttura della rete stessa e tramite relazioni con altri nodi.</a:t>
             </a:r>
           </a:p>
           <a:p>
             <a:pPr algn="just"/>
+            <a:endParaRPr lang="it-IT" sz="2000" dirty="0">
+              <a:latin typeface="+mn-lt"/>
+            </a:endParaRPr>
+          </a:p>
+          <a:p>
+            <a:pPr algn="just"/>
+            <a:r>
+              <a:rPr lang="it-IT" sz="2000" b="1" i="1" dirty="0">
+                <a:solidFill>
+                  <a:srgbClr val="0033CC"/>
+                </a:solidFill>
+                <a:latin typeface="+mj-lt"/>
+              </a:rPr>
+              <a:t>struc2vec</a:t>
+            </a:r>
             <a:endParaRPr lang="it-IT" sz="2000" dirty="0">
               <a:latin typeface="+mj-lt"/>
             </a:endParaRPr>
           </a:p>
           <a:p>
-            <a:pPr algn="just"/>
-            <a:r>
-              <a:rPr lang="it-IT" sz="2000" b="1" i="1" dirty="0">
-                <a:solidFill>
-                  <a:srgbClr val="0033CC"/>
-                </a:solidFill>
-                <a:latin typeface="+mj-lt"/>
-              </a:rPr>
-              <a:t>struc2vec</a:t>
-            </a:r>
-            <a:endParaRPr lang="it-IT" sz="2000" dirty="0">
-              <a:latin typeface="+mj-lt"/>
-            </a:endParaRPr>
-          </a:p>
-          <a:p>
-            <a:pPr algn="just"/>
+            <a:pPr marL="457200" indent="-457200" algn="just">
+              <a:buAutoNum type="arabicParenR"/>
+            </a:pPr>
             <a:r>
               <a:rPr lang="it-IT" sz="2000" dirty="0">
                 <a:latin typeface="+mj-lt"/>
               </a:rPr>
-              <a:t>1) è un framework flessibile per l’apprendimento di </a:t>
+              <a:t>è un framework flessibile</a:t>
+            </a:r>
+          </a:p>
+          <a:p>
+            <a:pPr marL="457200" indent="-457200" algn="just">
+              <a:buAutoNum type="arabicParenR"/>
+            </a:pPr>
+            <a:r>
+              <a:rPr lang="it-IT" sz="2000" dirty="0">
+                <a:latin typeface="+mj-lt"/>
+              </a:rPr>
+              <a:t>apprende le </a:t>
             </a:r>
             <a:r>
               <a:rPr lang="it-IT" sz="2000" i="1" dirty="0" err="1">
@@ -8995,47 +9041,19 @@
               <a:rPr lang="it-IT" sz="2000" dirty="0">
                 <a:latin typeface="+mj-lt"/>
               </a:rPr>
-              <a:t>per la somiglianza strutturale dei nodi;</a:t>
-            </a:r>
-          </a:p>
-          <a:p>
-            <a:pPr algn="just"/>
+              <a:t>per la somiglianza strutturale di ogni nodo</a:t>
+            </a:r>
+          </a:p>
+          <a:p>
+            <a:pPr marL="457200" indent="-457200" algn="just">
+              <a:buAutoNum type="arabicParenR"/>
+            </a:pPr>
             <a:r>
               <a:rPr lang="it-IT" sz="2000" dirty="0">
                 <a:latin typeface="+mj-lt"/>
               </a:rPr>
-              <a:t>2) Utilizza un </a:t>
-            </a:r>
-            <a:r>
-              <a:rPr lang="it-IT" sz="2000" dirty="0">
-                <a:solidFill>
-                  <a:srgbClr val="C00000"/>
-                </a:solidFill>
-                <a:latin typeface="+mj-lt"/>
-              </a:rPr>
-              <a:t>grafo multi-livello</a:t>
-            </a:r>
-            <a:r>
-              <a:rPr lang="it-IT" sz="2000" dirty="0">
-                <a:latin typeface="+mj-lt"/>
-              </a:rPr>
-              <a:t>;</a:t>
-            </a:r>
-          </a:p>
-          <a:p>
-            <a:pPr algn="just"/>
-            <a:r>
-              <a:rPr lang="it-IT" sz="2000" dirty="0">
-                <a:latin typeface="+mj-lt"/>
-              </a:rPr>
-              <a:t>3) È molto performante.</a:t>
-            </a:r>
-          </a:p>
-          <a:p>
-            <a:pPr algn="just"/>
-            <a:endParaRPr lang="it-IT" sz="2000" dirty="0">
-              <a:latin typeface="+mj-lt"/>
-            </a:endParaRPr>
+              <a:t>È molto performante anche in caso di forte rumore (archi eliminati)</a:t>
+            </a:r>
           </a:p>
         </p:txBody>
       </p:sp>
@@ -9314,7 +9332,7 @@
         <p:spPr>
           <a:xfrm>
             <a:off x="434975" y="1181692"/>
-            <a:ext cx="8289925" cy="4524315"/>
+            <a:ext cx="8289925" cy="4893647"/>
           </a:xfrm>
           <a:prstGeom prst="rect">
             <a:avLst/>
@@ -9398,7 +9416,7 @@
               <a:rPr lang="it-IT" sz="2400" dirty="0">
                 <a:latin typeface="+mj-lt"/>
               </a:rPr>
-              <a:t>Genera diverse sequenze di nodi attraversando più volte il grafo multilivello con un algoritmo semi-randomico.</a:t>
+              <a:t>Si attraversa più volte il grafo multilivello con un algoritmo semi-randomico, generando diverse sequenze di nodi.</a:t>
             </a:r>
           </a:p>
           <a:p>
@@ -9410,7 +9428,7 @@
               <a:rPr lang="it-IT" sz="2400" dirty="0">
                 <a:latin typeface="+mj-lt"/>
               </a:rPr>
-              <a:t>Utilizza una tecnica di </a:t>
+              <a:t>Da queste sequenze di nodi si utilizza una tecnica di </a:t>
             </a:r>
             <a:r>
               <a:rPr lang="it-IT" sz="2400" i="1" dirty="0" err="1">

--- a/Presentation/Presentation.pptx
+++ b/Presentation/Presentation.pptx
@@ -284,7 +284,7 @@
           <a:p>
             <a:fld id="{C8DBE15E-223F-41F1-9F94-2D73857FC7BA}" type="datetimeFigureOut">
               <a:rPr lang="it-IT" smtClean="0"/>
-              <a:t>30/05/2020</a:t>
+              <a:t>31/05/2020</a:t>
             </a:fld>
             <a:endParaRPr lang="it-IT"/>
           </a:p>
@@ -497,7 +497,7 @@
             <a:fld id="{2AD04753-9C7D-45A1-B290-034DCD5D3C5A}" type="datetimeFigureOut">
               <a:rPr lang="it-IT" altLang="it-IT"/>
               <a:pPr/>
-              <a:t>30/05/2020</a:t>
+              <a:t>31/05/2020</a:t>
             </a:fld>
             <a:endParaRPr lang="it-IT" altLang="it-IT"/>
           </a:p>
@@ -9512,28 +9512,34 @@
               <a:t>2 nodi strutturalmente simili hanno </a:t>
             </a:r>
             <a:r>
-              <a:rPr lang="it-IT" sz="2400" dirty="0" err="1">
+              <a:rPr lang="it-IT" sz="2400" i="1" dirty="0" err="1">
                 <a:latin typeface="+mj-lt"/>
               </a:rPr>
               <a:t>latent</a:t>
             </a:r>
             <a:r>
+              <a:rPr lang="it-IT" sz="2400" i="1" dirty="0">
+                <a:latin typeface="+mj-lt"/>
+              </a:rPr>
+              <a:t> </a:t>
+            </a:r>
+            <a:r>
+              <a:rPr lang="it-IT" sz="2400" i="1" dirty="0" err="1">
+                <a:latin typeface="+mj-lt"/>
+              </a:rPr>
+              <a:t>representations</a:t>
+            </a:r>
+            <a:r>
+              <a:rPr lang="it-IT" sz="2400" i="1" dirty="0">
+                <a:latin typeface="+mj-lt"/>
+              </a:rPr>
+              <a:t> </a:t>
+            </a:r>
+            <a:r>
               <a:rPr lang="it-IT" sz="2400" dirty="0">
                 <a:latin typeface="+mj-lt"/>
               </a:rPr>
-              <a:t> </a:t>
-            </a:r>
-            <a:r>
-              <a:rPr lang="it-IT" sz="2400" dirty="0" err="1">
-                <a:latin typeface="+mj-lt"/>
-              </a:rPr>
-              <a:t>rappresentations</a:t>
-            </a:r>
-            <a:r>
-              <a:rPr lang="it-IT" sz="2400" dirty="0">
-                <a:latin typeface="+mj-lt"/>
-              </a:rPr>
-              <a:t> vicine se non uguali.</a:t>
+              <a:t>vicine se non uguali.</a:t>
             </a:r>
           </a:p>
         </p:txBody>
@@ -12135,8 +12141,8 @@
           </a:p>
         </p:txBody>
       </p:sp>
-      <mc:AlternateContent xmlns:mc="http://schemas.openxmlformats.org/markup-compatibility/2006" xmlns:a14="http://schemas.microsoft.com/office/drawing/2010/main">
-        <mc:Choice Requires="a14">
+      <mc:AlternateContent xmlns:mc="http://schemas.openxmlformats.org/markup-compatibility/2006">
+        <mc:Choice xmlns:a14="http://schemas.microsoft.com/office/drawing/2010/main" Requires="a14">
           <p:sp>
             <p:nvSpPr>
               <p:cNvPr id="8" name="CasellaDiTesto 7">
@@ -12197,7 +12203,7 @@
                   <a:rPr lang="it-IT" sz="2000" dirty="0">
                     <a:latin typeface="+mj-lt"/>
                   </a:rPr>
-                  <a:t> nodo-a-nodo in grado di: </a:t>
+                  <a:t> in grado di: </a:t>
                 </a:r>
               </a:p>
               <a:p>
@@ -12360,7 +12366,7 @@
             </p:txBody>
           </p:sp>
         </mc:Choice>
-        <mc:Fallback xmlns="">
+        <mc:Fallback>
           <p:sp>
             <p:nvSpPr>
               <p:cNvPr id="8" name="CasellaDiTesto 7">

--- a/Presentation/Presentation.pptx
+++ b/Presentation/Presentation.pptx
@@ -284,7 +284,7 @@
           <a:p>
             <a:fld id="{C8DBE15E-223F-41F1-9F94-2D73857FC7BA}" type="datetimeFigureOut">
               <a:rPr lang="it-IT" smtClean="0"/>
-              <a:t>31/05/2020</a:t>
+              <a:t>01/06/2020</a:t>
             </a:fld>
             <a:endParaRPr lang="it-IT"/>
           </a:p>
@@ -497,7 +497,7 @@
             <a:fld id="{2AD04753-9C7D-45A1-B290-034DCD5D3C5A}" type="datetimeFigureOut">
               <a:rPr lang="it-IT" altLang="it-IT"/>
               <a:pPr/>
-              <a:t>31/05/2020</a:t>
+              <a:t>01/06/2020</a:t>
             </a:fld>
             <a:endParaRPr lang="it-IT" altLang="it-IT"/>
           </a:p>
@@ -914,6 +914,91 @@
     <p:extLst>
       <p:ext uri="{BB962C8B-B14F-4D97-AF65-F5344CB8AC3E}">
         <p14:creationId xmlns:p14="http://schemas.microsoft.com/office/powerpoint/2010/main" val="3971444651"/>
+      </p:ext>
+    </p:extLst>
+  </p:cSld>
+  <p:clrMapOvr>
+    <a:masterClrMapping/>
+  </p:clrMapOvr>
+</p:notes>
+</file>
+
+<file path=ppt/notesSlides/notesSlide2.xml><?xml version="1.0" encoding="utf-8"?>
+<p:notes xmlns:a="http://schemas.openxmlformats.org/drawingml/2006/main" xmlns:r="http://schemas.openxmlformats.org/officeDocument/2006/relationships" xmlns:p="http://schemas.openxmlformats.org/presentationml/2006/main">
+  <p:cSld>
+    <p:spTree>
+      <p:nvGrpSpPr>
+        <p:cNvPr id="1" name=""/>
+        <p:cNvGrpSpPr/>
+        <p:nvPr/>
+      </p:nvGrpSpPr>
+      <p:grpSpPr>
+        <a:xfrm>
+          <a:off x="0" y="0"/>
+          <a:ext cx="0" cy="0"/>
+          <a:chOff x="0" y="0"/>
+          <a:chExt cx="0" cy="0"/>
+        </a:xfrm>
+      </p:grpSpPr>
+      <p:sp>
+        <p:nvSpPr>
+          <p:cNvPr id="2" name="Segnaposto immagine diapositiva 1"/>
+          <p:cNvSpPr>
+            <a:spLocks noGrp="1" noRot="1" noChangeAspect="1"/>
+          </p:cNvSpPr>
+          <p:nvPr>
+            <p:ph type="sldImg"/>
+          </p:nvPr>
+        </p:nvSpPr>
+        <p:spPr/>
+      </p:sp>
+      <p:sp>
+        <p:nvSpPr>
+          <p:cNvPr id="3" name="Segnaposto note 2"/>
+          <p:cNvSpPr>
+            <a:spLocks noGrp="1"/>
+          </p:cNvSpPr>
+          <p:nvPr>
+            <p:ph type="body" idx="1"/>
+          </p:nvPr>
+        </p:nvSpPr>
+        <p:spPr/>
+        <p:txBody>
+          <a:bodyPr/>
+          <a:lstStyle/>
+          <a:p>
+            <a:endParaRPr lang="it-IT" dirty="0"/>
+          </a:p>
+        </p:txBody>
+      </p:sp>
+      <p:sp>
+        <p:nvSpPr>
+          <p:cNvPr id="4" name="Segnaposto numero diapositiva 3"/>
+          <p:cNvSpPr>
+            <a:spLocks noGrp="1"/>
+          </p:cNvSpPr>
+          <p:nvPr>
+            <p:ph type="sldNum" sz="quarter" idx="5"/>
+          </p:nvPr>
+        </p:nvSpPr>
+        <p:spPr/>
+        <p:txBody>
+          <a:bodyPr/>
+          <a:lstStyle/>
+          <a:p>
+            <a:fld id="{00664C11-2C8B-4B5A-ACDF-DD795DDB2557}" type="slidenum">
+              <a:rPr lang="it-IT" altLang="it-IT" smtClean="0"/>
+              <a:pPr/>
+              <a:t>18</a:t>
+            </a:fld>
+            <a:endParaRPr lang="it-IT" altLang="it-IT"/>
+          </a:p>
+        </p:txBody>
+      </p:sp>
+    </p:spTree>
+    <p:extLst>
+      <p:ext uri="{BB962C8B-B14F-4D97-AF65-F5344CB8AC3E}">
+        <p14:creationId xmlns:p14="http://schemas.microsoft.com/office/powerpoint/2010/main" val="588942368"/>
       </p:ext>
     </p:extLst>
   </p:cSld>
@@ -8848,215 +8933,377 @@
           </a:p>
         </p:txBody>
       </p:sp>
-      <p:sp>
-        <p:nvSpPr>
-          <p:cNvPr id="8" name="CasellaDiTesto 7">
-            <a:extLst>
-              <a:ext uri="{FF2B5EF4-FFF2-40B4-BE49-F238E27FC236}">
-                <a16:creationId xmlns:a16="http://schemas.microsoft.com/office/drawing/2014/main" id="{A71E20D8-E1E9-4E76-A56C-54CDB617BD00}"/>
-              </a:ext>
-            </a:extLst>
-          </p:cNvPr>
-          <p:cNvSpPr txBox="1"/>
-          <p:nvPr/>
-        </p:nvSpPr>
-        <p:spPr>
-          <a:xfrm>
-            <a:off x="15875" y="1053187"/>
-            <a:ext cx="8993096" cy="3170099"/>
-          </a:xfrm>
-          <a:prstGeom prst="rect">
-            <a:avLst/>
-          </a:prstGeom>
-          <a:noFill/>
-        </p:spPr>
-        <p:txBody>
-          <a:bodyPr wrap="square" rtlCol="0">
-            <a:spAutoFit/>
-          </a:bodyPr>
-          <a:lstStyle/>
-          <a:p>
-            <a:pPr algn="just"/>
-            <a:r>
-              <a:rPr lang="it-IT" sz="2000" dirty="0">
-                <a:latin typeface="+mj-lt"/>
-              </a:rPr>
-              <a:t>Approcci che usano il ML: </a:t>
-            </a:r>
-            <a:r>
-              <a:rPr lang="it-IT" sz="2000" dirty="0" err="1">
-                <a:latin typeface="+mj-lt"/>
-              </a:rPr>
-              <a:t>DeepWalk</a:t>
-            </a:r>
-            <a:r>
-              <a:rPr lang="it-IT" sz="2000" dirty="0">
-                <a:latin typeface="+mj-lt"/>
-              </a:rPr>
-              <a:t>, node2vec e </a:t>
-            </a:r>
-            <a:r>
-              <a:rPr lang="it-IT" sz="2000" b="1" dirty="0">
-                <a:latin typeface="+mj-lt"/>
-              </a:rPr>
-              <a:t>struct2vec</a:t>
-            </a:r>
-          </a:p>
-          <a:p>
-            <a:pPr algn="just"/>
-            <a:endParaRPr lang="it-IT" sz="2000" b="1" dirty="0">
-              <a:latin typeface="+mj-lt"/>
-            </a:endParaRPr>
-          </a:p>
-          <a:p>
-            <a:pPr algn="just"/>
-            <a:r>
-              <a:rPr lang="it-IT" sz="2000" dirty="0">
-                <a:latin typeface="+mn-lt"/>
-              </a:rPr>
-              <a:t>La </a:t>
-            </a:r>
-            <a:r>
-              <a:rPr lang="it-IT" sz="2000" i="1" dirty="0" err="1">
-                <a:solidFill>
-                  <a:srgbClr val="0070C0"/>
-                </a:solidFill>
-                <a:latin typeface="+mn-lt"/>
-              </a:rPr>
-              <a:t>structural</a:t>
-            </a:r>
-            <a:r>
-              <a:rPr lang="it-IT" sz="2000" dirty="0">
-                <a:solidFill>
-                  <a:srgbClr val="0070C0"/>
-                </a:solidFill>
-                <a:latin typeface="+mn-lt"/>
-              </a:rPr>
-              <a:t> </a:t>
-            </a:r>
-            <a:r>
-              <a:rPr lang="it-IT" sz="2000" i="1" dirty="0" err="1">
-                <a:solidFill>
-                  <a:srgbClr val="0070C0"/>
-                </a:solidFill>
-                <a:latin typeface="+mn-lt"/>
-              </a:rPr>
-              <a:t>similarity</a:t>
-            </a:r>
-            <a:r>
-              <a:rPr lang="it-IT" sz="2000" dirty="0">
-                <a:solidFill>
-                  <a:srgbClr val="0070C0"/>
-                </a:solidFill>
-                <a:latin typeface="+mn-lt"/>
-              </a:rPr>
-              <a:t> </a:t>
-            </a:r>
-            <a:r>
-              <a:rPr lang="it-IT" sz="2000" dirty="0">
-                <a:latin typeface="+mn-lt"/>
-              </a:rPr>
-              <a:t>corrisponde ad un concetto di </a:t>
-            </a:r>
-            <a:r>
-              <a:rPr lang="it-IT" sz="2000" i="1" dirty="0">
-                <a:latin typeface="+mn-lt"/>
-              </a:rPr>
-              <a:t>simmetria</a:t>
-            </a:r>
-            <a:r>
-              <a:rPr lang="it-IT" sz="2000" dirty="0">
-                <a:latin typeface="+mn-lt"/>
-              </a:rPr>
-              <a:t> nel quale i nodi di una rete vengono identificati in base alla struttura della rete stessa e tramite relazioni con altri nodi.</a:t>
-            </a:r>
-          </a:p>
-          <a:p>
-            <a:pPr algn="just"/>
-            <a:endParaRPr lang="it-IT" sz="2000" dirty="0">
-              <a:latin typeface="+mn-lt"/>
-            </a:endParaRPr>
-          </a:p>
-          <a:p>
-            <a:pPr algn="just"/>
-            <a:r>
-              <a:rPr lang="it-IT" sz="2000" b="1" i="1" dirty="0">
-                <a:solidFill>
-                  <a:srgbClr val="0033CC"/>
-                </a:solidFill>
-                <a:latin typeface="+mj-lt"/>
-              </a:rPr>
-              <a:t>struc2vec</a:t>
-            </a:r>
-            <a:endParaRPr lang="it-IT" sz="2000" dirty="0">
-              <a:latin typeface="+mj-lt"/>
-            </a:endParaRPr>
-          </a:p>
-          <a:p>
-            <a:pPr marL="457200" indent="-457200" algn="just">
-              <a:buAutoNum type="arabicParenR"/>
-            </a:pPr>
-            <a:r>
-              <a:rPr lang="it-IT" sz="2000" dirty="0">
-                <a:latin typeface="+mj-lt"/>
-              </a:rPr>
-              <a:t>è un framework flessibile</a:t>
-            </a:r>
-          </a:p>
-          <a:p>
-            <a:pPr marL="457200" indent="-457200" algn="just">
-              <a:buAutoNum type="arabicParenR"/>
-            </a:pPr>
-            <a:r>
-              <a:rPr lang="it-IT" sz="2000" dirty="0">
-                <a:latin typeface="+mj-lt"/>
-              </a:rPr>
-              <a:t>apprende le </a:t>
-            </a:r>
-            <a:r>
-              <a:rPr lang="it-IT" sz="2000" i="1" dirty="0" err="1">
-                <a:latin typeface="+mj-lt"/>
-              </a:rPr>
-              <a:t>latent</a:t>
-            </a:r>
-            <a:r>
-              <a:rPr lang="it-IT" sz="2000" i="1" dirty="0">
-                <a:latin typeface="+mj-lt"/>
-              </a:rPr>
-              <a:t> </a:t>
-            </a:r>
-            <a:r>
-              <a:rPr lang="it-IT" sz="2000" i="1" dirty="0" err="1">
-                <a:latin typeface="+mj-lt"/>
-              </a:rPr>
-              <a:t>representations</a:t>
-            </a:r>
-            <a:r>
-              <a:rPr lang="it-IT" sz="2000" i="1" dirty="0">
-                <a:latin typeface="+mj-lt"/>
-              </a:rPr>
-              <a:t> </a:t>
-            </a:r>
-            <a:r>
-              <a:rPr lang="it-IT" sz="2000" dirty="0">
-                <a:latin typeface="+mj-lt"/>
-              </a:rPr>
-              <a:t>per la somiglianza strutturale di ogni nodo</a:t>
-            </a:r>
-          </a:p>
-          <a:p>
-            <a:pPr marL="457200" indent="-457200" algn="just">
-              <a:buAutoNum type="arabicParenR"/>
-            </a:pPr>
-            <a:r>
-              <a:rPr lang="it-IT" sz="2000" dirty="0">
-                <a:latin typeface="+mj-lt"/>
-              </a:rPr>
-              <a:t>È molto performante anche in caso di forte rumore (archi eliminati)</a:t>
-            </a:r>
-          </a:p>
-        </p:txBody>
-      </p:sp>
+      <mc:AlternateContent xmlns:mc="http://schemas.openxmlformats.org/markup-compatibility/2006">
+        <mc:Choice xmlns:a14="http://schemas.microsoft.com/office/drawing/2010/main" Requires="a14">
+          <p:sp>
+            <p:nvSpPr>
+              <p:cNvPr id="8" name="CasellaDiTesto 7">
+                <a:extLst>
+                  <a:ext uri="{FF2B5EF4-FFF2-40B4-BE49-F238E27FC236}">
+                    <a16:creationId xmlns:a16="http://schemas.microsoft.com/office/drawing/2014/main" id="{A71E20D8-E1E9-4E76-A56C-54CDB617BD00}"/>
+                  </a:ext>
+                </a:extLst>
+              </p:cNvPr>
+              <p:cNvSpPr txBox="1"/>
+              <p:nvPr/>
+            </p:nvSpPr>
+            <p:spPr>
+              <a:xfrm>
+                <a:off x="15875" y="1053187"/>
+                <a:ext cx="8993096" cy="3170099"/>
+              </a:xfrm>
+              <a:prstGeom prst="rect">
+                <a:avLst/>
+              </a:prstGeom>
+              <a:noFill/>
+            </p:spPr>
+            <p:txBody>
+              <a:bodyPr wrap="square" rtlCol="0">
+                <a:spAutoFit/>
+              </a:bodyPr>
+              <a:lstStyle/>
+              <a:p>
+                <a:pPr algn="just"/>
+                <a:r>
+                  <a:rPr lang="it-IT" sz="2000" dirty="0">
+                    <a:latin typeface="+mj-lt"/>
+                  </a:rPr>
+                  <a:t>Approcci che usano il ML: </a:t>
+                </a:r>
+                <a:r>
+                  <a:rPr lang="it-IT" sz="2000" dirty="0" err="1">
+                    <a:latin typeface="+mj-lt"/>
+                  </a:rPr>
+                  <a:t>DeepWalk</a:t>
+                </a:r>
+                <a:r>
+                  <a:rPr lang="it-IT" sz="2000" dirty="0">
+                    <a:latin typeface="+mj-lt"/>
+                  </a:rPr>
+                  <a:t>, node2vec e </a:t>
+                </a:r>
+                <a:r>
+                  <a:rPr lang="it-IT" sz="2000" b="1" dirty="0">
+                    <a:latin typeface="+mj-lt"/>
+                  </a:rPr>
+                  <a:t>struct2vec</a:t>
+                </a:r>
+              </a:p>
+              <a:p>
+                <a:pPr algn="just"/>
+                <a:endParaRPr lang="it-IT" sz="2000" b="1" dirty="0">
+                  <a:latin typeface="+mj-lt"/>
+                </a:endParaRPr>
+              </a:p>
+              <a:p>
+                <a:pPr algn="just"/>
+                <a:r>
+                  <a:rPr lang="it-IT" sz="2000" dirty="0">
+                    <a:latin typeface="+mn-lt"/>
+                  </a:rPr>
+                  <a:t>La </a:t>
+                </a:r>
+                <a:r>
+                  <a:rPr lang="it-IT" sz="2000" i="1" dirty="0" err="1">
+                    <a:solidFill>
+                      <a:srgbClr val="0070C0"/>
+                    </a:solidFill>
+                    <a:latin typeface="+mn-lt"/>
+                  </a:rPr>
+                  <a:t>structural</a:t>
+                </a:r>
+                <a:r>
+                  <a:rPr lang="it-IT" sz="2000" dirty="0">
+                    <a:solidFill>
+                      <a:srgbClr val="0070C0"/>
+                    </a:solidFill>
+                    <a:latin typeface="+mn-lt"/>
+                  </a:rPr>
+                  <a:t> </a:t>
+                </a:r>
+                <a:r>
+                  <a:rPr lang="it-IT" sz="2000" i="1" dirty="0" err="1">
+                    <a:solidFill>
+                      <a:srgbClr val="0070C0"/>
+                    </a:solidFill>
+                    <a:latin typeface="+mn-lt"/>
+                  </a:rPr>
+                  <a:t>similarity</a:t>
+                </a:r>
+                <a:r>
+                  <a:rPr lang="it-IT" sz="2000" dirty="0">
+                    <a:solidFill>
+                      <a:srgbClr val="0070C0"/>
+                    </a:solidFill>
+                    <a:latin typeface="+mn-lt"/>
+                  </a:rPr>
+                  <a:t> </a:t>
+                </a:r>
+                <a:r>
+                  <a:rPr lang="it-IT" sz="2000" dirty="0">
+                    <a:latin typeface="+mn-lt"/>
+                  </a:rPr>
+                  <a:t>corrisponde ad un concetto di </a:t>
+                </a:r>
+                <a:r>
+                  <a:rPr lang="it-IT" sz="2000" i="1" dirty="0">
+                    <a:latin typeface="+mn-lt"/>
+                  </a:rPr>
+                  <a:t>simmetria</a:t>
+                </a:r>
+                <a:r>
+                  <a:rPr lang="it-IT" sz="2000" dirty="0">
+                    <a:latin typeface="+mn-lt"/>
+                  </a:rPr>
+                  <a:t> nel quale i nodi di una rete vengono identificati in base alla struttura della rete stessa e tramite relazioni con altri nodi.</a:t>
+                </a:r>
+              </a:p>
+              <a:p>
+                <a:pPr algn="just"/>
+                <a:endParaRPr lang="it-IT" sz="2000" dirty="0">
+                  <a:latin typeface="+mn-lt"/>
+                </a:endParaRPr>
+              </a:p>
+              <a:p>
+                <a:pPr algn="just"/>
+                <a:r>
+                  <a:rPr lang="it-IT" sz="2000" b="1" i="1" dirty="0">
+                    <a:solidFill>
+                      <a:srgbClr val="0033CC"/>
+                    </a:solidFill>
+                    <a:latin typeface="+mj-lt"/>
+                  </a:rPr>
+                  <a:t>struc2vec</a:t>
+                </a:r>
+                <a:endParaRPr lang="it-IT" sz="2000" dirty="0">
+                  <a:latin typeface="+mj-lt"/>
+                </a:endParaRPr>
+              </a:p>
+              <a:p>
+                <a:pPr marL="457200" indent="-457200" algn="just">
+                  <a:buAutoNum type="arabicParenR"/>
+                </a:pPr>
+                <a:r>
+                  <a:rPr lang="it-IT" sz="2000" dirty="0">
+                    <a:latin typeface="+mj-lt"/>
+                  </a:rPr>
+                  <a:t>è un framework flessibile</a:t>
+                </a:r>
+              </a:p>
+              <a:p>
+                <a:pPr marL="457200" indent="-457200" algn="just">
+                  <a:buAutoNum type="arabicParenR"/>
+                </a:pPr>
+                <a:r>
+                  <a:rPr lang="it-IT" sz="2000" dirty="0">
+                    <a:latin typeface="+mj-lt"/>
+                  </a:rPr>
+                  <a:t>apprende le </a:t>
+                </a:r>
+                <a:r>
+                  <a:rPr lang="it-IT" sz="2000" i="1" dirty="0" err="1">
+                    <a:latin typeface="+mj-lt"/>
+                  </a:rPr>
+                  <a:t>latent</a:t>
+                </a:r>
+                <a:r>
+                  <a:rPr lang="it-IT" sz="2000" i="1" dirty="0">
+                    <a:latin typeface="+mj-lt"/>
+                  </a:rPr>
+                  <a:t> </a:t>
+                </a:r>
+                <a:r>
+                  <a:rPr lang="it-IT" sz="2000" i="1" dirty="0" err="1">
+                    <a:latin typeface="+mj-lt"/>
+                  </a:rPr>
+                  <a:t>representations</a:t>
+                </a:r>
+                <a:r>
+                  <a:rPr lang="it-IT" sz="2000" i="1" dirty="0">
+                    <a:latin typeface="+mj-lt"/>
+                  </a:rPr>
+                  <a:t> </a:t>
+                </a:r>
+                <a:r>
+                  <a:rPr lang="it-IT" sz="2000" dirty="0">
+                    <a:latin typeface="+mj-lt"/>
+                  </a:rPr>
+                  <a:t>per la somiglianza strutturale di ogni nodo</a:t>
+                </a:r>
+              </a:p>
+              <a:p>
+                <a:pPr marL="457200" indent="-457200" algn="just">
+                  <a:buAutoNum type="arabicParenR"/>
+                </a:pPr>
+                <a:r>
+                  <a:rPr lang="it-IT" sz="2000" dirty="0">
+                    <a:latin typeface="+mj-lt"/>
+                  </a:rPr>
+                  <a:t>È molto performante anche in caso di forte rumore (archi eliminati). </a:t>
+                </a:r>
+                <a14:m>
+                  <m:oMath xmlns:m="http://schemas.openxmlformats.org/officeDocument/2006/math">
+                    <m:r>
+                      <a:rPr lang="it-IT" sz="2000" i="1">
+                        <a:solidFill>
+                          <a:srgbClr val="0070C0"/>
+                        </a:solidFill>
+                        <a:latin typeface="Cambria Math" panose="02040503050406030204" pitchFamily="18" charset="0"/>
+                      </a:rPr>
+                      <m:t>𝑂</m:t>
+                    </m:r>
+                    <m:d>
+                      <m:dPr>
+                        <m:ctrlPr>
+                          <a:rPr lang="it-IT" sz="2000" i="1">
+                            <a:solidFill>
+                              <a:srgbClr val="0070C0"/>
+                            </a:solidFill>
+                            <a:latin typeface="Cambria Math" panose="02040503050406030204" pitchFamily="18" charset="0"/>
+                          </a:rPr>
+                        </m:ctrlPr>
+                      </m:dPr>
+                      <m:e>
+                        <m:sSup>
+                          <m:sSupPr>
+                            <m:ctrlPr>
+                              <a:rPr lang="it-IT" sz="2000" i="1">
+                                <a:solidFill>
+                                  <a:srgbClr val="0070C0"/>
+                                </a:solidFill>
+                                <a:latin typeface="Cambria Math" panose="02040503050406030204" pitchFamily="18" charset="0"/>
+                              </a:rPr>
+                            </m:ctrlPr>
+                          </m:sSupPr>
+                          <m:e>
+                            <m:r>
+                              <a:rPr lang="it-IT" sz="2000" i="1">
+                                <a:solidFill>
+                                  <a:srgbClr val="0070C0"/>
+                                </a:solidFill>
+                                <a:latin typeface="Cambria Math" panose="02040503050406030204" pitchFamily="18" charset="0"/>
+                              </a:rPr>
+                              <m:t>𝑘</m:t>
+                            </m:r>
+                          </m:e>
+                          <m:sup>
+                            <m:r>
+                              <a:rPr lang="it-IT" sz="2000" i="1">
+                                <a:solidFill>
+                                  <a:srgbClr val="0070C0"/>
+                                </a:solidFill>
+                                <a:latin typeface="Cambria Math" panose="02040503050406030204" pitchFamily="18" charset="0"/>
+                              </a:rPr>
+                              <m:t>∗</m:t>
+                            </m:r>
+                          </m:sup>
+                        </m:sSup>
+                        <m:sSup>
+                          <m:sSupPr>
+                            <m:ctrlPr>
+                              <a:rPr lang="it-IT" sz="2000" i="1">
+                                <a:solidFill>
+                                  <a:srgbClr val="0070C0"/>
+                                </a:solidFill>
+                                <a:latin typeface="Cambria Math" panose="02040503050406030204" pitchFamily="18" charset="0"/>
+                              </a:rPr>
+                            </m:ctrlPr>
+                          </m:sSupPr>
+                          <m:e>
+                            <m:d>
+                              <m:dPr>
+                                <m:begChr m:val="|"/>
+                                <m:endChr m:val="|"/>
+                                <m:ctrlPr>
+                                  <a:rPr lang="it-IT" sz="2000" i="1">
+                                    <a:solidFill>
+                                      <a:srgbClr val="0070C0"/>
+                                    </a:solidFill>
+                                    <a:latin typeface="Cambria Math" panose="02040503050406030204" pitchFamily="18" charset="0"/>
+                                  </a:rPr>
+                                </m:ctrlPr>
+                              </m:dPr>
+                              <m:e>
+                                <m:r>
+                                  <a:rPr lang="it-IT" sz="2000" i="1">
+                                    <a:solidFill>
+                                      <a:srgbClr val="0070C0"/>
+                                    </a:solidFill>
+                                    <a:latin typeface="Cambria Math" panose="02040503050406030204" pitchFamily="18" charset="0"/>
+                                  </a:rPr>
+                                  <m:t>𝑉</m:t>
+                                </m:r>
+                              </m:e>
+                            </m:d>
+                          </m:e>
+                          <m:sup>
+                            <m:r>
+                              <a:rPr lang="it-IT" sz="2000" i="1">
+                                <a:solidFill>
+                                  <a:srgbClr val="0070C0"/>
+                                </a:solidFill>
+                                <a:latin typeface="Cambria Math" panose="02040503050406030204" pitchFamily="18" charset="0"/>
+                              </a:rPr>
+                              <m:t>3</m:t>
+                            </m:r>
+                          </m:sup>
+                        </m:sSup>
+                      </m:e>
+                    </m:d>
+                  </m:oMath>
+                </a14:m>
+                <a:endParaRPr lang="it-IT" sz="2000" dirty="0">
+                  <a:latin typeface="+mj-lt"/>
+                </a:endParaRPr>
+              </a:p>
+            </p:txBody>
+          </p:sp>
+        </mc:Choice>
+        <mc:Fallback>
+          <p:sp>
+            <p:nvSpPr>
+              <p:cNvPr id="8" name="CasellaDiTesto 7">
+                <a:extLst>
+                  <a:ext uri="{FF2B5EF4-FFF2-40B4-BE49-F238E27FC236}">
+                    <a16:creationId xmlns:a16="http://schemas.microsoft.com/office/drawing/2014/main" id="{A71E20D8-E1E9-4E76-A56C-54CDB617BD00}"/>
+                  </a:ext>
+                </a:extLst>
+              </p:cNvPr>
+              <p:cNvSpPr txBox="1">
+                <a:spLocks noRot="1" noChangeAspect="1" noMove="1" noResize="1" noEditPoints="1" noAdjustHandles="1" noChangeArrowheads="1" noChangeShapeType="1" noTextEdit="1"/>
+              </p:cNvSpPr>
+              <p:nvPr/>
+            </p:nvSpPr>
+            <p:spPr>
+              <a:xfrm>
+                <a:off x="15875" y="1053187"/>
+                <a:ext cx="8993096" cy="3170099"/>
+              </a:xfrm>
+              <a:prstGeom prst="rect">
+                <a:avLst/>
+              </a:prstGeom>
+              <a:blipFill>
+                <a:blip r:embed="rId3"/>
+                <a:stretch>
+                  <a:fillRect l="-746" t="-1154" r="-678" b="-2692"/>
+                </a:stretch>
+              </a:blipFill>
+            </p:spPr>
+            <p:txBody>
+              <a:bodyPr/>
+              <a:lstStyle/>
+              <a:p>
+                <a:r>
+                  <a:rPr lang="it-IT">
+                    <a:noFill/>
+                  </a:rPr>
+                  <a:t> </a:t>
+                </a:r>
+              </a:p>
+            </p:txBody>
+          </p:sp>
+        </mc:Fallback>
+      </mc:AlternateContent>
     </p:spTree>
     <p:extLst>
       <p:ext uri="{BB962C8B-B14F-4D97-AF65-F5344CB8AC3E}">
@@ -9250,8 +9497,23 @@
                 </a:solidFill>
                 <a:latin typeface="Tw Cen MT" panose="020B0602020104020603" pitchFamily="34" charset="0"/>
               </a:rPr>
-              <a:t>struc2vec</a:t>
-            </a:r>
+              <a:t>struc2vec – 4 </a:t>
+            </a:r>
+            <a:r>
+              <a:rPr lang="en-US" altLang="it-IT" sz="3600" i="1" dirty="0" err="1">
+                <a:solidFill>
+                  <a:srgbClr val="FFFFFF"/>
+                </a:solidFill>
+                <a:latin typeface="Tw Cen MT" panose="020B0602020104020603" pitchFamily="34" charset="0"/>
+              </a:rPr>
+              <a:t>fasi</a:t>
+            </a:r>
+            <a:endParaRPr lang="en-US" altLang="it-IT" sz="3600" i="1" dirty="0">
+              <a:solidFill>
+                <a:srgbClr val="FFFFFF"/>
+              </a:solidFill>
+              <a:latin typeface="Tw Cen MT" panose="020B0602020104020603" pitchFamily="34" charset="0"/>
+            </a:endParaRPr>
           </a:p>
         </p:txBody>
       </p:sp>
@@ -9280,7 +9542,7 @@
               <a:defRPr/>
             </a:pPr>
             <a:r>
-              <a:rPr lang="it-IT"/>
+              <a:rPr lang="it-IT" dirty="0"/>
               <a:t>Masiero L. Ivancich S.</a:t>
             </a:r>
             <a:endParaRPr lang="en-US" dirty="0"/>
@@ -9331,8 +9593,8 @@
         </p:nvSpPr>
         <p:spPr>
           <a:xfrm>
-            <a:off x="434975" y="1181692"/>
-            <a:ext cx="8289925" cy="4893647"/>
+            <a:off x="292099" y="1087144"/>
+            <a:ext cx="8289925" cy="5262979"/>
           </a:xfrm>
           <a:prstGeom prst="rect">
             <a:avLst/>
@@ -9345,18 +9607,6 @@
           </a:bodyPr>
           <a:lstStyle/>
           <a:p>
-            <a:pPr algn="just"/>
-            <a:r>
-              <a:rPr lang="it-IT" sz="2400" b="1" dirty="0">
-                <a:solidFill>
-                  <a:srgbClr val="0000FF"/>
-                </a:solidFill>
-                <a:latin typeface="+mj-lt"/>
-              </a:rPr>
-              <a:t>4 FASI</a:t>
-            </a:r>
-          </a:p>
-          <a:p>
             <a:pPr marL="457200" indent="-457200" algn="just">
               <a:buFont typeface="+mj-lt"/>
               <a:buAutoNum type="arabicParenR"/>
@@ -9389,7 +9639,7 @@
               <a:rPr lang="it-IT" sz="2400" dirty="0">
                 <a:latin typeface="+mj-lt"/>
               </a:rPr>
-              <a:t> crescenti;</a:t>
+              <a:t> crescenti.</a:t>
             </a:r>
           </a:p>
           <a:p>
@@ -9397,15 +9647,44 @@
               <a:buFont typeface="+mj-lt"/>
               <a:buAutoNum type="arabicParenR"/>
             </a:pPr>
+            <a:endParaRPr lang="it-IT" sz="2400" dirty="0">
+              <a:latin typeface="+mj-lt"/>
+            </a:endParaRPr>
+          </a:p>
+          <a:p>
+            <a:pPr marL="457200" indent="-457200">
+              <a:buFont typeface="+mj-lt"/>
+              <a:buAutoNum type="arabicParenR"/>
+            </a:pPr>
             <a:r>
               <a:rPr lang="it-IT" sz="2400" dirty="0">
                 <a:latin typeface="+mj-lt"/>
               </a:rPr>
-              <a:t>Costruisce un grafo multilivello pesato in cui tutti i nodi della rete compaiono ad ogni livello. Ogni livello corrisponde ad un livello della gerarchia calcolata al punto 1.</a:t>
-            </a:r>
-            <a:endParaRPr lang="it-IT" sz="2400" b="0" dirty="0">
-              <a:latin typeface="+mj-lt"/>
-            </a:endParaRPr>
+              <a:t>Costruisce un grafo multilivello pesato. Ogni livello è un grafo completo composto da tutti i nodi del grafo originale, il peso tra ogni coppia di nodi è </a:t>
+            </a:r>
+            <a:br>
+              <a:rPr lang="it-IT" sz="2400" dirty="0">
+                <a:latin typeface="+mj-lt"/>
+              </a:rPr>
+            </a:br>
+            <a:r>
+              <a:rPr lang="it-IT" sz="2400" dirty="0">
+                <a:latin typeface="+mj-lt"/>
+              </a:rPr>
+              <a:t>Ogni nodo è collegato col corrispondente nel </a:t>
+            </a:r>
+            <a:r>
+              <a:rPr lang="it-IT" sz="2400" dirty="0" err="1">
+                <a:latin typeface="+mj-lt"/>
+              </a:rPr>
+              <a:t>layer</a:t>
+            </a:r>
+            <a:r>
+              <a:rPr lang="it-IT" sz="2400" dirty="0">
+                <a:latin typeface="+mj-lt"/>
+              </a:rPr>
+              <a:t> inferiore e superiore con arco di peso </a:t>
+            </a:r>
           </a:p>
           <a:p>
             <a:pPr marL="457200" indent="-457200" algn="just">
@@ -9539,11 +9818,101 @@
               <a:rPr lang="it-IT" sz="2400" dirty="0">
                 <a:latin typeface="+mj-lt"/>
               </a:rPr>
-              <a:t>vicine se non uguali.</a:t>
+              <a:t>vicine.</a:t>
             </a:r>
           </a:p>
         </p:txBody>
       </p:sp>
+      <p:pic>
+        <p:nvPicPr>
+          <p:cNvPr id="2" name="Immagine 1">
+            <a:extLst>
+              <a:ext uri="{FF2B5EF4-FFF2-40B4-BE49-F238E27FC236}">
+                <a16:creationId xmlns:a16="http://schemas.microsoft.com/office/drawing/2014/main" id="{7A26823F-537C-4E6A-B5BC-AB90994EFB19}"/>
+              </a:ext>
+            </a:extLst>
+          </p:cNvPr>
+          <p:cNvPicPr>
+            <a:picLocks noChangeAspect="1"/>
+          </p:cNvPicPr>
+          <p:nvPr/>
+        </p:nvPicPr>
+        <p:blipFill>
+          <a:blip r:embed="rId3"/>
+          <a:stretch>
+            <a:fillRect/>
+          </a:stretch>
+        </p:blipFill>
+        <p:spPr>
+          <a:xfrm>
+            <a:off x="3969471" y="2924175"/>
+            <a:ext cx="2400300" cy="504825"/>
+          </a:xfrm>
+          <a:prstGeom prst="rect">
+            <a:avLst/>
+          </a:prstGeom>
+        </p:spPr>
+      </p:pic>
+      <p:pic>
+        <p:nvPicPr>
+          <p:cNvPr id="3" name="Immagine 2">
+            <a:extLst>
+              <a:ext uri="{FF2B5EF4-FFF2-40B4-BE49-F238E27FC236}">
+                <a16:creationId xmlns:a16="http://schemas.microsoft.com/office/drawing/2014/main" id="{88594B17-11C9-412B-959F-EA2A1AF9A5B4}"/>
+              </a:ext>
+            </a:extLst>
+          </p:cNvPr>
+          <p:cNvPicPr>
+            <a:picLocks noChangeAspect="1"/>
+          </p:cNvPicPr>
+          <p:nvPr/>
+        </p:nvPicPr>
+        <p:blipFill>
+          <a:blip r:embed="rId4"/>
+          <a:stretch>
+            <a:fillRect/>
+          </a:stretch>
+        </p:blipFill>
+        <p:spPr>
+          <a:xfrm>
+            <a:off x="4108016" y="3718633"/>
+            <a:ext cx="3495675" cy="314325"/>
+          </a:xfrm>
+          <a:prstGeom prst="rect">
+            <a:avLst/>
+          </a:prstGeom>
+        </p:spPr>
+      </p:pic>
+      <p:pic>
+        <p:nvPicPr>
+          <p:cNvPr id="4" name="Immagine 3">
+            <a:extLst>
+              <a:ext uri="{FF2B5EF4-FFF2-40B4-BE49-F238E27FC236}">
+                <a16:creationId xmlns:a16="http://schemas.microsoft.com/office/drawing/2014/main" id="{EABD8B5A-DFA7-45D3-B444-10F7C31ABB0B}"/>
+              </a:ext>
+            </a:extLst>
+          </p:cNvPr>
+          <p:cNvPicPr>
+            <a:picLocks noChangeAspect="1"/>
+          </p:cNvPicPr>
+          <p:nvPr/>
+        </p:nvPicPr>
+        <p:blipFill>
+          <a:blip r:embed="rId5"/>
+          <a:stretch>
+            <a:fillRect/>
+          </a:stretch>
+        </p:blipFill>
+        <p:spPr>
+          <a:xfrm>
+            <a:off x="2725521" y="1854728"/>
+            <a:ext cx="5391150" cy="381000"/>
+          </a:xfrm>
+          <a:prstGeom prst="rect">
+            <a:avLst/>
+          </a:prstGeom>
+        </p:spPr>
+      </p:pic>
     </p:spTree>
     <p:extLst>
       <p:ext uri="{BB962C8B-B14F-4D97-AF65-F5344CB8AC3E}">
@@ -10718,256 +11087,704 @@
           </a:p>
         </p:txBody>
       </p:sp>
-      <p:sp>
-        <p:nvSpPr>
-          <p:cNvPr id="5" name="Title 1">
-            <a:extLst>
-              <a:ext uri="{FF2B5EF4-FFF2-40B4-BE49-F238E27FC236}">
-                <a16:creationId xmlns:a16="http://schemas.microsoft.com/office/drawing/2014/main" id="{DBC3FFBC-7C11-4F3E-B95A-562E8B90587A}"/>
-              </a:ext>
-            </a:extLst>
-          </p:cNvPr>
-          <p:cNvSpPr txBox="1">
-            <a:spLocks/>
-          </p:cNvSpPr>
-          <p:nvPr/>
-        </p:nvSpPr>
-        <p:spPr bwMode="auto">
-          <a:xfrm>
-            <a:off x="292778" y="1619864"/>
-            <a:ext cx="8432122" cy="4375828"/>
-          </a:xfrm>
-          <a:prstGeom prst="rect">
-            <a:avLst/>
-          </a:prstGeom>
-          <a:noFill/>
-          <a:ln>
-            <a:noFill/>
-          </a:ln>
-          <a:extLst>
-            <a:ext uri="{909E8E84-426E-40DD-AFC4-6F175D3DCCD1}">
-              <a14:hiddenFill xmlns:a14="http://schemas.microsoft.com/office/drawing/2010/main">
-                <a:solidFill>
-                  <a:srgbClr val="FFFFFF"/>
-                </a:solidFill>
-              </a14:hiddenFill>
-            </a:ext>
-            <a:ext uri="{91240B29-F687-4F45-9708-019B960494DF}">
-              <a14:hiddenLine xmlns:a14="http://schemas.microsoft.com/office/drawing/2010/main" w="9525">
-                <a:solidFill>
-                  <a:srgbClr val="000000"/>
-                </a:solidFill>
-                <a:miter lim="800000"/>
-                <a:headEnd/>
-                <a:tailEnd/>
-              </a14:hiddenLine>
-            </a:ext>
-          </a:extLst>
-        </p:spPr>
-        <p:txBody>
-          <a:bodyPr/>
-          <a:lstStyle>
-            <a:lvl1pPr eaLnBrk="0" hangingPunct="0">
-              <a:defRPr sz="2400">
-                <a:solidFill>
-                  <a:schemeClr val="tx1"/>
-                </a:solidFill>
-                <a:latin typeface="Arial" panose="020B0604020202020204" pitchFamily="34" charset="0"/>
-                <a:ea typeface="MS PGothic" panose="020B0600070205080204" pitchFamily="34" charset="-128"/>
-              </a:defRPr>
-            </a:lvl1pPr>
-            <a:lvl2pPr marL="742950" indent="-285750" eaLnBrk="0" hangingPunct="0">
-              <a:defRPr sz="2400">
-                <a:solidFill>
-                  <a:schemeClr val="tx1"/>
-                </a:solidFill>
-                <a:latin typeface="Arial" panose="020B0604020202020204" pitchFamily="34" charset="0"/>
-                <a:ea typeface="MS PGothic" panose="020B0600070205080204" pitchFamily="34" charset="-128"/>
-              </a:defRPr>
-            </a:lvl2pPr>
-            <a:lvl3pPr marL="1143000" indent="-228600" eaLnBrk="0" hangingPunct="0">
-              <a:defRPr sz="2400">
-                <a:solidFill>
-                  <a:schemeClr val="tx1"/>
-                </a:solidFill>
-                <a:latin typeface="Arial" panose="020B0604020202020204" pitchFamily="34" charset="0"/>
-                <a:ea typeface="MS PGothic" panose="020B0600070205080204" pitchFamily="34" charset="-128"/>
-              </a:defRPr>
-            </a:lvl3pPr>
-            <a:lvl4pPr marL="1600200" indent="-228600" eaLnBrk="0" hangingPunct="0">
-              <a:defRPr sz="2400">
-                <a:solidFill>
-                  <a:schemeClr val="tx1"/>
-                </a:solidFill>
-                <a:latin typeface="Arial" panose="020B0604020202020204" pitchFamily="34" charset="0"/>
-                <a:ea typeface="MS PGothic" panose="020B0600070205080204" pitchFamily="34" charset="-128"/>
-              </a:defRPr>
-            </a:lvl4pPr>
-            <a:lvl5pPr marL="2057400" indent="-228600" eaLnBrk="0" hangingPunct="0">
-              <a:defRPr sz="2400">
-                <a:solidFill>
-                  <a:schemeClr val="tx1"/>
-                </a:solidFill>
-                <a:latin typeface="Arial" panose="020B0604020202020204" pitchFamily="34" charset="0"/>
-                <a:ea typeface="MS PGothic" panose="020B0600070205080204" pitchFamily="34" charset="-128"/>
-              </a:defRPr>
-            </a:lvl5pPr>
-            <a:lvl6pPr marL="2514600" indent="-228600" defTabSz="457200" eaLnBrk="0" fontAlgn="base" hangingPunct="0">
-              <a:spcBef>
-                <a:spcPct val="0"/>
-              </a:spcBef>
-              <a:spcAft>
-                <a:spcPct val="0"/>
-              </a:spcAft>
-              <a:defRPr sz="2400">
-                <a:solidFill>
-                  <a:schemeClr val="tx1"/>
-                </a:solidFill>
-                <a:latin typeface="Arial" panose="020B0604020202020204" pitchFamily="34" charset="0"/>
-                <a:ea typeface="MS PGothic" panose="020B0600070205080204" pitchFamily="34" charset="-128"/>
-              </a:defRPr>
-            </a:lvl6pPr>
-            <a:lvl7pPr marL="2971800" indent="-228600" defTabSz="457200" eaLnBrk="0" fontAlgn="base" hangingPunct="0">
-              <a:spcBef>
-                <a:spcPct val="0"/>
-              </a:spcBef>
-              <a:spcAft>
-                <a:spcPct val="0"/>
-              </a:spcAft>
-              <a:defRPr sz="2400">
-                <a:solidFill>
-                  <a:schemeClr val="tx1"/>
-                </a:solidFill>
-                <a:latin typeface="Arial" panose="020B0604020202020204" pitchFamily="34" charset="0"/>
-                <a:ea typeface="MS PGothic" panose="020B0600070205080204" pitchFamily="34" charset="-128"/>
-              </a:defRPr>
-            </a:lvl7pPr>
-            <a:lvl8pPr marL="3429000" indent="-228600" defTabSz="457200" eaLnBrk="0" fontAlgn="base" hangingPunct="0">
-              <a:spcBef>
-                <a:spcPct val="0"/>
-              </a:spcBef>
-              <a:spcAft>
-                <a:spcPct val="0"/>
-              </a:spcAft>
-              <a:defRPr sz="2400">
-                <a:solidFill>
-                  <a:schemeClr val="tx1"/>
-                </a:solidFill>
-                <a:latin typeface="Arial" panose="020B0604020202020204" pitchFamily="34" charset="0"/>
-                <a:ea typeface="MS PGothic" panose="020B0600070205080204" pitchFamily="34" charset="-128"/>
-              </a:defRPr>
-            </a:lvl8pPr>
-            <a:lvl9pPr marL="3886200" indent="-228600" defTabSz="457200" eaLnBrk="0" fontAlgn="base" hangingPunct="0">
-              <a:spcBef>
-                <a:spcPct val="0"/>
-              </a:spcBef>
-              <a:spcAft>
-                <a:spcPct val="0"/>
-              </a:spcAft>
-              <a:defRPr sz="2400">
-                <a:solidFill>
-                  <a:schemeClr val="tx1"/>
-                </a:solidFill>
-                <a:latin typeface="Arial" panose="020B0604020202020204" pitchFamily="34" charset="0"/>
-                <a:ea typeface="MS PGothic" panose="020B0600070205080204" pitchFamily="34" charset="-128"/>
-              </a:defRPr>
-            </a:lvl9pPr>
-          </a:lstStyle>
-          <a:p>
-            <a:pPr algn="just"/>
-            <a:r>
-              <a:rPr lang="it-IT" altLang="it-IT" dirty="0">
-                <a:latin typeface="Tw Cen MT" panose="020B0602020104020603" pitchFamily="34" charset="0"/>
-              </a:rPr>
-              <a:t>Il corpus di dati PPI è cresciuto esponenzialmente. </a:t>
-            </a:r>
-          </a:p>
-          <a:p>
-            <a:pPr algn="just"/>
-            <a:r>
-              <a:rPr lang="it-IT" altLang="it-IT" dirty="0">
-                <a:latin typeface="Tw Cen MT" panose="020B0602020104020603" pitchFamily="34" charset="0"/>
-              </a:rPr>
-              <a:t>Scoprire e capire i pattern all’interno delle PPIN è un problema centrale in Biologia.</a:t>
-            </a:r>
-          </a:p>
-          <a:p>
-            <a:pPr algn="just"/>
-            <a:endParaRPr lang="it-IT" altLang="it-IT" dirty="0">
-              <a:latin typeface="Tw Cen MT" panose="020B0602020104020603" pitchFamily="34" charset="0"/>
-            </a:endParaRPr>
-          </a:p>
-          <a:p>
-            <a:pPr algn="just"/>
-            <a:r>
-              <a:rPr lang="it-IT" altLang="it-IT" dirty="0">
-                <a:latin typeface="Tw Cen MT" panose="020B0602020104020603" pitchFamily="34" charset="0"/>
-              </a:rPr>
-              <a:t>Gli allineamenti tra le reti permettono di scoprire informazioni su complessi proteici che fino a pochi anni fa erano sconosciute. </a:t>
-            </a:r>
-          </a:p>
-          <a:p>
-            <a:pPr algn="just"/>
-            <a:endParaRPr lang="it-IT" altLang="it-IT" dirty="0">
-              <a:latin typeface="Tw Cen MT" panose="020B0602020104020603" pitchFamily="34" charset="0"/>
-            </a:endParaRPr>
-          </a:p>
-          <a:p>
-            <a:pPr algn="just"/>
-            <a:r>
-              <a:rPr lang="it-IT" altLang="it-IT" dirty="0">
-                <a:latin typeface="Tw Cen MT" panose="020B0602020104020603" pitchFamily="34" charset="0"/>
-              </a:rPr>
-              <a:t>Molte </a:t>
-            </a:r>
-            <a:r>
-              <a:rPr lang="it-IT" altLang="it-IT" dirty="0">
-                <a:solidFill>
-                  <a:srgbClr val="C00000"/>
-                </a:solidFill>
-                <a:latin typeface="Tw Cen MT" panose="020B0602020104020603" pitchFamily="34" charset="0"/>
-              </a:rPr>
-              <a:t>sfide</a:t>
-            </a:r>
-            <a:r>
-              <a:rPr lang="it-IT" altLang="it-IT" dirty="0">
-                <a:latin typeface="Tw Cen MT" panose="020B0602020104020603" pitchFamily="34" charset="0"/>
-              </a:rPr>
-              <a:t> sono ancora aperte e molte </a:t>
-            </a:r>
-            <a:r>
-              <a:rPr lang="it-IT" altLang="it-IT" dirty="0">
-                <a:solidFill>
-                  <a:srgbClr val="C00000"/>
-                </a:solidFill>
-                <a:latin typeface="Tw Cen MT" panose="020B0602020104020603" pitchFamily="34" charset="0"/>
-              </a:rPr>
-              <a:t>frontiere</a:t>
-            </a:r>
-            <a:r>
-              <a:rPr lang="it-IT" altLang="it-IT" dirty="0">
-                <a:latin typeface="Tw Cen MT" panose="020B0602020104020603" pitchFamily="34" charset="0"/>
-              </a:rPr>
-              <a:t> devono ancora essere esplorate.</a:t>
-            </a:r>
-          </a:p>
-          <a:p>
-            <a:pPr algn="just"/>
-            <a:endParaRPr lang="it-IT" altLang="it-IT" dirty="0">
-              <a:latin typeface="Tw Cen MT" panose="020B0602020104020603" pitchFamily="34" charset="0"/>
-            </a:endParaRPr>
-          </a:p>
-          <a:p>
-            <a:pPr algn="just"/>
-            <a:r>
-              <a:rPr lang="it-IT" altLang="it-IT" dirty="0">
-                <a:latin typeface="Tw Cen MT" panose="020B0602020104020603" pitchFamily="34" charset="0"/>
-              </a:rPr>
-              <a:t>Grazie per l’attenzione!</a:t>
-            </a:r>
-          </a:p>
-        </p:txBody>
-      </p:sp>
+      <mc:AlternateContent xmlns:mc="http://schemas.openxmlformats.org/markup-compatibility/2006">
+        <mc:Choice xmlns:a14="http://schemas.microsoft.com/office/drawing/2010/main" Requires="a14">
+          <p:sp>
+            <p:nvSpPr>
+              <p:cNvPr id="5" name="Title 1">
+                <a:extLst>
+                  <a:ext uri="{FF2B5EF4-FFF2-40B4-BE49-F238E27FC236}">
+                    <a16:creationId xmlns:a16="http://schemas.microsoft.com/office/drawing/2014/main" id="{DBC3FFBC-7C11-4F3E-B95A-562E8B90587A}"/>
+                  </a:ext>
+                </a:extLst>
+              </p:cNvPr>
+              <p:cNvSpPr txBox="1">
+                <a:spLocks/>
+              </p:cNvSpPr>
+              <p:nvPr/>
+            </p:nvSpPr>
+            <p:spPr bwMode="auto">
+              <a:xfrm>
+                <a:off x="292778" y="1181692"/>
+                <a:ext cx="8432122" cy="4814000"/>
+              </a:xfrm>
+              <a:prstGeom prst="rect">
+                <a:avLst/>
+              </a:prstGeom>
+              <a:noFill/>
+              <a:ln>
+                <a:noFill/>
+              </a:ln>
+              <a:extLst>
+                <a:ext uri="{909E8E84-426E-40DD-AFC4-6F175D3DCCD1}">
+                  <a14:hiddenFill>
+                    <a:solidFill>
+                      <a:srgbClr val="FFFFFF"/>
+                    </a:solidFill>
+                  </a14:hiddenFill>
+                </a:ext>
+                <a:ext uri="{91240B29-F687-4F45-9708-019B960494DF}">
+                  <a14:hiddenLine w="9525">
+                    <a:solidFill>
+                      <a:srgbClr val="000000"/>
+                    </a:solidFill>
+                    <a:miter lim="800000"/>
+                    <a:headEnd/>
+                    <a:tailEnd/>
+                  </a14:hiddenLine>
+                </a:ext>
+              </a:extLst>
+            </p:spPr>
+            <p:txBody>
+              <a:bodyPr/>
+              <a:lstStyle>
+                <a:lvl1pPr eaLnBrk="0" hangingPunct="0">
+                  <a:defRPr sz="2400">
+                    <a:solidFill>
+                      <a:schemeClr val="tx1"/>
+                    </a:solidFill>
+                    <a:latin typeface="Arial" panose="020B0604020202020204" pitchFamily="34" charset="0"/>
+                    <a:ea typeface="MS PGothic" panose="020B0600070205080204" pitchFamily="34" charset="-128"/>
+                  </a:defRPr>
+                </a:lvl1pPr>
+                <a:lvl2pPr marL="742950" indent="-285750" eaLnBrk="0" hangingPunct="0">
+                  <a:defRPr sz="2400">
+                    <a:solidFill>
+                      <a:schemeClr val="tx1"/>
+                    </a:solidFill>
+                    <a:latin typeface="Arial" panose="020B0604020202020204" pitchFamily="34" charset="0"/>
+                    <a:ea typeface="MS PGothic" panose="020B0600070205080204" pitchFamily="34" charset="-128"/>
+                  </a:defRPr>
+                </a:lvl2pPr>
+                <a:lvl3pPr marL="1143000" indent="-228600" eaLnBrk="0" hangingPunct="0">
+                  <a:defRPr sz="2400">
+                    <a:solidFill>
+                      <a:schemeClr val="tx1"/>
+                    </a:solidFill>
+                    <a:latin typeface="Arial" panose="020B0604020202020204" pitchFamily="34" charset="0"/>
+                    <a:ea typeface="MS PGothic" panose="020B0600070205080204" pitchFamily="34" charset="-128"/>
+                  </a:defRPr>
+                </a:lvl3pPr>
+                <a:lvl4pPr marL="1600200" indent="-228600" eaLnBrk="0" hangingPunct="0">
+                  <a:defRPr sz="2400">
+                    <a:solidFill>
+                      <a:schemeClr val="tx1"/>
+                    </a:solidFill>
+                    <a:latin typeface="Arial" panose="020B0604020202020204" pitchFamily="34" charset="0"/>
+                    <a:ea typeface="MS PGothic" panose="020B0600070205080204" pitchFamily="34" charset="-128"/>
+                  </a:defRPr>
+                </a:lvl4pPr>
+                <a:lvl5pPr marL="2057400" indent="-228600" eaLnBrk="0" hangingPunct="0">
+                  <a:defRPr sz="2400">
+                    <a:solidFill>
+                      <a:schemeClr val="tx1"/>
+                    </a:solidFill>
+                    <a:latin typeface="Arial" panose="020B0604020202020204" pitchFamily="34" charset="0"/>
+                    <a:ea typeface="MS PGothic" panose="020B0600070205080204" pitchFamily="34" charset="-128"/>
+                  </a:defRPr>
+                </a:lvl5pPr>
+                <a:lvl6pPr marL="2514600" indent="-228600" defTabSz="457200" eaLnBrk="0" fontAlgn="base" hangingPunct="0">
+                  <a:spcBef>
+                    <a:spcPct val="0"/>
+                  </a:spcBef>
+                  <a:spcAft>
+                    <a:spcPct val="0"/>
+                  </a:spcAft>
+                  <a:defRPr sz="2400">
+                    <a:solidFill>
+                      <a:schemeClr val="tx1"/>
+                    </a:solidFill>
+                    <a:latin typeface="Arial" panose="020B0604020202020204" pitchFamily="34" charset="0"/>
+                    <a:ea typeface="MS PGothic" panose="020B0600070205080204" pitchFamily="34" charset="-128"/>
+                  </a:defRPr>
+                </a:lvl6pPr>
+                <a:lvl7pPr marL="2971800" indent="-228600" defTabSz="457200" eaLnBrk="0" fontAlgn="base" hangingPunct="0">
+                  <a:spcBef>
+                    <a:spcPct val="0"/>
+                  </a:spcBef>
+                  <a:spcAft>
+                    <a:spcPct val="0"/>
+                  </a:spcAft>
+                  <a:defRPr sz="2400">
+                    <a:solidFill>
+                      <a:schemeClr val="tx1"/>
+                    </a:solidFill>
+                    <a:latin typeface="Arial" panose="020B0604020202020204" pitchFamily="34" charset="0"/>
+                    <a:ea typeface="MS PGothic" panose="020B0600070205080204" pitchFamily="34" charset="-128"/>
+                  </a:defRPr>
+                </a:lvl7pPr>
+                <a:lvl8pPr marL="3429000" indent="-228600" defTabSz="457200" eaLnBrk="0" fontAlgn="base" hangingPunct="0">
+                  <a:spcBef>
+                    <a:spcPct val="0"/>
+                  </a:spcBef>
+                  <a:spcAft>
+                    <a:spcPct val="0"/>
+                  </a:spcAft>
+                  <a:defRPr sz="2400">
+                    <a:solidFill>
+                      <a:schemeClr val="tx1"/>
+                    </a:solidFill>
+                    <a:latin typeface="Arial" panose="020B0604020202020204" pitchFamily="34" charset="0"/>
+                    <a:ea typeface="MS PGothic" panose="020B0600070205080204" pitchFamily="34" charset="-128"/>
+                  </a:defRPr>
+                </a:lvl8pPr>
+                <a:lvl9pPr marL="3886200" indent="-228600" defTabSz="457200" eaLnBrk="0" fontAlgn="base" hangingPunct="0">
+                  <a:spcBef>
+                    <a:spcPct val="0"/>
+                  </a:spcBef>
+                  <a:spcAft>
+                    <a:spcPct val="0"/>
+                  </a:spcAft>
+                  <a:defRPr sz="2400">
+                    <a:solidFill>
+                      <a:schemeClr val="tx1"/>
+                    </a:solidFill>
+                    <a:latin typeface="Arial" panose="020B0604020202020204" pitchFamily="34" charset="0"/>
+                    <a:ea typeface="MS PGothic" panose="020B0600070205080204" pitchFamily="34" charset="-128"/>
+                  </a:defRPr>
+                </a:lvl9pPr>
+              </a:lstStyle>
+              <a:p>
+                <a:pPr algn="just"/>
+                <a:r>
+                  <a:rPr lang="it-IT" altLang="it-IT" b="1" dirty="0">
+                    <a:latin typeface="Tw Cen MT" panose="020B0602020104020603" pitchFamily="34" charset="0"/>
+                  </a:rPr>
+                  <a:t>Network </a:t>
+                </a:r>
+                <a:r>
+                  <a:rPr lang="it-IT" altLang="it-IT" b="1" dirty="0" err="1">
+                    <a:latin typeface="Tw Cen MT" panose="020B0602020104020603" pitchFamily="34" charset="0"/>
+                  </a:rPr>
+                  <a:t>Alignment</a:t>
+                </a:r>
+                <a:r>
+                  <a:rPr lang="it-IT" altLang="it-IT" dirty="0">
+                    <a:latin typeface="Tw Cen MT" panose="020B0602020104020603" pitchFamily="34" charset="0"/>
+                  </a:rPr>
+                  <a:t>: allineare/trovare similitudini tra grafi.</a:t>
+                </a:r>
+              </a:p>
+              <a:p>
+                <a:pPr algn="just"/>
+                <a:r>
+                  <a:rPr lang="it-IT" altLang="it-IT" dirty="0">
+                    <a:latin typeface="Tw Cen MT" panose="020B0602020104020603" pitchFamily="34" charset="0"/>
+                  </a:rPr>
+                  <a:t>In particolare tra le </a:t>
+                </a:r>
+                <a:r>
+                  <a:rPr lang="it-IT" altLang="it-IT" b="1" dirty="0">
+                    <a:latin typeface="Tw Cen MT" panose="020B0602020104020603" pitchFamily="34" charset="0"/>
+                  </a:rPr>
+                  <a:t>Reti di Interazione Proteina-Proteina</a:t>
+                </a:r>
+              </a:p>
+              <a:p>
+                <a:pPr algn="just"/>
+                <a:r>
+                  <a:rPr lang="it-IT" altLang="it-IT" dirty="0">
+                    <a:latin typeface="Tw Cen MT" panose="020B0602020104020603" pitchFamily="34" charset="0"/>
+                  </a:rPr>
+                  <a:t>Il corpus di dati PPI è cresciuto esponenzialmente.</a:t>
+                </a:r>
+              </a:p>
+              <a:p>
+                <a:pPr algn="just"/>
+                <a:endParaRPr lang="it-IT" altLang="it-IT" dirty="0">
+                  <a:latin typeface="Tw Cen MT" panose="020B0602020104020603" pitchFamily="34" charset="0"/>
+                </a:endParaRPr>
+              </a:p>
+              <a:p>
+                <a:pPr algn="just"/>
+                <a:r>
+                  <a:rPr lang="it-IT" altLang="it-IT" b="1" dirty="0">
+                    <a:latin typeface="Tw Cen MT" panose="020B0602020104020603" pitchFamily="34" charset="0"/>
+                  </a:rPr>
+                  <a:t>4 metodi:</a:t>
+                </a:r>
+              </a:p>
+              <a:p>
+                <a:pPr marL="342900" indent="-342900" algn="just">
+                  <a:buFont typeface="Arial" panose="020B0604020202020204" pitchFamily="34" charset="0"/>
+                  <a:buChar char="•"/>
+                </a:pPr>
+                <a:r>
+                  <a:rPr lang="it-IT" altLang="it-IT" b="1" dirty="0">
+                    <a:latin typeface="Tw Cen MT" panose="020B0602020104020603" pitchFamily="34" charset="0"/>
+                  </a:rPr>
+                  <a:t>MTGO</a:t>
+                </a:r>
+                <a:r>
+                  <a:rPr lang="it-IT" altLang="it-IT" dirty="0">
+                    <a:latin typeface="Tw Cen MT" panose="020B0602020104020603" pitchFamily="34" charset="0"/>
+                  </a:rPr>
+                  <a:t>: 13 citazioni</a:t>
+                </a:r>
+              </a:p>
+              <a:p>
+                <a:pPr marL="342900" indent="-342900" algn="just">
+                  <a:buFont typeface="Arial" panose="020B0604020202020204" pitchFamily="34" charset="0"/>
+                  <a:buChar char="•"/>
+                </a:pPr>
+                <a:r>
+                  <a:rPr lang="it-IT" altLang="it-IT" b="1" dirty="0" err="1">
+                    <a:latin typeface="Tw Cen MT" panose="020B0602020104020603" pitchFamily="34" charset="0"/>
+                  </a:rPr>
+                  <a:t>Isorank</a:t>
+                </a:r>
+                <a:r>
+                  <a:rPr lang="it-IT" altLang="it-IT" dirty="0">
+                    <a:latin typeface="Tw Cen MT" panose="020B0602020104020603" pitchFamily="34" charset="0"/>
+                  </a:rPr>
+                  <a:t>: 500 citazioni ma in calo dal 2008</a:t>
+                </a:r>
+              </a:p>
+              <a:p>
+                <a:pPr marL="342900" indent="-342900" algn="just">
+                  <a:buFont typeface="Arial" panose="020B0604020202020204" pitchFamily="34" charset="0"/>
+                  <a:buChar char="•"/>
+                </a:pPr>
+                <a:r>
+                  <a:rPr lang="it-IT" altLang="it-IT" b="1" dirty="0" err="1">
+                    <a:latin typeface="Tw Cen MT" panose="020B0602020104020603" pitchFamily="34" charset="0"/>
+                  </a:rPr>
+                  <a:t>Lgraal</a:t>
+                </a:r>
+                <a:r>
+                  <a:rPr lang="it-IT" altLang="it-IT" dirty="0">
+                    <a:latin typeface="Tw Cen MT" panose="020B0602020104020603" pitchFamily="34" charset="0"/>
+                  </a:rPr>
+                  <a:t>: empiricamente migliore di </a:t>
+                </a:r>
+                <a:r>
+                  <a:rPr lang="it-IT" altLang="it-IT" dirty="0" err="1">
+                    <a:latin typeface="Tw Cen MT" panose="020B0602020104020603" pitchFamily="34" charset="0"/>
+                  </a:rPr>
+                  <a:t>Isorank</a:t>
+                </a:r>
+                <a:r>
+                  <a:rPr lang="it-IT" altLang="it-IT" dirty="0">
+                    <a:latin typeface="Tw Cen MT" panose="020B0602020104020603" pitchFamily="34" charset="0"/>
+                  </a:rPr>
+                  <a:t> </a:t>
+                </a:r>
+                <a14:m>
+                  <m:oMath xmlns:m="http://schemas.openxmlformats.org/officeDocument/2006/math">
+                    <m:r>
+                      <a:rPr lang="it-IT" i="1">
+                        <a:solidFill>
+                          <a:srgbClr val="0070C0"/>
+                        </a:solidFill>
+                        <a:latin typeface="Cambria Math" panose="02040503050406030204" pitchFamily="18" charset="0"/>
+                      </a:rPr>
+                      <m:t>𝑂</m:t>
+                    </m:r>
+                    <m:d>
+                      <m:dPr>
+                        <m:ctrlPr>
+                          <a:rPr lang="it-IT" i="1">
+                            <a:solidFill>
+                              <a:srgbClr val="0070C0"/>
+                            </a:solidFill>
+                            <a:latin typeface="Cambria Math" panose="02040503050406030204" pitchFamily="18" charset="0"/>
+                          </a:rPr>
+                        </m:ctrlPr>
+                      </m:dPr>
+                      <m:e>
+                        <m:sSup>
+                          <m:sSupPr>
+                            <m:ctrlPr>
+                              <a:rPr lang="it-IT" i="1">
+                                <a:solidFill>
+                                  <a:srgbClr val="0070C0"/>
+                                </a:solidFill>
+                                <a:latin typeface="Cambria Math" panose="02040503050406030204" pitchFamily="18" charset="0"/>
+                              </a:rPr>
+                            </m:ctrlPr>
+                          </m:sSupPr>
+                          <m:e>
+                            <m:d>
+                              <m:dPr>
+                                <m:begChr m:val="|"/>
+                                <m:endChr m:val="|"/>
+                                <m:ctrlPr>
+                                  <a:rPr lang="it-IT" i="1">
+                                    <a:solidFill>
+                                      <a:srgbClr val="0070C0"/>
+                                    </a:solidFill>
+                                    <a:latin typeface="Cambria Math" panose="02040503050406030204" pitchFamily="18" charset="0"/>
+                                  </a:rPr>
+                                </m:ctrlPr>
+                              </m:dPr>
+                              <m:e>
+                                <m:r>
+                                  <a:rPr lang="it-IT" i="1">
+                                    <a:solidFill>
+                                      <a:srgbClr val="0070C0"/>
+                                    </a:solidFill>
+                                    <a:latin typeface="Cambria Math" panose="02040503050406030204" pitchFamily="18" charset="0"/>
+                                  </a:rPr>
+                                  <m:t>𝑉</m:t>
+                                </m:r>
+                              </m:e>
+                            </m:d>
+                          </m:e>
+                          <m:sup>
+                            <m:r>
+                              <a:rPr lang="it-IT" i="1">
+                                <a:solidFill>
+                                  <a:srgbClr val="0070C0"/>
+                                </a:solidFill>
+                                <a:latin typeface="Cambria Math" panose="02040503050406030204" pitchFamily="18" charset="0"/>
+                              </a:rPr>
+                              <m:t>3</m:t>
+                            </m:r>
+                          </m:sup>
+                        </m:sSup>
+                        <m:r>
+                          <a:rPr lang="it-IT" i="1">
+                            <a:solidFill>
+                              <a:srgbClr val="0070C0"/>
+                            </a:solidFill>
+                            <a:latin typeface="Cambria Math" panose="02040503050406030204" pitchFamily="18" charset="0"/>
+                          </a:rPr>
+                          <m:t>+</m:t>
+                        </m:r>
+                        <m:sSup>
+                          <m:sSupPr>
+                            <m:ctrlPr>
+                              <a:rPr lang="it-IT" i="1">
+                                <a:solidFill>
+                                  <a:srgbClr val="0070C0"/>
+                                </a:solidFill>
+                                <a:latin typeface="Cambria Math" panose="02040503050406030204" pitchFamily="18" charset="0"/>
+                              </a:rPr>
+                            </m:ctrlPr>
+                          </m:sSupPr>
+                          <m:e>
+                            <m:d>
+                              <m:dPr>
+                                <m:begChr m:val="|"/>
+                                <m:endChr m:val="|"/>
+                                <m:ctrlPr>
+                                  <a:rPr lang="it-IT" i="1">
+                                    <a:solidFill>
+                                      <a:srgbClr val="0070C0"/>
+                                    </a:solidFill>
+                                    <a:latin typeface="Cambria Math" panose="02040503050406030204" pitchFamily="18" charset="0"/>
+                                  </a:rPr>
+                                </m:ctrlPr>
+                              </m:dPr>
+                              <m:e>
+                                <m:r>
+                                  <a:rPr lang="it-IT" i="1">
+                                    <a:solidFill>
+                                      <a:srgbClr val="0070C0"/>
+                                    </a:solidFill>
+                                    <a:latin typeface="Cambria Math" panose="02040503050406030204" pitchFamily="18" charset="0"/>
+                                  </a:rPr>
+                                  <m:t>𝑉</m:t>
+                                </m:r>
+                              </m:e>
+                            </m:d>
+                          </m:e>
+                          <m:sup>
+                            <m:r>
+                              <a:rPr lang="it-IT" i="1">
+                                <a:solidFill>
+                                  <a:srgbClr val="0070C0"/>
+                                </a:solidFill>
+                                <a:latin typeface="Cambria Math" panose="02040503050406030204" pitchFamily="18" charset="0"/>
+                              </a:rPr>
+                              <m:t>2</m:t>
+                            </m:r>
+                          </m:sup>
+                        </m:sSup>
+                        <m:r>
+                          <a:rPr lang="it-IT" i="1">
+                            <a:solidFill>
+                              <a:srgbClr val="0070C0"/>
+                            </a:solidFill>
+                            <a:latin typeface="Cambria Math" panose="02040503050406030204" pitchFamily="18" charset="0"/>
+                            <a:ea typeface="Cambria Math" panose="02040503050406030204" pitchFamily="18" charset="0"/>
+                          </a:rPr>
+                          <m:t>×</m:t>
+                        </m:r>
+                        <m:sSup>
+                          <m:sSupPr>
+                            <m:ctrlPr>
+                              <a:rPr lang="it-IT" i="1">
+                                <a:solidFill>
+                                  <a:srgbClr val="0070C0"/>
+                                </a:solidFill>
+                                <a:latin typeface="Cambria Math" panose="02040503050406030204" pitchFamily="18" charset="0"/>
+                                <a:ea typeface="Cambria Math" panose="02040503050406030204" pitchFamily="18" charset="0"/>
+                              </a:rPr>
+                            </m:ctrlPr>
+                          </m:sSupPr>
+                          <m:e>
+                            <m:r>
+                              <a:rPr lang="it-IT" i="1">
+                                <a:solidFill>
+                                  <a:srgbClr val="0070C0"/>
+                                </a:solidFill>
+                                <a:latin typeface="Cambria Math" panose="02040503050406030204" pitchFamily="18" charset="0"/>
+                                <a:ea typeface="Cambria Math" panose="02040503050406030204" pitchFamily="18" charset="0"/>
+                              </a:rPr>
+                              <m:t>𝑑</m:t>
+                            </m:r>
+                          </m:e>
+                          <m:sup>
+                            <m:r>
+                              <a:rPr lang="it-IT" i="1">
+                                <a:solidFill>
+                                  <a:srgbClr val="0070C0"/>
+                                </a:solidFill>
+                                <a:latin typeface="Cambria Math" panose="02040503050406030204" pitchFamily="18" charset="0"/>
+                                <a:ea typeface="Cambria Math" panose="02040503050406030204" pitchFamily="18" charset="0"/>
+                              </a:rPr>
+                              <m:t>3</m:t>
+                            </m:r>
+                          </m:sup>
+                        </m:sSup>
+                      </m:e>
+                    </m:d>
+                  </m:oMath>
+                </a14:m>
+                <a:r>
+                  <a:rPr lang="it-IT" altLang="it-IT" dirty="0">
+                    <a:latin typeface="Tw Cen MT" panose="020B0602020104020603" pitchFamily="34" charset="0"/>
+                  </a:rPr>
+                  <a:t> </a:t>
+                </a:r>
+              </a:p>
+              <a:p>
+                <a:pPr marL="342900" indent="-342900" algn="just">
+                  <a:buFont typeface="Arial" panose="020B0604020202020204" pitchFamily="34" charset="0"/>
+                  <a:buChar char="•"/>
+                </a:pPr>
+                <a:r>
+                  <a:rPr lang="it-IT" altLang="it-IT" b="1" dirty="0">
+                    <a:latin typeface="Tw Cen MT" panose="020B0602020104020603" pitchFamily="34" charset="0"/>
+                  </a:rPr>
+                  <a:t>Struc2vec</a:t>
+                </a:r>
+                <a:r>
+                  <a:rPr lang="it-IT" altLang="it-IT" dirty="0">
+                    <a:latin typeface="Tw Cen MT" panose="020B0602020104020603" pitchFamily="34" charset="0"/>
+                  </a:rPr>
+                  <a:t>: complesso ma le sue componenti possono essere modificate, </a:t>
+                </a:r>
+                <a14:m>
+                  <m:oMath xmlns:m="http://schemas.openxmlformats.org/officeDocument/2006/math">
+                    <m:r>
+                      <a:rPr lang="it-IT" i="1">
+                        <a:solidFill>
+                          <a:srgbClr val="0070C0"/>
+                        </a:solidFill>
+                        <a:latin typeface="Cambria Math" panose="02040503050406030204" pitchFamily="18" charset="0"/>
+                      </a:rPr>
+                      <m:t>𝑂</m:t>
+                    </m:r>
+                    <m:d>
+                      <m:dPr>
+                        <m:ctrlPr>
+                          <a:rPr lang="it-IT" i="1">
+                            <a:solidFill>
+                              <a:srgbClr val="0070C0"/>
+                            </a:solidFill>
+                            <a:latin typeface="Cambria Math" panose="02040503050406030204" pitchFamily="18" charset="0"/>
+                          </a:rPr>
+                        </m:ctrlPr>
+                      </m:dPr>
+                      <m:e>
+                        <m:sSup>
+                          <m:sSupPr>
+                            <m:ctrlPr>
+                              <a:rPr lang="it-IT" i="1">
+                                <a:solidFill>
+                                  <a:srgbClr val="0070C0"/>
+                                </a:solidFill>
+                                <a:latin typeface="Cambria Math" panose="02040503050406030204" pitchFamily="18" charset="0"/>
+                              </a:rPr>
+                            </m:ctrlPr>
+                          </m:sSupPr>
+                          <m:e>
+                            <m:r>
+                              <a:rPr lang="it-IT" i="1">
+                                <a:solidFill>
+                                  <a:srgbClr val="0070C0"/>
+                                </a:solidFill>
+                                <a:latin typeface="Cambria Math" panose="02040503050406030204" pitchFamily="18" charset="0"/>
+                              </a:rPr>
+                              <m:t>𝑘</m:t>
+                            </m:r>
+                          </m:e>
+                          <m:sup>
+                            <m:r>
+                              <a:rPr lang="it-IT" i="1">
+                                <a:solidFill>
+                                  <a:srgbClr val="0070C0"/>
+                                </a:solidFill>
+                                <a:latin typeface="Cambria Math" panose="02040503050406030204" pitchFamily="18" charset="0"/>
+                              </a:rPr>
+                              <m:t>∗</m:t>
+                            </m:r>
+                          </m:sup>
+                        </m:sSup>
+                        <m:sSup>
+                          <m:sSupPr>
+                            <m:ctrlPr>
+                              <a:rPr lang="it-IT" i="1">
+                                <a:solidFill>
+                                  <a:srgbClr val="0070C0"/>
+                                </a:solidFill>
+                                <a:latin typeface="Cambria Math" panose="02040503050406030204" pitchFamily="18" charset="0"/>
+                              </a:rPr>
+                            </m:ctrlPr>
+                          </m:sSupPr>
+                          <m:e>
+                            <m:d>
+                              <m:dPr>
+                                <m:begChr m:val="|"/>
+                                <m:endChr m:val="|"/>
+                                <m:ctrlPr>
+                                  <a:rPr lang="it-IT" i="1">
+                                    <a:solidFill>
+                                      <a:srgbClr val="0070C0"/>
+                                    </a:solidFill>
+                                    <a:latin typeface="Cambria Math" panose="02040503050406030204" pitchFamily="18" charset="0"/>
+                                  </a:rPr>
+                                </m:ctrlPr>
+                              </m:dPr>
+                              <m:e>
+                                <m:r>
+                                  <a:rPr lang="it-IT" i="1">
+                                    <a:solidFill>
+                                      <a:srgbClr val="0070C0"/>
+                                    </a:solidFill>
+                                    <a:latin typeface="Cambria Math" panose="02040503050406030204" pitchFamily="18" charset="0"/>
+                                  </a:rPr>
+                                  <m:t>𝑉</m:t>
+                                </m:r>
+                              </m:e>
+                            </m:d>
+                          </m:e>
+                          <m:sup>
+                            <m:r>
+                              <a:rPr lang="it-IT" i="1">
+                                <a:solidFill>
+                                  <a:srgbClr val="0070C0"/>
+                                </a:solidFill>
+                                <a:latin typeface="Cambria Math" panose="02040503050406030204" pitchFamily="18" charset="0"/>
+                              </a:rPr>
+                              <m:t>3</m:t>
+                            </m:r>
+                          </m:sup>
+                        </m:sSup>
+                      </m:e>
+                    </m:d>
+                  </m:oMath>
+                </a14:m>
+                <a:r>
+                  <a:rPr lang="it-IT" altLang="it-IT" dirty="0">
+                    <a:latin typeface="Tw Cen MT" panose="020B0602020104020603" pitchFamily="34" charset="0"/>
+                  </a:rPr>
+                  <a:t>, sempre più citato (&gt;300 dal 2017)</a:t>
+                </a:r>
+              </a:p>
+              <a:p>
+                <a:pPr algn="just"/>
+                <a:endParaRPr lang="it-IT" altLang="it-IT" dirty="0">
+                  <a:latin typeface="Tw Cen MT" panose="020B0602020104020603" pitchFamily="34" charset="0"/>
+                </a:endParaRPr>
+              </a:p>
+              <a:p>
+                <a:pPr algn="just"/>
+                <a:r>
+                  <a:rPr lang="it-IT" altLang="it-IT" b="1" dirty="0">
+                    <a:latin typeface="Tw Cen MT" panose="020B0602020104020603" pitchFamily="34" charset="0"/>
+                  </a:rPr>
+                  <a:t>Futuro</a:t>
+                </a:r>
+                <a:r>
+                  <a:rPr lang="it-IT" altLang="it-IT" dirty="0">
+                    <a:latin typeface="Tw Cen MT" panose="020B0602020104020603" pitchFamily="34" charset="0"/>
+                  </a:rPr>
+                  <a:t>: ML (struc2vec) per via della NP-Completezza</a:t>
+                </a:r>
+              </a:p>
+            </p:txBody>
+          </p:sp>
+        </mc:Choice>
+        <mc:Fallback>
+          <p:sp>
+            <p:nvSpPr>
+              <p:cNvPr id="5" name="Title 1">
+                <a:extLst>
+                  <a:ext uri="{FF2B5EF4-FFF2-40B4-BE49-F238E27FC236}">
+                    <a16:creationId xmlns:a16="http://schemas.microsoft.com/office/drawing/2014/main" id="{DBC3FFBC-7C11-4F3E-B95A-562E8B90587A}"/>
+                  </a:ext>
+                </a:extLst>
+              </p:cNvPr>
+              <p:cNvSpPr txBox="1">
+                <a:spLocks noRot="1" noChangeAspect="1" noMove="1" noResize="1" noEditPoints="1" noAdjustHandles="1" noChangeArrowheads="1" noChangeShapeType="1" noTextEdit="1"/>
+              </p:cNvSpPr>
+              <p:nvPr/>
+            </p:nvSpPr>
+            <p:spPr bwMode="auto">
+              <a:xfrm>
+                <a:off x="292778" y="1181692"/>
+                <a:ext cx="8432122" cy="4814000"/>
+              </a:xfrm>
+              <a:prstGeom prst="rect">
+                <a:avLst/>
+              </a:prstGeom>
+              <a:blipFill>
+                <a:blip r:embed="rId3"/>
+                <a:stretch>
+                  <a:fillRect l="-1085" t="-1013" r="-1157"/>
+                </a:stretch>
+              </a:blipFill>
+              <a:ln>
+                <a:noFill/>
+              </a:ln>
+              <a:extLst>
+                <a:ext uri="{909E8E84-426E-40DD-AFC4-6F175D3DCCD1}">
+                  <a14:hiddenFill xmlns:a14="http://schemas.microsoft.com/office/drawing/2010/main">
+                    <a:solidFill>
+                      <a:srgbClr val="FFFFFF"/>
+                    </a:solidFill>
+                  </a14:hiddenFill>
+                </a:ext>
+                <a:ext uri="{91240B29-F687-4F45-9708-019B960494DF}">
+                  <a14:hiddenLine xmlns:a14="http://schemas.microsoft.com/office/drawing/2010/main" w="9525">
+                    <a:solidFill>
+                      <a:srgbClr val="000000"/>
+                    </a:solidFill>
+                    <a:miter lim="800000"/>
+                    <a:headEnd/>
+                    <a:tailEnd/>
+                  </a14:hiddenLine>
+                </a:ext>
+              </a:extLst>
+            </p:spPr>
+            <p:txBody>
+              <a:bodyPr/>
+              <a:lstStyle/>
+              <a:p>
+                <a:r>
+                  <a:rPr lang="it-IT">
+                    <a:noFill/>
+                  </a:rPr>
+                  <a:t> </a:t>
+                </a:r>
+              </a:p>
+            </p:txBody>
+          </p:sp>
+        </mc:Fallback>
+      </mc:AlternateContent>
     </p:spTree>
     <p:extLst>
       <p:ext uri="{BB962C8B-B14F-4D97-AF65-F5344CB8AC3E}">
@@ -12141,8 +12958,8 @@
           </a:p>
         </p:txBody>
       </p:sp>
-      <mc:AlternateContent xmlns:mc="http://schemas.openxmlformats.org/markup-compatibility/2006">
-        <mc:Choice xmlns:a14="http://schemas.microsoft.com/office/drawing/2010/main" Requires="a14">
+      <mc:AlternateContent xmlns:mc="http://schemas.openxmlformats.org/markup-compatibility/2006" xmlns:a14="http://schemas.microsoft.com/office/drawing/2010/main">
+        <mc:Choice Requires="a14">
           <p:sp>
             <p:nvSpPr>
               <p:cNvPr id="8" name="CasellaDiTesto 7">
@@ -12366,7 +13183,7 @@
             </p:txBody>
           </p:sp>
         </mc:Choice>
-        <mc:Fallback>
+        <mc:Fallback xmlns="">
           <p:sp>
             <p:nvSpPr>
               <p:cNvPr id="8" name="CasellaDiTesto 7">

--- a/Presentation/Presentation.pptx
+++ b/Presentation/Presentation.pptx
@@ -284,7 +284,7 @@
           <a:p>
             <a:fld id="{C8DBE15E-223F-41F1-9F94-2D73857FC7BA}" type="datetimeFigureOut">
               <a:rPr lang="it-IT" smtClean="0"/>
-              <a:t>01/06/2020</a:t>
+              <a:t>07/06/2020</a:t>
             </a:fld>
             <a:endParaRPr lang="it-IT"/>
           </a:p>
@@ -497,7 +497,7 @@
             <a:fld id="{2AD04753-9C7D-45A1-B290-034DCD5D3C5A}" type="datetimeFigureOut">
               <a:rPr lang="it-IT" altLang="it-IT"/>
               <a:pPr/>
-              <a:t>01/06/2020</a:t>
+              <a:t>07/06/2020</a:t>
             </a:fld>
             <a:endParaRPr lang="it-IT" altLang="it-IT"/>
           </a:p>
@@ -8933,8 +8933,8 @@
           </a:p>
         </p:txBody>
       </p:sp>
-      <mc:AlternateContent xmlns:mc="http://schemas.openxmlformats.org/markup-compatibility/2006">
-        <mc:Choice xmlns:a14="http://schemas.microsoft.com/office/drawing/2010/main" Requires="a14">
+      <mc:AlternateContent xmlns:mc="http://schemas.openxmlformats.org/markup-compatibility/2006" xmlns:a14="http://schemas.microsoft.com/office/drawing/2010/main">
+        <mc:Choice Requires="a14">
           <p:sp>
             <p:nvSpPr>
               <p:cNvPr id="8" name="CasellaDiTesto 7">
@@ -9259,7 +9259,7 @@
             </p:txBody>
           </p:sp>
         </mc:Choice>
-        <mc:Fallback>
+        <mc:Fallback xmlns="">
           <p:sp>
             <p:nvSpPr>
               <p:cNvPr id="8" name="CasellaDiTesto 7">
@@ -11346,10 +11346,10 @@
                   <a:buChar char="•"/>
                 </a:pPr>
                 <a:r>
-                  <a:rPr lang="it-IT" altLang="it-IT" b="1" dirty="0" err="1">
+                  <a:rPr lang="it-IT" altLang="it-IT" b="1" dirty="0">
                     <a:latin typeface="Tw Cen MT" panose="020B0602020104020603" pitchFamily="34" charset="0"/>
                   </a:rPr>
-                  <a:t>Lgraal</a:t>
+                  <a:t>L-GRAAL</a:t>
                 </a:r>
                 <a:r>
                   <a:rPr lang="it-IT" altLang="it-IT" dirty="0">
@@ -11372,7 +11372,7 @@
                 <a14:m>
                   <m:oMath xmlns:m="http://schemas.openxmlformats.org/officeDocument/2006/math">
                     <m:r>
-                      <a:rPr lang="it-IT" i="1">
+                      <a:rPr lang="it-IT" sz="2000" i="1">
                         <a:solidFill>
                           <a:srgbClr val="0070C0"/>
                         </a:solidFill>
@@ -11383,7 +11383,7 @@
                     <m:d>
                       <m:dPr>
                         <m:ctrlPr>
-                          <a:rPr lang="it-IT" i="1">
+                          <a:rPr lang="it-IT" sz="2000" i="1">
                             <a:solidFill>
                               <a:srgbClr val="0070C0"/>
                             </a:solidFill>
@@ -11395,7 +11395,7 @@
                         <m:sSup>
                           <m:sSupPr>
                             <m:ctrlPr>
-                              <a:rPr lang="it-IT" i="1">
+                              <a:rPr lang="it-IT" sz="2000" i="1">
                                 <a:solidFill>
                                   <a:srgbClr val="0070C0"/>
                                 </a:solidFill>
@@ -11409,7 +11409,7 @@
                                 <m:begChr m:val="|"/>
                                 <m:endChr m:val="|"/>
                                 <m:ctrlPr>
-                                  <a:rPr lang="it-IT" i="1">
+                                  <a:rPr lang="it-IT" sz="2000" i="1">
                                     <a:solidFill>
                                       <a:srgbClr val="0070C0"/>
                                     </a:solidFill>
@@ -11419,7 +11419,7 @@
                               </m:dPr>
                               <m:e>
                                 <m:r>
-                                  <a:rPr lang="it-IT" i="1">
+                                  <a:rPr lang="it-IT" sz="2000" i="1">
                                     <a:solidFill>
                                       <a:srgbClr val="0070C0"/>
                                     </a:solidFill>
@@ -11432,7 +11432,7 @@
                           </m:e>
                           <m:sup>
                             <m:r>
-                              <a:rPr lang="it-IT" i="1">
+                              <a:rPr lang="it-IT" sz="2000" i="1">
                                 <a:solidFill>
                                   <a:srgbClr val="0070C0"/>
                                 </a:solidFill>
@@ -11443,7 +11443,7 @@
                           </m:sup>
                         </m:sSup>
                         <m:r>
-                          <a:rPr lang="it-IT" i="1">
+                          <a:rPr lang="it-IT" sz="2000" i="1">
                             <a:solidFill>
                               <a:srgbClr val="0070C0"/>
                             </a:solidFill>
@@ -11454,7 +11454,7 @@
                         <m:sSup>
                           <m:sSupPr>
                             <m:ctrlPr>
-                              <a:rPr lang="it-IT" i="1">
+                              <a:rPr lang="it-IT" sz="2000" i="1">
                                 <a:solidFill>
                                   <a:srgbClr val="0070C0"/>
                                 </a:solidFill>
@@ -11468,7 +11468,7 @@
                                 <m:begChr m:val="|"/>
                                 <m:endChr m:val="|"/>
                                 <m:ctrlPr>
-                                  <a:rPr lang="it-IT" i="1">
+                                  <a:rPr lang="it-IT" sz="2000" i="1">
                                     <a:solidFill>
                                       <a:srgbClr val="0070C0"/>
                                     </a:solidFill>
@@ -11478,7 +11478,7 @@
                               </m:dPr>
                               <m:e>
                                 <m:r>
-                                  <a:rPr lang="it-IT" i="1">
+                                  <a:rPr lang="it-IT" sz="2000" i="1">
                                     <a:solidFill>
                                       <a:srgbClr val="0070C0"/>
                                     </a:solidFill>
@@ -11491,7 +11491,7 @@
                           </m:e>
                           <m:sup>
                             <m:r>
-                              <a:rPr lang="it-IT" i="1">
+                              <a:rPr lang="it-IT" sz="2000" i="1">
                                 <a:solidFill>
                                   <a:srgbClr val="0070C0"/>
                                 </a:solidFill>
@@ -11502,7 +11502,7 @@
                           </m:sup>
                         </m:sSup>
                         <m:r>
-                          <a:rPr lang="it-IT" i="1">
+                          <a:rPr lang="it-IT" sz="2000" i="1">
                             <a:solidFill>
                               <a:srgbClr val="0070C0"/>
                             </a:solidFill>
@@ -11514,7 +11514,7 @@
                         <m:sSup>
                           <m:sSupPr>
                             <m:ctrlPr>
-                              <a:rPr lang="it-IT" i="1">
+                              <a:rPr lang="it-IT" sz="2000" i="1">
                                 <a:solidFill>
                                   <a:srgbClr val="0070C0"/>
                                 </a:solidFill>
@@ -11525,7 +11525,7 @@
                           </m:sSupPr>
                           <m:e>
                             <m:r>
-                              <a:rPr lang="it-IT" i="1">
+                              <a:rPr lang="it-IT" sz="2000" i="1">
                                 <a:solidFill>
                                   <a:srgbClr val="0070C0"/>
                                 </a:solidFill>
@@ -11537,7 +11537,7 @@
                           </m:e>
                           <m:sup>
                             <m:r>
-                              <a:rPr lang="it-IT" i="1">
+                              <a:rPr lang="it-IT" sz="2000" i="1">
                                 <a:solidFill>
                                   <a:srgbClr val="0070C0"/>
                                 </a:solidFill>
@@ -11553,7 +11553,7 @@
                   </m:oMath>
                 </a14:m>
                 <a:r>
-                  <a:rPr lang="it-IT" altLang="it-IT" dirty="0">
+                  <a:rPr lang="it-IT" altLang="it-IT" sz="2000" dirty="0">
                     <a:latin typeface="Tw Cen MT" panose="020B0602020104020603" pitchFamily="34" charset="0"/>
                   </a:rPr>
                   <a:t> </a:t>
